--- a/卫星定位/WIFI室内定位方法综述.pptx
+++ b/卫星定位/WIFI室内定位方法综述.pptx
@@ -5,7 +5,7 @@
     <p:sldMasterId id="2147483648" r:id="rId1"/>
   </p:sldMasterIdLst>
   <p:notesMasterIdLst>
-    <p:notesMasterId r:id="rId19"/>
+    <p:notesMasterId r:id="rId20"/>
   </p:notesMasterIdLst>
   <p:sldIdLst>
     <p:sldId id="256" r:id="rId2"/>
@@ -18,13 +18,14 @@
     <p:sldId id="352" r:id="rId9"/>
     <p:sldId id="348" r:id="rId10"/>
     <p:sldId id="404" r:id="rId11"/>
-    <p:sldId id="353" r:id="rId12"/>
-    <p:sldId id="389" r:id="rId13"/>
-    <p:sldId id="392" r:id="rId14"/>
-    <p:sldId id="393" r:id="rId15"/>
-    <p:sldId id="400" r:id="rId16"/>
-    <p:sldId id="401" r:id="rId17"/>
-    <p:sldId id="278" r:id="rId18"/>
+    <p:sldId id="405" r:id="rId12"/>
+    <p:sldId id="353" r:id="rId13"/>
+    <p:sldId id="389" r:id="rId14"/>
+    <p:sldId id="392" r:id="rId15"/>
+    <p:sldId id="393" r:id="rId16"/>
+    <p:sldId id="400" r:id="rId17"/>
+    <p:sldId id="401" r:id="rId18"/>
+    <p:sldId id="278" r:id="rId19"/>
   </p:sldIdLst>
   <p:sldSz cx="9144000" cy="6858000" type="screen4x3"/>
   <p:notesSz cx="9144000" cy="6858000"/>
@@ -740,7 +741,7 @@
           <a:p>
             <a:fld id="{17A18CE6-1491-459C-B74B-4B1155A702FB}" type="slidenum">
               <a:rPr lang="zh-CN" altLang="en-US" smtClean="0"/>
-              <a:t>17</a:t>
+              <a:t>18</a:t>
             </a:fld>
             <a:endParaRPr lang="zh-CN" altLang="en-US"/>
           </a:p>
@@ -2680,7 +2681,7 @@
         <p:spPr>
           <a:xfrm>
             <a:off x="172818" y="2670232"/>
-            <a:ext cx="5107623" cy="3251764"/>
+            <a:ext cx="5033963" cy="3204868"/>
           </a:xfrm>
           <a:prstGeom prst="rect">
             <a:avLst/>
@@ -4156,12 +4157,16 @@
                   <a:t>待测位置与</a:t>
                 </a:r>
                 <a:r>
+                  <a:rPr lang="zh-CN" altLang="en-US" b="1" dirty="0"/>
+                  <a:t>两个</a:t>
+                </a:r>
+                <a:r>
                   <a:rPr lang="en-US" altLang="zh-CN" b="0" dirty="0"/>
                   <a:t>AP</a:t>
                 </a:r>
                 <a:r>
                   <a:rPr lang="zh-CN" altLang="en-US" b="0" dirty="0"/>
-                  <a:t>之间的距离</a:t>
+                  <a:t>的距离差</a:t>
                 </a:r>
                 <a14:m>
                   <m:oMath xmlns:m="http://schemas.openxmlformats.org/officeDocument/2006/math">
@@ -4354,7 +4359,7 @@
               <a:blipFill>
                 <a:blip r:embed="rId3"/>
                 <a:stretch>
-                  <a:fillRect l="-1216" t="-4455" r="-912" b="-4950"/>
+                  <a:fillRect l="-1216" t="-3960" r="-912" b="-4950"/>
                 </a:stretch>
               </a:blipFill>
             </p:spPr>
@@ -4408,6 +4413,76 @@
           </a:prstGeom>
         </p:spPr>
       </p:pic>
+      <p:sp>
+        <p:nvSpPr>
+          <p:cNvPr id="27" name="文本框 26">
+            <a:extLst>
+              <a:ext uri="{FF2B5EF4-FFF2-40B4-BE49-F238E27FC236}">
+                <a16:creationId xmlns:a16="http://schemas.microsoft.com/office/drawing/2014/main" id="{8D82E894-777D-4C0C-B9D4-E2241F9C3A94}"/>
+              </a:ext>
+            </a:extLst>
+          </p:cNvPr>
+          <p:cNvSpPr txBox="1"/>
+          <p:nvPr/>
+        </p:nvSpPr>
+        <p:spPr>
+          <a:xfrm>
+            <a:off x="5861797" y="1014372"/>
+            <a:ext cx="4623846" cy="954107"/>
+          </a:xfrm>
+          <a:prstGeom prst="rect">
+            <a:avLst/>
+          </a:prstGeom>
+          <a:noFill/>
+        </p:spPr>
+        <p:txBody>
+          <a:bodyPr wrap="square">
+            <a:spAutoFit/>
+          </a:bodyPr>
+          <a:lstStyle/>
+          <a:p>
+            <a:r>
+              <a:rPr lang="zh-CN" altLang="en-US" sz="2800" dirty="0">
+                <a:solidFill>
+                  <a:srgbClr val="FF0000"/>
+                </a:solidFill>
+              </a:rPr>
+              <a:t>各个</a:t>
+            </a:r>
+            <a:r>
+              <a:rPr lang="en-US" altLang="zh-CN" sz="2800" dirty="0">
+                <a:solidFill>
+                  <a:srgbClr val="FF0000"/>
+                </a:solidFill>
+              </a:rPr>
+              <a:t>AP</a:t>
+            </a:r>
+            <a:r>
+              <a:rPr lang="zh-CN" altLang="en-US" sz="2800" dirty="0">
+                <a:solidFill>
+                  <a:srgbClr val="FF0000"/>
+                </a:solidFill>
+              </a:rPr>
+              <a:t>之间</a:t>
+            </a:r>
+            <a:endParaRPr lang="en-US" altLang="zh-CN" sz="2800" dirty="0">
+              <a:solidFill>
+                <a:srgbClr val="FF0000"/>
+              </a:solidFill>
+            </a:endParaRPr>
+          </a:p>
+          <a:p>
+            <a:r>
+              <a:rPr lang="zh-CN" altLang="en-US" sz="2800" dirty="0">
+                <a:solidFill>
+                  <a:srgbClr val="FF0000"/>
+                </a:solidFill>
+              </a:rPr>
+              <a:t>严格时钟同步</a:t>
+            </a:r>
+          </a:p>
+        </p:txBody>
+      </p:sp>
     </p:spTree>
     <p:extLst>
       <p:ext uri="{BB962C8B-B14F-4D97-AF65-F5344CB8AC3E}">
@@ -4418,10 +4493,1814 @@
   <p:clrMapOvr>
     <a:masterClrMapping/>
   </p:clrMapOvr>
+  <p:timing>
+    <p:tnLst>
+      <p:par>
+        <p:cTn id="1" dur="indefinite" restart="never" nodeType="tmRoot">
+          <p:childTnLst>
+            <p:seq concurrent="1" nextAc="seek">
+              <p:cTn id="2" dur="indefinite" nodeType="mainSeq">
+                <p:childTnLst>
+                  <p:par>
+                    <p:cTn id="3" fill="hold">
+                      <p:stCondLst>
+                        <p:cond delay="indefinite"/>
+                      </p:stCondLst>
+                      <p:childTnLst>
+                        <p:par>
+                          <p:cTn id="4" fill="hold">
+                            <p:stCondLst>
+                              <p:cond delay="0"/>
+                            </p:stCondLst>
+                            <p:childTnLst>
+                              <p:par>
+                                <p:cTn id="5" presetID="1" presetClass="entr" presetSubtype="0" fill="hold" grpId="0" nodeType="clickEffect">
+                                  <p:stCondLst>
+                                    <p:cond delay="0"/>
+                                  </p:stCondLst>
+                                  <p:childTnLst>
+                                    <p:set>
+                                      <p:cBhvr>
+                                        <p:cTn id="6" dur="1" fill="hold">
+                                          <p:stCondLst>
+                                            <p:cond delay="0"/>
+                                          </p:stCondLst>
+                                        </p:cTn>
+                                        <p:tgtEl>
+                                          <p:spTgt spid="27"/>
+                                        </p:tgtEl>
+                                        <p:attrNameLst>
+                                          <p:attrName>style.visibility</p:attrName>
+                                        </p:attrNameLst>
+                                      </p:cBhvr>
+                                      <p:to>
+                                        <p:strVal val="visible"/>
+                                      </p:to>
+                                    </p:set>
+                                  </p:childTnLst>
+                                </p:cTn>
+                              </p:par>
+                            </p:childTnLst>
+                          </p:cTn>
+                        </p:par>
+                      </p:childTnLst>
+                    </p:cTn>
+                  </p:par>
+                </p:childTnLst>
+              </p:cTn>
+              <p:prevCondLst>
+                <p:cond evt="onPrev" delay="0">
+                  <p:tgtEl>
+                    <p:sldTgt/>
+                  </p:tgtEl>
+                </p:cond>
+              </p:prevCondLst>
+              <p:nextCondLst>
+                <p:cond evt="onNext" delay="0">
+                  <p:tgtEl>
+                    <p:sldTgt/>
+                  </p:tgtEl>
+                </p:cond>
+              </p:nextCondLst>
+            </p:seq>
+          </p:childTnLst>
+        </p:cTn>
+      </p:par>
+    </p:tnLst>
+    <p:bldLst>
+      <p:bldP spid="27" grpId="0"/>
+    </p:bldLst>
+  </p:timing>
 </p:sld>
 </file>
 
 <file path=ppt/slides/slide11.xml><?xml version="1.0" encoding="utf-8"?>
+<p:sld xmlns:a="http://schemas.openxmlformats.org/drawingml/2006/main" xmlns:r="http://schemas.openxmlformats.org/officeDocument/2006/relationships" xmlns:p="http://schemas.openxmlformats.org/presentationml/2006/main">
+  <p:cSld>
+    <p:spTree>
+      <p:nvGrpSpPr>
+        <p:cNvPr id="1" name=""/>
+        <p:cNvGrpSpPr/>
+        <p:nvPr/>
+      </p:nvGrpSpPr>
+      <p:grpSpPr>
+        <a:xfrm>
+          <a:off x="0" y="0"/>
+          <a:ext cx="0" cy="0"/>
+          <a:chOff x="0" y="0"/>
+          <a:chExt cx="0" cy="0"/>
+        </a:xfrm>
+      </p:grpSpPr>
+      <p:pic>
+        <p:nvPicPr>
+          <p:cNvPr id="25" name="图片 24" descr="图示&#10;&#10;描述已自动生成">
+            <a:extLst>
+              <a:ext uri="{FF2B5EF4-FFF2-40B4-BE49-F238E27FC236}">
+                <a16:creationId xmlns:a16="http://schemas.microsoft.com/office/drawing/2014/main" id="{9C8838F9-E151-4D88-A118-FF671ED721DE}"/>
+              </a:ext>
+            </a:extLst>
+          </p:cNvPr>
+          <p:cNvPicPr>
+            <a:picLocks noChangeAspect="1"/>
+          </p:cNvPicPr>
+          <p:nvPr/>
+        </p:nvPicPr>
+        <p:blipFill>
+          <a:blip r:embed="rId2">
+            <a:extLst>
+              <a:ext uri="{28A0092B-C50C-407E-A947-70E740481C1C}">
+                <a14:useLocalDpi xmlns:a14="http://schemas.microsoft.com/office/drawing/2010/main" val="0"/>
+              </a:ext>
+            </a:extLst>
+          </a:blip>
+          <a:stretch>
+            <a:fillRect/>
+          </a:stretch>
+        </p:blipFill>
+        <p:spPr>
+          <a:xfrm>
+            <a:off x="5181600" y="4277152"/>
+            <a:ext cx="2838450" cy="1965759"/>
+          </a:xfrm>
+          <a:prstGeom prst="rect">
+            <a:avLst/>
+          </a:prstGeom>
+        </p:spPr>
+      </p:pic>
+      <p:pic>
+        <p:nvPicPr>
+          <p:cNvPr id="20" name="图片 19" descr="图示&#10;&#10;描述已自动生成">
+            <a:extLst>
+              <a:ext uri="{FF2B5EF4-FFF2-40B4-BE49-F238E27FC236}">
+                <a16:creationId xmlns:a16="http://schemas.microsoft.com/office/drawing/2014/main" id="{D3A1D3BB-2666-46BC-A3C1-BAC18E303E72}"/>
+              </a:ext>
+            </a:extLst>
+          </p:cNvPr>
+          <p:cNvPicPr>
+            <a:picLocks noChangeAspect="1"/>
+          </p:cNvPicPr>
+          <p:nvPr/>
+        </p:nvPicPr>
+        <p:blipFill>
+          <a:blip r:embed="rId3">
+            <a:extLst>
+              <a:ext uri="{28A0092B-C50C-407E-A947-70E740481C1C}">
+                <a14:useLocalDpi xmlns:a14="http://schemas.microsoft.com/office/drawing/2010/main" val="0"/>
+              </a:ext>
+            </a:extLst>
+          </a:blip>
+          <a:stretch>
+            <a:fillRect/>
+          </a:stretch>
+        </p:blipFill>
+        <p:spPr>
+          <a:xfrm>
+            <a:off x="89915" y="2733309"/>
+            <a:ext cx="4692169" cy="3077659"/>
+          </a:xfrm>
+          <a:prstGeom prst="rect">
+            <a:avLst/>
+          </a:prstGeom>
+        </p:spPr>
+      </p:pic>
+      <p:grpSp>
+        <p:nvGrpSpPr>
+          <p:cNvPr id="2" name="object 2"/>
+          <p:cNvGrpSpPr/>
+          <p:nvPr/>
+        </p:nvGrpSpPr>
+        <p:grpSpPr>
+          <a:xfrm>
+            <a:off x="89915" y="135636"/>
+            <a:ext cx="262255" cy="576580"/>
+            <a:chOff x="89915" y="135636"/>
+            <a:chExt cx="262255" cy="576580"/>
+          </a:xfrm>
+        </p:grpSpPr>
+        <p:sp>
+          <p:nvSpPr>
+            <p:cNvPr id="3" name="object 3"/>
+            <p:cNvSpPr/>
+            <p:nvPr/>
+          </p:nvSpPr>
+          <p:spPr>
+            <a:xfrm>
+              <a:off x="278892" y="387095"/>
+              <a:ext cx="73660" cy="325120"/>
+            </a:xfrm>
+            <a:custGeom>
+              <a:avLst/>
+              <a:gdLst/>
+              <a:ahLst/>
+              <a:cxnLst/>
+              <a:rect l="l" t="t" r="r" b="b"/>
+              <a:pathLst>
+                <a:path w="73660" h="325120">
+                  <a:moveTo>
+                    <a:pt x="0" y="324612"/>
+                  </a:moveTo>
+                  <a:lnTo>
+                    <a:pt x="73151" y="324612"/>
+                  </a:lnTo>
+                  <a:lnTo>
+                    <a:pt x="73151" y="0"/>
+                  </a:lnTo>
+                  <a:lnTo>
+                    <a:pt x="0" y="0"/>
+                  </a:lnTo>
+                  <a:lnTo>
+                    <a:pt x="0" y="324612"/>
+                  </a:lnTo>
+                  <a:close/>
+                </a:path>
+              </a:pathLst>
+            </a:custGeom>
+            <a:solidFill>
+              <a:srgbClr val="4471C4"/>
+            </a:solidFill>
+          </p:spPr>
+          <p:txBody>
+            <a:bodyPr wrap="square" lIns="0" tIns="0" rIns="0" bIns="0" rtlCol="0"/>
+            <a:lstStyle/>
+            <a:p>
+              <a:pPr marL="0" marR="0" lvl="0" indent="0" algn="l" defTabSz="914400" rtl="0" eaLnBrk="1" fontAlgn="auto" latinLnBrk="0" hangingPunct="1">
+                <a:lnSpc>
+                  <a:spcPct val="100000"/>
+                </a:lnSpc>
+                <a:spcBef>
+                  <a:spcPts val="0"/>
+                </a:spcBef>
+                <a:spcAft>
+                  <a:spcPts val="0"/>
+                </a:spcAft>
+                <a:buClrTx/>
+                <a:buSzTx/>
+                <a:buFontTx/>
+                <a:buNone/>
+                <a:tabLst/>
+                <a:defRPr/>
+              </a:pPr>
+              <a:endParaRPr kumimoji="0" sz="1800" b="0" i="0" u="none" strike="noStrike" kern="1200" cap="none" spc="0" normalizeH="0" baseline="0" noProof="0">
+                <a:ln>
+                  <a:noFill/>
+                </a:ln>
+                <a:solidFill>
+                  <a:prstClr val="black"/>
+                </a:solidFill>
+                <a:effectLst/>
+                <a:uLnTx/>
+                <a:uFillTx/>
+                <a:latin typeface="Calibri"/>
+                <a:ea typeface="+mn-ea"/>
+                <a:cs typeface="+mn-cs"/>
+              </a:endParaRPr>
+            </a:p>
+          </p:txBody>
+        </p:sp>
+        <p:sp>
+          <p:nvSpPr>
+            <p:cNvPr id="4" name="object 4"/>
+            <p:cNvSpPr/>
+            <p:nvPr/>
+          </p:nvSpPr>
+          <p:spPr>
+            <a:xfrm>
+              <a:off x="89915" y="135636"/>
+              <a:ext cx="189230" cy="251460"/>
+            </a:xfrm>
+            <a:custGeom>
+              <a:avLst/>
+              <a:gdLst/>
+              <a:ahLst/>
+              <a:cxnLst/>
+              <a:rect l="l" t="t" r="r" b="b"/>
+              <a:pathLst>
+                <a:path w="189229" h="251460">
+                  <a:moveTo>
+                    <a:pt x="188976" y="0"/>
+                  </a:moveTo>
+                  <a:lnTo>
+                    <a:pt x="0" y="0"/>
+                  </a:lnTo>
+                  <a:lnTo>
+                    <a:pt x="0" y="251459"/>
+                  </a:lnTo>
+                  <a:lnTo>
+                    <a:pt x="188976" y="251459"/>
+                  </a:lnTo>
+                  <a:lnTo>
+                    <a:pt x="188976" y="0"/>
+                  </a:lnTo>
+                  <a:close/>
+                </a:path>
+              </a:pathLst>
+            </a:custGeom>
+            <a:solidFill>
+              <a:srgbClr val="2E5496"/>
+            </a:solidFill>
+          </p:spPr>
+          <p:txBody>
+            <a:bodyPr wrap="square" lIns="0" tIns="0" rIns="0" bIns="0" rtlCol="0"/>
+            <a:lstStyle/>
+            <a:p>
+              <a:pPr marL="0" marR="0" lvl="0" indent="0" algn="l" defTabSz="914400" rtl="0" eaLnBrk="1" fontAlgn="auto" latinLnBrk="0" hangingPunct="1">
+                <a:lnSpc>
+                  <a:spcPct val="100000"/>
+                </a:lnSpc>
+                <a:spcBef>
+                  <a:spcPts val="0"/>
+                </a:spcBef>
+                <a:spcAft>
+                  <a:spcPts val="0"/>
+                </a:spcAft>
+                <a:buClrTx/>
+                <a:buSzTx/>
+                <a:buFontTx/>
+                <a:buNone/>
+                <a:tabLst/>
+                <a:defRPr/>
+              </a:pPr>
+              <a:endParaRPr kumimoji="0" sz="1800" b="0" i="0" u="none" strike="noStrike" kern="1200" cap="none" spc="0" normalizeH="0" baseline="0" noProof="0">
+                <a:ln>
+                  <a:noFill/>
+                </a:ln>
+                <a:solidFill>
+                  <a:prstClr val="black"/>
+                </a:solidFill>
+                <a:effectLst/>
+                <a:uLnTx/>
+                <a:uFillTx/>
+                <a:latin typeface="Calibri"/>
+                <a:ea typeface="+mn-ea"/>
+                <a:cs typeface="+mn-cs"/>
+              </a:endParaRPr>
+            </a:p>
+          </p:txBody>
+        </p:sp>
+      </p:grpSp>
+      <p:grpSp>
+        <p:nvGrpSpPr>
+          <p:cNvPr id="5" name="object 5"/>
+          <p:cNvGrpSpPr/>
+          <p:nvPr/>
+        </p:nvGrpSpPr>
+        <p:grpSpPr>
+          <a:xfrm>
+            <a:off x="0" y="6304788"/>
+            <a:ext cx="9144000" cy="553720"/>
+            <a:chOff x="0" y="6304788"/>
+            <a:chExt cx="9144000" cy="553720"/>
+          </a:xfrm>
+        </p:grpSpPr>
+        <p:sp>
+          <p:nvSpPr>
+            <p:cNvPr id="6" name="object 6"/>
+            <p:cNvSpPr/>
+            <p:nvPr/>
+          </p:nvSpPr>
+          <p:spPr>
+            <a:xfrm>
+              <a:off x="8420100" y="6318503"/>
+              <a:ext cx="405765" cy="539750"/>
+            </a:xfrm>
+            <a:custGeom>
+              <a:avLst/>
+              <a:gdLst/>
+              <a:ahLst/>
+              <a:cxnLst/>
+              <a:rect l="l" t="t" r="r" b="b"/>
+              <a:pathLst>
+                <a:path w="405765" h="539750">
+                  <a:moveTo>
+                    <a:pt x="405383" y="0"/>
+                  </a:moveTo>
+                  <a:lnTo>
+                    <a:pt x="0" y="0"/>
+                  </a:lnTo>
+                  <a:lnTo>
+                    <a:pt x="0" y="539496"/>
+                  </a:lnTo>
+                  <a:lnTo>
+                    <a:pt x="405383" y="539496"/>
+                  </a:lnTo>
+                  <a:lnTo>
+                    <a:pt x="405383" y="0"/>
+                  </a:lnTo>
+                  <a:close/>
+                </a:path>
+              </a:pathLst>
+            </a:custGeom>
+            <a:solidFill>
+              <a:srgbClr val="4471C4"/>
+            </a:solidFill>
+          </p:spPr>
+          <p:txBody>
+            <a:bodyPr wrap="square" lIns="0" tIns="0" rIns="0" bIns="0" rtlCol="0"/>
+            <a:lstStyle/>
+            <a:p>
+              <a:pPr marL="0" marR="0" lvl="0" indent="0" algn="l" defTabSz="914400" rtl="0" eaLnBrk="1" fontAlgn="auto" latinLnBrk="0" hangingPunct="1">
+                <a:lnSpc>
+                  <a:spcPct val="100000"/>
+                </a:lnSpc>
+                <a:spcBef>
+                  <a:spcPts val="0"/>
+                </a:spcBef>
+                <a:spcAft>
+                  <a:spcPts val="0"/>
+                </a:spcAft>
+                <a:buClrTx/>
+                <a:buSzTx/>
+                <a:buFontTx/>
+                <a:buNone/>
+                <a:tabLst/>
+                <a:defRPr/>
+              </a:pPr>
+              <a:endParaRPr kumimoji="0" sz="1800" b="0" i="0" u="none" strike="noStrike" kern="1200" cap="none" spc="0" normalizeH="0" baseline="0" noProof="0">
+                <a:ln>
+                  <a:noFill/>
+                </a:ln>
+                <a:solidFill>
+                  <a:prstClr val="black"/>
+                </a:solidFill>
+                <a:effectLst/>
+                <a:uLnTx/>
+                <a:uFillTx/>
+                <a:latin typeface="Calibri"/>
+                <a:ea typeface="+mn-ea"/>
+                <a:cs typeface="+mn-cs"/>
+              </a:endParaRPr>
+            </a:p>
+          </p:txBody>
+        </p:sp>
+        <p:sp>
+          <p:nvSpPr>
+            <p:cNvPr id="7" name="object 7"/>
+            <p:cNvSpPr/>
+            <p:nvPr/>
+          </p:nvSpPr>
+          <p:spPr>
+            <a:xfrm>
+              <a:off x="0" y="6307836"/>
+              <a:ext cx="9144000" cy="0"/>
+            </a:xfrm>
+            <a:custGeom>
+              <a:avLst/>
+              <a:gdLst/>
+              <a:ahLst/>
+              <a:cxnLst/>
+              <a:rect l="l" t="t" r="r" b="b"/>
+              <a:pathLst>
+                <a:path w="9144000">
+                  <a:moveTo>
+                    <a:pt x="0" y="0"/>
+                  </a:moveTo>
+                  <a:lnTo>
+                    <a:pt x="9144000" y="0"/>
+                  </a:lnTo>
+                </a:path>
+              </a:pathLst>
+            </a:custGeom>
+            <a:ln w="6096">
+              <a:solidFill>
+                <a:srgbClr val="4471C4"/>
+              </a:solidFill>
+            </a:ln>
+          </p:spPr>
+          <p:txBody>
+            <a:bodyPr wrap="square" lIns="0" tIns="0" rIns="0" bIns="0" rtlCol="0"/>
+            <a:lstStyle/>
+            <a:p>
+              <a:pPr marL="0" marR="0" lvl="0" indent="0" algn="l" defTabSz="914400" rtl="0" eaLnBrk="1" fontAlgn="auto" latinLnBrk="0" hangingPunct="1">
+                <a:lnSpc>
+                  <a:spcPct val="100000"/>
+                </a:lnSpc>
+                <a:spcBef>
+                  <a:spcPts val="0"/>
+                </a:spcBef>
+                <a:spcAft>
+                  <a:spcPts val="0"/>
+                </a:spcAft>
+                <a:buClrTx/>
+                <a:buSzTx/>
+                <a:buFontTx/>
+                <a:buNone/>
+                <a:tabLst/>
+                <a:defRPr/>
+              </a:pPr>
+              <a:endParaRPr kumimoji="0" sz="1800" b="0" i="0" u="none" strike="noStrike" kern="1200" cap="none" spc="0" normalizeH="0" baseline="0" noProof="0">
+                <a:ln>
+                  <a:noFill/>
+                </a:ln>
+                <a:solidFill>
+                  <a:prstClr val="black"/>
+                </a:solidFill>
+                <a:effectLst/>
+                <a:uLnTx/>
+                <a:uFillTx/>
+                <a:latin typeface="Calibri"/>
+                <a:ea typeface="+mn-ea"/>
+                <a:cs typeface="+mn-cs"/>
+              </a:endParaRPr>
+            </a:p>
+          </p:txBody>
+        </p:sp>
+      </p:grpSp>
+      <p:grpSp>
+        <p:nvGrpSpPr>
+          <p:cNvPr id="8" name="object 8"/>
+          <p:cNvGrpSpPr/>
+          <p:nvPr/>
+        </p:nvGrpSpPr>
+        <p:grpSpPr>
+          <a:xfrm>
+            <a:off x="348995" y="207263"/>
+            <a:ext cx="7827645" cy="591820"/>
+            <a:chOff x="348995" y="207263"/>
+            <a:chExt cx="7827645" cy="591820"/>
+          </a:xfrm>
+        </p:grpSpPr>
+        <p:sp>
+          <p:nvSpPr>
+            <p:cNvPr id="9" name="object 9"/>
+            <p:cNvSpPr/>
+            <p:nvPr/>
+          </p:nvSpPr>
+          <p:spPr>
+            <a:xfrm>
+              <a:off x="739902" y="483870"/>
+              <a:ext cx="7047230" cy="0"/>
+            </a:xfrm>
+            <a:custGeom>
+              <a:avLst/>
+              <a:gdLst/>
+              <a:ahLst/>
+              <a:cxnLst/>
+              <a:rect l="l" t="t" r="r" b="b"/>
+              <a:pathLst>
+                <a:path w="7047230">
+                  <a:moveTo>
+                    <a:pt x="0" y="0"/>
+                  </a:moveTo>
+                  <a:lnTo>
+                    <a:pt x="7046976" y="0"/>
+                  </a:lnTo>
+                </a:path>
+              </a:pathLst>
+            </a:custGeom>
+            <a:ln w="22860">
+              <a:solidFill>
+                <a:srgbClr val="006FC0"/>
+              </a:solidFill>
+            </a:ln>
+          </p:spPr>
+          <p:txBody>
+            <a:bodyPr wrap="square" lIns="0" tIns="0" rIns="0" bIns="0" rtlCol="0"/>
+            <a:lstStyle/>
+            <a:p>
+              <a:pPr marL="0" marR="0" lvl="0" indent="0" algn="l" defTabSz="914400" rtl="0" eaLnBrk="1" fontAlgn="auto" latinLnBrk="0" hangingPunct="1">
+                <a:lnSpc>
+                  <a:spcPct val="100000"/>
+                </a:lnSpc>
+                <a:spcBef>
+                  <a:spcPts val="0"/>
+                </a:spcBef>
+                <a:spcAft>
+                  <a:spcPts val="0"/>
+                </a:spcAft>
+                <a:buClrTx/>
+                <a:buSzTx/>
+                <a:buFontTx/>
+                <a:buNone/>
+                <a:tabLst/>
+                <a:defRPr/>
+              </a:pPr>
+              <a:endParaRPr kumimoji="0" sz="1800" b="0" i="0" u="none" strike="noStrike" kern="1200" cap="none" spc="0" normalizeH="0" baseline="0" noProof="0">
+                <a:ln>
+                  <a:noFill/>
+                </a:ln>
+                <a:solidFill>
+                  <a:prstClr val="black"/>
+                </a:solidFill>
+                <a:effectLst/>
+                <a:uLnTx/>
+                <a:uFillTx/>
+                <a:latin typeface="Calibri"/>
+                <a:ea typeface="+mn-ea"/>
+                <a:cs typeface="+mn-cs"/>
+              </a:endParaRPr>
+            </a:p>
+          </p:txBody>
+        </p:sp>
+        <p:sp>
+          <p:nvSpPr>
+            <p:cNvPr id="10" name="object 10"/>
+            <p:cNvSpPr/>
+            <p:nvPr/>
+          </p:nvSpPr>
+          <p:spPr>
+            <a:xfrm>
+              <a:off x="1028700" y="210311"/>
+              <a:ext cx="7145020" cy="585470"/>
+            </a:xfrm>
+            <a:custGeom>
+              <a:avLst/>
+              <a:gdLst/>
+              <a:ahLst/>
+              <a:cxnLst/>
+              <a:rect l="l" t="t" r="r" b="b"/>
+              <a:pathLst>
+                <a:path w="7145020" h="585470">
+                  <a:moveTo>
+                    <a:pt x="7144511" y="0"/>
+                  </a:moveTo>
+                  <a:lnTo>
+                    <a:pt x="0" y="0"/>
+                  </a:lnTo>
+                  <a:lnTo>
+                    <a:pt x="0" y="585216"/>
+                  </a:lnTo>
+                  <a:lnTo>
+                    <a:pt x="7144511" y="585216"/>
+                  </a:lnTo>
+                  <a:lnTo>
+                    <a:pt x="7144511" y="0"/>
+                  </a:lnTo>
+                  <a:close/>
+                </a:path>
+              </a:pathLst>
+            </a:custGeom>
+            <a:solidFill>
+              <a:srgbClr val="006FC0"/>
+            </a:solidFill>
+          </p:spPr>
+          <p:txBody>
+            <a:bodyPr wrap="square" lIns="0" tIns="0" rIns="0" bIns="0" rtlCol="0"/>
+            <a:lstStyle/>
+            <a:p>
+              <a:pPr marL="0" marR="0" lvl="0" indent="0" algn="l" defTabSz="914400" rtl="0" eaLnBrk="1" fontAlgn="auto" latinLnBrk="0" hangingPunct="1">
+                <a:lnSpc>
+                  <a:spcPct val="100000"/>
+                </a:lnSpc>
+                <a:spcBef>
+                  <a:spcPts val="0"/>
+                </a:spcBef>
+                <a:spcAft>
+                  <a:spcPts val="0"/>
+                </a:spcAft>
+                <a:buClrTx/>
+                <a:buSzTx/>
+                <a:buFontTx/>
+                <a:buNone/>
+                <a:tabLst/>
+                <a:defRPr/>
+              </a:pPr>
+              <a:endParaRPr kumimoji="0" sz="1800" b="0" i="0" u="none" strike="noStrike" kern="1200" cap="none" spc="0" normalizeH="0" baseline="0" noProof="0" dirty="0">
+                <a:ln>
+                  <a:noFill/>
+                </a:ln>
+                <a:solidFill>
+                  <a:prstClr val="black"/>
+                </a:solidFill>
+                <a:effectLst/>
+                <a:uLnTx/>
+                <a:uFillTx/>
+                <a:latin typeface="Calibri"/>
+                <a:ea typeface="+mn-ea"/>
+                <a:cs typeface="+mn-cs"/>
+              </a:endParaRPr>
+            </a:p>
+          </p:txBody>
+        </p:sp>
+        <p:sp>
+          <p:nvSpPr>
+            <p:cNvPr id="11" name="object 11"/>
+            <p:cNvSpPr/>
+            <p:nvPr/>
+          </p:nvSpPr>
+          <p:spPr>
+            <a:xfrm>
+              <a:off x="1028700" y="210311"/>
+              <a:ext cx="7145020" cy="585470"/>
+            </a:xfrm>
+            <a:custGeom>
+              <a:avLst/>
+              <a:gdLst/>
+              <a:ahLst/>
+              <a:cxnLst/>
+              <a:rect l="l" t="t" r="r" b="b"/>
+              <a:pathLst>
+                <a:path w="7145020" h="585470">
+                  <a:moveTo>
+                    <a:pt x="0" y="585216"/>
+                  </a:moveTo>
+                  <a:lnTo>
+                    <a:pt x="7144511" y="585216"/>
+                  </a:lnTo>
+                  <a:lnTo>
+                    <a:pt x="7144511" y="0"/>
+                  </a:lnTo>
+                  <a:lnTo>
+                    <a:pt x="0" y="0"/>
+                  </a:lnTo>
+                  <a:lnTo>
+                    <a:pt x="0" y="585216"/>
+                  </a:lnTo>
+                  <a:close/>
+                </a:path>
+              </a:pathLst>
+            </a:custGeom>
+            <a:ln w="6096">
+              <a:solidFill>
+                <a:srgbClr val="006FC0"/>
+              </a:solidFill>
+            </a:ln>
+          </p:spPr>
+          <p:txBody>
+            <a:bodyPr wrap="square" lIns="0" tIns="0" rIns="0" bIns="0" rtlCol="0"/>
+            <a:lstStyle/>
+            <a:p>
+              <a:pPr marL="0" marR="0" lvl="0" indent="0" algn="l" defTabSz="914400" rtl="0" eaLnBrk="1" fontAlgn="auto" latinLnBrk="0" hangingPunct="1">
+                <a:lnSpc>
+                  <a:spcPct val="100000"/>
+                </a:lnSpc>
+                <a:spcBef>
+                  <a:spcPts val="0"/>
+                </a:spcBef>
+                <a:spcAft>
+                  <a:spcPts val="0"/>
+                </a:spcAft>
+                <a:buClrTx/>
+                <a:buSzTx/>
+                <a:buFontTx/>
+                <a:buNone/>
+                <a:tabLst/>
+                <a:defRPr/>
+              </a:pPr>
+              <a:endParaRPr kumimoji="0" sz="1800" b="0" i="0" u="none" strike="noStrike" kern="1200" cap="none" spc="0" normalizeH="0" baseline="0" noProof="0">
+                <a:ln>
+                  <a:noFill/>
+                </a:ln>
+                <a:solidFill>
+                  <a:prstClr val="black"/>
+                </a:solidFill>
+                <a:effectLst/>
+                <a:uLnTx/>
+                <a:uFillTx/>
+                <a:latin typeface="Calibri"/>
+                <a:ea typeface="+mn-ea"/>
+                <a:cs typeface="+mn-cs"/>
+              </a:endParaRPr>
+            </a:p>
+          </p:txBody>
+        </p:sp>
+        <p:sp>
+          <p:nvSpPr>
+            <p:cNvPr id="12" name="object 12"/>
+            <p:cNvSpPr/>
+            <p:nvPr/>
+          </p:nvSpPr>
+          <p:spPr>
+            <a:xfrm>
+              <a:off x="352043" y="210311"/>
+              <a:ext cx="516890" cy="585470"/>
+            </a:xfrm>
+            <a:custGeom>
+              <a:avLst/>
+              <a:gdLst/>
+              <a:ahLst/>
+              <a:cxnLst/>
+              <a:rect l="l" t="t" r="r" b="b"/>
+              <a:pathLst>
+                <a:path w="516890" h="585470">
+                  <a:moveTo>
+                    <a:pt x="516636" y="0"/>
+                  </a:moveTo>
+                  <a:lnTo>
+                    <a:pt x="0" y="0"/>
+                  </a:lnTo>
+                  <a:lnTo>
+                    <a:pt x="0" y="585216"/>
+                  </a:lnTo>
+                  <a:lnTo>
+                    <a:pt x="516636" y="585216"/>
+                  </a:lnTo>
+                  <a:lnTo>
+                    <a:pt x="516636" y="0"/>
+                  </a:lnTo>
+                  <a:close/>
+                </a:path>
+              </a:pathLst>
+            </a:custGeom>
+            <a:solidFill>
+              <a:srgbClr val="006FC0"/>
+            </a:solidFill>
+          </p:spPr>
+          <p:txBody>
+            <a:bodyPr wrap="square" lIns="0" tIns="0" rIns="0" bIns="0" rtlCol="0"/>
+            <a:lstStyle/>
+            <a:p>
+              <a:pPr marL="0" marR="0" lvl="0" indent="0" algn="l" defTabSz="914400" rtl="0" eaLnBrk="1" fontAlgn="auto" latinLnBrk="0" hangingPunct="1">
+                <a:lnSpc>
+                  <a:spcPct val="100000"/>
+                </a:lnSpc>
+                <a:spcBef>
+                  <a:spcPts val="0"/>
+                </a:spcBef>
+                <a:spcAft>
+                  <a:spcPts val="0"/>
+                </a:spcAft>
+                <a:buClrTx/>
+                <a:buSzTx/>
+                <a:buFontTx/>
+                <a:buNone/>
+                <a:tabLst/>
+                <a:defRPr/>
+              </a:pPr>
+              <a:endParaRPr kumimoji="0" sz="1800" b="0" i="0" u="none" strike="noStrike" kern="1200" cap="none" spc="0" normalizeH="0" baseline="0" noProof="0">
+                <a:ln>
+                  <a:noFill/>
+                </a:ln>
+                <a:solidFill>
+                  <a:prstClr val="black"/>
+                </a:solidFill>
+                <a:effectLst/>
+                <a:uLnTx/>
+                <a:uFillTx/>
+                <a:latin typeface="Calibri"/>
+                <a:ea typeface="+mn-ea"/>
+                <a:cs typeface="+mn-cs"/>
+              </a:endParaRPr>
+            </a:p>
+          </p:txBody>
+        </p:sp>
+        <p:sp>
+          <p:nvSpPr>
+            <p:cNvPr id="13" name="object 13"/>
+            <p:cNvSpPr/>
+            <p:nvPr/>
+          </p:nvSpPr>
+          <p:spPr>
+            <a:xfrm>
+              <a:off x="352043" y="210311"/>
+              <a:ext cx="516890" cy="585470"/>
+            </a:xfrm>
+            <a:custGeom>
+              <a:avLst/>
+              <a:gdLst/>
+              <a:ahLst/>
+              <a:cxnLst/>
+              <a:rect l="l" t="t" r="r" b="b"/>
+              <a:pathLst>
+                <a:path w="516890" h="585470">
+                  <a:moveTo>
+                    <a:pt x="0" y="585216"/>
+                  </a:moveTo>
+                  <a:lnTo>
+                    <a:pt x="516636" y="585216"/>
+                  </a:lnTo>
+                  <a:lnTo>
+                    <a:pt x="516636" y="0"/>
+                  </a:lnTo>
+                  <a:lnTo>
+                    <a:pt x="0" y="0"/>
+                  </a:lnTo>
+                  <a:lnTo>
+                    <a:pt x="0" y="585216"/>
+                  </a:lnTo>
+                  <a:close/>
+                </a:path>
+              </a:pathLst>
+            </a:custGeom>
+            <a:ln w="6096">
+              <a:solidFill>
+                <a:srgbClr val="006FC0"/>
+              </a:solidFill>
+            </a:ln>
+          </p:spPr>
+          <p:txBody>
+            <a:bodyPr wrap="square" lIns="0" tIns="0" rIns="0" bIns="0" rtlCol="0"/>
+            <a:lstStyle/>
+            <a:p>
+              <a:pPr marL="0" marR="0" lvl="0" indent="0" algn="l" defTabSz="914400" rtl="0" eaLnBrk="1" fontAlgn="auto" latinLnBrk="0" hangingPunct="1">
+                <a:lnSpc>
+                  <a:spcPct val="100000"/>
+                </a:lnSpc>
+                <a:spcBef>
+                  <a:spcPts val="0"/>
+                </a:spcBef>
+                <a:spcAft>
+                  <a:spcPts val="0"/>
+                </a:spcAft>
+                <a:buClrTx/>
+                <a:buSzTx/>
+                <a:buFontTx/>
+                <a:buNone/>
+                <a:tabLst/>
+                <a:defRPr/>
+              </a:pPr>
+              <a:endParaRPr kumimoji="0" sz="1800" b="0" i="0" u="none" strike="noStrike" kern="1200" cap="none" spc="0" normalizeH="0" baseline="0" noProof="0">
+                <a:ln>
+                  <a:noFill/>
+                </a:ln>
+                <a:solidFill>
+                  <a:prstClr val="black"/>
+                </a:solidFill>
+                <a:effectLst/>
+                <a:uLnTx/>
+                <a:uFillTx/>
+                <a:latin typeface="Calibri"/>
+                <a:ea typeface="+mn-ea"/>
+                <a:cs typeface="+mn-cs"/>
+              </a:endParaRPr>
+            </a:p>
+          </p:txBody>
+        </p:sp>
+      </p:grpSp>
+      <p:sp>
+        <p:nvSpPr>
+          <p:cNvPr id="14" name="object 14"/>
+          <p:cNvSpPr txBox="1">
+            <a:spLocks noGrp="1"/>
+          </p:cNvSpPr>
+          <p:nvPr>
+            <p:ph type="title"/>
+          </p:nvPr>
+        </p:nvSpPr>
+        <p:spPr>
+          <a:xfrm>
+            <a:off x="457300" y="199390"/>
+            <a:ext cx="6857899" cy="566822"/>
+          </a:xfrm>
+          <a:prstGeom prst="rect">
+            <a:avLst/>
+          </a:prstGeom>
+        </p:spPr>
+        <p:txBody>
+          <a:bodyPr vert="horz" wrap="square" lIns="0" tIns="12700" rIns="0" bIns="0" rtlCol="0">
+            <a:spAutoFit/>
+          </a:bodyPr>
+          <a:lstStyle/>
+          <a:p>
+            <a:pPr marL="12700">
+              <a:lnSpc>
+                <a:spcPct val="100000"/>
+              </a:lnSpc>
+              <a:spcBef>
+                <a:spcPts val="100"/>
+              </a:spcBef>
+              <a:tabLst>
+                <a:tab pos="2315845" algn="l"/>
+              </a:tabLst>
+            </a:pPr>
+            <a:r>
+              <a:rPr lang="en-US" altLang="zh-CN" spc="75" dirty="0"/>
+              <a:t>3</a:t>
+            </a:r>
+            <a:r>
+              <a:rPr lang="zh-CN" altLang="en-US" spc="75" dirty="0"/>
+              <a:t>	</a:t>
+            </a:r>
+            <a:r>
+              <a:rPr lang="en-US" altLang="zh-CN" spc="75" dirty="0"/>
+              <a:t>WIFI</a:t>
+            </a:r>
+            <a:r>
+              <a:rPr lang="zh-CN" altLang="en-US" spc="75" dirty="0"/>
+              <a:t>室内定位方法</a:t>
+            </a:r>
+            <a:endParaRPr spc="75" dirty="0"/>
+          </a:p>
+        </p:txBody>
+      </p:sp>
+      <p:sp>
+        <p:nvSpPr>
+          <p:cNvPr id="15" name="object 15"/>
+          <p:cNvSpPr txBox="1"/>
+          <p:nvPr/>
+        </p:nvSpPr>
+        <p:spPr>
+          <a:xfrm>
+            <a:off x="960221" y="1549252"/>
+            <a:ext cx="4980940" cy="612347"/>
+          </a:xfrm>
+          <a:prstGeom prst="rect">
+            <a:avLst/>
+          </a:prstGeom>
+        </p:spPr>
+        <p:txBody>
+          <a:bodyPr vert="horz" wrap="square" lIns="0" tIns="240665" rIns="0" bIns="0" rtlCol="0">
+            <a:spAutoFit/>
+          </a:bodyPr>
+          <a:lstStyle/>
+          <a:p>
+            <a:pPr marL="12700" marR="0" lvl="0" indent="0" algn="l" defTabSz="914400" rtl="0" eaLnBrk="1" fontAlgn="auto" latinLnBrk="0" hangingPunct="1">
+              <a:lnSpc>
+                <a:spcPct val="100000"/>
+              </a:lnSpc>
+              <a:spcBef>
+                <a:spcPts val="1895"/>
+              </a:spcBef>
+              <a:spcAft>
+                <a:spcPts val="0"/>
+              </a:spcAft>
+              <a:buClrTx/>
+              <a:buSzTx/>
+              <a:buFontTx/>
+              <a:buNone/>
+              <a:tabLst/>
+              <a:defRPr/>
+            </a:pPr>
+            <a:r>
+              <a:rPr kumimoji="0" lang="en-US" altLang="zh-CN" sz="2400" b="1" i="0" u="none" strike="noStrike" kern="1200" cap="none" spc="0" normalizeH="0" baseline="0" noProof="0" dirty="0">
+                <a:ln>
+                  <a:noFill/>
+                </a:ln>
+                <a:solidFill>
+                  <a:srgbClr val="202122"/>
+                </a:solidFill>
+                <a:effectLst/>
+                <a:uLnTx/>
+                <a:uFillTx/>
+                <a:latin typeface="Arial" panose="020B0604020202020204" pitchFamily="34" charset="0"/>
+                <a:ea typeface="宋体" panose="02010600030101010101" pitchFamily="2" charset="-122"/>
+                <a:cs typeface="+mn-cs"/>
+              </a:rPr>
+              <a:t>  </a:t>
+            </a:r>
+          </a:p>
+        </p:txBody>
+      </p:sp>
+      <p:sp>
+        <p:nvSpPr>
+          <p:cNvPr id="17" name="object 17"/>
+          <p:cNvSpPr txBox="1">
+            <a:spLocks noGrp="1"/>
+          </p:cNvSpPr>
+          <p:nvPr>
+            <p:ph type="sldNum" sz="quarter" idx="7"/>
+          </p:nvPr>
+        </p:nvSpPr>
+        <p:spPr>
+          <a:prstGeom prst="rect">
+            <a:avLst/>
+          </a:prstGeom>
+        </p:spPr>
+        <p:txBody>
+          <a:bodyPr vert="horz" wrap="square" lIns="0" tIns="0" rIns="0" bIns="0" rtlCol="0">
+            <a:spAutoFit/>
+          </a:bodyPr>
+          <a:lstStyle/>
+          <a:p>
+            <a:pPr marL="38100" marR="0" lvl="0" indent="0" algn="l" defTabSz="914400" rtl="0" eaLnBrk="1" fontAlgn="auto" latinLnBrk="0" hangingPunct="1">
+              <a:lnSpc>
+                <a:spcPts val="2005"/>
+              </a:lnSpc>
+              <a:spcBef>
+                <a:spcPts val="0"/>
+              </a:spcBef>
+              <a:spcAft>
+                <a:spcPts val="0"/>
+              </a:spcAft>
+              <a:buClrTx/>
+              <a:buSzTx/>
+              <a:buFontTx/>
+              <a:buNone/>
+              <a:tabLst/>
+              <a:defRPr/>
+            </a:pPr>
+            <a:fld id="{81D60167-4931-47E6-BA6A-407CBD079E47}" type="slidenum">
+              <a:rPr kumimoji="0" sz="2000" b="1" i="0" u="none" strike="noStrike" kern="1200" cap="none" spc="0" normalizeH="0" baseline="0" noProof="0" dirty="0">
+                <a:ln>
+                  <a:noFill/>
+                </a:ln>
+                <a:solidFill>
+                  <a:prstClr val="white"/>
+                </a:solidFill>
+                <a:effectLst/>
+                <a:uLnTx/>
+                <a:uFillTx/>
+                <a:latin typeface="Calibri" panose="020F0502020204030204"/>
+                <a:ea typeface="+mn-ea"/>
+                <a:cs typeface="Calibri" panose="020F0502020204030204"/>
+              </a:rPr>
+              <a:pPr marL="38100" marR="0" lvl="0" indent="0" algn="l" defTabSz="914400" rtl="0" eaLnBrk="1" fontAlgn="auto" latinLnBrk="0" hangingPunct="1">
+                <a:lnSpc>
+                  <a:spcPts val="2005"/>
+                </a:lnSpc>
+                <a:spcBef>
+                  <a:spcPts val="0"/>
+                </a:spcBef>
+                <a:spcAft>
+                  <a:spcPts val="0"/>
+                </a:spcAft>
+                <a:buClrTx/>
+                <a:buSzTx/>
+                <a:buFontTx/>
+                <a:buNone/>
+                <a:tabLst/>
+                <a:defRPr/>
+              </a:pPr>
+              <a:t>11</a:t>
+            </a:fld>
+            <a:endParaRPr kumimoji="0" sz="2000" b="1" i="0" u="none" strike="noStrike" kern="1200" cap="none" spc="0" normalizeH="0" baseline="0" noProof="0" dirty="0">
+              <a:ln>
+                <a:noFill/>
+              </a:ln>
+              <a:solidFill>
+                <a:prstClr val="white"/>
+              </a:solidFill>
+              <a:effectLst/>
+              <a:uLnTx/>
+              <a:uFillTx/>
+              <a:latin typeface="Calibri" panose="020F0502020204030204"/>
+              <a:ea typeface="+mn-ea"/>
+              <a:cs typeface="Calibri" panose="020F0502020204030204"/>
+            </a:endParaRPr>
+          </a:p>
+        </p:txBody>
+      </p:sp>
+      <p:sp>
+        <p:nvSpPr>
+          <p:cNvPr id="18" name="文本框 17">
+            <a:extLst>
+              <a:ext uri="{FF2B5EF4-FFF2-40B4-BE49-F238E27FC236}">
+                <a16:creationId xmlns:a16="http://schemas.microsoft.com/office/drawing/2014/main" id="{EA6B8185-8FBB-4DF4-A9ED-8792E7F8746A}"/>
+              </a:ext>
+            </a:extLst>
+          </p:cNvPr>
+          <p:cNvSpPr txBox="1"/>
+          <p:nvPr/>
+        </p:nvSpPr>
+        <p:spPr>
+          <a:xfrm>
+            <a:off x="351972" y="1377600"/>
+            <a:ext cx="8177783" cy="369332"/>
+          </a:xfrm>
+          <a:prstGeom prst="rect">
+            <a:avLst/>
+          </a:prstGeom>
+          <a:noFill/>
+        </p:spPr>
+        <p:txBody>
+          <a:bodyPr wrap="square">
+            <a:spAutoFit/>
+          </a:bodyPr>
+          <a:lstStyle/>
+          <a:p>
+            <a:pPr marL="0" marR="0" lvl="0" indent="0" algn="l" defTabSz="914400" rtl="0" eaLnBrk="1" fontAlgn="auto" latinLnBrk="0" hangingPunct="1">
+              <a:lnSpc>
+                <a:spcPct val="100000"/>
+              </a:lnSpc>
+              <a:spcBef>
+                <a:spcPts val="0"/>
+              </a:spcBef>
+              <a:spcAft>
+                <a:spcPts val="0"/>
+              </a:spcAft>
+              <a:buClrTx/>
+              <a:buSzTx/>
+              <a:buFontTx/>
+              <a:buNone/>
+              <a:tabLst/>
+              <a:defRPr/>
+            </a:pPr>
+            <a:endParaRPr kumimoji="0" lang="en-US" altLang="zh-CN" sz="1800" b="0" i="0" u="none" strike="noStrike" kern="1200" cap="none" spc="0" normalizeH="0" baseline="0" noProof="0" dirty="0">
+              <a:ln>
+                <a:noFill/>
+              </a:ln>
+              <a:solidFill>
+                <a:prstClr val="black"/>
+              </a:solidFill>
+              <a:effectLst/>
+              <a:uLnTx/>
+              <a:uFillTx/>
+              <a:latin typeface="Calibri"/>
+              <a:ea typeface="宋体" panose="02010600030101010101" pitchFamily="2" charset="-122"/>
+              <a:cs typeface="+mn-cs"/>
+            </a:endParaRPr>
+          </a:p>
+        </p:txBody>
+      </p:sp>
+      <p:sp>
+        <p:nvSpPr>
+          <p:cNvPr id="23" name="文本框 22">
+            <a:extLst>
+              <a:ext uri="{FF2B5EF4-FFF2-40B4-BE49-F238E27FC236}">
+                <a16:creationId xmlns:a16="http://schemas.microsoft.com/office/drawing/2014/main" id="{778FE6CF-9401-420A-8363-C1778D0E384A}"/>
+              </a:ext>
+            </a:extLst>
+          </p:cNvPr>
+          <p:cNvSpPr txBox="1"/>
+          <p:nvPr/>
+        </p:nvSpPr>
+        <p:spPr>
+          <a:xfrm>
+            <a:off x="293826" y="857623"/>
+            <a:ext cx="4576762" cy="523220"/>
+          </a:xfrm>
+          <a:prstGeom prst="rect">
+            <a:avLst/>
+          </a:prstGeom>
+          <a:noFill/>
+        </p:spPr>
+        <p:txBody>
+          <a:bodyPr wrap="square">
+            <a:spAutoFit/>
+          </a:bodyPr>
+          <a:lstStyle/>
+          <a:p>
+            <a:pPr marL="12700">
+              <a:lnSpc>
+                <a:spcPct val="100000"/>
+              </a:lnSpc>
+              <a:spcBef>
+                <a:spcPts val="95"/>
+              </a:spcBef>
+            </a:pPr>
+            <a:r>
+              <a:rPr lang="en-US" altLang="zh-CN" sz="2800" spc="-5" dirty="0">
+                <a:latin typeface="微软雅黑" panose="020B0503020204020204" pitchFamily="34" charset="-122"/>
+                <a:ea typeface="微软雅黑" panose="020B0503020204020204" pitchFamily="34" charset="-122"/>
+                <a:cs typeface="微软雅黑"/>
+              </a:rPr>
+              <a:t>3.1 </a:t>
+            </a:r>
+            <a:r>
+              <a:rPr lang="zh-CN" altLang="en-US" sz="2800" spc="-10" dirty="0">
+                <a:latin typeface="微软雅黑" panose="020B0503020204020204" pitchFamily="34" charset="-122"/>
+                <a:ea typeface="微软雅黑" panose="020B0503020204020204" pitchFamily="34" charset="-122"/>
+                <a:cs typeface="微软雅黑"/>
+              </a:rPr>
+              <a:t>三角定位方法</a:t>
+            </a:r>
+            <a:endParaRPr lang="zh-CN" altLang="en-US" sz="2800" dirty="0">
+              <a:latin typeface="微软雅黑" panose="020B0503020204020204" pitchFamily="34" charset="-122"/>
+              <a:ea typeface="微软雅黑" panose="020B0503020204020204" pitchFamily="34" charset="-122"/>
+              <a:cs typeface="微软雅黑"/>
+            </a:endParaRPr>
+          </a:p>
+        </p:txBody>
+      </p:sp>
+      <p:sp>
+        <p:nvSpPr>
+          <p:cNvPr id="21" name="文本框 20">
+            <a:extLst>
+              <a:ext uri="{FF2B5EF4-FFF2-40B4-BE49-F238E27FC236}">
+                <a16:creationId xmlns:a16="http://schemas.microsoft.com/office/drawing/2014/main" id="{C1DEAF2F-69EA-4B8E-B1B9-46A29FFE92CB}"/>
+              </a:ext>
+            </a:extLst>
+          </p:cNvPr>
+          <p:cNvSpPr txBox="1"/>
+          <p:nvPr/>
+        </p:nvSpPr>
+        <p:spPr>
+          <a:xfrm>
+            <a:off x="352042" y="1474435"/>
+            <a:ext cx="5972557" cy="461665"/>
+          </a:xfrm>
+          <a:prstGeom prst="rect">
+            <a:avLst/>
+          </a:prstGeom>
+          <a:noFill/>
+        </p:spPr>
+        <p:txBody>
+          <a:bodyPr wrap="square">
+            <a:spAutoFit/>
+          </a:bodyPr>
+          <a:lstStyle/>
+          <a:p>
+            <a:pPr marL="12700">
+              <a:lnSpc>
+                <a:spcPct val="100000"/>
+              </a:lnSpc>
+              <a:spcBef>
+                <a:spcPts val="95"/>
+              </a:spcBef>
+            </a:pPr>
+            <a:r>
+              <a:rPr lang="en-US" altLang="zh-CN" sz="2400" spc="-5" dirty="0">
+                <a:latin typeface="微软雅黑" panose="020B0503020204020204" pitchFamily="34" charset="-122"/>
+                <a:ea typeface="微软雅黑" panose="020B0503020204020204" pitchFamily="34" charset="-122"/>
+                <a:cs typeface="微软雅黑"/>
+              </a:rPr>
+              <a:t>3.1.3 </a:t>
+            </a:r>
+            <a:r>
+              <a:rPr lang="zh-CN" altLang="en-US" sz="2400" spc="-5" dirty="0">
+                <a:latin typeface="微软雅黑" panose="020B0503020204020204" pitchFamily="34" charset="-122"/>
+                <a:ea typeface="微软雅黑" panose="020B0503020204020204" pitchFamily="34" charset="-122"/>
+                <a:cs typeface="微软雅黑"/>
+              </a:rPr>
+              <a:t>基于到达角度</a:t>
+            </a:r>
+            <a:r>
+              <a:rPr lang="en-US" altLang="zh-CN" sz="2400" spc="-5" dirty="0">
+                <a:latin typeface="微软雅黑" panose="020B0503020204020204" pitchFamily="34" charset="-122"/>
+                <a:ea typeface="微软雅黑" panose="020B0503020204020204" pitchFamily="34" charset="-122"/>
+                <a:cs typeface="微软雅黑"/>
+              </a:rPr>
+              <a:t>AOA</a:t>
+            </a:r>
+            <a:r>
+              <a:rPr lang="zh-CN" altLang="en-US" sz="2400" spc="-5" dirty="0">
+                <a:latin typeface="微软雅黑" panose="020B0503020204020204" pitchFamily="34" charset="-122"/>
+                <a:ea typeface="微软雅黑" panose="020B0503020204020204" pitchFamily="34" charset="-122"/>
+                <a:cs typeface="微软雅黑"/>
+              </a:rPr>
+              <a:t>定位方法</a:t>
+            </a:r>
+            <a:endParaRPr lang="zh-CN" altLang="en-US" sz="2400" baseline="30000" dirty="0">
+              <a:latin typeface="微软雅黑" panose="020B0503020204020204" pitchFamily="34" charset="-122"/>
+              <a:ea typeface="微软雅黑" panose="020B0503020204020204" pitchFamily="34" charset="-122"/>
+              <a:cs typeface="微软雅黑"/>
+            </a:endParaRPr>
+          </a:p>
+        </p:txBody>
+      </p:sp>
+      <p:sp>
+        <p:nvSpPr>
+          <p:cNvPr id="26" name="文本框 25">
+            <a:extLst>
+              <a:ext uri="{FF2B5EF4-FFF2-40B4-BE49-F238E27FC236}">
+                <a16:creationId xmlns:a16="http://schemas.microsoft.com/office/drawing/2014/main" id="{6F97BB88-29C6-451A-9077-6DB4B70F28F9}"/>
+              </a:ext>
+            </a:extLst>
+          </p:cNvPr>
+          <p:cNvSpPr txBox="1"/>
+          <p:nvPr/>
+        </p:nvSpPr>
+        <p:spPr>
+          <a:xfrm>
+            <a:off x="-9427" y="6339912"/>
+            <a:ext cx="8374092" cy="307777"/>
+          </a:xfrm>
+          <a:prstGeom prst="rect">
+            <a:avLst/>
+          </a:prstGeom>
+          <a:noFill/>
+        </p:spPr>
+        <p:txBody>
+          <a:bodyPr wrap="square">
+            <a:spAutoFit/>
+          </a:bodyPr>
+          <a:lstStyle/>
+          <a:p>
+            <a:r>
+              <a:rPr lang="en-US" altLang="zh-CN" sz="1400" b="1" dirty="0"/>
+              <a:t>[3]</a:t>
+            </a:r>
+            <a:r>
+              <a:rPr lang="zh-CN" altLang="en-US" sz="1400" b="1" dirty="0"/>
+              <a:t>田增山，张千坤</a:t>
+            </a:r>
+            <a:r>
+              <a:rPr lang="en-US" altLang="zh-CN" sz="1400" b="1" dirty="0"/>
+              <a:t>,</a:t>
+            </a:r>
+            <a:r>
+              <a:rPr lang="zh-CN" altLang="en-US" sz="1400" b="1" dirty="0"/>
+              <a:t>周牧，等</a:t>
+            </a:r>
+            <a:r>
+              <a:rPr lang="en-US" altLang="zh-CN" sz="1400" b="1" dirty="0"/>
+              <a:t>.</a:t>
+            </a:r>
+            <a:r>
+              <a:rPr lang="zh-CN" altLang="en-US" sz="1400" b="1" dirty="0"/>
+              <a:t>基于</a:t>
+            </a:r>
+            <a:r>
+              <a:rPr lang="en-US" altLang="zh-CN" sz="1400" b="1" dirty="0"/>
+              <a:t>CFR</a:t>
+            </a:r>
+            <a:r>
+              <a:rPr lang="zh-CN" altLang="en-US" sz="1400" b="1" dirty="0"/>
+              <a:t>虚拟阵列天线的</a:t>
+            </a:r>
+            <a:r>
+              <a:rPr lang="en-US" altLang="zh-CN" sz="1400" b="1" dirty="0"/>
+              <a:t>AOA</a:t>
+            </a:r>
+            <a:r>
+              <a:rPr lang="zh-CN" altLang="en-US" sz="1400" b="1" dirty="0"/>
+              <a:t>室内定位</a:t>
+            </a:r>
+            <a:r>
+              <a:rPr lang="en-US" altLang="zh-CN" sz="1400" b="1" dirty="0"/>
+              <a:t>[J].</a:t>
+            </a:r>
+            <a:r>
+              <a:rPr lang="zh-CN" altLang="en-US" sz="1400" b="1" dirty="0"/>
+              <a:t>电子学报</a:t>
+            </a:r>
+            <a:r>
+              <a:rPr lang="en-US" altLang="zh-CN" sz="1400" b="1" dirty="0"/>
+              <a:t>,2018,046(006): 1468-1474.</a:t>
+            </a:r>
+            <a:endParaRPr lang="zh-CN" altLang="en-US" sz="1400" b="1" dirty="0"/>
+          </a:p>
+        </p:txBody>
+      </p:sp>
+      <p:sp>
+        <p:nvSpPr>
+          <p:cNvPr id="28" name="文本框 27">
+            <a:extLst>
+              <a:ext uri="{FF2B5EF4-FFF2-40B4-BE49-F238E27FC236}">
+                <a16:creationId xmlns:a16="http://schemas.microsoft.com/office/drawing/2014/main" id="{9BE9941E-0560-487A-B80D-C0129FF2C43C}"/>
+              </a:ext>
+            </a:extLst>
+          </p:cNvPr>
+          <p:cNvSpPr txBox="1"/>
+          <p:nvPr/>
+        </p:nvSpPr>
+        <p:spPr>
+          <a:xfrm>
+            <a:off x="457300" y="2005585"/>
+            <a:ext cx="7501055" cy="923330"/>
+          </a:xfrm>
+          <a:prstGeom prst="rect">
+            <a:avLst/>
+          </a:prstGeom>
+          <a:noFill/>
+        </p:spPr>
+        <p:txBody>
+          <a:bodyPr wrap="square">
+            <a:spAutoFit/>
+          </a:bodyPr>
+          <a:lstStyle/>
+          <a:p>
+            <a:r>
+              <a:rPr lang="en-US" altLang="zh-CN" dirty="0"/>
+              <a:t>AOA</a:t>
+            </a:r>
+            <a:r>
+              <a:rPr lang="zh-CN" altLang="en-US" dirty="0"/>
+              <a:t>定位方法需要用到某些特定接收装置，用来接收发射节点的信号，判断其传播的方向，计算出发射装置和接收装置之间的相对角度，然后使用三角测量等方法计算待测位置。一般至少两个发射器</a:t>
+            </a:r>
+            <a:r>
+              <a:rPr lang="en-US" altLang="zh-CN" baseline="30000" dirty="0"/>
+              <a:t>[3]</a:t>
+            </a:r>
+            <a:r>
+              <a:rPr lang="zh-CN" altLang="en-US" dirty="0"/>
+              <a:t>。</a:t>
+            </a:r>
+          </a:p>
+        </p:txBody>
+      </p:sp>
+      <p:sp>
+        <p:nvSpPr>
+          <p:cNvPr id="31" name="文本框 30">
+            <a:extLst>
+              <a:ext uri="{FF2B5EF4-FFF2-40B4-BE49-F238E27FC236}">
+                <a16:creationId xmlns:a16="http://schemas.microsoft.com/office/drawing/2014/main" id="{72FD22A7-12A2-493A-867C-8CA6E5C36AFE}"/>
+              </a:ext>
+            </a:extLst>
+          </p:cNvPr>
+          <p:cNvSpPr txBox="1"/>
+          <p:nvPr/>
+        </p:nvSpPr>
+        <p:spPr>
+          <a:xfrm>
+            <a:off x="868933" y="5828405"/>
+            <a:ext cx="2026667" cy="369332"/>
+          </a:xfrm>
+          <a:prstGeom prst="rect">
+            <a:avLst/>
+          </a:prstGeom>
+          <a:noFill/>
+        </p:spPr>
+        <p:txBody>
+          <a:bodyPr wrap="square" rtlCol="0">
+            <a:spAutoFit/>
+          </a:bodyPr>
+          <a:lstStyle/>
+          <a:p>
+            <a:r>
+              <a:rPr lang="zh-CN" altLang="en-US" dirty="0"/>
+              <a:t>图</a:t>
+            </a:r>
+            <a:r>
+              <a:rPr lang="en-US" altLang="zh-CN" dirty="0"/>
+              <a:t>3-3 TDOA</a:t>
+            </a:r>
+            <a:r>
+              <a:rPr lang="zh-CN" altLang="en-US" dirty="0"/>
+              <a:t>原理</a:t>
+            </a:r>
+          </a:p>
+        </p:txBody>
+      </p:sp>
+      <mc:AlternateContent xmlns:mc="http://schemas.openxmlformats.org/markup-compatibility/2006">
+        <mc:Choice xmlns:a14="http://schemas.microsoft.com/office/drawing/2010/main" Requires="a14">
+          <p:sp>
+            <p:nvSpPr>
+              <p:cNvPr id="34" name="文本框 33">
+                <a:extLst>
+                  <a:ext uri="{FF2B5EF4-FFF2-40B4-BE49-F238E27FC236}">
+                    <a16:creationId xmlns:a16="http://schemas.microsoft.com/office/drawing/2014/main" id="{D68AFD50-008E-4F03-903B-EDD2C17977BE}"/>
+                  </a:ext>
+                </a:extLst>
+              </p:cNvPr>
+              <p:cNvSpPr txBox="1"/>
+              <p:nvPr/>
+            </p:nvSpPr>
+            <p:spPr>
+              <a:xfrm>
+                <a:off x="5410200" y="3101271"/>
+                <a:ext cx="4009871" cy="369332"/>
+              </a:xfrm>
+              <a:prstGeom prst="rect">
+                <a:avLst/>
+              </a:prstGeom>
+              <a:noFill/>
+            </p:spPr>
+            <p:txBody>
+              <a:bodyPr wrap="square" rtlCol="0">
+                <a:spAutoFit/>
+              </a:bodyPr>
+              <a:lstStyle/>
+              <a:p>
+                <a:r>
+                  <a:rPr lang="zh-CN" altLang="en-US" dirty="0">
+                    <a:solidFill>
+                      <a:srgbClr val="0070C0"/>
+                    </a:solidFill>
+                  </a:rPr>
+                  <a:t>已知：</a:t>
+                </a:r>
+                <a14:m>
+                  <m:oMath xmlns:m="http://schemas.openxmlformats.org/officeDocument/2006/math">
+                    <m:r>
+                      <a:rPr lang="en-US" altLang="zh-CN" b="0" i="1" smtClean="0">
+                        <a:latin typeface="Cambria Math" panose="02040503050406030204" pitchFamily="18" charset="0"/>
+                      </a:rPr>
+                      <m:t>𝐴</m:t>
+                    </m:r>
+                    <m:sSub>
+                      <m:sSubPr>
+                        <m:ctrlPr>
+                          <a:rPr lang="en-US" altLang="zh-CN" b="0" i="1" smtClean="0">
+                            <a:latin typeface="Cambria Math" panose="02040503050406030204" pitchFamily="18" charset="0"/>
+                          </a:rPr>
+                        </m:ctrlPr>
+                      </m:sSubPr>
+                      <m:e>
+                        <m:r>
+                          <a:rPr lang="en-US" altLang="zh-CN" b="0" i="1" smtClean="0">
+                            <a:latin typeface="Cambria Math" panose="02040503050406030204" pitchFamily="18" charset="0"/>
+                          </a:rPr>
+                          <m:t>𝑃</m:t>
+                        </m:r>
+                      </m:e>
+                      <m:sub>
+                        <m:r>
+                          <a:rPr lang="en-US" altLang="zh-CN" b="0" i="1" smtClean="0">
+                            <a:latin typeface="Cambria Math" panose="02040503050406030204" pitchFamily="18" charset="0"/>
+                          </a:rPr>
+                          <m:t>1</m:t>
+                        </m:r>
+                      </m:sub>
+                    </m:sSub>
+                    <m:r>
+                      <a:rPr lang="en-US" altLang="zh-CN" b="0" i="1" smtClean="0">
+                        <a:latin typeface="Cambria Math" panose="02040503050406030204" pitchFamily="18" charset="0"/>
+                      </a:rPr>
+                      <m:t> </m:t>
+                    </m:r>
+                    <m:r>
+                      <a:rPr lang="en-US" altLang="zh-CN" b="0" i="1" smtClean="0">
+                        <a:latin typeface="Cambria Math" panose="02040503050406030204" pitchFamily="18" charset="0"/>
+                      </a:rPr>
+                      <m:t>𝐴</m:t>
+                    </m:r>
+                    <m:sSub>
+                      <m:sSubPr>
+                        <m:ctrlPr>
+                          <a:rPr lang="en-US" altLang="zh-CN" b="0" i="1" smtClean="0">
+                            <a:latin typeface="Cambria Math" panose="02040503050406030204" pitchFamily="18" charset="0"/>
+                          </a:rPr>
+                        </m:ctrlPr>
+                      </m:sSubPr>
+                      <m:e>
+                        <m:r>
+                          <a:rPr lang="en-US" altLang="zh-CN" b="0" i="1" smtClean="0">
+                            <a:latin typeface="Cambria Math" panose="02040503050406030204" pitchFamily="18" charset="0"/>
+                          </a:rPr>
+                          <m:t>𝑃</m:t>
+                        </m:r>
+                      </m:e>
+                      <m:sub>
+                        <m:r>
+                          <a:rPr lang="en-US" altLang="zh-CN" b="0" i="1" smtClean="0">
+                            <a:latin typeface="Cambria Math" panose="02040503050406030204" pitchFamily="18" charset="0"/>
+                          </a:rPr>
+                          <m:t>2</m:t>
+                        </m:r>
+                      </m:sub>
+                    </m:sSub>
+                  </m:oMath>
+                </a14:m>
+                <a:endParaRPr lang="en-US" altLang="zh-CN" b="0" dirty="0">
+                  <a:highlight>
+                    <a:srgbClr val="FFFF00"/>
+                  </a:highlight>
+                </a:endParaRPr>
+              </a:p>
+            </p:txBody>
+          </p:sp>
+        </mc:Choice>
+        <mc:Fallback>
+          <p:sp>
+            <p:nvSpPr>
+              <p:cNvPr id="34" name="文本框 33">
+                <a:extLst>
+                  <a:ext uri="{FF2B5EF4-FFF2-40B4-BE49-F238E27FC236}">
+                    <a16:creationId xmlns:a16="http://schemas.microsoft.com/office/drawing/2014/main" id="{D68AFD50-008E-4F03-903B-EDD2C17977BE}"/>
+                  </a:ext>
+                </a:extLst>
+              </p:cNvPr>
+              <p:cNvSpPr txBox="1">
+                <a:spLocks noRot="1" noChangeAspect="1" noMove="1" noResize="1" noEditPoints="1" noAdjustHandles="1" noChangeArrowheads="1" noChangeShapeType="1" noTextEdit="1"/>
+              </p:cNvSpPr>
+              <p:nvPr/>
+            </p:nvSpPr>
+            <p:spPr>
+              <a:xfrm>
+                <a:off x="5410200" y="3101271"/>
+                <a:ext cx="4009871" cy="369332"/>
+              </a:xfrm>
+              <a:prstGeom prst="rect">
+                <a:avLst/>
+              </a:prstGeom>
+              <a:blipFill>
+                <a:blip r:embed="rId4"/>
+                <a:stretch>
+                  <a:fillRect l="-1370" t="-15000" b="-21667"/>
+                </a:stretch>
+              </a:blipFill>
+            </p:spPr>
+            <p:txBody>
+              <a:bodyPr/>
+              <a:lstStyle/>
+              <a:p>
+                <a:r>
+                  <a:rPr lang="zh-CN" altLang="en-US">
+                    <a:noFill/>
+                  </a:rPr>
+                  <a:t> </a:t>
+                </a:r>
+              </a:p>
+            </p:txBody>
+          </p:sp>
+        </mc:Fallback>
+      </mc:AlternateContent>
+      <p:sp>
+        <p:nvSpPr>
+          <p:cNvPr id="32" name="文本框 31">
+            <a:extLst>
+              <a:ext uri="{FF2B5EF4-FFF2-40B4-BE49-F238E27FC236}">
+                <a16:creationId xmlns:a16="http://schemas.microsoft.com/office/drawing/2014/main" id="{5373CFE9-4B9A-4A18-BA21-CD7E58B61334}"/>
+              </a:ext>
+            </a:extLst>
+          </p:cNvPr>
+          <p:cNvSpPr txBox="1"/>
+          <p:nvPr/>
+        </p:nvSpPr>
+        <p:spPr>
+          <a:xfrm>
+            <a:off x="5254658" y="884198"/>
+            <a:ext cx="3048000" cy="954107"/>
+          </a:xfrm>
+          <a:prstGeom prst="rect">
+            <a:avLst/>
+          </a:prstGeom>
+          <a:noFill/>
+        </p:spPr>
+        <p:txBody>
+          <a:bodyPr wrap="square">
+            <a:spAutoFit/>
+          </a:bodyPr>
+          <a:lstStyle/>
+          <a:p>
+            <a:r>
+              <a:rPr lang="zh-CN" altLang="en-US" sz="2800" dirty="0">
+                <a:solidFill>
+                  <a:srgbClr val="FF0000"/>
+                </a:solidFill>
+              </a:rPr>
+              <a:t>不要求时钟同步</a:t>
+            </a:r>
+            <a:endParaRPr lang="en-US" altLang="zh-CN" sz="2800" dirty="0">
+              <a:solidFill>
+                <a:srgbClr val="FF0000"/>
+              </a:solidFill>
+            </a:endParaRPr>
+          </a:p>
+          <a:p>
+            <a:r>
+              <a:rPr lang="zh-CN" altLang="en-US" sz="2800" dirty="0">
+                <a:solidFill>
+                  <a:srgbClr val="FF0000"/>
+                </a:solidFill>
+              </a:rPr>
+              <a:t>部署成本高</a:t>
+            </a:r>
+          </a:p>
+        </p:txBody>
+      </p:sp>
+    </p:spTree>
+    <p:extLst>
+      <p:ext uri="{BB962C8B-B14F-4D97-AF65-F5344CB8AC3E}">
+        <p14:creationId xmlns:p14="http://schemas.microsoft.com/office/powerpoint/2010/main" val="3598810277"/>
+      </p:ext>
+    </p:extLst>
+  </p:cSld>
+  <p:clrMapOvr>
+    <a:masterClrMapping/>
+  </p:clrMapOvr>
+  <p:timing>
+    <p:tnLst>
+      <p:par>
+        <p:cTn id="1" dur="indefinite" restart="never" nodeType="tmRoot">
+          <p:childTnLst>
+            <p:seq concurrent="1" nextAc="seek">
+              <p:cTn id="2" dur="indefinite" nodeType="mainSeq">
+                <p:childTnLst>
+                  <p:par>
+                    <p:cTn id="3" fill="hold">
+                      <p:stCondLst>
+                        <p:cond delay="indefinite"/>
+                      </p:stCondLst>
+                      <p:childTnLst>
+                        <p:par>
+                          <p:cTn id="4" fill="hold">
+                            <p:stCondLst>
+                              <p:cond delay="0"/>
+                            </p:stCondLst>
+                            <p:childTnLst>
+                              <p:par>
+                                <p:cTn id="5" presetID="1" presetClass="entr" presetSubtype="0" fill="hold" grpId="0" nodeType="clickEffect">
+                                  <p:stCondLst>
+                                    <p:cond delay="0"/>
+                                  </p:stCondLst>
+                                  <p:childTnLst>
+                                    <p:set>
+                                      <p:cBhvr>
+                                        <p:cTn id="6" dur="1" fill="hold">
+                                          <p:stCondLst>
+                                            <p:cond delay="0"/>
+                                          </p:stCondLst>
+                                        </p:cTn>
+                                        <p:tgtEl>
+                                          <p:spTgt spid="32"/>
+                                        </p:tgtEl>
+                                        <p:attrNameLst>
+                                          <p:attrName>style.visibility</p:attrName>
+                                        </p:attrNameLst>
+                                      </p:cBhvr>
+                                      <p:to>
+                                        <p:strVal val="visible"/>
+                                      </p:to>
+                                    </p:set>
+                                  </p:childTnLst>
+                                </p:cTn>
+                              </p:par>
+                            </p:childTnLst>
+                          </p:cTn>
+                        </p:par>
+                      </p:childTnLst>
+                    </p:cTn>
+                  </p:par>
+                </p:childTnLst>
+              </p:cTn>
+              <p:prevCondLst>
+                <p:cond evt="onPrev" delay="0">
+                  <p:tgtEl>
+                    <p:sldTgt/>
+                  </p:tgtEl>
+                </p:cond>
+              </p:prevCondLst>
+              <p:nextCondLst>
+                <p:cond evt="onNext" delay="0">
+                  <p:tgtEl>
+                    <p:sldTgt/>
+                  </p:tgtEl>
+                </p:cond>
+              </p:nextCondLst>
+            </p:seq>
+          </p:childTnLst>
+        </p:cTn>
+      </p:par>
+    </p:tnLst>
+    <p:bldLst>
+      <p:bldP spid="32" grpId="0"/>
+    </p:bldLst>
+  </p:timing>
+</p:sld>
+</file>
+
+<file path=ppt/slides/slide12.xml><?xml version="1.0" encoding="utf-8"?>
 <p:sld xmlns:a="http://schemas.openxmlformats.org/drawingml/2006/main" xmlns:r="http://schemas.openxmlformats.org/officeDocument/2006/relationships" xmlns:p="http://schemas.openxmlformats.org/presentationml/2006/main">
   <p:cSld>
     <p:spTree>
@@ -4827,7 +6706,7 @@
 </p:sld>
 </file>
 
-<file path=ppt/slides/slide12.xml><?xml version="1.0" encoding="utf-8"?>
+<file path=ppt/slides/slide13.xml><?xml version="1.0" encoding="utf-8"?>
 <p:sld xmlns:a="http://schemas.openxmlformats.org/drawingml/2006/main" xmlns:r="http://schemas.openxmlformats.org/officeDocument/2006/relationships" xmlns:p="http://schemas.openxmlformats.org/presentationml/2006/main">
   <p:cSld>
     <p:spTree>
@@ -5477,7 +7356,7 @@
             </a:pPr>
             <a:fld id="{81D60167-4931-47E6-BA6A-407CBD079E47}" type="slidenum">
               <a:rPr dirty="0"/>
-              <a:t>12</a:t>
+              <a:t>13</a:t>
             </a:fld>
             <a:endParaRPr dirty="0"/>
           </a:p>
@@ -5934,7 +7813,7 @@
 </p:sld>
 </file>
 
-<file path=ppt/slides/slide13.xml><?xml version="1.0" encoding="utf-8"?>
+<file path=ppt/slides/slide14.xml><?xml version="1.0" encoding="utf-8"?>
 <p:sld xmlns:a="http://schemas.openxmlformats.org/drawingml/2006/main" xmlns:r="http://schemas.openxmlformats.org/officeDocument/2006/relationships" xmlns:p="http://schemas.openxmlformats.org/presentationml/2006/main">
   <p:cSld>
     <p:spTree>
@@ -6357,7 +8236,7 @@
 </p:sld>
 </file>
 
-<file path=ppt/slides/slide14.xml><?xml version="1.0" encoding="utf-8"?>
+<file path=ppt/slides/slide15.xml><?xml version="1.0" encoding="utf-8"?>
 <p:sld xmlns:a="http://schemas.openxmlformats.org/drawingml/2006/main" xmlns:r="http://schemas.openxmlformats.org/officeDocument/2006/relationships" xmlns:p="http://schemas.openxmlformats.org/presentationml/2006/main">
   <p:cSld>
     <p:spTree>
@@ -6972,7 +8851,7 @@
             </a:pPr>
             <a:fld id="{81D60167-4931-47E6-BA6A-407CBD079E47}" type="slidenum">
               <a:rPr dirty="0"/>
-              <a:t>14</a:t>
+              <a:t>15</a:t>
             </a:fld>
             <a:endParaRPr dirty="0"/>
           </a:p>
@@ -7087,7 +8966,7 @@
 </p:sld>
 </file>
 
-<file path=ppt/slides/slide15.xml><?xml version="1.0" encoding="utf-8"?>
+<file path=ppt/slides/slide16.xml><?xml version="1.0" encoding="utf-8"?>
 <p:sld xmlns:a="http://schemas.openxmlformats.org/drawingml/2006/main" xmlns:r="http://schemas.openxmlformats.org/officeDocument/2006/relationships" xmlns:p="http://schemas.openxmlformats.org/presentationml/2006/main">
   <p:cSld>
     <p:spTree>
@@ -7500,7 +9379,7 @@
 </p:sld>
 </file>
 
-<file path=ppt/slides/slide16.xml><?xml version="1.0" encoding="utf-8"?>
+<file path=ppt/slides/slide17.xml><?xml version="1.0" encoding="utf-8"?>
 <p:sld xmlns:a="http://schemas.openxmlformats.org/drawingml/2006/main" xmlns:r="http://schemas.openxmlformats.org/officeDocument/2006/relationships" xmlns:p="http://schemas.openxmlformats.org/presentationml/2006/main">
   <p:cSld>
     <p:spTree>
@@ -8115,7 +9994,7 @@
             </a:pPr>
             <a:fld id="{81D60167-4931-47E6-BA6A-407CBD079E47}" type="slidenum">
               <a:rPr dirty="0"/>
-              <a:t>16</a:t>
+              <a:t>17</a:t>
             </a:fld>
             <a:endParaRPr dirty="0"/>
           </a:p>
@@ -8312,7 +10191,7 @@
 </p:sld>
 </file>
 
-<file path=ppt/slides/slide17.xml><?xml version="1.0" encoding="utf-8"?>
+<file path=ppt/slides/slide18.xml><?xml version="1.0" encoding="utf-8"?>
 <p:sld xmlns:a="http://schemas.openxmlformats.org/drawingml/2006/main" xmlns:r="http://schemas.openxmlformats.org/officeDocument/2006/relationships" xmlns:p="http://schemas.openxmlformats.org/presentationml/2006/main" showMasterSp="0">
   <p:cSld>
     <p:spTree>
@@ -16876,7 +18755,22 @@
                   <a:srgbClr val="FF0000"/>
                 </a:solidFill>
               </a:rPr>
-              <a:t>收发设备之间是否严格时钟同步</a:t>
+              <a:t>收发设备之间</a:t>
+            </a:r>
+            <a:endParaRPr lang="en-US" altLang="zh-CN" sz="2800" dirty="0">
+              <a:solidFill>
+                <a:srgbClr val="FF0000"/>
+              </a:solidFill>
+            </a:endParaRPr>
+          </a:p>
+          <a:p>
+            <a:r>
+              <a:rPr lang="zh-CN" altLang="en-US" sz="2800" dirty="0">
+                <a:solidFill>
+                  <a:srgbClr val="FF0000"/>
+                </a:solidFill>
+              </a:rPr>
+              <a:t>严格时钟同步</a:t>
             </a:r>
           </a:p>
         </p:txBody>
@@ -16891,6 +18785,84 @@
   <p:clrMapOvr>
     <a:masterClrMapping/>
   </p:clrMapOvr>
+  <p:timing>
+    <p:tnLst>
+      <p:par>
+        <p:cTn id="1" dur="indefinite" restart="never" nodeType="tmRoot">
+          <p:childTnLst>
+            <p:seq concurrent="1" nextAc="seek">
+              <p:cTn id="2" dur="indefinite" nodeType="mainSeq">
+                <p:childTnLst>
+                  <p:par>
+                    <p:cTn id="3" fill="hold">
+                      <p:stCondLst>
+                        <p:cond delay="indefinite"/>
+                      </p:stCondLst>
+                      <p:childTnLst>
+                        <p:par>
+                          <p:cTn id="4" fill="hold">
+                            <p:stCondLst>
+                              <p:cond delay="0"/>
+                            </p:stCondLst>
+                            <p:childTnLst>
+                              <p:par>
+                                <p:cTn id="5" presetID="1" presetClass="entr" presetSubtype="0" fill="hold" grpId="0" nodeType="clickEffect">
+                                  <p:stCondLst>
+                                    <p:cond delay="0"/>
+                                  </p:stCondLst>
+                                  <p:childTnLst>
+                                    <p:set>
+                                      <p:cBhvr>
+                                        <p:cTn id="6" dur="1" fill="hold">
+                                          <p:stCondLst>
+                                            <p:cond delay="0"/>
+                                          </p:stCondLst>
+                                        </p:cTn>
+                                        <p:tgtEl>
+                                          <p:spTgt spid="35"/>
+                                        </p:tgtEl>
+                                        <p:attrNameLst>
+                                          <p:attrName>style.visibility</p:attrName>
+                                        </p:attrNameLst>
+                                      </p:cBhvr>
+                                      <p:to>
+                                        <p:strVal val="visible"/>
+                                      </p:to>
+                                    </p:set>
+                                  </p:childTnLst>
+                                </p:cTn>
+                              </p:par>
+                            </p:childTnLst>
+                          </p:cTn>
+                        </p:par>
+                      </p:childTnLst>
+                    </p:cTn>
+                  </p:par>
+                </p:childTnLst>
+              </p:cTn>
+              <p:prevCondLst>
+                <p:cond evt="onPrev" delay="0">
+                  <p:tgtEl>
+                    <p:sldTgt/>
+                  </p:tgtEl>
+                </p:cond>
+              </p:prevCondLst>
+              <p:nextCondLst>
+                <p:cond evt="onNext" delay="0">
+                  <p:tgtEl>
+                    <p:sldTgt/>
+                  </p:tgtEl>
+                </p:cond>
+              </p:nextCondLst>
+            </p:seq>
+          </p:childTnLst>
+        </p:cTn>
+      </p:par>
+    </p:tnLst>
+    <p:bldLst>
+      <p:bldP spid="35" grpId="0"/>
+    </p:bldLst>
+  </p:timing>
 </p:sld>
 </file>
 

--- a/卫星定位/WIFI室内定位方法综述.pptx
+++ b/卫星定位/WIFI室内定位方法综述.pptx
@@ -5,7 +5,7 @@
     <p:sldMasterId id="2147483648" r:id="rId1"/>
   </p:sldMasterIdLst>
   <p:notesMasterIdLst>
-    <p:notesMasterId r:id="rId20"/>
+    <p:notesMasterId r:id="rId23"/>
   </p:notesMasterIdLst>
   <p:sldIdLst>
     <p:sldId id="256" r:id="rId2"/>
@@ -19,13 +19,16 @@
     <p:sldId id="348" r:id="rId10"/>
     <p:sldId id="404" r:id="rId11"/>
     <p:sldId id="405" r:id="rId12"/>
-    <p:sldId id="353" r:id="rId13"/>
-    <p:sldId id="389" r:id="rId14"/>
-    <p:sldId id="392" r:id="rId15"/>
-    <p:sldId id="393" r:id="rId16"/>
-    <p:sldId id="400" r:id="rId17"/>
-    <p:sldId id="401" r:id="rId18"/>
-    <p:sldId id="278" r:id="rId19"/>
+    <p:sldId id="406" r:id="rId13"/>
+    <p:sldId id="407" r:id="rId14"/>
+    <p:sldId id="408" r:id="rId15"/>
+    <p:sldId id="353" r:id="rId16"/>
+    <p:sldId id="389" r:id="rId17"/>
+    <p:sldId id="392" r:id="rId18"/>
+    <p:sldId id="393" r:id="rId19"/>
+    <p:sldId id="400" r:id="rId20"/>
+    <p:sldId id="401" r:id="rId21"/>
+    <p:sldId id="278" r:id="rId22"/>
   </p:sldIdLst>
   <p:sldSz cx="9144000" cy="6858000" type="screen4x3"/>
   <p:notesSz cx="9144000" cy="6858000"/>
@@ -741,7 +744,7 @@
           <a:p>
             <a:fld id="{17A18CE6-1491-459C-B74B-4B1155A702FB}" type="slidenum">
               <a:rPr lang="zh-CN" altLang="en-US" smtClean="0"/>
-              <a:t>18</a:t>
+              <a:t>21</a:t>
             </a:fld>
             <a:endParaRPr lang="zh-CN" altLang="en-US"/>
           </a:p>
@@ -3721,7 +3724,7 @@
         <p:spPr>
           <a:xfrm>
             <a:off x="293826" y="857623"/>
-            <a:ext cx="4576762" cy="523220"/>
+            <a:ext cx="6411774" cy="523220"/>
           </a:xfrm>
           <a:prstGeom prst="rect">
             <a:avLst/>
@@ -3758,7 +3761,25 @@
               </a:rPr>
               <a:t>三角定位方法</a:t>
             </a:r>
-            <a:endParaRPr lang="zh-CN" altLang="en-US" sz="2800" dirty="0">
+            <a:r>
+              <a:rPr lang="en-US" altLang="zh-CN" sz="2800" spc="-10" dirty="0">
+                <a:latin typeface="微软雅黑" panose="020B0503020204020204" pitchFamily="34" charset="-122"/>
+                <a:ea typeface="微软雅黑" panose="020B0503020204020204" pitchFamily="34" charset="-122"/>
+                <a:cs typeface="微软雅黑"/>
+              </a:rPr>
+              <a:t>——</a:t>
+            </a:r>
+            <a:r>
+              <a:rPr lang="zh-CN" altLang="en-US" sz="2800" b="1" i="0" dirty="0">
+                <a:solidFill>
+                  <a:srgbClr val="333333"/>
+                </a:solidFill>
+                <a:effectLst/>
+                <a:latin typeface="PingFang SC"/>
+              </a:rPr>
+              <a:t>基于测距技术</a:t>
+            </a:r>
+            <a:endParaRPr lang="zh-CN" altLang="en-US" sz="2800" b="1" dirty="0">
               <a:latin typeface="微软雅黑" panose="020B0503020204020204" pitchFamily="34" charset="-122"/>
               <a:ea typeface="微软雅黑" panose="020B0503020204020204" pitchFamily="34" charset="-122"/>
               <a:cs typeface="微软雅黑"/>
@@ -3993,8 +4014,8 @@
           </a:p>
         </p:txBody>
       </p:sp>
-      <mc:AlternateContent xmlns:mc="http://schemas.openxmlformats.org/markup-compatibility/2006">
-        <mc:Choice xmlns:a14="http://schemas.microsoft.com/office/drawing/2010/main" Requires="a14">
+      <mc:AlternateContent xmlns:mc="http://schemas.openxmlformats.org/markup-compatibility/2006" xmlns:a14="http://schemas.microsoft.com/office/drawing/2010/main">
+        <mc:Choice Requires="a14">
           <p:sp>
             <p:nvSpPr>
               <p:cNvPr id="34" name="文本框 33">
@@ -4333,7 +4354,7 @@
             </p:txBody>
           </p:sp>
         </mc:Choice>
-        <mc:Fallback>
+        <mc:Fallback xmlns="">
           <p:sp>
             <p:nvSpPr>
               <p:cNvPr id="34" name="文本框 33">
@@ -4427,7 +4448,7 @@
         </p:nvSpPr>
         <p:spPr>
           <a:xfrm>
-            <a:off x="5861797" y="1014372"/>
+            <a:off x="6324599" y="1014372"/>
             <a:ext cx="4623846" cy="954107"/>
           </a:xfrm>
           <a:prstGeom prst="rect">
@@ -5696,7 +5717,7 @@
         <p:spPr>
           <a:xfrm>
             <a:off x="293826" y="857623"/>
-            <a:ext cx="4576762" cy="523220"/>
+            <a:ext cx="6259374" cy="966931"/>
           </a:xfrm>
           <a:prstGeom prst="rect">
             <a:avLst/>
@@ -5710,6 +5731,52 @@
           <a:lstStyle/>
           <a:p>
             <a:pPr marL="12700">
+              <a:spcBef>
+                <a:spcPts val="95"/>
+              </a:spcBef>
+            </a:pPr>
+            <a:r>
+              <a:rPr lang="en-US" altLang="zh-CN" sz="2800" spc="-5" dirty="0">
+                <a:latin typeface="微软雅黑" panose="020B0503020204020204" pitchFamily="34" charset="-122"/>
+                <a:ea typeface="微软雅黑" panose="020B0503020204020204" pitchFamily="34" charset="-122"/>
+                <a:cs typeface="微软雅黑"/>
+              </a:rPr>
+              <a:t>3.1 </a:t>
+            </a:r>
+            <a:r>
+              <a:rPr lang="zh-CN" altLang="en-US" sz="2800" spc="-10" dirty="0">
+                <a:latin typeface="微软雅黑" panose="020B0503020204020204" pitchFamily="34" charset="-122"/>
+                <a:ea typeface="微软雅黑" panose="020B0503020204020204" pitchFamily="34" charset="-122"/>
+                <a:cs typeface="微软雅黑"/>
+              </a:rPr>
+              <a:t>三角定位方法</a:t>
+            </a:r>
+            <a:r>
+              <a:rPr lang="en-US" altLang="zh-CN" sz="2800" spc="-10" dirty="0">
+                <a:latin typeface="微软雅黑" panose="020B0503020204020204" pitchFamily="34" charset="-122"/>
+                <a:ea typeface="微软雅黑" panose="020B0503020204020204" pitchFamily="34" charset="-122"/>
+                <a:cs typeface="微软雅黑"/>
+              </a:rPr>
+              <a:t>——</a:t>
+            </a:r>
+            <a:r>
+              <a:rPr lang="zh-CN" altLang="en-US" sz="2800" b="1" i="0" dirty="0">
+                <a:solidFill>
+                  <a:srgbClr val="333333"/>
+                </a:solidFill>
+                <a:effectLst/>
+                <a:latin typeface="PingFang SC"/>
+              </a:rPr>
+              <a:t>基于测距技术</a:t>
+            </a:r>
+            <a:endParaRPr lang="zh-CN" altLang="en-US" sz="2800" b="1" dirty="0">
+              <a:latin typeface="微软雅黑" panose="020B0503020204020204" pitchFamily="34" charset="-122"/>
+              <a:ea typeface="微软雅黑" panose="020B0503020204020204" pitchFamily="34" charset="-122"/>
+              <a:cs typeface="微软雅黑"/>
+            </a:endParaRPr>
+          </a:p>
+          <a:p>
+            <a:pPr marL="12700">
               <a:lnSpc>
                 <a:spcPct val="100000"/>
               </a:lnSpc>
@@ -5717,22 +5784,6 @@
                 <a:spcPts val="95"/>
               </a:spcBef>
             </a:pPr>
-            <a:r>
-              <a:rPr lang="en-US" altLang="zh-CN" sz="2800" spc="-5" dirty="0">
-                <a:latin typeface="微软雅黑" panose="020B0503020204020204" pitchFamily="34" charset="-122"/>
-                <a:ea typeface="微软雅黑" panose="020B0503020204020204" pitchFamily="34" charset="-122"/>
-                <a:cs typeface="微软雅黑"/>
-              </a:rPr>
-              <a:t>3.1 </a:t>
-            </a:r>
-            <a:r>
-              <a:rPr lang="zh-CN" altLang="en-US" sz="2800" spc="-10" dirty="0">
-                <a:latin typeface="微软雅黑" panose="020B0503020204020204" pitchFamily="34" charset="-122"/>
-                <a:ea typeface="微软雅黑" panose="020B0503020204020204" pitchFamily="34" charset="-122"/>
-                <a:cs typeface="微软雅黑"/>
-              </a:rPr>
-              <a:t>三角定位方法</a:t>
-            </a:r>
             <a:endParaRPr lang="zh-CN" altLang="en-US" sz="2800" dirty="0">
               <a:latin typeface="微软雅黑" panose="020B0503020204020204" pitchFamily="34" charset="-122"/>
               <a:ea typeface="微软雅黑" panose="020B0503020204020204" pitchFamily="34" charset="-122"/>
@@ -5982,7 +6033,7 @@
             </a:r>
             <a:r>
               <a:rPr lang="en-US" altLang="zh-CN" dirty="0"/>
-              <a:t>3-3 TDOA</a:t>
+              <a:t>3-3 AOA</a:t>
             </a:r>
             <a:r>
               <a:rPr lang="zh-CN" altLang="en-US" dirty="0"/>
@@ -5991,8 +6042,8 @@
           </a:p>
         </p:txBody>
       </p:sp>
-      <mc:AlternateContent xmlns:mc="http://schemas.openxmlformats.org/markup-compatibility/2006">
-        <mc:Choice xmlns:a14="http://schemas.microsoft.com/office/drawing/2010/main" Requires="a14">
+      <mc:AlternateContent xmlns:mc="http://schemas.openxmlformats.org/markup-compatibility/2006" xmlns:a14="http://schemas.microsoft.com/office/drawing/2010/main">
+        <mc:Choice Requires="a14">
           <p:sp>
             <p:nvSpPr>
               <p:cNvPr id="34" name="文本框 33">
@@ -6110,7 +6161,7 @@
             </p:txBody>
           </p:sp>
         </mc:Choice>
-        <mc:Fallback>
+        <mc:Fallback xmlns="">
           <p:sp>
             <p:nvSpPr>
               <p:cNvPr id="34" name="文本框 33">
@@ -6169,7 +6220,7 @@
         </p:nvSpPr>
         <p:spPr>
           <a:xfrm>
-            <a:off x="5254658" y="884198"/>
+            <a:off x="6099282" y="932289"/>
             <a:ext cx="3048000" cy="954107"/>
           </a:xfrm>
           <a:prstGeom prst="rect">
@@ -6301,6 +6352,4860 @@
 </file>
 
 <file path=ppt/slides/slide12.xml><?xml version="1.0" encoding="utf-8"?>
+<p:sld xmlns:a="http://schemas.openxmlformats.org/drawingml/2006/main" xmlns:r="http://schemas.openxmlformats.org/officeDocument/2006/relationships" xmlns:p="http://schemas.openxmlformats.org/presentationml/2006/main">
+  <p:cSld>
+    <p:spTree>
+      <p:nvGrpSpPr>
+        <p:cNvPr id="1" name=""/>
+        <p:cNvGrpSpPr/>
+        <p:nvPr/>
+      </p:nvGrpSpPr>
+      <p:grpSpPr>
+        <a:xfrm>
+          <a:off x="0" y="0"/>
+          <a:ext cx="0" cy="0"/>
+          <a:chOff x="0" y="0"/>
+          <a:chExt cx="0" cy="0"/>
+        </a:xfrm>
+      </p:grpSpPr>
+      <p:grpSp>
+        <p:nvGrpSpPr>
+          <p:cNvPr id="2" name="object 2"/>
+          <p:cNvGrpSpPr/>
+          <p:nvPr/>
+        </p:nvGrpSpPr>
+        <p:grpSpPr>
+          <a:xfrm>
+            <a:off x="89915" y="135636"/>
+            <a:ext cx="262255" cy="576580"/>
+            <a:chOff x="89915" y="135636"/>
+            <a:chExt cx="262255" cy="576580"/>
+          </a:xfrm>
+        </p:grpSpPr>
+        <p:sp>
+          <p:nvSpPr>
+            <p:cNvPr id="3" name="object 3"/>
+            <p:cNvSpPr/>
+            <p:nvPr/>
+          </p:nvSpPr>
+          <p:spPr>
+            <a:xfrm>
+              <a:off x="278892" y="387095"/>
+              <a:ext cx="73660" cy="325120"/>
+            </a:xfrm>
+            <a:custGeom>
+              <a:avLst/>
+              <a:gdLst/>
+              <a:ahLst/>
+              <a:cxnLst/>
+              <a:rect l="l" t="t" r="r" b="b"/>
+              <a:pathLst>
+                <a:path w="73660" h="325120">
+                  <a:moveTo>
+                    <a:pt x="0" y="324612"/>
+                  </a:moveTo>
+                  <a:lnTo>
+                    <a:pt x="73151" y="324612"/>
+                  </a:lnTo>
+                  <a:lnTo>
+                    <a:pt x="73151" y="0"/>
+                  </a:lnTo>
+                  <a:lnTo>
+                    <a:pt x="0" y="0"/>
+                  </a:lnTo>
+                  <a:lnTo>
+                    <a:pt x="0" y="324612"/>
+                  </a:lnTo>
+                  <a:close/>
+                </a:path>
+              </a:pathLst>
+            </a:custGeom>
+            <a:solidFill>
+              <a:srgbClr val="4471C4"/>
+            </a:solidFill>
+          </p:spPr>
+          <p:txBody>
+            <a:bodyPr wrap="square" lIns="0" tIns="0" rIns="0" bIns="0" rtlCol="0"/>
+            <a:lstStyle/>
+            <a:p>
+              <a:pPr marL="0" marR="0" lvl="0" indent="0" algn="l" defTabSz="914400" rtl="0" eaLnBrk="1" fontAlgn="auto" latinLnBrk="0" hangingPunct="1">
+                <a:lnSpc>
+                  <a:spcPct val="100000"/>
+                </a:lnSpc>
+                <a:spcBef>
+                  <a:spcPts val="0"/>
+                </a:spcBef>
+                <a:spcAft>
+                  <a:spcPts val="0"/>
+                </a:spcAft>
+                <a:buClrTx/>
+                <a:buSzTx/>
+                <a:buFontTx/>
+                <a:buNone/>
+                <a:tabLst/>
+                <a:defRPr/>
+              </a:pPr>
+              <a:endParaRPr kumimoji="0" sz="1800" b="0" i="0" u="none" strike="noStrike" kern="1200" cap="none" spc="0" normalizeH="0" baseline="0" noProof="0">
+                <a:ln>
+                  <a:noFill/>
+                </a:ln>
+                <a:solidFill>
+                  <a:prstClr val="black"/>
+                </a:solidFill>
+                <a:effectLst/>
+                <a:uLnTx/>
+                <a:uFillTx/>
+                <a:latin typeface="Calibri"/>
+                <a:ea typeface="+mn-ea"/>
+                <a:cs typeface="+mn-cs"/>
+              </a:endParaRPr>
+            </a:p>
+          </p:txBody>
+        </p:sp>
+        <p:sp>
+          <p:nvSpPr>
+            <p:cNvPr id="4" name="object 4"/>
+            <p:cNvSpPr/>
+            <p:nvPr/>
+          </p:nvSpPr>
+          <p:spPr>
+            <a:xfrm>
+              <a:off x="89915" y="135636"/>
+              <a:ext cx="189230" cy="251460"/>
+            </a:xfrm>
+            <a:custGeom>
+              <a:avLst/>
+              <a:gdLst/>
+              <a:ahLst/>
+              <a:cxnLst/>
+              <a:rect l="l" t="t" r="r" b="b"/>
+              <a:pathLst>
+                <a:path w="189229" h="251460">
+                  <a:moveTo>
+                    <a:pt x="188976" y="0"/>
+                  </a:moveTo>
+                  <a:lnTo>
+                    <a:pt x="0" y="0"/>
+                  </a:lnTo>
+                  <a:lnTo>
+                    <a:pt x="0" y="251459"/>
+                  </a:lnTo>
+                  <a:lnTo>
+                    <a:pt x="188976" y="251459"/>
+                  </a:lnTo>
+                  <a:lnTo>
+                    <a:pt x="188976" y="0"/>
+                  </a:lnTo>
+                  <a:close/>
+                </a:path>
+              </a:pathLst>
+            </a:custGeom>
+            <a:solidFill>
+              <a:srgbClr val="2E5496"/>
+            </a:solidFill>
+          </p:spPr>
+          <p:txBody>
+            <a:bodyPr wrap="square" lIns="0" tIns="0" rIns="0" bIns="0" rtlCol="0"/>
+            <a:lstStyle/>
+            <a:p>
+              <a:pPr marL="0" marR="0" lvl="0" indent="0" algn="l" defTabSz="914400" rtl="0" eaLnBrk="1" fontAlgn="auto" latinLnBrk="0" hangingPunct="1">
+                <a:lnSpc>
+                  <a:spcPct val="100000"/>
+                </a:lnSpc>
+                <a:spcBef>
+                  <a:spcPts val="0"/>
+                </a:spcBef>
+                <a:spcAft>
+                  <a:spcPts val="0"/>
+                </a:spcAft>
+                <a:buClrTx/>
+                <a:buSzTx/>
+                <a:buFontTx/>
+                <a:buNone/>
+                <a:tabLst/>
+                <a:defRPr/>
+              </a:pPr>
+              <a:endParaRPr kumimoji="0" sz="1800" b="0" i="0" u="none" strike="noStrike" kern="1200" cap="none" spc="0" normalizeH="0" baseline="0" noProof="0">
+                <a:ln>
+                  <a:noFill/>
+                </a:ln>
+                <a:solidFill>
+                  <a:prstClr val="black"/>
+                </a:solidFill>
+                <a:effectLst/>
+                <a:uLnTx/>
+                <a:uFillTx/>
+                <a:latin typeface="Calibri"/>
+                <a:ea typeface="+mn-ea"/>
+                <a:cs typeface="+mn-cs"/>
+              </a:endParaRPr>
+            </a:p>
+          </p:txBody>
+        </p:sp>
+      </p:grpSp>
+      <p:grpSp>
+        <p:nvGrpSpPr>
+          <p:cNvPr id="5" name="object 5"/>
+          <p:cNvGrpSpPr/>
+          <p:nvPr/>
+        </p:nvGrpSpPr>
+        <p:grpSpPr>
+          <a:xfrm>
+            <a:off x="0" y="6304788"/>
+            <a:ext cx="9144000" cy="553720"/>
+            <a:chOff x="0" y="6304788"/>
+            <a:chExt cx="9144000" cy="553720"/>
+          </a:xfrm>
+        </p:grpSpPr>
+        <p:sp>
+          <p:nvSpPr>
+            <p:cNvPr id="6" name="object 6"/>
+            <p:cNvSpPr/>
+            <p:nvPr/>
+          </p:nvSpPr>
+          <p:spPr>
+            <a:xfrm>
+              <a:off x="8420100" y="6318503"/>
+              <a:ext cx="405765" cy="539750"/>
+            </a:xfrm>
+            <a:custGeom>
+              <a:avLst/>
+              <a:gdLst/>
+              <a:ahLst/>
+              <a:cxnLst/>
+              <a:rect l="l" t="t" r="r" b="b"/>
+              <a:pathLst>
+                <a:path w="405765" h="539750">
+                  <a:moveTo>
+                    <a:pt x="405383" y="0"/>
+                  </a:moveTo>
+                  <a:lnTo>
+                    <a:pt x="0" y="0"/>
+                  </a:lnTo>
+                  <a:lnTo>
+                    <a:pt x="0" y="539496"/>
+                  </a:lnTo>
+                  <a:lnTo>
+                    <a:pt x="405383" y="539496"/>
+                  </a:lnTo>
+                  <a:lnTo>
+                    <a:pt x="405383" y="0"/>
+                  </a:lnTo>
+                  <a:close/>
+                </a:path>
+              </a:pathLst>
+            </a:custGeom>
+            <a:solidFill>
+              <a:srgbClr val="4471C4"/>
+            </a:solidFill>
+          </p:spPr>
+          <p:txBody>
+            <a:bodyPr wrap="square" lIns="0" tIns="0" rIns="0" bIns="0" rtlCol="0"/>
+            <a:lstStyle/>
+            <a:p>
+              <a:pPr marL="0" marR="0" lvl="0" indent="0" algn="l" defTabSz="914400" rtl="0" eaLnBrk="1" fontAlgn="auto" latinLnBrk="0" hangingPunct="1">
+                <a:lnSpc>
+                  <a:spcPct val="100000"/>
+                </a:lnSpc>
+                <a:spcBef>
+                  <a:spcPts val="0"/>
+                </a:spcBef>
+                <a:spcAft>
+                  <a:spcPts val="0"/>
+                </a:spcAft>
+                <a:buClrTx/>
+                <a:buSzTx/>
+                <a:buFontTx/>
+                <a:buNone/>
+                <a:tabLst/>
+                <a:defRPr/>
+              </a:pPr>
+              <a:endParaRPr kumimoji="0" sz="1800" b="0" i="0" u="none" strike="noStrike" kern="1200" cap="none" spc="0" normalizeH="0" baseline="0" noProof="0">
+                <a:ln>
+                  <a:noFill/>
+                </a:ln>
+                <a:solidFill>
+                  <a:prstClr val="black"/>
+                </a:solidFill>
+                <a:effectLst/>
+                <a:uLnTx/>
+                <a:uFillTx/>
+                <a:latin typeface="Calibri"/>
+                <a:ea typeface="+mn-ea"/>
+                <a:cs typeface="+mn-cs"/>
+              </a:endParaRPr>
+            </a:p>
+          </p:txBody>
+        </p:sp>
+        <p:sp>
+          <p:nvSpPr>
+            <p:cNvPr id="7" name="object 7"/>
+            <p:cNvSpPr/>
+            <p:nvPr/>
+          </p:nvSpPr>
+          <p:spPr>
+            <a:xfrm>
+              <a:off x="0" y="6307836"/>
+              <a:ext cx="9144000" cy="0"/>
+            </a:xfrm>
+            <a:custGeom>
+              <a:avLst/>
+              <a:gdLst/>
+              <a:ahLst/>
+              <a:cxnLst/>
+              <a:rect l="l" t="t" r="r" b="b"/>
+              <a:pathLst>
+                <a:path w="9144000">
+                  <a:moveTo>
+                    <a:pt x="0" y="0"/>
+                  </a:moveTo>
+                  <a:lnTo>
+                    <a:pt x="9144000" y="0"/>
+                  </a:lnTo>
+                </a:path>
+              </a:pathLst>
+            </a:custGeom>
+            <a:ln w="6096">
+              <a:solidFill>
+                <a:srgbClr val="4471C4"/>
+              </a:solidFill>
+            </a:ln>
+          </p:spPr>
+          <p:txBody>
+            <a:bodyPr wrap="square" lIns="0" tIns="0" rIns="0" bIns="0" rtlCol="0"/>
+            <a:lstStyle/>
+            <a:p>
+              <a:pPr marL="0" marR="0" lvl="0" indent="0" algn="l" defTabSz="914400" rtl="0" eaLnBrk="1" fontAlgn="auto" latinLnBrk="0" hangingPunct="1">
+                <a:lnSpc>
+                  <a:spcPct val="100000"/>
+                </a:lnSpc>
+                <a:spcBef>
+                  <a:spcPts val="0"/>
+                </a:spcBef>
+                <a:spcAft>
+                  <a:spcPts val="0"/>
+                </a:spcAft>
+                <a:buClrTx/>
+                <a:buSzTx/>
+                <a:buFontTx/>
+                <a:buNone/>
+                <a:tabLst/>
+                <a:defRPr/>
+              </a:pPr>
+              <a:endParaRPr kumimoji="0" sz="1800" b="0" i="0" u="none" strike="noStrike" kern="1200" cap="none" spc="0" normalizeH="0" baseline="0" noProof="0">
+                <a:ln>
+                  <a:noFill/>
+                </a:ln>
+                <a:solidFill>
+                  <a:prstClr val="black"/>
+                </a:solidFill>
+                <a:effectLst/>
+                <a:uLnTx/>
+                <a:uFillTx/>
+                <a:latin typeface="Calibri"/>
+                <a:ea typeface="+mn-ea"/>
+                <a:cs typeface="+mn-cs"/>
+              </a:endParaRPr>
+            </a:p>
+          </p:txBody>
+        </p:sp>
+      </p:grpSp>
+      <p:grpSp>
+        <p:nvGrpSpPr>
+          <p:cNvPr id="8" name="object 8"/>
+          <p:cNvGrpSpPr/>
+          <p:nvPr/>
+        </p:nvGrpSpPr>
+        <p:grpSpPr>
+          <a:xfrm>
+            <a:off x="348995" y="207263"/>
+            <a:ext cx="7827645" cy="591820"/>
+            <a:chOff x="348995" y="207263"/>
+            <a:chExt cx="7827645" cy="591820"/>
+          </a:xfrm>
+        </p:grpSpPr>
+        <p:sp>
+          <p:nvSpPr>
+            <p:cNvPr id="9" name="object 9"/>
+            <p:cNvSpPr/>
+            <p:nvPr/>
+          </p:nvSpPr>
+          <p:spPr>
+            <a:xfrm>
+              <a:off x="739902" y="483870"/>
+              <a:ext cx="7047230" cy="0"/>
+            </a:xfrm>
+            <a:custGeom>
+              <a:avLst/>
+              <a:gdLst/>
+              <a:ahLst/>
+              <a:cxnLst/>
+              <a:rect l="l" t="t" r="r" b="b"/>
+              <a:pathLst>
+                <a:path w="7047230">
+                  <a:moveTo>
+                    <a:pt x="0" y="0"/>
+                  </a:moveTo>
+                  <a:lnTo>
+                    <a:pt x="7046976" y="0"/>
+                  </a:lnTo>
+                </a:path>
+              </a:pathLst>
+            </a:custGeom>
+            <a:ln w="22860">
+              <a:solidFill>
+                <a:srgbClr val="006FC0"/>
+              </a:solidFill>
+            </a:ln>
+          </p:spPr>
+          <p:txBody>
+            <a:bodyPr wrap="square" lIns="0" tIns="0" rIns="0" bIns="0" rtlCol="0"/>
+            <a:lstStyle/>
+            <a:p>
+              <a:pPr marL="0" marR="0" lvl="0" indent="0" algn="l" defTabSz="914400" rtl="0" eaLnBrk="1" fontAlgn="auto" latinLnBrk="0" hangingPunct="1">
+                <a:lnSpc>
+                  <a:spcPct val="100000"/>
+                </a:lnSpc>
+                <a:spcBef>
+                  <a:spcPts val="0"/>
+                </a:spcBef>
+                <a:spcAft>
+                  <a:spcPts val="0"/>
+                </a:spcAft>
+                <a:buClrTx/>
+                <a:buSzTx/>
+                <a:buFontTx/>
+                <a:buNone/>
+                <a:tabLst/>
+                <a:defRPr/>
+              </a:pPr>
+              <a:endParaRPr kumimoji="0" sz="1800" b="0" i="0" u="none" strike="noStrike" kern="1200" cap="none" spc="0" normalizeH="0" baseline="0" noProof="0">
+                <a:ln>
+                  <a:noFill/>
+                </a:ln>
+                <a:solidFill>
+                  <a:prstClr val="black"/>
+                </a:solidFill>
+                <a:effectLst/>
+                <a:uLnTx/>
+                <a:uFillTx/>
+                <a:latin typeface="Calibri"/>
+                <a:ea typeface="+mn-ea"/>
+                <a:cs typeface="+mn-cs"/>
+              </a:endParaRPr>
+            </a:p>
+          </p:txBody>
+        </p:sp>
+        <p:sp>
+          <p:nvSpPr>
+            <p:cNvPr id="10" name="object 10"/>
+            <p:cNvSpPr/>
+            <p:nvPr/>
+          </p:nvSpPr>
+          <p:spPr>
+            <a:xfrm>
+              <a:off x="1028700" y="210311"/>
+              <a:ext cx="7145020" cy="585470"/>
+            </a:xfrm>
+            <a:custGeom>
+              <a:avLst/>
+              <a:gdLst/>
+              <a:ahLst/>
+              <a:cxnLst/>
+              <a:rect l="l" t="t" r="r" b="b"/>
+              <a:pathLst>
+                <a:path w="7145020" h="585470">
+                  <a:moveTo>
+                    <a:pt x="7144511" y="0"/>
+                  </a:moveTo>
+                  <a:lnTo>
+                    <a:pt x="0" y="0"/>
+                  </a:lnTo>
+                  <a:lnTo>
+                    <a:pt x="0" y="585216"/>
+                  </a:lnTo>
+                  <a:lnTo>
+                    <a:pt x="7144511" y="585216"/>
+                  </a:lnTo>
+                  <a:lnTo>
+                    <a:pt x="7144511" y="0"/>
+                  </a:lnTo>
+                  <a:close/>
+                </a:path>
+              </a:pathLst>
+            </a:custGeom>
+            <a:solidFill>
+              <a:srgbClr val="006FC0"/>
+            </a:solidFill>
+          </p:spPr>
+          <p:txBody>
+            <a:bodyPr wrap="square" lIns="0" tIns="0" rIns="0" bIns="0" rtlCol="0"/>
+            <a:lstStyle/>
+            <a:p>
+              <a:pPr marL="0" marR="0" lvl="0" indent="0" algn="l" defTabSz="914400" rtl="0" eaLnBrk="1" fontAlgn="auto" latinLnBrk="0" hangingPunct="1">
+                <a:lnSpc>
+                  <a:spcPct val="100000"/>
+                </a:lnSpc>
+                <a:spcBef>
+                  <a:spcPts val="0"/>
+                </a:spcBef>
+                <a:spcAft>
+                  <a:spcPts val="0"/>
+                </a:spcAft>
+                <a:buClrTx/>
+                <a:buSzTx/>
+                <a:buFontTx/>
+                <a:buNone/>
+                <a:tabLst/>
+                <a:defRPr/>
+              </a:pPr>
+              <a:endParaRPr kumimoji="0" sz="1800" b="0" i="0" u="none" strike="noStrike" kern="1200" cap="none" spc="0" normalizeH="0" baseline="0" noProof="0" dirty="0">
+                <a:ln>
+                  <a:noFill/>
+                </a:ln>
+                <a:solidFill>
+                  <a:prstClr val="black"/>
+                </a:solidFill>
+                <a:effectLst/>
+                <a:uLnTx/>
+                <a:uFillTx/>
+                <a:latin typeface="Calibri"/>
+                <a:ea typeface="+mn-ea"/>
+                <a:cs typeface="+mn-cs"/>
+              </a:endParaRPr>
+            </a:p>
+          </p:txBody>
+        </p:sp>
+        <p:sp>
+          <p:nvSpPr>
+            <p:cNvPr id="11" name="object 11"/>
+            <p:cNvSpPr/>
+            <p:nvPr/>
+          </p:nvSpPr>
+          <p:spPr>
+            <a:xfrm>
+              <a:off x="1028700" y="210311"/>
+              <a:ext cx="7145020" cy="585470"/>
+            </a:xfrm>
+            <a:custGeom>
+              <a:avLst/>
+              <a:gdLst/>
+              <a:ahLst/>
+              <a:cxnLst/>
+              <a:rect l="l" t="t" r="r" b="b"/>
+              <a:pathLst>
+                <a:path w="7145020" h="585470">
+                  <a:moveTo>
+                    <a:pt x="0" y="585216"/>
+                  </a:moveTo>
+                  <a:lnTo>
+                    <a:pt x="7144511" y="585216"/>
+                  </a:lnTo>
+                  <a:lnTo>
+                    <a:pt x="7144511" y="0"/>
+                  </a:lnTo>
+                  <a:lnTo>
+                    <a:pt x="0" y="0"/>
+                  </a:lnTo>
+                  <a:lnTo>
+                    <a:pt x="0" y="585216"/>
+                  </a:lnTo>
+                  <a:close/>
+                </a:path>
+              </a:pathLst>
+            </a:custGeom>
+            <a:ln w="6096">
+              <a:solidFill>
+                <a:srgbClr val="006FC0"/>
+              </a:solidFill>
+            </a:ln>
+          </p:spPr>
+          <p:txBody>
+            <a:bodyPr wrap="square" lIns="0" tIns="0" rIns="0" bIns="0" rtlCol="0"/>
+            <a:lstStyle/>
+            <a:p>
+              <a:pPr marL="0" marR="0" lvl="0" indent="0" algn="l" defTabSz="914400" rtl="0" eaLnBrk="1" fontAlgn="auto" latinLnBrk="0" hangingPunct="1">
+                <a:lnSpc>
+                  <a:spcPct val="100000"/>
+                </a:lnSpc>
+                <a:spcBef>
+                  <a:spcPts val="0"/>
+                </a:spcBef>
+                <a:spcAft>
+                  <a:spcPts val="0"/>
+                </a:spcAft>
+                <a:buClrTx/>
+                <a:buSzTx/>
+                <a:buFontTx/>
+                <a:buNone/>
+                <a:tabLst/>
+                <a:defRPr/>
+              </a:pPr>
+              <a:endParaRPr kumimoji="0" sz="1800" b="0" i="0" u="none" strike="noStrike" kern="1200" cap="none" spc="0" normalizeH="0" baseline="0" noProof="0">
+                <a:ln>
+                  <a:noFill/>
+                </a:ln>
+                <a:solidFill>
+                  <a:prstClr val="black"/>
+                </a:solidFill>
+                <a:effectLst/>
+                <a:uLnTx/>
+                <a:uFillTx/>
+                <a:latin typeface="Calibri"/>
+                <a:ea typeface="+mn-ea"/>
+                <a:cs typeface="+mn-cs"/>
+              </a:endParaRPr>
+            </a:p>
+          </p:txBody>
+        </p:sp>
+        <p:sp>
+          <p:nvSpPr>
+            <p:cNvPr id="12" name="object 12"/>
+            <p:cNvSpPr/>
+            <p:nvPr/>
+          </p:nvSpPr>
+          <p:spPr>
+            <a:xfrm>
+              <a:off x="352043" y="210311"/>
+              <a:ext cx="516890" cy="585470"/>
+            </a:xfrm>
+            <a:custGeom>
+              <a:avLst/>
+              <a:gdLst/>
+              <a:ahLst/>
+              <a:cxnLst/>
+              <a:rect l="l" t="t" r="r" b="b"/>
+              <a:pathLst>
+                <a:path w="516890" h="585470">
+                  <a:moveTo>
+                    <a:pt x="516636" y="0"/>
+                  </a:moveTo>
+                  <a:lnTo>
+                    <a:pt x="0" y="0"/>
+                  </a:lnTo>
+                  <a:lnTo>
+                    <a:pt x="0" y="585216"/>
+                  </a:lnTo>
+                  <a:lnTo>
+                    <a:pt x="516636" y="585216"/>
+                  </a:lnTo>
+                  <a:lnTo>
+                    <a:pt x="516636" y="0"/>
+                  </a:lnTo>
+                  <a:close/>
+                </a:path>
+              </a:pathLst>
+            </a:custGeom>
+            <a:solidFill>
+              <a:srgbClr val="006FC0"/>
+            </a:solidFill>
+          </p:spPr>
+          <p:txBody>
+            <a:bodyPr wrap="square" lIns="0" tIns="0" rIns="0" bIns="0" rtlCol="0"/>
+            <a:lstStyle/>
+            <a:p>
+              <a:pPr marL="0" marR="0" lvl="0" indent="0" algn="l" defTabSz="914400" rtl="0" eaLnBrk="1" fontAlgn="auto" latinLnBrk="0" hangingPunct="1">
+                <a:lnSpc>
+                  <a:spcPct val="100000"/>
+                </a:lnSpc>
+                <a:spcBef>
+                  <a:spcPts val="0"/>
+                </a:spcBef>
+                <a:spcAft>
+                  <a:spcPts val="0"/>
+                </a:spcAft>
+                <a:buClrTx/>
+                <a:buSzTx/>
+                <a:buFontTx/>
+                <a:buNone/>
+                <a:tabLst/>
+                <a:defRPr/>
+              </a:pPr>
+              <a:endParaRPr kumimoji="0" sz="1800" b="0" i="0" u="none" strike="noStrike" kern="1200" cap="none" spc="0" normalizeH="0" baseline="0" noProof="0">
+                <a:ln>
+                  <a:noFill/>
+                </a:ln>
+                <a:solidFill>
+                  <a:prstClr val="black"/>
+                </a:solidFill>
+                <a:effectLst/>
+                <a:uLnTx/>
+                <a:uFillTx/>
+                <a:latin typeface="Calibri"/>
+                <a:ea typeface="+mn-ea"/>
+                <a:cs typeface="+mn-cs"/>
+              </a:endParaRPr>
+            </a:p>
+          </p:txBody>
+        </p:sp>
+        <p:sp>
+          <p:nvSpPr>
+            <p:cNvPr id="13" name="object 13"/>
+            <p:cNvSpPr/>
+            <p:nvPr/>
+          </p:nvSpPr>
+          <p:spPr>
+            <a:xfrm>
+              <a:off x="352043" y="210311"/>
+              <a:ext cx="516890" cy="585470"/>
+            </a:xfrm>
+            <a:custGeom>
+              <a:avLst/>
+              <a:gdLst/>
+              <a:ahLst/>
+              <a:cxnLst/>
+              <a:rect l="l" t="t" r="r" b="b"/>
+              <a:pathLst>
+                <a:path w="516890" h="585470">
+                  <a:moveTo>
+                    <a:pt x="0" y="585216"/>
+                  </a:moveTo>
+                  <a:lnTo>
+                    <a:pt x="516636" y="585216"/>
+                  </a:lnTo>
+                  <a:lnTo>
+                    <a:pt x="516636" y="0"/>
+                  </a:lnTo>
+                  <a:lnTo>
+                    <a:pt x="0" y="0"/>
+                  </a:lnTo>
+                  <a:lnTo>
+                    <a:pt x="0" y="585216"/>
+                  </a:lnTo>
+                  <a:close/>
+                </a:path>
+              </a:pathLst>
+            </a:custGeom>
+            <a:ln w="6096">
+              <a:solidFill>
+                <a:srgbClr val="006FC0"/>
+              </a:solidFill>
+            </a:ln>
+          </p:spPr>
+          <p:txBody>
+            <a:bodyPr wrap="square" lIns="0" tIns="0" rIns="0" bIns="0" rtlCol="0"/>
+            <a:lstStyle/>
+            <a:p>
+              <a:pPr marL="0" marR="0" lvl="0" indent="0" algn="l" defTabSz="914400" rtl="0" eaLnBrk="1" fontAlgn="auto" latinLnBrk="0" hangingPunct="1">
+                <a:lnSpc>
+                  <a:spcPct val="100000"/>
+                </a:lnSpc>
+                <a:spcBef>
+                  <a:spcPts val="0"/>
+                </a:spcBef>
+                <a:spcAft>
+                  <a:spcPts val="0"/>
+                </a:spcAft>
+                <a:buClrTx/>
+                <a:buSzTx/>
+                <a:buFontTx/>
+                <a:buNone/>
+                <a:tabLst/>
+                <a:defRPr/>
+              </a:pPr>
+              <a:endParaRPr kumimoji="0" sz="1800" b="0" i="0" u="none" strike="noStrike" kern="1200" cap="none" spc="0" normalizeH="0" baseline="0" noProof="0">
+                <a:ln>
+                  <a:noFill/>
+                </a:ln>
+                <a:solidFill>
+                  <a:prstClr val="black"/>
+                </a:solidFill>
+                <a:effectLst/>
+                <a:uLnTx/>
+                <a:uFillTx/>
+                <a:latin typeface="Calibri"/>
+                <a:ea typeface="+mn-ea"/>
+                <a:cs typeface="+mn-cs"/>
+              </a:endParaRPr>
+            </a:p>
+          </p:txBody>
+        </p:sp>
+      </p:grpSp>
+      <p:sp>
+        <p:nvSpPr>
+          <p:cNvPr id="14" name="object 14"/>
+          <p:cNvSpPr txBox="1">
+            <a:spLocks noGrp="1"/>
+          </p:cNvSpPr>
+          <p:nvPr>
+            <p:ph type="title"/>
+          </p:nvPr>
+        </p:nvSpPr>
+        <p:spPr>
+          <a:xfrm>
+            <a:off x="457300" y="199390"/>
+            <a:ext cx="6857899" cy="566822"/>
+          </a:xfrm>
+          <a:prstGeom prst="rect">
+            <a:avLst/>
+          </a:prstGeom>
+        </p:spPr>
+        <p:txBody>
+          <a:bodyPr vert="horz" wrap="square" lIns="0" tIns="12700" rIns="0" bIns="0" rtlCol="0">
+            <a:spAutoFit/>
+          </a:bodyPr>
+          <a:lstStyle/>
+          <a:p>
+            <a:pPr marL="12700">
+              <a:lnSpc>
+                <a:spcPct val="100000"/>
+              </a:lnSpc>
+              <a:spcBef>
+                <a:spcPts val="100"/>
+              </a:spcBef>
+              <a:tabLst>
+                <a:tab pos="2315845" algn="l"/>
+              </a:tabLst>
+            </a:pPr>
+            <a:r>
+              <a:rPr lang="en-US" altLang="zh-CN" spc="75" dirty="0"/>
+              <a:t>3</a:t>
+            </a:r>
+            <a:r>
+              <a:rPr lang="zh-CN" altLang="en-US" spc="75" dirty="0"/>
+              <a:t>	</a:t>
+            </a:r>
+            <a:r>
+              <a:rPr lang="en-US" altLang="zh-CN" spc="75" dirty="0"/>
+              <a:t>WIFI</a:t>
+            </a:r>
+            <a:r>
+              <a:rPr lang="zh-CN" altLang="en-US" spc="75" dirty="0"/>
+              <a:t>室内定位方法</a:t>
+            </a:r>
+            <a:endParaRPr spc="75" dirty="0"/>
+          </a:p>
+        </p:txBody>
+      </p:sp>
+      <p:sp>
+        <p:nvSpPr>
+          <p:cNvPr id="15" name="object 15"/>
+          <p:cNvSpPr txBox="1"/>
+          <p:nvPr/>
+        </p:nvSpPr>
+        <p:spPr>
+          <a:xfrm>
+            <a:off x="960221" y="1549252"/>
+            <a:ext cx="4980940" cy="612347"/>
+          </a:xfrm>
+          <a:prstGeom prst="rect">
+            <a:avLst/>
+          </a:prstGeom>
+        </p:spPr>
+        <p:txBody>
+          <a:bodyPr vert="horz" wrap="square" lIns="0" tIns="240665" rIns="0" bIns="0" rtlCol="0">
+            <a:spAutoFit/>
+          </a:bodyPr>
+          <a:lstStyle/>
+          <a:p>
+            <a:pPr marL="12700" marR="0" lvl="0" indent="0" algn="l" defTabSz="914400" rtl="0" eaLnBrk="1" fontAlgn="auto" latinLnBrk="0" hangingPunct="1">
+              <a:lnSpc>
+                <a:spcPct val="100000"/>
+              </a:lnSpc>
+              <a:spcBef>
+                <a:spcPts val="1895"/>
+              </a:spcBef>
+              <a:spcAft>
+                <a:spcPts val="0"/>
+              </a:spcAft>
+              <a:buClrTx/>
+              <a:buSzTx/>
+              <a:buFontTx/>
+              <a:buNone/>
+              <a:tabLst/>
+              <a:defRPr/>
+            </a:pPr>
+            <a:r>
+              <a:rPr kumimoji="0" lang="en-US" altLang="zh-CN" sz="2400" b="1" i="0" u="none" strike="noStrike" kern="1200" cap="none" spc="0" normalizeH="0" baseline="0" noProof="0" dirty="0">
+                <a:ln>
+                  <a:noFill/>
+                </a:ln>
+                <a:solidFill>
+                  <a:srgbClr val="202122"/>
+                </a:solidFill>
+                <a:effectLst/>
+                <a:uLnTx/>
+                <a:uFillTx/>
+                <a:latin typeface="Arial" panose="020B0604020202020204" pitchFamily="34" charset="0"/>
+                <a:ea typeface="宋体" panose="02010600030101010101" pitchFamily="2" charset="-122"/>
+                <a:cs typeface="+mn-cs"/>
+              </a:rPr>
+              <a:t>  </a:t>
+            </a:r>
+          </a:p>
+        </p:txBody>
+      </p:sp>
+      <p:sp>
+        <p:nvSpPr>
+          <p:cNvPr id="17" name="object 17"/>
+          <p:cNvSpPr txBox="1">
+            <a:spLocks noGrp="1"/>
+          </p:cNvSpPr>
+          <p:nvPr>
+            <p:ph type="sldNum" sz="quarter" idx="7"/>
+          </p:nvPr>
+        </p:nvSpPr>
+        <p:spPr>
+          <a:prstGeom prst="rect">
+            <a:avLst/>
+          </a:prstGeom>
+        </p:spPr>
+        <p:txBody>
+          <a:bodyPr vert="horz" wrap="square" lIns="0" tIns="0" rIns="0" bIns="0" rtlCol="0">
+            <a:spAutoFit/>
+          </a:bodyPr>
+          <a:lstStyle/>
+          <a:p>
+            <a:pPr marL="38100" marR="0" lvl="0" indent="0" algn="l" defTabSz="914400" rtl="0" eaLnBrk="1" fontAlgn="auto" latinLnBrk="0" hangingPunct="1">
+              <a:lnSpc>
+                <a:spcPts val="2005"/>
+              </a:lnSpc>
+              <a:spcBef>
+                <a:spcPts val="0"/>
+              </a:spcBef>
+              <a:spcAft>
+                <a:spcPts val="0"/>
+              </a:spcAft>
+              <a:buClrTx/>
+              <a:buSzTx/>
+              <a:buFontTx/>
+              <a:buNone/>
+              <a:tabLst/>
+              <a:defRPr/>
+            </a:pPr>
+            <a:fld id="{81D60167-4931-47E6-BA6A-407CBD079E47}" type="slidenum">
+              <a:rPr kumimoji="0" sz="2000" b="1" i="0" u="none" strike="noStrike" kern="1200" cap="none" spc="0" normalizeH="0" baseline="0" noProof="0" dirty="0">
+                <a:ln>
+                  <a:noFill/>
+                </a:ln>
+                <a:solidFill>
+                  <a:prstClr val="white"/>
+                </a:solidFill>
+                <a:effectLst/>
+                <a:uLnTx/>
+                <a:uFillTx/>
+                <a:latin typeface="Calibri" panose="020F0502020204030204"/>
+                <a:ea typeface="+mn-ea"/>
+                <a:cs typeface="Calibri" panose="020F0502020204030204"/>
+              </a:rPr>
+              <a:pPr marL="38100" marR="0" lvl="0" indent="0" algn="l" defTabSz="914400" rtl="0" eaLnBrk="1" fontAlgn="auto" latinLnBrk="0" hangingPunct="1">
+                <a:lnSpc>
+                  <a:spcPts val="2005"/>
+                </a:lnSpc>
+                <a:spcBef>
+                  <a:spcPts val="0"/>
+                </a:spcBef>
+                <a:spcAft>
+                  <a:spcPts val="0"/>
+                </a:spcAft>
+                <a:buClrTx/>
+                <a:buSzTx/>
+                <a:buFontTx/>
+                <a:buNone/>
+                <a:tabLst/>
+                <a:defRPr/>
+              </a:pPr>
+              <a:t>12</a:t>
+            </a:fld>
+            <a:endParaRPr kumimoji="0" sz="2000" b="1" i="0" u="none" strike="noStrike" kern="1200" cap="none" spc="0" normalizeH="0" baseline="0" noProof="0" dirty="0">
+              <a:ln>
+                <a:noFill/>
+              </a:ln>
+              <a:solidFill>
+                <a:prstClr val="white"/>
+              </a:solidFill>
+              <a:effectLst/>
+              <a:uLnTx/>
+              <a:uFillTx/>
+              <a:latin typeface="Calibri" panose="020F0502020204030204"/>
+              <a:ea typeface="+mn-ea"/>
+              <a:cs typeface="Calibri" panose="020F0502020204030204"/>
+            </a:endParaRPr>
+          </a:p>
+        </p:txBody>
+      </p:sp>
+      <p:sp>
+        <p:nvSpPr>
+          <p:cNvPr id="18" name="文本框 17">
+            <a:extLst>
+              <a:ext uri="{FF2B5EF4-FFF2-40B4-BE49-F238E27FC236}">
+                <a16:creationId xmlns:a16="http://schemas.microsoft.com/office/drawing/2014/main" id="{EA6B8185-8FBB-4DF4-A9ED-8792E7F8746A}"/>
+              </a:ext>
+            </a:extLst>
+          </p:cNvPr>
+          <p:cNvSpPr txBox="1"/>
+          <p:nvPr/>
+        </p:nvSpPr>
+        <p:spPr>
+          <a:xfrm>
+            <a:off x="351972" y="1377600"/>
+            <a:ext cx="8177783" cy="369332"/>
+          </a:xfrm>
+          <a:prstGeom prst="rect">
+            <a:avLst/>
+          </a:prstGeom>
+          <a:noFill/>
+        </p:spPr>
+        <p:txBody>
+          <a:bodyPr wrap="square">
+            <a:spAutoFit/>
+          </a:bodyPr>
+          <a:lstStyle/>
+          <a:p>
+            <a:pPr marL="0" marR="0" lvl="0" indent="0" algn="l" defTabSz="914400" rtl="0" eaLnBrk="1" fontAlgn="auto" latinLnBrk="0" hangingPunct="1">
+              <a:lnSpc>
+                <a:spcPct val="100000"/>
+              </a:lnSpc>
+              <a:spcBef>
+                <a:spcPts val="0"/>
+              </a:spcBef>
+              <a:spcAft>
+                <a:spcPts val="0"/>
+              </a:spcAft>
+              <a:buClrTx/>
+              <a:buSzTx/>
+              <a:buFontTx/>
+              <a:buNone/>
+              <a:tabLst/>
+              <a:defRPr/>
+            </a:pPr>
+            <a:endParaRPr kumimoji="0" lang="en-US" altLang="zh-CN" sz="1800" b="0" i="0" u="none" strike="noStrike" kern="1200" cap="none" spc="0" normalizeH="0" baseline="0" noProof="0" dirty="0">
+              <a:ln>
+                <a:noFill/>
+              </a:ln>
+              <a:solidFill>
+                <a:prstClr val="black"/>
+              </a:solidFill>
+              <a:effectLst/>
+              <a:uLnTx/>
+              <a:uFillTx/>
+              <a:latin typeface="Calibri"/>
+              <a:ea typeface="宋体" panose="02010600030101010101" pitchFamily="2" charset="-122"/>
+              <a:cs typeface="+mn-cs"/>
+            </a:endParaRPr>
+          </a:p>
+        </p:txBody>
+      </p:sp>
+      <p:sp>
+        <p:nvSpPr>
+          <p:cNvPr id="23" name="文本框 22">
+            <a:extLst>
+              <a:ext uri="{FF2B5EF4-FFF2-40B4-BE49-F238E27FC236}">
+                <a16:creationId xmlns:a16="http://schemas.microsoft.com/office/drawing/2014/main" id="{778FE6CF-9401-420A-8363-C1778D0E384A}"/>
+              </a:ext>
+            </a:extLst>
+          </p:cNvPr>
+          <p:cNvSpPr txBox="1"/>
+          <p:nvPr/>
+        </p:nvSpPr>
+        <p:spPr>
+          <a:xfrm>
+            <a:off x="293826" y="857623"/>
+            <a:ext cx="4576762" cy="523220"/>
+          </a:xfrm>
+          <a:prstGeom prst="rect">
+            <a:avLst/>
+          </a:prstGeom>
+          <a:noFill/>
+        </p:spPr>
+        <p:txBody>
+          <a:bodyPr wrap="square">
+            <a:spAutoFit/>
+          </a:bodyPr>
+          <a:lstStyle/>
+          <a:p>
+            <a:pPr marL="12700">
+              <a:lnSpc>
+                <a:spcPct val="100000"/>
+              </a:lnSpc>
+              <a:spcBef>
+                <a:spcPts val="95"/>
+              </a:spcBef>
+            </a:pPr>
+            <a:r>
+              <a:rPr lang="en-US" altLang="zh-CN" sz="2800" spc="-5" dirty="0">
+                <a:latin typeface="微软雅黑" panose="020B0503020204020204" pitchFamily="34" charset="-122"/>
+                <a:ea typeface="微软雅黑" panose="020B0503020204020204" pitchFamily="34" charset="-122"/>
+                <a:cs typeface="微软雅黑"/>
+              </a:rPr>
+              <a:t>3.2 </a:t>
+            </a:r>
+            <a:r>
+              <a:rPr lang="zh-CN" altLang="en-US" sz="2800" spc="-5" dirty="0">
+                <a:latin typeface="微软雅黑" panose="020B0503020204020204" pitchFamily="34" charset="-122"/>
+                <a:ea typeface="微软雅黑" panose="020B0503020204020204" pitchFamily="34" charset="-122"/>
+                <a:cs typeface="微软雅黑"/>
+              </a:rPr>
+              <a:t>信号传播模型法</a:t>
+            </a:r>
+            <a:endParaRPr lang="zh-CN" altLang="en-US" sz="2800" dirty="0">
+              <a:latin typeface="微软雅黑" panose="020B0503020204020204" pitchFamily="34" charset="-122"/>
+              <a:ea typeface="微软雅黑" panose="020B0503020204020204" pitchFamily="34" charset="-122"/>
+              <a:cs typeface="微软雅黑"/>
+            </a:endParaRPr>
+          </a:p>
+        </p:txBody>
+      </p:sp>
+      <p:sp>
+        <p:nvSpPr>
+          <p:cNvPr id="21" name="文本框 20">
+            <a:extLst>
+              <a:ext uri="{FF2B5EF4-FFF2-40B4-BE49-F238E27FC236}">
+                <a16:creationId xmlns:a16="http://schemas.microsoft.com/office/drawing/2014/main" id="{C1DEAF2F-69EA-4B8E-B1B9-46A29FFE92CB}"/>
+              </a:ext>
+            </a:extLst>
+          </p:cNvPr>
+          <p:cNvSpPr txBox="1"/>
+          <p:nvPr/>
+        </p:nvSpPr>
+        <p:spPr>
+          <a:xfrm>
+            <a:off x="357315" y="2366611"/>
+            <a:ext cx="5972557" cy="461665"/>
+          </a:xfrm>
+          <a:prstGeom prst="rect">
+            <a:avLst/>
+          </a:prstGeom>
+          <a:noFill/>
+        </p:spPr>
+        <p:txBody>
+          <a:bodyPr wrap="square">
+            <a:spAutoFit/>
+          </a:bodyPr>
+          <a:lstStyle/>
+          <a:p>
+            <a:pPr marL="12700">
+              <a:lnSpc>
+                <a:spcPct val="100000"/>
+              </a:lnSpc>
+              <a:spcBef>
+                <a:spcPts val="95"/>
+              </a:spcBef>
+            </a:pPr>
+            <a:r>
+              <a:rPr lang="en-US" altLang="zh-CN" sz="2400" spc="-5" dirty="0">
+                <a:latin typeface="微软雅黑" panose="020B0503020204020204" pitchFamily="34" charset="-122"/>
+                <a:ea typeface="微软雅黑" panose="020B0503020204020204" pitchFamily="34" charset="-122"/>
+                <a:cs typeface="微软雅黑"/>
+              </a:rPr>
+              <a:t>3.2.1 </a:t>
+            </a:r>
+            <a:r>
+              <a:rPr lang="zh-CN" altLang="en-US" sz="2400" spc="-5" dirty="0">
+                <a:latin typeface="微软雅黑" panose="020B0503020204020204" pitchFamily="34" charset="-122"/>
+                <a:ea typeface="微软雅黑" panose="020B0503020204020204" pitchFamily="34" charset="-122"/>
+                <a:cs typeface="微软雅黑"/>
+              </a:rPr>
+              <a:t>自由空间传播模型</a:t>
+            </a:r>
+            <a:endParaRPr lang="zh-CN" altLang="en-US" sz="2400" baseline="30000" dirty="0">
+              <a:latin typeface="微软雅黑" panose="020B0503020204020204" pitchFamily="34" charset="-122"/>
+              <a:ea typeface="微软雅黑" panose="020B0503020204020204" pitchFamily="34" charset="-122"/>
+              <a:cs typeface="微软雅黑"/>
+            </a:endParaRPr>
+          </a:p>
+        </p:txBody>
+      </p:sp>
+      <p:sp>
+        <p:nvSpPr>
+          <p:cNvPr id="28" name="文本框 27">
+            <a:extLst>
+              <a:ext uri="{FF2B5EF4-FFF2-40B4-BE49-F238E27FC236}">
+                <a16:creationId xmlns:a16="http://schemas.microsoft.com/office/drawing/2014/main" id="{9BE9941E-0560-487A-B80D-C0129FF2C43C}"/>
+              </a:ext>
+            </a:extLst>
+          </p:cNvPr>
+          <p:cNvSpPr txBox="1"/>
+          <p:nvPr/>
+        </p:nvSpPr>
+        <p:spPr>
+          <a:xfrm>
+            <a:off x="457300" y="1363732"/>
+            <a:ext cx="7501055" cy="923330"/>
+          </a:xfrm>
+          <a:prstGeom prst="rect">
+            <a:avLst/>
+          </a:prstGeom>
+          <a:noFill/>
+        </p:spPr>
+        <p:txBody>
+          <a:bodyPr wrap="square">
+            <a:spAutoFit/>
+          </a:bodyPr>
+          <a:lstStyle/>
+          <a:p>
+            <a:r>
+              <a:rPr lang="zh-CN" altLang="en-US" dirty="0"/>
+              <a:t>信号传播模型法的基本思路是通过接收到大量的数据建立</a:t>
+            </a:r>
+            <a:r>
+              <a:rPr lang="en-US" altLang="zh-CN" dirty="0"/>
+              <a:t>RSS</a:t>
+            </a:r>
+            <a:r>
+              <a:rPr lang="zh-CN" altLang="en-US" dirty="0"/>
+              <a:t>与距离之间的非线性函数关系，构建信号传播模型，根据这个模型只需知道</a:t>
+            </a:r>
+            <a:r>
+              <a:rPr lang="en-US" altLang="zh-CN" dirty="0"/>
+              <a:t>RSS</a:t>
+            </a:r>
+            <a:r>
+              <a:rPr lang="zh-CN" altLang="en-US" dirty="0"/>
+              <a:t>值就能得到待测点与</a:t>
+            </a:r>
+            <a:r>
+              <a:rPr lang="en-US" altLang="zh-CN" dirty="0"/>
+              <a:t>AP</a:t>
+            </a:r>
+            <a:r>
+              <a:rPr lang="zh-CN" altLang="en-US" dirty="0"/>
+              <a:t>的距离。得到</a:t>
+            </a:r>
+            <a:r>
+              <a:rPr lang="en-US" altLang="zh-CN" dirty="0"/>
+              <a:t>RSS</a:t>
+            </a:r>
+            <a:r>
+              <a:rPr lang="zh-CN" altLang="en-US" dirty="0"/>
+              <a:t>值利用</a:t>
+            </a:r>
+            <a:r>
+              <a:rPr lang="en-US" altLang="zh-CN" dirty="0"/>
+              <a:t>3.1</a:t>
+            </a:r>
+            <a:r>
+              <a:rPr lang="zh-CN" altLang="en-US" dirty="0"/>
+              <a:t>的三边法就可计算。</a:t>
+            </a:r>
+          </a:p>
+        </p:txBody>
+      </p:sp>
+      <p:sp>
+        <p:nvSpPr>
+          <p:cNvPr id="34" name="文本框 33">
+            <a:extLst>
+              <a:ext uri="{FF2B5EF4-FFF2-40B4-BE49-F238E27FC236}">
+                <a16:creationId xmlns:a16="http://schemas.microsoft.com/office/drawing/2014/main" id="{D68AFD50-008E-4F03-903B-EDD2C17977BE}"/>
+              </a:ext>
+            </a:extLst>
+          </p:cNvPr>
+          <p:cNvSpPr txBox="1"/>
+          <p:nvPr/>
+        </p:nvSpPr>
+        <p:spPr>
+          <a:xfrm>
+            <a:off x="5192964" y="2606805"/>
+            <a:ext cx="4009871" cy="707886"/>
+          </a:xfrm>
+          <a:prstGeom prst="rect">
+            <a:avLst/>
+          </a:prstGeom>
+          <a:noFill/>
+        </p:spPr>
+        <p:txBody>
+          <a:bodyPr wrap="square" rtlCol="0">
+            <a:spAutoFit/>
+          </a:bodyPr>
+          <a:lstStyle/>
+          <a:p>
+            <a:r>
+              <a:rPr lang="zh-CN" altLang="en-US" sz="2000" dirty="0">
+                <a:solidFill>
+                  <a:srgbClr val="FF0000"/>
+                </a:solidFill>
+              </a:rPr>
+              <a:t>假设：</a:t>
+            </a:r>
+            <a:r>
+              <a:rPr lang="en-US" altLang="zh-CN" sz="2000" dirty="0"/>
+              <a:t>WIFI</a:t>
+            </a:r>
+            <a:r>
+              <a:rPr lang="zh-CN" altLang="en-US" sz="2000" dirty="0"/>
+              <a:t>信号不受障碍物和环境因素影响</a:t>
+            </a:r>
+            <a:endParaRPr lang="en-US" altLang="zh-CN" sz="2000" b="0" dirty="0">
+              <a:highlight>
+                <a:srgbClr val="FFFF00"/>
+              </a:highlight>
+            </a:endParaRPr>
+          </a:p>
+        </p:txBody>
+      </p:sp>
+      <p:sp>
+        <p:nvSpPr>
+          <p:cNvPr id="27" name="文本框 26">
+            <a:extLst>
+              <a:ext uri="{FF2B5EF4-FFF2-40B4-BE49-F238E27FC236}">
+                <a16:creationId xmlns:a16="http://schemas.microsoft.com/office/drawing/2014/main" id="{CFE672F2-36D6-415A-BB9A-24D95651B2F7}"/>
+              </a:ext>
+            </a:extLst>
+          </p:cNvPr>
+          <p:cNvSpPr txBox="1"/>
+          <p:nvPr/>
+        </p:nvSpPr>
+        <p:spPr>
+          <a:xfrm>
+            <a:off x="4052152" y="859323"/>
+            <a:ext cx="3778018" cy="523220"/>
+          </a:xfrm>
+          <a:prstGeom prst="rect">
+            <a:avLst/>
+          </a:prstGeom>
+          <a:noFill/>
+        </p:spPr>
+        <p:txBody>
+          <a:bodyPr wrap="square">
+            <a:spAutoFit/>
+          </a:bodyPr>
+          <a:lstStyle/>
+          <a:p>
+            <a:r>
+              <a:rPr lang="zh-CN" altLang="en-US" sz="2800" dirty="0">
+                <a:solidFill>
+                  <a:srgbClr val="FF0000"/>
+                </a:solidFill>
+              </a:rPr>
+              <a:t>建立模型预测信号强度</a:t>
+            </a:r>
+          </a:p>
+        </p:txBody>
+      </p:sp>
+      <p:pic>
+        <p:nvPicPr>
+          <p:cNvPr id="19" name="图片 18" descr="文本&#10;&#10;描述已自动生成">
+            <a:extLst>
+              <a:ext uri="{FF2B5EF4-FFF2-40B4-BE49-F238E27FC236}">
+                <a16:creationId xmlns:a16="http://schemas.microsoft.com/office/drawing/2014/main" id="{67B3AA55-4F72-44D8-87D9-6A5AEF01AC04}"/>
+              </a:ext>
+            </a:extLst>
+          </p:cNvPr>
+          <p:cNvPicPr>
+            <a:picLocks noChangeAspect="1"/>
+          </p:cNvPicPr>
+          <p:nvPr/>
+        </p:nvPicPr>
+        <p:blipFill>
+          <a:blip r:embed="rId2">
+            <a:extLst>
+              <a:ext uri="{28A0092B-C50C-407E-A947-70E740481C1C}">
+                <a14:useLocalDpi xmlns:a14="http://schemas.microsoft.com/office/drawing/2010/main" val="0"/>
+              </a:ext>
+            </a:extLst>
+          </a:blip>
+          <a:stretch>
+            <a:fillRect/>
+          </a:stretch>
+        </p:blipFill>
+        <p:spPr>
+          <a:xfrm>
+            <a:off x="607440" y="2973253"/>
+            <a:ext cx="3388829" cy="1144671"/>
+          </a:xfrm>
+          <a:prstGeom prst="rect">
+            <a:avLst/>
+          </a:prstGeom>
+        </p:spPr>
+      </p:pic>
+      <mc:AlternateContent xmlns:mc="http://schemas.openxmlformats.org/markup-compatibility/2006">
+        <mc:Choice xmlns:a14="http://schemas.microsoft.com/office/drawing/2010/main" Requires="a14">
+          <p:sp>
+            <p:nvSpPr>
+              <p:cNvPr id="26" name="文本框 25">
+                <a:extLst>
+                  <a:ext uri="{FF2B5EF4-FFF2-40B4-BE49-F238E27FC236}">
+                    <a16:creationId xmlns:a16="http://schemas.microsoft.com/office/drawing/2014/main" id="{32E85BA8-8D91-4F10-97FF-361503EA25CD}"/>
+                  </a:ext>
+                </a:extLst>
+              </p:cNvPr>
+              <p:cNvSpPr txBox="1"/>
+              <p:nvPr/>
+            </p:nvSpPr>
+            <p:spPr>
+              <a:xfrm>
+                <a:off x="915267" y="4078889"/>
+                <a:ext cx="4712208" cy="1754326"/>
+              </a:xfrm>
+              <a:prstGeom prst="rect">
+                <a:avLst/>
+              </a:prstGeom>
+              <a:noFill/>
+            </p:spPr>
+            <p:txBody>
+              <a:bodyPr wrap="square">
+                <a:spAutoFit/>
+              </a:bodyPr>
+              <a:lstStyle/>
+              <a:p>
+                <a:pPr marL="285750" indent="-285750">
+                  <a:buFont typeface="Arial" panose="020B0604020202020204" pitchFamily="34" charset="0"/>
+                  <a:buChar char="•"/>
+                </a:pPr>
+                <a14:m>
+                  <m:oMath xmlns:m="http://schemas.openxmlformats.org/officeDocument/2006/math">
+                    <m:r>
+                      <a:rPr lang="en-US" altLang="zh-CN" sz="1800" b="0" i="1" dirty="0" smtClean="0">
+                        <a:solidFill>
+                          <a:srgbClr val="333333"/>
+                        </a:solidFill>
+                        <a:effectLst/>
+                        <a:latin typeface="Cambria Math" panose="02040503050406030204" pitchFamily="18" charset="0"/>
+                        <a:ea typeface="微软雅黑" panose="020B0503020204020204" pitchFamily="34" charset="-122"/>
+                      </a:rPr>
+                      <m:t>𝑃</m:t>
+                    </m:r>
+                    <m:r>
+                      <a:rPr lang="en-US" altLang="zh-CN" sz="1800" b="0" i="1" baseline="-25000" dirty="0">
+                        <a:solidFill>
+                          <a:srgbClr val="333333"/>
+                        </a:solidFill>
+                        <a:effectLst/>
+                        <a:latin typeface="Cambria Math" panose="02040503050406030204" pitchFamily="18" charset="0"/>
+                        <a:ea typeface="微软雅黑" panose="020B0503020204020204" pitchFamily="34" charset="-122"/>
+                      </a:rPr>
+                      <m:t>𝑡</m:t>
+                    </m:r>
+                  </m:oMath>
+                </a14:m>
+                <a:r>
+                  <a:rPr lang="zh-CN" altLang="en-US" sz="1800" b="0" i="0" dirty="0">
+                    <a:solidFill>
+                      <a:srgbClr val="333333"/>
+                    </a:solidFill>
+                    <a:effectLst/>
+                    <a:latin typeface="微软雅黑" panose="020B0503020204020204" pitchFamily="34" charset="-122"/>
+                    <a:ea typeface="微软雅黑" panose="020B0503020204020204" pitchFamily="34" charset="-122"/>
+                  </a:rPr>
+                  <a:t>为发射功率</a:t>
+                </a:r>
+                <a:endParaRPr lang="en-US" altLang="zh-CN" sz="1800" b="0" i="0" dirty="0">
+                  <a:solidFill>
+                    <a:srgbClr val="333333"/>
+                  </a:solidFill>
+                  <a:effectLst/>
+                  <a:latin typeface="微软雅黑" panose="020B0503020204020204" pitchFamily="34" charset="-122"/>
+                  <a:ea typeface="微软雅黑" panose="020B0503020204020204" pitchFamily="34" charset="-122"/>
+                </a:endParaRPr>
+              </a:p>
+              <a:p>
+                <a:pPr marL="285750" indent="-285750">
+                  <a:buFont typeface="Arial" panose="020B0604020202020204" pitchFamily="34" charset="0"/>
+                  <a:buChar char="•"/>
+                </a:pPr>
+                <a14:m>
+                  <m:oMath xmlns:m="http://schemas.openxmlformats.org/officeDocument/2006/math">
+                    <m:r>
+                      <a:rPr lang="en-US" altLang="zh-CN" sz="1800" b="0" i="1" dirty="0" smtClean="0">
+                        <a:solidFill>
+                          <a:srgbClr val="333333"/>
+                        </a:solidFill>
+                        <a:effectLst/>
+                        <a:latin typeface="Cambria Math" panose="02040503050406030204" pitchFamily="18" charset="0"/>
+                        <a:ea typeface="微软雅黑" panose="020B0503020204020204" pitchFamily="34" charset="-122"/>
+                      </a:rPr>
+                      <m:t>𝐺</m:t>
+                    </m:r>
+                    <m:r>
+                      <a:rPr lang="en-US" altLang="zh-CN" sz="1800" b="0" i="1" baseline="-25000" dirty="0" smtClean="0">
+                        <a:solidFill>
+                          <a:srgbClr val="333333"/>
+                        </a:solidFill>
+                        <a:effectLst/>
+                        <a:latin typeface="Cambria Math" panose="02040503050406030204" pitchFamily="18" charset="0"/>
+                        <a:ea typeface="微软雅黑" panose="020B0503020204020204" pitchFamily="34" charset="-122"/>
+                      </a:rPr>
+                      <m:t>𝑡</m:t>
+                    </m:r>
+                  </m:oMath>
+                </a14:m>
+                <a:r>
+                  <a:rPr lang="zh-CN" altLang="en-US" sz="1800" b="0" i="0" dirty="0">
+                    <a:solidFill>
+                      <a:srgbClr val="333333"/>
+                    </a:solidFill>
+                    <a:effectLst/>
+                    <a:latin typeface="微软雅黑" panose="020B0503020204020204" pitchFamily="34" charset="-122"/>
+                    <a:ea typeface="微软雅黑" panose="020B0503020204020204" pitchFamily="34" charset="-122"/>
+                  </a:rPr>
+                  <a:t>和</a:t>
+                </a:r>
+                <a14:m>
+                  <m:oMath xmlns:m="http://schemas.openxmlformats.org/officeDocument/2006/math">
+                    <m:r>
+                      <a:rPr lang="en-US" altLang="zh-CN" sz="1800" b="0" i="1" dirty="0" smtClean="0">
+                        <a:solidFill>
+                          <a:srgbClr val="333333"/>
+                        </a:solidFill>
+                        <a:effectLst/>
+                        <a:latin typeface="Cambria Math" panose="02040503050406030204" pitchFamily="18" charset="0"/>
+                        <a:ea typeface="微软雅黑" panose="020B0503020204020204" pitchFamily="34" charset="-122"/>
+                      </a:rPr>
+                      <m:t>𝐺</m:t>
+                    </m:r>
+                    <m:r>
+                      <a:rPr lang="en-US" altLang="zh-CN" sz="1800" b="0" i="1" baseline="-25000" dirty="0">
+                        <a:solidFill>
+                          <a:srgbClr val="333333"/>
+                        </a:solidFill>
+                        <a:effectLst/>
+                        <a:latin typeface="Cambria Math" panose="02040503050406030204" pitchFamily="18" charset="0"/>
+                        <a:ea typeface="微软雅黑" panose="020B0503020204020204" pitchFamily="34" charset="-122"/>
+                      </a:rPr>
+                      <m:t>𝑟</m:t>
+                    </m:r>
+                  </m:oMath>
+                </a14:m>
+                <a:r>
+                  <a:rPr lang="zh-CN" altLang="en-US" sz="1800" b="0" i="0" dirty="0">
+                    <a:solidFill>
+                      <a:srgbClr val="333333"/>
+                    </a:solidFill>
+                    <a:effectLst/>
+                    <a:latin typeface="微软雅黑" panose="020B0503020204020204" pitchFamily="34" charset="-122"/>
+                    <a:ea typeface="微软雅黑" panose="020B0503020204020204" pitchFamily="34" charset="-122"/>
+                  </a:rPr>
+                  <a:t>分别为发射和接收天线增益</a:t>
+                </a:r>
+                <a:endParaRPr lang="en-US" altLang="zh-CN" sz="1800" b="0" i="0" dirty="0">
+                  <a:solidFill>
+                    <a:srgbClr val="333333"/>
+                  </a:solidFill>
+                  <a:effectLst/>
+                  <a:latin typeface="微软雅黑" panose="020B0503020204020204" pitchFamily="34" charset="-122"/>
+                  <a:ea typeface="微软雅黑" panose="020B0503020204020204" pitchFamily="34" charset="-122"/>
+                </a:endParaRPr>
+              </a:p>
+              <a:p>
+                <a:pPr marL="285750" indent="-285750">
+                  <a:buFont typeface="Arial" panose="020B0604020202020204" pitchFamily="34" charset="0"/>
+                  <a:buChar char="•"/>
+                </a:pPr>
+                <a:r>
+                  <a:rPr lang="en-US" altLang="zh-CN" sz="1800" b="0" i="0" dirty="0">
+                    <a:solidFill>
+                      <a:srgbClr val="333333"/>
+                    </a:solidFill>
+                    <a:effectLst/>
+                    <a:latin typeface="微软雅黑" panose="020B0503020204020204" pitchFamily="34" charset="-122"/>
+                    <a:ea typeface="微软雅黑" panose="020B0503020204020204" pitchFamily="34" charset="-122"/>
+                  </a:rPr>
+                  <a:t>λ</a:t>
+                </a:r>
+                <a:r>
+                  <a:rPr lang="zh-CN" altLang="en-US" sz="1800" b="0" i="0" dirty="0">
+                    <a:solidFill>
+                      <a:srgbClr val="333333"/>
+                    </a:solidFill>
+                    <a:effectLst/>
+                    <a:latin typeface="微软雅黑" panose="020B0503020204020204" pitchFamily="34" charset="-122"/>
+                    <a:ea typeface="微软雅黑" panose="020B0503020204020204" pitchFamily="34" charset="-122"/>
+                  </a:rPr>
+                  <a:t>为</a:t>
+                </a:r>
+                <a:r>
+                  <a:rPr lang="zh-CN" altLang="en-US" dirty="0">
+                    <a:solidFill>
+                      <a:srgbClr val="333333"/>
+                    </a:solidFill>
+                    <a:latin typeface="微软雅黑" panose="020B0503020204020204" pitchFamily="34" charset="-122"/>
+                    <a:ea typeface="微软雅黑" panose="020B0503020204020204" pitchFamily="34" charset="-122"/>
+                  </a:rPr>
+                  <a:t>信号</a:t>
+                </a:r>
+                <a:r>
+                  <a:rPr lang="zh-CN" altLang="en-US" sz="1800" b="0" i="0" dirty="0">
+                    <a:solidFill>
+                      <a:srgbClr val="333333"/>
+                    </a:solidFill>
+                    <a:effectLst/>
+                    <a:latin typeface="微软雅黑" panose="020B0503020204020204" pitchFamily="34" charset="-122"/>
+                    <a:ea typeface="微软雅黑" panose="020B0503020204020204" pitchFamily="34" charset="-122"/>
+                  </a:rPr>
+                  <a:t>波长</a:t>
+                </a:r>
+                <a:endParaRPr lang="en-US" altLang="zh-CN" sz="1800" b="0" i="0" dirty="0">
+                  <a:solidFill>
+                    <a:srgbClr val="333333"/>
+                  </a:solidFill>
+                  <a:effectLst/>
+                  <a:latin typeface="微软雅黑" panose="020B0503020204020204" pitchFamily="34" charset="-122"/>
+                  <a:ea typeface="微软雅黑" panose="020B0503020204020204" pitchFamily="34" charset="-122"/>
+                </a:endParaRPr>
+              </a:p>
+              <a:p>
+                <a:pPr marL="285750" indent="-285750">
+                  <a:buFont typeface="Arial" panose="020B0604020202020204" pitchFamily="34" charset="0"/>
+                  <a:buChar char="•"/>
+                </a:pPr>
+                <a14:m>
+                  <m:oMath xmlns:m="http://schemas.openxmlformats.org/officeDocument/2006/math">
+                    <m:r>
+                      <a:rPr lang="en-US" altLang="zh-CN" b="0" i="1" smtClean="0">
+                        <a:solidFill>
+                          <a:srgbClr val="333333"/>
+                        </a:solidFill>
+                        <a:latin typeface="Cambria Math" panose="02040503050406030204" pitchFamily="18" charset="0"/>
+                        <a:ea typeface="微软雅黑" panose="020B0503020204020204" pitchFamily="34" charset="-122"/>
+                      </a:rPr>
+                      <m:t>𝑑</m:t>
+                    </m:r>
+                  </m:oMath>
+                </a14:m>
+                <a:r>
+                  <a:rPr lang="zh-CN" altLang="en-US" dirty="0">
+                    <a:solidFill>
+                      <a:srgbClr val="333333"/>
+                    </a:solidFill>
+                    <a:latin typeface="微软雅黑" panose="020B0503020204020204" pitchFamily="34" charset="-122"/>
+                    <a:ea typeface="微软雅黑" panose="020B0503020204020204" pitchFamily="34" charset="-122"/>
+                  </a:rPr>
+                  <a:t>传输距离</a:t>
+                </a:r>
+                <a:endParaRPr lang="en-US" altLang="zh-CN" dirty="0">
+                  <a:solidFill>
+                    <a:srgbClr val="333333"/>
+                  </a:solidFill>
+                  <a:latin typeface="微软雅黑" panose="020B0503020204020204" pitchFamily="34" charset="-122"/>
+                  <a:ea typeface="微软雅黑" panose="020B0503020204020204" pitchFamily="34" charset="-122"/>
+                </a:endParaRPr>
+              </a:p>
+              <a:p>
+                <a:pPr marL="285750" indent="-285750">
+                  <a:buFont typeface="Arial" panose="020B0604020202020204" pitchFamily="34" charset="0"/>
+                  <a:buChar char="•"/>
+                </a:pPr>
+                <a14:m>
+                  <m:oMath xmlns:m="http://schemas.openxmlformats.org/officeDocument/2006/math">
+                    <m:r>
+                      <a:rPr lang="en-US" altLang="zh-CN" sz="1800" b="0" i="1" dirty="0" smtClean="0">
+                        <a:solidFill>
+                          <a:srgbClr val="333333"/>
+                        </a:solidFill>
+                        <a:effectLst/>
+                        <a:latin typeface="Cambria Math" panose="02040503050406030204" pitchFamily="18" charset="0"/>
+                        <a:ea typeface="微软雅黑" panose="020B0503020204020204" pitchFamily="34" charset="-122"/>
+                      </a:rPr>
+                      <m:t>𝐿</m:t>
+                    </m:r>
+                  </m:oMath>
+                </a14:m>
+                <a:r>
+                  <a:rPr lang="zh-CN" altLang="en-US" sz="1800" b="0" i="0" dirty="0">
+                    <a:solidFill>
+                      <a:srgbClr val="333333"/>
+                    </a:solidFill>
+                    <a:effectLst/>
+                    <a:latin typeface="微软雅黑" panose="020B0503020204020204" pitchFamily="34" charset="-122"/>
+                    <a:ea typeface="微软雅黑" panose="020B0503020204020204" pitchFamily="34" charset="-122"/>
+                  </a:rPr>
+                  <a:t>系统损耗系数（障碍物材质）</a:t>
+                </a:r>
+                <a:endParaRPr lang="en-US" altLang="zh-CN" sz="1800" b="0" i="0" dirty="0">
+                  <a:solidFill>
+                    <a:srgbClr val="333333"/>
+                  </a:solidFill>
+                  <a:effectLst/>
+                  <a:latin typeface="微软雅黑" panose="020B0503020204020204" pitchFamily="34" charset="-122"/>
+                  <a:ea typeface="微软雅黑" panose="020B0503020204020204" pitchFamily="34" charset="-122"/>
+                </a:endParaRPr>
+              </a:p>
+              <a:p>
+                <a:pPr marL="285750" indent="-285750">
+                  <a:buFont typeface="Arial" panose="020B0604020202020204" pitchFamily="34" charset="0"/>
+                  <a:buChar char="•"/>
+                </a:pPr>
+                <a14:m>
+                  <m:oMath xmlns:m="http://schemas.openxmlformats.org/officeDocument/2006/math">
+                    <m:sSub>
+                      <m:sSubPr>
+                        <m:ctrlPr>
+                          <a:rPr lang="en-US" altLang="zh-CN" sz="1800" b="0" i="1" smtClean="0">
+                            <a:solidFill>
+                              <a:srgbClr val="333333"/>
+                            </a:solidFill>
+                            <a:effectLst/>
+                            <a:latin typeface="Cambria Math" panose="02040503050406030204" pitchFamily="18" charset="0"/>
+                            <a:ea typeface="微软雅黑" panose="020B0503020204020204" pitchFamily="34" charset="-122"/>
+                          </a:rPr>
+                        </m:ctrlPr>
+                      </m:sSubPr>
+                      <m:e>
+                        <m:r>
+                          <a:rPr lang="en-US" altLang="zh-CN" sz="1800" b="0" i="1" smtClean="0">
+                            <a:solidFill>
+                              <a:srgbClr val="333333"/>
+                            </a:solidFill>
+                            <a:effectLst/>
+                            <a:latin typeface="Cambria Math" panose="02040503050406030204" pitchFamily="18" charset="0"/>
+                            <a:ea typeface="微软雅黑" panose="020B0503020204020204" pitchFamily="34" charset="-122"/>
+                          </a:rPr>
+                          <m:t>𝑃</m:t>
+                        </m:r>
+                      </m:e>
+                      <m:sub>
+                        <m:r>
+                          <a:rPr lang="en-US" altLang="zh-CN" sz="1800" b="0" i="1" smtClean="0">
+                            <a:solidFill>
+                              <a:srgbClr val="333333"/>
+                            </a:solidFill>
+                            <a:effectLst/>
+                            <a:latin typeface="Cambria Math" panose="02040503050406030204" pitchFamily="18" charset="0"/>
+                            <a:ea typeface="微软雅黑" panose="020B0503020204020204" pitchFamily="34" charset="-122"/>
+                          </a:rPr>
+                          <m:t>𝑟</m:t>
+                        </m:r>
+                      </m:sub>
+                    </m:sSub>
+                    <m:r>
+                      <a:rPr lang="zh-CN" altLang="en-US" i="1">
+                        <a:solidFill>
+                          <a:srgbClr val="333333"/>
+                        </a:solidFill>
+                        <a:latin typeface="Cambria Math" panose="02040503050406030204" pitchFamily="18" charset="0"/>
+                        <a:ea typeface="微软雅黑" panose="020B0503020204020204" pitchFamily="34" charset="-122"/>
+                      </a:rPr>
+                      <m:t>为</m:t>
+                    </m:r>
+                  </m:oMath>
+                </a14:m>
+                <a:r>
+                  <a:rPr lang="zh-CN" altLang="en-US" sz="1800" b="0" i="0" dirty="0">
+                    <a:solidFill>
+                      <a:srgbClr val="333333"/>
+                    </a:solidFill>
+                    <a:effectLst/>
+                    <a:latin typeface="微软雅黑" panose="020B0503020204020204" pitchFamily="34" charset="-122"/>
+                    <a:ea typeface="微软雅黑" panose="020B0503020204020204" pitchFamily="34" charset="-122"/>
+                  </a:rPr>
+                  <a:t>接收端的接收功率</a:t>
+                </a:r>
+                <a:endParaRPr lang="en-US" altLang="zh-CN" sz="1800" b="0" i="0" dirty="0">
+                  <a:solidFill>
+                    <a:srgbClr val="333333"/>
+                  </a:solidFill>
+                  <a:effectLst/>
+                  <a:latin typeface="微软雅黑" panose="020B0503020204020204" pitchFamily="34" charset="-122"/>
+                  <a:ea typeface="微软雅黑" panose="020B0503020204020204" pitchFamily="34" charset="-122"/>
+                </a:endParaRPr>
+              </a:p>
+            </p:txBody>
+          </p:sp>
+        </mc:Choice>
+        <mc:Fallback>
+          <p:sp>
+            <p:nvSpPr>
+              <p:cNvPr id="26" name="文本框 25">
+                <a:extLst>
+                  <a:ext uri="{FF2B5EF4-FFF2-40B4-BE49-F238E27FC236}">
+                    <a16:creationId xmlns:a16="http://schemas.microsoft.com/office/drawing/2014/main" id="{32E85BA8-8D91-4F10-97FF-361503EA25CD}"/>
+                  </a:ext>
+                </a:extLst>
+              </p:cNvPr>
+              <p:cNvSpPr txBox="1">
+                <a:spLocks noRot="1" noChangeAspect="1" noMove="1" noResize="1" noEditPoints="1" noAdjustHandles="1" noChangeArrowheads="1" noChangeShapeType="1" noTextEdit="1"/>
+              </p:cNvSpPr>
+              <p:nvPr/>
+            </p:nvSpPr>
+            <p:spPr>
+              <a:xfrm>
+                <a:off x="915267" y="4078889"/>
+                <a:ext cx="4712208" cy="1754326"/>
+              </a:xfrm>
+              <a:prstGeom prst="rect">
+                <a:avLst/>
+              </a:prstGeom>
+              <a:blipFill>
+                <a:blip r:embed="rId3"/>
+                <a:stretch>
+                  <a:fillRect l="-776" t="-1736" b="-4514"/>
+                </a:stretch>
+              </a:blipFill>
+            </p:spPr>
+            <p:txBody>
+              <a:bodyPr/>
+              <a:lstStyle/>
+              <a:p>
+                <a:r>
+                  <a:rPr lang="zh-CN" altLang="en-US">
+                    <a:noFill/>
+                  </a:rPr>
+                  <a:t> </a:t>
+                </a:r>
+              </a:p>
+            </p:txBody>
+          </p:sp>
+        </mc:Fallback>
+      </mc:AlternateContent>
+      <p:sp>
+        <p:nvSpPr>
+          <p:cNvPr id="29" name="文本框 28">
+            <a:extLst>
+              <a:ext uri="{FF2B5EF4-FFF2-40B4-BE49-F238E27FC236}">
+                <a16:creationId xmlns:a16="http://schemas.microsoft.com/office/drawing/2014/main" id="{C769C0BB-55B7-491E-8769-F46A7EE9E136}"/>
+              </a:ext>
+            </a:extLst>
+          </p:cNvPr>
+          <p:cNvSpPr txBox="1"/>
+          <p:nvPr/>
+        </p:nvSpPr>
+        <p:spPr>
+          <a:xfrm>
+            <a:off x="5192964" y="3588162"/>
+            <a:ext cx="4009871" cy="707886"/>
+          </a:xfrm>
+          <a:prstGeom prst="rect">
+            <a:avLst/>
+          </a:prstGeom>
+          <a:noFill/>
+        </p:spPr>
+        <p:txBody>
+          <a:bodyPr wrap="square" rtlCol="0">
+            <a:spAutoFit/>
+          </a:bodyPr>
+          <a:lstStyle/>
+          <a:p>
+            <a:r>
+              <a:rPr lang="zh-CN" altLang="en-US" sz="2000" dirty="0">
+                <a:solidFill>
+                  <a:srgbClr val="FF0000"/>
+                </a:solidFill>
+              </a:rPr>
+              <a:t>缺陷：</a:t>
+            </a:r>
+            <a:r>
+              <a:rPr lang="zh-CN" altLang="en-US" sz="2000" dirty="0"/>
+              <a:t>现实中不存在理想环境，信号会受干扰，导致此模型不准确。</a:t>
+            </a:r>
+            <a:endParaRPr lang="en-US" altLang="zh-CN" sz="2000" b="0" dirty="0">
+              <a:highlight>
+                <a:srgbClr val="FFFF00"/>
+              </a:highlight>
+            </a:endParaRPr>
+          </a:p>
+        </p:txBody>
+      </p:sp>
+    </p:spTree>
+    <p:extLst>
+      <p:ext uri="{BB962C8B-B14F-4D97-AF65-F5344CB8AC3E}">
+        <p14:creationId xmlns:p14="http://schemas.microsoft.com/office/powerpoint/2010/main" val="3184070855"/>
+      </p:ext>
+    </p:extLst>
+  </p:cSld>
+  <p:clrMapOvr>
+    <a:masterClrMapping/>
+  </p:clrMapOvr>
+  <p:timing>
+    <p:tnLst>
+      <p:par>
+        <p:cTn id="1" dur="indefinite" restart="never" nodeType="tmRoot">
+          <p:childTnLst>
+            <p:seq concurrent="1" nextAc="seek">
+              <p:cTn id="2" dur="indefinite" nodeType="mainSeq">
+                <p:childTnLst>
+                  <p:par>
+                    <p:cTn id="3" fill="hold">
+                      <p:stCondLst>
+                        <p:cond delay="indefinite"/>
+                      </p:stCondLst>
+                      <p:childTnLst>
+                        <p:par>
+                          <p:cTn id="4" fill="hold">
+                            <p:stCondLst>
+                              <p:cond delay="0"/>
+                            </p:stCondLst>
+                            <p:childTnLst>
+                              <p:par>
+                                <p:cTn id="5" presetID="1" presetClass="entr" presetSubtype="0" fill="hold" grpId="0" nodeType="clickEffect">
+                                  <p:stCondLst>
+                                    <p:cond delay="0"/>
+                                  </p:stCondLst>
+                                  <p:childTnLst>
+                                    <p:set>
+                                      <p:cBhvr>
+                                        <p:cTn id="6" dur="1" fill="hold">
+                                          <p:stCondLst>
+                                            <p:cond delay="0"/>
+                                          </p:stCondLst>
+                                        </p:cTn>
+                                        <p:tgtEl>
+                                          <p:spTgt spid="27"/>
+                                        </p:tgtEl>
+                                        <p:attrNameLst>
+                                          <p:attrName>style.visibility</p:attrName>
+                                        </p:attrNameLst>
+                                      </p:cBhvr>
+                                      <p:to>
+                                        <p:strVal val="visible"/>
+                                      </p:to>
+                                    </p:set>
+                                  </p:childTnLst>
+                                </p:cTn>
+                              </p:par>
+                            </p:childTnLst>
+                          </p:cTn>
+                        </p:par>
+                      </p:childTnLst>
+                    </p:cTn>
+                  </p:par>
+                </p:childTnLst>
+              </p:cTn>
+              <p:prevCondLst>
+                <p:cond evt="onPrev" delay="0">
+                  <p:tgtEl>
+                    <p:sldTgt/>
+                  </p:tgtEl>
+                </p:cond>
+              </p:prevCondLst>
+              <p:nextCondLst>
+                <p:cond evt="onNext" delay="0">
+                  <p:tgtEl>
+                    <p:sldTgt/>
+                  </p:tgtEl>
+                </p:cond>
+              </p:nextCondLst>
+            </p:seq>
+          </p:childTnLst>
+        </p:cTn>
+      </p:par>
+    </p:tnLst>
+    <p:bldLst>
+      <p:bldP spid="27" grpId="0"/>
+    </p:bldLst>
+  </p:timing>
+</p:sld>
+</file>
+
+<file path=ppt/slides/slide13.xml><?xml version="1.0" encoding="utf-8"?>
+<p:sld xmlns:a="http://schemas.openxmlformats.org/drawingml/2006/main" xmlns:r="http://schemas.openxmlformats.org/officeDocument/2006/relationships" xmlns:p="http://schemas.openxmlformats.org/presentationml/2006/main">
+  <p:cSld>
+    <p:spTree>
+      <p:nvGrpSpPr>
+        <p:cNvPr id="1" name=""/>
+        <p:cNvGrpSpPr/>
+        <p:nvPr/>
+      </p:nvGrpSpPr>
+      <p:grpSpPr>
+        <a:xfrm>
+          <a:off x="0" y="0"/>
+          <a:ext cx="0" cy="0"/>
+          <a:chOff x="0" y="0"/>
+          <a:chExt cx="0" cy="0"/>
+        </a:xfrm>
+      </p:grpSpPr>
+      <p:pic>
+        <p:nvPicPr>
+          <p:cNvPr id="24" name="图片 23" descr="文本&#10;&#10;低可信度描述已自动生成">
+            <a:extLst>
+              <a:ext uri="{FF2B5EF4-FFF2-40B4-BE49-F238E27FC236}">
+                <a16:creationId xmlns:a16="http://schemas.microsoft.com/office/drawing/2014/main" id="{977198AF-D6A1-4787-98CE-F56A29F22783}"/>
+              </a:ext>
+            </a:extLst>
+          </p:cNvPr>
+          <p:cNvPicPr>
+            <a:picLocks noChangeAspect="1"/>
+          </p:cNvPicPr>
+          <p:nvPr/>
+        </p:nvPicPr>
+        <p:blipFill rotWithShape="1">
+          <a:blip r:embed="rId2">
+            <a:extLst>
+              <a:ext uri="{28A0092B-C50C-407E-A947-70E740481C1C}">
+                <a14:useLocalDpi xmlns:a14="http://schemas.microsoft.com/office/drawing/2010/main" val="0"/>
+              </a:ext>
+            </a:extLst>
+          </a:blip>
+          <a:srcRect l="4738" t="-2223" r="3716" b="19029"/>
+          <a:stretch/>
+        </p:blipFill>
+        <p:spPr>
+          <a:xfrm>
+            <a:off x="221415" y="5088608"/>
+            <a:ext cx="4219448" cy="830677"/>
+          </a:xfrm>
+          <a:prstGeom prst="rect">
+            <a:avLst/>
+          </a:prstGeom>
+        </p:spPr>
+      </p:pic>
+      <p:grpSp>
+        <p:nvGrpSpPr>
+          <p:cNvPr id="2" name="object 2"/>
+          <p:cNvGrpSpPr/>
+          <p:nvPr/>
+        </p:nvGrpSpPr>
+        <p:grpSpPr>
+          <a:xfrm>
+            <a:off x="89915" y="135636"/>
+            <a:ext cx="262255" cy="576580"/>
+            <a:chOff x="89915" y="135636"/>
+            <a:chExt cx="262255" cy="576580"/>
+          </a:xfrm>
+        </p:grpSpPr>
+        <p:sp>
+          <p:nvSpPr>
+            <p:cNvPr id="3" name="object 3"/>
+            <p:cNvSpPr/>
+            <p:nvPr/>
+          </p:nvSpPr>
+          <p:spPr>
+            <a:xfrm>
+              <a:off x="278892" y="387095"/>
+              <a:ext cx="73660" cy="325120"/>
+            </a:xfrm>
+            <a:custGeom>
+              <a:avLst/>
+              <a:gdLst/>
+              <a:ahLst/>
+              <a:cxnLst/>
+              <a:rect l="l" t="t" r="r" b="b"/>
+              <a:pathLst>
+                <a:path w="73660" h="325120">
+                  <a:moveTo>
+                    <a:pt x="0" y="324612"/>
+                  </a:moveTo>
+                  <a:lnTo>
+                    <a:pt x="73151" y="324612"/>
+                  </a:lnTo>
+                  <a:lnTo>
+                    <a:pt x="73151" y="0"/>
+                  </a:lnTo>
+                  <a:lnTo>
+                    <a:pt x="0" y="0"/>
+                  </a:lnTo>
+                  <a:lnTo>
+                    <a:pt x="0" y="324612"/>
+                  </a:lnTo>
+                  <a:close/>
+                </a:path>
+              </a:pathLst>
+            </a:custGeom>
+            <a:solidFill>
+              <a:srgbClr val="4471C4"/>
+            </a:solidFill>
+          </p:spPr>
+          <p:txBody>
+            <a:bodyPr wrap="square" lIns="0" tIns="0" rIns="0" bIns="0" rtlCol="0"/>
+            <a:lstStyle/>
+            <a:p>
+              <a:pPr marL="0" marR="0" lvl="0" indent="0" algn="l" defTabSz="914400" rtl="0" eaLnBrk="1" fontAlgn="auto" latinLnBrk="0" hangingPunct="1">
+                <a:lnSpc>
+                  <a:spcPct val="100000"/>
+                </a:lnSpc>
+                <a:spcBef>
+                  <a:spcPts val="0"/>
+                </a:spcBef>
+                <a:spcAft>
+                  <a:spcPts val="0"/>
+                </a:spcAft>
+                <a:buClrTx/>
+                <a:buSzTx/>
+                <a:buFontTx/>
+                <a:buNone/>
+                <a:tabLst/>
+                <a:defRPr/>
+              </a:pPr>
+              <a:endParaRPr kumimoji="0" sz="1800" b="0" i="0" u="none" strike="noStrike" kern="1200" cap="none" spc="0" normalizeH="0" baseline="0" noProof="0">
+                <a:ln>
+                  <a:noFill/>
+                </a:ln>
+                <a:solidFill>
+                  <a:prstClr val="black"/>
+                </a:solidFill>
+                <a:effectLst/>
+                <a:uLnTx/>
+                <a:uFillTx/>
+                <a:latin typeface="Calibri"/>
+                <a:ea typeface="+mn-ea"/>
+                <a:cs typeface="+mn-cs"/>
+              </a:endParaRPr>
+            </a:p>
+          </p:txBody>
+        </p:sp>
+        <p:sp>
+          <p:nvSpPr>
+            <p:cNvPr id="4" name="object 4"/>
+            <p:cNvSpPr/>
+            <p:nvPr/>
+          </p:nvSpPr>
+          <p:spPr>
+            <a:xfrm>
+              <a:off x="89915" y="135636"/>
+              <a:ext cx="189230" cy="251460"/>
+            </a:xfrm>
+            <a:custGeom>
+              <a:avLst/>
+              <a:gdLst/>
+              <a:ahLst/>
+              <a:cxnLst/>
+              <a:rect l="l" t="t" r="r" b="b"/>
+              <a:pathLst>
+                <a:path w="189229" h="251460">
+                  <a:moveTo>
+                    <a:pt x="188976" y="0"/>
+                  </a:moveTo>
+                  <a:lnTo>
+                    <a:pt x="0" y="0"/>
+                  </a:lnTo>
+                  <a:lnTo>
+                    <a:pt x="0" y="251459"/>
+                  </a:lnTo>
+                  <a:lnTo>
+                    <a:pt x="188976" y="251459"/>
+                  </a:lnTo>
+                  <a:lnTo>
+                    <a:pt x="188976" y="0"/>
+                  </a:lnTo>
+                  <a:close/>
+                </a:path>
+              </a:pathLst>
+            </a:custGeom>
+            <a:solidFill>
+              <a:srgbClr val="2E5496"/>
+            </a:solidFill>
+          </p:spPr>
+          <p:txBody>
+            <a:bodyPr wrap="square" lIns="0" tIns="0" rIns="0" bIns="0" rtlCol="0"/>
+            <a:lstStyle/>
+            <a:p>
+              <a:pPr marL="0" marR="0" lvl="0" indent="0" algn="l" defTabSz="914400" rtl="0" eaLnBrk="1" fontAlgn="auto" latinLnBrk="0" hangingPunct="1">
+                <a:lnSpc>
+                  <a:spcPct val="100000"/>
+                </a:lnSpc>
+                <a:spcBef>
+                  <a:spcPts val="0"/>
+                </a:spcBef>
+                <a:spcAft>
+                  <a:spcPts val="0"/>
+                </a:spcAft>
+                <a:buClrTx/>
+                <a:buSzTx/>
+                <a:buFontTx/>
+                <a:buNone/>
+                <a:tabLst/>
+                <a:defRPr/>
+              </a:pPr>
+              <a:endParaRPr kumimoji="0" sz="1800" b="0" i="0" u="none" strike="noStrike" kern="1200" cap="none" spc="0" normalizeH="0" baseline="0" noProof="0">
+                <a:ln>
+                  <a:noFill/>
+                </a:ln>
+                <a:solidFill>
+                  <a:prstClr val="black"/>
+                </a:solidFill>
+                <a:effectLst/>
+                <a:uLnTx/>
+                <a:uFillTx/>
+                <a:latin typeface="Calibri"/>
+                <a:ea typeface="+mn-ea"/>
+                <a:cs typeface="+mn-cs"/>
+              </a:endParaRPr>
+            </a:p>
+          </p:txBody>
+        </p:sp>
+      </p:grpSp>
+      <p:grpSp>
+        <p:nvGrpSpPr>
+          <p:cNvPr id="5" name="object 5"/>
+          <p:cNvGrpSpPr/>
+          <p:nvPr/>
+        </p:nvGrpSpPr>
+        <p:grpSpPr>
+          <a:xfrm>
+            <a:off x="0" y="6304788"/>
+            <a:ext cx="9144000" cy="553720"/>
+            <a:chOff x="0" y="6304788"/>
+            <a:chExt cx="9144000" cy="553720"/>
+          </a:xfrm>
+        </p:grpSpPr>
+        <p:sp>
+          <p:nvSpPr>
+            <p:cNvPr id="6" name="object 6"/>
+            <p:cNvSpPr/>
+            <p:nvPr/>
+          </p:nvSpPr>
+          <p:spPr>
+            <a:xfrm>
+              <a:off x="8420100" y="6318503"/>
+              <a:ext cx="405765" cy="539750"/>
+            </a:xfrm>
+            <a:custGeom>
+              <a:avLst/>
+              <a:gdLst/>
+              <a:ahLst/>
+              <a:cxnLst/>
+              <a:rect l="l" t="t" r="r" b="b"/>
+              <a:pathLst>
+                <a:path w="405765" h="539750">
+                  <a:moveTo>
+                    <a:pt x="405383" y="0"/>
+                  </a:moveTo>
+                  <a:lnTo>
+                    <a:pt x="0" y="0"/>
+                  </a:lnTo>
+                  <a:lnTo>
+                    <a:pt x="0" y="539496"/>
+                  </a:lnTo>
+                  <a:lnTo>
+                    <a:pt x="405383" y="539496"/>
+                  </a:lnTo>
+                  <a:lnTo>
+                    <a:pt x="405383" y="0"/>
+                  </a:lnTo>
+                  <a:close/>
+                </a:path>
+              </a:pathLst>
+            </a:custGeom>
+            <a:solidFill>
+              <a:srgbClr val="4471C4"/>
+            </a:solidFill>
+          </p:spPr>
+          <p:txBody>
+            <a:bodyPr wrap="square" lIns="0" tIns="0" rIns="0" bIns="0" rtlCol="0"/>
+            <a:lstStyle/>
+            <a:p>
+              <a:pPr marL="0" marR="0" lvl="0" indent="0" algn="l" defTabSz="914400" rtl="0" eaLnBrk="1" fontAlgn="auto" latinLnBrk="0" hangingPunct="1">
+                <a:lnSpc>
+                  <a:spcPct val="100000"/>
+                </a:lnSpc>
+                <a:spcBef>
+                  <a:spcPts val="0"/>
+                </a:spcBef>
+                <a:spcAft>
+                  <a:spcPts val="0"/>
+                </a:spcAft>
+                <a:buClrTx/>
+                <a:buSzTx/>
+                <a:buFontTx/>
+                <a:buNone/>
+                <a:tabLst/>
+                <a:defRPr/>
+              </a:pPr>
+              <a:endParaRPr kumimoji="0" sz="1800" b="0" i="0" u="none" strike="noStrike" kern="1200" cap="none" spc="0" normalizeH="0" baseline="0" noProof="0">
+                <a:ln>
+                  <a:noFill/>
+                </a:ln>
+                <a:solidFill>
+                  <a:prstClr val="black"/>
+                </a:solidFill>
+                <a:effectLst/>
+                <a:uLnTx/>
+                <a:uFillTx/>
+                <a:latin typeface="Calibri"/>
+                <a:ea typeface="+mn-ea"/>
+                <a:cs typeface="+mn-cs"/>
+              </a:endParaRPr>
+            </a:p>
+          </p:txBody>
+        </p:sp>
+        <p:sp>
+          <p:nvSpPr>
+            <p:cNvPr id="7" name="object 7"/>
+            <p:cNvSpPr/>
+            <p:nvPr/>
+          </p:nvSpPr>
+          <p:spPr>
+            <a:xfrm>
+              <a:off x="0" y="6307836"/>
+              <a:ext cx="9144000" cy="0"/>
+            </a:xfrm>
+            <a:custGeom>
+              <a:avLst/>
+              <a:gdLst/>
+              <a:ahLst/>
+              <a:cxnLst/>
+              <a:rect l="l" t="t" r="r" b="b"/>
+              <a:pathLst>
+                <a:path w="9144000">
+                  <a:moveTo>
+                    <a:pt x="0" y="0"/>
+                  </a:moveTo>
+                  <a:lnTo>
+                    <a:pt x="9144000" y="0"/>
+                  </a:lnTo>
+                </a:path>
+              </a:pathLst>
+            </a:custGeom>
+            <a:ln w="6096">
+              <a:solidFill>
+                <a:srgbClr val="4471C4"/>
+              </a:solidFill>
+            </a:ln>
+          </p:spPr>
+          <p:txBody>
+            <a:bodyPr wrap="square" lIns="0" tIns="0" rIns="0" bIns="0" rtlCol="0"/>
+            <a:lstStyle/>
+            <a:p>
+              <a:pPr marL="0" marR="0" lvl="0" indent="0" algn="l" defTabSz="914400" rtl="0" eaLnBrk="1" fontAlgn="auto" latinLnBrk="0" hangingPunct="1">
+                <a:lnSpc>
+                  <a:spcPct val="100000"/>
+                </a:lnSpc>
+                <a:spcBef>
+                  <a:spcPts val="0"/>
+                </a:spcBef>
+                <a:spcAft>
+                  <a:spcPts val="0"/>
+                </a:spcAft>
+                <a:buClrTx/>
+                <a:buSzTx/>
+                <a:buFontTx/>
+                <a:buNone/>
+                <a:tabLst/>
+                <a:defRPr/>
+              </a:pPr>
+              <a:endParaRPr kumimoji="0" sz="1800" b="0" i="0" u="none" strike="noStrike" kern="1200" cap="none" spc="0" normalizeH="0" baseline="0" noProof="0">
+                <a:ln>
+                  <a:noFill/>
+                </a:ln>
+                <a:solidFill>
+                  <a:prstClr val="black"/>
+                </a:solidFill>
+                <a:effectLst/>
+                <a:uLnTx/>
+                <a:uFillTx/>
+                <a:latin typeface="Calibri"/>
+                <a:ea typeface="+mn-ea"/>
+                <a:cs typeface="+mn-cs"/>
+              </a:endParaRPr>
+            </a:p>
+          </p:txBody>
+        </p:sp>
+      </p:grpSp>
+      <p:grpSp>
+        <p:nvGrpSpPr>
+          <p:cNvPr id="8" name="object 8"/>
+          <p:cNvGrpSpPr/>
+          <p:nvPr/>
+        </p:nvGrpSpPr>
+        <p:grpSpPr>
+          <a:xfrm>
+            <a:off x="348995" y="207263"/>
+            <a:ext cx="7827645" cy="591820"/>
+            <a:chOff x="348995" y="207263"/>
+            <a:chExt cx="7827645" cy="591820"/>
+          </a:xfrm>
+        </p:grpSpPr>
+        <p:sp>
+          <p:nvSpPr>
+            <p:cNvPr id="9" name="object 9"/>
+            <p:cNvSpPr/>
+            <p:nvPr/>
+          </p:nvSpPr>
+          <p:spPr>
+            <a:xfrm>
+              <a:off x="739902" y="483870"/>
+              <a:ext cx="7047230" cy="0"/>
+            </a:xfrm>
+            <a:custGeom>
+              <a:avLst/>
+              <a:gdLst/>
+              <a:ahLst/>
+              <a:cxnLst/>
+              <a:rect l="l" t="t" r="r" b="b"/>
+              <a:pathLst>
+                <a:path w="7047230">
+                  <a:moveTo>
+                    <a:pt x="0" y="0"/>
+                  </a:moveTo>
+                  <a:lnTo>
+                    <a:pt x="7046976" y="0"/>
+                  </a:lnTo>
+                </a:path>
+              </a:pathLst>
+            </a:custGeom>
+            <a:ln w="22860">
+              <a:solidFill>
+                <a:srgbClr val="006FC0"/>
+              </a:solidFill>
+            </a:ln>
+          </p:spPr>
+          <p:txBody>
+            <a:bodyPr wrap="square" lIns="0" tIns="0" rIns="0" bIns="0" rtlCol="0"/>
+            <a:lstStyle/>
+            <a:p>
+              <a:pPr marL="0" marR="0" lvl="0" indent="0" algn="l" defTabSz="914400" rtl="0" eaLnBrk="1" fontAlgn="auto" latinLnBrk="0" hangingPunct="1">
+                <a:lnSpc>
+                  <a:spcPct val="100000"/>
+                </a:lnSpc>
+                <a:spcBef>
+                  <a:spcPts val="0"/>
+                </a:spcBef>
+                <a:spcAft>
+                  <a:spcPts val="0"/>
+                </a:spcAft>
+                <a:buClrTx/>
+                <a:buSzTx/>
+                <a:buFontTx/>
+                <a:buNone/>
+                <a:tabLst/>
+                <a:defRPr/>
+              </a:pPr>
+              <a:endParaRPr kumimoji="0" sz="1800" b="0" i="0" u="none" strike="noStrike" kern="1200" cap="none" spc="0" normalizeH="0" baseline="0" noProof="0">
+                <a:ln>
+                  <a:noFill/>
+                </a:ln>
+                <a:solidFill>
+                  <a:prstClr val="black"/>
+                </a:solidFill>
+                <a:effectLst/>
+                <a:uLnTx/>
+                <a:uFillTx/>
+                <a:latin typeface="Calibri"/>
+                <a:ea typeface="+mn-ea"/>
+                <a:cs typeface="+mn-cs"/>
+              </a:endParaRPr>
+            </a:p>
+          </p:txBody>
+        </p:sp>
+        <p:sp>
+          <p:nvSpPr>
+            <p:cNvPr id="10" name="object 10"/>
+            <p:cNvSpPr/>
+            <p:nvPr/>
+          </p:nvSpPr>
+          <p:spPr>
+            <a:xfrm>
+              <a:off x="1028700" y="210311"/>
+              <a:ext cx="7145020" cy="585470"/>
+            </a:xfrm>
+            <a:custGeom>
+              <a:avLst/>
+              <a:gdLst/>
+              <a:ahLst/>
+              <a:cxnLst/>
+              <a:rect l="l" t="t" r="r" b="b"/>
+              <a:pathLst>
+                <a:path w="7145020" h="585470">
+                  <a:moveTo>
+                    <a:pt x="7144511" y="0"/>
+                  </a:moveTo>
+                  <a:lnTo>
+                    <a:pt x="0" y="0"/>
+                  </a:lnTo>
+                  <a:lnTo>
+                    <a:pt x="0" y="585216"/>
+                  </a:lnTo>
+                  <a:lnTo>
+                    <a:pt x="7144511" y="585216"/>
+                  </a:lnTo>
+                  <a:lnTo>
+                    <a:pt x="7144511" y="0"/>
+                  </a:lnTo>
+                  <a:close/>
+                </a:path>
+              </a:pathLst>
+            </a:custGeom>
+            <a:solidFill>
+              <a:srgbClr val="006FC0"/>
+            </a:solidFill>
+          </p:spPr>
+          <p:txBody>
+            <a:bodyPr wrap="square" lIns="0" tIns="0" rIns="0" bIns="0" rtlCol="0"/>
+            <a:lstStyle/>
+            <a:p>
+              <a:pPr marL="0" marR="0" lvl="0" indent="0" algn="l" defTabSz="914400" rtl="0" eaLnBrk="1" fontAlgn="auto" latinLnBrk="0" hangingPunct="1">
+                <a:lnSpc>
+                  <a:spcPct val="100000"/>
+                </a:lnSpc>
+                <a:spcBef>
+                  <a:spcPts val="0"/>
+                </a:spcBef>
+                <a:spcAft>
+                  <a:spcPts val="0"/>
+                </a:spcAft>
+                <a:buClrTx/>
+                <a:buSzTx/>
+                <a:buFontTx/>
+                <a:buNone/>
+                <a:tabLst/>
+                <a:defRPr/>
+              </a:pPr>
+              <a:endParaRPr kumimoji="0" sz="1800" b="0" i="0" u="none" strike="noStrike" kern="1200" cap="none" spc="0" normalizeH="0" baseline="0" noProof="0" dirty="0">
+                <a:ln>
+                  <a:noFill/>
+                </a:ln>
+                <a:solidFill>
+                  <a:prstClr val="black"/>
+                </a:solidFill>
+                <a:effectLst/>
+                <a:uLnTx/>
+                <a:uFillTx/>
+                <a:latin typeface="Calibri"/>
+                <a:ea typeface="+mn-ea"/>
+                <a:cs typeface="+mn-cs"/>
+              </a:endParaRPr>
+            </a:p>
+          </p:txBody>
+        </p:sp>
+        <p:sp>
+          <p:nvSpPr>
+            <p:cNvPr id="11" name="object 11"/>
+            <p:cNvSpPr/>
+            <p:nvPr/>
+          </p:nvSpPr>
+          <p:spPr>
+            <a:xfrm>
+              <a:off x="1028700" y="210311"/>
+              <a:ext cx="7145020" cy="585470"/>
+            </a:xfrm>
+            <a:custGeom>
+              <a:avLst/>
+              <a:gdLst/>
+              <a:ahLst/>
+              <a:cxnLst/>
+              <a:rect l="l" t="t" r="r" b="b"/>
+              <a:pathLst>
+                <a:path w="7145020" h="585470">
+                  <a:moveTo>
+                    <a:pt x="0" y="585216"/>
+                  </a:moveTo>
+                  <a:lnTo>
+                    <a:pt x="7144511" y="585216"/>
+                  </a:lnTo>
+                  <a:lnTo>
+                    <a:pt x="7144511" y="0"/>
+                  </a:lnTo>
+                  <a:lnTo>
+                    <a:pt x="0" y="0"/>
+                  </a:lnTo>
+                  <a:lnTo>
+                    <a:pt x="0" y="585216"/>
+                  </a:lnTo>
+                  <a:close/>
+                </a:path>
+              </a:pathLst>
+            </a:custGeom>
+            <a:ln w="6096">
+              <a:solidFill>
+                <a:srgbClr val="006FC0"/>
+              </a:solidFill>
+            </a:ln>
+          </p:spPr>
+          <p:txBody>
+            <a:bodyPr wrap="square" lIns="0" tIns="0" rIns="0" bIns="0" rtlCol="0"/>
+            <a:lstStyle/>
+            <a:p>
+              <a:pPr marL="0" marR="0" lvl="0" indent="0" algn="l" defTabSz="914400" rtl="0" eaLnBrk="1" fontAlgn="auto" latinLnBrk="0" hangingPunct="1">
+                <a:lnSpc>
+                  <a:spcPct val="100000"/>
+                </a:lnSpc>
+                <a:spcBef>
+                  <a:spcPts val="0"/>
+                </a:spcBef>
+                <a:spcAft>
+                  <a:spcPts val="0"/>
+                </a:spcAft>
+                <a:buClrTx/>
+                <a:buSzTx/>
+                <a:buFontTx/>
+                <a:buNone/>
+                <a:tabLst/>
+                <a:defRPr/>
+              </a:pPr>
+              <a:endParaRPr kumimoji="0" sz="1800" b="0" i="0" u="none" strike="noStrike" kern="1200" cap="none" spc="0" normalizeH="0" baseline="0" noProof="0">
+                <a:ln>
+                  <a:noFill/>
+                </a:ln>
+                <a:solidFill>
+                  <a:prstClr val="black"/>
+                </a:solidFill>
+                <a:effectLst/>
+                <a:uLnTx/>
+                <a:uFillTx/>
+                <a:latin typeface="Calibri"/>
+                <a:ea typeface="+mn-ea"/>
+                <a:cs typeface="+mn-cs"/>
+              </a:endParaRPr>
+            </a:p>
+          </p:txBody>
+        </p:sp>
+        <p:sp>
+          <p:nvSpPr>
+            <p:cNvPr id="12" name="object 12"/>
+            <p:cNvSpPr/>
+            <p:nvPr/>
+          </p:nvSpPr>
+          <p:spPr>
+            <a:xfrm>
+              <a:off x="352043" y="210311"/>
+              <a:ext cx="516890" cy="585470"/>
+            </a:xfrm>
+            <a:custGeom>
+              <a:avLst/>
+              <a:gdLst/>
+              <a:ahLst/>
+              <a:cxnLst/>
+              <a:rect l="l" t="t" r="r" b="b"/>
+              <a:pathLst>
+                <a:path w="516890" h="585470">
+                  <a:moveTo>
+                    <a:pt x="516636" y="0"/>
+                  </a:moveTo>
+                  <a:lnTo>
+                    <a:pt x="0" y="0"/>
+                  </a:lnTo>
+                  <a:lnTo>
+                    <a:pt x="0" y="585216"/>
+                  </a:lnTo>
+                  <a:lnTo>
+                    <a:pt x="516636" y="585216"/>
+                  </a:lnTo>
+                  <a:lnTo>
+                    <a:pt x="516636" y="0"/>
+                  </a:lnTo>
+                  <a:close/>
+                </a:path>
+              </a:pathLst>
+            </a:custGeom>
+            <a:solidFill>
+              <a:srgbClr val="006FC0"/>
+            </a:solidFill>
+          </p:spPr>
+          <p:txBody>
+            <a:bodyPr wrap="square" lIns="0" tIns="0" rIns="0" bIns="0" rtlCol="0"/>
+            <a:lstStyle/>
+            <a:p>
+              <a:pPr marL="0" marR="0" lvl="0" indent="0" algn="l" defTabSz="914400" rtl="0" eaLnBrk="1" fontAlgn="auto" latinLnBrk="0" hangingPunct="1">
+                <a:lnSpc>
+                  <a:spcPct val="100000"/>
+                </a:lnSpc>
+                <a:spcBef>
+                  <a:spcPts val="0"/>
+                </a:spcBef>
+                <a:spcAft>
+                  <a:spcPts val="0"/>
+                </a:spcAft>
+                <a:buClrTx/>
+                <a:buSzTx/>
+                <a:buFontTx/>
+                <a:buNone/>
+                <a:tabLst/>
+                <a:defRPr/>
+              </a:pPr>
+              <a:endParaRPr kumimoji="0" sz="1800" b="0" i="0" u="none" strike="noStrike" kern="1200" cap="none" spc="0" normalizeH="0" baseline="0" noProof="0">
+                <a:ln>
+                  <a:noFill/>
+                </a:ln>
+                <a:solidFill>
+                  <a:prstClr val="black"/>
+                </a:solidFill>
+                <a:effectLst/>
+                <a:uLnTx/>
+                <a:uFillTx/>
+                <a:latin typeface="Calibri"/>
+                <a:ea typeface="+mn-ea"/>
+                <a:cs typeface="+mn-cs"/>
+              </a:endParaRPr>
+            </a:p>
+          </p:txBody>
+        </p:sp>
+        <p:sp>
+          <p:nvSpPr>
+            <p:cNvPr id="13" name="object 13"/>
+            <p:cNvSpPr/>
+            <p:nvPr/>
+          </p:nvSpPr>
+          <p:spPr>
+            <a:xfrm>
+              <a:off x="352043" y="210311"/>
+              <a:ext cx="516890" cy="585470"/>
+            </a:xfrm>
+            <a:custGeom>
+              <a:avLst/>
+              <a:gdLst/>
+              <a:ahLst/>
+              <a:cxnLst/>
+              <a:rect l="l" t="t" r="r" b="b"/>
+              <a:pathLst>
+                <a:path w="516890" h="585470">
+                  <a:moveTo>
+                    <a:pt x="0" y="585216"/>
+                  </a:moveTo>
+                  <a:lnTo>
+                    <a:pt x="516636" y="585216"/>
+                  </a:lnTo>
+                  <a:lnTo>
+                    <a:pt x="516636" y="0"/>
+                  </a:lnTo>
+                  <a:lnTo>
+                    <a:pt x="0" y="0"/>
+                  </a:lnTo>
+                  <a:lnTo>
+                    <a:pt x="0" y="585216"/>
+                  </a:lnTo>
+                  <a:close/>
+                </a:path>
+              </a:pathLst>
+            </a:custGeom>
+            <a:ln w="6096">
+              <a:solidFill>
+                <a:srgbClr val="006FC0"/>
+              </a:solidFill>
+            </a:ln>
+          </p:spPr>
+          <p:txBody>
+            <a:bodyPr wrap="square" lIns="0" tIns="0" rIns="0" bIns="0" rtlCol="0"/>
+            <a:lstStyle/>
+            <a:p>
+              <a:pPr marL="0" marR="0" lvl="0" indent="0" algn="l" defTabSz="914400" rtl="0" eaLnBrk="1" fontAlgn="auto" latinLnBrk="0" hangingPunct="1">
+                <a:lnSpc>
+                  <a:spcPct val="100000"/>
+                </a:lnSpc>
+                <a:spcBef>
+                  <a:spcPts val="0"/>
+                </a:spcBef>
+                <a:spcAft>
+                  <a:spcPts val="0"/>
+                </a:spcAft>
+                <a:buClrTx/>
+                <a:buSzTx/>
+                <a:buFontTx/>
+                <a:buNone/>
+                <a:tabLst/>
+                <a:defRPr/>
+              </a:pPr>
+              <a:endParaRPr kumimoji="0" sz="1800" b="0" i="0" u="none" strike="noStrike" kern="1200" cap="none" spc="0" normalizeH="0" baseline="0" noProof="0">
+                <a:ln>
+                  <a:noFill/>
+                </a:ln>
+                <a:solidFill>
+                  <a:prstClr val="black"/>
+                </a:solidFill>
+                <a:effectLst/>
+                <a:uLnTx/>
+                <a:uFillTx/>
+                <a:latin typeface="Calibri"/>
+                <a:ea typeface="+mn-ea"/>
+                <a:cs typeface="+mn-cs"/>
+              </a:endParaRPr>
+            </a:p>
+          </p:txBody>
+        </p:sp>
+      </p:grpSp>
+      <p:sp>
+        <p:nvSpPr>
+          <p:cNvPr id="14" name="object 14"/>
+          <p:cNvSpPr txBox="1">
+            <a:spLocks noGrp="1"/>
+          </p:cNvSpPr>
+          <p:nvPr>
+            <p:ph type="title"/>
+          </p:nvPr>
+        </p:nvSpPr>
+        <p:spPr>
+          <a:xfrm>
+            <a:off x="457300" y="199390"/>
+            <a:ext cx="6857899" cy="566822"/>
+          </a:xfrm>
+          <a:prstGeom prst="rect">
+            <a:avLst/>
+          </a:prstGeom>
+        </p:spPr>
+        <p:txBody>
+          <a:bodyPr vert="horz" wrap="square" lIns="0" tIns="12700" rIns="0" bIns="0" rtlCol="0">
+            <a:spAutoFit/>
+          </a:bodyPr>
+          <a:lstStyle/>
+          <a:p>
+            <a:pPr marL="12700">
+              <a:lnSpc>
+                <a:spcPct val="100000"/>
+              </a:lnSpc>
+              <a:spcBef>
+                <a:spcPts val="100"/>
+              </a:spcBef>
+              <a:tabLst>
+                <a:tab pos="2315845" algn="l"/>
+              </a:tabLst>
+            </a:pPr>
+            <a:r>
+              <a:rPr lang="en-US" altLang="zh-CN" spc="75" dirty="0"/>
+              <a:t>3</a:t>
+            </a:r>
+            <a:r>
+              <a:rPr lang="zh-CN" altLang="en-US" spc="75" dirty="0"/>
+              <a:t>	</a:t>
+            </a:r>
+            <a:r>
+              <a:rPr lang="en-US" altLang="zh-CN" spc="75" dirty="0"/>
+              <a:t>WIFI</a:t>
+            </a:r>
+            <a:r>
+              <a:rPr lang="zh-CN" altLang="en-US" spc="75" dirty="0"/>
+              <a:t>室内定位方法</a:t>
+            </a:r>
+            <a:endParaRPr spc="75" dirty="0"/>
+          </a:p>
+        </p:txBody>
+      </p:sp>
+      <p:sp>
+        <p:nvSpPr>
+          <p:cNvPr id="15" name="object 15"/>
+          <p:cNvSpPr txBox="1"/>
+          <p:nvPr/>
+        </p:nvSpPr>
+        <p:spPr>
+          <a:xfrm>
+            <a:off x="960221" y="1549252"/>
+            <a:ext cx="4980940" cy="612347"/>
+          </a:xfrm>
+          <a:prstGeom prst="rect">
+            <a:avLst/>
+          </a:prstGeom>
+        </p:spPr>
+        <p:txBody>
+          <a:bodyPr vert="horz" wrap="square" lIns="0" tIns="240665" rIns="0" bIns="0" rtlCol="0">
+            <a:spAutoFit/>
+          </a:bodyPr>
+          <a:lstStyle/>
+          <a:p>
+            <a:pPr marL="12700" marR="0" lvl="0" indent="0" algn="l" defTabSz="914400" rtl="0" eaLnBrk="1" fontAlgn="auto" latinLnBrk="0" hangingPunct="1">
+              <a:lnSpc>
+                <a:spcPct val="100000"/>
+              </a:lnSpc>
+              <a:spcBef>
+                <a:spcPts val="1895"/>
+              </a:spcBef>
+              <a:spcAft>
+                <a:spcPts val="0"/>
+              </a:spcAft>
+              <a:buClrTx/>
+              <a:buSzTx/>
+              <a:buFontTx/>
+              <a:buNone/>
+              <a:tabLst/>
+              <a:defRPr/>
+            </a:pPr>
+            <a:r>
+              <a:rPr kumimoji="0" lang="en-US" altLang="zh-CN" sz="2400" b="1" i="0" u="none" strike="noStrike" kern="1200" cap="none" spc="0" normalizeH="0" baseline="0" noProof="0" dirty="0">
+                <a:ln>
+                  <a:noFill/>
+                </a:ln>
+                <a:solidFill>
+                  <a:srgbClr val="202122"/>
+                </a:solidFill>
+                <a:effectLst/>
+                <a:uLnTx/>
+                <a:uFillTx/>
+                <a:latin typeface="Arial" panose="020B0604020202020204" pitchFamily="34" charset="0"/>
+                <a:ea typeface="宋体" panose="02010600030101010101" pitchFamily="2" charset="-122"/>
+                <a:cs typeface="+mn-cs"/>
+              </a:rPr>
+              <a:t>  </a:t>
+            </a:r>
+          </a:p>
+        </p:txBody>
+      </p:sp>
+      <p:sp>
+        <p:nvSpPr>
+          <p:cNvPr id="17" name="object 17"/>
+          <p:cNvSpPr txBox="1">
+            <a:spLocks noGrp="1"/>
+          </p:cNvSpPr>
+          <p:nvPr>
+            <p:ph type="sldNum" sz="quarter" idx="7"/>
+          </p:nvPr>
+        </p:nvSpPr>
+        <p:spPr>
+          <a:prstGeom prst="rect">
+            <a:avLst/>
+          </a:prstGeom>
+        </p:spPr>
+        <p:txBody>
+          <a:bodyPr vert="horz" wrap="square" lIns="0" tIns="0" rIns="0" bIns="0" rtlCol="0">
+            <a:spAutoFit/>
+          </a:bodyPr>
+          <a:lstStyle/>
+          <a:p>
+            <a:pPr marL="38100" marR="0" lvl="0" indent="0" algn="l" defTabSz="914400" rtl="0" eaLnBrk="1" fontAlgn="auto" latinLnBrk="0" hangingPunct="1">
+              <a:lnSpc>
+                <a:spcPts val="2005"/>
+              </a:lnSpc>
+              <a:spcBef>
+                <a:spcPts val="0"/>
+              </a:spcBef>
+              <a:spcAft>
+                <a:spcPts val="0"/>
+              </a:spcAft>
+              <a:buClrTx/>
+              <a:buSzTx/>
+              <a:buFontTx/>
+              <a:buNone/>
+              <a:tabLst/>
+              <a:defRPr/>
+            </a:pPr>
+            <a:fld id="{81D60167-4931-47E6-BA6A-407CBD079E47}" type="slidenum">
+              <a:rPr kumimoji="0" sz="2000" b="1" i="0" u="none" strike="noStrike" kern="1200" cap="none" spc="0" normalizeH="0" baseline="0" noProof="0" dirty="0">
+                <a:ln>
+                  <a:noFill/>
+                </a:ln>
+                <a:solidFill>
+                  <a:prstClr val="white"/>
+                </a:solidFill>
+                <a:effectLst/>
+                <a:uLnTx/>
+                <a:uFillTx/>
+                <a:latin typeface="Calibri" panose="020F0502020204030204"/>
+                <a:ea typeface="+mn-ea"/>
+                <a:cs typeface="Calibri" panose="020F0502020204030204"/>
+              </a:rPr>
+              <a:pPr marL="38100" marR="0" lvl="0" indent="0" algn="l" defTabSz="914400" rtl="0" eaLnBrk="1" fontAlgn="auto" latinLnBrk="0" hangingPunct="1">
+                <a:lnSpc>
+                  <a:spcPts val="2005"/>
+                </a:lnSpc>
+                <a:spcBef>
+                  <a:spcPts val="0"/>
+                </a:spcBef>
+                <a:spcAft>
+                  <a:spcPts val="0"/>
+                </a:spcAft>
+                <a:buClrTx/>
+                <a:buSzTx/>
+                <a:buFontTx/>
+                <a:buNone/>
+                <a:tabLst/>
+                <a:defRPr/>
+              </a:pPr>
+              <a:t>13</a:t>
+            </a:fld>
+            <a:endParaRPr kumimoji="0" sz="2000" b="1" i="0" u="none" strike="noStrike" kern="1200" cap="none" spc="0" normalizeH="0" baseline="0" noProof="0" dirty="0">
+              <a:ln>
+                <a:noFill/>
+              </a:ln>
+              <a:solidFill>
+                <a:prstClr val="white"/>
+              </a:solidFill>
+              <a:effectLst/>
+              <a:uLnTx/>
+              <a:uFillTx/>
+              <a:latin typeface="Calibri" panose="020F0502020204030204"/>
+              <a:ea typeface="+mn-ea"/>
+              <a:cs typeface="Calibri" panose="020F0502020204030204"/>
+            </a:endParaRPr>
+          </a:p>
+        </p:txBody>
+      </p:sp>
+      <p:sp>
+        <p:nvSpPr>
+          <p:cNvPr id="18" name="文本框 17">
+            <a:extLst>
+              <a:ext uri="{FF2B5EF4-FFF2-40B4-BE49-F238E27FC236}">
+                <a16:creationId xmlns:a16="http://schemas.microsoft.com/office/drawing/2014/main" id="{EA6B8185-8FBB-4DF4-A9ED-8792E7F8746A}"/>
+              </a:ext>
+            </a:extLst>
+          </p:cNvPr>
+          <p:cNvSpPr txBox="1"/>
+          <p:nvPr/>
+        </p:nvSpPr>
+        <p:spPr>
+          <a:xfrm>
+            <a:off x="351972" y="1377600"/>
+            <a:ext cx="8177783" cy="369332"/>
+          </a:xfrm>
+          <a:prstGeom prst="rect">
+            <a:avLst/>
+          </a:prstGeom>
+          <a:noFill/>
+        </p:spPr>
+        <p:txBody>
+          <a:bodyPr wrap="square">
+            <a:spAutoFit/>
+          </a:bodyPr>
+          <a:lstStyle/>
+          <a:p>
+            <a:pPr marL="0" marR="0" lvl="0" indent="0" algn="l" defTabSz="914400" rtl="0" eaLnBrk="1" fontAlgn="auto" latinLnBrk="0" hangingPunct="1">
+              <a:lnSpc>
+                <a:spcPct val="100000"/>
+              </a:lnSpc>
+              <a:spcBef>
+                <a:spcPts val="0"/>
+              </a:spcBef>
+              <a:spcAft>
+                <a:spcPts val="0"/>
+              </a:spcAft>
+              <a:buClrTx/>
+              <a:buSzTx/>
+              <a:buFontTx/>
+              <a:buNone/>
+              <a:tabLst/>
+              <a:defRPr/>
+            </a:pPr>
+            <a:endParaRPr kumimoji="0" lang="en-US" altLang="zh-CN" sz="1800" b="0" i="0" u="none" strike="noStrike" kern="1200" cap="none" spc="0" normalizeH="0" baseline="0" noProof="0" dirty="0">
+              <a:ln>
+                <a:noFill/>
+              </a:ln>
+              <a:solidFill>
+                <a:prstClr val="black"/>
+              </a:solidFill>
+              <a:effectLst/>
+              <a:uLnTx/>
+              <a:uFillTx/>
+              <a:latin typeface="Calibri"/>
+              <a:ea typeface="宋体" panose="02010600030101010101" pitchFamily="2" charset="-122"/>
+              <a:cs typeface="+mn-cs"/>
+            </a:endParaRPr>
+          </a:p>
+        </p:txBody>
+      </p:sp>
+      <p:sp>
+        <p:nvSpPr>
+          <p:cNvPr id="23" name="文本框 22">
+            <a:extLst>
+              <a:ext uri="{FF2B5EF4-FFF2-40B4-BE49-F238E27FC236}">
+                <a16:creationId xmlns:a16="http://schemas.microsoft.com/office/drawing/2014/main" id="{778FE6CF-9401-420A-8363-C1778D0E384A}"/>
+              </a:ext>
+            </a:extLst>
+          </p:cNvPr>
+          <p:cNvSpPr txBox="1"/>
+          <p:nvPr/>
+        </p:nvSpPr>
+        <p:spPr>
+          <a:xfrm>
+            <a:off x="293826" y="857623"/>
+            <a:ext cx="4576762" cy="523220"/>
+          </a:xfrm>
+          <a:prstGeom prst="rect">
+            <a:avLst/>
+          </a:prstGeom>
+          <a:noFill/>
+        </p:spPr>
+        <p:txBody>
+          <a:bodyPr wrap="square">
+            <a:spAutoFit/>
+          </a:bodyPr>
+          <a:lstStyle/>
+          <a:p>
+            <a:pPr marL="12700">
+              <a:lnSpc>
+                <a:spcPct val="100000"/>
+              </a:lnSpc>
+              <a:spcBef>
+                <a:spcPts val="95"/>
+              </a:spcBef>
+            </a:pPr>
+            <a:r>
+              <a:rPr lang="en-US" altLang="zh-CN" sz="2800" spc="-5" dirty="0">
+                <a:latin typeface="微软雅黑" panose="020B0503020204020204" pitchFamily="34" charset="-122"/>
+                <a:ea typeface="微软雅黑" panose="020B0503020204020204" pitchFamily="34" charset="-122"/>
+                <a:cs typeface="微软雅黑"/>
+              </a:rPr>
+              <a:t>3.2 </a:t>
+            </a:r>
+            <a:r>
+              <a:rPr lang="zh-CN" altLang="en-US" sz="2800" spc="-5" dirty="0">
+                <a:latin typeface="微软雅黑" panose="020B0503020204020204" pitchFamily="34" charset="-122"/>
+                <a:ea typeface="微软雅黑" panose="020B0503020204020204" pitchFamily="34" charset="-122"/>
+                <a:cs typeface="微软雅黑"/>
+              </a:rPr>
+              <a:t>信号传播模型法</a:t>
+            </a:r>
+            <a:endParaRPr lang="zh-CN" altLang="en-US" sz="2800" dirty="0">
+              <a:latin typeface="微软雅黑" panose="020B0503020204020204" pitchFamily="34" charset="-122"/>
+              <a:ea typeface="微软雅黑" panose="020B0503020204020204" pitchFamily="34" charset="-122"/>
+              <a:cs typeface="微软雅黑"/>
+            </a:endParaRPr>
+          </a:p>
+        </p:txBody>
+      </p:sp>
+      <p:sp>
+        <p:nvSpPr>
+          <p:cNvPr id="21" name="文本框 20">
+            <a:extLst>
+              <a:ext uri="{FF2B5EF4-FFF2-40B4-BE49-F238E27FC236}">
+                <a16:creationId xmlns:a16="http://schemas.microsoft.com/office/drawing/2014/main" id="{C1DEAF2F-69EA-4B8E-B1B9-46A29FFE92CB}"/>
+              </a:ext>
+            </a:extLst>
+          </p:cNvPr>
+          <p:cNvSpPr txBox="1"/>
+          <p:nvPr/>
+        </p:nvSpPr>
+        <p:spPr>
+          <a:xfrm>
+            <a:off x="297999" y="1416632"/>
+            <a:ext cx="5972557" cy="461665"/>
+          </a:xfrm>
+          <a:prstGeom prst="rect">
+            <a:avLst/>
+          </a:prstGeom>
+          <a:noFill/>
+        </p:spPr>
+        <p:txBody>
+          <a:bodyPr wrap="square">
+            <a:spAutoFit/>
+          </a:bodyPr>
+          <a:lstStyle/>
+          <a:p>
+            <a:pPr marL="12700">
+              <a:lnSpc>
+                <a:spcPct val="100000"/>
+              </a:lnSpc>
+              <a:spcBef>
+                <a:spcPts val="95"/>
+              </a:spcBef>
+            </a:pPr>
+            <a:r>
+              <a:rPr lang="en-US" altLang="zh-CN" sz="2400" spc="-5" dirty="0">
+                <a:latin typeface="微软雅黑" panose="020B0503020204020204" pitchFamily="34" charset="-122"/>
+                <a:ea typeface="微软雅黑" panose="020B0503020204020204" pitchFamily="34" charset="-122"/>
+                <a:cs typeface="微软雅黑"/>
+              </a:rPr>
+              <a:t>3.2.2 </a:t>
+            </a:r>
+            <a:r>
+              <a:rPr lang="zh-CN" altLang="en-US" sz="2400" spc="-5" dirty="0">
+                <a:latin typeface="微软雅黑" panose="020B0503020204020204" pitchFamily="34" charset="-122"/>
+                <a:ea typeface="微软雅黑" panose="020B0503020204020204" pitchFamily="34" charset="-122"/>
+                <a:cs typeface="微软雅黑"/>
+              </a:rPr>
+              <a:t>对数距离路径损耗模型</a:t>
+            </a:r>
+            <a:endParaRPr lang="zh-CN" altLang="en-US" sz="2400" baseline="30000" dirty="0">
+              <a:latin typeface="微软雅黑" panose="020B0503020204020204" pitchFamily="34" charset="-122"/>
+              <a:ea typeface="微软雅黑" panose="020B0503020204020204" pitchFamily="34" charset="-122"/>
+              <a:cs typeface="微软雅黑"/>
+            </a:endParaRPr>
+          </a:p>
+        </p:txBody>
+      </p:sp>
+      <p:pic>
+        <p:nvPicPr>
+          <p:cNvPr id="20" name="图片 19" descr="手机屏幕截图&#10;&#10;描述已自动生成">
+            <a:extLst>
+              <a:ext uri="{FF2B5EF4-FFF2-40B4-BE49-F238E27FC236}">
+                <a16:creationId xmlns:a16="http://schemas.microsoft.com/office/drawing/2014/main" id="{0AD96DD1-9C25-4499-B254-B080F456FC3A}"/>
+              </a:ext>
+            </a:extLst>
+          </p:cNvPr>
+          <p:cNvPicPr>
+            <a:picLocks noChangeAspect="1"/>
+          </p:cNvPicPr>
+          <p:nvPr/>
+        </p:nvPicPr>
+        <p:blipFill>
+          <a:blip r:embed="rId3">
+            <a:extLst>
+              <a:ext uri="{28A0092B-C50C-407E-A947-70E740481C1C}">
+                <a14:useLocalDpi xmlns:a14="http://schemas.microsoft.com/office/drawing/2010/main" val="0"/>
+              </a:ext>
+            </a:extLst>
+          </a:blip>
+          <a:stretch>
+            <a:fillRect/>
+          </a:stretch>
+        </p:blipFill>
+        <p:spPr>
+          <a:xfrm>
+            <a:off x="405747" y="1875155"/>
+            <a:ext cx="5864809" cy="3180419"/>
+          </a:xfrm>
+          <a:prstGeom prst="rect">
+            <a:avLst/>
+          </a:prstGeom>
+        </p:spPr>
+      </p:pic>
+      <mc:AlternateContent xmlns:mc="http://schemas.openxmlformats.org/markup-compatibility/2006">
+        <mc:Choice xmlns:a14="http://schemas.microsoft.com/office/drawing/2010/main" Requires="a14">
+          <p:sp>
+            <p:nvSpPr>
+              <p:cNvPr id="31" name="文本框 30">
+                <a:extLst>
+                  <a:ext uri="{FF2B5EF4-FFF2-40B4-BE49-F238E27FC236}">
+                    <a16:creationId xmlns:a16="http://schemas.microsoft.com/office/drawing/2014/main" id="{34A4B752-4652-4E20-9102-E6AF80874E42}"/>
+                  </a:ext>
+                </a:extLst>
+              </p:cNvPr>
+              <p:cNvSpPr txBox="1"/>
+              <p:nvPr/>
+            </p:nvSpPr>
+            <p:spPr>
+              <a:xfrm>
+                <a:off x="4249153" y="5041808"/>
+                <a:ext cx="4576712" cy="1200329"/>
+              </a:xfrm>
+              <a:prstGeom prst="rect">
+                <a:avLst/>
+              </a:prstGeom>
+              <a:noFill/>
+            </p:spPr>
+            <p:txBody>
+              <a:bodyPr wrap="square">
+                <a:spAutoFit/>
+              </a:bodyPr>
+              <a:lstStyle/>
+              <a:p>
+                <a:r>
+                  <a:rPr lang="zh-CN" altLang="en-US" dirty="0"/>
+                  <a:t>PL(d)：传输距离</a:t>
+                </a:r>
+                <a14:m>
+                  <m:oMath xmlns:m="http://schemas.openxmlformats.org/officeDocument/2006/math">
+                    <m:r>
+                      <a:rPr lang="zh-CN" altLang="en-US" i="1" dirty="0" smtClean="0">
+                        <a:latin typeface="Cambria Math" panose="02040503050406030204" pitchFamily="18" charset="0"/>
+                      </a:rPr>
+                      <m:t>𝑑</m:t>
+                    </m:r>
+                    <m:r>
+                      <a:rPr lang="zh-CN" altLang="en-US" i="1" dirty="0">
+                        <a:latin typeface="Cambria Math" panose="02040503050406030204" pitchFamily="18" charset="0"/>
+                      </a:rPr>
+                      <m:t>功率</m:t>
+                    </m:r>
+                  </m:oMath>
+                </a14:m>
+                <a:r>
+                  <a:rPr lang="zh-CN" altLang="en-US" dirty="0"/>
+                  <a:t>值</a:t>
+                </a:r>
+                <a:endParaRPr lang="en-US" altLang="zh-CN" dirty="0"/>
+              </a:p>
+              <a:p>
+                <a:r>
+                  <a:rPr lang="zh-CN" altLang="en-US" dirty="0"/>
+                  <a:t>PL(</a:t>
+                </a:r>
+                <a14:m>
+                  <m:oMath xmlns:m="http://schemas.openxmlformats.org/officeDocument/2006/math">
+                    <m:sSub>
+                      <m:sSubPr>
+                        <m:ctrlPr>
+                          <a:rPr lang="en-US" altLang="zh-CN" i="1" dirty="0" smtClean="0">
+                            <a:latin typeface="Cambria Math" panose="02040503050406030204" pitchFamily="18" charset="0"/>
+                          </a:rPr>
+                        </m:ctrlPr>
+                      </m:sSubPr>
+                      <m:e>
+                        <m:r>
+                          <a:rPr lang="zh-CN" altLang="en-US" i="1" dirty="0" smtClean="0">
+                            <a:latin typeface="Cambria Math" panose="02040503050406030204" pitchFamily="18" charset="0"/>
+                          </a:rPr>
+                          <m:t>𝑑</m:t>
+                        </m:r>
+                      </m:e>
+                      <m:sub>
+                        <m:r>
+                          <a:rPr lang="en-US" altLang="zh-CN" i="1" dirty="0">
+                            <a:latin typeface="Cambria Math" panose="02040503050406030204" pitchFamily="18" charset="0"/>
+                          </a:rPr>
+                          <m:t>0</m:t>
+                        </m:r>
+                      </m:sub>
+                    </m:sSub>
+                  </m:oMath>
+                </a14:m>
+                <a:r>
+                  <a:rPr lang="en-US" altLang="zh-CN" dirty="0"/>
+                  <a:t>)</a:t>
+                </a:r>
+                <a:r>
+                  <a:rPr lang="zh-CN" altLang="en-US" dirty="0"/>
+                  <a:t>：传输</a:t>
+                </a:r>
+                <a14:m>
+                  <m:oMath xmlns:m="http://schemas.openxmlformats.org/officeDocument/2006/math">
+                    <m:r>
+                      <a:rPr lang="zh-CN" altLang="en-US" i="1" dirty="0" smtClean="0">
+                        <a:latin typeface="Cambria Math" panose="02040503050406030204" pitchFamily="18" charset="0"/>
+                      </a:rPr>
+                      <m:t>距离</m:t>
+                    </m:r>
+                    <m:sSub>
+                      <m:sSubPr>
+                        <m:ctrlPr>
+                          <a:rPr lang="en-US" altLang="zh-CN" i="1" dirty="0" smtClean="0">
+                            <a:latin typeface="Cambria Math" panose="02040503050406030204" pitchFamily="18" charset="0"/>
+                          </a:rPr>
+                        </m:ctrlPr>
+                      </m:sSubPr>
+                      <m:e>
+                        <m:r>
+                          <a:rPr lang="zh-CN" altLang="en-US" i="1" dirty="0" smtClean="0">
+                            <a:latin typeface="Cambria Math" panose="02040503050406030204" pitchFamily="18" charset="0"/>
+                          </a:rPr>
+                          <m:t>𝑑</m:t>
+                        </m:r>
+                      </m:e>
+                      <m:sub>
+                        <m:r>
+                          <a:rPr lang="en-US" altLang="zh-CN" i="1" dirty="0" smtClean="0">
+                            <a:latin typeface="Cambria Math" panose="02040503050406030204" pitchFamily="18" charset="0"/>
+                          </a:rPr>
+                          <m:t>0</m:t>
+                        </m:r>
+                      </m:sub>
+                    </m:sSub>
+                  </m:oMath>
+                </a14:m>
+                <a:r>
+                  <a:rPr lang="zh-CN" altLang="en-US" dirty="0"/>
+                  <a:t>时的功率值</a:t>
+                </a:r>
+                <a:endParaRPr lang="en-US" altLang="zh-CN" dirty="0"/>
+              </a:p>
+              <a:p>
+                <a14:m>
+                  <m:oMath xmlns:m="http://schemas.openxmlformats.org/officeDocument/2006/math">
+                    <m:r>
+                      <a:rPr lang="en-US" altLang="zh-CN" b="0" i="1" smtClean="0">
+                        <a:latin typeface="Cambria Math" panose="02040503050406030204" pitchFamily="18" charset="0"/>
+                      </a:rPr>
+                      <m:t>𝑑</m:t>
+                    </m:r>
+                  </m:oMath>
+                </a14:m>
+                <a:r>
+                  <a:rPr lang="zh-CN" altLang="en-US" dirty="0"/>
+                  <a:t>：接收端与发射端的距离</a:t>
+                </a:r>
+                <a:endParaRPr lang="en-US" altLang="zh-CN" dirty="0"/>
+              </a:p>
+              <a:p>
+                <a14:m>
+                  <m:oMath xmlns:m="http://schemas.openxmlformats.org/officeDocument/2006/math">
+                    <m:r>
+                      <a:rPr lang="en-US" altLang="zh-CN" b="0" i="1" smtClean="0">
+                        <a:latin typeface="Cambria Math" panose="02040503050406030204" pitchFamily="18" charset="0"/>
+                      </a:rPr>
+                      <m:t>𝜏</m:t>
+                    </m:r>
+                    <m:r>
+                      <a:rPr lang="zh-CN" altLang="en-US" i="1">
+                        <a:latin typeface="Cambria Math" panose="02040503050406030204" pitchFamily="18" charset="0"/>
+                      </a:rPr>
+                      <m:t>：路径</m:t>
+                    </m:r>
+                  </m:oMath>
+                </a14:m>
+                <a:r>
+                  <a:rPr lang="zh-CN" altLang="en-US" b="0" dirty="0"/>
+                  <a:t>损耗指数（路径消耗</a:t>
+                </a:r>
+                <a:r>
+                  <a:rPr lang="en-US" altLang="zh-CN" b="0" dirty="0"/>
+                  <a:t>/</a:t>
+                </a:r>
+                <a:r>
+                  <a:rPr lang="zh-CN" altLang="en-US" b="0" dirty="0"/>
+                  <a:t>距离增长）</a:t>
+                </a:r>
+                <a:endParaRPr lang="en-US" altLang="zh-CN" b="0" dirty="0"/>
+              </a:p>
+            </p:txBody>
+          </p:sp>
+        </mc:Choice>
+        <mc:Fallback>
+          <p:sp>
+            <p:nvSpPr>
+              <p:cNvPr id="31" name="文本框 30">
+                <a:extLst>
+                  <a:ext uri="{FF2B5EF4-FFF2-40B4-BE49-F238E27FC236}">
+                    <a16:creationId xmlns:a16="http://schemas.microsoft.com/office/drawing/2014/main" id="{34A4B752-4652-4E20-9102-E6AF80874E42}"/>
+                  </a:ext>
+                </a:extLst>
+              </p:cNvPr>
+              <p:cNvSpPr txBox="1">
+                <a:spLocks noRot="1" noChangeAspect="1" noMove="1" noResize="1" noEditPoints="1" noAdjustHandles="1" noChangeArrowheads="1" noChangeShapeType="1" noTextEdit="1"/>
+              </p:cNvSpPr>
+              <p:nvPr/>
+            </p:nvSpPr>
+            <p:spPr>
+              <a:xfrm>
+                <a:off x="4249153" y="5041808"/>
+                <a:ext cx="4576712" cy="1200329"/>
+              </a:xfrm>
+              <a:prstGeom prst="rect">
+                <a:avLst/>
+              </a:prstGeom>
+              <a:blipFill>
+                <a:blip r:embed="rId4"/>
+                <a:stretch>
+                  <a:fillRect l="-1065" t="-4061" b="-7614"/>
+                </a:stretch>
+              </a:blipFill>
+            </p:spPr>
+            <p:txBody>
+              <a:bodyPr/>
+              <a:lstStyle/>
+              <a:p>
+                <a:r>
+                  <a:rPr lang="zh-CN" altLang="en-US">
+                    <a:noFill/>
+                  </a:rPr>
+                  <a:t> </a:t>
+                </a:r>
+              </a:p>
+            </p:txBody>
+          </p:sp>
+        </mc:Fallback>
+      </mc:AlternateContent>
+    </p:spTree>
+    <p:extLst>
+      <p:ext uri="{BB962C8B-B14F-4D97-AF65-F5344CB8AC3E}">
+        <p14:creationId xmlns:p14="http://schemas.microsoft.com/office/powerpoint/2010/main" val="2484032871"/>
+      </p:ext>
+    </p:extLst>
+  </p:cSld>
+  <p:clrMapOvr>
+    <a:masterClrMapping/>
+  </p:clrMapOvr>
+</p:sld>
+</file>
+
+<file path=ppt/slides/slide14.xml><?xml version="1.0" encoding="utf-8"?>
+<p:sld xmlns:a="http://schemas.openxmlformats.org/drawingml/2006/main" xmlns:r="http://schemas.openxmlformats.org/officeDocument/2006/relationships" xmlns:p="http://schemas.openxmlformats.org/presentationml/2006/main">
+  <p:cSld>
+    <p:spTree>
+      <p:nvGrpSpPr>
+        <p:cNvPr id="1" name=""/>
+        <p:cNvGrpSpPr/>
+        <p:nvPr/>
+      </p:nvGrpSpPr>
+      <p:grpSpPr>
+        <a:xfrm>
+          <a:off x="0" y="0"/>
+          <a:ext cx="0" cy="0"/>
+          <a:chOff x="0" y="0"/>
+          <a:chExt cx="0" cy="0"/>
+        </a:xfrm>
+      </p:grpSpPr>
+      <p:grpSp>
+        <p:nvGrpSpPr>
+          <p:cNvPr id="2" name="object 2"/>
+          <p:cNvGrpSpPr/>
+          <p:nvPr/>
+        </p:nvGrpSpPr>
+        <p:grpSpPr>
+          <a:xfrm>
+            <a:off x="89915" y="135636"/>
+            <a:ext cx="262255" cy="576580"/>
+            <a:chOff x="89915" y="135636"/>
+            <a:chExt cx="262255" cy="576580"/>
+          </a:xfrm>
+        </p:grpSpPr>
+        <p:sp>
+          <p:nvSpPr>
+            <p:cNvPr id="3" name="object 3"/>
+            <p:cNvSpPr/>
+            <p:nvPr/>
+          </p:nvSpPr>
+          <p:spPr>
+            <a:xfrm>
+              <a:off x="278892" y="387095"/>
+              <a:ext cx="73660" cy="325120"/>
+            </a:xfrm>
+            <a:custGeom>
+              <a:avLst/>
+              <a:gdLst/>
+              <a:ahLst/>
+              <a:cxnLst/>
+              <a:rect l="l" t="t" r="r" b="b"/>
+              <a:pathLst>
+                <a:path w="73660" h="325120">
+                  <a:moveTo>
+                    <a:pt x="0" y="324612"/>
+                  </a:moveTo>
+                  <a:lnTo>
+                    <a:pt x="73151" y="324612"/>
+                  </a:lnTo>
+                  <a:lnTo>
+                    <a:pt x="73151" y="0"/>
+                  </a:lnTo>
+                  <a:lnTo>
+                    <a:pt x="0" y="0"/>
+                  </a:lnTo>
+                  <a:lnTo>
+                    <a:pt x="0" y="324612"/>
+                  </a:lnTo>
+                  <a:close/>
+                </a:path>
+              </a:pathLst>
+            </a:custGeom>
+            <a:solidFill>
+              <a:srgbClr val="4471C4"/>
+            </a:solidFill>
+          </p:spPr>
+          <p:txBody>
+            <a:bodyPr wrap="square" lIns="0" tIns="0" rIns="0" bIns="0" rtlCol="0"/>
+            <a:lstStyle/>
+            <a:p>
+              <a:pPr marL="0" marR="0" lvl="0" indent="0" algn="l" defTabSz="914400" rtl="0" eaLnBrk="1" fontAlgn="auto" latinLnBrk="0" hangingPunct="1">
+                <a:lnSpc>
+                  <a:spcPct val="100000"/>
+                </a:lnSpc>
+                <a:spcBef>
+                  <a:spcPts val="0"/>
+                </a:spcBef>
+                <a:spcAft>
+                  <a:spcPts val="0"/>
+                </a:spcAft>
+                <a:buClrTx/>
+                <a:buSzTx/>
+                <a:buFontTx/>
+                <a:buNone/>
+                <a:tabLst/>
+                <a:defRPr/>
+              </a:pPr>
+              <a:endParaRPr kumimoji="0" sz="1800" b="0" i="0" u="none" strike="noStrike" kern="1200" cap="none" spc="0" normalizeH="0" baseline="0" noProof="0">
+                <a:ln>
+                  <a:noFill/>
+                </a:ln>
+                <a:solidFill>
+                  <a:prstClr val="black"/>
+                </a:solidFill>
+                <a:effectLst/>
+                <a:uLnTx/>
+                <a:uFillTx/>
+                <a:latin typeface="Calibri"/>
+                <a:ea typeface="+mn-ea"/>
+                <a:cs typeface="+mn-cs"/>
+              </a:endParaRPr>
+            </a:p>
+          </p:txBody>
+        </p:sp>
+        <p:sp>
+          <p:nvSpPr>
+            <p:cNvPr id="4" name="object 4"/>
+            <p:cNvSpPr/>
+            <p:nvPr/>
+          </p:nvSpPr>
+          <p:spPr>
+            <a:xfrm>
+              <a:off x="89915" y="135636"/>
+              <a:ext cx="189230" cy="251460"/>
+            </a:xfrm>
+            <a:custGeom>
+              <a:avLst/>
+              <a:gdLst/>
+              <a:ahLst/>
+              <a:cxnLst/>
+              <a:rect l="l" t="t" r="r" b="b"/>
+              <a:pathLst>
+                <a:path w="189229" h="251460">
+                  <a:moveTo>
+                    <a:pt x="188976" y="0"/>
+                  </a:moveTo>
+                  <a:lnTo>
+                    <a:pt x="0" y="0"/>
+                  </a:lnTo>
+                  <a:lnTo>
+                    <a:pt x="0" y="251459"/>
+                  </a:lnTo>
+                  <a:lnTo>
+                    <a:pt x="188976" y="251459"/>
+                  </a:lnTo>
+                  <a:lnTo>
+                    <a:pt x="188976" y="0"/>
+                  </a:lnTo>
+                  <a:close/>
+                </a:path>
+              </a:pathLst>
+            </a:custGeom>
+            <a:solidFill>
+              <a:srgbClr val="2E5496"/>
+            </a:solidFill>
+          </p:spPr>
+          <p:txBody>
+            <a:bodyPr wrap="square" lIns="0" tIns="0" rIns="0" bIns="0" rtlCol="0"/>
+            <a:lstStyle/>
+            <a:p>
+              <a:pPr marL="0" marR="0" lvl="0" indent="0" algn="l" defTabSz="914400" rtl="0" eaLnBrk="1" fontAlgn="auto" latinLnBrk="0" hangingPunct="1">
+                <a:lnSpc>
+                  <a:spcPct val="100000"/>
+                </a:lnSpc>
+                <a:spcBef>
+                  <a:spcPts val="0"/>
+                </a:spcBef>
+                <a:spcAft>
+                  <a:spcPts val="0"/>
+                </a:spcAft>
+                <a:buClrTx/>
+                <a:buSzTx/>
+                <a:buFontTx/>
+                <a:buNone/>
+                <a:tabLst/>
+                <a:defRPr/>
+              </a:pPr>
+              <a:endParaRPr kumimoji="0" sz="1800" b="0" i="0" u="none" strike="noStrike" kern="1200" cap="none" spc="0" normalizeH="0" baseline="0" noProof="0">
+                <a:ln>
+                  <a:noFill/>
+                </a:ln>
+                <a:solidFill>
+                  <a:prstClr val="black"/>
+                </a:solidFill>
+                <a:effectLst/>
+                <a:uLnTx/>
+                <a:uFillTx/>
+                <a:latin typeface="Calibri"/>
+                <a:ea typeface="+mn-ea"/>
+                <a:cs typeface="+mn-cs"/>
+              </a:endParaRPr>
+            </a:p>
+          </p:txBody>
+        </p:sp>
+      </p:grpSp>
+      <p:grpSp>
+        <p:nvGrpSpPr>
+          <p:cNvPr id="5" name="object 5"/>
+          <p:cNvGrpSpPr/>
+          <p:nvPr/>
+        </p:nvGrpSpPr>
+        <p:grpSpPr>
+          <a:xfrm>
+            <a:off x="0" y="6304788"/>
+            <a:ext cx="9144000" cy="553720"/>
+            <a:chOff x="0" y="6304788"/>
+            <a:chExt cx="9144000" cy="553720"/>
+          </a:xfrm>
+        </p:grpSpPr>
+        <p:sp>
+          <p:nvSpPr>
+            <p:cNvPr id="6" name="object 6"/>
+            <p:cNvSpPr/>
+            <p:nvPr/>
+          </p:nvSpPr>
+          <p:spPr>
+            <a:xfrm>
+              <a:off x="8420100" y="6318503"/>
+              <a:ext cx="405765" cy="539750"/>
+            </a:xfrm>
+            <a:custGeom>
+              <a:avLst/>
+              <a:gdLst/>
+              <a:ahLst/>
+              <a:cxnLst/>
+              <a:rect l="l" t="t" r="r" b="b"/>
+              <a:pathLst>
+                <a:path w="405765" h="539750">
+                  <a:moveTo>
+                    <a:pt x="405383" y="0"/>
+                  </a:moveTo>
+                  <a:lnTo>
+                    <a:pt x="0" y="0"/>
+                  </a:lnTo>
+                  <a:lnTo>
+                    <a:pt x="0" y="539496"/>
+                  </a:lnTo>
+                  <a:lnTo>
+                    <a:pt x="405383" y="539496"/>
+                  </a:lnTo>
+                  <a:lnTo>
+                    <a:pt x="405383" y="0"/>
+                  </a:lnTo>
+                  <a:close/>
+                </a:path>
+              </a:pathLst>
+            </a:custGeom>
+            <a:solidFill>
+              <a:srgbClr val="4471C4"/>
+            </a:solidFill>
+          </p:spPr>
+          <p:txBody>
+            <a:bodyPr wrap="square" lIns="0" tIns="0" rIns="0" bIns="0" rtlCol="0"/>
+            <a:lstStyle/>
+            <a:p>
+              <a:pPr marL="0" marR="0" lvl="0" indent="0" algn="l" defTabSz="914400" rtl="0" eaLnBrk="1" fontAlgn="auto" latinLnBrk="0" hangingPunct="1">
+                <a:lnSpc>
+                  <a:spcPct val="100000"/>
+                </a:lnSpc>
+                <a:spcBef>
+                  <a:spcPts val="0"/>
+                </a:spcBef>
+                <a:spcAft>
+                  <a:spcPts val="0"/>
+                </a:spcAft>
+                <a:buClrTx/>
+                <a:buSzTx/>
+                <a:buFontTx/>
+                <a:buNone/>
+                <a:tabLst/>
+                <a:defRPr/>
+              </a:pPr>
+              <a:endParaRPr kumimoji="0" sz="1800" b="0" i="0" u="none" strike="noStrike" kern="1200" cap="none" spc="0" normalizeH="0" baseline="0" noProof="0">
+                <a:ln>
+                  <a:noFill/>
+                </a:ln>
+                <a:solidFill>
+                  <a:prstClr val="black"/>
+                </a:solidFill>
+                <a:effectLst/>
+                <a:uLnTx/>
+                <a:uFillTx/>
+                <a:latin typeface="Calibri"/>
+                <a:ea typeface="+mn-ea"/>
+                <a:cs typeface="+mn-cs"/>
+              </a:endParaRPr>
+            </a:p>
+          </p:txBody>
+        </p:sp>
+        <p:sp>
+          <p:nvSpPr>
+            <p:cNvPr id="7" name="object 7"/>
+            <p:cNvSpPr/>
+            <p:nvPr/>
+          </p:nvSpPr>
+          <p:spPr>
+            <a:xfrm>
+              <a:off x="0" y="6307836"/>
+              <a:ext cx="9144000" cy="0"/>
+            </a:xfrm>
+            <a:custGeom>
+              <a:avLst/>
+              <a:gdLst/>
+              <a:ahLst/>
+              <a:cxnLst/>
+              <a:rect l="l" t="t" r="r" b="b"/>
+              <a:pathLst>
+                <a:path w="9144000">
+                  <a:moveTo>
+                    <a:pt x="0" y="0"/>
+                  </a:moveTo>
+                  <a:lnTo>
+                    <a:pt x="9144000" y="0"/>
+                  </a:lnTo>
+                </a:path>
+              </a:pathLst>
+            </a:custGeom>
+            <a:ln w="6096">
+              <a:solidFill>
+                <a:srgbClr val="4471C4"/>
+              </a:solidFill>
+            </a:ln>
+          </p:spPr>
+          <p:txBody>
+            <a:bodyPr wrap="square" lIns="0" tIns="0" rIns="0" bIns="0" rtlCol="0"/>
+            <a:lstStyle/>
+            <a:p>
+              <a:pPr marL="0" marR="0" lvl="0" indent="0" algn="l" defTabSz="914400" rtl="0" eaLnBrk="1" fontAlgn="auto" latinLnBrk="0" hangingPunct="1">
+                <a:lnSpc>
+                  <a:spcPct val="100000"/>
+                </a:lnSpc>
+                <a:spcBef>
+                  <a:spcPts val="0"/>
+                </a:spcBef>
+                <a:spcAft>
+                  <a:spcPts val="0"/>
+                </a:spcAft>
+                <a:buClrTx/>
+                <a:buSzTx/>
+                <a:buFontTx/>
+                <a:buNone/>
+                <a:tabLst/>
+                <a:defRPr/>
+              </a:pPr>
+              <a:endParaRPr kumimoji="0" sz="1800" b="0" i="0" u="none" strike="noStrike" kern="1200" cap="none" spc="0" normalizeH="0" baseline="0" noProof="0">
+                <a:ln>
+                  <a:noFill/>
+                </a:ln>
+                <a:solidFill>
+                  <a:prstClr val="black"/>
+                </a:solidFill>
+                <a:effectLst/>
+                <a:uLnTx/>
+                <a:uFillTx/>
+                <a:latin typeface="Calibri"/>
+                <a:ea typeface="+mn-ea"/>
+                <a:cs typeface="+mn-cs"/>
+              </a:endParaRPr>
+            </a:p>
+          </p:txBody>
+        </p:sp>
+      </p:grpSp>
+      <p:grpSp>
+        <p:nvGrpSpPr>
+          <p:cNvPr id="8" name="object 8"/>
+          <p:cNvGrpSpPr/>
+          <p:nvPr/>
+        </p:nvGrpSpPr>
+        <p:grpSpPr>
+          <a:xfrm>
+            <a:off x="348995" y="207263"/>
+            <a:ext cx="7827645" cy="591820"/>
+            <a:chOff x="348995" y="207263"/>
+            <a:chExt cx="7827645" cy="591820"/>
+          </a:xfrm>
+        </p:grpSpPr>
+        <p:sp>
+          <p:nvSpPr>
+            <p:cNvPr id="9" name="object 9"/>
+            <p:cNvSpPr/>
+            <p:nvPr/>
+          </p:nvSpPr>
+          <p:spPr>
+            <a:xfrm>
+              <a:off x="739902" y="483870"/>
+              <a:ext cx="7047230" cy="0"/>
+            </a:xfrm>
+            <a:custGeom>
+              <a:avLst/>
+              <a:gdLst/>
+              <a:ahLst/>
+              <a:cxnLst/>
+              <a:rect l="l" t="t" r="r" b="b"/>
+              <a:pathLst>
+                <a:path w="7047230">
+                  <a:moveTo>
+                    <a:pt x="0" y="0"/>
+                  </a:moveTo>
+                  <a:lnTo>
+                    <a:pt x="7046976" y="0"/>
+                  </a:lnTo>
+                </a:path>
+              </a:pathLst>
+            </a:custGeom>
+            <a:ln w="22860">
+              <a:solidFill>
+                <a:srgbClr val="006FC0"/>
+              </a:solidFill>
+            </a:ln>
+          </p:spPr>
+          <p:txBody>
+            <a:bodyPr wrap="square" lIns="0" tIns="0" rIns="0" bIns="0" rtlCol="0"/>
+            <a:lstStyle/>
+            <a:p>
+              <a:pPr marL="0" marR="0" lvl="0" indent="0" algn="l" defTabSz="914400" rtl="0" eaLnBrk="1" fontAlgn="auto" latinLnBrk="0" hangingPunct="1">
+                <a:lnSpc>
+                  <a:spcPct val="100000"/>
+                </a:lnSpc>
+                <a:spcBef>
+                  <a:spcPts val="0"/>
+                </a:spcBef>
+                <a:spcAft>
+                  <a:spcPts val="0"/>
+                </a:spcAft>
+                <a:buClrTx/>
+                <a:buSzTx/>
+                <a:buFontTx/>
+                <a:buNone/>
+                <a:tabLst/>
+                <a:defRPr/>
+              </a:pPr>
+              <a:endParaRPr kumimoji="0" sz="1800" b="0" i="0" u="none" strike="noStrike" kern="1200" cap="none" spc="0" normalizeH="0" baseline="0" noProof="0">
+                <a:ln>
+                  <a:noFill/>
+                </a:ln>
+                <a:solidFill>
+                  <a:prstClr val="black"/>
+                </a:solidFill>
+                <a:effectLst/>
+                <a:uLnTx/>
+                <a:uFillTx/>
+                <a:latin typeface="Calibri"/>
+                <a:ea typeface="+mn-ea"/>
+                <a:cs typeface="+mn-cs"/>
+              </a:endParaRPr>
+            </a:p>
+          </p:txBody>
+        </p:sp>
+        <p:sp>
+          <p:nvSpPr>
+            <p:cNvPr id="10" name="object 10"/>
+            <p:cNvSpPr/>
+            <p:nvPr/>
+          </p:nvSpPr>
+          <p:spPr>
+            <a:xfrm>
+              <a:off x="1028700" y="210311"/>
+              <a:ext cx="7145020" cy="585470"/>
+            </a:xfrm>
+            <a:custGeom>
+              <a:avLst/>
+              <a:gdLst/>
+              <a:ahLst/>
+              <a:cxnLst/>
+              <a:rect l="l" t="t" r="r" b="b"/>
+              <a:pathLst>
+                <a:path w="7145020" h="585470">
+                  <a:moveTo>
+                    <a:pt x="7144511" y="0"/>
+                  </a:moveTo>
+                  <a:lnTo>
+                    <a:pt x="0" y="0"/>
+                  </a:lnTo>
+                  <a:lnTo>
+                    <a:pt x="0" y="585216"/>
+                  </a:lnTo>
+                  <a:lnTo>
+                    <a:pt x="7144511" y="585216"/>
+                  </a:lnTo>
+                  <a:lnTo>
+                    <a:pt x="7144511" y="0"/>
+                  </a:lnTo>
+                  <a:close/>
+                </a:path>
+              </a:pathLst>
+            </a:custGeom>
+            <a:solidFill>
+              <a:srgbClr val="006FC0"/>
+            </a:solidFill>
+          </p:spPr>
+          <p:txBody>
+            <a:bodyPr wrap="square" lIns="0" tIns="0" rIns="0" bIns="0" rtlCol="0"/>
+            <a:lstStyle/>
+            <a:p>
+              <a:pPr marL="0" marR="0" lvl="0" indent="0" algn="l" defTabSz="914400" rtl="0" eaLnBrk="1" fontAlgn="auto" latinLnBrk="0" hangingPunct="1">
+                <a:lnSpc>
+                  <a:spcPct val="100000"/>
+                </a:lnSpc>
+                <a:spcBef>
+                  <a:spcPts val="0"/>
+                </a:spcBef>
+                <a:spcAft>
+                  <a:spcPts val="0"/>
+                </a:spcAft>
+                <a:buClrTx/>
+                <a:buSzTx/>
+                <a:buFontTx/>
+                <a:buNone/>
+                <a:tabLst/>
+                <a:defRPr/>
+              </a:pPr>
+              <a:endParaRPr kumimoji="0" sz="1800" b="0" i="0" u="none" strike="noStrike" kern="1200" cap="none" spc="0" normalizeH="0" baseline="0" noProof="0" dirty="0">
+                <a:ln>
+                  <a:noFill/>
+                </a:ln>
+                <a:solidFill>
+                  <a:prstClr val="black"/>
+                </a:solidFill>
+                <a:effectLst/>
+                <a:uLnTx/>
+                <a:uFillTx/>
+                <a:latin typeface="Calibri"/>
+                <a:ea typeface="+mn-ea"/>
+                <a:cs typeface="+mn-cs"/>
+              </a:endParaRPr>
+            </a:p>
+          </p:txBody>
+        </p:sp>
+        <p:sp>
+          <p:nvSpPr>
+            <p:cNvPr id="11" name="object 11"/>
+            <p:cNvSpPr/>
+            <p:nvPr/>
+          </p:nvSpPr>
+          <p:spPr>
+            <a:xfrm>
+              <a:off x="1028700" y="210311"/>
+              <a:ext cx="7145020" cy="585470"/>
+            </a:xfrm>
+            <a:custGeom>
+              <a:avLst/>
+              <a:gdLst/>
+              <a:ahLst/>
+              <a:cxnLst/>
+              <a:rect l="l" t="t" r="r" b="b"/>
+              <a:pathLst>
+                <a:path w="7145020" h="585470">
+                  <a:moveTo>
+                    <a:pt x="0" y="585216"/>
+                  </a:moveTo>
+                  <a:lnTo>
+                    <a:pt x="7144511" y="585216"/>
+                  </a:lnTo>
+                  <a:lnTo>
+                    <a:pt x="7144511" y="0"/>
+                  </a:lnTo>
+                  <a:lnTo>
+                    <a:pt x="0" y="0"/>
+                  </a:lnTo>
+                  <a:lnTo>
+                    <a:pt x="0" y="585216"/>
+                  </a:lnTo>
+                  <a:close/>
+                </a:path>
+              </a:pathLst>
+            </a:custGeom>
+            <a:ln w="6096">
+              <a:solidFill>
+                <a:srgbClr val="006FC0"/>
+              </a:solidFill>
+            </a:ln>
+          </p:spPr>
+          <p:txBody>
+            <a:bodyPr wrap="square" lIns="0" tIns="0" rIns="0" bIns="0" rtlCol="0"/>
+            <a:lstStyle/>
+            <a:p>
+              <a:pPr marL="0" marR="0" lvl="0" indent="0" algn="l" defTabSz="914400" rtl="0" eaLnBrk="1" fontAlgn="auto" latinLnBrk="0" hangingPunct="1">
+                <a:lnSpc>
+                  <a:spcPct val="100000"/>
+                </a:lnSpc>
+                <a:spcBef>
+                  <a:spcPts val="0"/>
+                </a:spcBef>
+                <a:spcAft>
+                  <a:spcPts val="0"/>
+                </a:spcAft>
+                <a:buClrTx/>
+                <a:buSzTx/>
+                <a:buFontTx/>
+                <a:buNone/>
+                <a:tabLst/>
+                <a:defRPr/>
+              </a:pPr>
+              <a:endParaRPr kumimoji="0" sz="1800" b="0" i="0" u="none" strike="noStrike" kern="1200" cap="none" spc="0" normalizeH="0" baseline="0" noProof="0">
+                <a:ln>
+                  <a:noFill/>
+                </a:ln>
+                <a:solidFill>
+                  <a:prstClr val="black"/>
+                </a:solidFill>
+                <a:effectLst/>
+                <a:uLnTx/>
+                <a:uFillTx/>
+                <a:latin typeface="Calibri"/>
+                <a:ea typeface="+mn-ea"/>
+                <a:cs typeface="+mn-cs"/>
+              </a:endParaRPr>
+            </a:p>
+          </p:txBody>
+        </p:sp>
+        <p:sp>
+          <p:nvSpPr>
+            <p:cNvPr id="12" name="object 12"/>
+            <p:cNvSpPr/>
+            <p:nvPr/>
+          </p:nvSpPr>
+          <p:spPr>
+            <a:xfrm>
+              <a:off x="352043" y="210311"/>
+              <a:ext cx="516890" cy="585470"/>
+            </a:xfrm>
+            <a:custGeom>
+              <a:avLst/>
+              <a:gdLst/>
+              <a:ahLst/>
+              <a:cxnLst/>
+              <a:rect l="l" t="t" r="r" b="b"/>
+              <a:pathLst>
+                <a:path w="516890" h="585470">
+                  <a:moveTo>
+                    <a:pt x="516636" y="0"/>
+                  </a:moveTo>
+                  <a:lnTo>
+                    <a:pt x="0" y="0"/>
+                  </a:lnTo>
+                  <a:lnTo>
+                    <a:pt x="0" y="585216"/>
+                  </a:lnTo>
+                  <a:lnTo>
+                    <a:pt x="516636" y="585216"/>
+                  </a:lnTo>
+                  <a:lnTo>
+                    <a:pt x="516636" y="0"/>
+                  </a:lnTo>
+                  <a:close/>
+                </a:path>
+              </a:pathLst>
+            </a:custGeom>
+            <a:solidFill>
+              <a:srgbClr val="006FC0"/>
+            </a:solidFill>
+          </p:spPr>
+          <p:txBody>
+            <a:bodyPr wrap="square" lIns="0" tIns="0" rIns="0" bIns="0" rtlCol="0"/>
+            <a:lstStyle/>
+            <a:p>
+              <a:pPr marL="0" marR="0" lvl="0" indent="0" algn="l" defTabSz="914400" rtl="0" eaLnBrk="1" fontAlgn="auto" latinLnBrk="0" hangingPunct="1">
+                <a:lnSpc>
+                  <a:spcPct val="100000"/>
+                </a:lnSpc>
+                <a:spcBef>
+                  <a:spcPts val="0"/>
+                </a:spcBef>
+                <a:spcAft>
+                  <a:spcPts val="0"/>
+                </a:spcAft>
+                <a:buClrTx/>
+                <a:buSzTx/>
+                <a:buFontTx/>
+                <a:buNone/>
+                <a:tabLst/>
+                <a:defRPr/>
+              </a:pPr>
+              <a:endParaRPr kumimoji="0" sz="1800" b="0" i="0" u="none" strike="noStrike" kern="1200" cap="none" spc="0" normalizeH="0" baseline="0" noProof="0">
+                <a:ln>
+                  <a:noFill/>
+                </a:ln>
+                <a:solidFill>
+                  <a:prstClr val="black"/>
+                </a:solidFill>
+                <a:effectLst/>
+                <a:uLnTx/>
+                <a:uFillTx/>
+                <a:latin typeface="Calibri"/>
+                <a:ea typeface="+mn-ea"/>
+                <a:cs typeface="+mn-cs"/>
+              </a:endParaRPr>
+            </a:p>
+          </p:txBody>
+        </p:sp>
+        <p:sp>
+          <p:nvSpPr>
+            <p:cNvPr id="13" name="object 13"/>
+            <p:cNvSpPr/>
+            <p:nvPr/>
+          </p:nvSpPr>
+          <p:spPr>
+            <a:xfrm>
+              <a:off x="352043" y="210311"/>
+              <a:ext cx="516890" cy="585470"/>
+            </a:xfrm>
+            <a:custGeom>
+              <a:avLst/>
+              <a:gdLst/>
+              <a:ahLst/>
+              <a:cxnLst/>
+              <a:rect l="l" t="t" r="r" b="b"/>
+              <a:pathLst>
+                <a:path w="516890" h="585470">
+                  <a:moveTo>
+                    <a:pt x="0" y="585216"/>
+                  </a:moveTo>
+                  <a:lnTo>
+                    <a:pt x="516636" y="585216"/>
+                  </a:lnTo>
+                  <a:lnTo>
+                    <a:pt x="516636" y="0"/>
+                  </a:lnTo>
+                  <a:lnTo>
+                    <a:pt x="0" y="0"/>
+                  </a:lnTo>
+                  <a:lnTo>
+                    <a:pt x="0" y="585216"/>
+                  </a:lnTo>
+                  <a:close/>
+                </a:path>
+              </a:pathLst>
+            </a:custGeom>
+            <a:ln w="6096">
+              <a:solidFill>
+                <a:srgbClr val="006FC0"/>
+              </a:solidFill>
+            </a:ln>
+          </p:spPr>
+          <p:txBody>
+            <a:bodyPr wrap="square" lIns="0" tIns="0" rIns="0" bIns="0" rtlCol="0"/>
+            <a:lstStyle/>
+            <a:p>
+              <a:pPr marL="0" marR="0" lvl="0" indent="0" algn="l" defTabSz="914400" rtl="0" eaLnBrk="1" fontAlgn="auto" latinLnBrk="0" hangingPunct="1">
+                <a:lnSpc>
+                  <a:spcPct val="100000"/>
+                </a:lnSpc>
+                <a:spcBef>
+                  <a:spcPts val="0"/>
+                </a:spcBef>
+                <a:spcAft>
+                  <a:spcPts val="0"/>
+                </a:spcAft>
+                <a:buClrTx/>
+                <a:buSzTx/>
+                <a:buFontTx/>
+                <a:buNone/>
+                <a:tabLst/>
+                <a:defRPr/>
+              </a:pPr>
+              <a:endParaRPr kumimoji="0" sz="1800" b="0" i="0" u="none" strike="noStrike" kern="1200" cap="none" spc="0" normalizeH="0" baseline="0" noProof="0">
+                <a:ln>
+                  <a:noFill/>
+                </a:ln>
+                <a:solidFill>
+                  <a:prstClr val="black"/>
+                </a:solidFill>
+                <a:effectLst/>
+                <a:uLnTx/>
+                <a:uFillTx/>
+                <a:latin typeface="Calibri"/>
+                <a:ea typeface="+mn-ea"/>
+                <a:cs typeface="+mn-cs"/>
+              </a:endParaRPr>
+            </a:p>
+          </p:txBody>
+        </p:sp>
+      </p:grpSp>
+      <p:sp>
+        <p:nvSpPr>
+          <p:cNvPr id="14" name="object 14"/>
+          <p:cNvSpPr txBox="1">
+            <a:spLocks noGrp="1"/>
+          </p:cNvSpPr>
+          <p:nvPr>
+            <p:ph type="title"/>
+          </p:nvPr>
+        </p:nvSpPr>
+        <p:spPr>
+          <a:xfrm>
+            <a:off x="457300" y="199390"/>
+            <a:ext cx="6857899" cy="566822"/>
+          </a:xfrm>
+          <a:prstGeom prst="rect">
+            <a:avLst/>
+          </a:prstGeom>
+        </p:spPr>
+        <p:txBody>
+          <a:bodyPr vert="horz" wrap="square" lIns="0" tIns="12700" rIns="0" bIns="0" rtlCol="0">
+            <a:spAutoFit/>
+          </a:bodyPr>
+          <a:lstStyle/>
+          <a:p>
+            <a:pPr marL="12700">
+              <a:lnSpc>
+                <a:spcPct val="100000"/>
+              </a:lnSpc>
+              <a:spcBef>
+                <a:spcPts val="100"/>
+              </a:spcBef>
+              <a:tabLst>
+                <a:tab pos="2315845" algn="l"/>
+              </a:tabLst>
+            </a:pPr>
+            <a:r>
+              <a:rPr lang="en-US" altLang="zh-CN" spc="75" dirty="0"/>
+              <a:t>3</a:t>
+            </a:r>
+            <a:r>
+              <a:rPr lang="zh-CN" altLang="en-US" spc="75" dirty="0"/>
+              <a:t>	</a:t>
+            </a:r>
+            <a:r>
+              <a:rPr lang="en-US" altLang="zh-CN" spc="75" dirty="0"/>
+              <a:t>WIFI</a:t>
+            </a:r>
+            <a:r>
+              <a:rPr lang="zh-CN" altLang="en-US" spc="75" dirty="0"/>
+              <a:t>室内定位方法</a:t>
+            </a:r>
+            <a:endParaRPr spc="75" dirty="0"/>
+          </a:p>
+        </p:txBody>
+      </p:sp>
+      <p:sp>
+        <p:nvSpPr>
+          <p:cNvPr id="15" name="object 15"/>
+          <p:cNvSpPr txBox="1"/>
+          <p:nvPr/>
+        </p:nvSpPr>
+        <p:spPr>
+          <a:xfrm>
+            <a:off x="960221" y="1549252"/>
+            <a:ext cx="4980940" cy="612347"/>
+          </a:xfrm>
+          <a:prstGeom prst="rect">
+            <a:avLst/>
+          </a:prstGeom>
+        </p:spPr>
+        <p:txBody>
+          <a:bodyPr vert="horz" wrap="square" lIns="0" tIns="240665" rIns="0" bIns="0" rtlCol="0">
+            <a:spAutoFit/>
+          </a:bodyPr>
+          <a:lstStyle/>
+          <a:p>
+            <a:pPr marL="12700" marR="0" lvl="0" indent="0" algn="l" defTabSz="914400" rtl="0" eaLnBrk="1" fontAlgn="auto" latinLnBrk="0" hangingPunct="1">
+              <a:lnSpc>
+                <a:spcPct val="100000"/>
+              </a:lnSpc>
+              <a:spcBef>
+                <a:spcPts val="1895"/>
+              </a:spcBef>
+              <a:spcAft>
+                <a:spcPts val="0"/>
+              </a:spcAft>
+              <a:buClrTx/>
+              <a:buSzTx/>
+              <a:buFontTx/>
+              <a:buNone/>
+              <a:tabLst/>
+              <a:defRPr/>
+            </a:pPr>
+            <a:r>
+              <a:rPr kumimoji="0" lang="en-US" altLang="zh-CN" sz="2400" b="1" i="0" u="none" strike="noStrike" kern="1200" cap="none" spc="0" normalizeH="0" baseline="0" noProof="0" dirty="0">
+                <a:ln>
+                  <a:noFill/>
+                </a:ln>
+                <a:solidFill>
+                  <a:srgbClr val="202122"/>
+                </a:solidFill>
+                <a:effectLst/>
+                <a:uLnTx/>
+                <a:uFillTx/>
+                <a:latin typeface="Arial" panose="020B0604020202020204" pitchFamily="34" charset="0"/>
+                <a:ea typeface="宋体" panose="02010600030101010101" pitchFamily="2" charset="-122"/>
+                <a:cs typeface="+mn-cs"/>
+              </a:rPr>
+              <a:t>  </a:t>
+            </a:r>
+          </a:p>
+        </p:txBody>
+      </p:sp>
+      <p:sp>
+        <p:nvSpPr>
+          <p:cNvPr id="17" name="object 17"/>
+          <p:cNvSpPr txBox="1">
+            <a:spLocks noGrp="1"/>
+          </p:cNvSpPr>
+          <p:nvPr>
+            <p:ph type="sldNum" sz="quarter" idx="7"/>
+          </p:nvPr>
+        </p:nvSpPr>
+        <p:spPr>
+          <a:prstGeom prst="rect">
+            <a:avLst/>
+          </a:prstGeom>
+        </p:spPr>
+        <p:txBody>
+          <a:bodyPr vert="horz" wrap="square" lIns="0" tIns="0" rIns="0" bIns="0" rtlCol="0">
+            <a:spAutoFit/>
+          </a:bodyPr>
+          <a:lstStyle/>
+          <a:p>
+            <a:pPr marL="38100" marR="0" lvl="0" indent="0" algn="l" defTabSz="914400" rtl="0" eaLnBrk="1" fontAlgn="auto" latinLnBrk="0" hangingPunct="1">
+              <a:lnSpc>
+                <a:spcPts val="2005"/>
+              </a:lnSpc>
+              <a:spcBef>
+                <a:spcPts val="0"/>
+              </a:spcBef>
+              <a:spcAft>
+                <a:spcPts val="0"/>
+              </a:spcAft>
+              <a:buClrTx/>
+              <a:buSzTx/>
+              <a:buFontTx/>
+              <a:buNone/>
+              <a:tabLst/>
+              <a:defRPr/>
+            </a:pPr>
+            <a:fld id="{81D60167-4931-47E6-BA6A-407CBD079E47}" type="slidenum">
+              <a:rPr kumimoji="0" sz="2000" b="1" i="0" u="none" strike="noStrike" kern="1200" cap="none" spc="0" normalizeH="0" baseline="0" noProof="0" dirty="0">
+                <a:ln>
+                  <a:noFill/>
+                </a:ln>
+                <a:solidFill>
+                  <a:prstClr val="white"/>
+                </a:solidFill>
+                <a:effectLst/>
+                <a:uLnTx/>
+                <a:uFillTx/>
+                <a:latin typeface="Calibri" panose="020F0502020204030204"/>
+                <a:ea typeface="+mn-ea"/>
+                <a:cs typeface="Calibri" panose="020F0502020204030204"/>
+              </a:rPr>
+              <a:pPr marL="38100" marR="0" lvl="0" indent="0" algn="l" defTabSz="914400" rtl="0" eaLnBrk="1" fontAlgn="auto" latinLnBrk="0" hangingPunct="1">
+                <a:lnSpc>
+                  <a:spcPts val="2005"/>
+                </a:lnSpc>
+                <a:spcBef>
+                  <a:spcPts val="0"/>
+                </a:spcBef>
+                <a:spcAft>
+                  <a:spcPts val="0"/>
+                </a:spcAft>
+                <a:buClrTx/>
+                <a:buSzTx/>
+                <a:buFontTx/>
+                <a:buNone/>
+                <a:tabLst/>
+                <a:defRPr/>
+              </a:pPr>
+              <a:t>14</a:t>
+            </a:fld>
+            <a:endParaRPr kumimoji="0" sz="2000" b="1" i="0" u="none" strike="noStrike" kern="1200" cap="none" spc="0" normalizeH="0" baseline="0" noProof="0" dirty="0">
+              <a:ln>
+                <a:noFill/>
+              </a:ln>
+              <a:solidFill>
+                <a:prstClr val="white"/>
+              </a:solidFill>
+              <a:effectLst/>
+              <a:uLnTx/>
+              <a:uFillTx/>
+              <a:latin typeface="Calibri" panose="020F0502020204030204"/>
+              <a:ea typeface="+mn-ea"/>
+              <a:cs typeface="Calibri" panose="020F0502020204030204"/>
+            </a:endParaRPr>
+          </a:p>
+        </p:txBody>
+      </p:sp>
+      <p:sp>
+        <p:nvSpPr>
+          <p:cNvPr id="18" name="文本框 17">
+            <a:extLst>
+              <a:ext uri="{FF2B5EF4-FFF2-40B4-BE49-F238E27FC236}">
+                <a16:creationId xmlns:a16="http://schemas.microsoft.com/office/drawing/2014/main" id="{EA6B8185-8FBB-4DF4-A9ED-8792E7F8746A}"/>
+              </a:ext>
+            </a:extLst>
+          </p:cNvPr>
+          <p:cNvSpPr txBox="1"/>
+          <p:nvPr/>
+        </p:nvSpPr>
+        <p:spPr>
+          <a:xfrm>
+            <a:off x="351972" y="1377600"/>
+            <a:ext cx="8177783" cy="369332"/>
+          </a:xfrm>
+          <a:prstGeom prst="rect">
+            <a:avLst/>
+          </a:prstGeom>
+          <a:noFill/>
+        </p:spPr>
+        <p:txBody>
+          <a:bodyPr wrap="square">
+            <a:spAutoFit/>
+          </a:bodyPr>
+          <a:lstStyle/>
+          <a:p>
+            <a:pPr marL="0" marR="0" lvl="0" indent="0" algn="l" defTabSz="914400" rtl="0" eaLnBrk="1" fontAlgn="auto" latinLnBrk="0" hangingPunct="1">
+              <a:lnSpc>
+                <a:spcPct val="100000"/>
+              </a:lnSpc>
+              <a:spcBef>
+                <a:spcPts val="0"/>
+              </a:spcBef>
+              <a:spcAft>
+                <a:spcPts val="0"/>
+              </a:spcAft>
+              <a:buClrTx/>
+              <a:buSzTx/>
+              <a:buFontTx/>
+              <a:buNone/>
+              <a:tabLst/>
+              <a:defRPr/>
+            </a:pPr>
+            <a:endParaRPr kumimoji="0" lang="en-US" altLang="zh-CN" sz="1800" b="0" i="0" u="none" strike="noStrike" kern="1200" cap="none" spc="0" normalizeH="0" baseline="0" noProof="0" dirty="0">
+              <a:ln>
+                <a:noFill/>
+              </a:ln>
+              <a:solidFill>
+                <a:prstClr val="black"/>
+              </a:solidFill>
+              <a:effectLst/>
+              <a:uLnTx/>
+              <a:uFillTx/>
+              <a:latin typeface="Calibri"/>
+              <a:ea typeface="宋体" panose="02010600030101010101" pitchFamily="2" charset="-122"/>
+              <a:cs typeface="+mn-cs"/>
+            </a:endParaRPr>
+          </a:p>
+        </p:txBody>
+      </p:sp>
+      <p:sp>
+        <p:nvSpPr>
+          <p:cNvPr id="23" name="文本框 22">
+            <a:extLst>
+              <a:ext uri="{FF2B5EF4-FFF2-40B4-BE49-F238E27FC236}">
+                <a16:creationId xmlns:a16="http://schemas.microsoft.com/office/drawing/2014/main" id="{778FE6CF-9401-420A-8363-C1778D0E384A}"/>
+              </a:ext>
+            </a:extLst>
+          </p:cNvPr>
+          <p:cNvSpPr txBox="1"/>
+          <p:nvPr/>
+        </p:nvSpPr>
+        <p:spPr>
+          <a:xfrm>
+            <a:off x="293826" y="857623"/>
+            <a:ext cx="4576762" cy="523220"/>
+          </a:xfrm>
+          <a:prstGeom prst="rect">
+            <a:avLst/>
+          </a:prstGeom>
+          <a:noFill/>
+        </p:spPr>
+        <p:txBody>
+          <a:bodyPr wrap="square">
+            <a:spAutoFit/>
+          </a:bodyPr>
+          <a:lstStyle/>
+          <a:p>
+            <a:pPr marL="12700">
+              <a:lnSpc>
+                <a:spcPct val="100000"/>
+              </a:lnSpc>
+              <a:spcBef>
+                <a:spcPts val="95"/>
+              </a:spcBef>
+            </a:pPr>
+            <a:r>
+              <a:rPr lang="en-US" altLang="zh-CN" sz="2800" spc="-5" dirty="0">
+                <a:latin typeface="微软雅黑" panose="020B0503020204020204" pitchFamily="34" charset="-122"/>
+                <a:ea typeface="微软雅黑" panose="020B0503020204020204" pitchFamily="34" charset="-122"/>
+                <a:cs typeface="微软雅黑"/>
+              </a:rPr>
+              <a:t>3.2 </a:t>
+            </a:r>
+            <a:r>
+              <a:rPr lang="zh-CN" altLang="en-US" sz="2800" spc="-5" dirty="0">
+                <a:latin typeface="微软雅黑" panose="020B0503020204020204" pitchFamily="34" charset="-122"/>
+                <a:ea typeface="微软雅黑" panose="020B0503020204020204" pitchFamily="34" charset="-122"/>
+                <a:cs typeface="微软雅黑"/>
+              </a:rPr>
+              <a:t>信号传播模型法</a:t>
+            </a:r>
+            <a:endParaRPr lang="zh-CN" altLang="en-US" sz="2800" dirty="0">
+              <a:latin typeface="微软雅黑" panose="020B0503020204020204" pitchFamily="34" charset="-122"/>
+              <a:ea typeface="微软雅黑" panose="020B0503020204020204" pitchFamily="34" charset="-122"/>
+              <a:cs typeface="微软雅黑"/>
+            </a:endParaRPr>
+          </a:p>
+        </p:txBody>
+      </p:sp>
+      <p:sp>
+        <p:nvSpPr>
+          <p:cNvPr id="21" name="文本框 20">
+            <a:extLst>
+              <a:ext uri="{FF2B5EF4-FFF2-40B4-BE49-F238E27FC236}">
+                <a16:creationId xmlns:a16="http://schemas.microsoft.com/office/drawing/2014/main" id="{C1DEAF2F-69EA-4B8E-B1B9-46A29FFE92CB}"/>
+              </a:ext>
+            </a:extLst>
+          </p:cNvPr>
+          <p:cNvSpPr txBox="1"/>
+          <p:nvPr/>
+        </p:nvSpPr>
+        <p:spPr>
+          <a:xfrm>
+            <a:off x="297999" y="1416632"/>
+            <a:ext cx="5972557" cy="461665"/>
+          </a:xfrm>
+          <a:prstGeom prst="rect">
+            <a:avLst/>
+          </a:prstGeom>
+          <a:noFill/>
+        </p:spPr>
+        <p:txBody>
+          <a:bodyPr wrap="square">
+            <a:spAutoFit/>
+          </a:bodyPr>
+          <a:lstStyle/>
+          <a:p>
+            <a:pPr marL="12700">
+              <a:lnSpc>
+                <a:spcPct val="100000"/>
+              </a:lnSpc>
+              <a:spcBef>
+                <a:spcPts val="95"/>
+              </a:spcBef>
+            </a:pPr>
+            <a:r>
+              <a:rPr lang="en-US" altLang="zh-CN" sz="2400" spc="-5" dirty="0">
+                <a:latin typeface="微软雅黑" panose="020B0503020204020204" pitchFamily="34" charset="-122"/>
+                <a:ea typeface="微软雅黑" panose="020B0503020204020204" pitchFamily="34" charset="-122"/>
+                <a:cs typeface="微软雅黑"/>
+              </a:rPr>
+              <a:t>3.2.3 </a:t>
+            </a:r>
+            <a:r>
+              <a:rPr lang="zh-CN" altLang="en-US" sz="2400" spc="-5" dirty="0">
+                <a:latin typeface="微软雅黑" panose="020B0503020204020204" pitchFamily="34" charset="-122"/>
+                <a:ea typeface="微软雅黑" panose="020B0503020204020204" pitchFamily="34" charset="-122"/>
+                <a:cs typeface="微软雅黑"/>
+              </a:rPr>
+              <a:t>考虑墙壁衰减的模型（</a:t>
+            </a:r>
+            <a:r>
+              <a:rPr lang="en-US" altLang="zh-CN" sz="2400" spc="-5" dirty="0">
+                <a:latin typeface="微软雅黑" panose="020B0503020204020204" pitchFamily="34" charset="-122"/>
+                <a:ea typeface="微软雅黑" panose="020B0503020204020204" pitchFamily="34" charset="-122"/>
+                <a:cs typeface="微软雅黑"/>
+              </a:rPr>
+              <a:t>MWM</a:t>
+            </a:r>
+            <a:r>
+              <a:rPr lang="zh-CN" altLang="en-US" sz="2400" spc="-5" dirty="0">
+                <a:latin typeface="微软雅黑" panose="020B0503020204020204" pitchFamily="34" charset="-122"/>
+                <a:ea typeface="微软雅黑" panose="020B0503020204020204" pitchFamily="34" charset="-122"/>
+                <a:cs typeface="微软雅黑"/>
+              </a:rPr>
+              <a:t>）</a:t>
+            </a:r>
+            <a:endParaRPr lang="zh-CN" altLang="en-US" sz="2400" baseline="30000" dirty="0">
+              <a:latin typeface="微软雅黑" panose="020B0503020204020204" pitchFamily="34" charset="-122"/>
+              <a:ea typeface="微软雅黑" panose="020B0503020204020204" pitchFamily="34" charset="-122"/>
+              <a:cs typeface="微软雅黑"/>
+            </a:endParaRPr>
+          </a:p>
+        </p:txBody>
+      </p:sp>
+      <mc:AlternateContent xmlns:mc="http://schemas.openxmlformats.org/markup-compatibility/2006">
+        <mc:Choice xmlns:a14="http://schemas.microsoft.com/office/drawing/2010/main" Requires="a14">
+          <p:sp>
+            <p:nvSpPr>
+              <p:cNvPr id="31" name="文本框 30">
+                <a:extLst>
+                  <a:ext uri="{FF2B5EF4-FFF2-40B4-BE49-F238E27FC236}">
+                    <a16:creationId xmlns:a16="http://schemas.microsoft.com/office/drawing/2014/main" id="{34A4B752-4652-4E20-9102-E6AF80874E42}"/>
+                  </a:ext>
+                </a:extLst>
+              </p:cNvPr>
+              <p:cNvSpPr txBox="1"/>
+              <p:nvPr/>
+            </p:nvSpPr>
+            <p:spPr>
+              <a:xfrm>
+                <a:off x="437545" y="3300636"/>
+                <a:ext cx="4576712" cy="1200329"/>
+              </a:xfrm>
+              <a:prstGeom prst="rect">
+                <a:avLst/>
+              </a:prstGeom>
+              <a:noFill/>
+            </p:spPr>
+            <p:txBody>
+              <a:bodyPr wrap="square">
+                <a:spAutoFit/>
+              </a:bodyPr>
+              <a:lstStyle/>
+              <a:p>
+                <a:r>
+                  <a:rPr lang="zh-CN" altLang="en-US" dirty="0"/>
+                  <a:t>传输距离</a:t>
+                </a:r>
+                <a14:m>
+                  <m:oMath xmlns:m="http://schemas.openxmlformats.org/officeDocument/2006/math">
+                    <m:r>
+                      <a:rPr lang="zh-CN" altLang="en-US" i="1" dirty="0" smtClean="0">
+                        <a:latin typeface="Cambria Math" panose="02040503050406030204" pitchFamily="18" charset="0"/>
+                      </a:rPr>
+                      <m:t>𝑑</m:t>
+                    </m:r>
+                    <m:r>
+                      <a:rPr lang="zh-CN" altLang="en-US" i="1" dirty="0">
+                        <a:latin typeface="Cambria Math" panose="02040503050406030204" pitchFamily="18" charset="0"/>
+                      </a:rPr>
+                      <m:t>功率</m:t>
+                    </m:r>
+                  </m:oMath>
+                </a14:m>
+                <a:r>
+                  <a:rPr lang="zh-CN" altLang="en-US" dirty="0"/>
+                  <a:t>值</a:t>
+                </a:r>
+                <a:endParaRPr lang="en-US" altLang="zh-CN" dirty="0"/>
+              </a:p>
+              <a:p>
+                <a:r>
+                  <a:rPr lang="zh-CN" altLang="en-US" dirty="0"/>
+                  <a:t>PL(</a:t>
+                </a:r>
+                <a14:m>
+                  <m:oMath xmlns:m="http://schemas.openxmlformats.org/officeDocument/2006/math">
+                    <m:sSub>
+                      <m:sSubPr>
+                        <m:ctrlPr>
+                          <a:rPr lang="en-US" altLang="zh-CN" i="1" dirty="0" smtClean="0">
+                            <a:latin typeface="Cambria Math" panose="02040503050406030204" pitchFamily="18" charset="0"/>
+                          </a:rPr>
+                        </m:ctrlPr>
+                      </m:sSubPr>
+                      <m:e>
+                        <m:r>
+                          <a:rPr lang="zh-CN" altLang="en-US" i="1" dirty="0" smtClean="0">
+                            <a:latin typeface="Cambria Math" panose="02040503050406030204" pitchFamily="18" charset="0"/>
+                          </a:rPr>
+                          <m:t>𝑑</m:t>
+                        </m:r>
+                      </m:e>
+                      <m:sub>
+                        <m:r>
+                          <a:rPr lang="en-US" altLang="zh-CN" i="1" dirty="0">
+                            <a:latin typeface="Cambria Math" panose="02040503050406030204" pitchFamily="18" charset="0"/>
+                          </a:rPr>
+                          <m:t>0</m:t>
+                        </m:r>
+                      </m:sub>
+                    </m:sSub>
+                  </m:oMath>
+                </a14:m>
+                <a:r>
+                  <a:rPr lang="en-US" altLang="zh-CN" dirty="0"/>
+                  <a:t>)</a:t>
+                </a:r>
+                <a:r>
+                  <a:rPr lang="zh-CN" altLang="en-US" dirty="0"/>
+                  <a:t>：传输</a:t>
+                </a:r>
+                <a14:m>
+                  <m:oMath xmlns:m="http://schemas.openxmlformats.org/officeDocument/2006/math">
+                    <m:r>
+                      <a:rPr lang="zh-CN" altLang="en-US" i="1" dirty="0" smtClean="0">
+                        <a:latin typeface="Cambria Math" panose="02040503050406030204" pitchFamily="18" charset="0"/>
+                      </a:rPr>
+                      <m:t>距离</m:t>
+                    </m:r>
+                    <m:sSub>
+                      <m:sSubPr>
+                        <m:ctrlPr>
+                          <a:rPr lang="en-US" altLang="zh-CN" i="1" dirty="0" smtClean="0">
+                            <a:latin typeface="Cambria Math" panose="02040503050406030204" pitchFamily="18" charset="0"/>
+                          </a:rPr>
+                        </m:ctrlPr>
+                      </m:sSubPr>
+                      <m:e>
+                        <m:r>
+                          <a:rPr lang="zh-CN" altLang="en-US" i="1" dirty="0" smtClean="0">
+                            <a:latin typeface="Cambria Math" panose="02040503050406030204" pitchFamily="18" charset="0"/>
+                          </a:rPr>
+                          <m:t>𝑑</m:t>
+                        </m:r>
+                      </m:e>
+                      <m:sub>
+                        <m:r>
+                          <a:rPr lang="en-US" altLang="zh-CN" i="1" dirty="0" smtClean="0">
+                            <a:latin typeface="Cambria Math" panose="02040503050406030204" pitchFamily="18" charset="0"/>
+                          </a:rPr>
+                          <m:t>0</m:t>
+                        </m:r>
+                      </m:sub>
+                    </m:sSub>
+                  </m:oMath>
+                </a14:m>
+                <a:r>
+                  <a:rPr lang="zh-CN" altLang="en-US" dirty="0"/>
+                  <a:t>时的功率值</a:t>
+                </a:r>
+                <a:endParaRPr lang="en-US" altLang="zh-CN" dirty="0"/>
+              </a:p>
+              <a:p>
+                <a14:m>
+                  <m:oMath xmlns:m="http://schemas.openxmlformats.org/officeDocument/2006/math">
+                    <m:r>
+                      <a:rPr lang="en-US" altLang="zh-CN" b="0" i="1" smtClean="0">
+                        <a:latin typeface="Cambria Math" panose="02040503050406030204" pitchFamily="18" charset="0"/>
+                      </a:rPr>
+                      <m:t>𝑑</m:t>
+                    </m:r>
+                  </m:oMath>
+                </a14:m>
+                <a:r>
+                  <a:rPr lang="zh-CN" altLang="en-US" dirty="0"/>
+                  <a:t>：接收端与发射端的距离</a:t>
+                </a:r>
+                <a:endParaRPr lang="en-US" altLang="zh-CN" dirty="0"/>
+              </a:p>
+              <a:p>
+                <a14:m>
+                  <m:oMath xmlns:m="http://schemas.openxmlformats.org/officeDocument/2006/math">
+                    <m:r>
+                      <a:rPr lang="en-US" altLang="zh-CN" b="0" i="1" smtClean="0">
+                        <a:latin typeface="Cambria Math" panose="02040503050406030204" pitchFamily="18" charset="0"/>
+                      </a:rPr>
+                      <m:t>𝜏</m:t>
+                    </m:r>
+                    <m:r>
+                      <a:rPr lang="zh-CN" altLang="en-US" i="1">
+                        <a:latin typeface="Cambria Math" panose="02040503050406030204" pitchFamily="18" charset="0"/>
+                      </a:rPr>
+                      <m:t>：路径</m:t>
+                    </m:r>
+                  </m:oMath>
+                </a14:m>
+                <a:r>
+                  <a:rPr lang="zh-CN" altLang="en-US" b="0" dirty="0"/>
+                  <a:t>损耗指数（路径消耗</a:t>
+                </a:r>
+                <a:r>
+                  <a:rPr lang="en-US" altLang="zh-CN" b="0" dirty="0"/>
+                  <a:t>/</a:t>
+                </a:r>
+                <a:r>
+                  <a:rPr lang="zh-CN" altLang="en-US" b="0" dirty="0"/>
+                  <a:t>距离增长）</a:t>
+                </a:r>
+                <a:endParaRPr lang="en-US" altLang="zh-CN" b="0" dirty="0"/>
+              </a:p>
+            </p:txBody>
+          </p:sp>
+        </mc:Choice>
+        <mc:Fallback>
+          <p:sp>
+            <p:nvSpPr>
+              <p:cNvPr id="31" name="文本框 30">
+                <a:extLst>
+                  <a:ext uri="{FF2B5EF4-FFF2-40B4-BE49-F238E27FC236}">
+                    <a16:creationId xmlns:a16="http://schemas.microsoft.com/office/drawing/2014/main" id="{34A4B752-4652-4E20-9102-E6AF80874E42}"/>
+                  </a:ext>
+                </a:extLst>
+              </p:cNvPr>
+              <p:cNvSpPr txBox="1">
+                <a:spLocks noRot="1" noChangeAspect="1" noMove="1" noResize="1" noEditPoints="1" noAdjustHandles="1" noChangeArrowheads="1" noChangeShapeType="1" noTextEdit="1"/>
+              </p:cNvSpPr>
+              <p:nvPr/>
+            </p:nvSpPr>
+            <p:spPr>
+              <a:xfrm>
+                <a:off x="437545" y="3300636"/>
+                <a:ext cx="4576712" cy="1200329"/>
+              </a:xfrm>
+              <a:prstGeom prst="rect">
+                <a:avLst/>
+              </a:prstGeom>
+              <a:blipFill>
+                <a:blip r:embed="rId2"/>
+                <a:stretch>
+                  <a:fillRect l="-1198" t="-4061" b="-7614"/>
+                </a:stretch>
+              </a:blipFill>
+            </p:spPr>
+            <p:txBody>
+              <a:bodyPr/>
+              <a:lstStyle/>
+              <a:p>
+                <a:r>
+                  <a:rPr lang="zh-CN" altLang="en-US">
+                    <a:noFill/>
+                  </a:rPr>
+                  <a:t> </a:t>
+                </a:r>
+              </a:p>
+            </p:txBody>
+          </p:sp>
+        </mc:Fallback>
+      </mc:AlternateContent>
+      <p:pic>
+        <p:nvPicPr>
+          <p:cNvPr id="19" name="图片 18">
+            <a:extLst>
+              <a:ext uri="{FF2B5EF4-FFF2-40B4-BE49-F238E27FC236}">
+                <a16:creationId xmlns:a16="http://schemas.microsoft.com/office/drawing/2014/main" id="{45268861-8909-4BC2-AC2A-F717E18854A5}"/>
+              </a:ext>
+            </a:extLst>
+          </p:cNvPr>
+          <p:cNvPicPr>
+            <a:picLocks noChangeAspect="1"/>
+          </p:cNvPicPr>
+          <p:nvPr/>
+        </p:nvPicPr>
+        <p:blipFill>
+          <a:blip r:embed="rId3">
+            <a:extLst>
+              <a:ext uri="{28A0092B-C50C-407E-A947-70E740481C1C}">
+                <a14:useLocalDpi xmlns:a14="http://schemas.microsoft.com/office/drawing/2010/main" val="0"/>
+              </a:ext>
+            </a:extLst>
+          </a:blip>
+          <a:stretch>
+            <a:fillRect/>
+          </a:stretch>
+        </p:blipFill>
+        <p:spPr>
+          <a:xfrm>
+            <a:off x="385571" y="2124662"/>
+            <a:ext cx="5972557" cy="832538"/>
+          </a:xfrm>
+          <a:prstGeom prst="rect">
+            <a:avLst/>
+          </a:prstGeom>
+        </p:spPr>
+      </p:pic>
+    </p:spTree>
+    <p:extLst>
+      <p:ext uri="{BB962C8B-B14F-4D97-AF65-F5344CB8AC3E}">
+        <p14:creationId xmlns:p14="http://schemas.microsoft.com/office/powerpoint/2010/main" val="3125050252"/>
+      </p:ext>
+    </p:extLst>
+  </p:cSld>
+  <p:clrMapOvr>
+    <a:masterClrMapping/>
+  </p:clrMapOvr>
+</p:sld>
+</file>
+
+<file path=ppt/slides/slide15.xml><?xml version="1.0" encoding="utf-8"?>
 <p:sld xmlns:a="http://schemas.openxmlformats.org/drawingml/2006/main" xmlns:r="http://schemas.openxmlformats.org/officeDocument/2006/relationships" xmlns:p="http://schemas.openxmlformats.org/presentationml/2006/main">
   <p:cSld>
     <p:spTree>
@@ -6706,7 +11611,7 @@
 </p:sld>
 </file>
 
-<file path=ppt/slides/slide13.xml><?xml version="1.0" encoding="utf-8"?>
+<file path=ppt/slides/slide16.xml><?xml version="1.0" encoding="utf-8"?>
 <p:sld xmlns:a="http://schemas.openxmlformats.org/drawingml/2006/main" xmlns:r="http://schemas.openxmlformats.org/officeDocument/2006/relationships" xmlns:p="http://schemas.openxmlformats.org/presentationml/2006/main">
   <p:cSld>
     <p:spTree>
@@ -7356,7 +12261,7 @@
             </a:pPr>
             <a:fld id="{81D60167-4931-47E6-BA6A-407CBD079E47}" type="slidenum">
               <a:rPr dirty="0"/>
-              <a:t>13</a:t>
+              <a:t>16</a:t>
             </a:fld>
             <a:endParaRPr dirty="0"/>
           </a:p>
@@ -7813,7 +12718,7 @@
 </p:sld>
 </file>
 
-<file path=ppt/slides/slide14.xml><?xml version="1.0" encoding="utf-8"?>
+<file path=ppt/slides/slide17.xml><?xml version="1.0" encoding="utf-8"?>
 <p:sld xmlns:a="http://schemas.openxmlformats.org/drawingml/2006/main" xmlns:r="http://schemas.openxmlformats.org/officeDocument/2006/relationships" xmlns:p="http://schemas.openxmlformats.org/presentationml/2006/main">
   <p:cSld>
     <p:spTree>
@@ -8236,7 +13141,7 @@
 </p:sld>
 </file>
 
-<file path=ppt/slides/slide15.xml><?xml version="1.0" encoding="utf-8"?>
+<file path=ppt/slides/slide18.xml><?xml version="1.0" encoding="utf-8"?>
 <p:sld xmlns:a="http://schemas.openxmlformats.org/drawingml/2006/main" xmlns:r="http://schemas.openxmlformats.org/officeDocument/2006/relationships" xmlns:p="http://schemas.openxmlformats.org/presentationml/2006/main">
   <p:cSld>
     <p:spTree>
@@ -8851,7 +13756,7 @@
             </a:pPr>
             <a:fld id="{81D60167-4931-47E6-BA6A-407CBD079E47}" type="slidenum">
               <a:rPr dirty="0"/>
-              <a:t>15</a:t>
+              <a:t>18</a:t>
             </a:fld>
             <a:endParaRPr dirty="0"/>
           </a:p>
@@ -8966,7 +13871,7 @@
 </p:sld>
 </file>
 
-<file path=ppt/slides/slide16.xml><?xml version="1.0" encoding="utf-8"?>
+<file path=ppt/slides/slide19.xml><?xml version="1.0" encoding="utf-8"?>
 <p:sld xmlns:a="http://schemas.openxmlformats.org/drawingml/2006/main" xmlns:r="http://schemas.openxmlformats.org/officeDocument/2006/relationships" xmlns:p="http://schemas.openxmlformats.org/presentationml/2006/main">
   <p:cSld>
     <p:spTree>
@@ -9379,1183 +14284,6 @@
 </p:sld>
 </file>
 
-<file path=ppt/slides/slide17.xml><?xml version="1.0" encoding="utf-8"?>
-<p:sld xmlns:a="http://schemas.openxmlformats.org/drawingml/2006/main" xmlns:r="http://schemas.openxmlformats.org/officeDocument/2006/relationships" xmlns:p="http://schemas.openxmlformats.org/presentationml/2006/main">
-  <p:cSld>
-    <p:spTree>
-      <p:nvGrpSpPr>
-        <p:cNvPr id="1" name=""/>
-        <p:cNvGrpSpPr/>
-        <p:nvPr/>
-      </p:nvGrpSpPr>
-      <p:grpSpPr>
-        <a:xfrm>
-          <a:off x="0" y="0"/>
-          <a:ext cx="0" cy="0"/>
-          <a:chOff x="0" y="0"/>
-          <a:chExt cx="0" cy="0"/>
-        </a:xfrm>
-      </p:grpSpPr>
-      <p:pic>
-        <p:nvPicPr>
-          <p:cNvPr id="22" name="图片 21" descr="表格&#10;&#10;描述已自动生成">
-            <a:extLst>
-              <a:ext uri="{FF2B5EF4-FFF2-40B4-BE49-F238E27FC236}">
-                <a16:creationId xmlns:a16="http://schemas.microsoft.com/office/drawing/2014/main" id="{8DEC4F7F-C055-40EE-B508-A3AA74CBFB57}"/>
-              </a:ext>
-            </a:extLst>
-          </p:cNvPr>
-          <p:cNvPicPr>
-            <a:picLocks noChangeAspect="1"/>
-          </p:cNvPicPr>
-          <p:nvPr/>
-        </p:nvPicPr>
-        <p:blipFill>
-          <a:blip r:embed="rId2">
-            <a:extLst>
-              <a:ext uri="{28A0092B-C50C-407E-A947-70E740481C1C}">
-                <a14:useLocalDpi xmlns:a14="http://schemas.microsoft.com/office/drawing/2010/main" val="0"/>
-              </a:ext>
-            </a:extLst>
-          </a:blip>
-          <a:stretch>
-            <a:fillRect/>
-          </a:stretch>
-        </p:blipFill>
-        <p:spPr>
-          <a:xfrm>
-            <a:off x="3123767" y="1047559"/>
-            <a:ext cx="6020233" cy="5008499"/>
-          </a:xfrm>
-          <a:prstGeom prst="rect">
-            <a:avLst/>
-          </a:prstGeom>
-        </p:spPr>
-      </p:pic>
-      <p:grpSp>
-        <p:nvGrpSpPr>
-          <p:cNvPr id="2" name="object 2"/>
-          <p:cNvGrpSpPr/>
-          <p:nvPr/>
-        </p:nvGrpSpPr>
-        <p:grpSpPr>
-          <a:xfrm>
-            <a:off x="89915" y="135636"/>
-            <a:ext cx="262255" cy="576580"/>
-            <a:chOff x="89915" y="135636"/>
-            <a:chExt cx="262255" cy="576580"/>
-          </a:xfrm>
-        </p:grpSpPr>
-        <p:sp>
-          <p:nvSpPr>
-            <p:cNvPr id="3" name="object 3"/>
-            <p:cNvSpPr/>
-            <p:nvPr/>
-          </p:nvSpPr>
-          <p:spPr>
-            <a:xfrm>
-              <a:off x="278892" y="387095"/>
-              <a:ext cx="73660" cy="325120"/>
-            </a:xfrm>
-            <a:custGeom>
-              <a:avLst/>
-              <a:gdLst/>
-              <a:ahLst/>
-              <a:cxnLst/>
-              <a:rect l="l" t="t" r="r" b="b"/>
-              <a:pathLst>
-                <a:path w="73660" h="325120">
-                  <a:moveTo>
-                    <a:pt x="0" y="324612"/>
-                  </a:moveTo>
-                  <a:lnTo>
-                    <a:pt x="73151" y="324612"/>
-                  </a:lnTo>
-                  <a:lnTo>
-                    <a:pt x="73151" y="0"/>
-                  </a:lnTo>
-                  <a:lnTo>
-                    <a:pt x="0" y="0"/>
-                  </a:lnTo>
-                  <a:lnTo>
-                    <a:pt x="0" y="324612"/>
-                  </a:lnTo>
-                  <a:close/>
-                </a:path>
-              </a:pathLst>
-            </a:custGeom>
-            <a:solidFill>
-              <a:srgbClr val="4471C4"/>
-            </a:solidFill>
-          </p:spPr>
-          <p:txBody>
-            <a:bodyPr wrap="square" lIns="0" tIns="0" rIns="0" bIns="0" rtlCol="0"/>
-            <a:lstStyle/>
-            <a:p>
-              <a:endParaRPr/>
-            </a:p>
-          </p:txBody>
-        </p:sp>
-        <p:sp>
-          <p:nvSpPr>
-            <p:cNvPr id="4" name="object 4"/>
-            <p:cNvSpPr/>
-            <p:nvPr/>
-          </p:nvSpPr>
-          <p:spPr>
-            <a:xfrm>
-              <a:off x="89915" y="135636"/>
-              <a:ext cx="189230" cy="251460"/>
-            </a:xfrm>
-            <a:custGeom>
-              <a:avLst/>
-              <a:gdLst/>
-              <a:ahLst/>
-              <a:cxnLst/>
-              <a:rect l="l" t="t" r="r" b="b"/>
-              <a:pathLst>
-                <a:path w="189229" h="251460">
-                  <a:moveTo>
-                    <a:pt x="188976" y="0"/>
-                  </a:moveTo>
-                  <a:lnTo>
-                    <a:pt x="0" y="0"/>
-                  </a:lnTo>
-                  <a:lnTo>
-                    <a:pt x="0" y="251459"/>
-                  </a:lnTo>
-                  <a:lnTo>
-                    <a:pt x="188976" y="251459"/>
-                  </a:lnTo>
-                  <a:lnTo>
-                    <a:pt x="188976" y="0"/>
-                  </a:lnTo>
-                  <a:close/>
-                </a:path>
-              </a:pathLst>
-            </a:custGeom>
-            <a:solidFill>
-              <a:srgbClr val="2E5496"/>
-            </a:solidFill>
-          </p:spPr>
-          <p:txBody>
-            <a:bodyPr wrap="square" lIns="0" tIns="0" rIns="0" bIns="0" rtlCol="0"/>
-            <a:lstStyle/>
-            <a:p>
-              <a:endParaRPr/>
-            </a:p>
-          </p:txBody>
-        </p:sp>
-      </p:grpSp>
-      <p:grpSp>
-        <p:nvGrpSpPr>
-          <p:cNvPr id="5" name="object 5"/>
-          <p:cNvGrpSpPr/>
-          <p:nvPr/>
-        </p:nvGrpSpPr>
-        <p:grpSpPr>
-          <a:xfrm>
-            <a:off x="0" y="6304788"/>
-            <a:ext cx="9144000" cy="553720"/>
-            <a:chOff x="0" y="6304788"/>
-            <a:chExt cx="9144000" cy="553720"/>
-          </a:xfrm>
-        </p:grpSpPr>
-        <p:sp>
-          <p:nvSpPr>
-            <p:cNvPr id="6" name="object 6"/>
-            <p:cNvSpPr/>
-            <p:nvPr/>
-          </p:nvSpPr>
-          <p:spPr>
-            <a:xfrm>
-              <a:off x="8420100" y="6318503"/>
-              <a:ext cx="405765" cy="539750"/>
-            </a:xfrm>
-            <a:custGeom>
-              <a:avLst/>
-              <a:gdLst/>
-              <a:ahLst/>
-              <a:cxnLst/>
-              <a:rect l="l" t="t" r="r" b="b"/>
-              <a:pathLst>
-                <a:path w="405765" h="539750">
-                  <a:moveTo>
-                    <a:pt x="405383" y="0"/>
-                  </a:moveTo>
-                  <a:lnTo>
-                    <a:pt x="0" y="0"/>
-                  </a:lnTo>
-                  <a:lnTo>
-                    <a:pt x="0" y="539496"/>
-                  </a:lnTo>
-                  <a:lnTo>
-                    <a:pt x="405383" y="539496"/>
-                  </a:lnTo>
-                  <a:lnTo>
-                    <a:pt x="405383" y="0"/>
-                  </a:lnTo>
-                  <a:close/>
-                </a:path>
-              </a:pathLst>
-            </a:custGeom>
-            <a:solidFill>
-              <a:srgbClr val="4471C4"/>
-            </a:solidFill>
-          </p:spPr>
-          <p:txBody>
-            <a:bodyPr wrap="square" lIns="0" tIns="0" rIns="0" bIns="0" rtlCol="0"/>
-            <a:lstStyle/>
-            <a:p>
-              <a:endParaRPr/>
-            </a:p>
-          </p:txBody>
-        </p:sp>
-        <p:sp>
-          <p:nvSpPr>
-            <p:cNvPr id="7" name="object 7"/>
-            <p:cNvSpPr/>
-            <p:nvPr/>
-          </p:nvSpPr>
-          <p:spPr>
-            <a:xfrm>
-              <a:off x="0" y="6307836"/>
-              <a:ext cx="9144000" cy="0"/>
-            </a:xfrm>
-            <a:custGeom>
-              <a:avLst/>
-              <a:gdLst/>
-              <a:ahLst/>
-              <a:cxnLst/>
-              <a:rect l="l" t="t" r="r" b="b"/>
-              <a:pathLst>
-                <a:path w="9144000">
-                  <a:moveTo>
-                    <a:pt x="0" y="0"/>
-                  </a:moveTo>
-                  <a:lnTo>
-                    <a:pt x="9144000" y="0"/>
-                  </a:lnTo>
-                </a:path>
-              </a:pathLst>
-            </a:custGeom>
-            <a:ln w="6096">
-              <a:solidFill>
-                <a:srgbClr val="4471C4"/>
-              </a:solidFill>
-            </a:ln>
-          </p:spPr>
-          <p:txBody>
-            <a:bodyPr wrap="square" lIns="0" tIns="0" rIns="0" bIns="0" rtlCol="0"/>
-            <a:lstStyle/>
-            <a:p>
-              <a:endParaRPr/>
-            </a:p>
-          </p:txBody>
-        </p:sp>
-      </p:grpSp>
-      <p:grpSp>
-        <p:nvGrpSpPr>
-          <p:cNvPr id="8" name="object 8"/>
-          <p:cNvGrpSpPr/>
-          <p:nvPr/>
-        </p:nvGrpSpPr>
-        <p:grpSpPr>
-          <a:xfrm>
-            <a:off x="348995" y="207263"/>
-            <a:ext cx="7827645" cy="591820"/>
-            <a:chOff x="348995" y="207263"/>
-            <a:chExt cx="7827645" cy="591820"/>
-          </a:xfrm>
-        </p:grpSpPr>
-        <p:sp>
-          <p:nvSpPr>
-            <p:cNvPr id="9" name="object 9"/>
-            <p:cNvSpPr/>
-            <p:nvPr/>
-          </p:nvSpPr>
-          <p:spPr>
-            <a:xfrm>
-              <a:off x="739902" y="483870"/>
-              <a:ext cx="7047230" cy="0"/>
-            </a:xfrm>
-            <a:custGeom>
-              <a:avLst/>
-              <a:gdLst/>
-              <a:ahLst/>
-              <a:cxnLst/>
-              <a:rect l="l" t="t" r="r" b="b"/>
-              <a:pathLst>
-                <a:path w="7047230">
-                  <a:moveTo>
-                    <a:pt x="0" y="0"/>
-                  </a:moveTo>
-                  <a:lnTo>
-                    <a:pt x="7046976" y="0"/>
-                  </a:lnTo>
-                </a:path>
-              </a:pathLst>
-            </a:custGeom>
-            <a:ln w="22860">
-              <a:solidFill>
-                <a:srgbClr val="006FC0"/>
-              </a:solidFill>
-            </a:ln>
-          </p:spPr>
-          <p:txBody>
-            <a:bodyPr wrap="square" lIns="0" tIns="0" rIns="0" bIns="0" rtlCol="0"/>
-            <a:lstStyle/>
-            <a:p>
-              <a:endParaRPr/>
-            </a:p>
-          </p:txBody>
-        </p:sp>
-        <p:sp>
-          <p:nvSpPr>
-            <p:cNvPr id="10" name="object 10"/>
-            <p:cNvSpPr/>
-            <p:nvPr/>
-          </p:nvSpPr>
-          <p:spPr>
-            <a:xfrm>
-              <a:off x="1028700" y="210311"/>
-              <a:ext cx="7145020" cy="585470"/>
-            </a:xfrm>
-            <a:custGeom>
-              <a:avLst/>
-              <a:gdLst/>
-              <a:ahLst/>
-              <a:cxnLst/>
-              <a:rect l="l" t="t" r="r" b="b"/>
-              <a:pathLst>
-                <a:path w="7145020" h="585470">
-                  <a:moveTo>
-                    <a:pt x="7144511" y="0"/>
-                  </a:moveTo>
-                  <a:lnTo>
-                    <a:pt x="0" y="0"/>
-                  </a:lnTo>
-                  <a:lnTo>
-                    <a:pt x="0" y="585216"/>
-                  </a:lnTo>
-                  <a:lnTo>
-                    <a:pt x="7144511" y="585216"/>
-                  </a:lnTo>
-                  <a:lnTo>
-                    <a:pt x="7144511" y="0"/>
-                  </a:lnTo>
-                  <a:close/>
-                </a:path>
-              </a:pathLst>
-            </a:custGeom>
-            <a:solidFill>
-              <a:srgbClr val="006FC0"/>
-            </a:solidFill>
-          </p:spPr>
-          <p:txBody>
-            <a:bodyPr wrap="square" lIns="0" tIns="0" rIns="0" bIns="0" rtlCol="0"/>
-            <a:lstStyle/>
-            <a:p>
-              <a:endParaRPr/>
-            </a:p>
-          </p:txBody>
-        </p:sp>
-        <p:sp>
-          <p:nvSpPr>
-            <p:cNvPr id="11" name="object 11"/>
-            <p:cNvSpPr/>
-            <p:nvPr/>
-          </p:nvSpPr>
-          <p:spPr>
-            <a:xfrm>
-              <a:off x="1028700" y="210311"/>
-              <a:ext cx="7145020" cy="585470"/>
-            </a:xfrm>
-            <a:custGeom>
-              <a:avLst/>
-              <a:gdLst/>
-              <a:ahLst/>
-              <a:cxnLst/>
-              <a:rect l="l" t="t" r="r" b="b"/>
-              <a:pathLst>
-                <a:path w="7145020" h="585470">
-                  <a:moveTo>
-                    <a:pt x="0" y="585216"/>
-                  </a:moveTo>
-                  <a:lnTo>
-                    <a:pt x="7144511" y="585216"/>
-                  </a:lnTo>
-                  <a:lnTo>
-                    <a:pt x="7144511" y="0"/>
-                  </a:lnTo>
-                  <a:lnTo>
-                    <a:pt x="0" y="0"/>
-                  </a:lnTo>
-                  <a:lnTo>
-                    <a:pt x="0" y="585216"/>
-                  </a:lnTo>
-                  <a:close/>
-                </a:path>
-              </a:pathLst>
-            </a:custGeom>
-            <a:ln w="6096">
-              <a:solidFill>
-                <a:srgbClr val="006FC0"/>
-              </a:solidFill>
-            </a:ln>
-          </p:spPr>
-          <p:txBody>
-            <a:bodyPr wrap="square" lIns="0" tIns="0" rIns="0" bIns="0" rtlCol="0"/>
-            <a:lstStyle/>
-            <a:p>
-              <a:endParaRPr/>
-            </a:p>
-          </p:txBody>
-        </p:sp>
-        <p:sp>
-          <p:nvSpPr>
-            <p:cNvPr id="12" name="object 12"/>
-            <p:cNvSpPr/>
-            <p:nvPr/>
-          </p:nvSpPr>
-          <p:spPr>
-            <a:xfrm>
-              <a:off x="352043" y="210311"/>
-              <a:ext cx="516890" cy="585470"/>
-            </a:xfrm>
-            <a:custGeom>
-              <a:avLst/>
-              <a:gdLst/>
-              <a:ahLst/>
-              <a:cxnLst/>
-              <a:rect l="l" t="t" r="r" b="b"/>
-              <a:pathLst>
-                <a:path w="516890" h="585470">
-                  <a:moveTo>
-                    <a:pt x="516636" y="0"/>
-                  </a:moveTo>
-                  <a:lnTo>
-                    <a:pt x="0" y="0"/>
-                  </a:lnTo>
-                  <a:lnTo>
-                    <a:pt x="0" y="585216"/>
-                  </a:lnTo>
-                  <a:lnTo>
-                    <a:pt x="516636" y="585216"/>
-                  </a:lnTo>
-                  <a:lnTo>
-                    <a:pt x="516636" y="0"/>
-                  </a:lnTo>
-                  <a:close/>
-                </a:path>
-              </a:pathLst>
-            </a:custGeom>
-            <a:solidFill>
-              <a:srgbClr val="006FC0"/>
-            </a:solidFill>
-          </p:spPr>
-          <p:txBody>
-            <a:bodyPr wrap="square" lIns="0" tIns="0" rIns="0" bIns="0" rtlCol="0"/>
-            <a:lstStyle/>
-            <a:p>
-              <a:endParaRPr/>
-            </a:p>
-          </p:txBody>
-        </p:sp>
-        <p:sp>
-          <p:nvSpPr>
-            <p:cNvPr id="13" name="object 13"/>
-            <p:cNvSpPr/>
-            <p:nvPr/>
-          </p:nvSpPr>
-          <p:spPr>
-            <a:xfrm>
-              <a:off x="352043" y="210311"/>
-              <a:ext cx="516890" cy="585470"/>
-            </a:xfrm>
-            <a:custGeom>
-              <a:avLst/>
-              <a:gdLst/>
-              <a:ahLst/>
-              <a:cxnLst/>
-              <a:rect l="l" t="t" r="r" b="b"/>
-              <a:pathLst>
-                <a:path w="516890" h="585470">
-                  <a:moveTo>
-                    <a:pt x="0" y="585216"/>
-                  </a:moveTo>
-                  <a:lnTo>
-                    <a:pt x="516636" y="585216"/>
-                  </a:lnTo>
-                  <a:lnTo>
-                    <a:pt x="516636" y="0"/>
-                  </a:lnTo>
-                  <a:lnTo>
-                    <a:pt x="0" y="0"/>
-                  </a:lnTo>
-                  <a:lnTo>
-                    <a:pt x="0" y="585216"/>
-                  </a:lnTo>
-                  <a:close/>
-                </a:path>
-              </a:pathLst>
-            </a:custGeom>
-            <a:ln w="6096">
-              <a:solidFill>
-                <a:srgbClr val="006FC0"/>
-              </a:solidFill>
-            </a:ln>
-          </p:spPr>
-          <p:txBody>
-            <a:bodyPr wrap="square" lIns="0" tIns="0" rIns="0" bIns="0" rtlCol="0"/>
-            <a:lstStyle/>
-            <a:p>
-              <a:endParaRPr/>
-            </a:p>
-          </p:txBody>
-        </p:sp>
-      </p:grpSp>
-      <p:sp>
-        <p:nvSpPr>
-          <p:cNvPr id="14" name="object 14"/>
-          <p:cNvSpPr txBox="1">
-            <a:spLocks noGrp="1"/>
-          </p:cNvSpPr>
-          <p:nvPr>
-            <p:ph type="title"/>
-          </p:nvPr>
-        </p:nvSpPr>
-        <p:spPr>
-          <a:xfrm>
-            <a:off x="438912" y="214481"/>
-            <a:ext cx="7716419" cy="874598"/>
-          </a:xfrm>
-          <a:prstGeom prst="rect">
-            <a:avLst/>
-          </a:prstGeom>
-        </p:spPr>
-        <p:txBody>
-          <a:bodyPr vert="horz" wrap="square" lIns="0" tIns="12700" rIns="0" bIns="0" rtlCol="0">
-            <a:spAutoFit/>
-          </a:bodyPr>
-          <a:lstStyle/>
-          <a:p>
-            <a:pPr marL="12700" algn="l">
-              <a:lnSpc>
-                <a:spcPct val="100000"/>
-              </a:lnSpc>
-              <a:spcBef>
-                <a:spcPts val="100"/>
-              </a:spcBef>
-              <a:tabLst>
-                <a:tab pos="2315845" algn="l"/>
-              </a:tabLst>
-            </a:pPr>
-            <a:r>
-              <a:rPr lang="en-US" altLang="zh-CN" spc="75" dirty="0"/>
-              <a:t>6   </a:t>
-            </a:r>
-            <a:r>
-              <a:rPr lang="zh-CN" altLang="en-US" spc="75" dirty="0"/>
-              <a:t>常见网络模型</a:t>
-            </a:r>
-            <a:br>
-              <a:rPr lang="zh-CN" altLang="en-US" spc="75" dirty="0"/>
-            </a:br>
-            <a:endParaRPr lang="zh-CN" altLang="en-US" sz="2000" spc="75" dirty="0"/>
-          </a:p>
-        </p:txBody>
-      </p:sp>
-      <p:sp>
-        <p:nvSpPr>
-          <p:cNvPr id="17" name="object 17"/>
-          <p:cNvSpPr txBox="1">
-            <a:spLocks noGrp="1"/>
-          </p:cNvSpPr>
-          <p:nvPr>
-            <p:ph type="sldNum" sz="quarter" idx="7"/>
-          </p:nvPr>
-        </p:nvSpPr>
-        <p:spPr>
-          <a:prstGeom prst="rect">
-            <a:avLst/>
-          </a:prstGeom>
-        </p:spPr>
-        <p:txBody>
-          <a:bodyPr vert="horz" wrap="square" lIns="0" tIns="0" rIns="0" bIns="0" rtlCol="0">
-            <a:spAutoFit/>
-          </a:bodyPr>
-          <a:lstStyle/>
-          <a:p>
-            <a:pPr marL="38100">
-              <a:lnSpc>
-                <a:spcPts val="2005"/>
-              </a:lnSpc>
-            </a:pPr>
-            <a:fld id="{81D60167-4931-47E6-BA6A-407CBD079E47}" type="slidenum">
-              <a:rPr dirty="0"/>
-              <a:t>17</a:t>
-            </a:fld>
-            <a:endParaRPr dirty="0"/>
-          </a:p>
-        </p:txBody>
-      </p:sp>
-      <p:sp>
-        <p:nvSpPr>
-          <p:cNvPr id="18" name="文本框 17">
-            <a:extLst>
-              <a:ext uri="{FF2B5EF4-FFF2-40B4-BE49-F238E27FC236}">
-                <a16:creationId xmlns:a16="http://schemas.microsoft.com/office/drawing/2014/main" id="{728D6A0B-E147-47A6-9F0C-8FA82A23F0F6}"/>
-              </a:ext>
-            </a:extLst>
-          </p:cNvPr>
-          <p:cNvSpPr txBox="1"/>
-          <p:nvPr/>
-        </p:nvSpPr>
-        <p:spPr>
-          <a:xfrm>
-            <a:off x="293826" y="857623"/>
-            <a:ext cx="4576762" cy="523220"/>
-          </a:xfrm>
-          <a:prstGeom prst="rect">
-            <a:avLst/>
-          </a:prstGeom>
-          <a:noFill/>
-        </p:spPr>
-        <p:txBody>
-          <a:bodyPr wrap="square">
-            <a:spAutoFit/>
-          </a:bodyPr>
-          <a:lstStyle/>
-          <a:p>
-            <a:pPr marL="12700">
-              <a:lnSpc>
-                <a:spcPct val="100000"/>
-              </a:lnSpc>
-              <a:spcBef>
-                <a:spcPts val="95"/>
-              </a:spcBef>
-            </a:pPr>
-            <a:r>
-              <a:rPr lang="en-US" altLang="zh-CN" sz="2800" spc="-5" dirty="0">
-                <a:latin typeface="微软雅黑" panose="020B0503020204020204" pitchFamily="34" charset="-122"/>
-                <a:ea typeface="微软雅黑" panose="020B0503020204020204" pitchFamily="34" charset="-122"/>
-                <a:cs typeface="微软雅黑"/>
-              </a:rPr>
-              <a:t>6.1 VGG 16</a:t>
-            </a:r>
-            <a:endParaRPr lang="zh-CN" altLang="en-US" sz="2800" dirty="0">
-              <a:latin typeface="微软雅黑" panose="020B0503020204020204" pitchFamily="34" charset="-122"/>
-              <a:ea typeface="微软雅黑" panose="020B0503020204020204" pitchFamily="34" charset="-122"/>
-              <a:cs typeface="微软雅黑"/>
-            </a:endParaRPr>
-          </a:p>
-        </p:txBody>
-      </p:sp>
-      <p:sp>
-        <p:nvSpPr>
-          <p:cNvPr id="26" name="文本框 25">
-            <a:extLst>
-              <a:ext uri="{FF2B5EF4-FFF2-40B4-BE49-F238E27FC236}">
-                <a16:creationId xmlns:a16="http://schemas.microsoft.com/office/drawing/2014/main" id="{4A61640A-F9D6-4E72-A602-F53578800041}"/>
-              </a:ext>
-            </a:extLst>
-          </p:cNvPr>
-          <p:cNvSpPr txBox="1"/>
-          <p:nvPr/>
-        </p:nvSpPr>
-        <p:spPr>
-          <a:xfrm>
-            <a:off x="0" y="1580559"/>
-            <a:ext cx="7380300" cy="2246769"/>
-          </a:xfrm>
-          <a:prstGeom prst="rect">
-            <a:avLst/>
-          </a:prstGeom>
-          <a:noFill/>
-        </p:spPr>
-        <p:txBody>
-          <a:bodyPr wrap="square">
-            <a:spAutoFit/>
-          </a:bodyPr>
-          <a:lstStyle/>
-          <a:p>
-            <a:pPr marL="342900" indent="-342900">
-              <a:buFont typeface="Arial" panose="020B0604020202020204" pitchFamily="34" charset="0"/>
-              <a:buChar char="•"/>
-            </a:pPr>
-            <a:r>
-              <a:rPr lang="zh-CN" altLang="en-US" sz="2000" dirty="0"/>
-              <a:t>5个模块的特征提取层</a:t>
-            </a:r>
-            <a:endParaRPr lang="en-US" altLang="zh-CN" sz="2000" dirty="0"/>
-          </a:p>
-          <a:p>
-            <a:pPr marL="342900" indent="-342900">
-              <a:buFont typeface="Arial" panose="020B0604020202020204" pitchFamily="34" charset="0"/>
-              <a:buChar char="•"/>
-            </a:pPr>
-            <a:r>
-              <a:rPr lang="zh-CN" altLang="en-US" sz="2000" dirty="0"/>
-              <a:t>3×3尺寸的过滤器</a:t>
-            </a:r>
-            <a:endParaRPr lang="en-US" altLang="zh-CN" sz="2000" dirty="0"/>
-          </a:p>
-          <a:p>
-            <a:pPr marL="342900" indent="-342900">
-              <a:buFont typeface="Arial" panose="020B0604020202020204" pitchFamily="34" charset="0"/>
-              <a:buChar char="•"/>
-            </a:pPr>
-            <a:r>
-              <a:rPr lang="zh-CN" altLang="en-US" sz="2000" dirty="0"/>
-              <a:t>224×224×3作为输入</a:t>
-            </a:r>
-            <a:endParaRPr lang="en-US" altLang="zh-CN" sz="2000" dirty="0"/>
-          </a:p>
-          <a:p>
-            <a:pPr marL="342900" indent="-342900">
-              <a:buFont typeface="Arial" panose="020B0604020202020204" pitchFamily="34" charset="0"/>
-              <a:buChar char="•"/>
-            </a:pPr>
-            <a:r>
-              <a:rPr lang="zh-CN" altLang="en-US" sz="2000" dirty="0"/>
-              <a:t>13个卷积层提取特征</a:t>
-            </a:r>
-            <a:endParaRPr lang="en-US" altLang="zh-CN" sz="2000" dirty="0"/>
-          </a:p>
-          <a:p>
-            <a:pPr marL="342900" indent="-342900">
-              <a:buFont typeface="Arial" panose="020B0604020202020204" pitchFamily="34" charset="0"/>
-              <a:buChar char="•"/>
-            </a:pPr>
-            <a:r>
-              <a:rPr lang="zh-CN" altLang="en-US" sz="2000" dirty="0"/>
-              <a:t>采用最大池化方式</a:t>
-            </a:r>
-            <a:endParaRPr lang="en-US" altLang="zh-CN" sz="2000" dirty="0"/>
-          </a:p>
-          <a:p>
-            <a:pPr marL="342900" indent="-342900">
-              <a:buFont typeface="Arial" panose="020B0604020202020204" pitchFamily="34" charset="0"/>
-              <a:buChar char="•"/>
-            </a:pPr>
-            <a:r>
-              <a:rPr lang="en-US" altLang="zh-CN" sz="2000" dirty="0"/>
-              <a:t>2</a:t>
-            </a:r>
-            <a:r>
-              <a:rPr lang="zh-CN" altLang="en-US" sz="2000" dirty="0"/>
-              <a:t>个</a:t>
-            </a:r>
-            <a:r>
-              <a:rPr lang="en-US" altLang="zh-CN" sz="2000" dirty="0"/>
-              <a:t>4096</a:t>
-            </a:r>
-            <a:r>
-              <a:rPr lang="zh-CN" altLang="en-US" sz="2000" dirty="0"/>
-              <a:t>神经元全连接层</a:t>
-            </a:r>
-            <a:endParaRPr lang="en-US" altLang="zh-CN" sz="2000" dirty="0"/>
-          </a:p>
-          <a:p>
-            <a:pPr marL="342900" indent="-342900">
-              <a:buFont typeface="Arial" panose="020B0604020202020204" pitchFamily="34" charset="0"/>
-              <a:buChar char="•"/>
-            </a:pPr>
-            <a:r>
-              <a:rPr lang="en-US" altLang="zh-CN" sz="2000" dirty="0"/>
-              <a:t>1000</a:t>
-            </a:r>
-            <a:r>
-              <a:rPr lang="zh-CN" altLang="en-US" sz="2000" dirty="0"/>
-              <a:t>神经元的</a:t>
-            </a:r>
-            <a:r>
-              <a:rPr lang="en-US" altLang="zh-CN" sz="2000" dirty="0" err="1"/>
-              <a:t>Softmax</a:t>
-            </a:r>
-            <a:endParaRPr lang="zh-CN" altLang="en-US" sz="2000" dirty="0"/>
-          </a:p>
-        </p:txBody>
-      </p:sp>
-    </p:spTree>
-    <p:extLst>
-      <p:ext uri="{BB962C8B-B14F-4D97-AF65-F5344CB8AC3E}">
-        <p14:creationId xmlns:p14="http://schemas.microsoft.com/office/powerpoint/2010/main" val="3200534087"/>
-      </p:ext>
-    </p:extLst>
-  </p:cSld>
-  <p:clrMapOvr>
-    <a:masterClrMapping/>
-  </p:clrMapOvr>
-</p:sld>
-</file>
-
-<file path=ppt/slides/slide18.xml><?xml version="1.0" encoding="utf-8"?>
-<p:sld xmlns:a="http://schemas.openxmlformats.org/drawingml/2006/main" xmlns:r="http://schemas.openxmlformats.org/officeDocument/2006/relationships" xmlns:p="http://schemas.openxmlformats.org/presentationml/2006/main" showMasterSp="0">
-  <p:cSld>
-    <p:spTree>
-      <p:nvGrpSpPr>
-        <p:cNvPr id="1" name=""/>
-        <p:cNvGrpSpPr/>
-        <p:nvPr/>
-      </p:nvGrpSpPr>
-      <p:grpSpPr>
-        <a:xfrm>
-          <a:off x="0" y="0"/>
-          <a:ext cx="0" cy="0"/>
-          <a:chOff x="0" y="0"/>
-          <a:chExt cx="0" cy="0"/>
-        </a:xfrm>
-      </p:grpSpPr>
-      <p:grpSp>
-        <p:nvGrpSpPr>
-          <p:cNvPr id="2" name="object 2"/>
-          <p:cNvGrpSpPr/>
-          <p:nvPr/>
-        </p:nvGrpSpPr>
-        <p:grpSpPr>
-          <a:xfrm>
-            <a:off x="0" y="2549651"/>
-            <a:ext cx="9144000" cy="1687195"/>
-            <a:chOff x="0" y="2549651"/>
-            <a:chExt cx="9144000" cy="1687195"/>
-          </a:xfrm>
-        </p:grpSpPr>
-        <p:sp>
-          <p:nvSpPr>
-            <p:cNvPr id="3" name="object 3"/>
-            <p:cNvSpPr/>
-            <p:nvPr/>
-          </p:nvSpPr>
-          <p:spPr>
-            <a:xfrm>
-              <a:off x="0" y="3889247"/>
-              <a:ext cx="9144000" cy="347980"/>
-            </a:xfrm>
-            <a:custGeom>
-              <a:avLst/>
-              <a:gdLst/>
-              <a:ahLst/>
-              <a:cxnLst/>
-              <a:rect l="l" t="t" r="r" b="b"/>
-              <a:pathLst>
-                <a:path w="9144000" h="347979">
-                  <a:moveTo>
-                    <a:pt x="0" y="347471"/>
-                  </a:moveTo>
-                  <a:lnTo>
-                    <a:pt x="9144000" y="347471"/>
-                  </a:lnTo>
-                  <a:lnTo>
-                    <a:pt x="9144000" y="0"/>
-                  </a:lnTo>
-                  <a:lnTo>
-                    <a:pt x="0" y="0"/>
-                  </a:lnTo>
-                  <a:lnTo>
-                    <a:pt x="0" y="347471"/>
-                  </a:lnTo>
-                  <a:close/>
-                </a:path>
-              </a:pathLst>
-            </a:custGeom>
-            <a:solidFill>
-              <a:srgbClr val="453C39"/>
-            </a:solidFill>
-          </p:spPr>
-          <p:txBody>
-            <a:bodyPr wrap="square" lIns="0" tIns="0" rIns="0" bIns="0" rtlCol="0"/>
-            <a:lstStyle/>
-            <a:p>
-              <a:endParaRPr/>
-            </a:p>
-          </p:txBody>
-        </p:sp>
-        <p:sp>
-          <p:nvSpPr>
-            <p:cNvPr id="4" name="object 4"/>
-            <p:cNvSpPr/>
-            <p:nvPr/>
-          </p:nvSpPr>
-          <p:spPr>
-            <a:xfrm>
-              <a:off x="0" y="2549651"/>
-              <a:ext cx="9144000" cy="1339850"/>
-            </a:xfrm>
-            <a:custGeom>
-              <a:avLst/>
-              <a:gdLst/>
-              <a:ahLst/>
-              <a:cxnLst/>
-              <a:rect l="l" t="t" r="r" b="b"/>
-              <a:pathLst>
-                <a:path w="9144000" h="1339850">
-                  <a:moveTo>
-                    <a:pt x="9144000" y="0"/>
-                  </a:moveTo>
-                  <a:lnTo>
-                    <a:pt x="0" y="0"/>
-                  </a:lnTo>
-                  <a:lnTo>
-                    <a:pt x="0" y="1339596"/>
-                  </a:lnTo>
-                  <a:lnTo>
-                    <a:pt x="9144000" y="1339596"/>
-                  </a:lnTo>
-                  <a:lnTo>
-                    <a:pt x="9144000" y="0"/>
-                  </a:lnTo>
-                  <a:close/>
-                </a:path>
-              </a:pathLst>
-            </a:custGeom>
-            <a:solidFill>
-              <a:srgbClr val="4471C4"/>
-            </a:solidFill>
-          </p:spPr>
-          <p:txBody>
-            <a:bodyPr wrap="square" lIns="0" tIns="0" rIns="0" bIns="0" rtlCol="0"/>
-            <a:lstStyle/>
-            <a:p>
-              <a:endParaRPr/>
-            </a:p>
-          </p:txBody>
-        </p:sp>
-      </p:grpSp>
-      <p:sp>
-        <p:nvSpPr>
-          <p:cNvPr id="5" name="object 5"/>
-          <p:cNvSpPr txBox="1"/>
-          <p:nvPr/>
-        </p:nvSpPr>
-        <p:spPr>
-          <a:xfrm>
-            <a:off x="381000" y="2873401"/>
-            <a:ext cx="9105900" cy="690574"/>
-          </a:xfrm>
-          <a:prstGeom prst="rect">
-            <a:avLst/>
-          </a:prstGeom>
-        </p:spPr>
-        <p:txBody>
-          <a:bodyPr vert="horz" wrap="square" lIns="0" tIns="13335" rIns="0" bIns="0" rtlCol="0">
-            <a:spAutoFit/>
-          </a:bodyPr>
-          <a:lstStyle/>
-          <a:p>
-            <a:pPr>
-              <a:lnSpc>
-                <a:spcPct val="100000"/>
-              </a:lnSpc>
-              <a:spcBef>
-                <a:spcPts val="105"/>
-              </a:spcBef>
-              <a:tabLst>
-                <a:tab pos="940435" algn="l"/>
-              </a:tabLst>
-            </a:pPr>
-            <a:r>
-              <a:rPr sz="4400" dirty="0">
-                <a:solidFill>
-                  <a:srgbClr val="FFFFFF"/>
-                </a:solidFill>
-                <a:latin typeface="等线" panose="02010600030101010101" charset="-122"/>
-                <a:cs typeface="等线" panose="02010600030101010101" charset="-122"/>
-              </a:rPr>
-              <a:t>谢	谢！</a:t>
-            </a:r>
-            <a:endParaRPr lang="en-US" sz="4400" dirty="0">
-              <a:solidFill>
-                <a:srgbClr val="FFFFFF"/>
-              </a:solidFill>
-              <a:latin typeface="等线" panose="02010600030101010101" charset="-122"/>
-              <a:cs typeface="等线" panose="02010600030101010101" charset="-122"/>
-            </a:endParaRPr>
-          </a:p>
-        </p:txBody>
-      </p:sp>
-      <p:grpSp>
-        <p:nvGrpSpPr>
-          <p:cNvPr id="6" name="object 6"/>
-          <p:cNvGrpSpPr/>
-          <p:nvPr/>
-        </p:nvGrpSpPr>
-        <p:grpSpPr>
-          <a:xfrm>
-            <a:off x="8179307" y="1627632"/>
-            <a:ext cx="576580" cy="576580"/>
-            <a:chOff x="8179307" y="1627632"/>
-            <a:chExt cx="576580" cy="576580"/>
-          </a:xfrm>
-        </p:grpSpPr>
-        <p:sp>
-          <p:nvSpPr>
-            <p:cNvPr id="7" name="object 7"/>
-            <p:cNvSpPr/>
-            <p:nvPr/>
-          </p:nvSpPr>
-          <p:spPr>
-            <a:xfrm>
-              <a:off x="8432291" y="1879092"/>
-              <a:ext cx="323215" cy="325120"/>
-            </a:xfrm>
-            <a:custGeom>
-              <a:avLst/>
-              <a:gdLst/>
-              <a:ahLst/>
-              <a:cxnLst/>
-              <a:rect l="l" t="t" r="r" b="b"/>
-              <a:pathLst>
-                <a:path w="323215" h="325119">
-                  <a:moveTo>
-                    <a:pt x="323088" y="0"/>
-                  </a:moveTo>
-                  <a:lnTo>
-                    <a:pt x="0" y="0"/>
-                  </a:lnTo>
-                  <a:lnTo>
-                    <a:pt x="0" y="324612"/>
-                  </a:lnTo>
-                  <a:lnTo>
-                    <a:pt x="323088" y="324612"/>
-                  </a:lnTo>
-                  <a:lnTo>
-                    <a:pt x="323088" y="0"/>
-                  </a:lnTo>
-                  <a:close/>
-                </a:path>
-              </a:pathLst>
-            </a:custGeom>
-            <a:solidFill>
-              <a:srgbClr val="4471C4"/>
-            </a:solidFill>
-          </p:spPr>
-          <p:txBody>
-            <a:bodyPr wrap="square" lIns="0" tIns="0" rIns="0" bIns="0" rtlCol="0"/>
-            <a:lstStyle/>
-            <a:p>
-              <a:endParaRPr/>
-            </a:p>
-          </p:txBody>
-        </p:sp>
-        <p:sp>
-          <p:nvSpPr>
-            <p:cNvPr id="8" name="object 8"/>
-            <p:cNvSpPr/>
-            <p:nvPr/>
-          </p:nvSpPr>
-          <p:spPr>
-            <a:xfrm>
-              <a:off x="8179307" y="1627632"/>
-              <a:ext cx="253365" cy="251460"/>
-            </a:xfrm>
-            <a:custGeom>
-              <a:avLst/>
-              <a:gdLst/>
-              <a:ahLst/>
-              <a:cxnLst/>
-              <a:rect l="l" t="t" r="r" b="b"/>
-              <a:pathLst>
-                <a:path w="253365" h="251460">
-                  <a:moveTo>
-                    <a:pt x="252983" y="0"/>
-                  </a:moveTo>
-                  <a:lnTo>
-                    <a:pt x="0" y="0"/>
-                  </a:lnTo>
-                  <a:lnTo>
-                    <a:pt x="0" y="251460"/>
-                  </a:lnTo>
-                  <a:lnTo>
-                    <a:pt x="252983" y="251460"/>
-                  </a:lnTo>
-                  <a:lnTo>
-                    <a:pt x="252983" y="0"/>
-                  </a:lnTo>
-                  <a:close/>
-                </a:path>
-              </a:pathLst>
-            </a:custGeom>
-            <a:solidFill>
-              <a:srgbClr val="2E5496"/>
-            </a:solidFill>
-          </p:spPr>
-          <p:txBody>
-            <a:bodyPr wrap="square" lIns="0" tIns="0" rIns="0" bIns="0" rtlCol="0"/>
-            <a:lstStyle/>
-            <a:p>
-              <a:endParaRPr/>
-            </a:p>
-          </p:txBody>
-        </p:sp>
-      </p:grpSp>
-      <p:sp>
-        <p:nvSpPr>
-          <p:cNvPr id="9" name="object 9"/>
-          <p:cNvSpPr/>
-          <p:nvPr/>
-        </p:nvSpPr>
-        <p:spPr>
-          <a:xfrm>
-            <a:off x="3712464" y="4011167"/>
-            <a:ext cx="5018532" cy="2846830"/>
-          </a:xfrm>
-          <a:prstGeom prst="rect">
-            <a:avLst/>
-          </a:prstGeom>
-          <a:blipFill>
-            <a:blip r:embed="rId3" cstate="print"/>
-            <a:stretch>
-              <a:fillRect/>
-            </a:stretch>
-          </a:blipFill>
-        </p:spPr>
-        <p:txBody>
-          <a:bodyPr wrap="square" lIns="0" tIns="0" rIns="0" bIns="0" rtlCol="0"/>
-          <a:lstStyle/>
-          <a:p>
-            <a:endParaRPr/>
-          </a:p>
-        </p:txBody>
-      </p:sp>
-      <p:sp>
-        <p:nvSpPr>
-          <p:cNvPr id="10" name="object 10"/>
-          <p:cNvSpPr/>
-          <p:nvPr/>
-        </p:nvSpPr>
-        <p:spPr>
-          <a:xfrm>
-            <a:off x="96011" y="91439"/>
-            <a:ext cx="1121664" cy="1237488"/>
-          </a:xfrm>
-          <a:prstGeom prst="rect">
-            <a:avLst/>
-          </a:prstGeom>
-          <a:blipFill>
-            <a:blip r:embed="rId4" cstate="print"/>
-            <a:stretch>
-              <a:fillRect/>
-            </a:stretch>
-          </a:blipFill>
-        </p:spPr>
-        <p:txBody>
-          <a:bodyPr wrap="square" lIns="0" tIns="0" rIns="0" bIns="0" rtlCol="0"/>
-          <a:lstStyle/>
-          <a:p>
-            <a:endParaRPr/>
-          </a:p>
-        </p:txBody>
-      </p:sp>
-    </p:spTree>
-  </p:cSld>
-  <p:clrMapOvr>
-    <a:masterClrMapping/>
-  </p:clrMapOvr>
-</p:sld>
-</file>
-
 <file path=ppt/slides/slide2.xml><?xml version="1.0" encoding="utf-8"?>
 <p:sld xmlns:a="http://schemas.openxmlformats.org/drawingml/2006/main" xmlns:r="http://schemas.openxmlformats.org/officeDocument/2006/relationships" xmlns:p="http://schemas.openxmlformats.org/presentationml/2006/main" showMasterSp="0">
   <p:cSld>
@@ -11366,6 +15094,1183 @@
               <a:ea typeface="+mn-ea"/>
               <a:cs typeface="Times New Roman" panose="02020603050405020304"/>
             </a:endParaRPr>
+          </a:p>
+        </p:txBody>
+      </p:sp>
+    </p:spTree>
+  </p:cSld>
+  <p:clrMapOvr>
+    <a:masterClrMapping/>
+  </p:clrMapOvr>
+</p:sld>
+</file>
+
+<file path=ppt/slides/slide20.xml><?xml version="1.0" encoding="utf-8"?>
+<p:sld xmlns:a="http://schemas.openxmlformats.org/drawingml/2006/main" xmlns:r="http://schemas.openxmlformats.org/officeDocument/2006/relationships" xmlns:p="http://schemas.openxmlformats.org/presentationml/2006/main">
+  <p:cSld>
+    <p:spTree>
+      <p:nvGrpSpPr>
+        <p:cNvPr id="1" name=""/>
+        <p:cNvGrpSpPr/>
+        <p:nvPr/>
+      </p:nvGrpSpPr>
+      <p:grpSpPr>
+        <a:xfrm>
+          <a:off x="0" y="0"/>
+          <a:ext cx="0" cy="0"/>
+          <a:chOff x="0" y="0"/>
+          <a:chExt cx="0" cy="0"/>
+        </a:xfrm>
+      </p:grpSpPr>
+      <p:pic>
+        <p:nvPicPr>
+          <p:cNvPr id="22" name="图片 21" descr="表格&#10;&#10;描述已自动生成">
+            <a:extLst>
+              <a:ext uri="{FF2B5EF4-FFF2-40B4-BE49-F238E27FC236}">
+                <a16:creationId xmlns:a16="http://schemas.microsoft.com/office/drawing/2014/main" id="{8DEC4F7F-C055-40EE-B508-A3AA74CBFB57}"/>
+              </a:ext>
+            </a:extLst>
+          </p:cNvPr>
+          <p:cNvPicPr>
+            <a:picLocks noChangeAspect="1"/>
+          </p:cNvPicPr>
+          <p:nvPr/>
+        </p:nvPicPr>
+        <p:blipFill>
+          <a:blip r:embed="rId2">
+            <a:extLst>
+              <a:ext uri="{28A0092B-C50C-407E-A947-70E740481C1C}">
+                <a14:useLocalDpi xmlns:a14="http://schemas.microsoft.com/office/drawing/2010/main" val="0"/>
+              </a:ext>
+            </a:extLst>
+          </a:blip>
+          <a:stretch>
+            <a:fillRect/>
+          </a:stretch>
+        </p:blipFill>
+        <p:spPr>
+          <a:xfrm>
+            <a:off x="3123767" y="1047559"/>
+            <a:ext cx="6020233" cy="5008499"/>
+          </a:xfrm>
+          <a:prstGeom prst="rect">
+            <a:avLst/>
+          </a:prstGeom>
+        </p:spPr>
+      </p:pic>
+      <p:grpSp>
+        <p:nvGrpSpPr>
+          <p:cNvPr id="2" name="object 2"/>
+          <p:cNvGrpSpPr/>
+          <p:nvPr/>
+        </p:nvGrpSpPr>
+        <p:grpSpPr>
+          <a:xfrm>
+            <a:off x="89915" y="135636"/>
+            <a:ext cx="262255" cy="576580"/>
+            <a:chOff x="89915" y="135636"/>
+            <a:chExt cx="262255" cy="576580"/>
+          </a:xfrm>
+        </p:grpSpPr>
+        <p:sp>
+          <p:nvSpPr>
+            <p:cNvPr id="3" name="object 3"/>
+            <p:cNvSpPr/>
+            <p:nvPr/>
+          </p:nvSpPr>
+          <p:spPr>
+            <a:xfrm>
+              <a:off x="278892" y="387095"/>
+              <a:ext cx="73660" cy="325120"/>
+            </a:xfrm>
+            <a:custGeom>
+              <a:avLst/>
+              <a:gdLst/>
+              <a:ahLst/>
+              <a:cxnLst/>
+              <a:rect l="l" t="t" r="r" b="b"/>
+              <a:pathLst>
+                <a:path w="73660" h="325120">
+                  <a:moveTo>
+                    <a:pt x="0" y="324612"/>
+                  </a:moveTo>
+                  <a:lnTo>
+                    <a:pt x="73151" y="324612"/>
+                  </a:lnTo>
+                  <a:lnTo>
+                    <a:pt x="73151" y="0"/>
+                  </a:lnTo>
+                  <a:lnTo>
+                    <a:pt x="0" y="0"/>
+                  </a:lnTo>
+                  <a:lnTo>
+                    <a:pt x="0" y="324612"/>
+                  </a:lnTo>
+                  <a:close/>
+                </a:path>
+              </a:pathLst>
+            </a:custGeom>
+            <a:solidFill>
+              <a:srgbClr val="4471C4"/>
+            </a:solidFill>
+          </p:spPr>
+          <p:txBody>
+            <a:bodyPr wrap="square" lIns="0" tIns="0" rIns="0" bIns="0" rtlCol="0"/>
+            <a:lstStyle/>
+            <a:p>
+              <a:endParaRPr/>
+            </a:p>
+          </p:txBody>
+        </p:sp>
+        <p:sp>
+          <p:nvSpPr>
+            <p:cNvPr id="4" name="object 4"/>
+            <p:cNvSpPr/>
+            <p:nvPr/>
+          </p:nvSpPr>
+          <p:spPr>
+            <a:xfrm>
+              <a:off x="89915" y="135636"/>
+              <a:ext cx="189230" cy="251460"/>
+            </a:xfrm>
+            <a:custGeom>
+              <a:avLst/>
+              <a:gdLst/>
+              <a:ahLst/>
+              <a:cxnLst/>
+              <a:rect l="l" t="t" r="r" b="b"/>
+              <a:pathLst>
+                <a:path w="189229" h="251460">
+                  <a:moveTo>
+                    <a:pt x="188976" y="0"/>
+                  </a:moveTo>
+                  <a:lnTo>
+                    <a:pt x="0" y="0"/>
+                  </a:lnTo>
+                  <a:lnTo>
+                    <a:pt x="0" y="251459"/>
+                  </a:lnTo>
+                  <a:lnTo>
+                    <a:pt x="188976" y="251459"/>
+                  </a:lnTo>
+                  <a:lnTo>
+                    <a:pt x="188976" y="0"/>
+                  </a:lnTo>
+                  <a:close/>
+                </a:path>
+              </a:pathLst>
+            </a:custGeom>
+            <a:solidFill>
+              <a:srgbClr val="2E5496"/>
+            </a:solidFill>
+          </p:spPr>
+          <p:txBody>
+            <a:bodyPr wrap="square" lIns="0" tIns="0" rIns="0" bIns="0" rtlCol="0"/>
+            <a:lstStyle/>
+            <a:p>
+              <a:endParaRPr/>
+            </a:p>
+          </p:txBody>
+        </p:sp>
+      </p:grpSp>
+      <p:grpSp>
+        <p:nvGrpSpPr>
+          <p:cNvPr id="5" name="object 5"/>
+          <p:cNvGrpSpPr/>
+          <p:nvPr/>
+        </p:nvGrpSpPr>
+        <p:grpSpPr>
+          <a:xfrm>
+            <a:off x="0" y="6304788"/>
+            <a:ext cx="9144000" cy="553720"/>
+            <a:chOff x="0" y="6304788"/>
+            <a:chExt cx="9144000" cy="553720"/>
+          </a:xfrm>
+        </p:grpSpPr>
+        <p:sp>
+          <p:nvSpPr>
+            <p:cNvPr id="6" name="object 6"/>
+            <p:cNvSpPr/>
+            <p:nvPr/>
+          </p:nvSpPr>
+          <p:spPr>
+            <a:xfrm>
+              <a:off x="8420100" y="6318503"/>
+              <a:ext cx="405765" cy="539750"/>
+            </a:xfrm>
+            <a:custGeom>
+              <a:avLst/>
+              <a:gdLst/>
+              <a:ahLst/>
+              <a:cxnLst/>
+              <a:rect l="l" t="t" r="r" b="b"/>
+              <a:pathLst>
+                <a:path w="405765" h="539750">
+                  <a:moveTo>
+                    <a:pt x="405383" y="0"/>
+                  </a:moveTo>
+                  <a:lnTo>
+                    <a:pt x="0" y="0"/>
+                  </a:lnTo>
+                  <a:lnTo>
+                    <a:pt x="0" y="539496"/>
+                  </a:lnTo>
+                  <a:lnTo>
+                    <a:pt x="405383" y="539496"/>
+                  </a:lnTo>
+                  <a:lnTo>
+                    <a:pt x="405383" y="0"/>
+                  </a:lnTo>
+                  <a:close/>
+                </a:path>
+              </a:pathLst>
+            </a:custGeom>
+            <a:solidFill>
+              <a:srgbClr val="4471C4"/>
+            </a:solidFill>
+          </p:spPr>
+          <p:txBody>
+            <a:bodyPr wrap="square" lIns="0" tIns="0" rIns="0" bIns="0" rtlCol="0"/>
+            <a:lstStyle/>
+            <a:p>
+              <a:endParaRPr/>
+            </a:p>
+          </p:txBody>
+        </p:sp>
+        <p:sp>
+          <p:nvSpPr>
+            <p:cNvPr id="7" name="object 7"/>
+            <p:cNvSpPr/>
+            <p:nvPr/>
+          </p:nvSpPr>
+          <p:spPr>
+            <a:xfrm>
+              <a:off x="0" y="6307836"/>
+              <a:ext cx="9144000" cy="0"/>
+            </a:xfrm>
+            <a:custGeom>
+              <a:avLst/>
+              <a:gdLst/>
+              <a:ahLst/>
+              <a:cxnLst/>
+              <a:rect l="l" t="t" r="r" b="b"/>
+              <a:pathLst>
+                <a:path w="9144000">
+                  <a:moveTo>
+                    <a:pt x="0" y="0"/>
+                  </a:moveTo>
+                  <a:lnTo>
+                    <a:pt x="9144000" y="0"/>
+                  </a:lnTo>
+                </a:path>
+              </a:pathLst>
+            </a:custGeom>
+            <a:ln w="6096">
+              <a:solidFill>
+                <a:srgbClr val="4471C4"/>
+              </a:solidFill>
+            </a:ln>
+          </p:spPr>
+          <p:txBody>
+            <a:bodyPr wrap="square" lIns="0" tIns="0" rIns="0" bIns="0" rtlCol="0"/>
+            <a:lstStyle/>
+            <a:p>
+              <a:endParaRPr/>
+            </a:p>
+          </p:txBody>
+        </p:sp>
+      </p:grpSp>
+      <p:grpSp>
+        <p:nvGrpSpPr>
+          <p:cNvPr id="8" name="object 8"/>
+          <p:cNvGrpSpPr/>
+          <p:nvPr/>
+        </p:nvGrpSpPr>
+        <p:grpSpPr>
+          <a:xfrm>
+            <a:off x="348995" y="207263"/>
+            <a:ext cx="7827645" cy="591820"/>
+            <a:chOff x="348995" y="207263"/>
+            <a:chExt cx="7827645" cy="591820"/>
+          </a:xfrm>
+        </p:grpSpPr>
+        <p:sp>
+          <p:nvSpPr>
+            <p:cNvPr id="9" name="object 9"/>
+            <p:cNvSpPr/>
+            <p:nvPr/>
+          </p:nvSpPr>
+          <p:spPr>
+            <a:xfrm>
+              <a:off x="739902" y="483870"/>
+              <a:ext cx="7047230" cy="0"/>
+            </a:xfrm>
+            <a:custGeom>
+              <a:avLst/>
+              <a:gdLst/>
+              <a:ahLst/>
+              <a:cxnLst/>
+              <a:rect l="l" t="t" r="r" b="b"/>
+              <a:pathLst>
+                <a:path w="7047230">
+                  <a:moveTo>
+                    <a:pt x="0" y="0"/>
+                  </a:moveTo>
+                  <a:lnTo>
+                    <a:pt x="7046976" y="0"/>
+                  </a:lnTo>
+                </a:path>
+              </a:pathLst>
+            </a:custGeom>
+            <a:ln w="22860">
+              <a:solidFill>
+                <a:srgbClr val="006FC0"/>
+              </a:solidFill>
+            </a:ln>
+          </p:spPr>
+          <p:txBody>
+            <a:bodyPr wrap="square" lIns="0" tIns="0" rIns="0" bIns="0" rtlCol="0"/>
+            <a:lstStyle/>
+            <a:p>
+              <a:endParaRPr/>
+            </a:p>
+          </p:txBody>
+        </p:sp>
+        <p:sp>
+          <p:nvSpPr>
+            <p:cNvPr id="10" name="object 10"/>
+            <p:cNvSpPr/>
+            <p:nvPr/>
+          </p:nvSpPr>
+          <p:spPr>
+            <a:xfrm>
+              <a:off x="1028700" y="210311"/>
+              <a:ext cx="7145020" cy="585470"/>
+            </a:xfrm>
+            <a:custGeom>
+              <a:avLst/>
+              <a:gdLst/>
+              <a:ahLst/>
+              <a:cxnLst/>
+              <a:rect l="l" t="t" r="r" b="b"/>
+              <a:pathLst>
+                <a:path w="7145020" h="585470">
+                  <a:moveTo>
+                    <a:pt x="7144511" y="0"/>
+                  </a:moveTo>
+                  <a:lnTo>
+                    <a:pt x="0" y="0"/>
+                  </a:lnTo>
+                  <a:lnTo>
+                    <a:pt x="0" y="585216"/>
+                  </a:lnTo>
+                  <a:lnTo>
+                    <a:pt x="7144511" y="585216"/>
+                  </a:lnTo>
+                  <a:lnTo>
+                    <a:pt x="7144511" y="0"/>
+                  </a:lnTo>
+                  <a:close/>
+                </a:path>
+              </a:pathLst>
+            </a:custGeom>
+            <a:solidFill>
+              <a:srgbClr val="006FC0"/>
+            </a:solidFill>
+          </p:spPr>
+          <p:txBody>
+            <a:bodyPr wrap="square" lIns="0" tIns="0" rIns="0" bIns="0" rtlCol="0"/>
+            <a:lstStyle/>
+            <a:p>
+              <a:endParaRPr/>
+            </a:p>
+          </p:txBody>
+        </p:sp>
+        <p:sp>
+          <p:nvSpPr>
+            <p:cNvPr id="11" name="object 11"/>
+            <p:cNvSpPr/>
+            <p:nvPr/>
+          </p:nvSpPr>
+          <p:spPr>
+            <a:xfrm>
+              <a:off x="1028700" y="210311"/>
+              <a:ext cx="7145020" cy="585470"/>
+            </a:xfrm>
+            <a:custGeom>
+              <a:avLst/>
+              <a:gdLst/>
+              <a:ahLst/>
+              <a:cxnLst/>
+              <a:rect l="l" t="t" r="r" b="b"/>
+              <a:pathLst>
+                <a:path w="7145020" h="585470">
+                  <a:moveTo>
+                    <a:pt x="0" y="585216"/>
+                  </a:moveTo>
+                  <a:lnTo>
+                    <a:pt x="7144511" y="585216"/>
+                  </a:lnTo>
+                  <a:lnTo>
+                    <a:pt x="7144511" y="0"/>
+                  </a:lnTo>
+                  <a:lnTo>
+                    <a:pt x="0" y="0"/>
+                  </a:lnTo>
+                  <a:lnTo>
+                    <a:pt x="0" y="585216"/>
+                  </a:lnTo>
+                  <a:close/>
+                </a:path>
+              </a:pathLst>
+            </a:custGeom>
+            <a:ln w="6096">
+              <a:solidFill>
+                <a:srgbClr val="006FC0"/>
+              </a:solidFill>
+            </a:ln>
+          </p:spPr>
+          <p:txBody>
+            <a:bodyPr wrap="square" lIns="0" tIns="0" rIns="0" bIns="0" rtlCol="0"/>
+            <a:lstStyle/>
+            <a:p>
+              <a:endParaRPr/>
+            </a:p>
+          </p:txBody>
+        </p:sp>
+        <p:sp>
+          <p:nvSpPr>
+            <p:cNvPr id="12" name="object 12"/>
+            <p:cNvSpPr/>
+            <p:nvPr/>
+          </p:nvSpPr>
+          <p:spPr>
+            <a:xfrm>
+              <a:off x="352043" y="210311"/>
+              <a:ext cx="516890" cy="585470"/>
+            </a:xfrm>
+            <a:custGeom>
+              <a:avLst/>
+              <a:gdLst/>
+              <a:ahLst/>
+              <a:cxnLst/>
+              <a:rect l="l" t="t" r="r" b="b"/>
+              <a:pathLst>
+                <a:path w="516890" h="585470">
+                  <a:moveTo>
+                    <a:pt x="516636" y="0"/>
+                  </a:moveTo>
+                  <a:lnTo>
+                    <a:pt x="0" y="0"/>
+                  </a:lnTo>
+                  <a:lnTo>
+                    <a:pt x="0" y="585216"/>
+                  </a:lnTo>
+                  <a:lnTo>
+                    <a:pt x="516636" y="585216"/>
+                  </a:lnTo>
+                  <a:lnTo>
+                    <a:pt x="516636" y="0"/>
+                  </a:lnTo>
+                  <a:close/>
+                </a:path>
+              </a:pathLst>
+            </a:custGeom>
+            <a:solidFill>
+              <a:srgbClr val="006FC0"/>
+            </a:solidFill>
+          </p:spPr>
+          <p:txBody>
+            <a:bodyPr wrap="square" lIns="0" tIns="0" rIns="0" bIns="0" rtlCol="0"/>
+            <a:lstStyle/>
+            <a:p>
+              <a:endParaRPr/>
+            </a:p>
+          </p:txBody>
+        </p:sp>
+        <p:sp>
+          <p:nvSpPr>
+            <p:cNvPr id="13" name="object 13"/>
+            <p:cNvSpPr/>
+            <p:nvPr/>
+          </p:nvSpPr>
+          <p:spPr>
+            <a:xfrm>
+              <a:off x="352043" y="210311"/>
+              <a:ext cx="516890" cy="585470"/>
+            </a:xfrm>
+            <a:custGeom>
+              <a:avLst/>
+              <a:gdLst/>
+              <a:ahLst/>
+              <a:cxnLst/>
+              <a:rect l="l" t="t" r="r" b="b"/>
+              <a:pathLst>
+                <a:path w="516890" h="585470">
+                  <a:moveTo>
+                    <a:pt x="0" y="585216"/>
+                  </a:moveTo>
+                  <a:lnTo>
+                    <a:pt x="516636" y="585216"/>
+                  </a:lnTo>
+                  <a:lnTo>
+                    <a:pt x="516636" y="0"/>
+                  </a:lnTo>
+                  <a:lnTo>
+                    <a:pt x="0" y="0"/>
+                  </a:lnTo>
+                  <a:lnTo>
+                    <a:pt x="0" y="585216"/>
+                  </a:lnTo>
+                  <a:close/>
+                </a:path>
+              </a:pathLst>
+            </a:custGeom>
+            <a:ln w="6096">
+              <a:solidFill>
+                <a:srgbClr val="006FC0"/>
+              </a:solidFill>
+            </a:ln>
+          </p:spPr>
+          <p:txBody>
+            <a:bodyPr wrap="square" lIns="0" tIns="0" rIns="0" bIns="0" rtlCol="0"/>
+            <a:lstStyle/>
+            <a:p>
+              <a:endParaRPr/>
+            </a:p>
+          </p:txBody>
+        </p:sp>
+      </p:grpSp>
+      <p:sp>
+        <p:nvSpPr>
+          <p:cNvPr id="14" name="object 14"/>
+          <p:cNvSpPr txBox="1">
+            <a:spLocks noGrp="1"/>
+          </p:cNvSpPr>
+          <p:nvPr>
+            <p:ph type="title"/>
+          </p:nvPr>
+        </p:nvSpPr>
+        <p:spPr>
+          <a:xfrm>
+            <a:off x="438912" y="214481"/>
+            <a:ext cx="7716419" cy="874598"/>
+          </a:xfrm>
+          <a:prstGeom prst="rect">
+            <a:avLst/>
+          </a:prstGeom>
+        </p:spPr>
+        <p:txBody>
+          <a:bodyPr vert="horz" wrap="square" lIns="0" tIns="12700" rIns="0" bIns="0" rtlCol="0">
+            <a:spAutoFit/>
+          </a:bodyPr>
+          <a:lstStyle/>
+          <a:p>
+            <a:pPr marL="12700" algn="l">
+              <a:lnSpc>
+                <a:spcPct val="100000"/>
+              </a:lnSpc>
+              <a:spcBef>
+                <a:spcPts val="100"/>
+              </a:spcBef>
+              <a:tabLst>
+                <a:tab pos="2315845" algn="l"/>
+              </a:tabLst>
+            </a:pPr>
+            <a:r>
+              <a:rPr lang="en-US" altLang="zh-CN" spc="75" dirty="0"/>
+              <a:t>6   </a:t>
+            </a:r>
+            <a:r>
+              <a:rPr lang="zh-CN" altLang="en-US" spc="75" dirty="0"/>
+              <a:t>常见网络模型</a:t>
+            </a:r>
+            <a:br>
+              <a:rPr lang="zh-CN" altLang="en-US" spc="75" dirty="0"/>
+            </a:br>
+            <a:endParaRPr lang="zh-CN" altLang="en-US" sz="2000" spc="75" dirty="0"/>
+          </a:p>
+        </p:txBody>
+      </p:sp>
+      <p:sp>
+        <p:nvSpPr>
+          <p:cNvPr id="17" name="object 17"/>
+          <p:cNvSpPr txBox="1">
+            <a:spLocks noGrp="1"/>
+          </p:cNvSpPr>
+          <p:nvPr>
+            <p:ph type="sldNum" sz="quarter" idx="7"/>
+          </p:nvPr>
+        </p:nvSpPr>
+        <p:spPr>
+          <a:prstGeom prst="rect">
+            <a:avLst/>
+          </a:prstGeom>
+        </p:spPr>
+        <p:txBody>
+          <a:bodyPr vert="horz" wrap="square" lIns="0" tIns="0" rIns="0" bIns="0" rtlCol="0">
+            <a:spAutoFit/>
+          </a:bodyPr>
+          <a:lstStyle/>
+          <a:p>
+            <a:pPr marL="38100">
+              <a:lnSpc>
+                <a:spcPts val="2005"/>
+              </a:lnSpc>
+            </a:pPr>
+            <a:fld id="{81D60167-4931-47E6-BA6A-407CBD079E47}" type="slidenum">
+              <a:rPr dirty="0"/>
+              <a:t>20</a:t>
+            </a:fld>
+            <a:endParaRPr dirty="0"/>
+          </a:p>
+        </p:txBody>
+      </p:sp>
+      <p:sp>
+        <p:nvSpPr>
+          <p:cNvPr id="18" name="文本框 17">
+            <a:extLst>
+              <a:ext uri="{FF2B5EF4-FFF2-40B4-BE49-F238E27FC236}">
+                <a16:creationId xmlns:a16="http://schemas.microsoft.com/office/drawing/2014/main" id="{728D6A0B-E147-47A6-9F0C-8FA82A23F0F6}"/>
+              </a:ext>
+            </a:extLst>
+          </p:cNvPr>
+          <p:cNvSpPr txBox="1"/>
+          <p:nvPr/>
+        </p:nvSpPr>
+        <p:spPr>
+          <a:xfrm>
+            <a:off x="293826" y="857623"/>
+            <a:ext cx="4576762" cy="523220"/>
+          </a:xfrm>
+          <a:prstGeom prst="rect">
+            <a:avLst/>
+          </a:prstGeom>
+          <a:noFill/>
+        </p:spPr>
+        <p:txBody>
+          <a:bodyPr wrap="square">
+            <a:spAutoFit/>
+          </a:bodyPr>
+          <a:lstStyle/>
+          <a:p>
+            <a:pPr marL="12700">
+              <a:lnSpc>
+                <a:spcPct val="100000"/>
+              </a:lnSpc>
+              <a:spcBef>
+                <a:spcPts val="95"/>
+              </a:spcBef>
+            </a:pPr>
+            <a:r>
+              <a:rPr lang="en-US" altLang="zh-CN" sz="2800" spc="-5" dirty="0">
+                <a:latin typeface="微软雅黑" panose="020B0503020204020204" pitchFamily="34" charset="-122"/>
+                <a:ea typeface="微软雅黑" panose="020B0503020204020204" pitchFamily="34" charset="-122"/>
+                <a:cs typeface="微软雅黑"/>
+              </a:rPr>
+              <a:t>6.1 VGG 16</a:t>
+            </a:r>
+            <a:endParaRPr lang="zh-CN" altLang="en-US" sz="2800" dirty="0">
+              <a:latin typeface="微软雅黑" panose="020B0503020204020204" pitchFamily="34" charset="-122"/>
+              <a:ea typeface="微软雅黑" panose="020B0503020204020204" pitchFamily="34" charset="-122"/>
+              <a:cs typeface="微软雅黑"/>
+            </a:endParaRPr>
+          </a:p>
+        </p:txBody>
+      </p:sp>
+      <p:sp>
+        <p:nvSpPr>
+          <p:cNvPr id="26" name="文本框 25">
+            <a:extLst>
+              <a:ext uri="{FF2B5EF4-FFF2-40B4-BE49-F238E27FC236}">
+                <a16:creationId xmlns:a16="http://schemas.microsoft.com/office/drawing/2014/main" id="{4A61640A-F9D6-4E72-A602-F53578800041}"/>
+              </a:ext>
+            </a:extLst>
+          </p:cNvPr>
+          <p:cNvSpPr txBox="1"/>
+          <p:nvPr/>
+        </p:nvSpPr>
+        <p:spPr>
+          <a:xfrm>
+            <a:off x="0" y="1580559"/>
+            <a:ext cx="7380300" cy="2246769"/>
+          </a:xfrm>
+          <a:prstGeom prst="rect">
+            <a:avLst/>
+          </a:prstGeom>
+          <a:noFill/>
+        </p:spPr>
+        <p:txBody>
+          <a:bodyPr wrap="square">
+            <a:spAutoFit/>
+          </a:bodyPr>
+          <a:lstStyle/>
+          <a:p>
+            <a:pPr marL="342900" indent="-342900">
+              <a:buFont typeface="Arial" panose="020B0604020202020204" pitchFamily="34" charset="0"/>
+              <a:buChar char="•"/>
+            </a:pPr>
+            <a:r>
+              <a:rPr lang="zh-CN" altLang="en-US" sz="2000" dirty="0"/>
+              <a:t>5个模块的特征提取层</a:t>
+            </a:r>
+            <a:endParaRPr lang="en-US" altLang="zh-CN" sz="2000" dirty="0"/>
+          </a:p>
+          <a:p>
+            <a:pPr marL="342900" indent="-342900">
+              <a:buFont typeface="Arial" panose="020B0604020202020204" pitchFamily="34" charset="0"/>
+              <a:buChar char="•"/>
+            </a:pPr>
+            <a:r>
+              <a:rPr lang="zh-CN" altLang="en-US" sz="2000" dirty="0"/>
+              <a:t>3×3尺寸的过滤器</a:t>
+            </a:r>
+            <a:endParaRPr lang="en-US" altLang="zh-CN" sz="2000" dirty="0"/>
+          </a:p>
+          <a:p>
+            <a:pPr marL="342900" indent="-342900">
+              <a:buFont typeface="Arial" panose="020B0604020202020204" pitchFamily="34" charset="0"/>
+              <a:buChar char="•"/>
+            </a:pPr>
+            <a:r>
+              <a:rPr lang="zh-CN" altLang="en-US" sz="2000" dirty="0"/>
+              <a:t>224×224×3作为输入</a:t>
+            </a:r>
+            <a:endParaRPr lang="en-US" altLang="zh-CN" sz="2000" dirty="0"/>
+          </a:p>
+          <a:p>
+            <a:pPr marL="342900" indent="-342900">
+              <a:buFont typeface="Arial" panose="020B0604020202020204" pitchFamily="34" charset="0"/>
+              <a:buChar char="•"/>
+            </a:pPr>
+            <a:r>
+              <a:rPr lang="zh-CN" altLang="en-US" sz="2000" dirty="0"/>
+              <a:t>13个卷积层提取特征</a:t>
+            </a:r>
+            <a:endParaRPr lang="en-US" altLang="zh-CN" sz="2000" dirty="0"/>
+          </a:p>
+          <a:p>
+            <a:pPr marL="342900" indent="-342900">
+              <a:buFont typeface="Arial" panose="020B0604020202020204" pitchFamily="34" charset="0"/>
+              <a:buChar char="•"/>
+            </a:pPr>
+            <a:r>
+              <a:rPr lang="zh-CN" altLang="en-US" sz="2000" dirty="0"/>
+              <a:t>采用最大池化方式</a:t>
+            </a:r>
+            <a:endParaRPr lang="en-US" altLang="zh-CN" sz="2000" dirty="0"/>
+          </a:p>
+          <a:p>
+            <a:pPr marL="342900" indent="-342900">
+              <a:buFont typeface="Arial" panose="020B0604020202020204" pitchFamily="34" charset="0"/>
+              <a:buChar char="•"/>
+            </a:pPr>
+            <a:r>
+              <a:rPr lang="en-US" altLang="zh-CN" sz="2000" dirty="0"/>
+              <a:t>2</a:t>
+            </a:r>
+            <a:r>
+              <a:rPr lang="zh-CN" altLang="en-US" sz="2000" dirty="0"/>
+              <a:t>个</a:t>
+            </a:r>
+            <a:r>
+              <a:rPr lang="en-US" altLang="zh-CN" sz="2000" dirty="0"/>
+              <a:t>4096</a:t>
+            </a:r>
+            <a:r>
+              <a:rPr lang="zh-CN" altLang="en-US" sz="2000" dirty="0"/>
+              <a:t>神经元全连接层</a:t>
+            </a:r>
+            <a:endParaRPr lang="en-US" altLang="zh-CN" sz="2000" dirty="0"/>
+          </a:p>
+          <a:p>
+            <a:pPr marL="342900" indent="-342900">
+              <a:buFont typeface="Arial" panose="020B0604020202020204" pitchFamily="34" charset="0"/>
+              <a:buChar char="•"/>
+            </a:pPr>
+            <a:r>
+              <a:rPr lang="en-US" altLang="zh-CN" sz="2000" dirty="0"/>
+              <a:t>1000</a:t>
+            </a:r>
+            <a:r>
+              <a:rPr lang="zh-CN" altLang="en-US" sz="2000" dirty="0"/>
+              <a:t>神经元的</a:t>
+            </a:r>
+            <a:r>
+              <a:rPr lang="en-US" altLang="zh-CN" sz="2000" dirty="0" err="1"/>
+              <a:t>Softmax</a:t>
+            </a:r>
+            <a:endParaRPr lang="zh-CN" altLang="en-US" sz="2000" dirty="0"/>
+          </a:p>
+        </p:txBody>
+      </p:sp>
+    </p:spTree>
+    <p:extLst>
+      <p:ext uri="{BB962C8B-B14F-4D97-AF65-F5344CB8AC3E}">
+        <p14:creationId xmlns:p14="http://schemas.microsoft.com/office/powerpoint/2010/main" val="3200534087"/>
+      </p:ext>
+    </p:extLst>
+  </p:cSld>
+  <p:clrMapOvr>
+    <a:masterClrMapping/>
+  </p:clrMapOvr>
+</p:sld>
+</file>
+
+<file path=ppt/slides/slide21.xml><?xml version="1.0" encoding="utf-8"?>
+<p:sld xmlns:a="http://schemas.openxmlformats.org/drawingml/2006/main" xmlns:r="http://schemas.openxmlformats.org/officeDocument/2006/relationships" xmlns:p="http://schemas.openxmlformats.org/presentationml/2006/main" showMasterSp="0">
+  <p:cSld>
+    <p:spTree>
+      <p:nvGrpSpPr>
+        <p:cNvPr id="1" name=""/>
+        <p:cNvGrpSpPr/>
+        <p:nvPr/>
+      </p:nvGrpSpPr>
+      <p:grpSpPr>
+        <a:xfrm>
+          <a:off x="0" y="0"/>
+          <a:ext cx="0" cy="0"/>
+          <a:chOff x="0" y="0"/>
+          <a:chExt cx="0" cy="0"/>
+        </a:xfrm>
+      </p:grpSpPr>
+      <p:grpSp>
+        <p:nvGrpSpPr>
+          <p:cNvPr id="2" name="object 2"/>
+          <p:cNvGrpSpPr/>
+          <p:nvPr/>
+        </p:nvGrpSpPr>
+        <p:grpSpPr>
+          <a:xfrm>
+            <a:off x="0" y="2549651"/>
+            <a:ext cx="9144000" cy="1687195"/>
+            <a:chOff x="0" y="2549651"/>
+            <a:chExt cx="9144000" cy="1687195"/>
+          </a:xfrm>
+        </p:grpSpPr>
+        <p:sp>
+          <p:nvSpPr>
+            <p:cNvPr id="3" name="object 3"/>
+            <p:cNvSpPr/>
+            <p:nvPr/>
+          </p:nvSpPr>
+          <p:spPr>
+            <a:xfrm>
+              <a:off x="0" y="3889247"/>
+              <a:ext cx="9144000" cy="347980"/>
+            </a:xfrm>
+            <a:custGeom>
+              <a:avLst/>
+              <a:gdLst/>
+              <a:ahLst/>
+              <a:cxnLst/>
+              <a:rect l="l" t="t" r="r" b="b"/>
+              <a:pathLst>
+                <a:path w="9144000" h="347979">
+                  <a:moveTo>
+                    <a:pt x="0" y="347471"/>
+                  </a:moveTo>
+                  <a:lnTo>
+                    <a:pt x="9144000" y="347471"/>
+                  </a:lnTo>
+                  <a:lnTo>
+                    <a:pt x="9144000" y="0"/>
+                  </a:lnTo>
+                  <a:lnTo>
+                    <a:pt x="0" y="0"/>
+                  </a:lnTo>
+                  <a:lnTo>
+                    <a:pt x="0" y="347471"/>
+                  </a:lnTo>
+                  <a:close/>
+                </a:path>
+              </a:pathLst>
+            </a:custGeom>
+            <a:solidFill>
+              <a:srgbClr val="453C39"/>
+            </a:solidFill>
+          </p:spPr>
+          <p:txBody>
+            <a:bodyPr wrap="square" lIns="0" tIns="0" rIns="0" bIns="0" rtlCol="0"/>
+            <a:lstStyle/>
+            <a:p>
+              <a:endParaRPr/>
+            </a:p>
+          </p:txBody>
+        </p:sp>
+        <p:sp>
+          <p:nvSpPr>
+            <p:cNvPr id="4" name="object 4"/>
+            <p:cNvSpPr/>
+            <p:nvPr/>
+          </p:nvSpPr>
+          <p:spPr>
+            <a:xfrm>
+              <a:off x="0" y="2549651"/>
+              <a:ext cx="9144000" cy="1339850"/>
+            </a:xfrm>
+            <a:custGeom>
+              <a:avLst/>
+              <a:gdLst/>
+              <a:ahLst/>
+              <a:cxnLst/>
+              <a:rect l="l" t="t" r="r" b="b"/>
+              <a:pathLst>
+                <a:path w="9144000" h="1339850">
+                  <a:moveTo>
+                    <a:pt x="9144000" y="0"/>
+                  </a:moveTo>
+                  <a:lnTo>
+                    <a:pt x="0" y="0"/>
+                  </a:lnTo>
+                  <a:lnTo>
+                    <a:pt x="0" y="1339596"/>
+                  </a:lnTo>
+                  <a:lnTo>
+                    <a:pt x="9144000" y="1339596"/>
+                  </a:lnTo>
+                  <a:lnTo>
+                    <a:pt x="9144000" y="0"/>
+                  </a:lnTo>
+                  <a:close/>
+                </a:path>
+              </a:pathLst>
+            </a:custGeom>
+            <a:solidFill>
+              <a:srgbClr val="4471C4"/>
+            </a:solidFill>
+          </p:spPr>
+          <p:txBody>
+            <a:bodyPr wrap="square" lIns="0" tIns="0" rIns="0" bIns="0" rtlCol="0"/>
+            <a:lstStyle/>
+            <a:p>
+              <a:endParaRPr/>
+            </a:p>
+          </p:txBody>
+        </p:sp>
+      </p:grpSp>
+      <p:sp>
+        <p:nvSpPr>
+          <p:cNvPr id="5" name="object 5"/>
+          <p:cNvSpPr txBox="1"/>
+          <p:nvPr/>
+        </p:nvSpPr>
+        <p:spPr>
+          <a:xfrm>
+            <a:off x="381000" y="2873401"/>
+            <a:ext cx="9105900" cy="690574"/>
+          </a:xfrm>
+          <a:prstGeom prst="rect">
+            <a:avLst/>
+          </a:prstGeom>
+        </p:spPr>
+        <p:txBody>
+          <a:bodyPr vert="horz" wrap="square" lIns="0" tIns="13335" rIns="0" bIns="0" rtlCol="0">
+            <a:spAutoFit/>
+          </a:bodyPr>
+          <a:lstStyle/>
+          <a:p>
+            <a:pPr>
+              <a:lnSpc>
+                <a:spcPct val="100000"/>
+              </a:lnSpc>
+              <a:spcBef>
+                <a:spcPts val="105"/>
+              </a:spcBef>
+              <a:tabLst>
+                <a:tab pos="940435" algn="l"/>
+              </a:tabLst>
+            </a:pPr>
+            <a:r>
+              <a:rPr sz="4400" dirty="0">
+                <a:solidFill>
+                  <a:srgbClr val="FFFFFF"/>
+                </a:solidFill>
+                <a:latin typeface="等线" panose="02010600030101010101" charset="-122"/>
+                <a:cs typeface="等线" panose="02010600030101010101" charset="-122"/>
+              </a:rPr>
+              <a:t>谢	谢！</a:t>
+            </a:r>
+            <a:endParaRPr lang="en-US" sz="4400" dirty="0">
+              <a:solidFill>
+                <a:srgbClr val="FFFFFF"/>
+              </a:solidFill>
+              <a:latin typeface="等线" panose="02010600030101010101" charset="-122"/>
+              <a:cs typeface="等线" panose="02010600030101010101" charset="-122"/>
+            </a:endParaRPr>
+          </a:p>
+        </p:txBody>
+      </p:sp>
+      <p:grpSp>
+        <p:nvGrpSpPr>
+          <p:cNvPr id="6" name="object 6"/>
+          <p:cNvGrpSpPr/>
+          <p:nvPr/>
+        </p:nvGrpSpPr>
+        <p:grpSpPr>
+          <a:xfrm>
+            <a:off x="8179307" y="1627632"/>
+            <a:ext cx="576580" cy="576580"/>
+            <a:chOff x="8179307" y="1627632"/>
+            <a:chExt cx="576580" cy="576580"/>
+          </a:xfrm>
+        </p:grpSpPr>
+        <p:sp>
+          <p:nvSpPr>
+            <p:cNvPr id="7" name="object 7"/>
+            <p:cNvSpPr/>
+            <p:nvPr/>
+          </p:nvSpPr>
+          <p:spPr>
+            <a:xfrm>
+              <a:off x="8432291" y="1879092"/>
+              <a:ext cx="323215" cy="325120"/>
+            </a:xfrm>
+            <a:custGeom>
+              <a:avLst/>
+              <a:gdLst/>
+              <a:ahLst/>
+              <a:cxnLst/>
+              <a:rect l="l" t="t" r="r" b="b"/>
+              <a:pathLst>
+                <a:path w="323215" h="325119">
+                  <a:moveTo>
+                    <a:pt x="323088" y="0"/>
+                  </a:moveTo>
+                  <a:lnTo>
+                    <a:pt x="0" y="0"/>
+                  </a:lnTo>
+                  <a:lnTo>
+                    <a:pt x="0" y="324612"/>
+                  </a:lnTo>
+                  <a:lnTo>
+                    <a:pt x="323088" y="324612"/>
+                  </a:lnTo>
+                  <a:lnTo>
+                    <a:pt x="323088" y="0"/>
+                  </a:lnTo>
+                  <a:close/>
+                </a:path>
+              </a:pathLst>
+            </a:custGeom>
+            <a:solidFill>
+              <a:srgbClr val="4471C4"/>
+            </a:solidFill>
+          </p:spPr>
+          <p:txBody>
+            <a:bodyPr wrap="square" lIns="0" tIns="0" rIns="0" bIns="0" rtlCol="0"/>
+            <a:lstStyle/>
+            <a:p>
+              <a:endParaRPr/>
+            </a:p>
+          </p:txBody>
+        </p:sp>
+        <p:sp>
+          <p:nvSpPr>
+            <p:cNvPr id="8" name="object 8"/>
+            <p:cNvSpPr/>
+            <p:nvPr/>
+          </p:nvSpPr>
+          <p:spPr>
+            <a:xfrm>
+              <a:off x="8179307" y="1627632"/>
+              <a:ext cx="253365" cy="251460"/>
+            </a:xfrm>
+            <a:custGeom>
+              <a:avLst/>
+              <a:gdLst/>
+              <a:ahLst/>
+              <a:cxnLst/>
+              <a:rect l="l" t="t" r="r" b="b"/>
+              <a:pathLst>
+                <a:path w="253365" h="251460">
+                  <a:moveTo>
+                    <a:pt x="252983" y="0"/>
+                  </a:moveTo>
+                  <a:lnTo>
+                    <a:pt x="0" y="0"/>
+                  </a:lnTo>
+                  <a:lnTo>
+                    <a:pt x="0" y="251460"/>
+                  </a:lnTo>
+                  <a:lnTo>
+                    <a:pt x="252983" y="251460"/>
+                  </a:lnTo>
+                  <a:lnTo>
+                    <a:pt x="252983" y="0"/>
+                  </a:lnTo>
+                  <a:close/>
+                </a:path>
+              </a:pathLst>
+            </a:custGeom>
+            <a:solidFill>
+              <a:srgbClr val="2E5496"/>
+            </a:solidFill>
+          </p:spPr>
+          <p:txBody>
+            <a:bodyPr wrap="square" lIns="0" tIns="0" rIns="0" bIns="0" rtlCol="0"/>
+            <a:lstStyle/>
+            <a:p>
+              <a:endParaRPr/>
+            </a:p>
+          </p:txBody>
+        </p:sp>
+      </p:grpSp>
+      <p:sp>
+        <p:nvSpPr>
+          <p:cNvPr id="9" name="object 9"/>
+          <p:cNvSpPr/>
+          <p:nvPr/>
+        </p:nvSpPr>
+        <p:spPr>
+          <a:xfrm>
+            <a:off x="3712464" y="4011167"/>
+            <a:ext cx="5018532" cy="2846830"/>
+          </a:xfrm>
+          <a:prstGeom prst="rect">
+            <a:avLst/>
+          </a:prstGeom>
+          <a:blipFill>
+            <a:blip r:embed="rId3" cstate="print"/>
+            <a:stretch>
+              <a:fillRect/>
+            </a:stretch>
+          </a:blipFill>
+        </p:spPr>
+        <p:txBody>
+          <a:bodyPr wrap="square" lIns="0" tIns="0" rIns="0" bIns="0" rtlCol="0"/>
+          <a:lstStyle/>
+          <a:p>
+            <a:endParaRPr/>
+          </a:p>
+        </p:txBody>
+      </p:sp>
+      <p:sp>
+        <p:nvSpPr>
+          <p:cNvPr id="10" name="object 10"/>
+          <p:cNvSpPr/>
+          <p:nvPr/>
+        </p:nvSpPr>
+        <p:spPr>
+          <a:xfrm>
+            <a:off x="96011" y="91439"/>
+            <a:ext cx="1121664" cy="1237488"/>
+          </a:xfrm>
+          <a:prstGeom prst="rect">
+            <a:avLst/>
+          </a:prstGeom>
+          <a:blipFill>
+            <a:blip r:embed="rId4" cstate="print"/>
+            <a:stretch>
+              <a:fillRect/>
+            </a:stretch>
+          </a:blipFill>
+        </p:spPr>
+        <p:txBody>
+          <a:bodyPr wrap="square" lIns="0" tIns="0" rIns="0" bIns="0" rtlCol="0"/>
+          <a:lstStyle/>
+          <a:p>
+            <a:endParaRPr/>
           </a:p>
         </p:txBody>
       </p:sp>
@@ -18061,7 +22966,7 @@
         <p:spPr>
           <a:xfrm>
             <a:off x="293826" y="857623"/>
-            <a:ext cx="4576762" cy="523220"/>
+            <a:ext cx="6640374" cy="523220"/>
           </a:xfrm>
           <a:prstGeom prst="rect">
             <a:avLst/>
@@ -18098,7 +23003,25 @@
               </a:rPr>
               <a:t>三角定位方法</a:t>
             </a:r>
-            <a:endParaRPr lang="zh-CN" altLang="en-US" sz="2800" dirty="0">
+            <a:r>
+              <a:rPr lang="en-US" altLang="zh-CN" sz="2800" spc="-10" dirty="0">
+                <a:latin typeface="微软雅黑" panose="020B0503020204020204" pitchFamily="34" charset="-122"/>
+                <a:ea typeface="微软雅黑" panose="020B0503020204020204" pitchFamily="34" charset="-122"/>
+                <a:cs typeface="微软雅黑"/>
+              </a:rPr>
+              <a:t>——</a:t>
+            </a:r>
+            <a:r>
+              <a:rPr lang="zh-CN" altLang="en-US" sz="2800" b="1" i="0" dirty="0">
+                <a:solidFill>
+                  <a:srgbClr val="333333"/>
+                </a:solidFill>
+                <a:effectLst/>
+                <a:latin typeface="PingFang SC"/>
+              </a:rPr>
+              <a:t>基于测距技术</a:t>
+            </a:r>
+            <a:endParaRPr lang="zh-CN" altLang="en-US" sz="2800" b="1" dirty="0">
               <a:latin typeface="微软雅黑" panose="020B0503020204020204" pitchFamily="34" charset="-122"/>
               <a:ea typeface="微软雅黑" panose="020B0503020204020204" pitchFamily="34" charset="-122"/>
               <a:cs typeface="微软雅黑"/>
@@ -18256,7 +23179,7 @@
           <a:p>
             <a:r>
               <a:rPr lang="zh-CN" altLang="en-US" dirty="0"/>
-              <a:t>TOA定位技术基本思想是通过信号传播速度与传播时间计算出待测位置与AP之间的距离</a:t>
+              <a:t>TOA定位技术基本思想是通过信号传播速度与时间计算出待测位置与AP之间的距离</a:t>
             </a:r>
             <a:r>
               <a:rPr lang="en-US" altLang="zh-CN" baseline="30000" dirty="0"/>
@@ -18735,7 +23658,7 @@
         </p:nvSpPr>
         <p:spPr>
           <a:xfrm>
-            <a:off x="5181600" y="857623"/>
+            <a:off x="6685926" y="1066486"/>
             <a:ext cx="3124200" cy="954107"/>
           </a:xfrm>
           <a:prstGeom prst="rect">

--- a/卫星定位/WIFI室内定位方法综述.pptx
+++ b/卫星定位/WIFI室内定位方法综述.pptx
@@ -5,7 +5,7 @@
     <p:sldMasterId id="2147483648" r:id="rId1"/>
   </p:sldMasterIdLst>
   <p:notesMasterIdLst>
-    <p:notesMasterId r:id="rId23"/>
+    <p:notesMasterId r:id="rId26"/>
   </p:notesMasterIdLst>
   <p:sldIdLst>
     <p:sldId id="256" r:id="rId2"/>
@@ -22,13 +22,16 @@
     <p:sldId id="406" r:id="rId13"/>
     <p:sldId id="407" r:id="rId14"/>
     <p:sldId id="408" r:id="rId15"/>
-    <p:sldId id="353" r:id="rId16"/>
-    <p:sldId id="389" r:id="rId17"/>
-    <p:sldId id="392" r:id="rId18"/>
-    <p:sldId id="393" r:id="rId19"/>
-    <p:sldId id="400" r:id="rId20"/>
-    <p:sldId id="401" r:id="rId21"/>
-    <p:sldId id="278" r:id="rId22"/>
+    <p:sldId id="409" r:id="rId16"/>
+    <p:sldId id="410" r:id="rId17"/>
+    <p:sldId id="411" r:id="rId18"/>
+    <p:sldId id="353" r:id="rId19"/>
+    <p:sldId id="389" r:id="rId20"/>
+    <p:sldId id="392" r:id="rId21"/>
+    <p:sldId id="393" r:id="rId22"/>
+    <p:sldId id="400" r:id="rId23"/>
+    <p:sldId id="401" r:id="rId24"/>
+    <p:sldId id="278" r:id="rId25"/>
   </p:sldIdLst>
   <p:sldSz cx="9144000" cy="6858000" type="screen4x3"/>
   <p:notesSz cx="9144000" cy="6858000"/>
@@ -417,7 +420,7 @@
           <a:p>
             <a:fld id="{279BF708-BEE3-4FD4-BD16-E48FBAA1E2EC}" type="datetimeFigureOut">
               <a:rPr lang="zh-CN" altLang="en-US" smtClean="0"/>
-              <a:t>2021/12/16</a:t>
+              <a:t>2021/12/21</a:t>
             </a:fld>
             <a:endParaRPr lang="zh-CN" altLang="en-US"/>
           </a:p>
@@ -744,7 +747,7 @@
           <a:p>
             <a:fld id="{17A18CE6-1491-459C-B74B-4B1155A702FB}" type="slidenum">
               <a:rPr lang="zh-CN" altLang="en-US" smtClean="0"/>
-              <a:t>21</a:t>
+              <a:t>24</a:t>
             </a:fld>
             <a:endParaRPr lang="zh-CN" altLang="en-US"/>
           </a:p>
@@ -959,7 +962,7 @@
           <a:p>
             <a:fld id="{1D8BD707-D9CF-40AE-B4C6-C98DA3205C09}" type="datetimeFigureOut">
               <a:rPr lang="en-US"/>
-              <a:t>12/16/2021</a:t>
+              <a:t>12/21/2021</a:t>
             </a:fld>
             <a:endParaRPr lang="en-US"/>
           </a:p>
@@ -1142,7 +1145,7 @@
           <a:p>
             <a:fld id="{1D8BD707-D9CF-40AE-B4C6-C98DA3205C09}" type="datetimeFigureOut">
               <a:rPr lang="en-US"/>
-              <a:t>12/16/2021</a:t>
+              <a:t>12/21/2021</a:t>
             </a:fld>
             <a:endParaRPr lang="en-US"/>
           </a:p>
@@ -1362,7 +1365,7 @@
           <a:p>
             <a:fld id="{1D8BD707-D9CF-40AE-B4C6-C98DA3205C09}" type="datetimeFigureOut">
               <a:rPr lang="en-US"/>
-              <a:t>12/16/2021</a:t>
+              <a:t>12/21/2021</a:t>
             </a:fld>
             <a:endParaRPr lang="en-US"/>
           </a:p>
@@ -1516,7 +1519,7 @@
           <a:p>
             <a:fld id="{1D8BD707-D9CF-40AE-B4C6-C98DA3205C09}" type="datetimeFigureOut">
               <a:rPr lang="en-US"/>
-              <a:t>12/16/2021</a:t>
+              <a:t>12/21/2021</a:t>
             </a:fld>
             <a:endParaRPr lang="en-US"/>
           </a:p>
@@ -1649,7 +1652,7 @@
           <a:p>
             <a:fld id="{1D8BD707-D9CF-40AE-B4C6-C98DA3205C09}" type="datetimeFigureOut">
               <a:rPr lang="en-US"/>
-              <a:t>12/16/2021</a:t>
+              <a:t>12/21/2021</a:t>
             </a:fld>
             <a:endParaRPr lang="en-US"/>
           </a:p>
@@ -2114,7 +2117,7 @@
           <a:p>
             <a:fld id="{1D8BD707-D9CF-40AE-B4C6-C98DA3205C09}" type="datetimeFigureOut">
               <a:rPr lang="en-US"/>
-              <a:t>12/16/2021</a:t>
+              <a:t>12/21/2021</a:t>
             </a:fld>
             <a:endParaRPr lang="en-US"/>
           </a:p>
@@ -3759,7 +3762,7 @@
                 <a:ea typeface="微软雅黑" panose="020B0503020204020204" pitchFamily="34" charset="-122"/>
                 <a:cs typeface="微软雅黑"/>
               </a:rPr>
-              <a:t>三角定位方法</a:t>
+              <a:t>几何测量法</a:t>
             </a:r>
             <a:r>
               <a:rPr lang="en-US" altLang="zh-CN" sz="2800" spc="-10" dirty="0">
@@ -5749,7 +5752,7 @@
                 <a:ea typeface="微软雅黑" panose="020B0503020204020204" pitchFamily="34" charset="-122"/>
                 <a:cs typeface="微软雅黑"/>
               </a:rPr>
-              <a:t>三角定位方法</a:t>
+              <a:t>几何测量法</a:t>
             </a:r>
             <a:r>
               <a:rPr lang="en-US" altLang="zh-CN" sz="2800" spc="-10" dirty="0">
@@ -7521,7 +7524,7 @@
         <p:spPr>
           <a:xfrm>
             <a:off x="457300" y="1363732"/>
-            <a:ext cx="7501055" cy="923330"/>
+            <a:ext cx="8392874" cy="923330"/>
           </a:xfrm>
           <a:prstGeom prst="rect">
             <a:avLst/>
@@ -7560,23 +7563,7 @@
             </a:r>
             <a:r>
               <a:rPr lang="zh-CN" altLang="en-US" dirty="0"/>
-              <a:t>的距离。得到</a:t>
-            </a:r>
-            <a:r>
-              <a:rPr lang="en-US" altLang="zh-CN" dirty="0"/>
-              <a:t>RSS</a:t>
-            </a:r>
-            <a:r>
-              <a:rPr lang="zh-CN" altLang="en-US" dirty="0"/>
-              <a:t>值利用</a:t>
-            </a:r>
-            <a:r>
-              <a:rPr lang="en-US" altLang="zh-CN" dirty="0"/>
-              <a:t>3.1</a:t>
-            </a:r>
-            <a:r>
-              <a:rPr lang="zh-CN" altLang="en-US" dirty="0"/>
-              <a:t>的三边法就可计算。</a:t>
+              <a:t>的距离，将用户接收到的信号强度值与空间物理距离建立某种实质性的联系。</a:t>
             </a:r>
           </a:p>
         </p:txBody>
@@ -7647,8 +7634,8 @@
         </p:nvSpPr>
         <p:spPr>
           <a:xfrm>
-            <a:off x="4052152" y="859323"/>
-            <a:ext cx="3778018" cy="523220"/>
+            <a:off x="4010342" y="849047"/>
+            <a:ext cx="4980525" cy="523220"/>
           </a:xfrm>
           <a:prstGeom prst="rect">
             <a:avLst/>
@@ -7667,7 +7654,7 @@
                   <a:srgbClr val="FF0000"/>
                 </a:solidFill>
               </a:rPr>
-              <a:t>建立模型预测信号强度</a:t>
+              <a:t>通过信号强度用模型预测距离</a:t>
             </a:r>
           </a:p>
         </p:txBody>
@@ -7708,8 +7695,8 @@
           </a:prstGeom>
         </p:spPr>
       </p:pic>
-      <mc:AlternateContent xmlns:mc="http://schemas.openxmlformats.org/markup-compatibility/2006">
-        <mc:Choice xmlns:a14="http://schemas.microsoft.com/office/drawing/2010/main" Requires="a14">
+      <mc:AlternateContent xmlns:mc="http://schemas.openxmlformats.org/markup-compatibility/2006" xmlns:a14="http://schemas.microsoft.com/office/drawing/2010/main">
+        <mc:Choice Requires="a14">
           <p:sp>
             <p:nvSpPr>
               <p:cNvPr id="26" name="文本框 25">
@@ -8092,7 +8079,7 @@
             </p:txBody>
           </p:sp>
         </mc:Choice>
-        <mc:Fallback>
+        <mc:Fallback xmlns="">
           <p:sp>
             <p:nvSpPr>
               <p:cNvPr id="26" name="文本框 25">
@@ -8320,7 +8307,7 @@
         </p:blipFill>
         <p:spPr>
           <a:xfrm>
-            <a:off x="221415" y="5088608"/>
+            <a:off x="600276" y="5266366"/>
             <a:ext cx="4219448" cy="830677"/>
           </a:xfrm>
           <a:prstGeom prst="rect">
@@ -9494,16 +9481,16 @@
         </p:blipFill>
         <p:spPr>
           <a:xfrm>
-            <a:off x="405747" y="1875155"/>
-            <a:ext cx="5864809" cy="3180419"/>
+            <a:off x="315722" y="1821853"/>
+            <a:ext cx="6147453" cy="3333694"/>
           </a:xfrm>
           <a:prstGeom prst="rect">
             <a:avLst/>
           </a:prstGeom>
         </p:spPr>
       </p:pic>
-      <mc:AlternateContent xmlns:mc="http://schemas.openxmlformats.org/markup-compatibility/2006">
-        <mc:Choice xmlns:a14="http://schemas.microsoft.com/office/drawing/2010/main" Requires="a14">
+      <mc:AlternateContent xmlns:mc="http://schemas.openxmlformats.org/markup-compatibility/2006" xmlns:a14="http://schemas.microsoft.com/office/drawing/2010/main">
+        <mc:Choice Requires="a14">
           <p:sp>
             <p:nvSpPr>
               <p:cNvPr id="31" name="文本框 30">
@@ -9518,7 +9505,7 @@
             </p:nvSpPr>
             <p:spPr>
               <a:xfrm>
-                <a:off x="4249153" y="5041808"/>
+                <a:off x="4870588" y="5080008"/>
                 <a:ext cx="4576712" cy="1200329"/>
               </a:xfrm>
               <a:prstGeom prst="rect">
@@ -9692,7 +9679,7 @@
             </p:txBody>
           </p:sp>
         </mc:Choice>
-        <mc:Fallback>
+        <mc:Fallback xmlns="">
           <p:sp>
             <p:nvSpPr>
               <p:cNvPr id="31" name="文本框 30">
@@ -9709,7 +9696,7 @@
             </p:nvSpPr>
             <p:spPr>
               <a:xfrm>
-                <a:off x="4249153" y="5041808"/>
+                <a:off x="4870588" y="5080008"/>
                 <a:ext cx="4576712" cy="1200329"/>
               </a:xfrm>
               <a:prstGeom prst="rect">
@@ -9718,7 +9705,7 @@
               <a:blipFill>
                 <a:blip r:embed="rId4"/>
                 <a:stretch>
-                  <a:fillRect l="-1065" t="-4061" b="-7614"/>
+                  <a:fillRect l="-1198" t="-4061" b="-7614"/>
                 </a:stretch>
               </a:blipFill>
             </p:spPr>
@@ -10921,247 +10908,48 @@
           </a:p>
         </p:txBody>
       </p:sp>
-      <mc:AlternateContent xmlns:mc="http://schemas.openxmlformats.org/markup-compatibility/2006">
-        <mc:Choice xmlns:a14="http://schemas.microsoft.com/office/drawing/2010/main" Requires="a14">
-          <p:sp>
-            <p:nvSpPr>
-              <p:cNvPr id="31" name="文本框 30">
-                <a:extLst>
-                  <a:ext uri="{FF2B5EF4-FFF2-40B4-BE49-F238E27FC236}">
-                    <a16:creationId xmlns:a16="http://schemas.microsoft.com/office/drawing/2014/main" id="{34A4B752-4652-4E20-9102-E6AF80874E42}"/>
-                  </a:ext>
-                </a:extLst>
-              </p:cNvPr>
-              <p:cNvSpPr txBox="1"/>
-              <p:nvPr/>
-            </p:nvSpPr>
-            <p:spPr>
-              <a:xfrm>
-                <a:off x="437545" y="3300636"/>
-                <a:ext cx="4576712" cy="1200329"/>
-              </a:xfrm>
-              <a:prstGeom prst="rect">
-                <a:avLst/>
-              </a:prstGeom>
-              <a:noFill/>
-            </p:spPr>
-            <p:txBody>
-              <a:bodyPr wrap="square">
-                <a:spAutoFit/>
-              </a:bodyPr>
-              <a:lstStyle/>
-              <a:p>
-                <a:r>
-                  <a:rPr lang="zh-CN" altLang="en-US" dirty="0"/>
-                  <a:t>传输距离</a:t>
-                </a:r>
-                <a14:m>
-                  <m:oMath xmlns:m="http://schemas.openxmlformats.org/officeDocument/2006/math">
-                    <m:r>
-                      <a:rPr lang="zh-CN" altLang="en-US" i="1" dirty="0" smtClean="0">
-                        <a:latin typeface="Cambria Math" panose="02040503050406030204" pitchFamily="18" charset="0"/>
-                      </a:rPr>
-                      <m:t>𝑑</m:t>
-                    </m:r>
-                    <m:r>
-                      <a:rPr lang="zh-CN" altLang="en-US" i="1" dirty="0">
-                        <a:latin typeface="Cambria Math" panose="02040503050406030204" pitchFamily="18" charset="0"/>
-                      </a:rPr>
-                      <m:t>功率</m:t>
-                    </m:r>
-                  </m:oMath>
-                </a14:m>
-                <a:r>
-                  <a:rPr lang="zh-CN" altLang="en-US" dirty="0"/>
-                  <a:t>值</a:t>
-                </a:r>
-                <a:endParaRPr lang="en-US" altLang="zh-CN" dirty="0"/>
-              </a:p>
-              <a:p>
-                <a:r>
-                  <a:rPr lang="zh-CN" altLang="en-US" dirty="0"/>
-                  <a:t>PL(</a:t>
-                </a:r>
-                <a14:m>
-                  <m:oMath xmlns:m="http://schemas.openxmlformats.org/officeDocument/2006/math">
-                    <m:sSub>
-                      <m:sSubPr>
-                        <m:ctrlPr>
-                          <a:rPr lang="en-US" altLang="zh-CN" i="1" dirty="0" smtClean="0">
-                            <a:latin typeface="Cambria Math" panose="02040503050406030204" pitchFamily="18" charset="0"/>
-                          </a:rPr>
-                        </m:ctrlPr>
-                      </m:sSubPr>
-                      <m:e>
-                        <m:r>
-                          <a:rPr lang="zh-CN" altLang="en-US" i="1" dirty="0" smtClean="0">
-                            <a:latin typeface="Cambria Math" panose="02040503050406030204" pitchFamily="18" charset="0"/>
-                          </a:rPr>
-                          <m:t>𝑑</m:t>
-                        </m:r>
-                      </m:e>
-                      <m:sub>
-                        <m:r>
-                          <a:rPr lang="en-US" altLang="zh-CN" i="1" dirty="0">
-                            <a:latin typeface="Cambria Math" panose="02040503050406030204" pitchFamily="18" charset="0"/>
-                          </a:rPr>
-                          <m:t>0</m:t>
-                        </m:r>
-                      </m:sub>
-                    </m:sSub>
-                  </m:oMath>
-                </a14:m>
-                <a:r>
-                  <a:rPr lang="en-US" altLang="zh-CN" dirty="0"/>
-                  <a:t>)</a:t>
-                </a:r>
-                <a:r>
-                  <a:rPr lang="zh-CN" altLang="en-US" dirty="0"/>
-                  <a:t>：传输</a:t>
-                </a:r>
-                <a14:m>
-                  <m:oMath xmlns:m="http://schemas.openxmlformats.org/officeDocument/2006/math">
-                    <m:r>
-                      <a:rPr lang="zh-CN" altLang="en-US" i="1" dirty="0" smtClean="0">
-                        <a:latin typeface="Cambria Math" panose="02040503050406030204" pitchFamily="18" charset="0"/>
-                      </a:rPr>
-                      <m:t>距离</m:t>
-                    </m:r>
-                    <m:sSub>
-                      <m:sSubPr>
-                        <m:ctrlPr>
-                          <a:rPr lang="en-US" altLang="zh-CN" i="1" dirty="0" smtClean="0">
-                            <a:latin typeface="Cambria Math" panose="02040503050406030204" pitchFamily="18" charset="0"/>
-                          </a:rPr>
-                        </m:ctrlPr>
-                      </m:sSubPr>
-                      <m:e>
-                        <m:r>
-                          <a:rPr lang="zh-CN" altLang="en-US" i="1" dirty="0" smtClean="0">
-                            <a:latin typeface="Cambria Math" panose="02040503050406030204" pitchFamily="18" charset="0"/>
-                          </a:rPr>
-                          <m:t>𝑑</m:t>
-                        </m:r>
-                      </m:e>
-                      <m:sub>
-                        <m:r>
-                          <a:rPr lang="en-US" altLang="zh-CN" i="1" dirty="0" smtClean="0">
-                            <a:latin typeface="Cambria Math" panose="02040503050406030204" pitchFamily="18" charset="0"/>
-                          </a:rPr>
-                          <m:t>0</m:t>
-                        </m:r>
-                      </m:sub>
-                    </m:sSub>
-                  </m:oMath>
-                </a14:m>
-                <a:r>
-                  <a:rPr lang="zh-CN" altLang="en-US" dirty="0"/>
-                  <a:t>时的功率值</a:t>
-                </a:r>
-                <a:endParaRPr lang="en-US" altLang="zh-CN" dirty="0"/>
-              </a:p>
-              <a:p>
-                <a14:m>
-                  <m:oMath xmlns:m="http://schemas.openxmlformats.org/officeDocument/2006/math">
-                    <m:r>
-                      <a:rPr lang="en-US" altLang="zh-CN" b="0" i="1" smtClean="0">
-                        <a:latin typeface="Cambria Math" panose="02040503050406030204" pitchFamily="18" charset="0"/>
-                      </a:rPr>
-                      <m:t>𝑑</m:t>
-                    </m:r>
-                  </m:oMath>
-                </a14:m>
-                <a:r>
-                  <a:rPr lang="zh-CN" altLang="en-US" dirty="0"/>
-                  <a:t>：接收端与发射端的距离</a:t>
-                </a:r>
-                <a:endParaRPr lang="en-US" altLang="zh-CN" dirty="0"/>
-              </a:p>
-              <a:p>
-                <a14:m>
-                  <m:oMath xmlns:m="http://schemas.openxmlformats.org/officeDocument/2006/math">
-                    <m:r>
-                      <a:rPr lang="en-US" altLang="zh-CN" b="0" i="1" smtClean="0">
-                        <a:latin typeface="Cambria Math" panose="02040503050406030204" pitchFamily="18" charset="0"/>
-                      </a:rPr>
-                      <m:t>𝜏</m:t>
-                    </m:r>
-                    <m:r>
-                      <a:rPr lang="zh-CN" altLang="en-US" i="1">
-                        <a:latin typeface="Cambria Math" panose="02040503050406030204" pitchFamily="18" charset="0"/>
-                      </a:rPr>
-                      <m:t>：路径</m:t>
-                    </m:r>
-                  </m:oMath>
-                </a14:m>
-                <a:r>
-                  <a:rPr lang="zh-CN" altLang="en-US" b="0" dirty="0"/>
-                  <a:t>损耗指数（路径消耗</a:t>
-                </a:r>
-                <a:r>
-                  <a:rPr lang="en-US" altLang="zh-CN" b="0" dirty="0"/>
-                  <a:t>/</a:t>
-                </a:r>
-                <a:r>
-                  <a:rPr lang="zh-CN" altLang="en-US" b="0" dirty="0"/>
-                  <a:t>距离增长）</a:t>
-                </a:r>
-                <a:endParaRPr lang="en-US" altLang="zh-CN" b="0" dirty="0"/>
-              </a:p>
-            </p:txBody>
-          </p:sp>
-        </mc:Choice>
-        <mc:Fallback>
-          <p:sp>
-            <p:nvSpPr>
-              <p:cNvPr id="31" name="文本框 30">
-                <a:extLst>
-                  <a:ext uri="{FF2B5EF4-FFF2-40B4-BE49-F238E27FC236}">
-                    <a16:creationId xmlns:a16="http://schemas.microsoft.com/office/drawing/2014/main" id="{34A4B752-4652-4E20-9102-E6AF80874E42}"/>
-                  </a:ext>
-                </a:extLst>
-              </p:cNvPr>
-              <p:cNvSpPr txBox="1">
-                <a:spLocks noRot="1" noChangeAspect="1" noMove="1" noResize="1" noEditPoints="1" noAdjustHandles="1" noChangeArrowheads="1" noChangeShapeType="1" noTextEdit="1"/>
-              </p:cNvSpPr>
-              <p:nvPr/>
-            </p:nvSpPr>
-            <p:spPr>
-              <a:xfrm>
-                <a:off x="437545" y="3300636"/>
-                <a:ext cx="4576712" cy="1200329"/>
-              </a:xfrm>
-              <a:prstGeom prst="rect">
-                <a:avLst/>
-              </a:prstGeom>
-              <a:blipFill>
-                <a:blip r:embed="rId2"/>
-                <a:stretch>
-                  <a:fillRect l="-1198" t="-4061" b="-7614"/>
-                </a:stretch>
-              </a:blipFill>
-            </p:spPr>
-            <p:txBody>
-              <a:bodyPr/>
-              <a:lstStyle/>
-              <a:p>
-                <a:r>
-                  <a:rPr lang="zh-CN" altLang="en-US">
-                    <a:noFill/>
-                  </a:rPr>
-                  <a:t> </a:t>
-                </a:r>
-              </a:p>
-            </p:txBody>
-          </p:sp>
-        </mc:Fallback>
-      </mc:AlternateContent>
       <p:pic>
         <p:nvPicPr>
           <p:cNvPr id="19" name="图片 18">
             <a:extLst>
               <a:ext uri="{FF2B5EF4-FFF2-40B4-BE49-F238E27FC236}">
                 <a16:creationId xmlns:a16="http://schemas.microsoft.com/office/drawing/2014/main" id="{45268861-8909-4BC2-AC2A-F717E18854A5}"/>
+              </a:ext>
+            </a:extLst>
+          </p:cNvPr>
+          <p:cNvPicPr>
+            <a:picLocks noChangeAspect="1"/>
+          </p:cNvPicPr>
+          <p:nvPr/>
+        </p:nvPicPr>
+        <p:blipFill>
+          <a:blip r:embed="rId2">
+            <a:extLst>
+              <a:ext uri="{28A0092B-C50C-407E-A947-70E740481C1C}">
+                <a14:useLocalDpi xmlns:a14="http://schemas.microsoft.com/office/drawing/2010/main" val="0"/>
+              </a:ext>
+            </a:extLst>
+          </a:blip>
+          <a:stretch>
+            <a:fillRect/>
+          </a:stretch>
+        </p:blipFill>
+        <p:spPr>
+          <a:xfrm>
+            <a:off x="385571" y="2124662"/>
+            <a:ext cx="5972557" cy="832538"/>
+          </a:xfrm>
+          <a:prstGeom prst="rect">
+            <a:avLst/>
+          </a:prstGeom>
+        </p:spPr>
+      </p:pic>
+      <p:pic>
+        <p:nvPicPr>
+          <p:cNvPr id="20" name="图片 19" descr="图示&#10;&#10;低可信度描述已自动生成">
+            <a:extLst>
+              <a:ext uri="{FF2B5EF4-FFF2-40B4-BE49-F238E27FC236}">
+                <a16:creationId xmlns:a16="http://schemas.microsoft.com/office/drawing/2014/main" id="{366417A4-1423-4E4E-820E-79DB6501BDA4}"/>
               </a:ext>
             </a:extLst>
           </p:cNvPr>
@@ -11184,14 +10972,220 @@
         </p:blipFill>
         <p:spPr>
           <a:xfrm>
-            <a:off x="385571" y="2124662"/>
-            <a:ext cx="5972557" cy="832538"/>
+            <a:off x="457300" y="2938387"/>
+            <a:ext cx="3495675" cy="657225"/>
           </a:xfrm>
           <a:prstGeom prst="rect">
             <a:avLst/>
           </a:prstGeom>
         </p:spPr>
       </p:pic>
+      <p:pic>
+        <p:nvPicPr>
+          <p:cNvPr id="24" name="图片 23" descr="图片包含 文本&#10;&#10;描述已自动生成">
+            <a:extLst>
+              <a:ext uri="{FF2B5EF4-FFF2-40B4-BE49-F238E27FC236}">
+                <a16:creationId xmlns:a16="http://schemas.microsoft.com/office/drawing/2014/main" id="{A365203C-2056-4FDB-B61B-DF4311B05F55}"/>
+              </a:ext>
+            </a:extLst>
+          </p:cNvPr>
+          <p:cNvPicPr>
+            <a:picLocks noChangeAspect="1"/>
+          </p:cNvPicPr>
+          <p:nvPr/>
+        </p:nvPicPr>
+        <p:blipFill>
+          <a:blip r:embed="rId4">
+            <a:extLst>
+              <a:ext uri="{28A0092B-C50C-407E-A947-70E740481C1C}">
+                <a14:useLocalDpi xmlns:a14="http://schemas.microsoft.com/office/drawing/2010/main" val="0"/>
+              </a:ext>
+            </a:extLst>
+          </a:blip>
+          <a:stretch>
+            <a:fillRect/>
+          </a:stretch>
+        </p:blipFill>
+        <p:spPr>
+          <a:xfrm>
+            <a:off x="457300" y="3574254"/>
+            <a:ext cx="2609850" cy="600075"/>
+          </a:xfrm>
+          <a:prstGeom prst="rect">
+            <a:avLst/>
+          </a:prstGeom>
+        </p:spPr>
+      </p:pic>
+      <p:pic>
+        <p:nvPicPr>
+          <p:cNvPr id="26" name="图片 25">
+            <a:extLst>
+              <a:ext uri="{FF2B5EF4-FFF2-40B4-BE49-F238E27FC236}">
+                <a16:creationId xmlns:a16="http://schemas.microsoft.com/office/drawing/2014/main" id="{34580F03-2DE3-4F88-B509-D070D1FCF6BE}"/>
+              </a:ext>
+            </a:extLst>
+          </p:cNvPr>
+          <p:cNvPicPr>
+            <a:picLocks noChangeAspect="1"/>
+          </p:cNvPicPr>
+          <p:nvPr/>
+        </p:nvPicPr>
+        <p:blipFill>
+          <a:blip r:embed="rId5">
+            <a:extLst>
+              <a:ext uri="{28A0092B-C50C-407E-A947-70E740481C1C}">
+                <a14:useLocalDpi xmlns:a14="http://schemas.microsoft.com/office/drawing/2010/main" val="0"/>
+              </a:ext>
+            </a:extLst>
+          </a:blip>
+          <a:stretch>
+            <a:fillRect/>
+          </a:stretch>
+        </p:blipFill>
+        <p:spPr>
+          <a:xfrm>
+            <a:off x="457300" y="4256937"/>
+            <a:ext cx="2800350" cy="304800"/>
+          </a:xfrm>
+          <a:prstGeom prst="rect">
+            <a:avLst/>
+          </a:prstGeom>
+        </p:spPr>
+      </p:pic>
+      <p:sp>
+        <p:nvSpPr>
+          <p:cNvPr id="29" name="文本框 28">
+            <a:extLst>
+              <a:ext uri="{FF2B5EF4-FFF2-40B4-BE49-F238E27FC236}">
+                <a16:creationId xmlns:a16="http://schemas.microsoft.com/office/drawing/2014/main" id="{D3DC6F90-26EA-4D26-BA4F-28ECCB6EB1EE}"/>
+              </a:ext>
+            </a:extLst>
+          </p:cNvPr>
+          <p:cNvSpPr txBox="1"/>
+          <p:nvPr/>
+        </p:nvSpPr>
+        <p:spPr>
+          <a:xfrm>
+            <a:off x="4288655" y="3851163"/>
+            <a:ext cx="4576712" cy="646331"/>
+          </a:xfrm>
+          <a:prstGeom prst="rect">
+            <a:avLst/>
+          </a:prstGeom>
+          <a:noFill/>
+        </p:spPr>
+        <p:txBody>
+          <a:bodyPr wrap="square">
+            <a:spAutoFit/>
+          </a:bodyPr>
+          <a:lstStyle/>
+          <a:p>
+            <a:r>
+              <a:rPr lang="zh-CN" altLang="en-US" dirty="0">
+                <a:solidFill>
+                  <a:srgbClr val="FF0000"/>
+                </a:solidFill>
+              </a:rPr>
+              <a:t>优势</a:t>
+            </a:r>
+            <a:r>
+              <a:rPr lang="zh-CN" altLang="en-US" sz="1800" dirty="0">
+                <a:solidFill>
+                  <a:srgbClr val="FF0000"/>
+                </a:solidFill>
+              </a:rPr>
+              <a:t>：</a:t>
+            </a:r>
+            <a:r>
+              <a:rPr lang="zh-CN" altLang="en-US" sz="1800" dirty="0"/>
+              <a:t>考虑了多方面的路径损耗</a:t>
+            </a:r>
+            <a:r>
+              <a:rPr lang="en-US" altLang="zh-CN" sz="1800" dirty="0"/>
+              <a:t>,</a:t>
+            </a:r>
+            <a:r>
+              <a:rPr lang="zh-CN" altLang="en-US" sz="1800" dirty="0"/>
+              <a:t>所以更加真实</a:t>
+            </a:r>
+            <a:endParaRPr lang="en-US" altLang="zh-CN" sz="1800" b="0" dirty="0">
+              <a:highlight>
+                <a:srgbClr val="FFFF00"/>
+              </a:highlight>
+            </a:endParaRPr>
+          </a:p>
+        </p:txBody>
+      </p:sp>
+      <p:sp>
+        <p:nvSpPr>
+          <p:cNvPr id="28" name="文本框 27">
+            <a:extLst>
+              <a:ext uri="{FF2B5EF4-FFF2-40B4-BE49-F238E27FC236}">
+                <a16:creationId xmlns:a16="http://schemas.microsoft.com/office/drawing/2014/main" id="{49CCCD74-BE71-444C-B209-3756FDB5AE0F}"/>
+              </a:ext>
+            </a:extLst>
+          </p:cNvPr>
+          <p:cNvSpPr txBox="1"/>
+          <p:nvPr/>
+        </p:nvSpPr>
+        <p:spPr>
+          <a:xfrm>
+            <a:off x="457300" y="4835654"/>
+            <a:ext cx="8298982" cy="1200329"/>
+          </a:xfrm>
+          <a:prstGeom prst="rect">
+            <a:avLst/>
+          </a:prstGeom>
+          <a:noFill/>
+        </p:spPr>
+        <p:txBody>
+          <a:bodyPr wrap="square" rtlCol="0">
+            <a:spAutoFit/>
+          </a:bodyPr>
+          <a:lstStyle/>
+          <a:p>
+            <a:r>
+              <a:rPr lang="zh-CN" altLang="en-US" sz="2400" dirty="0">
+                <a:solidFill>
+                  <a:srgbClr val="FF0000"/>
+                </a:solidFill>
+              </a:rPr>
+              <a:t>使用信号传播模型计算与多个</a:t>
+            </a:r>
+            <a:r>
+              <a:rPr lang="en-US" altLang="zh-CN" sz="2400" dirty="0">
+                <a:solidFill>
+                  <a:srgbClr val="FF0000"/>
+                </a:solidFill>
+              </a:rPr>
+              <a:t>AP</a:t>
+            </a:r>
+            <a:r>
+              <a:rPr lang="zh-CN" altLang="en-US" sz="2400" dirty="0">
+                <a:solidFill>
+                  <a:srgbClr val="FF0000"/>
+                </a:solidFill>
+              </a:rPr>
+              <a:t>的距离再使用三边定位法</a:t>
+            </a:r>
+            <a:endParaRPr lang="en-US" altLang="zh-CN" sz="2400" dirty="0">
+              <a:solidFill>
+                <a:srgbClr val="FF0000"/>
+              </a:solidFill>
+            </a:endParaRPr>
+          </a:p>
+          <a:p>
+            <a:r>
+              <a:rPr lang="zh-CN" altLang="en-US" sz="2400" dirty="0">
+                <a:solidFill>
+                  <a:srgbClr val="FF0000"/>
+                </a:solidFill>
+              </a:rPr>
+              <a:t>虽然不用测量，但是建立符合的室内传播模型难度大，所以精度不高。除了定位也可以反过来通过距离计算信号强度。</a:t>
+            </a:r>
+          </a:p>
+        </p:txBody>
+      </p:sp>
     </p:spTree>
     <p:extLst>
       <p:ext uri="{BB962C8B-B14F-4D97-AF65-F5344CB8AC3E}">
@@ -11206,6 +11200,5022 @@
 </file>
 
 <file path=ppt/slides/slide15.xml><?xml version="1.0" encoding="utf-8"?>
+<p:sld xmlns:a="http://schemas.openxmlformats.org/drawingml/2006/main" xmlns:r="http://schemas.openxmlformats.org/officeDocument/2006/relationships" xmlns:p="http://schemas.openxmlformats.org/presentationml/2006/main">
+  <p:cSld>
+    <p:spTree>
+      <p:nvGrpSpPr>
+        <p:cNvPr id="1" name=""/>
+        <p:cNvGrpSpPr/>
+        <p:nvPr/>
+      </p:nvGrpSpPr>
+      <p:grpSpPr>
+        <a:xfrm>
+          <a:off x="0" y="0"/>
+          <a:ext cx="0" cy="0"/>
+          <a:chOff x="0" y="0"/>
+          <a:chExt cx="0" cy="0"/>
+        </a:xfrm>
+      </p:grpSpPr>
+      <p:grpSp>
+        <p:nvGrpSpPr>
+          <p:cNvPr id="2" name="object 2"/>
+          <p:cNvGrpSpPr/>
+          <p:nvPr/>
+        </p:nvGrpSpPr>
+        <p:grpSpPr>
+          <a:xfrm>
+            <a:off x="89915" y="135636"/>
+            <a:ext cx="262255" cy="576580"/>
+            <a:chOff x="89915" y="135636"/>
+            <a:chExt cx="262255" cy="576580"/>
+          </a:xfrm>
+        </p:grpSpPr>
+        <p:sp>
+          <p:nvSpPr>
+            <p:cNvPr id="3" name="object 3"/>
+            <p:cNvSpPr/>
+            <p:nvPr/>
+          </p:nvSpPr>
+          <p:spPr>
+            <a:xfrm>
+              <a:off x="278892" y="387095"/>
+              <a:ext cx="73660" cy="325120"/>
+            </a:xfrm>
+            <a:custGeom>
+              <a:avLst/>
+              <a:gdLst/>
+              <a:ahLst/>
+              <a:cxnLst/>
+              <a:rect l="l" t="t" r="r" b="b"/>
+              <a:pathLst>
+                <a:path w="73660" h="325120">
+                  <a:moveTo>
+                    <a:pt x="0" y="324612"/>
+                  </a:moveTo>
+                  <a:lnTo>
+                    <a:pt x="73151" y="324612"/>
+                  </a:lnTo>
+                  <a:lnTo>
+                    <a:pt x="73151" y="0"/>
+                  </a:lnTo>
+                  <a:lnTo>
+                    <a:pt x="0" y="0"/>
+                  </a:lnTo>
+                  <a:lnTo>
+                    <a:pt x="0" y="324612"/>
+                  </a:lnTo>
+                  <a:close/>
+                </a:path>
+              </a:pathLst>
+            </a:custGeom>
+            <a:solidFill>
+              <a:srgbClr val="4471C4"/>
+            </a:solidFill>
+          </p:spPr>
+          <p:txBody>
+            <a:bodyPr wrap="square" lIns="0" tIns="0" rIns="0" bIns="0" rtlCol="0"/>
+            <a:lstStyle/>
+            <a:p>
+              <a:pPr marL="0" marR="0" lvl="0" indent="0" algn="l" defTabSz="914400" rtl="0" eaLnBrk="1" fontAlgn="auto" latinLnBrk="0" hangingPunct="1">
+                <a:lnSpc>
+                  <a:spcPct val="100000"/>
+                </a:lnSpc>
+                <a:spcBef>
+                  <a:spcPts val="0"/>
+                </a:spcBef>
+                <a:spcAft>
+                  <a:spcPts val="0"/>
+                </a:spcAft>
+                <a:buClrTx/>
+                <a:buSzTx/>
+                <a:buFontTx/>
+                <a:buNone/>
+                <a:tabLst/>
+                <a:defRPr/>
+              </a:pPr>
+              <a:endParaRPr kumimoji="0" sz="1800" b="0" i="0" u="none" strike="noStrike" kern="1200" cap="none" spc="0" normalizeH="0" baseline="0" noProof="0">
+                <a:ln>
+                  <a:noFill/>
+                </a:ln>
+                <a:solidFill>
+                  <a:prstClr val="black"/>
+                </a:solidFill>
+                <a:effectLst/>
+                <a:uLnTx/>
+                <a:uFillTx/>
+                <a:latin typeface="Calibri"/>
+                <a:ea typeface="+mn-ea"/>
+                <a:cs typeface="+mn-cs"/>
+              </a:endParaRPr>
+            </a:p>
+          </p:txBody>
+        </p:sp>
+        <p:sp>
+          <p:nvSpPr>
+            <p:cNvPr id="4" name="object 4"/>
+            <p:cNvSpPr/>
+            <p:nvPr/>
+          </p:nvSpPr>
+          <p:spPr>
+            <a:xfrm>
+              <a:off x="89915" y="135636"/>
+              <a:ext cx="189230" cy="251460"/>
+            </a:xfrm>
+            <a:custGeom>
+              <a:avLst/>
+              <a:gdLst/>
+              <a:ahLst/>
+              <a:cxnLst/>
+              <a:rect l="l" t="t" r="r" b="b"/>
+              <a:pathLst>
+                <a:path w="189229" h="251460">
+                  <a:moveTo>
+                    <a:pt x="188976" y="0"/>
+                  </a:moveTo>
+                  <a:lnTo>
+                    <a:pt x="0" y="0"/>
+                  </a:lnTo>
+                  <a:lnTo>
+                    <a:pt x="0" y="251459"/>
+                  </a:lnTo>
+                  <a:lnTo>
+                    <a:pt x="188976" y="251459"/>
+                  </a:lnTo>
+                  <a:lnTo>
+                    <a:pt x="188976" y="0"/>
+                  </a:lnTo>
+                  <a:close/>
+                </a:path>
+              </a:pathLst>
+            </a:custGeom>
+            <a:solidFill>
+              <a:srgbClr val="2E5496"/>
+            </a:solidFill>
+          </p:spPr>
+          <p:txBody>
+            <a:bodyPr wrap="square" lIns="0" tIns="0" rIns="0" bIns="0" rtlCol="0"/>
+            <a:lstStyle/>
+            <a:p>
+              <a:pPr marL="0" marR="0" lvl="0" indent="0" algn="l" defTabSz="914400" rtl="0" eaLnBrk="1" fontAlgn="auto" latinLnBrk="0" hangingPunct="1">
+                <a:lnSpc>
+                  <a:spcPct val="100000"/>
+                </a:lnSpc>
+                <a:spcBef>
+                  <a:spcPts val="0"/>
+                </a:spcBef>
+                <a:spcAft>
+                  <a:spcPts val="0"/>
+                </a:spcAft>
+                <a:buClrTx/>
+                <a:buSzTx/>
+                <a:buFontTx/>
+                <a:buNone/>
+                <a:tabLst/>
+                <a:defRPr/>
+              </a:pPr>
+              <a:endParaRPr kumimoji="0" sz="1800" b="0" i="0" u="none" strike="noStrike" kern="1200" cap="none" spc="0" normalizeH="0" baseline="0" noProof="0">
+                <a:ln>
+                  <a:noFill/>
+                </a:ln>
+                <a:solidFill>
+                  <a:prstClr val="black"/>
+                </a:solidFill>
+                <a:effectLst/>
+                <a:uLnTx/>
+                <a:uFillTx/>
+                <a:latin typeface="Calibri"/>
+                <a:ea typeface="+mn-ea"/>
+                <a:cs typeface="+mn-cs"/>
+              </a:endParaRPr>
+            </a:p>
+          </p:txBody>
+        </p:sp>
+      </p:grpSp>
+      <p:grpSp>
+        <p:nvGrpSpPr>
+          <p:cNvPr id="5" name="object 5"/>
+          <p:cNvGrpSpPr/>
+          <p:nvPr/>
+        </p:nvGrpSpPr>
+        <p:grpSpPr>
+          <a:xfrm>
+            <a:off x="0" y="6304788"/>
+            <a:ext cx="9144000" cy="553720"/>
+            <a:chOff x="0" y="6304788"/>
+            <a:chExt cx="9144000" cy="553720"/>
+          </a:xfrm>
+        </p:grpSpPr>
+        <p:sp>
+          <p:nvSpPr>
+            <p:cNvPr id="6" name="object 6"/>
+            <p:cNvSpPr/>
+            <p:nvPr/>
+          </p:nvSpPr>
+          <p:spPr>
+            <a:xfrm>
+              <a:off x="8420100" y="6318503"/>
+              <a:ext cx="405765" cy="539750"/>
+            </a:xfrm>
+            <a:custGeom>
+              <a:avLst/>
+              <a:gdLst/>
+              <a:ahLst/>
+              <a:cxnLst/>
+              <a:rect l="l" t="t" r="r" b="b"/>
+              <a:pathLst>
+                <a:path w="405765" h="539750">
+                  <a:moveTo>
+                    <a:pt x="405383" y="0"/>
+                  </a:moveTo>
+                  <a:lnTo>
+                    <a:pt x="0" y="0"/>
+                  </a:lnTo>
+                  <a:lnTo>
+                    <a:pt x="0" y="539496"/>
+                  </a:lnTo>
+                  <a:lnTo>
+                    <a:pt x="405383" y="539496"/>
+                  </a:lnTo>
+                  <a:lnTo>
+                    <a:pt x="405383" y="0"/>
+                  </a:lnTo>
+                  <a:close/>
+                </a:path>
+              </a:pathLst>
+            </a:custGeom>
+            <a:solidFill>
+              <a:srgbClr val="4471C4"/>
+            </a:solidFill>
+          </p:spPr>
+          <p:txBody>
+            <a:bodyPr wrap="square" lIns="0" tIns="0" rIns="0" bIns="0" rtlCol="0"/>
+            <a:lstStyle/>
+            <a:p>
+              <a:pPr marL="0" marR="0" lvl="0" indent="0" algn="l" defTabSz="914400" rtl="0" eaLnBrk="1" fontAlgn="auto" latinLnBrk="0" hangingPunct="1">
+                <a:lnSpc>
+                  <a:spcPct val="100000"/>
+                </a:lnSpc>
+                <a:spcBef>
+                  <a:spcPts val="0"/>
+                </a:spcBef>
+                <a:spcAft>
+                  <a:spcPts val="0"/>
+                </a:spcAft>
+                <a:buClrTx/>
+                <a:buSzTx/>
+                <a:buFontTx/>
+                <a:buNone/>
+                <a:tabLst/>
+                <a:defRPr/>
+              </a:pPr>
+              <a:endParaRPr kumimoji="0" sz="1800" b="0" i="0" u="none" strike="noStrike" kern="1200" cap="none" spc="0" normalizeH="0" baseline="0" noProof="0">
+                <a:ln>
+                  <a:noFill/>
+                </a:ln>
+                <a:solidFill>
+                  <a:prstClr val="black"/>
+                </a:solidFill>
+                <a:effectLst/>
+                <a:uLnTx/>
+                <a:uFillTx/>
+                <a:latin typeface="Calibri"/>
+                <a:ea typeface="+mn-ea"/>
+                <a:cs typeface="+mn-cs"/>
+              </a:endParaRPr>
+            </a:p>
+          </p:txBody>
+        </p:sp>
+        <p:sp>
+          <p:nvSpPr>
+            <p:cNvPr id="7" name="object 7"/>
+            <p:cNvSpPr/>
+            <p:nvPr/>
+          </p:nvSpPr>
+          <p:spPr>
+            <a:xfrm>
+              <a:off x="0" y="6307836"/>
+              <a:ext cx="9144000" cy="0"/>
+            </a:xfrm>
+            <a:custGeom>
+              <a:avLst/>
+              <a:gdLst/>
+              <a:ahLst/>
+              <a:cxnLst/>
+              <a:rect l="l" t="t" r="r" b="b"/>
+              <a:pathLst>
+                <a:path w="9144000">
+                  <a:moveTo>
+                    <a:pt x="0" y="0"/>
+                  </a:moveTo>
+                  <a:lnTo>
+                    <a:pt x="9144000" y="0"/>
+                  </a:lnTo>
+                </a:path>
+              </a:pathLst>
+            </a:custGeom>
+            <a:ln w="6096">
+              <a:solidFill>
+                <a:srgbClr val="4471C4"/>
+              </a:solidFill>
+            </a:ln>
+          </p:spPr>
+          <p:txBody>
+            <a:bodyPr wrap="square" lIns="0" tIns="0" rIns="0" bIns="0" rtlCol="0"/>
+            <a:lstStyle/>
+            <a:p>
+              <a:pPr marL="0" marR="0" lvl="0" indent="0" algn="l" defTabSz="914400" rtl="0" eaLnBrk="1" fontAlgn="auto" latinLnBrk="0" hangingPunct="1">
+                <a:lnSpc>
+                  <a:spcPct val="100000"/>
+                </a:lnSpc>
+                <a:spcBef>
+                  <a:spcPts val="0"/>
+                </a:spcBef>
+                <a:spcAft>
+                  <a:spcPts val="0"/>
+                </a:spcAft>
+                <a:buClrTx/>
+                <a:buSzTx/>
+                <a:buFontTx/>
+                <a:buNone/>
+                <a:tabLst/>
+                <a:defRPr/>
+              </a:pPr>
+              <a:endParaRPr kumimoji="0" sz="1800" b="0" i="0" u="none" strike="noStrike" kern="1200" cap="none" spc="0" normalizeH="0" baseline="0" noProof="0">
+                <a:ln>
+                  <a:noFill/>
+                </a:ln>
+                <a:solidFill>
+                  <a:prstClr val="black"/>
+                </a:solidFill>
+                <a:effectLst/>
+                <a:uLnTx/>
+                <a:uFillTx/>
+                <a:latin typeface="Calibri"/>
+                <a:ea typeface="+mn-ea"/>
+                <a:cs typeface="+mn-cs"/>
+              </a:endParaRPr>
+            </a:p>
+          </p:txBody>
+        </p:sp>
+      </p:grpSp>
+      <p:grpSp>
+        <p:nvGrpSpPr>
+          <p:cNvPr id="8" name="object 8"/>
+          <p:cNvGrpSpPr/>
+          <p:nvPr/>
+        </p:nvGrpSpPr>
+        <p:grpSpPr>
+          <a:xfrm>
+            <a:off x="348995" y="207263"/>
+            <a:ext cx="7827645" cy="591820"/>
+            <a:chOff x="348995" y="207263"/>
+            <a:chExt cx="7827645" cy="591820"/>
+          </a:xfrm>
+        </p:grpSpPr>
+        <p:sp>
+          <p:nvSpPr>
+            <p:cNvPr id="9" name="object 9"/>
+            <p:cNvSpPr/>
+            <p:nvPr/>
+          </p:nvSpPr>
+          <p:spPr>
+            <a:xfrm>
+              <a:off x="739902" y="483870"/>
+              <a:ext cx="7047230" cy="0"/>
+            </a:xfrm>
+            <a:custGeom>
+              <a:avLst/>
+              <a:gdLst/>
+              <a:ahLst/>
+              <a:cxnLst/>
+              <a:rect l="l" t="t" r="r" b="b"/>
+              <a:pathLst>
+                <a:path w="7047230">
+                  <a:moveTo>
+                    <a:pt x="0" y="0"/>
+                  </a:moveTo>
+                  <a:lnTo>
+                    <a:pt x="7046976" y="0"/>
+                  </a:lnTo>
+                </a:path>
+              </a:pathLst>
+            </a:custGeom>
+            <a:ln w="22860">
+              <a:solidFill>
+                <a:srgbClr val="006FC0"/>
+              </a:solidFill>
+            </a:ln>
+          </p:spPr>
+          <p:txBody>
+            <a:bodyPr wrap="square" lIns="0" tIns="0" rIns="0" bIns="0" rtlCol="0"/>
+            <a:lstStyle/>
+            <a:p>
+              <a:pPr marL="0" marR="0" lvl="0" indent="0" algn="l" defTabSz="914400" rtl="0" eaLnBrk="1" fontAlgn="auto" latinLnBrk="0" hangingPunct="1">
+                <a:lnSpc>
+                  <a:spcPct val="100000"/>
+                </a:lnSpc>
+                <a:spcBef>
+                  <a:spcPts val="0"/>
+                </a:spcBef>
+                <a:spcAft>
+                  <a:spcPts val="0"/>
+                </a:spcAft>
+                <a:buClrTx/>
+                <a:buSzTx/>
+                <a:buFontTx/>
+                <a:buNone/>
+                <a:tabLst/>
+                <a:defRPr/>
+              </a:pPr>
+              <a:endParaRPr kumimoji="0" sz="1800" b="0" i="0" u="none" strike="noStrike" kern="1200" cap="none" spc="0" normalizeH="0" baseline="0" noProof="0">
+                <a:ln>
+                  <a:noFill/>
+                </a:ln>
+                <a:solidFill>
+                  <a:prstClr val="black"/>
+                </a:solidFill>
+                <a:effectLst/>
+                <a:uLnTx/>
+                <a:uFillTx/>
+                <a:latin typeface="Calibri"/>
+                <a:ea typeface="+mn-ea"/>
+                <a:cs typeface="+mn-cs"/>
+              </a:endParaRPr>
+            </a:p>
+          </p:txBody>
+        </p:sp>
+        <p:sp>
+          <p:nvSpPr>
+            <p:cNvPr id="10" name="object 10"/>
+            <p:cNvSpPr/>
+            <p:nvPr/>
+          </p:nvSpPr>
+          <p:spPr>
+            <a:xfrm>
+              <a:off x="1028700" y="210311"/>
+              <a:ext cx="7145020" cy="585470"/>
+            </a:xfrm>
+            <a:custGeom>
+              <a:avLst/>
+              <a:gdLst/>
+              <a:ahLst/>
+              <a:cxnLst/>
+              <a:rect l="l" t="t" r="r" b="b"/>
+              <a:pathLst>
+                <a:path w="7145020" h="585470">
+                  <a:moveTo>
+                    <a:pt x="7144511" y="0"/>
+                  </a:moveTo>
+                  <a:lnTo>
+                    <a:pt x="0" y="0"/>
+                  </a:lnTo>
+                  <a:lnTo>
+                    <a:pt x="0" y="585216"/>
+                  </a:lnTo>
+                  <a:lnTo>
+                    <a:pt x="7144511" y="585216"/>
+                  </a:lnTo>
+                  <a:lnTo>
+                    <a:pt x="7144511" y="0"/>
+                  </a:lnTo>
+                  <a:close/>
+                </a:path>
+              </a:pathLst>
+            </a:custGeom>
+            <a:solidFill>
+              <a:srgbClr val="006FC0"/>
+            </a:solidFill>
+          </p:spPr>
+          <p:txBody>
+            <a:bodyPr wrap="square" lIns="0" tIns="0" rIns="0" bIns="0" rtlCol="0"/>
+            <a:lstStyle/>
+            <a:p>
+              <a:pPr marL="0" marR="0" lvl="0" indent="0" algn="l" defTabSz="914400" rtl="0" eaLnBrk="1" fontAlgn="auto" latinLnBrk="0" hangingPunct="1">
+                <a:lnSpc>
+                  <a:spcPct val="100000"/>
+                </a:lnSpc>
+                <a:spcBef>
+                  <a:spcPts val="0"/>
+                </a:spcBef>
+                <a:spcAft>
+                  <a:spcPts val="0"/>
+                </a:spcAft>
+                <a:buClrTx/>
+                <a:buSzTx/>
+                <a:buFontTx/>
+                <a:buNone/>
+                <a:tabLst/>
+                <a:defRPr/>
+              </a:pPr>
+              <a:endParaRPr kumimoji="0" sz="1800" b="0" i="0" u="none" strike="noStrike" kern="1200" cap="none" spc="0" normalizeH="0" baseline="0" noProof="0" dirty="0">
+                <a:ln>
+                  <a:noFill/>
+                </a:ln>
+                <a:solidFill>
+                  <a:prstClr val="black"/>
+                </a:solidFill>
+                <a:effectLst/>
+                <a:uLnTx/>
+                <a:uFillTx/>
+                <a:latin typeface="Calibri"/>
+                <a:ea typeface="+mn-ea"/>
+                <a:cs typeface="+mn-cs"/>
+              </a:endParaRPr>
+            </a:p>
+          </p:txBody>
+        </p:sp>
+        <p:sp>
+          <p:nvSpPr>
+            <p:cNvPr id="11" name="object 11"/>
+            <p:cNvSpPr/>
+            <p:nvPr/>
+          </p:nvSpPr>
+          <p:spPr>
+            <a:xfrm>
+              <a:off x="1028700" y="210311"/>
+              <a:ext cx="7145020" cy="585470"/>
+            </a:xfrm>
+            <a:custGeom>
+              <a:avLst/>
+              <a:gdLst/>
+              <a:ahLst/>
+              <a:cxnLst/>
+              <a:rect l="l" t="t" r="r" b="b"/>
+              <a:pathLst>
+                <a:path w="7145020" h="585470">
+                  <a:moveTo>
+                    <a:pt x="0" y="585216"/>
+                  </a:moveTo>
+                  <a:lnTo>
+                    <a:pt x="7144511" y="585216"/>
+                  </a:lnTo>
+                  <a:lnTo>
+                    <a:pt x="7144511" y="0"/>
+                  </a:lnTo>
+                  <a:lnTo>
+                    <a:pt x="0" y="0"/>
+                  </a:lnTo>
+                  <a:lnTo>
+                    <a:pt x="0" y="585216"/>
+                  </a:lnTo>
+                  <a:close/>
+                </a:path>
+              </a:pathLst>
+            </a:custGeom>
+            <a:ln w="6096">
+              <a:solidFill>
+                <a:srgbClr val="006FC0"/>
+              </a:solidFill>
+            </a:ln>
+          </p:spPr>
+          <p:txBody>
+            <a:bodyPr wrap="square" lIns="0" tIns="0" rIns="0" bIns="0" rtlCol="0"/>
+            <a:lstStyle/>
+            <a:p>
+              <a:pPr marL="0" marR="0" lvl="0" indent="0" algn="l" defTabSz="914400" rtl="0" eaLnBrk="1" fontAlgn="auto" latinLnBrk="0" hangingPunct="1">
+                <a:lnSpc>
+                  <a:spcPct val="100000"/>
+                </a:lnSpc>
+                <a:spcBef>
+                  <a:spcPts val="0"/>
+                </a:spcBef>
+                <a:spcAft>
+                  <a:spcPts val="0"/>
+                </a:spcAft>
+                <a:buClrTx/>
+                <a:buSzTx/>
+                <a:buFontTx/>
+                <a:buNone/>
+                <a:tabLst/>
+                <a:defRPr/>
+              </a:pPr>
+              <a:endParaRPr kumimoji="0" sz="1800" b="0" i="0" u="none" strike="noStrike" kern="1200" cap="none" spc="0" normalizeH="0" baseline="0" noProof="0">
+                <a:ln>
+                  <a:noFill/>
+                </a:ln>
+                <a:solidFill>
+                  <a:prstClr val="black"/>
+                </a:solidFill>
+                <a:effectLst/>
+                <a:uLnTx/>
+                <a:uFillTx/>
+                <a:latin typeface="Calibri"/>
+                <a:ea typeface="+mn-ea"/>
+                <a:cs typeface="+mn-cs"/>
+              </a:endParaRPr>
+            </a:p>
+          </p:txBody>
+        </p:sp>
+        <p:sp>
+          <p:nvSpPr>
+            <p:cNvPr id="12" name="object 12"/>
+            <p:cNvSpPr/>
+            <p:nvPr/>
+          </p:nvSpPr>
+          <p:spPr>
+            <a:xfrm>
+              <a:off x="352043" y="210311"/>
+              <a:ext cx="516890" cy="585470"/>
+            </a:xfrm>
+            <a:custGeom>
+              <a:avLst/>
+              <a:gdLst/>
+              <a:ahLst/>
+              <a:cxnLst/>
+              <a:rect l="l" t="t" r="r" b="b"/>
+              <a:pathLst>
+                <a:path w="516890" h="585470">
+                  <a:moveTo>
+                    <a:pt x="516636" y="0"/>
+                  </a:moveTo>
+                  <a:lnTo>
+                    <a:pt x="0" y="0"/>
+                  </a:lnTo>
+                  <a:lnTo>
+                    <a:pt x="0" y="585216"/>
+                  </a:lnTo>
+                  <a:lnTo>
+                    <a:pt x="516636" y="585216"/>
+                  </a:lnTo>
+                  <a:lnTo>
+                    <a:pt x="516636" y="0"/>
+                  </a:lnTo>
+                  <a:close/>
+                </a:path>
+              </a:pathLst>
+            </a:custGeom>
+            <a:solidFill>
+              <a:srgbClr val="006FC0"/>
+            </a:solidFill>
+          </p:spPr>
+          <p:txBody>
+            <a:bodyPr wrap="square" lIns="0" tIns="0" rIns="0" bIns="0" rtlCol="0"/>
+            <a:lstStyle/>
+            <a:p>
+              <a:pPr marL="0" marR="0" lvl="0" indent="0" algn="l" defTabSz="914400" rtl="0" eaLnBrk="1" fontAlgn="auto" latinLnBrk="0" hangingPunct="1">
+                <a:lnSpc>
+                  <a:spcPct val="100000"/>
+                </a:lnSpc>
+                <a:spcBef>
+                  <a:spcPts val="0"/>
+                </a:spcBef>
+                <a:spcAft>
+                  <a:spcPts val="0"/>
+                </a:spcAft>
+                <a:buClrTx/>
+                <a:buSzTx/>
+                <a:buFontTx/>
+                <a:buNone/>
+                <a:tabLst/>
+                <a:defRPr/>
+              </a:pPr>
+              <a:endParaRPr kumimoji="0" sz="1800" b="0" i="0" u="none" strike="noStrike" kern="1200" cap="none" spc="0" normalizeH="0" baseline="0" noProof="0">
+                <a:ln>
+                  <a:noFill/>
+                </a:ln>
+                <a:solidFill>
+                  <a:prstClr val="black"/>
+                </a:solidFill>
+                <a:effectLst/>
+                <a:uLnTx/>
+                <a:uFillTx/>
+                <a:latin typeface="Calibri"/>
+                <a:ea typeface="+mn-ea"/>
+                <a:cs typeface="+mn-cs"/>
+              </a:endParaRPr>
+            </a:p>
+          </p:txBody>
+        </p:sp>
+        <p:sp>
+          <p:nvSpPr>
+            <p:cNvPr id="13" name="object 13"/>
+            <p:cNvSpPr/>
+            <p:nvPr/>
+          </p:nvSpPr>
+          <p:spPr>
+            <a:xfrm>
+              <a:off x="352043" y="210311"/>
+              <a:ext cx="516890" cy="585470"/>
+            </a:xfrm>
+            <a:custGeom>
+              <a:avLst/>
+              <a:gdLst/>
+              <a:ahLst/>
+              <a:cxnLst/>
+              <a:rect l="l" t="t" r="r" b="b"/>
+              <a:pathLst>
+                <a:path w="516890" h="585470">
+                  <a:moveTo>
+                    <a:pt x="0" y="585216"/>
+                  </a:moveTo>
+                  <a:lnTo>
+                    <a:pt x="516636" y="585216"/>
+                  </a:lnTo>
+                  <a:lnTo>
+                    <a:pt x="516636" y="0"/>
+                  </a:lnTo>
+                  <a:lnTo>
+                    <a:pt x="0" y="0"/>
+                  </a:lnTo>
+                  <a:lnTo>
+                    <a:pt x="0" y="585216"/>
+                  </a:lnTo>
+                  <a:close/>
+                </a:path>
+              </a:pathLst>
+            </a:custGeom>
+            <a:ln w="6096">
+              <a:solidFill>
+                <a:srgbClr val="006FC0"/>
+              </a:solidFill>
+            </a:ln>
+          </p:spPr>
+          <p:txBody>
+            <a:bodyPr wrap="square" lIns="0" tIns="0" rIns="0" bIns="0" rtlCol="0"/>
+            <a:lstStyle/>
+            <a:p>
+              <a:pPr marL="0" marR="0" lvl="0" indent="0" algn="l" defTabSz="914400" rtl="0" eaLnBrk="1" fontAlgn="auto" latinLnBrk="0" hangingPunct="1">
+                <a:lnSpc>
+                  <a:spcPct val="100000"/>
+                </a:lnSpc>
+                <a:spcBef>
+                  <a:spcPts val="0"/>
+                </a:spcBef>
+                <a:spcAft>
+                  <a:spcPts val="0"/>
+                </a:spcAft>
+                <a:buClrTx/>
+                <a:buSzTx/>
+                <a:buFontTx/>
+                <a:buNone/>
+                <a:tabLst/>
+                <a:defRPr/>
+              </a:pPr>
+              <a:endParaRPr kumimoji="0" sz="1800" b="0" i="0" u="none" strike="noStrike" kern="1200" cap="none" spc="0" normalizeH="0" baseline="0" noProof="0">
+                <a:ln>
+                  <a:noFill/>
+                </a:ln>
+                <a:solidFill>
+                  <a:prstClr val="black"/>
+                </a:solidFill>
+                <a:effectLst/>
+                <a:uLnTx/>
+                <a:uFillTx/>
+                <a:latin typeface="Calibri"/>
+                <a:ea typeface="+mn-ea"/>
+                <a:cs typeface="+mn-cs"/>
+              </a:endParaRPr>
+            </a:p>
+          </p:txBody>
+        </p:sp>
+      </p:grpSp>
+      <p:sp>
+        <p:nvSpPr>
+          <p:cNvPr id="14" name="object 14"/>
+          <p:cNvSpPr txBox="1">
+            <a:spLocks noGrp="1"/>
+          </p:cNvSpPr>
+          <p:nvPr>
+            <p:ph type="title"/>
+          </p:nvPr>
+        </p:nvSpPr>
+        <p:spPr>
+          <a:xfrm>
+            <a:off x="457300" y="199390"/>
+            <a:ext cx="6857899" cy="566822"/>
+          </a:xfrm>
+          <a:prstGeom prst="rect">
+            <a:avLst/>
+          </a:prstGeom>
+        </p:spPr>
+        <p:txBody>
+          <a:bodyPr vert="horz" wrap="square" lIns="0" tIns="12700" rIns="0" bIns="0" rtlCol="0">
+            <a:spAutoFit/>
+          </a:bodyPr>
+          <a:lstStyle/>
+          <a:p>
+            <a:pPr marL="12700">
+              <a:lnSpc>
+                <a:spcPct val="100000"/>
+              </a:lnSpc>
+              <a:spcBef>
+                <a:spcPts val="100"/>
+              </a:spcBef>
+              <a:tabLst>
+                <a:tab pos="2315845" algn="l"/>
+              </a:tabLst>
+            </a:pPr>
+            <a:r>
+              <a:rPr lang="en-US" altLang="zh-CN" spc="75" dirty="0"/>
+              <a:t>3</a:t>
+            </a:r>
+            <a:r>
+              <a:rPr lang="zh-CN" altLang="en-US" spc="75" dirty="0"/>
+              <a:t>	</a:t>
+            </a:r>
+            <a:r>
+              <a:rPr lang="en-US" altLang="zh-CN" spc="75" dirty="0"/>
+              <a:t>WIFI</a:t>
+            </a:r>
+            <a:r>
+              <a:rPr lang="zh-CN" altLang="en-US" spc="75" dirty="0"/>
+              <a:t>室内定位方法</a:t>
+            </a:r>
+            <a:endParaRPr spc="75" dirty="0"/>
+          </a:p>
+        </p:txBody>
+      </p:sp>
+      <p:sp>
+        <p:nvSpPr>
+          <p:cNvPr id="15" name="object 15"/>
+          <p:cNvSpPr txBox="1"/>
+          <p:nvPr/>
+        </p:nvSpPr>
+        <p:spPr>
+          <a:xfrm>
+            <a:off x="960221" y="1549252"/>
+            <a:ext cx="4980940" cy="612347"/>
+          </a:xfrm>
+          <a:prstGeom prst="rect">
+            <a:avLst/>
+          </a:prstGeom>
+        </p:spPr>
+        <p:txBody>
+          <a:bodyPr vert="horz" wrap="square" lIns="0" tIns="240665" rIns="0" bIns="0" rtlCol="0">
+            <a:spAutoFit/>
+          </a:bodyPr>
+          <a:lstStyle/>
+          <a:p>
+            <a:pPr marL="12700" marR="0" lvl="0" indent="0" algn="l" defTabSz="914400" rtl="0" eaLnBrk="1" fontAlgn="auto" latinLnBrk="0" hangingPunct="1">
+              <a:lnSpc>
+                <a:spcPct val="100000"/>
+              </a:lnSpc>
+              <a:spcBef>
+                <a:spcPts val="1895"/>
+              </a:spcBef>
+              <a:spcAft>
+                <a:spcPts val="0"/>
+              </a:spcAft>
+              <a:buClrTx/>
+              <a:buSzTx/>
+              <a:buFontTx/>
+              <a:buNone/>
+              <a:tabLst/>
+              <a:defRPr/>
+            </a:pPr>
+            <a:r>
+              <a:rPr kumimoji="0" lang="en-US" altLang="zh-CN" sz="2400" b="1" i="0" u="none" strike="noStrike" kern="1200" cap="none" spc="0" normalizeH="0" baseline="0" noProof="0" dirty="0">
+                <a:ln>
+                  <a:noFill/>
+                </a:ln>
+                <a:solidFill>
+                  <a:srgbClr val="202122"/>
+                </a:solidFill>
+                <a:effectLst/>
+                <a:uLnTx/>
+                <a:uFillTx/>
+                <a:latin typeface="Arial" panose="020B0604020202020204" pitchFamily="34" charset="0"/>
+                <a:ea typeface="宋体" panose="02010600030101010101" pitchFamily="2" charset="-122"/>
+                <a:cs typeface="+mn-cs"/>
+              </a:rPr>
+              <a:t>  </a:t>
+            </a:r>
+          </a:p>
+        </p:txBody>
+      </p:sp>
+      <p:sp>
+        <p:nvSpPr>
+          <p:cNvPr id="17" name="object 17"/>
+          <p:cNvSpPr txBox="1">
+            <a:spLocks noGrp="1"/>
+          </p:cNvSpPr>
+          <p:nvPr>
+            <p:ph type="sldNum" sz="quarter" idx="7"/>
+          </p:nvPr>
+        </p:nvSpPr>
+        <p:spPr>
+          <a:prstGeom prst="rect">
+            <a:avLst/>
+          </a:prstGeom>
+        </p:spPr>
+        <p:txBody>
+          <a:bodyPr vert="horz" wrap="square" lIns="0" tIns="0" rIns="0" bIns="0" rtlCol="0">
+            <a:spAutoFit/>
+          </a:bodyPr>
+          <a:lstStyle/>
+          <a:p>
+            <a:pPr marL="38100" marR="0" lvl="0" indent="0" algn="l" defTabSz="914400" rtl="0" eaLnBrk="1" fontAlgn="auto" latinLnBrk="0" hangingPunct="1">
+              <a:lnSpc>
+                <a:spcPts val="2005"/>
+              </a:lnSpc>
+              <a:spcBef>
+                <a:spcPts val="0"/>
+              </a:spcBef>
+              <a:spcAft>
+                <a:spcPts val="0"/>
+              </a:spcAft>
+              <a:buClrTx/>
+              <a:buSzTx/>
+              <a:buFontTx/>
+              <a:buNone/>
+              <a:tabLst/>
+              <a:defRPr/>
+            </a:pPr>
+            <a:fld id="{81D60167-4931-47E6-BA6A-407CBD079E47}" type="slidenum">
+              <a:rPr kumimoji="0" sz="2000" b="1" i="0" u="none" strike="noStrike" kern="1200" cap="none" spc="0" normalizeH="0" baseline="0" noProof="0" dirty="0">
+                <a:ln>
+                  <a:noFill/>
+                </a:ln>
+                <a:solidFill>
+                  <a:prstClr val="white"/>
+                </a:solidFill>
+                <a:effectLst/>
+                <a:uLnTx/>
+                <a:uFillTx/>
+                <a:latin typeface="Calibri" panose="020F0502020204030204"/>
+                <a:ea typeface="+mn-ea"/>
+                <a:cs typeface="Calibri" panose="020F0502020204030204"/>
+              </a:rPr>
+              <a:pPr marL="38100" marR="0" lvl="0" indent="0" algn="l" defTabSz="914400" rtl="0" eaLnBrk="1" fontAlgn="auto" latinLnBrk="0" hangingPunct="1">
+                <a:lnSpc>
+                  <a:spcPts val="2005"/>
+                </a:lnSpc>
+                <a:spcBef>
+                  <a:spcPts val="0"/>
+                </a:spcBef>
+                <a:spcAft>
+                  <a:spcPts val="0"/>
+                </a:spcAft>
+                <a:buClrTx/>
+                <a:buSzTx/>
+                <a:buFontTx/>
+                <a:buNone/>
+                <a:tabLst/>
+                <a:defRPr/>
+              </a:pPr>
+              <a:t>15</a:t>
+            </a:fld>
+            <a:endParaRPr kumimoji="0" sz="2000" b="1" i="0" u="none" strike="noStrike" kern="1200" cap="none" spc="0" normalizeH="0" baseline="0" noProof="0" dirty="0">
+              <a:ln>
+                <a:noFill/>
+              </a:ln>
+              <a:solidFill>
+                <a:prstClr val="white"/>
+              </a:solidFill>
+              <a:effectLst/>
+              <a:uLnTx/>
+              <a:uFillTx/>
+              <a:latin typeface="Calibri" panose="020F0502020204030204"/>
+              <a:ea typeface="+mn-ea"/>
+              <a:cs typeface="Calibri" panose="020F0502020204030204"/>
+            </a:endParaRPr>
+          </a:p>
+        </p:txBody>
+      </p:sp>
+      <p:sp>
+        <p:nvSpPr>
+          <p:cNvPr id="23" name="文本框 22">
+            <a:extLst>
+              <a:ext uri="{FF2B5EF4-FFF2-40B4-BE49-F238E27FC236}">
+                <a16:creationId xmlns:a16="http://schemas.microsoft.com/office/drawing/2014/main" id="{778FE6CF-9401-420A-8363-C1778D0E384A}"/>
+              </a:ext>
+            </a:extLst>
+          </p:cNvPr>
+          <p:cNvSpPr txBox="1"/>
+          <p:nvPr/>
+        </p:nvSpPr>
+        <p:spPr>
+          <a:xfrm>
+            <a:off x="293826" y="857623"/>
+            <a:ext cx="4576762" cy="523220"/>
+          </a:xfrm>
+          <a:prstGeom prst="rect">
+            <a:avLst/>
+          </a:prstGeom>
+          <a:noFill/>
+        </p:spPr>
+        <p:txBody>
+          <a:bodyPr wrap="square">
+            <a:spAutoFit/>
+          </a:bodyPr>
+          <a:lstStyle/>
+          <a:p>
+            <a:pPr marL="12700">
+              <a:lnSpc>
+                <a:spcPct val="100000"/>
+              </a:lnSpc>
+              <a:spcBef>
+                <a:spcPts val="95"/>
+              </a:spcBef>
+            </a:pPr>
+            <a:r>
+              <a:rPr lang="en-US" altLang="zh-CN" sz="2800" spc="-5" dirty="0">
+                <a:latin typeface="微软雅黑" panose="020B0503020204020204" pitchFamily="34" charset="-122"/>
+                <a:ea typeface="微软雅黑" panose="020B0503020204020204" pitchFamily="34" charset="-122"/>
+                <a:cs typeface="微软雅黑"/>
+              </a:rPr>
+              <a:t>3.3 </a:t>
+            </a:r>
+            <a:r>
+              <a:rPr lang="zh-CN" altLang="en-US" sz="2800" spc="-5" dirty="0">
+                <a:latin typeface="微软雅黑" panose="020B0503020204020204" pitchFamily="34" charset="-122"/>
+                <a:ea typeface="微软雅黑" panose="020B0503020204020204" pitchFamily="34" charset="-122"/>
+                <a:cs typeface="微软雅黑"/>
+              </a:rPr>
+              <a:t>位置指纹法</a:t>
+            </a:r>
+            <a:endParaRPr lang="zh-CN" altLang="en-US" sz="2800" dirty="0">
+              <a:latin typeface="微软雅黑" panose="020B0503020204020204" pitchFamily="34" charset="-122"/>
+              <a:ea typeface="微软雅黑" panose="020B0503020204020204" pitchFamily="34" charset="-122"/>
+              <a:cs typeface="微软雅黑"/>
+            </a:endParaRPr>
+          </a:p>
+        </p:txBody>
+      </p:sp>
+      <p:sp>
+        <p:nvSpPr>
+          <p:cNvPr id="21" name="文本框 20">
+            <a:extLst>
+              <a:ext uri="{FF2B5EF4-FFF2-40B4-BE49-F238E27FC236}">
+                <a16:creationId xmlns:a16="http://schemas.microsoft.com/office/drawing/2014/main" id="{C1DEAF2F-69EA-4B8E-B1B9-46A29FFE92CB}"/>
+              </a:ext>
+            </a:extLst>
+          </p:cNvPr>
+          <p:cNvSpPr txBox="1"/>
+          <p:nvPr/>
+        </p:nvSpPr>
+        <p:spPr>
+          <a:xfrm>
+            <a:off x="297999" y="1416633"/>
+            <a:ext cx="2216601" cy="461665"/>
+          </a:xfrm>
+          <a:prstGeom prst="rect">
+            <a:avLst/>
+          </a:prstGeom>
+          <a:noFill/>
+        </p:spPr>
+        <p:txBody>
+          <a:bodyPr wrap="square">
+            <a:spAutoFit/>
+          </a:bodyPr>
+          <a:lstStyle/>
+          <a:p>
+            <a:pPr marL="12700">
+              <a:lnSpc>
+                <a:spcPct val="100000"/>
+              </a:lnSpc>
+              <a:spcBef>
+                <a:spcPts val="95"/>
+              </a:spcBef>
+            </a:pPr>
+            <a:r>
+              <a:rPr lang="en-US" altLang="zh-CN" sz="2400" spc="-5" dirty="0">
+                <a:latin typeface="微软雅黑" panose="020B0503020204020204" pitchFamily="34" charset="-122"/>
+                <a:ea typeface="微软雅黑" panose="020B0503020204020204" pitchFamily="34" charset="-122"/>
+                <a:cs typeface="微软雅黑"/>
+              </a:rPr>
+              <a:t>3.3.1 </a:t>
+            </a:r>
+            <a:r>
+              <a:rPr lang="zh-CN" altLang="en-US" sz="2400" spc="-5" dirty="0">
+                <a:latin typeface="微软雅黑" panose="020B0503020204020204" pitchFamily="34" charset="-122"/>
+                <a:ea typeface="微软雅黑" panose="020B0503020204020204" pitchFamily="34" charset="-122"/>
+                <a:cs typeface="微软雅黑"/>
+              </a:rPr>
+              <a:t>原理</a:t>
+            </a:r>
+            <a:endParaRPr lang="zh-CN" altLang="en-US" sz="2400" baseline="30000" dirty="0">
+              <a:latin typeface="微软雅黑" panose="020B0503020204020204" pitchFamily="34" charset="-122"/>
+              <a:ea typeface="微软雅黑" panose="020B0503020204020204" pitchFamily="34" charset="-122"/>
+              <a:cs typeface="微软雅黑"/>
+            </a:endParaRPr>
+          </a:p>
+        </p:txBody>
+      </p:sp>
+      <p:pic>
+        <p:nvPicPr>
+          <p:cNvPr id="22" name="图片 21" descr="图示&#10;&#10;描述已自动生成">
+            <a:extLst>
+              <a:ext uri="{FF2B5EF4-FFF2-40B4-BE49-F238E27FC236}">
+                <a16:creationId xmlns:a16="http://schemas.microsoft.com/office/drawing/2014/main" id="{D738E3F7-03CD-482E-9CB2-455ED84BA12E}"/>
+              </a:ext>
+            </a:extLst>
+          </p:cNvPr>
+          <p:cNvPicPr>
+            <a:picLocks noChangeAspect="1"/>
+          </p:cNvPicPr>
+          <p:nvPr/>
+        </p:nvPicPr>
+        <p:blipFill>
+          <a:blip r:embed="rId2">
+            <a:extLst>
+              <a:ext uri="{28A0092B-C50C-407E-A947-70E740481C1C}">
+                <a14:useLocalDpi xmlns:a14="http://schemas.microsoft.com/office/drawing/2010/main" val="0"/>
+              </a:ext>
+            </a:extLst>
+          </a:blip>
+          <a:stretch>
+            <a:fillRect/>
+          </a:stretch>
+        </p:blipFill>
+        <p:spPr>
+          <a:xfrm>
+            <a:off x="89915" y="3186689"/>
+            <a:ext cx="8315325" cy="3019425"/>
+          </a:xfrm>
+          <a:prstGeom prst="rect">
+            <a:avLst/>
+          </a:prstGeom>
+        </p:spPr>
+      </p:pic>
+      <p:sp>
+        <p:nvSpPr>
+          <p:cNvPr id="30" name="文本框 29">
+            <a:extLst>
+              <a:ext uri="{FF2B5EF4-FFF2-40B4-BE49-F238E27FC236}">
+                <a16:creationId xmlns:a16="http://schemas.microsoft.com/office/drawing/2014/main" id="{5FAAFC05-1C1B-4797-9C87-86E01491A67E}"/>
+              </a:ext>
+            </a:extLst>
+          </p:cNvPr>
+          <p:cNvSpPr txBox="1"/>
+          <p:nvPr/>
+        </p:nvSpPr>
+        <p:spPr>
+          <a:xfrm>
+            <a:off x="883859" y="2067389"/>
+            <a:ext cx="7145020" cy="646331"/>
+          </a:xfrm>
+          <a:prstGeom prst="rect">
+            <a:avLst/>
+          </a:prstGeom>
+          <a:noFill/>
+        </p:spPr>
+        <p:txBody>
+          <a:bodyPr wrap="square">
+            <a:spAutoFit/>
+          </a:bodyPr>
+          <a:lstStyle/>
+          <a:p>
+            <a:pPr marL="285750" indent="-285750">
+              <a:buFont typeface="Arial" panose="020B0604020202020204" pitchFamily="34" charset="0"/>
+              <a:buChar char="•"/>
+            </a:pPr>
+            <a:r>
+              <a:rPr lang="en-US" altLang="zh-CN" sz="1800" b="0" dirty="0"/>
+              <a:t>RSS</a:t>
+            </a:r>
+            <a:r>
+              <a:rPr lang="zh-CN" altLang="en-US" sz="1800" b="0" dirty="0"/>
+              <a:t>与传播距离成反比，故</a:t>
+            </a:r>
+            <a:r>
+              <a:rPr lang="en-US" altLang="zh-CN" sz="1800" b="0" dirty="0"/>
+              <a:t>RSS</a:t>
+            </a:r>
+            <a:r>
+              <a:rPr lang="zh-CN" altLang="en-US" sz="1800" b="0" dirty="0"/>
+              <a:t>值与空间位置具有一定的关联特征</a:t>
+            </a:r>
+            <a:endParaRPr lang="en-US" altLang="zh-CN" sz="1800" b="0" dirty="0"/>
+          </a:p>
+          <a:p>
+            <a:pPr marL="285750" indent="-285750">
+              <a:buFont typeface="Arial" panose="020B0604020202020204" pitchFamily="34" charset="0"/>
+              <a:buChar char="•"/>
+            </a:pPr>
+            <a:r>
+              <a:rPr lang="zh-CN" altLang="en-US" dirty="0"/>
+              <a:t>利用关联将</a:t>
+            </a:r>
+            <a:r>
+              <a:rPr lang="en-US" altLang="zh-CN" dirty="0"/>
+              <a:t>RSS</a:t>
+            </a:r>
+            <a:r>
+              <a:rPr lang="zh-CN" altLang="en-US" dirty="0"/>
+              <a:t>向量与坐标一一对应起来</a:t>
+            </a:r>
+            <a:endParaRPr lang="en-US" altLang="zh-CN" dirty="0"/>
+          </a:p>
+        </p:txBody>
+      </p:sp>
+      <p:cxnSp>
+        <p:nvCxnSpPr>
+          <p:cNvPr id="32" name="直接箭头连接符 31">
+            <a:extLst>
+              <a:ext uri="{FF2B5EF4-FFF2-40B4-BE49-F238E27FC236}">
+                <a16:creationId xmlns:a16="http://schemas.microsoft.com/office/drawing/2014/main" id="{18396514-38A6-4B5A-99FC-B3A2E0944968}"/>
+              </a:ext>
+            </a:extLst>
+          </p:cNvPr>
+          <p:cNvCxnSpPr/>
+          <p:nvPr/>
+        </p:nvCxnSpPr>
+        <p:spPr>
+          <a:xfrm flipV="1">
+            <a:off x="1524000" y="3657600"/>
+            <a:ext cx="990600" cy="1524000"/>
+          </a:xfrm>
+          <a:prstGeom prst="straightConnector1">
+            <a:avLst/>
+          </a:prstGeom>
+          <a:ln>
+            <a:tailEnd type="triangle"/>
+          </a:ln>
+        </p:spPr>
+        <p:style>
+          <a:lnRef idx="3">
+            <a:schemeClr val="accent2"/>
+          </a:lnRef>
+          <a:fillRef idx="0">
+            <a:schemeClr val="accent2"/>
+          </a:fillRef>
+          <a:effectRef idx="2">
+            <a:schemeClr val="accent2"/>
+          </a:effectRef>
+          <a:fontRef idx="minor">
+            <a:schemeClr val="tx1"/>
+          </a:fontRef>
+        </p:style>
+      </p:cxnSp>
+      <p:sp>
+        <p:nvSpPr>
+          <p:cNvPr id="34" name="文本框 33">
+            <a:extLst>
+              <a:ext uri="{FF2B5EF4-FFF2-40B4-BE49-F238E27FC236}">
+                <a16:creationId xmlns:a16="http://schemas.microsoft.com/office/drawing/2014/main" id="{0E80AAAB-145B-4B3A-8B64-7AD3E3C1D9B9}"/>
+              </a:ext>
+            </a:extLst>
+          </p:cNvPr>
+          <p:cNvSpPr txBox="1"/>
+          <p:nvPr/>
+        </p:nvSpPr>
+        <p:spPr>
+          <a:xfrm>
+            <a:off x="2137377" y="2982145"/>
+            <a:ext cx="5482624" cy="646331"/>
+          </a:xfrm>
+          <a:prstGeom prst="rect">
+            <a:avLst/>
+          </a:prstGeom>
+          <a:noFill/>
+        </p:spPr>
+        <p:txBody>
+          <a:bodyPr wrap="square">
+            <a:spAutoFit/>
+          </a:bodyPr>
+          <a:lstStyle/>
+          <a:p>
+            <a:r>
+              <a:rPr lang="zh-CN" altLang="en-US" sz="1800" b="0" dirty="0">
+                <a:solidFill>
+                  <a:srgbClr val="FF0000"/>
+                </a:solidFill>
+              </a:rPr>
+              <a:t>每个参考点接受</a:t>
+            </a:r>
+            <a:r>
+              <a:rPr lang="en-US" altLang="zh-CN" sz="1800" b="0" dirty="0">
+                <a:solidFill>
+                  <a:srgbClr val="FF0000"/>
+                </a:solidFill>
+              </a:rPr>
+              <a:t>AP</a:t>
+            </a:r>
+            <a:r>
+              <a:rPr lang="zh-CN" altLang="en-US" sz="1800" b="0" dirty="0">
+                <a:solidFill>
+                  <a:srgbClr val="FF0000"/>
+                </a:solidFill>
+              </a:rPr>
+              <a:t>信号，多个</a:t>
+            </a:r>
+            <a:r>
+              <a:rPr lang="en-US" altLang="zh-CN" sz="1800" b="0" dirty="0">
+                <a:solidFill>
+                  <a:srgbClr val="FF0000"/>
+                </a:solidFill>
+              </a:rPr>
+              <a:t>AP</a:t>
+            </a:r>
+            <a:r>
+              <a:rPr lang="zh-CN" altLang="en-US" sz="1800" b="0" dirty="0">
+                <a:solidFill>
+                  <a:srgbClr val="FF0000"/>
+                </a:solidFill>
+              </a:rPr>
+              <a:t>组成</a:t>
+            </a:r>
+            <a:r>
+              <a:rPr lang="en-US" altLang="zh-CN" sz="1800" b="0" dirty="0">
+                <a:solidFill>
+                  <a:srgbClr val="FF0000"/>
+                </a:solidFill>
+              </a:rPr>
+              <a:t>RSS</a:t>
+            </a:r>
+            <a:r>
+              <a:rPr lang="zh-CN" altLang="en-US" sz="1800" b="0" dirty="0">
+                <a:solidFill>
+                  <a:srgbClr val="FF0000"/>
+                </a:solidFill>
+              </a:rPr>
+              <a:t>向量唯一标记位置，得到无线电地图</a:t>
+            </a:r>
+            <a:endParaRPr lang="en-US" altLang="zh-CN" sz="1800" b="0" dirty="0">
+              <a:solidFill>
+                <a:srgbClr val="FF0000"/>
+              </a:solidFill>
+            </a:endParaRPr>
+          </a:p>
+        </p:txBody>
+      </p:sp>
+      <p:cxnSp>
+        <p:nvCxnSpPr>
+          <p:cNvPr id="35" name="直接箭头连接符 34">
+            <a:extLst>
+              <a:ext uri="{FF2B5EF4-FFF2-40B4-BE49-F238E27FC236}">
+                <a16:creationId xmlns:a16="http://schemas.microsoft.com/office/drawing/2014/main" id="{2D83C20F-E555-4028-91BC-733D98F9D4D2}"/>
+              </a:ext>
+            </a:extLst>
+          </p:cNvPr>
+          <p:cNvCxnSpPr>
+            <a:cxnSpLocks/>
+          </p:cNvCxnSpPr>
+          <p:nvPr/>
+        </p:nvCxnSpPr>
+        <p:spPr>
+          <a:xfrm>
+            <a:off x="6321457" y="5791200"/>
+            <a:ext cx="612743" cy="0"/>
+          </a:xfrm>
+          <a:prstGeom prst="straightConnector1">
+            <a:avLst/>
+          </a:prstGeom>
+          <a:ln>
+            <a:tailEnd type="triangle"/>
+          </a:ln>
+        </p:spPr>
+        <p:style>
+          <a:lnRef idx="3">
+            <a:schemeClr val="accent2"/>
+          </a:lnRef>
+          <a:fillRef idx="0">
+            <a:schemeClr val="accent2"/>
+          </a:fillRef>
+          <a:effectRef idx="2">
+            <a:schemeClr val="accent2"/>
+          </a:effectRef>
+          <a:fontRef idx="minor">
+            <a:schemeClr val="tx1"/>
+          </a:fontRef>
+        </p:style>
+      </p:cxnSp>
+      <p:sp>
+        <p:nvSpPr>
+          <p:cNvPr id="38" name="文本框 37">
+            <a:extLst>
+              <a:ext uri="{FF2B5EF4-FFF2-40B4-BE49-F238E27FC236}">
+                <a16:creationId xmlns:a16="http://schemas.microsoft.com/office/drawing/2014/main" id="{0F3ED9A3-D3FD-4C01-9C84-00A75D658AB1}"/>
+              </a:ext>
+            </a:extLst>
+          </p:cNvPr>
+          <p:cNvSpPr txBox="1"/>
+          <p:nvPr/>
+        </p:nvSpPr>
+        <p:spPr>
+          <a:xfrm>
+            <a:off x="7043231" y="5529752"/>
+            <a:ext cx="1456380" cy="646331"/>
+          </a:xfrm>
+          <a:prstGeom prst="rect">
+            <a:avLst/>
+          </a:prstGeom>
+          <a:noFill/>
+        </p:spPr>
+        <p:txBody>
+          <a:bodyPr wrap="square">
+            <a:spAutoFit/>
+          </a:bodyPr>
+          <a:lstStyle/>
+          <a:p>
+            <a:r>
+              <a:rPr lang="zh-CN" altLang="en-US" sz="1800" b="0" dirty="0">
+                <a:solidFill>
+                  <a:srgbClr val="FF0000"/>
+                </a:solidFill>
+              </a:rPr>
+              <a:t>匹配实际数据计算位置</a:t>
+            </a:r>
+            <a:endParaRPr lang="en-US" altLang="zh-CN" sz="1800" b="0" dirty="0">
+              <a:solidFill>
+                <a:srgbClr val="FF0000"/>
+              </a:solidFill>
+            </a:endParaRPr>
+          </a:p>
+        </p:txBody>
+      </p:sp>
+      <p:sp>
+        <p:nvSpPr>
+          <p:cNvPr id="25" name="文本框 24">
+            <a:extLst>
+              <a:ext uri="{FF2B5EF4-FFF2-40B4-BE49-F238E27FC236}">
+                <a16:creationId xmlns:a16="http://schemas.microsoft.com/office/drawing/2014/main" id="{EABF3052-1119-4A9D-8ED5-4D8000D517EE}"/>
+              </a:ext>
+            </a:extLst>
+          </p:cNvPr>
+          <p:cNvSpPr txBox="1"/>
+          <p:nvPr/>
+        </p:nvSpPr>
+        <p:spPr>
+          <a:xfrm>
+            <a:off x="3233917" y="6300231"/>
+            <a:ext cx="2617217" cy="369332"/>
+          </a:xfrm>
+          <a:prstGeom prst="rect">
+            <a:avLst/>
+          </a:prstGeom>
+          <a:noFill/>
+        </p:spPr>
+        <p:txBody>
+          <a:bodyPr wrap="square" rtlCol="0">
+            <a:spAutoFit/>
+          </a:bodyPr>
+          <a:lstStyle/>
+          <a:p>
+            <a:r>
+              <a:rPr lang="zh-CN" altLang="en-US" dirty="0"/>
+              <a:t>图</a:t>
+            </a:r>
+            <a:r>
+              <a:rPr lang="en-US" altLang="zh-CN" dirty="0"/>
+              <a:t>3-4 </a:t>
+            </a:r>
+            <a:r>
+              <a:rPr lang="zh-CN" altLang="en-US" dirty="0"/>
+              <a:t>位置指纹法原理</a:t>
+            </a:r>
+          </a:p>
+        </p:txBody>
+      </p:sp>
+    </p:spTree>
+    <p:extLst>
+      <p:ext uri="{BB962C8B-B14F-4D97-AF65-F5344CB8AC3E}">
+        <p14:creationId xmlns:p14="http://schemas.microsoft.com/office/powerpoint/2010/main" val="3017056952"/>
+      </p:ext>
+    </p:extLst>
+  </p:cSld>
+  <p:clrMapOvr>
+    <a:masterClrMapping/>
+  </p:clrMapOvr>
+</p:sld>
+</file>
+
+<file path=ppt/slides/slide16.xml><?xml version="1.0" encoding="utf-8"?>
+<p:sld xmlns:a="http://schemas.openxmlformats.org/drawingml/2006/main" xmlns:r="http://schemas.openxmlformats.org/officeDocument/2006/relationships" xmlns:p="http://schemas.openxmlformats.org/presentationml/2006/main">
+  <p:cSld>
+    <p:spTree>
+      <p:nvGrpSpPr>
+        <p:cNvPr id="1" name=""/>
+        <p:cNvGrpSpPr/>
+        <p:nvPr/>
+      </p:nvGrpSpPr>
+      <p:grpSpPr>
+        <a:xfrm>
+          <a:off x="0" y="0"/>
+          <a:ext cx="0" cy="0"/>
+          <a:chOff x="0" y="0"/>
+          <a:chExt cx="0" cy="0"/>
+        </a:xfrm>
+      </p:grpSpPr>
+      <p:pic>
+        <p:nvPicPr>
+          <p:cNvPr id="27" name="图片 26">
+            <a:extLst>
+              <a:ext uri="{FF2B5EF4-FFF2-40B4-BE49-F238E27FC236}">
+                <a16:creationId xmlns:a16="http://schemas.microsoft.com/office/drawing/2014/main" id="{08A035D3-9935-4412-A8E5-7A52449620AE}"/>
+              </a:ext>
+            </a:extLst>
+          </p:cNvPr>
+          <p:cNvPicPr>
+            <a:picLocks noChangeAspect="1"/>
+          </p:cNvPicPr>
+          <p:nvPr/>
+        </p:nvPicPr>
+        <p:blipFill>
+          <a:blip r:embed="rId2">
+            <a:extLst>
+              <a:ext uri="{28A0092B-C50C-407E-A947-70E740481C1C}">
+                <a14:useLocalDpi xmlns:a14="http://schemas.microsoft.com/office/drawing/2010/main" val="0"/>
+              </a:ext>
+            </a:extLst>
+          </a:blip>
+          <a:stretch>
+            <a:fillRect/>
+          </a:stretch>
+        </p:blipFill>
+        <p:spPr>
+          <a:xfrm>
+            <a:off x="691007" y="5627643"/>
+            <a:ext cx="4737431" cy="1067864"/>
+          </a:xfrm>
+          <a:prstGeom prst="rect">
+            <a:avLst/>
+          </a:prstGeom>
+        </p:spPr>
+      </p:pic>
+      <p:pic>
+        <p:nvPicPr>
+          <p:cNvPr id="18" name="图片 17">
+            <a:extLst>
+              <a:ext uri="{FF2B5EF4-FFF2-40B4-BE49-F238E27FC236}">
+                <a16:creationId xmlns:a16="http://schemas.microsoft.com/office/drawing/2014/main" id="{39F40C96-7152-4DB8-9066-F1245404F2F0}"/>
+              </a:ext>
+            </a:extLst>
+          </p:cNvPr>
+          <p:cNvPicPr>
+            <a:picLocks noChangeAspect="1"/>
+          </p:cNvPicPr>
+          <p:nvPr/>
+        </p:nvPicPr>
+        <p:blipFill rotWithShape="1">
+          <a:blip r:embed="rId3">
+            <a:extLst>
+              <a:ext uri="{28A0092B-C50C-407E-A947-70E740481C1C}">
+                <a14:useLocalDpi xmlns:a14="http://schemas.microsoft.com/office/drawing/2010/main" val="0"/>
+              </a:ext>
+            </a:extLst>
+          </a:blip>
+          <a:srcRect l="8308" t="11860" r="947" b="4470"/>
+          <a:stretch/>
+        </p:blipFill>
+        <p:spPr>
+          <a:xfrm>
+            <a:off x="2362200" y="2716966"/>
+            <a:ext cx="4142600" cy="933543"/>
+          </a:xfrm>
+          <a:prstGeom prst="rect">
+            <a:avLst/>
+          </a:prstGeom>
+        </p:spPr>
+      </p:pic>
+      <mc:AlternateContent xmlns:mc="http://schemas.openxmlformats.org/markup-compatibility/2006">
+        <mc:Choice xmlns:a14="http://schemas.microsoft.com/office/drawing/2010/main" Requires="a14">
+          <p:sp>
+            <p:nvSpPr>
+              <p:cNvPr id="31" name="文本框 30">
+                <a:extLst>
+                  <a:ext uri="{FF2B5EF4-FFF2-40B4-BE49-F238E27FC236}">
+                    <a16:creationId xmlns:a16="http://schemas.microsoft.com/office/drawing/2014/main" id="{E013196A-20DC-454B-A31A-B02E0B4E7140}"/>
+                  </a:ext>
+                </a:extLst>
+              </p:cNvPr>
+              <p:cNvSpPr txBox="1"/>
+              <p:nvPr/>
+            </p:nvSpPr>
+            <p:spPr>
+              <a:xfrm>
+                <a:off x="739902" y="3097343"/>
+                <a:ext cx="7261098" cy="2079737"/>
+              </a:xfrm>
+              <a:prstGeom prst="rect">
+                <a:avLst/>
+              </a:prstGeom>
+              <a:noFill/>
+            </p:spPr>
+            <p:txBody>
+              <a:bodyPr wrap="square">
+                <a:spAutoFit/>
+              </a:bodyPr>
+              <a:lstStyle/>
+              <a:p>
+                <a:pPr marL="285750" indent="-285750">
+                  <a:buFont typeface="Arial" panose="020B0604020202020204" pitchFamily="34" charset="0"/>
+                  <a:buChar char="•"/>
+                </a:pPr>
+                <a:r>
+                  <a:rPr lang="zh-CN" altLang="en-US" dirty="0"/>
+                  <a:t>相似度距离</a:t>
+                </a:r>
+                <a:r>
+                  <a:rPr lang="zh-CN" altLang="en-US" sz="1800" b="0" dirty="0"/>
+                  <a:t>：</a:t>
+                </a:r>
+                <a:endParaRPr lang="en-US" altLang="zh-CN" sz="1800" b="0" dirty="0"/>
+              </a:p>
+              <a:p>
+                <a:endParaRPr lang="en-US" altLang="zh-CN" dirty="0"/>
+              </a:p>
+              <a:p>
+                <a14:m>
+                  <m:oMath xmlns:m="http://schemas.openxmlformats.org/officeDocument/2006/math">
+                    <m:r>
+                      <a:rPr lang="en-US" altLang="zh-CN" i="1" dirty="0" smtClean="0">
+                        <a:latin typeface="Cambria Math" panose="02040503050406030204" pitchFamily="18" charset="0"/>
+                      </a:rPr>
+                      <m:t>𝑁</m:t>
+                    </m:r>
+                    <m:r>
+                      <a:rPr lang="zh-CN" altLang="en-US" i="1" dirty="0">
+                        <a:latin typeface="Cambria Math" panose="02040503050406030204" pitchFamily="18" charset="0"/>
+                      </a:rPr>
+                      <m:t>：</m:t>
+                    </m:r>
+                    <m:r>
+                      <a:rPr lang="en-US" altLang="zh-CN" i="1" dirty="0" smtClean="0">
+                        <a:latin typeface="Cambria Math" panose="02040503050406030204" pitchFamily="18" charset="0"/>
+                      </a:rPr>
+                      <m:t>𝐴𝑃</m:t>
+                    </m:r>
+                  </m:oMath>
+                </a14:m>
+                <a:r>
+                  <a:rPr lang="zh-CN" altLang="en-US" dirty="0"/>
+                  <a:t>数量</a:t>
+                </a:r>
+                <a:endParaRPr lang="en-US" altLang="zh-CN" dirty="0"/>
+              </a:p>
+              <a:p>
+                <a14:m>
+                  <m:oMath xmlns:m="http://schemas.openxmlformats.org/officeDocument/2006/math">
+                    <m:r>
+                      <a:rPr lang="en-US" altLang="zh-CN" i="1" dirty="0" smtClean="0">
+                        <a:latin typeface="Cambria Math" panose="02040503050406030204" pitchFamily="18" charset="0"/>
+                      </a:rPr>
+                      <m:t>𝐿</m:t>
+                    </m:r>
+                    <m:r>
+                      <a:rPr lang="zh-CN" altLang="en-US" i="1" dirty="0">
+                        <a:latin typeface="Cambria Math" panose="02040503050406030204" pitchFamily="18" charset="0"/>
+                      </a:rPr>
+                      <m:t>：</m:t>
+                    </m:r>
+                  </m:oMath>
+                </a14:m>
+                <a:r>
+                  <a:rPr lang="zh-CN" altLang="en-US" dirty="0"/>
+                  <a:t>参考点数量 </a:t>
+                </a:r>
+                <a:endParaRPr lang="en-US" altLang="zh-CN" i="1" dirty="0">
+                  <a:latin typeface="Cambria Math" panose="02040503050406030204" pitchFamily="18" charset="0"/>
+                </a:endParaRPr>
+              </a:p>
+              <a:p>
+                <a14:m>
+                  <m:oMath xmlns:m="http://schemas.openxmlformats.org/officeDocument/2006/math">
+                    <m:r>
+                      <a:rPr lang="en-US" altLang="zh-CN" i="1" dirty="0" smtClean="0">
+                        <a:latin typeface="Cambria Math" panose="02040503050406030204" pitchFamily="18" charset="0"/>
+                      </a:rPr>
+                      <m:t>𝑟𝑠</m:t>
+                    </m:r>
+                    <m:sSub>
+                      <m:sSubPr>
+                        <m:ctrlPr>
+                          <a:rPr lang="en-US" altLang="zh-CN" b="0" i="1" dirty="0" smtClean="0">
+                            <a:latin typeface="Cambria Math" panose="02040503050406030204" pitchFamily="18" charset="0"/>
+                          </a:rPr>
+                        </m:ctrlPr>
+                      </m:sSubPr>
+                      <m:e>
+                        <m:r>
+                          <a:rPr lang="en-US" altLang="zh-CN" i="1" dirty="0" smtClean="0">
+                            <a:latin typeface="Cambria Math" panose="02040503050406030204" pitchFamily="18" charset="0"/>
+                          </a:rPr>
+                          <m:t>𝑠</m:t>
+                        </m:r>
+                      </m:e>
+                      <m:sub>
+                        <m:r>
+                          <a:rPr lang="en-US" altLang="zh-CN" b="0" i="1" dirty="0" smtClean="0">
+                            <a:latin typeface="Cambria Math" panose="02040503050406030204" pitchFamily="18" charset="0"/>
+                          </a:rPr>
+                          <m:t>𝑗</m:t>
+                        </m:r>
+                      </m:sub>
+                    </m:sSub>
+                    <m:r>
+                      <a:rPr lang="zh-CN" altLang="en-US" i="1" dirty="0">
+                        <a:latin typeface="Cambria Math" panose="02040503050406030204" pitchFamily="18" charset="0"/>
+                      </a:rPr>
+                      <m:t>：待测</m:t>
+                    </m:r>
+                    <m:r>
+                      <a:rPr lang="zh-CN" altLang="en-US" i="1" dirty="0" smtClean="0">
+                        <a:latin typeface="Cambria Math" panose="02040503050406030204" pitchFamily="18" charset="0"/>
+                      </a:rPr>
+                      <m:t>处</m:t>
+                    </m:r>
+                  </m:oMath>
+                </a14:m>
+                <a:r>
+                  <a:rPr lang="zh-CN" altLang="en-US" dirty="0"/>
+                  <a:t>测得的第</a:t>
+                </a:r>
+                <a14:m>
+                  <m:oMath xmlns:m="http://schemas.openxmlformats.org/officeDocument/2006/math">
+                    <m:r>
+                      <a:rPr lang="en-US" altLang="zh-CN" i="1" dirty="0" smtClean="0">
+                        <a:latin typeface="Cambria Math" panose="02040503050406030204" pitchFamily="18" charset="0"/>
+                      </a:rPr>
+                      <m:t>𝑗</m:t>
+                    </m:r>
+                  </m:oMath>
+                </a14:m>
+                <a:r>
+                  <a:rPr lang="zh-CN" altLang="en-US" dirty="0"/>
+                  <a:t>个</a:t>
+                </a:r>
+                <a14:m>
+                  <m:oMath xmlns:m="http://schemas.openxmlformats.org/officeDocument/2006/math">
+                    <m:r>
+                      <a:rPr lang="en-US" altLang="zh-CN" i="1" dirty="0" smtClean="0">
+                        <a:latin typeface="Cambria Math" panose="02040503050406030204" pitchFamily="18" charset="0"/>
+                      </a:rPr>
+                      <m:t>𝐴𝑃</m:t>
+                    </m:r>
+                  </m:oMath>
+                </a14:m>
+                <a:r>
+                  <a:rPr lang="zh-CN" altLang="en-US" dirty="0"/>
+                  <a:t>的</a:t>
+                </a:r>
+                <a14:m>
+                  <m:oMath xmlns:m="http://schemas.openxmlformats.org/officeDocument/2006/math">
+                    <m:r>
+                      <a:rPr lang="en-US" altLang="zh-CN" i="1" dirty="0" smtClean="0">
+                        <a:latin typeface="Cambria Math" panose="02040503050406030204" pitchFamily="18" charset="0"/>
+                      </a:rPr>
+                      <m:t>𝑅𝑆𝑆</m:t>
+                    </m:r>
+                  </m:oMath>
+                </a14:m>
+                <a:r>
+                  <a:rPr lang="zh-CN" altLang="en-US" dirty="0"/>
+                  <a:t>值</a:t>
+                </a:r>
+                <a:endParaRPr lang="en-US" altLang="zh-CN" dirty="0"/>
+              </a:p>
+              <a:p>
+                <a14:m>
+                  <m:oMath xmlns:m="http://schemas.openxmlformats.org/officeDocument/2006/math">
+                    <m:bar>
+                      <m:barPr>
+                        <m:pos m:val="top"/>
+                        <m:ctrlPr>
+                          <a:rPr lang="en-US" altLang="zh-CN" b="0" i="1" smtClean="0">
+                            <a:latin typeface="Cambria Math" panose="02040503050406030204" pitchFamily="18" charset="0"/>
+                          </a:rPr>
+                        </m:ctrlPr>
+                      </m:barPr>
+                      <m:e>
+                        <m:r>
+                          <a:rPr lang="en-US" altLang="zh-CN" i="1">
+                            <a:latin typeface="Cambria Math" panose="02040503050406030204" pitchFamily="18" charset="0"/>
+                          </a:rPr>
+                          <m:t>𝑟𝑠</m:t>
+                        </m:r>
+                        <m:sSub>
+                          <m:sSubPr>
+                            <m:ctrlPr>
+                              <a:rPr lang="en-US" altLang="zh-CN" i="1">
+                                <a:latin typeface="Cambria Math" panose="02040503050406030204" pitchFamily="18" charset="0"/>
+                              </a:rPr>
+                            </m:ctrlPr>
+                          </m:sSubPr>
+                          <m:e>
+                            <m:r>
+                              <a:rPr lang="en-US" altLang="zh-CN" i="1">
+                                <a:latin typeface="Cambria Math" panose="02040503050406030204" pitchFamily="18" charset="0"/>
+                              </a:rPr>
+                              <m:t>𝑠</m:t>
+                            </m:r>
+                          </m:e>
+                          <m:sub>
+                            <m:r>
+                              <a:rPr lang="en-US" altLang="zh-CN" i="1">
+                                <a:latin typeface="Cambria Math" panose="02040503050406030204" pitchFamily="18" charset="0"/>
+                              </a:rPr>
+                              <m:t>𝑖</m:t>
+                            </m:r>
+                            <m:r>
+                              <a:rPr lang="en-US" altLang="zh-CN" i="1">
+                                <a:latin typeface="Cambria Math" panose="02040503050406030204" pitchFamily="18" charset="0"/>
+                              </a:rPr>
+                              <m:t>,</m:t>
+                            </m:r>
+                            <m:r>
+                              <a:rPr lang="en-US" altLang="zh-CN" i="1">
+                                <a:latin typeface="Cambria Math" panose="02040503050406030204" pitchFamily="18" charset="0"/>
+                              </a:rPr>
+                              <m:t>𝑗</m:t>
+                            </m:r>
+                          </m:sub>
+                        </m:sSub>
+                      </m:e>
+                    </m:bar>
+                    <m:r>
+                      <a:rPr lang="zh-CN" altLang="en-US" i="1">
+                        <a:latin typeface="Cambria Math" panose="02040503050406030204" pitchFamily="18" charset="0"/>
+                      </a:rPr>
+                      <m:t>：</m:t>
+                    </m:r>
+                  </m:oMath>
+                </a14:m>
+                <a:r>
+                  <a:rPr lang="zh-CN" altLang="en-US" dirty="0"/>
+                  <a:t>第</a:t>
+                </a:r>
+                <a:r>
+                  <a:rPr lang="en-US" altLang="zh-CN" dirty="0"/>
+                  <a:t>i</a:t>
+                </a:r>
+                <a:r>
+                  <a:rPr lang="zh-CN" altLang="en-US" dirty="0"/>
+                  <a:t>个参考点用第</a:t>
+                </a:r>
+                <a:r>
+                  <a:rPr lang="en-US" altLang="zh-CN" dirty="0"/>
+                  <a:t>j</a:t>
+                </a:r>
+                <a:r>
+                  <a:rPr lang="zh-CN" altLang="en-US" dirty="0"/>
+                  <a:t>个</a:t>
+                </a:r>
+                <a14:m>
+                  <m:oMath xmlns:m="http://schemas.openxmlformats.org/officeDocument/2006/math">
+                    <m:r>
+                      <a:rPr lang="en-US" altLang="zh-CN" i="1" dirty="0" smtClean="0">
+                        <a:latin typeface="Cambria Math" panose="02040503050406030204" pitchFamily="18" charset="0"/>
+                      </a:rPr>
+                      <m:t>𝐴𝑃</m:t>
+                    </m:r>
+                  </m:oMath>
+                </a14:m>
+                <a:r>
+                  <a:rPr lang="zh-CN" altLang="en-US" dirty="0"/>
+                  <a:t>测到的</a:t>
+                </a:r>
+                <a14:m>
+                  <m:oMath xmlns:m="http://schemas.openxmlformats.org/officeDocument/2006/math">
+                    <m:r>
+                      <a:rPr lang="en-US" altLang="zh-CN" i="1" dirty="0" smtClean="0">
+                        <a:latin typeface="Cambria Math" panose="02040503050406030204" pitchFamily="18" charset="0"/>
+                      </a:rPr>
+                      <m:t>𝑅𝑆𝑆</m:t>
+                    </m:r>
+                  </m:oMath>
+                </a14:m>
+                <a:r>
+                  <a:rPr lang="zh-CN" altLang="en-US" dirty="0"/>
+                  <a:t>值</a:t>
+                </a:r>
+                <a:endParaRPr lang="en-US" altLang="zh-CN" dirty="0"/>
+              </a:p>
+              <a:p>
+                <a14:m>
+                  <m:oMath xmlns:m="http://schemas.openxmlformats.org/officeDocument/2006/math">
+                    <m:r>
+                      <a:rPr lang="en-US" altLang="zh-CN" b="0" i="1" smtClean="0">
+                        <a:latin typeface="Cambria Math" panose="02040503050406030204" pitchFamily="18" charset="0"/>
+                      </a:rPr>
+                      <m:t>𝑞</m:t>
+                    </m:r>
+                    <m:r>
+                      <a:rPr lang="zh-CN" altLang="en-US" i="1">
+                        <a:latin typeface="Cambria Math" panose="02040503050406030204" pitchFamily="18" charset="0"/>
+                      </a:rPr>
+                      <m:t>：</m:t>
+                    </m:r>
+                  </m:oMath>
+                </a14:m>
+                <a:r>
+                  <a:rPr lang="en-US" altLang="zh-CN" dirty="0"/>
+                  <a:t>1</a:t>
+                </a:r>
+                <a:r>
+                  <a:rPr lang="zh-CN" altLang="en-US" dirty="0"/>
+                  <a:t>为曼哈顿距离 </a:t>
+                </a:r>
+                <a:r>
+                  <a:rPr lang="en-US" altLang="zh-CN" dirty="0"/>
+                  <a:t>2</a:t>
+                </a:r>
+                <a:r>
+                  <a:rPr lang="zh-CN" altLang="en-US" dirty="0"/>
+                  <a:t>为欧氏距离</a:t>
+                </a:r>
+              </a:p>
+            </p:txBody>
+          </p:sp>
+        </mc:Choice>
+        <mc:Fallback>
+          <p:sp>
+            <p:nvSpPr>
+              <p:cNvPr id="31" name="文本框 30">
+                <a:extLst>
+                  <a:ext uri="{FF2B5EF4-FFF2-40B4-BE49-F238E27FC236}">
+                    <a16:creationId xmlns:a16="http://schemas.microsoft.com/office/drawing/2014/main" id="{E013196A-20DC-454B-A31A-B02E0B4E7140}"/>
+                  </a:ext>
+                </a:extLst>
+              </p:cNvPr>
+              <p:cNvSpPr txBox="1">
+                <a:spLocks noRot="1" noChangeAspect="1" noMove="1" noResize="1" noEditPoints="1" noAdjustHandles="1" noChangeArrowheads="1" noChangeShapeType="1" noTextEdit="1"/>
+              </p:cNvSpPr>
+              <p:nvPr/>
+            </p:nvSpPr>
+            <p:spPr>
+              <a:xfrm>
+                <a:off x="739902" y="3097343"/>
+                <a:ext cx="7261098" cy="2079737"/>
+              </a:xfrm>
+              <a:prstGeom prst="rect">
+                <a:avLst/>
+              </a:prstGeom>
+              <a:blipFill>
+                <a:blip r:embed="rId4"/>
+                <a:stretch>
+                  <a:fillRect l="-503" t="-2346" b="-4106"/>
+                </a:stretch>
+              </a:blipFill>
+            </p:spPr>
+            <p:txBody>
+              <a:bodyPr/>
+              <a:lstStyle/>
+              <a:p>
+                <a:r>
+                  <a:rPr lang="zh-CN" altLang="en-US">
+                    <a:noFill/>
+                  </a:rPr>
+                  <a:t> </a:t>
+                </a:r>
+              </a:p>
+            </p:txBody>
+          </p:sp>
+        </mc:Fallback>
+      </mc:AlternateContent>
+      <p:grpSp>
+        <p:nvGrpSpPr>
+          <p:cNvPr id="2" name="object 2"/>
+          <p:cNvGrpSpPr/>
+          <p:nvPr/>
+        </p:nvGrpSpPr>
+        <p:grpSpPr>
+          <a:xfrm>
+            <a:off x="89915" y="135636"/>
+            <a:ext cx="262255" cy="576580"/>
+            <a:chOff x="89915" y="135636"/>
+            <a:chExt cx="262255" cy="576580"/>
+          </a:xfrm>
+        </p:grpSpPr>
+        <p:sp>
+          <p:nvSpPr>
+            <p:cNvPr id="3" name="object 3"/>
+            <p:cNvSpPr/>
+            <p:nvPr/>
+          </p:nvSpPr>
+          <p:spPr>
+            <a:xfrm>
+              <a:off x="278892" y="387095"/>
+              <a:ext cx="73660" cy="325120"/>
+            </a:xfrm>
+            <a:custGeom>
+              <a:avLst/>
+              <a:gdLst/>
+              <a:ahLst/>
+              <a:cxnLst/>
+              <a:rect l="l" t="t" r="r" b="b"/>
+              <a:pathLst>
+                <a:path w="73660" h="325120">
+                  <a:moveTo>
+                    <a:pt x="0" y="324612"/>
+                  </a:moveTo>
+                  <a:lnTo>
+                    <a:pt x="73151" y="324612"/>
+                  </a:lnTo>
+                  <a:lnTo>
+                    <a:pt x="73151" y="0"/>
+                  </a:lnTo>
+                  <a:lnTo>
+                    <a:pt x="0" y="0"/>
+                  </a:lnTo>
+                  <a:lnTo>
+                    <a:pt x="0" y="324612"/>
+                  </a:lnTo>
+                  <a:close/>
+                </a:path>
+              </a:pathLst>
+            </a:custGeom>
+            <a:solidFill>
+              <a:srgbClr val="4471C4"/>
+            </a:solidFill>
+          </p:spPr>
+          <p:txBody>
+            <a:bodyPr wrap="square" lIns="0" tIns="0" rIns="0" bIns="0" rtlCol="0"/>
+            <a:lstStyle/>
+            <a:p>
+              <a:pPr marL="0" marR="0" lvl="0" indent="0" algn="l" defTabSz="914400" rtl="0" eaLnBrk="1" fontAlgn="auto" latinLnBrk="0" hangingPunct="1">
+                <a:lnSpc>
+                  <a:spcPct val="100000"/>
+                </a:lnSpc>
+                <a:spcBef>
+                  <a:spcPts val="0"/>
+                </a:spcBef>
+                <a:spcAft>
+                  <a:spcPts val="0"/>
+                </a:spcAft>
+                <a:buClrTx/>
+                <a:buSzTx/>
+                <a:buFontTx/>
+                <a:buNone/>
+                <a:tabLst/>
+                <a:defRPr/>
+              </a:pPr>
+              <a:endParaRPr kumimoji="0" sz="1800" b="0" i="0" u="none" strike="noStrike" kern="1200" cap="none" spc="0" normalizeH="0" baseline="0" noProof="0">
+                <a:ln>
+                  <a:noFill/>
+                </a:ln>
+                <a:solidFill>
+                  <a:prstClr val="black"/>
+                </a:solidFill>
+                <a:effectLst/>
+                <a:uLnTx/>
+                <a:uFillTx/>
+                <a:latin typeface="Calibri"/>
+                <a:ea typeface="+mn-ea"/>
+                <a:cs typeface="+mn-cs"/>
+              </a:endParaRPr>
+            </a:p>
+          </p:txBody>
+        </p:sp>
+        <p:sp>
+          <p:nvSpPr>
+            <p:cNvPr id="4" name="object 4"/>
+            <p:cNvSpPr/>
+            <p:nvPr/>
+          </p:nvSpPr>
+          <p:spPr>
+            <a:xfrm>
+              <a:off x="89915" y="135636"/>
+              <a:ext cx="189230" cy="251460"/>
+            </a:xfrm>
+            <a:custGeom>
+              <a:avLst/>
+              <a:gdLst/>
+              <a:ahLst/>
+              <a:cxnLst/>
+              <a:rect l="l" t="t" r="r" b="b"/>
+              <a:pathLst>
+                <a:path w="189229" h="251460">
+                  <a:moveTo>
+                    <a:pt x="188976" y="0"/>
+                  </a:moveTo>
+                  <a:lnTo>
+                    <a:pt x="0" y="0"/>
+                  </a:lnTo>
+                  <a:lnTo>
+                    <a:pt x="0" y="251459"/>
+                  </a:lnTo>
+                  <a:lnTo>
+                    <a:pt x="188976" y="251459"/>
+                  </a:lnTo>
+                  <a:lnTo>
+                    <a:pt x="188976" y="0"/>
+                  </a:lnTo>
+                  <a:close/>
+                </a:path>
+              </a:pathLst>
+            </a:custGeom>
+            <a:solidFill>
+              <a:srgbClr val="2E5496"/>
+            </a:solidFill>
+          </p:spPr>
+          <p:txBody>
+            <a:bodyPr wrap="square" lIns="0" tIns="0" rIns="0" bIns="0" rtlCol="0"/>
+            <a:lstStyle/>
+            <a:p>
+              <a:pPr marL="0" marR="0" lvl="0" indent="0" algn="l" defTabSz="914400" rtl="0" eaLnBrk="1" fontAlgn="auto" latinLnBrk="0" hangingPunct="1">
+                <a:lnSpc>
+                  <a:spcPct val="100000"/>
+                </a:lnSpc>
+                <a:spcBef>
+                  <a:spcPts val="0"/>
+                </a:spcBef>
+                <a:spcAft>
+                  <a:spcPts val="0"/>
+                </a:spcAft>
+                <a:buClrTx/>
+                <a:buSzTx/>
+                <a:buFontTx/>
+                <a:buNone/>
+                <a:tabLst/>
+                <a:defRPr/>
+              </a:pPr>
+              <a:endParaRPr kumimoji="0" sz="1800" b="0" i="0" u="none" strike="noStrike" kern="1200" cap="none" spc="0" normalizeH="0" baseline="0" noProof="0">
+                <a:ln>
+                  <a:noFill/>
+                </a:ln>
+                <a:solidFill>
+                  <a:prstClr val="black"/>
+                </a:solidFill>
+                <a:effectLst/>
+                <a:uLnTx/>
+                <a:uFillTx/>
+                <a:latin typeface="Calibri"/>
+                <a:ea typeface="+mn-ea"/>
+                <a:cs typeface="+mn-cs"/>
+              </a:endParaRPr>
+            </a:p>
+          </p:txBody>
+        </p:sp>
+      </p:grpSp>
+      <p:grpSp>
+        <p:nvGrpSpPr>
+          <p:cNvPr id="5" name="object 5"/>
+          <p:cNvGrpSpPr/>
+          <p:nvPr/>
+        </p:nvGrpSpPr>
+        <p:grpSpPr>
+          <a:xfrm>
+            <a:off x="0" y="6304788"/>
+            <a:ext cx="9144000" cy="553720"/>
+            <a:chOff x="0" y="6304788"/>
+            <a:chExt cx="9144000" cy="553720"/>
+          </a:xfrm>
+        </p:grpSpPr>
+        <p:sp>
+          <p:nvSpPr>
+            <p:cNvPr id="6" name="object 6"/>
+            <p:cNvSpPr/>
+            <p:nvPr/>
+          </p:nvSpPr>
+          <p:spPr>
+            <a:xfrm>
+              <a:off x="8420100" y="6318503"/>
+              <a:ext cx="405765" cy="539750"/>
+            </a:xfrm>
+            <a:custGeom>
+              <a:avLst/>
+              <a:gdLst/>
+              <a:ahLst/>
+              <a:cxnLst/>
+              <a:rect l="l" t="t" r="r" b="b"/>
+              <a:pathLst>
+                <a:path w="405765" h="539750">
+                  <a:moveTo>
+                    <a:pt x="405383" y="0"/>
+                  </a:moveTo>
+                  <a:lnTo>
+                    <a:pt x="0" y="0"/>
+                  </a:lnTo>
+                  <a:lnTo>
+                    <a:pt x="0" y="539496"/>
+                  </a:lnTo>
+                  <a:lnTo>
+                    <a:pt x="405383" y="539496"/>
+                  </a:lnTo>
+                  <a:lnTo>
+                    <a:pt x="405383" y="0"/>
+                  </a:lnTo>
+                  <a:close/>
+                </a:path>
+              </a:pathLst>
+            </a:custGeom>
+            <a:solidFill>
+              <a:srgbClr val="4471C4"/>
+            </a:solidFill>
+          </p:spPr>
+          <p:txBody>
+            <a:bodyPr wrap="square" lIns="0" tIns="0" rIns="0" bIns="0" rtlCol="0"/>
+            <a:lstStyle/>
+            <a:p>
+              <a:pPr marL="0" marR="0" lvl="0" indent="0" algn="l" defTabSz="914400" rtl="0" eaLnBrk="1" fontAlgn="auto" latinLnBrk="0" hangingPunct="1">
+                <a:lnSpc>
+                  <a:spcPct val="100000"/>
+                </a:lnSpc>
+                <a:spcBef>
+                  <a:spcPts val="0"/>
+                </a:spcBef>
+                <a:spcAft>
+                  <a:spcPts val="0"/>
+                </a:spcAft>
+                <a:buClrTx/>
+                <a:buSzTx/>
+                <a:buFontTx/>
+                <a:buNone/>
+                <a:tabLst/>
+                <a:defRPr/>
+              </a:pPr>
+              <a:endParaRPr kumimoji="0" sz="1800" b="0" i="0" u="none" strike="noStrike" kern="1200" cap="none" spc="0" normalizeH="0" baseline="0" noProof="0">
+                <a:ln>
+                  <a:noFill/>
+                </a:ln>
+                <a:solidFill>
+                  <a:prstClr val="black"/>
+                </a:solidFill>
+                <a:effectLst/>
+                <a:uLnTx/>
+                <a:uFillTx/>
+                <a:latin typeface="Calibri"/>
+                <a:ea typeface="+mn-ea"/>
+                <a:cs typeface="+mn-cs"/>
+              </a:endParaRPr>
+            </a:p>
+          </p:txBody>
+        </p:sp>
+        <p:sp>
+          <p:nvSpPr>
+            <p:cNvPr id="7" name="object 7"/>
+            <p:cNvSpPr/>
+            <p:nvPr/>
+          </p:nvSpPr>
+          <p:spPr>
+            <a:xfrm>
+              <a:off x="0" y="6307836"/>
+              <a:ext cx="9144000" cy="0"/>
+            </a:xfrm>
+            <a:custGeom>
+              <a:avLst/>
+              <a:gdLst/>
+              <a:ahLst/>
+              <a:cxnLst/>
+              <a:rect l="l" t="t" r="r" b="b"/>
+              <a:pathLst>
+                <a:path w="9144000">
+                  <a:moveTo>
+                    <a:pt x="0" y="0"/>
+                  </a:moveTo>
+                  <a:lnTo>
+                    <a:pt x="9144000" y="0"/>
+                  </a:lnTo>
+                </a:path>
+              </a:pathLst>
+            </a:custGeom>
+            <a:ln w="6096">
+              <a:solidFill>
+                <a:srgbClr val="4471C4"/>
+              </a:solidFill>
+            </a:ln>
+          </p:spPr>
+          <p:txBody>
+            <a:bodyPr wrap="square" lIns="0" tIns="0" rIns="0" bIns="0" rtlCol="0"/>
+            <a:lstStyle/>
+            <a:p>
+              <a:pPr marL="0" marR="0" lvl="0" indent="0" algn="l" defTabSz="914400" rtl="0" eaLnBrk="1" fontAlgn="auto" latinLnBrk="0" hangingPunct="1">
+                <a:lnSpc>
+                  <a:spcPct val="100000"/>
+                </a:lnSpc>
+                <a:spcBef>
+                  <a:spcPts val="0"/>
+                </a:spcBef>
+                <a:spcAft>
+                  <a:spcPts val="0"/>
+                </a:spcAft>
+                <a:buClrTx/>
+                <a:buSzTx/>
+                <a:buFontTx/>
+                <a:buNone/>
+                <a:tabLst/>
+                <a:defRPr/>
+              </a:pPr>
+              <a:endParaRPr kumimoji="0" sz="1800" b="0" i="0" u="none" strike="noStrike" kern="1200" cap="none" spc="0" normalizeH="0" baseline="0" noProof="0">
+                <a:ln>
+                  <a:noFill/>
+                </a:ln>
+                <a:solidFill>
+                  <a:prstClr val="black"/>
+                </a:solidFill>
+                <a:effectLst/>
+                <a:uLnTx/>
+                <a:uFillTx/>
+                <a:latin typeface="Calibri"/>
+                <a:ea typeface="+mn-ea"/>
+                <a:cs typeface="+mn-cs"/>
+              </a:endParaRPr>
+            </a:p>
+          </p:txBody>
+        </p:sp>
+      </p:grpSp>
+      <p:grpSp>
+        <p:nvGrpSpPr>
+          <p:cNvPr id="8" name="object 8"/>
+          <p:cNvGrpSpPr/>
+          <p:nvPr/>
+        </p:nvGrpSpPr>
+        <p:grpSpPr>
+          <a:xfrm>
+            <a:off x="348995" y="207263"/>
+            <a:ext cx="7827645" cy="591820"/>
+            <a:chOff x="348995" y="207263"/>
+            <a:chExt cx="7827645" cy="591820"/>
+          </a:xfrm>
+        </p:grpSpPr>
+        <p:sp>
+          <p:nvSpPr>
+            <p:cNvPr id="9" name="object 9"/>
+            <p:cNvSpPr/>
+            <p:nvPr/>
+          </p:nvSpPr>
+          <p:spPr>
+            <a:xfrm>
+              <a:off x="739902" y="483870"/>
+              <a:ext cx="7047230" cy="0"/>
+            </a:xfrm>
+            <a:custGeom>
+              <a:avLst/>
+              <a:gdLst/>
+              <a:ahLst/>
+              <a:cxnLst/>
+              <a:rect l="l" t="t" r="r" b="b"/>
+              <a:pathLst>
+                <a:path w="7047230">
+                  <a:moveTo>
+                    <a:pt x="0" y="0"/>
+                  </a:moveTo>
+                  <a:lnTo>
+                    <a:pt x="7046976" y="0"/>
+                  </a:lnTo>
+                </a:path>
+              </a:pathLst>
+            </a:custGeom>
+            <a:ln w="22860">
+              <a:solidFill>
+                <a:srgbClr val="006FC0"/>
+              </a:solidFill>
+            </a:ln>
+          </p:spPr>
+          <p:txBody>
+            <a:bodyPr wrap="square" lIns="0" tIns="0" rIns="0" bIns="0" rtlCol="0"/>
+            <a:lstStyle/>
+            <a:p>
+              <a:pPr marL="0" marR="0" lvl="0" indent="0" algn="l" defTabSz="914400" rtl="0" eaLnBrk="1" fontAlgn="auto" latinLnBrk="0" hangingPunct="1">
+                <a:lnSpc>
+                  <a:spcPct val="100000"/>
+                </a:lnSpc>
+                <a:spcBef>
+                  <a:spcPts val="0"/>
+                </a:spcBef>
+                <a:spcAft>
+                  <a:spcPts val="0"/>
+                </a:spcAft>
+                <a:buClrTx/>
+                <a:buSzTx/>
+                <a:buFontTx/>
+                <a:buNone/>
+                <a:tabLst/>
+                <a:defRPr/>
+              </a:pPr>
+              <a:endParaRPr kumimoji="0" sz="1800" b="0" i="0" u="none" strike="noStrike" kern="1200" cap="none" spc="0" normalizeH="0" baseline="0" noProof="0">
+                <a:ln>
+                  <a:noFill/>
+                </a:ln>
+                <a:solidFill>
+                  <a:prstClr val="black"/>
+                </a:solidFill>
+                <a:effectLst/>
+                <a:uLnTx/>
+                <a:uFillTx/>
+                <a:latin typeface="Calibri"/>
+                <a:ea typeface="+mn-ea"/>
+                <a:cs typeface="+mn-cs"/>
+              </a:endParaRPr>
+            </a:p>
+          </p:txBody>
+        </p:sp>
+        <p:sp>
+          <p:nvSpPr>
+            <p:cNvPr id="10" name="object 10"/>
+            <p:cNvSpPr/>
+            <p:nvPr/>
+          </p:nvSpPr>
+          <p:spPr>
+            <a:xfrm>
+              <a:off x="1028700" y="210311"/>
+              <a:ext cx="7145020" cy="585470"/>
+            </a:xfrm>
+            <a:custGeom>
+              <a:avLst/>
+              <a:gdLst/>
+              <a:ahLst/>
+              <a:cxnLst/>
+              <a:rect l="l" t="t" r="r" b="b"/>
+              <a:pathLst>
+                <a:path w="7145020" h="585470">
+                  <a:moveTo>
+                    <a:pt x="7144511" y="0"/>
+                  </a:moveTo>
+                  <a:lnTo>
+                    <a:pt x="0" y="0"/>
+                  </a:lnTo>
+                  <a:lnTo>
+                    <a:pt x="0" y="585216"/>
+                  </a:lnTo>
+                  <a:lnTo>
+                    <a:pt x="7144511" y="585216"/>
+                  </a:lnTo>
+                  <a:lnTo>
+                    <a:pt x="7144511" y="0"/>
+                  </a:lnTo>
+                  <a:close/>
+                </a:path>
+              </a:pathLst>
+            </a:custGeom>
+            <a:solidFill>
+              <a:srgbClr val="006FC0"/>
+            </a:solidFill>
+          </p:spPr>
+          <p:txBody>
+            <a:bodyPr wrap="square" lIns="0" tIns="0" rIns="0" bIns="0" rtlCol="0"/>
+            <a:lstStyle/>
+            <a:p>
+              <a:pPr marL="0" marR="0" lvl="0" indent="0" algn="l" defTabSz="914400" rtl="0" eaLnBrk="1" fontAlgn="auto" latinLnBrk="0" hangingPunct="1">
+                <a:lnSpc>
+                  <a:spcPct val="100000"/>
+                </a:lnSpc>
+                <a:spcBef>
+                  <a:spcPts val="0"/>
+                </a:spcBef>
+                <a:spcAft>
+                  <a:spcPts val="0"/>
+                </a:spcAft>
+                <a:buClrTx/>
+                <a:buSzTx/>
+                <a:buFontTx/>
+                <a:buNone/>
+                <a:tabLst/>
+                <a:defRPr/>
+              </a:pPr>
+              <a:endParaRPr kumimoji="0" sz="1800" b="0" i="0" u="none" strike="noStrike" kern="1200" cap="none" spc="0" normalizeH="0" baseline="0" noProof="0" dirty="0">
+                <a:ln>
+                  <a:noFill/>
+                </a:ln>
+                <a:solidFill>
+                  <a:prstClr val="black"/>
+                </a:solidFill>
+                <a:effectLst/>
+                <a:uLnTx/>
+                <a:uFillTx/>
+                <a:latin typeface="Calibri"/>
+                <a:ea typeface="+mn-ea"/>
+                <a:cs typeface="+mn-cs"/>
+              </a:endParaRPr>
+            </a:p>
+          </p:txBody>
+        </p:sp>
+        <p:sp>
+          <p:nvSpPr>
+            <p:cNvPr id="11" name="object 11"/>
+            <p:cNvSpPr/>
+            <p:nvPr/>
+          </p:nvSpPr>
+          <p:spPr>
+            <a:xfrm>
+              <a:off x="1028700" y="210311"/>
+              <a:ext cx="7145020" cy="585470"/>
+            </a:xfrm>
+            <a:custGeom>
+              <a:avLst/>
+              <a:gdLst/>
+              <a:ahLst/>
+              <a:cxnLst/>
+              <a:rect l="l" t="t" r="r" b="b"/>
+              <a:pathLst>
+                <a:path w="7145020" h="585470">
+                  <a:moveTo>
+                    <a:pt x="0" y="585216"/>
+                  </a:moveTo>
+                  <a:lnTo>
+                    <a:pt x="7144511" y="585216"/>
+                  </a:lnTo>
+                  <a:lnTo>
+                    <a:pt x="7144511" y="0"/>
+                  </a:lnTo>
+                  <a:lnTo>
+                    <a:pt x="0" y="0"/>
+                  </a:lnTo>
+                  <a:lnTo>
+                    <a:pt x="0" y="585216"/>
+                  </a:lnTo>
+                  <a:close/>
+                </a:path>
+              </a:pathLst>
+            </a:custGeom>
+            <a:ln w="6096">
+              <a:solidFill>
+                <a:srgbClr val="006FC0"/>
+              </a:solidFill>
+            </a:ln>
+          </p:spPr>
+          <p:txBody>
+            <a:bodyPr wrap="square" lIns="0" tIns="0" rIns="0" bIns="0" rtlCol="0"/>
+            <a:lstStyle/>
+            <a:p>
+              <a:pPr marL="0" marR="0" lvl="0" indent="0" algn="l" defTabSz="914400" rtl="0" eaLnBrk="1" fontAlgn="auto" latinLnBrk="0" hangingPunct="1">
+                <a:lnSpc>
+                  <a:spcPct val="100000"/>
+                </a:lnSpc>
+                <a:spcBef>
+                  <a:spcPts val="0"/>
+                </a:spcBef>
+                <a:spcAft>
+                  <a:spcPts val="0"/>
+                </a:spcAft>
+                <a:buClrTx/>
+                <a:buSzTx/>
+                <a:buFontTx/>
+                <a:buNone/>
+                <a:tabLst/>
+                <a:defRPr/>
+              </a:pPr>
+              <a:endParaRPr kumimoji="0" sz="1800" b="0" i="0" u="none" strike="noStrike" kern="1200" cap="none" spc="0" normalizeH="0" baseline="0" noProof="0">
+                <a:ln>
+                  <a:noFill/>
+                </a:ln>
+                <a:solidFill>
+                  <a:prstClr val="black"/>
+                </a:solidFill>
+                <a:effectLst/>
+                <a:uLnTx/>
+                <a:uFillTx/>
+                <a:latin typeface="Calibri"/>
+                <a:ea typeface="+mn-ea"/>
+                <a:cs typeface="+mn-cs"/>
+              </a:endParaRPr>
+            </a:p>
+          </p:txBody>
+        </p:sp>
+        <p:sp>
+          <p:nvSpPr>
+            <p:cNvPr id="12" name="object 12"/>
+            <p:cNvSpPr/>
+            <p:nvPr/>
+          </p:nvSpPr>
+          <p:spPr>
+            <a:xfrm>
+              <a:off x="352043" y="210311"/>
+              <a:ext cx="516890" cy="585470"/>
+            </a:xfrm>
+            <a:custGeom>
+              <a:avLst/>
+              <a:gdLst/>
+              <a:ahLst/>
+              <a:cxnLst/>
+              <a:rect l="l" t="t" r="r" b="b"/>
+              <a:pathLst>
+                <a:path w="516890" h="585470">
+                  <a:moveTo>
+                    <a:pt x="516636" y="0"/>
+                  </a:moveTo>
+                  <a:lnTo>
+                    <a:pt x="0" y="0"/>
+                  </a:lnTo>
+                  <a:lnTo>
+                    <a:pt x="0" y="585216"/>
+                  </a:lnTo>
+                  <a:lnTo>
+                    <a:pt x="516636" y="585216"/>
+                  </a:lnTo>
+                  <a:lnTo>
+                    <a:pt x="516636" y="0"/>
+                  </a:lnTo>
+                  <a:close/>
+                </a:path>
+              </a:pathLst>
+            </a:custGeom>
+            <a:solidFill>
+              <a:srgbClr val="006FC0"/>
+            </a:solidFill>
+          </p:spPr>
+          <p:txBody>
+            <a:bodyPr wrap="square" lIns="0" tIns="0" rIns="0" bIns="0" rtlCol="0"/>
+            <a:lstStyle/>
+            <a:p>
+              <a:pPr marL="0" marR="0" lvl="0" indent="0" algn="l" defTabSz="914400" rtl="0" eaLnBrk="1" fontAlgn="auto" latinLnBrk="0" hangingPunct="1">
+                <a:lnSpc>
+                  <a:spcPct val="100000"/>
+                </a:lnSpc>
+                <a:spcBef>
+                  <a:spcPts val="0"/>
+                </a:spcBef>
+                <a:spcAft>
+                  <a:spcPts val="0"/>
+                </a:spcAft>
+                <a:buClrTx/>
+                <a:buSzTx/>
+                <a:buFontTx/>
+                <a:buNone/>
+                <a:tabLst/>
+                <a:defRPr/>
+              </a:pPr>
+              <a:endParaRPr kumimoji="0" sz="1800" b="0" i="0" u="none" strike="noStrike" kern="1200" cap="none" spc="0" normalizeH="0" baseline="0" noProof="0">
+                <a:ln>
+                  <a:noFill/>
+                </a:ln>
+                <a:solidFill>
+                  <a:prstClr val="black"/>
+                </a:solidFill>
+                <a:effectLst/>
+                <a:uLnTx/>
+                <a:uFillTx/>
+                <a:latin typeface="Calibri"/>
+                <a:ea typeface="+mn-ea"/>
+                <a:cs typeface="+mn-cs"/>
+              </a:endParaRPr>
+            </a:p>
+          </p:txBody>
+        </p:sp>
+        <p:sp>
+          <p:nvSpPr>
+            <p:cNvPr id="13" name="object 13"/>
+            <p:cNvSpPr/>
+            <p:nvPr/>
+          </p:nvSpPr>
+          <p:spPr>
+            <a:xfrm>
+              <a:off x="352043" y="210311"/>
+              <a:ext cx="516890" cy="585470"/>
+            </a:xfrm>
+            <a:custGeom>
+              <a:avLst/>
+              <a:gdLst/>
+              <a:ahLst/>
+              <a:cxnLst/>
+              <a:rect l="l" t="t" r="r" b="b"/>
+              <a:pathLst>
+                <a:path w="516890" h="585470">
+                  <a:moveTo>
+                    <a:pt x="0" y="585216"/>
+                  </a:moveTo>
+                  <a:lnTo>
+                    <a:pt x="516636" y="585216"/>
+                  </a:lnTo>
+                  <a:lnTo>
+                    <a:pt x="516636" y="0"/>
+                  </a:lnTo>
+                  <a:lnTo>
+                    <a:pt x="0" y="0"/>
+                  </a:lnTo>
+                  <a:lnTo>
+                    <a:pt x="0" y="585216"/>
+                  </a:lnTo>
+                  <a:close/>
+                </a:path>
+              </a:pathLst>
+            </a:custGeom>
+            <a:ln w="6096">
+              <a:solidFill>
+                <a:srgbClr val="006FC0"/>
+              </a:solidFill>
+            </a:ln>
+          </p:spPr>
+          <p:txBody>
+            <a:bodyPr wrap="square" lIns="0" tIns="0" rIns="0" bIns="0" rtlCol="0"/>
+            <a:lstStyle/>
+            <a:p>
+              <a:pPr marL="0" marR="0" lvl="0" indent="0" algn="l" defTabSz="914400" rtl="0" eaLnBrk="1" fontAlgn="auto" latinLnBrk="0" hangingPunct="1">
+                <a:lnSpc>
+                  <a:spcPct val="100000"/>
+                </a:lnSpc>
+                <a:spcBef>
+                  <a:spcPts val="0"/>
+                </a:spcBef>
+                <a:spcAft>
+                  <a:spcPts val="0"/>
+                </a:spcAft>
+                <a:buClrTx/>
+                <a:buSzTx/>
+                <a:buFontTx/>
+                <a:buNone/>
+                <a:tabLst/>
+                <a:defRPr/>
+              </a:pPr>
+              <a:endParaRPr kumimoji="0" sz="1800" b="0" i="0" u="none" strike="noStrike" kern="1200" cap="none" spc="0" normalizeH="0" baseline="0" noProof="0">
+                <a:ln>
+                  <a:noFill/>
+                </a:ln>
+                <a:solidFill>
+                  <a:prstClr val="black"/>
+                </a:solidFill>
+                <a:effectLst/>
+                <a:uLnTx/>
+                <a:uFillTx/>
+                <a:latin typeface="Calibri"/>
+                <a:ea typeface="+mn-ea"/>
+                <a:cs typeface="+mn-cs"/>
+              </a:endParaRPr>
+            </a:p>
+          </p:txBody>
+        </p:sp>
+      </p:grpSp>
+      <p:sp>
+        <p:nvSpPr>
+          <p:cNvPr id="14" name="object 14"/>
+          <p:cNvSpPr txBox="1">
+            <a:spLocks noGrp="1"/>
+          </p:cNvSpPr>
+          <p:nvPr>
+            <p:ph type="title"/>
+          </p:nvPr>
+        </p:nvSpPr>
+        <p:spPr>
+          <a:xfrm>
+            <a:off x="457300" y="199390"/>
+            <a:ext cx="6857899" cy="566822"/>
+          </a:xfrm>
+          <a:prstGeom prst="rect">
+            <a:avLst/>
+          </a:prstGeom>
+        </p:spPr>
+        <p:txBody>
+          <a:bodyPr vert="horz" wrap="square" lIns="0" tIns="12700" rIns="0" bIns="0" rtlCol="0">
+            <a:spAutoFit/>
+          </a:bodyPr>
+          <a:lstStyle/>
+          <a:p>
+            <a:pPr marL="12700">
+              <a:lnSpc>
+                <a:spcPct val="100000"/>
+              </a:lnSpc>
+              <a:spcBef>
+                <a:spcPts val="100"/>
+              </a:spcBef>
+              <a:tabLst>
+                <a:tab pos="2315845" algn="l"/>
+              </a:tabLst>
+            </a:pPr>
+            <a:r>
+              <a:rPr lang="en-US" altLang="zh-CN" spc="75" dirty="0"/>
+              <a:t>3</a:t>
+            </a:r>
+            <a:r>
+              <a:rPr lang="zh-CN" altLang="en-US" spc="75" dirty="0"/>
+              <a:t>	</a:t>
+            </a:r>
+            <a:r>
+              <a:rPr lang="en-US" altLang="zh-CN" spc="75" dirty="0"/>
+              <a:t>WIFI</a:t>
+            </a:r>
+            <a:r>
+              <a:rPr lang="zh-CN" altLang="en-US" spc="75" dirty="0"/>
+              <a:t>室内定位方法</a:t>
+            </a:r>
+            <a:endParaRPr spc="75" dirty="0"/>
+          </a:p>
+        </p:txBody>
+      </p:sp>
+      <p:sp>
+        <p:nvSpPr>
+          <p:cNvPr id="15" name="object 15"/>
+          <p:cNvSpPr txBox="1"/>
+          <p:nvPr/>
+        </p:nvSpPr>
+        <p:spPr>
+          <a:xfrm>
+            <a:off x="960221" y="1549252"/>
+            <a:ext cx="4980940" cy="612347"/>
+          </a:xfrm>
+          <a:prstGeom prst="rect">
+            <a:avLst/>
+          </a:prstGeom>
+        </p:spPr>
+        <p:txBody>
+          <a:bodyPr vert="horz" wrap="square" lIns="0" tIns="240665" rIns="0" bIns="0" rtlCol="0">
+            <a:spAutoFit/>
+          </a:bodyPr>
+          <a:lstStyle/>
+          <a:p>
+            <a:pPr marL="12700" marR="0" lvl="0" indent="0" algn="l" defTabSz="914400" rtl="0" eaLnBrk="1" fontAlgn="auto" latinLnBrk="0" hangingPunct="1">
+              <a:lnSpc>
+                <a:spcPct val="100000"/>
+              </a:lnSpc>
+              <a:spcBef>
+                <a:spcPts val="1895"/>
+              </a:spcBef>
+              <a:spcAft>
+                <a:spcPts val="0"/>
+              </a:spcAft>
+              <a:buClrTx/>
+              <a:buSzTx/>
+              <a:buFontTx/>
+              <a:buNone/>
+              <a:tabLst/>
+              <a:defRPr/>
+            </a:pPr>
+            <a:r>
+              <a:rPr kumimoji="0" lang="en-US" altLang="zh-CN" sz="2400" b="1" i="0" u="none" strike="noStrike" kern="1200" cap="none" spc="0" normalizeH="0" baseline="0" noProof="0" dirty="0">
+                <a:ln>
+                  <a:noFill/>
+                </a:ln>
+                <a:solidFill>
+                  <a:srgbClr val="202122"/>
+                </a:solidFill>
+                <a:effectLst/>
+                <a:uLnTx/>
+                <a:uFillTx/>
+                <a:latin typeface="Arial" panose="020B0604020202020204" pitchFamily="34" charset="0"/>
+                <a:ea typeface="宋体" panose="02010600030101010101" pitchFamily="2" charset="-122"/>
+                <a:cs typeface="+mn-cs"/>
+              </a:rPr>
+              <a:t>  </a:t>
+            </a:r>
+          </a:p>
+        </p:txBody>
+      </p:sp>
+      <p:sp>
+        <p:nvSpPr>
+          <p:cNvPr id="17" name="object 17"/>
+          <p:cNvSpPr txBox="1">
+            <a:spLocks noGrp="1"/>
+          </p:cNvSpPr>
+          <p:nvPr>
+            <p:ph type="sldNum" sz="quarter" idx="7"/>
+          </p:nvPr>
+        </p:nvSpPr>
+        <p:spPr>
+          <a:prstGeom prst="rect">
+            <a:avLst/>
+          </a:prstGeom>
+        </p:spPr>
+        <p:txBody>
+          <a:bodyPr vert="horz" wrap="square" lIns="0" tIns="0" rIns="0" bIns="0" rtlCol="0">
+            <a:spAutoFit/>
+          </a:bodyPr>
+          <a:lstStyle/>
+          <a:p>
+            <a:pPr marL="38100" marR="0" lvl="0" indent="0" algn="l" defTabSz="914400" rtl="0" eaLnBrk="1" fontAlgn="auto" latinLnBrk="0" hangingPunct="1">
+              <a:lnSpc>
+                <a:spcPts val="2005"/>
+              </a:lnSpc>
+              <a:spcBef>
+                <a:spcPts val="0"/>
+              </a:spcBef>
+              <a:spcAft>
+                <a:spcPts val="0"/>
+              </a:spcAft>
+              <a:buClrTx/>
+              <a:buSzTx/>
+              <a:buFontTx/>
+              <a:buNone/>
+              <a:tabLst/>
+              <a:defRPr/>
+            </a:pPr>
+            <a:fld id="{81D60167-4931-47E6-BA6A-407CBD079E47}" type="slidenum">
+              <a:rPr kumimoji="0" sz="2000" b="1" i="0" u="none" strike="noStrike" kern="1200" cap="none" spc="0" normalizeH="0" baseline="0" noProof="0" dirty="0">
+                <a:ln>
+                  <a:noFill/>
+                </a:ln>
+                <a:solidFill>
+                  <a:prstClr val="white"/>
+                </a:solidFill>
+                <a:effectLst/>
+                <a:uLnTx/>
+                <a:uFillTx/>
+                <a:latin typeface="Calibri" panose="020F0502020204030204"/>
+                <a:ea typeface="+mn-ea"/>
+                <a:cs typeface="Calibri" panose="020F0502020204030204"/>
+              </a:rPr>
+              <a:pPr marL="38100" marR="0" lvl="0" indent="0" algn="l" defTabSz="914400" rtl="0" eaLnBrk="1" fontAlgn="auto" latinLnBrk="0" hangingPunct="1">
+                <a:lnSpc>
+                  <a:spcPts val="2005"/>
+                </a:lnSpc>
+                <a:spcBef>
+                  <a:spcPts val="0"/>
+                </a:spcBef>
+                <a:spcAft>
+                  <a:spcPts val="0"/>
+                </a:spcAft>
+                <a:buClrTx/>
+                <a:buSzTx/>
+                <a:buFontTx/>
+                <a:buNone/>
+                <a:tabLst/>
+                <a:defRPr/>
+              </a:pPr>
+              <a:t>16</a:t>
+            </a:fld>
+            <a:endParaRPr kumimoji="0" sz="2000" b="1" i="0" u="none" strike="noStrike" kern="1200" cap="none" spc="0" normalizeH="0" baseline="0" noProof="0" dirty="0">
+              <a:ln>
+                <a:noFill/>
+              </a:ln>
+              <a:solidFill>
+                <a:prstClr val="white"/>
+              </a:solidFill>
+              <a:effectLst/>
+              <a:uLnTx/>
+              <a:uFillTx/>
+              <a:latin typeface="Calibri" panose="020F0502020204030204"/>
+              <a:ea typeface="+mn-ea"/>
+              <a:cs typeface="Calibri" panose="020F0502020204030204"/>
+            </a:endParaRPr>
+          </a:p>
+        </p:txBody>
+      </p:sp>
+      <p:sp>
+        <p:nvSpPr>
+          <p:cNvPr id="23" name="文本框 22">
+            <a:extLst>
+              <a:ext uri="{FF2B5EF4-FFF2-40B4-BE49-F238E27FC236}">
+                <a16:creationId xmlns:a16="http://schemas.microsoft.com/office/drawing/2014/main" id="{778FE6CF-9401-420A-8363-C1778D0E384A}"/>
+              </a:ext>
+            </a:extLst>
+          </p:cNvPr>
+          <p:cNvSpPr txBox="1"/>
+          <p:nvPr/>
+        </p:nvSpPr>
+        <p:spPr>
+          <a:xfrm>
+            <a:off x="293826" y="857623"/>
+            <a:ext cx="4576762" cy="523220"/>
+          </a:xfrm>
+          <a:prstGeom prst="rect">
+            <a:avLst/>
+          </a:prstGeom>
+          <a:noFill/>
+        </p:spPr>
+        <p:txBody>
+          <a:bodyPr wrap="square">
+            <a:spAutoFit/>
+          </a:bodyPr>
+          <a:lstStyle/>
+          <a:p>
+            <a:pPr marL="12700">
+              <a:lnSpc>
+                <a:spcPct val="100000"/>
+              </a:lnSpc>
+              <a:spcBef>
+                <a:spcPts val="95"/>
+              </a:spcBef>
+            </a:pPr>
+            <a:r>
+              <a:rPr lang="en-US" altLang="zh-CN" sz="2800" spc="-5" dirty="0">
+                <a:latin typeface="微软雅黑" panose="020B0503020204020204" pitchFamily="34" charset="-122"/>
+                <a:ea typeface="微软雅黑" panose="020B0503020204020204" pitchFamily="34" charset="-122"/>
+                <a:cs typeface="微软雅黑"/>
+              </a:rPr>
+              <a:t>3.3 </a:t>
+            </a:r>
+            <a:r>
+              <a:rPr lang="zh-CN" altLang="en-US" sz="2800" spc="-5" dirty="0">
+                <a:latin typeface="微软雅黑" panose="020B0503020204020204" pitchFamily="34" charset="-122"/>
+                <a:ea typeface="微软雅黑" panose="020B0503020204020204" pitchFamily="34" charset="-122"/>
+                <a:cs typeface="微软雅黑"/>
+              </a:rPr>
+              <a:t>位置指纹法</a:t>
+            </a:r>
+            <a:endParaRPr lang="zh-CN" altLang="en-US" sz="2800" dirty="0">
+              <a:latin typeface="微软雅黑" panose="020B0503020204020204" pitchFamily="34" charset="-122"/>
+              <a:ea typeface="微软雅黑" panose="020B0503020204020204" pitchFamily="34" charset="-122"/>
+              <a:cs typeface="微软雅黑"/>
+            </a:endParaRPr>
+          </a:p>
+        </p:txBody>
+      </p:sp>
+      <p:sp>
+        <p:nvSpPr>
+          <p:cNvPr id="30" name="文本框 29">
+            <a:extLst>
+              <a:ext uri="{FF2B5EF4-FFF2-40B4-BE49-F238E27FC236}">
+                <a16:creationId xmlns:a16="http://schemas.microsoft.com/office/drawing/2014/main" id="{5FAAFC05-1C1B-4797-9C87-86E01491A67E}"/>
+              </a:ext>
+            </a:extLst>
+          </p:cNvPr>
+          <p:cNvSpPr txBox="1"/>
+          <p:nvPr/>
+        </p:nvSpPr>
+        <p:spPr>
+          <a:xfrm>
+            <a:off x="691007" y="2000540"/>
+            <a:ext cx="7145020" cy="923330"/>
+          </a:xfrm>
+          <a:prstGeom prst="rect">
+            <a:avLst/>
+          </a:prstGeom>
+          <a:noFill/>
+        </p:spPr>
+        <p:txBody>
+          <a:bodyPr wrap="square">
+            <a:spAutoFit/>
+          </a:bodyPr>
+          <a:lstStyle/>
+          <a:p>
+            <a:pPr marL="285750" indent="-285750">
+              <a:buFont typeface="Arial" panose="020B0604020202020204" pitchFamily="34" charset="0"/>
+              <a:buChar char="•"/>
+            </a:pPr>
+            <a:r>
+              <a:rPr lang="en-US" altLang="zh-CN" sz="1800" b="0" dirty="0"/>
+              <a:t>KNN</a:t>
+            </a:r>
+            <a:r>
+              <a:rPr lang="zh-CN" altLang="en-US" sz="1800" b="0" dirty="0"/>
+              <a:t>系列：将实测的</a:t>
+            </a:r>
+            <a:r>
+              <a:rPr lang="en-US" altLang="zh-CN" sz="1800" b="0" dirty="0"/>
+              <a:t>RSS</a:t>
+            </a:r>
+            <a:r>
+              <a:rPr lang="zh-CN" altLang="en-US" sz="1800" b="0" dirty="0"/>
+              <a:t>向量与</a:t>
+            </a:r>
+            <a:r>
+              <a:rPr lang="en-US" altLang="zh-CN" sz="1800" b="0" dirty="0"/>
+              <a:t>radio map</a:t>
+            </a:r>
+            <a:r>
+              <a:rPr lang="zh-CN" altLang="en-US" sz="1800" b="0" dirty="0"/>
+              <a:t>中的</a:t>
+            </a:r>
+            <a:r>
+              <a:rPr lang="en-US" altLang="zh-CN" sz="1800" b="0" dirty="0"/>
+              <a:t>RSS</a:t>
+            </a:r>
+            <a:r>
+              <a:rPr lang="zh-CN" altLang="en-US" sz="1800" b="0" dirty="0"/>
+              <a:t>向量进行相似度距离的比较，相似度越高则两者距离越近，选取距离最近的</a:t>
+            </a:r>
+            <a:r>
+              <a:rPr lang="en-US" altLang="zh-CN" sz="1800" b="0" dirty="0"/>
+              <a:t>K</a:t>
+            </a:r>
+            <a:r>
+              <a:rPr lang="zh-CN" altLang="en-US" sz="1800" b="0" dirty="0"/>
+              <a:t>个坐标取平均值即可得到待测位置。</a:t>
+            </a:r>
+            <a:endParaRPr lang="en-US" altLang="zh-CN" dirty="0"/>
+          </a:p>
+        </p:txBody>
+      </p:sp>
+      <p:sp>
+        <p:nvSpPr>
+          <p:cNvPr id="26" name="文本框 25">
+            <a:extLst>
+              <a:ext uri="{FF2B5EF4-FFF2-40B4-BE49-F238E27FC236}">
+                <a16:creationId xmlns:a16="http://schemas.microsoft.com/office/drawing/2014/main" id="{EC8F5701-2E53-4B85-A6DF-EC0347B4AD4F}"/>
+              </a:ext>
+            </a:extLst>
+          </p:cNvPr>
+          <p:cNvSpPr txBox="1"/>
+          <p:nvPr/>
+        </p:nvSpPr>
+        <p:spPr>
+          <a:xfrm>
+            <a:off x="297999" y="1416633"/>
+            <a:ext cx="2216601" cy="461665"/>
+          </a:xfrm>
+          <a:prstGeom prst="rect">
+            <a:avLst/>
+          </a:prstGeom>
+          <a:noFill/>
+        </p:spPr>
+        <p:txBody>
+          <a:bodyPr wrap="square">
+            <a:spAutoFit/>
+          </a:bodyPr>
+          <a:lstStyle/>
+          <a:p>
+            <a:pPr marL="12700">
+              <a:lnSpc>
+                <a:spcPct val="100000"/>
+              </a:lnSpc>
+              <a:spcBef>
+                <a:spcPts val="95"/>
+              </a:spcBef>
+            </a:pPr>
+            <a:r>
+              <a:rPr lang="en-US" altLang="zh-CN" sz="2400" spc="-5" dirty="0">
+                <a:latin typeface="微软雅黑" panose="020B0503020204020204" pitchFamily="34" charset="-122"/>
+                <a:ea typeface="微软雅黑" panose="020B0503020204020204" pitchFamily="34" charset="-122"/>
+                <a:cs typeface="微软雅黑"/>
+              </a:rPr>
+              <a:t>3.3.2 </a:t>
+            </a:r>
+            <a:r>
+              <a:rPr lang="zh-CN" altLang="en-US" sz="2400" spc="-5" dirty="0">
+                <a:latin typeface="微软雅黑" panose="020B0503020204020204" pitchFamily="34" charset="-122"/>
+                <a:ea typeface="微软雅黑" panose="020B0503020204020204" pitchFamily="34" charset="-122"/>
+                <a:cs typeface="微软雅黑"/>
+              </a:rPr>
+              <a:t>近邻法</a:t>
+            </a:r>
+            <a:endParaRPr lang="zh-CN" altLang="en-US" sz="2400" baseline="30000" dirty="0">
+              <a:latin typeface="微软雅黑" panose="020B0503020204020204" pitchFamily="34" charset="-122"/>
+              <a:ea typeface="微软雅黑" panose="020B0503020204020204" pitchFamily="34" charset="-122"/>
+              <a:cs typeface="微软雅黑"/>
+            </a:endParaRPr>
+          </a:p>
+        </p:txBody>
+      </p:sp>
+      <p:sp>
+        <p:nvSpPr>
+          <p:cNvPr id="33" name="文本框 32">
+            <a:extLst>
+              <a:ext uri="{FF2B5EF4-FFF2-40B4-BE49-F238E27FC236}">
+                <a16:creationId xmlns:a16="http://schemas.microsoft.com/office/drawing/2014/main" id="{DA296CB7-FE4F-473F-9682-210D22E5143C}"/>
+              </a:ext>
+            </a:extLst>
+          </p:cNvPr>
+          <p:cNvSpPr txBox="1"/>
+          <p:nvPr/>
+        </p:nvSpPr>
+        <p:spPr>
+          <a:xfrm>
+            <a:off x="739902" y="5256701"/>
+            <a:ext cx="6041898" cy="369332"/>
+          </a:xfrm>
+          <a:prstGeom prst="rect">
+            <a:avLst/>
+          </a:prstGeom>
+          <a:noFill/>
+        </p:spPr>
+        <p:txBody>
+          <a:bodyPr wrap="square">
+            <a:spAutoFit/>
+          </a:bodyPr>
+          <a:lstStyle/>
+          <a:p>
+            <a:pPr marL="285750" indent="-285750">
+              <a:buFont typeface="Arial" panose="020B0604020202020204" pitchFamily="34" charset="0"/>
+              <a:buChar char="•"/>
+            </a:pPr>
+            <a:r>
+              <a:rPr lang="zh-CN" altLang="en-US" dirty="0"/>
+              <a:t>计算之后升序排列</a:t>
+            </a:r>
+            <a:r>
+              <a:rPr lang="en-US" altLang="zh-CN" dirty="0"/>
+              <a:t>,</a:t>
+            </a:r>
+            <a:r>
+              <a:rPr lang="zh-CN" altLang="en-US" dirty="0"/>
+              <a:t>找到最小的</a:t>
+            </a:r>
+            <a:r>
+              <a:rPr lang="en-US" altLang="zh-CN" dirty="0"/>
+              <a:t>K</a:t>
+            </a:r>
+            <a:r>
+              <a:rPr lang="zh-CN" altLang="en-US" dirty="0"/>
+              <a:t>个</a:t>
+            </a:r>
+            <a:r>
+              <a:rPr lang="en-US" altLang="zh-CN" dirty="0"/>
+              <a:t>RSS</a:t>
+            </a:r>
+            <a:r>
+              <a:rPr lang="zh-CN" altLang="en-US" dirty="0"/>
+              <a:t>距离集合</a:t>
+            </a:r>
+            <a:r>
+              <a:rPr lang="en-US" altLang="zh-CN" dirty="0"/>
+              <a:t>,</a:t>
+            </a:r>
+            <a:r>
+              <a:rPr lang="zh-CN" altLang="en-US" dirty="0"/>
+              <a:t>求平均</a:t>
+            </a:r>
+            <a:endParaRPr lang="en-US" altLang="zh-CN" sz="1800" b="0" dirty="0"/>
+          </a:p>
+        </p:txBody>
+      </p:sp>
+    </p:spTree>
+    <p:extLst>
+      <p:ext uri="{BB962C8B-B14F-4D97-AF65-F5344CB8AC3E}">
+        <p14:creationId xmlns:p14="http://schemas.microsoft.com/office/powerpoint/2010/main" val="3888235534"/>
+      </p:ext>
+    </p:extLst>
+  </p:cSld>
+  <p:clrMapOvr>
+    <a:masterClrMapping/>
+  </p:clrMapOvr>
+</p:sld>
+</file>
+
+<file path=ppt/slides/slide17.xml><?xml version="1.0" encoding="utf-8"?>
+<p:sld xmlns:a="http://schemas.openxmlformats.org/drawingml/2006/main" xmlns:r="http://schemas.openxmlformats.org/officeDocument/2006/relationships" xmlns:p="http://schemas.openxmlformats.org/presentationml/2006/main">
+  <p:cSld>
+    <p:spTree>
+      <p:nvGrpSpPr>
+        <p:cNvPr id="1" name=""/>
+        <p:cNvGrpSpPr/>
+        <p:nvPr/>
+      </p:nvGrpSpPr>
+      <p:grpSpPr>
+        <a:xfrm>
+          <a:off x="0" y="0"/>
+          <a:ext cx="0" cy="0"/>
+          <a:chOff x="0" y="0"/>
+          <a:chExt cx="0" cy="0"/>
+        </a:xfrm>
+      </p:grpSpPr>
+      <p:pic>
+        <p:nvPicPr>
+          <p:cNvPr id="21" name="图片 20">
+            <a:extLst>
+              <a:ext uri="{FF2B5EF4-FFF2-40B4-BE49-F238E27FC236}">
+                <a16:creationId xmlns:a16="http://schemas.microsoft.com/office/drawing/2014/main" id="{ABAD9AD5-1EBF-4D5A-81E9-EC26BB76A20F}"/>
+              </a:ext>
+            </a:extLst>
+          </p:cNvPr>
+          <p:cNvPicPr>
+            <a:picLocks noChangeAspect="1"/>
+          </p:cNvPicPr>
+          <p:nvPr/>
+        </p:nvPicPr>
+        <p:blipFill>
+          <a:blip r:embed="rId2">
+            <a:extLst>
+              <a:ext uri="{28A0092B-C50C-407E-A947-70E740481C1C}">
+                <a14:useLocalDpi xmlns:a14="http://schemas.microsoft.com/office/drawing/2010/main" val="0"/>
+              </a:ext>
+            </a:extLst>
+          </a:blip>
+          <a:stretch>
+            <a:fillRect/>
+          </a:stretch>
+        </p:blipFill>
+        <p:spPr>
+          <a:xfrm>
+            <a:off x="2416691" y="3554764"/>
+            <a:ext cx="2688710" cy="599198"/>
+          </a:xfrm>
+          <a:prstGeom prst="rect">
+            <a:avLst/>
+          </a:prstGeom>
+        </p:spPr>
+      </p:pic>
+      <p:pic>
+        <p:nvPicPr>
+          <p:cNvPr id="19" name="图片 18">
+            <a:extLst>
+              <a:ext uri="{FF2B5EF4-FFF2-40B4-BE49-F238E27FC236}">
+                <a16:creationId xmlns:a16="http://schemas.microsoft.com/office/drawing/2014/main" id="{83FBED43-A988-46F4-B5F8-1157858351B3}"/>
+              </a:ext>
+            </a:extLst>
+          </p:cNvPr>
+          <p:cNvPicPr>
+            <a:picLocks noChangeAspect="1"/>
+          </p:cNvPicPr>
+          <p:nvPr/>
+        </p:nvPicPr>
+        <p:blipFill>
+          <a:blip r:embed="rId3">
+            <a:extLst>
+              <a:ext uri="{28A0092B-C50C-407E-A947-70E740481C1C}">
+                <a14:useLocalDpi xmlns:a14="http://schemas.microsoft.com/office/drawing/2010/main" val="0"/>
+              </a:ext>
+            </a:extLst>
+          </a:blip>
+          <a:stretch>
+            <a:fillRect/>
+          </a:stretch>
+        </p:blipFill>
+        <p:spPr>
+          <a:xfrm>
+            <a:off x="2438400" y="2681212"/>
+            <a:ext cx="5052555" cy="914399"/>
+          </a:xfrm>
+          <a:prstGeom prst="rect">
+            <a:avLst/>
+          </a:prstGeom>
+        </p:spPr>
+      </p:pic>
+      <p:sp>
+        <p:nvSpPr>
+          <p:cNvPr id="31" name="文本框 30">
+            <a:extLst>
+              <a:ext uri="{FF2B5EF4-FFF2-40B4-BE49-F238E27FC236}">
+                <a16:creationId xmlns:a16="http://schemas.microsoft.com/office/drawing/2014/main" id="{E013196A-20DC-454B-A31A-B02E0B4E7140}"/>
+              </a:ext>
+            </a:extLst>
+          </p:cNvPr>
+          <p:cNvSpPr txBox="1"/>
+          <p:nvPr/>
+        </p:nvSpPr>
+        <p:spPr>
+          <a:xfrm>
+            <a:off x="703576" y="2867612"/>
+            <a:ext cx="7261098" cy="369332"/>
+          </a:xfrm>
+          <a:prstGeom prst="rect">
+            <a:avLst/>
+          </a:prstGeom>
+          <a:noFill/>
+        </p:spPr>
+        <p:txBody>
+          <a:bodyPr wrap="square">
+            <a:spAutoFit/>
+          </a:bodyPr>
+          <a:lstStyle/>
+          <a:p>
+            <a:pPr marL="285750" indent="-285750">
+              <a:buFont typeface="Arial" panose="020B0604020202020204" pitchFamily="34" charset="0"/>
+              <a:buChar char="•"/>
+            </a:pPr>
+            <a:r>
+              <a:rPr lang="zh-CN" altLang="en-US" sz="1800" b="0" dirty="0"/>
+              <a:t>先验概率：</a:t>
+            </a:r>
+            <a:endParaRPr lang="en-US" altLang="zh-CN" sz="1800" b="0" dirty="0"/>
+          </a:p>
+        </p:txBody>
+      </p:sp>
+      <p:grpSp>
+        <p:nvGrpSpPr>
+          <p:cNvPr id="2" name="object 2"/>
+          <p:cNvGrpSpPr/>
+          <p:nvPr/>
+        </p:nvGrpSpPr>
+        <p:grpSpPr>
+          <a:xfrm>
+            <a:off x="89915" y="135636"/>
+            <a:ext cx="262255" cy="576580"/>
+            <a:chOff x="89915" y="135636"/>
+            <a:chExt cx="262255" cy="576580"/>
+          </a:xfrm>
+        </p:grpSpPr>
+        <p:sp>
+          <p:nvSpPr>
+            <p:cNvPr id="3" name="object 3"/>
+            <p:cNvSpPr/>
+            <p:nvPr/>
+          </p:nvSpPr>
+          <p:spPr>
+            <a:xfrm>
+              <a:off x="278892" y="387095"/>
+              <a:ext cx="73660" cy="325120"/>
+            </a:xfrm>
+            <a:custGeom>
+              <a:avLst/>
+              <a:gdLst/>
+              <a:ahLst/>
+              <a:cxnLst/>
+              <a:rect l="l" t="t" r="r" b="b"/>
+              <a:pathLst>
+                <a:path w="73660" h="325120">
+                  <a:moveTo>
+                    <a:pt x="0" y="324612"/>
+                  </a:moveTo>
+                  <a:lnTo>
+                    <a:pt x="73151" y="324612"/>
+                  </a:lnTo>
+                  <a:lnTo>
+                    <a:pt x="73151" y="0"/>
+                  </a:lnTo>
+                  <a:lnTo>
+                    <a:pt x="0" y="0"/>
+                  </a:lnTo>
+                  <a:lnTo>
+                    <a:pt x="0" y="324612"/>
+                  </a:lnTo>
+                  <a:close/>
+                </a:path>
+              </a:pathLst>
+            </a:custGeom>
+            <a:solidFill>
+              <a:srgbClr val="4471C4"/>
+            </a:solidFill>
+          </p:spPr>
+          <p:txBody>
+            <a:bodyPr wrap="square" lIns="0" tIns="0" rIns="0" bIns="0" rtlCol="0"/>
+            <a:lstStyle/>
+            <a:p>
+              <a:pPr marL="0" marR="0" lvl="0" indent="0" algn="l" defTabSz="914400" rtl="0" eaLnBrk="1" fontAlgn="auto" latinLnBrk="0" hangingPunct="1">
+                <a:lnSpc>
+                  <a:spcPct val="100000"/>
+                </a:lnSpc>
+                <a:spcBef>
+                  <a:spcPts val="0"/>
+                </a:spcBef>
+                <a:spcAft>
+                  <a:spcPts val="0"/>
+                </a:spcAft>
+                <a:buClrTx/>
+                <a:buSzTx/>
+                <a:buFontTx/>
+                <a:buNone/>
+                <a:tabLst/>
+                <a:defRPr/>
+              </a:pPr>
+              <a:endParaRPr kumimoji="0" sz="1800" b="0" i="0" u="none" strike="noStrike" kern="1200" cap="none" spc="0" normalizeH="0" baseline="0" noProof="0">
+                <a:ln>
+                  <a:noFill/>
+                </a:ln>
+                <a:solidFill>
+                  <a:prstClr val="black"/>
+                </a:solidFill>
+                <a:effectLst/>
+                <a:uLnTx/>
+                <a:uFillTx/>
+                <a:latin typeface="Calibri"/>
+                <a:ea typeface="+mn-ea"/>
+                <a:cs typeface="+mn-cs"/>
+              </a:endParaRPr>
+            </a:p>
+          </p:txBody>
+        </p:sp>
+        <p:sp>
+          <p:nvSpPr>
+            <p:cNvPr id="4" name="object 4"/>
+            <p:cNvSpPr/>
+            <p:nvPr/>
+          </p:nvSpPr>
+          <p:spPr>
+            <a:xfrm>
+              <a:off x="89915" y="135636"/>
+              <a:ext cx="189230" cy="251460"/>
+            </a:xfrm>
+            <a:custGeom>
+              <a:avLst/>
+              <a:gdLst/>
+              <a:ahLst/>
+              <a:cxnLst/>
+              <a:rect l="l" t="t" r="r" b="b"/>
+              <a:pathLst>
+                <a:path w="189229" h="251460">
+                  <a:moveTo>
+                    <a:pt x="188976" y="0"/>
+                  </a:moveTo>
+                  <a:lnTo>
+                    <a:pt x="0" y="0"/>
+                  </a:lnTo>
+                  <a:lnTo>
+                    <a:pt x="0" y="251459"/>
+                  </a:lnTo>
+                  <a:lnTo>
+                    <a:pt x="188976" y="251459"/>
+                  </a:lnTo>
+                  <a:lnTo>
+                    <a:pt x="188976" y="0"/>
+                  </a:lnTo>
+                  <a:close/>
+                </a:path>
+              </a:pathLst>
+            </a:custGeom>
+            <a:solidFill>
+              <a:srgbClr val="2E5496"/>
+            </a:solidFill>
+          </p:spPr>
+          <p:txBody>
+            <a:bodyPr wrap="square" lIns="0" tIns="0" rIns="0" bIns="0" rtlCol="0"/>
+            <a:lstStyle/>
+            <a:p>
+              <a:pPr marL="0" marR="0" lvl="0" indent="0" algn="l" defTabSz="914400" rtl="0" eaLnBrk="1" fontAlgn="auto" latinLnBrk="0" hangingPunct="1">
+                <a:lnSpc>
+                  <a:spcPct val="100000"/>
+                </a:lnSpc>
+                <a:spcBef>
+                  <a:spcPts val="0"/>
+                </a:spcBef>
+                <a:spcAft>
+                  <a:spcPts val="0"/>
+                </a:spcAft>
+                <a:buClrTx/>
+                <a:buSzTx/>
+                <a:buFontTx/>
+                <a:buNone/>
+                <a:tabLst/>
+                <a:defRPr/>
+              </a:pPr>
+              <a:endParaRPr kumimoji="0" sz="1800" b="0" i="0" u="none" strike="noStrike" kern="1200" cap="none" spc="0" normalizeH="0" baseline="0" noProof="0">
+                <a:ln>
+                  <a:noFill/>
+                </a:ln>
+                <a:solidFill>
+                  <a:prstClr val="black"/>
+                </a:solidFill>
+                <a:effectLst/>
+                <a:uLnTx/>
+                <a:uFillTx/>
+                <a:latin typeface="Calibri"/>
+                <a:ea typeface="+mn-ea"/>
+                <a:cs typeface="+mn-cs"/>
+              </a:endParaRPr>
+            </a:p>
+          </p:txBody>
+        </p:sp>
+      </p:grpSp>
+      <p:grpSp>
+        <p:nvGrpSpPr>
+          <p:cNvPr id="5" name="object 5"/>
+          <p:cNvGrpSpPr/>
+          <p:nvPr/>
+        </p:nvGrpSpPr>
+        <p:grpSpPr>
+          <a:xfrm>
+            <a:off x="0" y="6304788"/>
+            <a:ext cx="9144000" cy="553720"/>
+            <a:chOff x="0" y="6304788"/>
+            <a:chExt cx="9144000" cy="553720"/>
+          </a:xfrm>
+        </p:grpSpPr>
+        <p:sp>
+          <p:nvSpPr>
+            <p:cNvPr id="6" name="object 6"/>
+            <p:cNvSpPr/>
+            <p:nvPr/>
+          </p:nvSpPr>
+          <p:spPr>
+            <a:xfrm>
+              <a:off x="8420100" y="6318503"/>
+              <a:ext cx="405765" cy="539750"/>
+            </a:xfrm>
+            <a:custGeom>
+              <a:avLst/>
+              <a:gdLst/>
+              <a:ahLst/>
+              <a:cxnLst/>
+              <a:rect l="l" t="t" r="r" b="b"/>
+              <a:pathLst>
+                <a:path w="405765" h="539750">
+                  <a:moveTo>
+                    <a:pt x="405383" y="0"/>
+                  </a:moveTo>
+                  <a:lnTo>
+                    <a:pt x="0" y="0"/>
+                  </a:lnTo>
+                  <a:lnTo>
+                    <a:pt x="0" y="539496"/>
+                  </a:lnTo>
+                  <a:lnTo>
+                    <a:pt x="405383" y="539496"/>
+                  </a:lnTo>
+                  <a:lnTo>
+                    <a:pt x="405383" y="0"/>
+                  </a:lnTo>
+                  <a:close/>
+                </a:path>
+              </a:pathLst>
+            </a:custGeom>
+            <a:solidFill>
+              <a:srgbClr val="4471C4"/>
+            </a:solidFill>
+          </p:spPr>
+          <p:txBody>
+            <a:bodyPr wrap="square" lIns="0" tIns="0" rIns="0" bIns="0" rtlCol="0"/>
+            <a:lstStyle/>
+            <a:p>
+              <a:pPr marL="0" marR="0" lvl="0" indent="0" algn="l" defTabSz="914400" rtl="0" eaLnBrk="1" fontAlgn="auto" latinLnBrk="0" hangingPunct="1">
+                <a:lnSpc>
+                  <a:spcPct val="100000"/>
+                </a:lnSpc>
+                <a:spcBef>
+                  <a:spcPts val="0"/>
+                </a:spcBef>
+                <a:spcAft>
+                  <a:spcPts val="0"/>
+                </a:spcAft>
+                <a:buClrTx/>
+                <a:buSzTx/>
+                <a:buFontTx/>
+                <a:buNone/>
+                <a:tabLst/>
+                <a:defRPr/>
+              </a:pPr>
+              <a:endParaRPr kumimoji="0" sz="1800" b="0" i="0" u="none" strike="noStrike" kern="1200" cap="none" spc="0" normalizeH="0" baseline="0" noProof="0">
+                <a:ln>
+                  <a:noFill/>
+                </a:ln>
+                <a:solidFill>
+                  <a:prstClr val="black"/>
+                </a:solidFill>
+                <a:effectLst/>
+                <a:uLnTx/>
+                <a:uFillTx/>
+                <a:latin typeface="Calibri"/>
+                <a:ea typeface="+mn-ea"/>
+                <a:cs typeface="+mn-cs"/>
+              </a:endParaRPr>
+            </a:p>
+          </p:txBody>
+        </p:sp>
+        <p:sp>
+          <p:nvSpPr>
+            <p:cNvPr id="7" name="object 7"/>
+            <p:cNvSpPr/>
+            <p:nvPr/>
+          </p:nvSpPr>
+          <p:spPr>
+            <a:xfrm>
+              <a:off x="0" y="6307836"/>
+              <a:ext cx="9144000" cy="0"/>
+            </a:xfrm>
+            <a:custGeom>
+              <a:avLst/>
+              <a:gdLst/>
+              <a:ahLst/>
+              <a:cxnLst/>
+              <a:rect l="l" t="t" r="r" b="b"/>
+              <a:pathLst>
+                <a:path w="9144000">
+                  <a:moveTo>
+                    <a:pt x="0" y="0"/>
+                  </a:moveTo>
+                  <a:lnTo>
+                    <a:pt x="9144000" y="0"/>
+                  </a:lnTo>
+                </a:path>
+              </a:pathLst>
+            </a:custGeom>
+            <a:ln w="6096">
+              <a:solidFill>
+                <a:srgbClr val="4471C4"/>
+              </a:solidFill>
+            </a:ln>
+          </p:spPr>
+          <p:txBody>
+            <a:bodyPr wrap="square" lIns="0" tIns="0" rIns="0" bIns="0" rtlCol="0"/>
+            <a:lstStyle/>
+            <a:p>
+              <a:pPr marL="0" marR="0" lvl="0" indent="0" algn="l" defTabSz="914400" rtl="0" eaLnBrk="1" fontAlgn="auto" latinLnBrk="0" hangingPunct="1">
+                <a:lnSpc>
+                  <a:spcPct val="100000"/>
+                </a:lnSpc>
+                <a:spcBef>
+                  <a:spcPts val="0"/>
+                </a:spcBef>
+                <a:spcAft>
+                  <a:spcPts val="0"/>
+                </a:spcAft>
+                <a:buClrTx/>
+                <a:buSzTx/>
+                <a:buFontTx/>
+                <a:buNone/>
+                <a:tabLst/>
+                <a:defRPr/>
+              </a:pPr>
+              <a:endParaRPr kumimoji="0" sz="1800" b="0" i="0" u="none" strike="noStrike" kern="1200" cap="none" spc="0" normalizeH="0" baseline="0" noProof="0">
+                <a:ln>
+                  <a:noFill/>
+                </a:ln>
+                <a:solidFill>
+                  <a:prstClr val="black"/>
+                </a:solidFill>
+                <a:effectLst/>
+                <a:uLnTx/>
+                <a:uFillTx/>
+                <a:latin typeface="Calibri"/>
+                <a:ea typeface="+mn-ea"/>
+                <a:cs typeface="+mn-cs"/>
+              </a:endParaRPr>
+            </a:p>
+          </p:txBody>
+        </p:sp>
+      </p:grpSp>
+      <p:grpSp>
+        <p:nvGrpSpPr>
+          <p:cNvPr id="8" name="object 8"/>
+          <p:cNvGrpSpPr/>
+          <p:nvPr/>
+        </p:nvGrpSpPr>
+        <p:grpSpPr>
+          <a:xfrm>
+            <a:off x="348995" y="207263"/>
+            <a:ext cx="7827645" cy="591820"/>
+            <a:chOff x="348995" y="207263"/>
+            <a:chExt cx="7827645" cy="591820"/>
+          </a:xfrm>
+        </p:grpSpPr>
+        <p:sp>
+          <p:nvSpPr>
+            <p:cNvPr id="9" name="object 9"/>
+            <p:cNvSpPr/>
+            <p:nvPr/>
+          </p:nvSpPr>
+          <p:spPr>
+            <a:xfrm>
+              <a:off x="739902" y="483870"/>
+              <a:ext cx="7047230" cy="0"/>
+            </a:xfrm>
+            <a:custGeom>
+              <a:avLst/>
+              <a:gdLst/>
+              <a:ahLst/>
+              <a:cxnLst/>
+              <a:rect l="l" t="t" r="r" b="b"/>
+              <a:pathLst>
+                <a:path w="7047230">
+                  <a:moveTo>
+                    <a:pt x="0" y="0"/>
+                  </a:moveTo>
+                  <a:lnTo>
+                    <a:pt x="7046976" y="0"/>
+                  </a:lnTo>
+                </a:path>
+              </a:pathLst>
+            </a:custGeom>
+            <a:ln w="22860">
+              <a:solidFill>
+                <a:srgbClr val="006FC0"/>
+              </a:solidFill>
+            </a:ln>
+          </p:spPr>
+          <p:txBody>
+            <a:bodyPr wrap="square" lIns="0" tIns="0" rIns="0" bIns="0" rtlCol="0"/>
+            <a:lstStyle/>
+            <a:p>
+              <a:pPr marL="0" marR="0" lvl="0" indent="0" algn="l" defTabSz="914400" rtl="0" eaLnBrk="1" fontAlgn="auto" latinLnBrk="0" hangingPunct="1">
+                <a:lnSpc>
+                  <a:spcPct val="100000"/>
+                </a:lnSpc>
+                <a:spcBef>
+                  <a:spcPts val="0"/>
+                </a:spcBef>
+                <a:spcAft>
+                  <a:spcPts val="0"/>
+                </a:spcAft>
+                <a:buClrTx/>
+                <a:buSzTx/>
+                <a:buFontTx/>
+                <a:buNone/>
+                <a:tabLst/>
+                <a:defRPr/>
+              </a:pPr>
+              <a:endParaRPr kumimoji="0" sz="1800" b="0" i="0" u="none" strike="noStrike" kern="1200" cap="none" spc="0" normalizeH="0" baseline="0" noProof="0">
+                <a:ln>
+                  <a:noFill/>
+                </a:ln>
+                <a:solidFill>
+                  <a:prstClr val="black"/>
+                </a:solidFill>
+                <a:effectLst/>
+                <a:uLnTx/>
+                <a:uFillTx/>
+                <a:latin typeface="Calibri"/>
+                <a:ea typeface="+mn-ea"/>
+                <a:cs typeface="+mn-cs"/>
+              </a:endParaRPr>
+            </a:p>
+          </p:txBody>
+        </p:sp>
+        <p:sp>
+          <p:nvSpPr>
+            <p:cNvPr id="10" name="object 10"/>
+            <p:cNvSpPr/>
+            <p:nvPr/>
+          </p:nvSpPr>
+          <p:spPr>
+            <a:xfrm>
+              <a:off x="1028700" y="210311"/>
+              <a:ext cx="7145020" cy="585470"/>
+            </a:xfrm>
+            <a:custGeom>
+              <a:avLst/>
+              <a:gdLst/>
+              <a:ahLst/>
+              <a:cxnLst/>
+              <a:rect l="l" t="t" r="r" b="b"/>
+              <a:pathLst>
+                <a:path w="7145020" h="585470">
+                  <a:moveTo>
+                    <a:pt x="7144511" y="0"/>
+                  </a:moveTo>
+                  <a:lnTo>
+                    <a:pt x="0" y="0"/>
+                  </a:lnTo>
+                  <a:lnTo>
+                    <a:pt x="0" y="585216"/>
+                  </a:lnTo>
+                  <a:lnTo>
+                    <a:pt x="7144511" y="585216"/>
+                  </a:lnTo>
+                  <a:lnTo>
+                    <a:pt x="7144511" y="0"/>
+                  </a:lnTo>
+                  <a:close/>
+                </a:path>
+              </a:pathLst>
+            </a:custGeom>
+            <a:solidFill>
+              <a:srgbClr val="006FC0"/>
+            </a:solidFill>
+          </p:spPr>
+          <p:txBody>
+            <a:bodyPr wrap="square" lIns="0" tIns="0" rIns="0" bIns="0" rtlCol="0"/>
+            <a:lstStyle/>
+            <a:p>
+              <a:pPr marL="0" marR="0" lvl="0" indent="0" algn="l" defTabSz="914400" rtl="0" eaLnBrk="1" fontAlgn="auto" latinLnBrk="0" hangingPunct="1">
+                <a:lnSpc>
+                  <a:spcPct val="100000"/>
+                </a:lnSpc>
+                <a:spcBef>
+                  <a:spcPts val="0"/>
+                </a:spcBef>
+                <a:spcAft>
+                  <a:spcPts val="0"/>
+                </a:spcAft>
+                <a:buClrTx/>
+                <a:buSzTx/>
+                <a:buFontTx/>
+                <a:buNone/>
+                <a:tabLst/>
+                <a:defRPr/>
+              </a:pPr>
+              <a:endParaRPr kumimoji="0" sz="1800" b="0" i="0" u="none" strike="noStrike" kern="1200" cap="none" spc="0" normalizeH="0" baseline="0" noProof="0" dirty="0">
+                <a:ln>
+                  <a:noFill/>
+                </a:ln>
+                <a:solidFill>
+                  <a:prstClr val="black"/>
+                </a:solidFill>
+                <a:effectLst/>
+                <a:uLnTx/>
+                <a:uFillTx/>
+                <a:latin typeface="Calibri"/>
+                <a:ea typeface="+mn-ea"/>
+                <a:cs typeface="+mn-cs"/>
+              </a:endParaRPr>
+            </a:p>
+          </p:txBody>
+        </p:sp>
+        <p:sp>
+          <p:nvSpPr>
+            <p:cNvPr id="11" name="object 11"/>
+            <p:cNvSpPr/>
+            <p:nvPr/>
+          </p:nvSpPr>
+          <p:spPr>
+            <a:xfrm>
+              <a:off x="1028700" y="210311"/>
+              <a:ext cx="7145020" cy="585470"/>
+            </a:xfrm>
+            <a:custGeom>
+              <a:avLst/>
+              <a:gdLst/>
+              <a:ahLst/>
+              <a:cxnLst/>
+              <a:rect l="l" t="t" r="r" b="b"/>
+              <a:pathLst>
+                <a:path w="7145020" h="585470">
+                  <a:moveTo>
+                    <a:pt x="0" y="585216"/>
+                  </a:moveTo>
+                  <a:lnTo>
+                    <a:pt x="7144511" y="585216"/>
+                  </a:lnTo>
+                  <a:lnTo>
+                    <a:pt x="7144511" y="0"/>
+                  </a:lnTo>
+                  <a:lnTo>
+                    <a:pt x="0" y="0"/>
+                  </a:lnTo>
+                  <a:lnTo>
+                    <a:pt x="0" y="585216"/>
+                  </a:lnTo>
+                  <a:close/>
+                </a:path>
+              </a:pathLst>
+            </a:custGeom>
+            <a:ln w="6096">
+              <a:solidFill>
+                <a:srgbClr val="006FC0"/>
+              </a:solidFill>
+            </a:ln>
+          </p:spPr>
+          <p:txBody>
+            <a:bodyPr wrap="square" lIns="0" tIns="0" rIns="0" bIns="0" rtlCol="0"/>
+            <a:lstStyle/>
+            <a:p>
+              <a:pPr marL="0" marR="0" lvl="0" indent="0" algn="l" defTabSz="914400" rtl="0" eaLnBrk="1" fontAlgn="auto" latinLnBrk="0" hangingPunct="1">
+                <a:lnSpc>
+                  <a:spcPct val="100000"/>
+                </a:lnSpc>
+                <a:spcBef>
+                  <a:spcPts val="0"/>
+                </a:spcBef>
+                <a:spcAft>
+                  <a:spcPts val="0"/>
+                </a:spcAft>
+                <a:buClrTx/>
+                <a:buSzTx/>
+                <a:buFontTx/>
+                <a:buNone/>
+                <a:tabLst/>
+                <a:defRPr/>
+              </a:pPr>
+              <a:endParaRPr kumimoji="0" sz="1800" b="0" i="0" u="none" strike="noStrike" kern="1200" cap="none" spc="0" normalizeH="0" baseline="0" noProof="0">
+                <a:ln>
+                  <a:noFill/>
+                </a:ln>
+                <a:solidFill>
+                  <a:prstClr val="black"/>
+                </a:solidFill>
+                <a:effectLst/>
+                <a:uLnTx/>
+                <a:uFillTx/>
+                <a:latin typeface="Calibri"/>
+                <a:ea typeface="+mn-ea"/>
+                <a:cs typeface="+mn-cs"/>
+              </a:endParaRPr>
+            </a:p>
+          </p:txBody>
+        </p:sp>
+        <p:sp>
+          <p:nvSpPr>
+            <p:cNvPr id="12" name="object 12"/>
+            <p:cNvSpPr/>
+            <p:nvPr/>
+          </p:nvSpPr>
+          <p:spPr>
+            <a:xfrm>
+              <a:off x="352043" y="210311"/>
+              <a:ext cx="516890" cy="585470"/>
+            </a:xfrm>
+            <a:custGeom>
+              <a:avLst/>
+              <a:gdLst/>
+              <a:ahLst/>
+              <a:cxnLst/>
+              <a:rect l="l" t="t" r="r" b="b"/>
+              <a:pathLst>
+                <a:path w="516890" h="585470">
+                  <a:moveTo>
+                    <a:pt x="516636" y="0"/>
+                  </a:moveTo>
+                  <a:lnTo>
+                    <a:pt x="0" y="0"/>
+                  </a:lnTo>
+                  <a:lnTo>
+                    <a:pt x="0" y="585216"/>
+                  </a:lnTo>
+                  <a:lnTo>
+                    <a:pt x="516636" y="585216"/>
+                  </a:lnTo>
+                  <a:lnTo>
+                    <a:pt x="516636" y="0"/>
+                  </a:lnTo>
+                  <a:close/>
+                </a:path>
+              </a:pathLst>
+            </a:custGeom>
+            <a:solidFill>
+              <a:srgbClr val="006FC0"/>
+            </a:solidFill>
+          </p:spPr>
+          <p:txBody>
+            <a:bodyPr wrap="square" lIns="0" tIns="0" rIns="0" bIns="0" rtlCol="0"/>
+            <a:lstStyle/>
+            <a:p>
+              <a:pPr marL="0" marR="0" lvl="0" indent="0" algn="l" defTabSz="914400" rtl="0" eaLnBrk="1" fontAlgn="auto" latinLnBrk="0" hangingPunct="1">
+                <a:lnSpc>
+                  <a:spcPct val="100000"/>
+                </a:lnSpc>
+                <a:spcBef>
+                  <a:spcPts val="0"/>
+                </a:spcBef>
+                <a:spcAft>
+                  <a:spcPts val="0"/>
+                </a:spcAft>
+                <a:buClrTx/>
+                <a:buSzTx/>
+                <a:buFontTx/>
+                <a:buNone/>
+                <a:tabLst/>
+                <a:defRPr/>
+              </a:pPr>
+              <a:endParaRPr kumimoji="0" sz="1800" b="0" i="0" u="none" strike="noStrike" kern="1200" cap="none" spc="0" normalizeH="0" baseline="0" noProof="0">
+                <a:ln>
+                  <a:noFill/>
+                </a:ln>
+                <a:solidFill>
+                  <a:prstClr val="black"/>
+                </a:solidFill>
+                <a:effectLst/>
+                <a:uLnTx/>
+                <a:uFillTx/>
+                <a:latin typeface="Calibri"/>
+                <a:ea typeface="+mn-ea"/>
+                <a:cs typeface="+mn-cs"/>
+              </a:endParaRPr>
+            </a:p>
+          </p:txBody>
+        </p:sp>
+        <p:sp>
+          <p:nvSpPr>
+            <p:cNvPr id="13" name="object 13"/>
+            <p:cNvSpPr/>
+            <p:nvPr/>
+          </p:nvSpPr>
+          <p:spPr>
+            <a:xfrm>
+              <a:off x="352043" y="210311"/>
+              <a:ext cx="516890" cy="585470"/>
+            </a:xfrm>
+            <a:custGeom>
+              <a:avLst/>
+              <a:gdLst/>
+              <a:ahLst/>
+              <a:cxnLst/>
+              <a:rect l="l" t="t" r="r" b="b"/>
+              <a:pathLst>
+                <a:path w="516890" h="585470">
+                  <a:moveTo>
+                    <a:pt x="0" y="585216"/>
+                  </a:moveTo>
+                  <a:lnTo>
+                    <a:pt x="516636" y="585216"/>
+                  </a:lnTo>
+                  <a:lnTo>
+                    <a:pt x="516636" y="0"/>
+                  </a:lnTo>
+                  <a:lnTo>
+                    <a:pt x="0" y="0"/>
+                  </a:lnTo>
+                  <a:lnTo>
+                    <a:pt x="0" y="585216"/>
+                  </a:lnTo>
+                  <a:close/>
+                </a:path>
+              </a:pathLst>
+            </a:custGeom>
+            <a:ln w="6096">
+              <a:solidFill>
+                <a:srgbClr val="006FC0"/>
+              </a:solidFill>
+            </a:ln>
+          </p:spPr>
+          <p:txBody>
+            <a:bodyPr wrap="square" lIns="0" tIns="0" rIns="0" bIns="0" rtlCol="0"/>
+            <a:lstStyle/>
+            <a:p>
+              <a:pPr marL="0" marR="0" lvl="0" indent="0" algn="l" defTabSz="914400" rtl="0" eaLnBrk="1" fontAlgn="auto" latinLnBrk="0" hangingPunct="1">
+                <a:lnSpc>
+                  <a:spcPct val="100000"/>
+                </a:lnSpc>
+                <a:spcBef>
+                  <a:spcPts val="0"/>
+                </a:spcBef>
+                <a:spcAft>
+                  <a:spcPts val="0"/>
+                </a:spcAft>
+                <a:buClrTx/>
+                <a:buSzTx/>
+                <a:buFontTx/>
+                <a:buNone/>
+                <a:tabLst/>
+                <a:defRPr/>
+              </a:pPr>
+              <a:endParaRPr kumimoji="0" sz="1800" b="0" i="0" u="none" strike="noStrike" kern="1200" cap="none" spc="0" normalizeH="0" baseline="0" noProof="0">
+                <a:ln>
+                  <a:noFill/>
+                </a:ln>
+                <a:solidFill>
+                  <a:prstClr val="black"/>
+                </a:solidFill>
+                <a:effectLst/>
+                <a:uLnTx/>
+                <a:uFillTx/>
+                <a:latin typeface="Calibri"/>
+                <a:ea typeface="+mn-ea"/>
+                <a:cs typeface="+mn-cs"/>
+              </a:endParaRPr>
+            </a:p>
+          </p:txBody>
+        </p:sp>
+      </p:grpSp>
+      <p:sp>
+        <p:nvSpPr>
+          <p:cNvPr id="14" name="object 14"/>
+          <p:cNvSpPr txBox="1">
+            <a:spLocks noGrp="1"/>
+          </p:cNvSpPr>
+          <p:nvPr>
+            <p:ph type="title"/>
+          </p:nvPr>
+        </p:nvSpPr>
+        <p:spPr>
+          <a:xfrm>
+            <a:off x="457300" y="199390"/>
+            <a:ext cx="6857899" cy="566822"/>
+          </a:xfrm>
+          <a:prstGeom prst="rect">
+            <a:avLst/>
+          </a:prstGeom>
+        </p:spPr>
+        <p:txBody>
+          <a:bodyPr vert="horz" wrap="square" lIns="0" tIns="12700" rIns="0" bIns="0" rtlCol="0">
+            <a:spAutoFit/>
+          </a:bodyPr>
+          <a:lstStyle/>
+          <a:p>
+            <a:pPr marL="12700">
+              <a:lnSpc>
+                <a:spcPct val="100000"/>
+              </a:lnSpc>
+              <a:spcBef>
+                <a:spcPts val="100"/>
+              </a:spcBef>
+              <a:tabLst>
+                <a:tab pos="2315845" algn="l"/>
+              </a:tabLst>
+            </a:pPr>
+            <a:r>
+              <a:rPr lang="en-US" altLang="zh-CN" spc="75" dirty="0"/>
+              <a:t>3</a:t>
+            </a:r>
+            <a:r>
+              <a:rPr lang="zh-CN" altLang="en-US" spc="75" dirty="0"/>
+              <a:t>	</a:t>
+            </a:r>
+            <a:r>
+              <a:rPr lang="en-US" altLang="zh-CN" spc="75" dirty="0"/>
+              <a:t>WIFI</a:t>
+            </a:r>
+            <a:r>
+              <a:rPr lang="zh-CN" altLang="en-US" spc="75" dirty="0"/>
+              <a:t>室内定位方法</a:t>
+            </a:r>
+            <a:endParaRPr spc="75" dirty="0"/>
+          </a:p>
+        </p:txBody>
+      </p:sp>
+      <p:sp>
+        <p:nvSpPr>
+          <p:cNvPr id="15" name="object 15"/>
+          <p:cNvSpPr txBox="1"/>
+          <p:nvPr/>
+        </p:nvSpPr>
+        <p:spPr>
+          <a:xfrm>
+            <a:off x="960221" y="1549252"/>
+            <a:ext cx="4980940" cy="612347"/>
+          </a:xfrm>
+          <a:prstGeom prst="rect">
+            <a:avLst/>
+          </a:prstGeom>
+        </p:spPr>
+        <p:txBody>
+          <a:bodyPr vert="horz" wrap="square" lIns="0" tIns="240665" rIns="0" bIns="0" rtlCol="0">
+            <a:spAutoFit/>
+          </a:bodyPr>
+          <a:lstStyle/>
+          <a:p>
+            <a:pPr marL="12700" marR="0" lvl="0" indent="0" algn="l" defTabSz="914400" rtl="0" eaLnBrk="1" fontAlgn="auto" latinLnBrk="0" hangingPunct="1">
+              <a:lnSpc>
+                <a:spcPct val="100000"/>
+              </a:lnSpc>
+              <a:spcBef>
+                <a:spcPts val="1895"/>
+              </a:spcBef>
+              <a:spcAft>
+                <a:spcPts val="0"/>
+              </a:spcAft>
+              <a:buClrTx/>
+              <a:buSzTx/>
+              <a:buFontTx/>
+              <a:buNone/>
+              <a:tabLst/>
+              <a:defRPr/>
+            </a:pPr>
+            <a:r>
+              <a:rPr kumimoji="0" lang="en-US" altLang="zh-CN" sz="2400" b="1" i="0" u="none" strike="noStrike" kern="1200" cap="none" spc="0" normalizeH="0" baseline="0" noProof="0" dirty="0">
+                <a:ln>
+                  <a:noFill/>
+                </a:ln>
+                <a:solidFill>
+                  <a:srgbClr val="202122"/>
+                </a:solidFill>
+                <a:effectLst/>
+                <a:uLnTx/>
+                <a:uFillTx/>
+                <a:latin typeface="Arial" panose="020B0604020202020204" pitchFamily="34" charset="0"/>
+                <a:ea typeface="宋体" panose="02010600030101010101" pitchFamily="2" charset="-122"/>
+                <a:cs typeface="+mn-cs"/>
+              </a:rPr>
+              <a:t>  </a:t>
+            </a:r>
+          </a:p>
+        </p:txBody>
+      </p:sp>
+      <p:sp>
+        <p:nvSpPr>
+          <p:cNvPr id="17" name="object 17"/>
+          <p:cNvSpPr txBox="1">
+            <a:spLocks noGrp="1"/>
+          </p:cNvSpPr>
+          <p:nvPr>
+            <p:ph type="sldNum" sz="quarter" idx="7"/>
+          </p:nvPr>
+        </p:nvSpPr>
+        <p:spPr>
+          <a:prstGeom prst="rect">
+            <a:avLst/>
+          </a:prstGeom>
+        </p:spPr>
+        <p:txBody>
+          <a:bodyPr vert="horz" wrap="square" lIns="0" tIns="0" rIns="0" bIns="0" rtlCol="0">
+            <a:spAutoFit/>
+          </a:bodyPr>
+          <a:lstStyle/>
+          <a:p>
+            <a:pPr marL="38100" marR="0" lvl="0" indent="0" algn="l" defTabSz="914400" rtl="0" eaLnBrk="1" fontAlgn="auto" latinLnBrk="0" hangingPunct="1">
+              <a:lnSpc>
+                <a:spcPts val="2005"/>
+              </a:lnSpc>
+              <a:spcBef>
+                <a:spcPts val="0"/>
+              </a:spcBef>
+              <a:spcAft>
+                <a:spcPts val="0"/>
+              </a:spcAft>
+              <a:buClrTx/>
+              <a:buSzTx/>
+              <a:buFontTx/>
+              <a:buNone/>
+              <a:tabLst/>
+              <a:defRPr/>
+            </a:pPr>
+            <a:fld id="{81D60167-4931-47E6-BA6A-407CBD079E47}" type="slidenum">
+              <a:rPr kumimoji="0" sz="2000" b="1" i="0" u="none" strike="noStrike" kern="1200" cap="none" spc="0" normalizeH="0" baseline="0" noProof="0" dirty="0">
+                <a:ln>
+                  <a:noFill/>
+                </a:ln>
+                <a:solidFill>
+                  <a:prstClr val="white"/>
+                </a:solidFill>
+                <a:effectLst/>
+                <a:uLnTx/>
+                <a:uFillTx/>
+                <a:latin typeface="Calibri" panose="020F0502020204030204"/>
+                <a:ea typeface="+mn-ea"/>
+                <a:cs typeface="Calibri" panose="020F0502020204030204"/>
+              </a:rPr>
+              <a:pPr marL="38100" marR="0" lvl="0" indent="0" algn="l" defTabSz="914400" rtl="0" eaLnBrk="1" fontAlgn="auto" latinLnBrk="0" hangingPunct="1">
+                <a:lnSpc>
+                  <a:spcPts val="2005"/>
+                </a:lnSpc>
+                <a:spcBef>
+                  <a:spcPts val="0"/>
+                </a:spcBef>
+                <a:spcAft>
+                  <a:spcPts val="0"/>
+                </a:spcAft>
+                <a:buClrTx/>
+                <a:buSzTx/>
+                <a:buFontTx/>
+                <a:buNone/>
+                <a:tabLst/>
+                <a:defRPr/>
+              </a:pPr>
+              <a:t>17</a:t>
+            </a:fld>
+            <a:endParaRPr kumimoji="0" sz="2000" b="1" i="0" u="none" strike="noStrike" kern="1200" cap="none" spc="0" normalizeH="0" baseline="0" noProof="0" dirty="0">
+              <a:ln>
+                <a:noFill/>
+              </a:ln>
+              <a:solidFill>
+                <a:prstClr val="white"/>
+              </a:solidFill>
+              <a:effectLst/>
+              <a:uLnTx/>
+              <a:uFillTx/>
+              <a:latin typeface="Calibri" panose="020F0502020204030204"/>
+              <a:ea typeface="+mn-ea"/>
+              <a:cs typeface="Calibri" panose="020F0502020204030204"/>
+            </a:endParaRPr>
+          </a:p>
+        </p:txBody>
+      </p:sp>
+      <p:sp>
+        <p:nvSpPr>
+          <p:cNvPr id="23" name="文本框 22">
+            <a:extLst>
+              <a:ext uri="{FF2B5EF4-FFF2-40B4-BE49-F238E27FC236}">
+                <a16:creationId xmlns:a16="http://schemas.microsoft.com/office/drawing/2014/main" id="{778FE6CF-9401-420A-8363-C1778D0E384A}"/>
+              </a:ext>
+            </a:extLst>
+          </p:cNvPr>
+          <p:cNvSpPr txBox="1"/>
+          <p:nvPr/>
+        </p:nvSpPr>
+        <p:spPr>
+          <a:xfrm>
+            <a:off x="293826" y="857623"/>
+            <a:ext cx="4576762" cy="523220"/>
+          </a:xfrm>
+          <a:prstGeom prst="rect">
+            <a:avLst/>
+          </a:prstGeom>
+          <a:noFill/>
+        </p:spPr>
+        <p:txBody>
+          <a:bodyPr wrap="square">
+            <a:spAutoFit/>
+          </a:bodyPr>
+          <a:lstStyle/>
+          <a:p>
+            <a:pPr marL="12700">
+              <a:lnSpc>
+                <a:spcPct val="100000"/>
+              </a:lnSpc>
+              <a:spcBef>
+                <a:spcPts val="95"/>
+              </a:spcBef>
+            </a:pPr>
+            <a:r>
+              <a:rPr lang="en-US" altLang="zh-CN" sz="2800" spc="-5" dirty="0">
+                <a:latin typeface="微软雅黑" panose="020B0503020204020204" pitchFamily="34" charset="-122"/>
+                <a:ea typeface="微软雅黑" panose="020B0503020204020204" pitchFamily="34" charset="-122"/>
+                <a:cs typeface="微软雅黑"/>
+              </a:rPr>
+              <a:t>3.3 </a:t>
+            </a:r>
+            <a:r>
+              <a:rPr lang="zh-CN" altLang="en-US" sz="2800" spc="-5" dirty="0">
+                <a:latin typeface="微软雅黑" panose="020B0503020204020204" pitchFamily="34" charset="-122"/>
+                <a:ea typeface="微软雅黑" panose="020B0503020204020204" pitchFamily="34" charset="-122"/>
+                <a:cs typeface="微软雅黑"/>
+              </a:rPr>
+              <a:t>位置指纹法</a:t>
+            </a:r>
+            <a:endParaRPr lang="zh-CN" altLang="en-US" sz="2800" dirty="0">
+              <a:latin typeface="微软雅黑" panose="020B0503020204020204" pitchFamily="34" charset="-122"/>
+              <a:ea typeface="微软雅黑" panose="020B0503020204020204" pitchFamily="34" charset="-122"/>
+              <a:cs typeface="微软雅黑"/>
+            </a:endParaRPr>
+          </a:p>
+        </p:txBody>
+      </p:sp>
+      <p:sp>
+        <p:nvSpPr>
+          <p:cNvPr id="30" name="文本框 29">
+            <a:extLst>
+              <a:ext uri="{FF2B5EF4-FFF2-40B4-BE49-F238E27FC236}">
+                <a16:creationId xmlns:a16="http://schemas.microsoft.com/office/drawing/2014/main" id="{5FAAFC05-1C1B-4797-9C87-86E01491A67E}"/>
+              </a:ext>
+            </a:extLst>
+          </p:cNvPr>
+          <p:cNvSpPr txBox="1"/>
+          <p:nvPr/>
+        </p:nvSpPr>
+        <p:spPr>
+          <a:xfrm>
+            <a:off x="698077" y="2012024"/>
+            <a:ext cx="7145020" cy="646331"/>
+          </a:xfrm>
+          <a:prstGeom prst="rect">
+            <a:avLst/>
+          </a:prstGeom>
+          <a:noFill/>
+        </p:spPr>
+        <p:txBody>
+          <a:bodyPr wrap="square">
+            <a:spAutoFit/>
+          </a:bodyPr>
+          <a:lstStyle/>
+          <a:p>
+            <a:pPr marL="285750" indent="-285750">
+              <a:buFont typeface="Arial" panose="020B0604020202020204" pitchFamily="34" charset="0"/>
+              <a:buChar char="•"/>
+            </a:pPr>
+            <a:r>
+              <a:rPr lang="zh-CN" altLang="en-US" dirty="0"/>
+              <a:t>采集</a:t>
+            </a:r>
+            <a:r>
+              <a:rPr lang="en-US" altLang="zh-CN" dirty="0"/>
+              <a:t>RSS</a:t>
+            </a:r>
+            <a:r>
+              <a:rPr lang="zh-CN" altLang="en-US" dirty="0"/>
+              <a:t>样本计算出已知参考点处</a:t>
+            </a:r>
+            <a:r>
+              <a:rPr lang="en-US" altLang="zh-CN" dirty="0"/>
+              <a:t>RSS</a:t>
+            </a:r>
+            <a:r>
+              <a:rPr lang="zh-CN" altLang="en-US" dirty="0"/>
+              <a:t>向量的先验概率信息，定位时将</a:t>
+            </a:r>
+            <a:r>
+              <a:rPr lang="en-US" altLang="zh-CN" dirty="0"/>
+              <a:t>RSS</a:t>
+            </a:r>
+            <a:r>
+              <a:rPr lang="zh-CN" altLang="en-US" dirty="0"/>
+              <a:t>向量出现最大概率对应的位置作为估计信息，一般用贝叶斯</a:t>
+            </a:r>
+            <a:endParaRPr lang="en-US" altLang="zh-CN" dirty="0"/>
+          </a:p>
+        </p:txBody>
+      </p:sp>
+      <p:sp>
+        <p:nvSpPr>
+          <p:cNvPr id="26" name="文本框 25">
+            <a:extLst>
+              <a:ext uri="{FF2B5EF4-FFF2-40B4-BE49-F238E27FC236}">
+                <a16:creationId xmlns:a16="http://schemas.microsoft.com/office/drawing/2014/main" id="{EC8F5701-2E53-4B85-A6DF-EC0347B4AD4F}"/>
+              </a:ext>
+            </a:extLst>
+          </p:cNvPr>
+          <p:cNvSpPr txBox="1"/>
+          <p:nvPr/>
+        </p:nvSpPr>
+        <p:spPr>
+          <a:xfrm>
+            <a:off x="297999" y="1416633"/>
+            <a:ext cx="2216601" cy="461665"/>
+          </a:xfrm>
+          <a:prstGeom prst="rect">
+            <a:avLst/>
+          </a:prstGeom>
+          <a:noFill/>
+        </p:spPr>
+        <p:txBody>
+          <a:bodyPr wrap="square">
+            <a:spAutoFit/>
+          </a:bodyPr>
+          <a:lstStyle/>
+          <a:p>
+            <a:pPr marL="12700">
+              <a:lnSpc>
+                <a:spcPct val="100000"/>
+              </a:lnSpc>
+              <a:spcBef>
+                <a:spcPts val="95"/>
+              </a:spcBef>
+            </a:pPr>
+            <a:r>
+              <a:rPr lang="en-US" altLang="zh-CN" sz="2400" spc="-5" dirty="0">
+                <a:latin typeface="微软雅黑" panose="020B0503020204020204" pitchFamily="34" charset="-122"/>
+                <a:ea typeface="微软雅黑" panose="020B0503020204020204" pitchFamily="34" charset="-122"/>
+                <a:cs typeface="微软雅黑"/>
+              </a:rPr>
+              <a:t>3.3.3 </a:t>
+            </a:r>
+            <a:r>
+              <a:rPr lang="zh-CN" altLang="en-US" sz="2400" spc="-5" dirty="0">
+                <a:latin typeface="微软雅黑" panose="020B0503020204020204" pitchFamily="34" charset="-122"/>
+                <a:ea typeface="微软雅黑" panose="020B0503020204020204" pitchFamily="34" charset="-122"/>
+                <a:cs typeface="微软雅黑"/>
+              </a:rPr>
+              <a:t>概率法</a:t>
+            </a:r>
+            <a:endParaRPr lang="zh-CN" altLang="en-US" sz="2400" baseline="30000" dirty="0">
+              <a:latin typeface="微软雅黑" panose="020B0503020204020204" pitchFamily="34" charset="-122"/>
+              <a:ea typeface="微软雅黑" panose="020B0503020204020204" pitchFamily="34" charset="-122"/>
+              <a:cs typeface="微软雅黑"/>
+            </a:endParaRPr>
+          </a:p>
+        </p:txBody>
+      </p:sp>
+      <p:sp>
+        <p:nvSpPr>
+          <p:cNvPr id="33" name="文本框 32">
+            <a:extLst>
+              <a:ext uri="{FF2B5EF4-FFF2-40B4-BE49-F238E27FC236}">
+                <a16:creationId xmlns:a16="http://schemas.microsoft.com/office/drawing/2014/main" id="{DA296CB7-FE4F-473F-9682-210D22E5143C}"/>
+              </a:ext>
+            </a:extLst>
+          </p:cNvPr>
+          <p:cNvSpPr txBox="1"/>
+          <p:nvPr/>
+        </p:nvSpPr>
+        <p:spPr>
+          <a:xfrm>
+            <a:off x="737489" y="3639803"/>
+            <a:ext cx="6041898" cy="369332"/>
+          </a:xfrm>
+          <a:prstGeom prst="rect">
+            <a:avLst/>
+          </a:prstGeom>
+          <a:noFill/>
+        </p:spPr>
+        <p:txBody>
+          <a:bodyPr wrap="square">
+            <a:spAutoFit/>
+          </a:bodyPr>
+          <a:lstStyle/>
+          <a:p>
+            <a:pPr marL="285750" indent="-285750">
+              <a:buFont typeface="Arial" panose="020B0604020202020204" pitchFamily="34" charset="0"/>
+              <a:buChar char="•"/>
+            </a:pPr>
+            <a:r>
+              <a:rPr lang="zh-CN" altLang="en-US" dirty="0"/>
+              <a:t>位置估计：</a:t>
+            </a:r>
+            <a:endParaRPr lang="en-US" altLang="zh-CN" sz="1800" b="0" dirty="0"/>
+          </a:p>
+        </p:txBody>
+      </p:sp>
+      <mc:AlternateContent xmlns:mc="http://schemas.openxmlformats.org/markup-compatibility/2006">
+        <mc:Choice xmlns:a14="http://schemas.microsoft.com/office/drawing/2010/main" Requires="a14">
+          <p:sp>
+            <p:nvSpPr>
+              <p:cNvPr id="29" name="文本框 28">
+                <a:extLst>
+                  <a:ext uri="{FF2B5EF4-FFF2-40B4-BE49-F238E27FC236}">
+                    <a16:creationId xmlns:a16="http://schemas.microsoft.com/office/drawing/2014/main" id="{3AD711C0-E978-4A40-BEDA-94416241765A}"/>
+                  </a:ext>
+                </a:extLst>
+              </p:cNvPr>
+              <p:cNvSpPr txBox="1"/>
+              <p:nvPr/>
+            </p:nvSpPr>
+            <p:spPr>
+              <a:xfrm>
+                <a:off x="781050" y="4352193"/>
+                <a:ext cx="7581900" cy="785536"/>
+              </a:xfrm>
+              <a:prstGeom prst="rect">
+                <a:avLst/>
+              </a:prstGeom>
+              <a:noFill/>
+            </p:spPr>
+            <p:txBody>
+              <a:bodyPr wrap="square">
+                <a:spAutoFit/>
+              </a:bodyPr>
+              <a:lstStyle/>
+              <a:p>
+                <a14:m>
+                  <m:oMath xmlns:m="http://schemas.openxmlformats.org/officeDocument/2006/math">
+                    <m:r>
+                      <a:rPr lang="en-US" altLang="zh-CN" i="1" dirty="0" smtClean="0">
+                        <a:latin typeface="Cambria Math" panose="02040503050406030204" pitchFamily="18" charset="0"/>
+                      </a:rPr>
+                      <m:t>𝑃</m:t>
+                    </m:r>
+                    <m:d>
+                      <m:dPr>
+                        <m:ctrlPr>
+                          <a:rPr lang="en-US" altLang="zh-CN" i="1" dirty="0" smtClean="0">
+                            <a:latin typeface="Cambria Math" panose="02040503050406030204" pitchFamily="18" charset="0"/>
+                          </a:rPr>
+                        </m:ctrlPr>
+                      </m:dPr>
+                      <m:e>
+                        <m:sSub>
+                          <m:sSubPr>
+                            <m:ctrlPr>
+                              <a:rPr lang="en-US" altLang="zh-CN" i="1" dirty="0" err="1" smtClean="0">
+                                <a:latin typeface="Cambria Math" panose="02040503050406030204" pitchFamily="18" charset="0"/>
+                              </a:rPr>
+                            </m:ctrlPr>
+                          </m:sSubPr>
+                          <m:e>
+                            <m:r>
+                              <a:rPr lang="en-US" altLang="zh-CN" i="1" dirty="0" err="1" smtClean="0">
+                                <a:latin typeface="Cambria Math" panose="02040503050406030204" pitchFamily="18" charset="0"/>
+                              </a:rPr>
+                              <m:t>𝑝</m:t>
+                            </m:r>
+                          </m:e>
+                          <m:sub>
+                            <m:r>
+                              <a:rPr lang="en-US" altLang="zh-CN" i="1" dirty="0" err="1" smtClean="0">
+                                <a:latin typeface="Cambria Math" panose="02040503050406030204" pitchFamily="18" charset="0"/>
+                              </a:rPr>
+                              <m:t>𝑖</m:t>
+                            </m:r>
+                          </m:sub>
+                        </m:sSub>
+                      </m:e>
+                    </m:d>
+                    <m:r>
+                      <a:rPr lang="zh-CN" altLang="en-US" i="1" dirty="0">
+                        <a:latin typeface="Cambria Math" panose="02040503050406030204" pitchFamily="18" charset="0"/>
+                      </a:rPr>
+                      <m:t>为</m:t>
+                    </m:r>
+                  </m:oMath>
+                </a14:m>
+                <a:r>
+                  <a:rPr lang="zh-CN" altLang="en-US" dirty="0"/>
+                  <a:t>第</a:t>
+                </a:r>
+                <a:r>
+                  <a:rPr lang="en-US" altLang="zh-CN" dirty="0"/>
+                  <a:t>i</a:t>
+                </a:r>
+                <a:r>
+                  <a:rPr lang="zh-CN" altLang="en-US" dirty="0"/>
+                  <a:t>个参考点</a:t>
+                </a:r>
+                <a14:m>
+                  <m:oMath xmlns:m="http://schemas.openxmlformats.org/officeDocument/2006/math">
+                    <m:sSub>
+                      <m:sSubPr>
+                        <m:ctrlPr>
+                          <a:rPr lang="en-US" altLang="zh-CN" b="0" i="1" smtClean="0">
+                            <a:latin typeface="Cambria Math" panose="02040503050406030204" pitchFamily="18" charset="0"/>
+                          </a:rPr>
+                        </m:ctrlPr>
+                      </m:sSubPr>
+                      <m:e>
+                        <m:r>
+                          <a:rPr lang="en-US" altLang="zh-CN" b="0" i="1" smtClean="0">
+                            <a:latin typeface="Cambria Math" panose="02040503050406030204" pitchFamily="18" charset="0"/>
+                          </a:rPr>
+                          <m:t>𝑝</m:t>
+                        </m:r>
+                      </m:e>
+                      <m:sub>
+                        <m:r>
+                          <a:rPr lang="en-US" altLang="zh-CN" b="0" i="1" smtClean="0">
+                            <a:latin typeface="Cambria Math" panose="02040503050406030204" pitchFamily="18" charset="0"/>
+                          </a:rPr>
+                          <m:t>𝑖</m:t>
+                        </m:r>
+                      </m:sub>
+                    </m:sSub>
+                    <m:r>
+                      <a:rPr lang="zh-CN" altLang="en-US" i="1">
+                        <a:latin typeface="Cambria Math" panose="02040503050406030204" pitchFamily="18" charset="0"/>
+                      </a:rPr>
+                      <m:t>的</m:t>
+                    </m:r>
+                  </m:oMath>
+                </a14:m>
+                <a:r>
+                  <a:rPr lang="zh-CN" altLang="en-US" dirty="0"/>
+                  <a:t>先验概率</a:t>
+                </a:r>
+                <a:endParaRPr lang="en-US" altLang="zh-CN" dirty="0"/>
+              </a:p>
+              <a:p>
+                <a:r>
+                  <a:rPr lang="zh-CN" altLang="en-US" dirty="0"/>
+                  <a:t>假设目标位置在各个参考点概率相等时，就可以表示为</a:t>
+                </a:r>
+                <a14:m>
+                  <m:oMath xmlns:m="http://schemas.openxmlformats.org/officeDocument/2006/math">
+                    <m:f>
+                      <m:fPr>
+                        <m:ctrlPr>
+                          <a:rPr lang="en-US" altLang="zh-CN" i="1" smtClean="0">
+                            <a:latin typeface="Cambria Math" panose="02040503050406030204" pitchFamily="18" charset="0"/>
+                          </a:rPr>
+                        </m:ctrlPr>
+                      </m:fPr>
+                      <m:num>
+                        <m:r>
+                          <a:rPr lang="en-US" altLang="zh-CN" b="0" i="1" smtClean="0">
+                            <a:latin typeface="Cambria Math" panose="02040503050406030204" pitchFamily="18" charset="0"/>
+                          </a:rPr>
+                          <m:t>1</m:t>
+                        </m:r>
+                      </m:num>
+                      <m:den>
+                        <m:r>
+                          <a:rPr lang="en-US" altLang="zh-CN" b="0" i="1" smtClean="0">
+                            <a:latin typeface="Cambria Math" panose="02040503050406030204" pitchFamily="18" charset="0"/>
+                          </a:rPr>
+                          <m:t>𝑁</m:t>
+                        </m:r>
+                      </m:den>
+                    </m:f>
+                  </m:oMath>
+                </a14:m>
+                <a:endParaRPr lang="zh-CN" altLang="en-US" dirty="0"/>
+              </a:p>
+            </p:txBody>
+          </p:sp>
+        </mc:Choice>
+        <mc:Fallback>
+          <p:sp>
+            <p:nvSpPr>
+              <p:cNvPr id="29" name="文本框 28">
+                <a:extLst>
+                  <a:ext uri="{FF2B5EF4-FFF2-40B4-BE49-F238E27FC236}">
+                    <a16:creationId xmlns:a16="http://schemas.microsoft.com/office/drawing/2014/main" id="{3AD711C0-E978-4A40-BEDA-94416241765A}"/>
+                  </a:ext>
+                </a:extLst>
+              </p:cNvPr>
+              <p:cNvSpPr txBox="1">
+                <a:spLocks noRot="1" noChangeAspect="1" noMove="1" noResize="1" noEditPoints="1" noAdjustHandles="1" noChangeArrowheads="1" noChangeShapeType="1" noTextEdit="1"/>
+              </p:cNvSpPr>
+              <p:nvPr/>
+            </p:nvSpPr>
+            <p:spPr>
+              <a:xfrm>
+                <a:off x="781050" y="4352193"/>
+                <a:ext cx="7581900" cy="785536"/>
+              </a:xfrm>
+              <a:prstGeom prst="rect">
+                <a:avLst/>
+              </a:prstGeom>
+              <a:blipFill>
+                <a:blip r:embed="rId4"/>
+                <a:stretch>
+                  <a:fillRect l="-643" t="-6977"/>
+                </a:stretch>
+              </a:blipFill>
+            </p:spPr>
+            <p:txBody>
+              <a:bodyPr/>
+              <a:lstStyle/>
+              <a:p>
+                <a:r>
+                  <a:rPr lang="zh-CN" altLang="en-US">
+                    <a:noFill/>
+                  </a:rPr>
+                  <a:t> </a:t>
+                </a:r>
+              </a:p>
+            </p:txBody>
+          </p:sp>
+        </mc:Fallback>
+      </mc:AlternateContent>
+      <p:sp>
+        <p:nvSpPr>
+          <p:cNvPr id="32" name="文本框 31">
+            <a:extLst>
+              <a:ext uri="{FF2B5EF4-FFF2-40B4-BE49-F238E27FC236}">
+                <a16:creationId xmlns:a16="http://schemas.microsoft.com/office/drawing/2014/main" id="{F47624AB-23E6-4887-B808-D8EF840D9CF5}"/>
+              </a:ext>
+            </a:extLst>
+          </p:cNvPr>
+          <p:cNvSpPr txBox="1"/>
+          <p:nvPr/>
+        </p:nvSpPr>
+        <p:spPr>
+          <a:xfrm>
+            <a:off x="5969558" y="1034051"/>
+            <a:ext cx="3042794" cy="954107"/>
+          </a:xfrm>
+          <a:prstGeom prst="rect">
+            <a:avLst/>
+          </a:prstGeom>
+          <a:noFill/>
+        </p:spPr>
+        <p:txBody>
+          <a:bodyPr wrap="square">
+            <a:spAutoFit/>
+          </a:bodyPr>
+          <a:lstStyle/>
+          <a:p>
+            <a:r>
+              <a:rPr lang="zh-CN" altLang="en-US" sz="2800" dirty="0">
+                <a:solidFill>
+                  <a:srgbClr val="FF0000"/>
+                </a:solidFill>
+              </a:rPr>
+              <a:t>难以记录概率</a:t>
+            </a:r>
+            <a:endParaRPr lang="en-US" altLang="zh-CN" sz="2800" dirty="0">
+              <a:solidFill>
+                <a:srgbClr val="FF0000"/>
+              </a:solidFill>
+            </a:endParaRPr>
+          </a:p>
+          <a:p>
+            <a:r>
+              <a:rPr lang="zh-CN" altLang="en-US" sz="2800" dirty="0">
+                <a:solidFill>
+                  <a:srgbClr val="FF0000"/>
+                </a:solidFill>
+              </a:rPr>
+              <a:t>对缺失信息敏感</a:t>
+            </a:r>
+          </a:p>
+        </p:txBody>
+      </p:sp>
+      <p:sp>
+        <p:nvSpPr>
+          <p:cNvPr id="34" name="文本框 33">
+            <a:extLst>
+              <a:ext uri="{FF2B5EF4-FFF2-40B4-BE49-F238E27FC236}">
+                <a16:creationId xmlns:a16="http://schemas.microsoft.com/office/drawing/2014/main" id="{DCF895F7-A3AD-4D4F-A893-633794FAF914}"/>
+              </a:ext>
+            </a:extLst>
+          </p:cNvPr>
+          <p:cNvSpPr txBox="1"/>
+          <p:nvPr/>
+        </p:nvSpPr>
+        <p:spPr>
+          <a:xfrm>
+            <a:off x="352043" y="5197767"/>
+            <a:ext cx="5058157" cy="461665"/>
+          </a:xfrm>
+          <a:prstGeom prst="rect">
+            <a:avLst/>
+          </a:prstGeom>
+          <a:noFill/>
+        </p:spPr>
+        <p:txBody>
+          <a:bodyPr wrap="square">
+            <a:spAutoFit/>
+          </a:bodyPr>
+          <a:lstStyle/>
+          <a:p>
+            <a:pPr marL="12700">
+              <a:lnSpc>
+                <a:spcPct val="100000"/>
+              </a:lnSpc>
+              <a:spcBef>
+                <a:spcPts val="95"/>
+              </a:spcBef>
+            </a:pPr>
+            <a:r>
+              <a:rPr lang="en-US" altLang="zh-CN" sz="2400" spc="-5" dirty="0">
+                <a:latin typeface="微软雅黑" panose="020B0503020204020204" pitchFamily="34" charset="-122"/>
+                <a:ea typeface="微软雅黑" panose="020B0503020204020204" pitchFamily="34" charset="-122"/>
+                <a:cs typeface="微软雅黑"/>
+              </a:rPr>
+              <a:t>3.3.4 </a:t>
+            </a:r>
+            <a:r>
+              <a:rPr lang="zh-CN" altLang="en-US" sz="2400" spc="-5" dirty="0">
+                <a:latin typeface="微软雅黑" panose="020B0503020204020204" pitchFamily="34" charset="-122"/>
+                <a:ea typeface="微软雅黑" panose="020B0503020204020204" pitchFamily="34" charset="-122"/>
+                <a:cs typeface="微软雅黑"/>
+              </a:rPr>
+              <a:t>机器学习法（</a:t>
+            </a:r>
+            <a:r>
+              <a:rPr lang="en-US" altLang="zh-CN" sz="2400" spc="-5" dirty="0">
+                <a:latin typeface="微软雅黑" panose="020B0503020204020204" pitchFamily="34" charset="-122"/>
+                <a:ea typeface="微软雅黑" panose="020B0503020204020204" pitchFamily="34" charset="-122"/>
+                <a:cs typeface="微软雅黑"/>
+              </a:rPr>
+              <a:t>SVM</a:t>
+            </a:r>
+            <a:r>
+              <a:rPr lang="zh-CN" altLang="en-US" sz="2400" spc="-5" dirty="0">
+                <a:latin typeface="微软雅黑" panose="020B0503020204020204" pitchFamily="34" charset="-122"/>
+                <a:ea typeface="微软雅黑" panose="020B0503020204020204" pitchFamily="34" charset="-122"/>
+                <a:cs typeface="微软雅黑"/>
+              </a:rPr>
+              <a:t>、</a:t>
+            </a:r>
+            <a:r>
+              <a:rPr lang="en-US" altLang="zh-CN" sz="2400" spc="-5" dirty="0">
+                <a:latin typeface="微软雅黑" panose="020B0503020204020204" pitchFamily="34" charset="-122"/>
+                <a:ea typeface="微软雅黑" panose="020B0503020204020204" pitchFamily="34" charset="-122"/>
+                <a:cs typeface="微软雅黑"/>
+              </a:rPr>
+              <a:t>NN</a:t>
+            </a:r>
+            <a:r>
+              <a:rPr lang="zh-CN" altLang="en-US" sz="2400" spc="-5" dirty="0">
+                <a:latin typeface="微软雅黑" panose="020B0503020204020204" pitchFamily="34" charset="-122"/>
+                <a:ea typeface="微软雅黑" panose="020B0503020204020204" pitchFamily="34" charset="-122"/>
+                <a:cs typeface="微软雅黑"/>
+              </a:rPr>
+              <a:t>等）</a:t>
+            </a:r>
+            <a:endParaRPr lang="zh-CN" altLang="en-US" sz="2400" baseline="30000" dirty="0">
+              <a:latin typeface="微软雅黑" panose="020B0503020204020204" pitchFamily="34" charset="-122"/>
+              <a:ea typeface="微软雅黑" panose="020B0503020204020204" pitchFamily="34" charset="-122"/>
+              <a:cs typeface="微软雅黑"/>
+            </a:endParaRPr>
+          </a:p>
+        </p:txBody>
+      </p:sp>
+      <p:sp>
+        <p:nvSpPr>
+          <p:cNvPr id="35" name="文本框 34">
+            <a:extLst>
+              <a:ext uri="{FF2B5EF4-FFF2-40B4-BE49-F238E27FC236}">
+                <a16:creationId xmlns:a16="http://schemas.microsoft.com/office/drawing/2014/main" id="{8D56C72F-281E-4CBD-9E5F-BDB613A21309}"/>
+              </a:ext>
+            </a:extLst>
+          </p:cNvPr>
+          <p:cNvSpPr txBox="1"/>
+          <p:nvPr/>
+        </p:nvSpPr>
+        <p:spPr>
+          <a:xfrm>
+            <a:off x="737489" y="5646792"/>
+            <a:ext cx="7145020" cy="646331"/>
+          </a:xfrm>
+          <a:prstGeom prst="rect">
+            <a:avLst/>
+          </a:prstGeom>
+          <a:noFill/>
+        </p:spPr>
+        <p:txBody>
+          <a:bodyPr wrap="square">
+            <a:spAutoFit/>
+          </a:bodyPr>
+          <a:lstStyle/>
+          <a:p>
+            <a:pPr marL="285750" indent="-285750">
+              <a:buFont typeface="Arial" panose="020B0604020202020204" pitchFamily="34" charset="0"/>
+              <a:buChar char="•"/>
+            </a:pPr>
+            <a:r>
+              <a:rPr lang="zh-CN" altLang="en-US" dirty="0"/>
+              <a:t>离线阶段</a:t>
+            </a:r>
+            <a:r>
+              <a:rPr lang="en-US" altLang="zh-CN" dirty="0"/>
+              <a:t>RSS</a:t>
+            </a:r>
+            <a:r>
+              <a:rPr lang="zh-CN" altLang="en-US" dirty="0"/>
+              <a:t>向量作为训练集训练非线性模型</a:t>
+            </a:r>
+            <a:endParaRPr lang="en-US" altLang="zh-CN" dirty="0"/>
+          </a:p>
+          <a:p>
+            <a:pPr marL="285750" indent="-285750">
+              <a:buFont typeface="Arial" panose="020B0604020202020204" pitchFamily="34" charset="0"/>
+              <a:buChar char="•"/>
+            </a:pPr>
+            <a:r>
+              <a:rPr lang="zh-CN" altLang="en-US" dirty="0"/>
+              <a:t>在现阶段使用模型预测</a:t>
+            </a:r>
+            <a:endParaRPr lang="en-US" altLang="zh-CN" dirty="0"/>
+          </a:p>
+        </p:txBody>
+      </p:sp>
+    </p:spTree>
+    <p:extLst>
+      <p:ext uri="{BB962C8B-B14F-4D97-AF65-F5344CB8AC3E}">
+        <p14:creationId xmlns:p14="http://schemas.microsoft.com/office/powerpoint/2010/main" val="133874252"/>
+      </p:ext>
+    </p:extLst>
+  </p:cSld>
+  <p:clrMapOvr>
+    <a:masterClrMapping/>
+  </p:clrMapOvr>
+  <p:timing>
+    <p:tnLst>
+      <p:par>
+        <p:cTn id="1" dur="indefinite" restart="never" nodeType="tmRoot">
+          <p:childTnLst>
+            <p:seq concurrent="1" nextAc="seek">
+              <p:cTn id="2" dur="indefinite" nodeType="mainSeq">
+                <p:childTnLst>
+                  <p:par>
+                    <p:cTn id="3" fill="hold">
+                      <p:stCondLst>
+                        <p:cond delay="indefinite"/>
+                      </p:stCondLst>
+                      <p:childTnLst>
+                        <p:par>
+                          <p:cTn id="4" fill="hold">
+                            <p:stCondLst>
+                              <p:cond delay="0"/>
+                            </p:stCondLst>
+                            <p:childTnLst>
+                              <p:par>
+                                <p:cTn id="5" presetID="1" presetClass="entr" presetSubtype="0" fill="hold" grpId="0" nodeType="clickEffect">
+                                  <p:stCondLst>
+                                    <p:cond delay="0"/>
+                                  </p:stCondLst>
+                                  <p:childTnLst>
+                                    <p:set>
+                                      <p:cBhvr>
+                                        <p:cTn id="6" dur="1" fill="hold">
+                                          <p:stCondLst>
+                                            <p:cond delay="0"/>
+                                          </p:stCondLst>
+                                        </p:cTn>
+                                        <p:tgtEl>
+                                          <p:spTgt spid="32"/>
+                                        </p:tgtEl>
+                                        <p:attrNameLst>
+                                          <p:attrName>style.visibility</p:attrName>
+                                        </p:attrNameLst>
+                                      </p:cBhvr>
+                                      <p:to>
+                                        <p:strVal val="visible"/>
+                                      </p:to>
+                                    </p:set>
+                                  </p:childTnLst>
+                                </p:cTn>
+                              </p:par>
+                            </p:childTnLst>
+                          </p:cTn>
+                        </p:par>
+                      </p:childTnLst>
+                    </p:cTn>
+                  </p:par>
+                </p:childTnLst>
+              </p:cTn>
+              <p:prevCondLst>
+                <p:cond evt="onPrev" delay="0">
+                  <p:tgtEl>
+                    <p:sldTgt/>
+                  </p:tgtEl>
+                </p:cond>
+              </p:prevCondLst>
+              <p:nextCondLst>
+                <p:cond evt="onNext" delay="0">
+                  <p:tgtEl>
+                    <p:sldTgt/>
+                  </p:tgtEl>
+                </p:cond>
+              </p:nextCondLst>
+            </p:seq>
+          </p:childTnLst>
+        </p:cTn>
+      </p:par>
+    </p:tnLst>
+    <p:bldLst>
+      <p:bldP spid="32" grpId="0"/>
+    </p:bldLst>
+  </p:timing>
+</p:sld>
+</file>
+
+<file path=ppt/slides/slide18.xml><?xml version="1.0" encoding="utf-8"?>
 <p:sld xmlns:a="http://schemas.openxmlformats.org/drawingml/2006/main" xmlns:r="http://schemas.openxmlformats.org/officeDocument/2006/relationships" xmlns:p="http://schemas.openxmlformats.org/presentationml/2006/main">
   <p:cSld>
     <p:spTree>
@@ -11611,7 +16621,7 @@
 </p:sld>
 </file>
 
-<file path=ppt/slides/slide16.xml><?xml version="1.0" encoding="utf-8"?>
+<file path=ppt/slides/slide19.xml><?xml version="1.0" encoding="utf-8"?>
 <p:sld xmlns:a="http://schemas.openxmlformats.org/drawingml/2006/main" xmlns:r="http://schemas.openxmlformats.org/officeDocument/2006/relationships" xmlns:p="http://schemas.openxmlformats.org/presentationml/2006/main">
   <p:cSld>
     <p:spTree>
@@ -12261,7 +17271,7 @@
             </a:pPr>
             <a:fld id="{81D60167-4931-47E6-BA6A-407CBD079E47}" type="slidenum">
               <a:rPr dirty="0"/>
-              <a:t>16</a:t>
+              <a:t>19</a:t>
             </a:fld>
             <a:endParaRPr dirty="0"/>
           </a:p>
@@ -12718,7 +17728,828 @@
 </p:sld>
 </file>
 
-<file path=ppt/slides/slide17.xml><?xml version="1.0" encoding="utf-8"?>
+<file path=ppt/slides/slide2.xml><?xml version="1.0" encoding="utf-8"?>
+<p:sld xmlns:a="http://schemas.openxmlformats.org/drawingml/2006/main" xmlns:r="http://schemas.openxmlformats.org/officeDocument/2006/relationships" xmlns:p="http://schemas.openxmlformats.org/presentationml/2006/main" showMasterSp="0">
+  <p:cSld>
+    <p:spTree>
+      <p:nvGrpSpPr>
+        <p:cNvPr id="1" name=""/>
+        <p:cNvGrpSpPr/>
+        <p:nvPr/>
+      </p:nvGrpSpPr>
+      <p:grpSpPr>
+        <a:xfrm>
+          <a:off x="0" y="0"/>
+          <a:ext cx="0" cy="0"/>
+          <a:chOff x="0" y="0"/>
+          <a:chExt cx="0" cy="0"/>
+        </a:xfrm>
+      </p:grpSpPr>
+      <p:sp>
+        <p:nvSpPr>
+          <p:cNvPr id="2" name="object 2"/>
+          <p:cNvSpPr/>
+          <p:nvPr/>
+        </p:nvSpPr>
+        <p:spPr>
+          <a:xfrm>
+            <a:off x="0" y="0"/>
+            <a:ext cx="1691639" cy="6858000"/>
+          </a:xfrm>
+          <a:custGeom>
+            <a:avLst/>
+            <a:gdLst/>
+            <a:ahLst/>
+            <a:cxnLst/>
+            <a:rect l="l" t="t" r="r" b="b"/>
+            <a:pathLst>
+              <a:path w="1691639" h="6858000">
+                <a:moveTo>
+                  <a:pt x="1691639" y="6857998"/>
+                </a:moveTo>
+                <a:lnTo>
+                  <a:pt x="1691639" y="0"/>
+                </a:lnTo>
+                <a:lnTo>
+                  <a:pt x="0" y="0"/>
+                </a:lnTo>
+                <a:lnTo>
+                  <a:pt x="0" y="6857998"/>
+                </a:lnTo>
+                <a:lnTo>
+                  <a:pt x="1691639" y="6857998"/>
+                </a:lnTo>
+                <a:close/>
+              </a:path>
+            </a:pathLst>
+          </a:custGeom>
+          <a:solidFill>
+            <a:srgbClr val="4471C4"/>
+          </a:solidFill>
+        </p:spPr>
+        <p:txBody>
+          <a:bodyPr wrap="square" lIns="0" tIns="0" rIns="0" bIns="0" rtlCol="0"/>
+          <a:lstStyle/>
+          <a:p>
+            <a:endParaRPr/>
+          </a:p>
+        </p:txBody>
+      </p:sp>
+      <p:sp>
+        <p:nvSpPr>
+          <p:cNvPr id="3" name="object 3"/>
+          <p:cNvSpPr txBox="1"/>
+          <p:nvPr/>
+        </p:nvSpPr>
+        <p:spPr>
+          <a:xfrm>
+            <a:off x="63500" y="2598546"/>
+            <a:ext cx="1549400" cy="939800"/>
+          </a:xfrm>
+          <a:prstGeom prst="rect">
+            <a:avLst/>
+          </a:prstGeom>
+        </p:spPr>
+        <p:txBody>
+          <a:bodyPr vert="horz" wrap="square" lIns="0" tIns="12700" rIns="0" bIns="0" rtlCol="0">
+            <a:spAutoFit/>
+          </a:bodyPr>
+          <a:lstStyle/>
+          <a:p>
+            <a:pPr marL="12700">
+              <a:lnSpc>
+                <a:spcPct val="100000"/>
+              </a:lnSpc>
+              <a:spcBef>
+                <a:spcPts val="100"/>
+              </a:spcBef>
+            </a:pPr>
+            <a:r>
+              <a:rPr sz="6000" b="1" dirty="0">
+                <a:solidFill>
+                  <a:srgbClr val="FFFFFF"/>
+                </a:solidFill>
+                <a:latin typeface="Microsoft JhengHei" panose="020B0604030504040204" charset="-120"/>
+                <a:cs typeface="Microsoft JhengHei" panose="020B0604030504040204" charset="-120"/>
+              </a:rPr>
+              <a:t>目录</a:t>
+            </a:r>
+            <a:endParaRPr sz="6000">
+              <a:latin typeface="Microsoft JhengHei" panose="020B0604030504040204" charset="-120"/>
+              <a:cs typeface="Microsoft JhengHei" panose="020B0604030504040204" charset="-120"/>
+            </a:endParaRPr>
+          </a:p>
+        </p:txBody>
+      </p:sp>
+      <p:sp>
+        <p:nvSpPr>
+          <p:cNvPr id="5" name="object 5"/>
+          <p:cNvSpPr txBox="1"/>
+          <p:nvPr/>
+        </p:nvSpPr>
+        <p:spPr>
+          <a:xfrm>
+            <a:off x="2359152" y="228600"/>
+            <a:ext cx="828040" cy="881380"/>
+          </a:xfrm>
+          <a:prstGeom prst="rect">
+            <a:avLst/>
+          </a:prstGeom>
+          <a:ln w="12191">
+            <a:solidFill>
+              <a:srgbClr val="4471C4"/>
+            </a:solidFill>
+          </a:ln>
+        </p:spPr>
+        <p:txBody>
+          <a:bodyPr vert="horz" wrap="square" lIns="0" tIns="90805" rIns="0" bIns="0" rtlCol="0">
+            <a:spAutoFit/>
+          </a:bodyPr>
+          <a:lstStyle/>
+          <a:p>
+            <a:pPr marL="101600">
+              <a:lnSpc>
+                <a:spcPct val="100000"/>
+              </a:lnSpc>
+              <a:spcBef>
+                <a:spcPts val="715"/>
+              </a:spcBef>
+            </a:pPr>
+            <a:r>
+              <a:rPr sz="4000" b="1" spc="75" dirty="0">
+                <a:solidFill>
+                  <a:srgbClr val="4471C4"/>
+                </a:solidFill>
+                <a:latin typeface="Microsoft JhengHei" panose="020B0604030504040204" charset="-120"/>
+                <a:cs typeface="Microsoft JhengHei" panose="020B0604030504040204" charset="-120"/>
+              </a:rPr>
+              <a:t>01</a:t>
+            </a:r>
+            <a:endParaRPr sz="4000" dirty="0">
+              <a:latin typeface="Microsoft JhengHei" panose="020B0604030504040204" charset="-120"/>
+              <a:cs typeface="Microsoft JhengHei" panose="020B0604030504040204" charset="-120"/>
+            </a:endParaRPr>
+          </a:p>
+        </p:txBody>
+      </p:sp>
+      <p:sp>
+        <p:nvSpPr>
+          <p:cNvPr id="6" name="object 6"/>
+          <p:cNvSpPr txBox="1"/>
+          <p:nvPr/>
+        </p:nvSpPr>
+        <p:spPr>
+          <a:xfrm>
+            <a:off x="2359152" y="3504693"/>
+            <a:ext cx="812800" cy="731520"/>
+          </a:xfrm>
+          <a:prstGeom prst="rect">
+            <a:avLst/>
+          </a:prstGeom>
+          <a:ln w="12191">
+            <a:solidFill>
+              <a:srgbClr val="4471C4"/>
+            </a:solidFill>
+          </a:ln>
+        </p:spPr>
+        <p:txBody>
+          <a:bodyPr vert="horz" wrap="square" lIns="0" tIns="54610" rIns="0" bIns="0" rtlCol="0">
+            <a:spAutoFit/>
+          </a:bodyPr>
+          <a:lstStyle/>
+          <a:p>
+            <a:pPr marL="60960">
+              <a:lnSpc>
+                <a:spcPct val="100000"/>
+              </a:lnSpc>
+              <a:spcBef>
+                <a:spcPts val="430"/>
+              </a:spcBef>
+            </a:pPr>
+            <a:r>
+              <a:rPr sz="4400" b="1" spc="85" dirty="0">
+                <a:solidFill>
+                  <a:srgbClr val="4471C4"/>
+                </a:solidFill>
+                <a:latin typeface="Microsoft JhengHei" panose="020B0604030504040204" charset="-120"/>
+                <a:cs typeface="Microsoft JhengHei" panose="020B0604030504040204" charset="-120"/>
+              </a:rPr>
+              <a:t>0</a:t>
+            </a:r>
+            <a:r>
+              <a:rPr lang="en-US" sz="4400" b="1" spc="85" dirty="0">
+                <a:solidFill>
+                  <a:srgbClr val="4471C4"/>
+                </a:solidFill>
+                <a:latin typeface="Microsoft JhengHei" panose="020B0604030504040204" charset="-120"/>
+                <a:cs typeface="Microsoft JhengHei" panose="020B0604030504040204" charset="-120"/>
+              </a:rPr>
+              <a:t>4</a:t>
+            </a:r>
+          </a:p>
+        </p:txBody>
+      </p:sp>
+      <p:sp>
+        <p:nvSpPr>
+          <p:cNvPr id="7" name="object 7"/>
+          <p:cNvSpPr txBox="1"/>
+          <p:nvPr/>
+        </p:nvSpPr>
+        <p:spPr>
+          <a:xfrm>
+            <a:off x="2361945" y="1310767"/>
+            <a:ext cx="828040" cy="828040"/>
+          </a:xfrm>
+          <a:prstGeom prst="rect">
+            <a:avLst/>
+          </a:prstGeom>
+          <a:ln w="12191">
+            <a:solidFill>
+              <a:srgbClr val="4471C4"/>
+            </a:solidFill>
+          </a:ln>
+        </p:spPr>
+        <p:txBody>
+          <a:bodyPr vert="horz" wrap="square" lIns="0" tIns="53975" rIns="0" bIns="0" rtlCol="0">
+            <a:spAutoFit/>
+          </a:bodyPr>
+          <a:lstStyle/>
+          <a:p>
+            <a:pPr marL="69215">
+              <a:lnSpc>
+                <a:spcPct val="100000"/>
+              </a:lnSpc>
+              <a:spcBef>
+                <a:spcPts val="425"/>
+              </a:spcBef>
+            </a:pPr>
+            <a:r>
+              <a:rPr sz="4400" b="1" spc="85" dirty="0">
+                <a:solidFill>
+                  <a:srgbClr val="4471C4"/>
+                </a:solidFill>
+                <a:latin typeface="Microsoft JhengHei" panose="020B0604030504040204" charset="-120"/>
+                <a:cs typeface="Microsoft JhengHei" panose="020B0604030504040204" charset="-120"/>
+              </a:rPr>
+              <a:t>02</a:t>
+            </a:r>
+            <a:endParaRPr sz="4400">
+              <a:latin typeface="Microsoft JhengHei" panose="020B0604030504040204" charset="-120"/>
+              <a:cs typeface="Microsoft JhengHei" panose="020B0604030504040204" charset="-120"/>
+            </a:endParaRPr>
+          </a:p>
+        </p:txBody>
+      </p:sp>
+      <p:sp>
+        <p:nvSpPr>
+          <p:cNvPr id="9" name="object 9"/>
+          <p:cNvSpPr txBox="1"/>
+          <p:nvPr/>
+        </p:nvSpPr>
+        <p:spPr>
+          <a:xfrm>
+            <a:off x="3581400" y="457709"/>
+            <a:ext cx="4724400" cy="443070"/>
+          </a:xfrm>
+          <a:prstGeom prst="rect">
+            <a:avLst/>
+          </a:prstGeom>
+        </p:spPr>
+        <p:txBody>
+          <a:bodyPr vert="horz" wrap="square" lIns="0" tIns="12065" rIns="0" bIns="0" rtlCol="0">
+            <a:spAutoFit/>
+          </a:bodyPr>
+          <a:lstStyle/>
+          <a:p>
+            <a:pPr marL="12700">
+              <a:lnSpc>
+                <a:spcPct val="100000"/>
+              </a:lnSpc>
+              <a:spcBef>
+                <a:spcPts val="95"/>
+              </a:spcBef>
+            </a:pPr>
+            <a:r>
+              <a:rPr lang="zh-CN" altLang="en-US" sz="2800" dirty="0">
+                <a:latin typeface="等线" panose="02010600030101010101" charset="-122"/>
+                <a:cs typeface="等线" panose="02010600030101010101" charset="-122"/>
+              </a:rPr>
+              <a:t>研究背景</a:t>
+            </a:r>
+          </a:p>
+        </p:txBody>
+      </p:sp>
+      <p:sp>
+        <p:nvSpPr>
+          <p:cNvPr id="10" name="object 10"/>
+          <p:cNvSpPr txBox="1"/>
+          <p:nvPr/>
+        </p:nvSpPr>
+        <p:spPr>
+          <a:xfrm>
+            <a:off x="3573016" y="2598546"/>
+            <a:ext cx="4173474" cy="442595"/>
+          </a:xfrm>
+          <a:prstGeom prst="rect">
+            <a:avLst/>
+          </a:prstGeom>
+        </p:spPr>
+        <p:txBody>
+          <a:bodyPr vert="horz" wrap="square" lIns="0" tIns="12065" rIns="0" bIns="0" rtlCol="0">
+            <a:spAutoFit/>
+          </a:bodyPr>
+          <a:lstStyle/>
+          <a:p>
+            <a:pPr marL="12700">
+              <a:lnSpc>
+                <a:spcPct val="100000"/>
+              </a:lnSpc>
+              <a:spcBef>
+                <a:spcPts val="95"/>
+              </a:spcBef>
+            </a:pPr>
+            <a:r>
+              <a:rPr lang="en-US" altLang="zh-CN" sz="2800" spc="-5" dirty="0">
+                <a:latin typeface="等线" panose="02010600030101010101" charset="-122"/>
+                <a:cs typeface="等线" panose="02010600030101010101" charset="-122"/>
+              </a:rPr>
+              <a:t>WIFI</a:t>
+            </a:r>
+            <a:r>
+              <a:rPr lang="zh-CN" altLang="en-US" sz="2800" spc="-5" dirty="0">
+                <a:latin typeface="等线" panose="02010600030101010101" charset="-122"/>
+                <a:cs typeface="等线" panose="02010600030101010101" charset="-122"/>
+              </a:rPr>
+              <a:t>室内定位方法</a:t>
+            </a:r>
+          </a:p>
+        </p:txBody>
+      </p:sp>
+      <p:sp>
+        <p:nvSpPr>
+          <p:cNvPr id="11" name="object 11"/>
+          <p:cNvSpPr txBox="1"/>
+          <p:nvPr/>
+        </p:nvSpPr>
+        <p:spPr>
+          <a:xfrm>
+            <a:off x="3573016" y="3685160"/>
+            <a:ext cx="3665984" cy="443070"/>
+          </a:xfrm>
+          <a:prstGeom prst="rect">
+            <a:avLst/>
+          </a:prstGeom>
+        </p:spPr>
+        <p:txBody>
+          <a:bodyPr vert="horz" wrap="square" lIns="0" tIns="12065" rIns="0" bIns="0" rtlCol="0">
+            <a:spAutoFit/>
+          </a:bodyPr>
+          <a:lstStyle/>
+          <a:p>
+            <a:pPr marL="12700">
+              <a:lnSpc>
+                <a:spcPct val="100000"/>
+              </a:lnSpc>
+              <a:spcBef>
+                <a:spcPts val="95"/>
+              </a:spcBef>
+            </a:pPr>
+            <a:r>
+              <a:rPr lang="zh-CN" altLang="en-US" sz="2800" spc="-5" dirty="0">
+                <a:latin typeface="等线" panose="02010600030101010101" charset="-122"/>
+                <a:cs typeface="等线" panose="02010600030101010101" charset="-122"/>
+              </a:rPr>
+              <a:t>池化层和全连接层</a:t>
+            </a:r>
+            <a:endParaRPr sz="2800" dirty="0">
+              <a:latin typeface="等线" panose="02010600030101010101" charset="-122"/>
+              <a:cs typeface="等线" panose="02010600030101010101" charset="-122"/>
+            </a:endParaRPr>
+          </a:p>
+        </p:txBody>
+      </p:sp>
+      <p:sp>
+        <p:nvSpPr>
+          <p:cNvPr id="12" name="object 12"/>
+          <p:cNvSpPr txBox="1"/>
+          <p:nvPr/>
+        </p:nvSpPr>
+        <p:spPr>
+          <a:xfrm>
+            <a:off x="3573017" y="4724401"/>
+            <a:ext cx="3931920" cy="452120"/>
+          </a:xfrm>
+          <a:prstGeom prst="rect">
+            <a:avLst/>
+          </a:prstGeom>
+        </p:spPr>
+        <p:txBody>
+          <a:bodyPr vert="horz" wrap="square" lIns="0" tIns="12065" rIns="0" bIns="0" rtlCol="0">
+            <a:spAutoFit/>
+          </a:bodyPr>
+          <a:lstStyle/>
+          <a:p>
+            <a:pPr marL="12700">
+              <a:lnSpc>
+                <a:spcPct val="100000"/>
+              </a:lnSpc>
+              <a:spcBef>
+                <a:spcPts val="95"/>
+              </a:spcBef>
+            </a:pPr>
+            <a:r>
+              <a:rPr lang="zh-CN" altLang="en-US" sz="2800" spc="-5" dirty="0">
+                <a:latin typeface="等线" panose="02010600030101010101" charset="-122"/>
+                <a:cs typeface="等线" panose="02010600030101010101" charset="-122"/>
+              </a:rPr>
+              <a:t>常见网络模型</a:t>
+            </a:r>
+            <a:endParaRPr sz="2800" dirty="0">
+              <a:latin typeface="等线" panose="02010600030101010101" charset="-122"/>
+              <a:cs typeface="等线" panose="02010600030101010101" charset="-122"/>
+            </a:endParaRPr>
+          </a:p>
+        </p:txBody>
+      </p:sp>
+      <p:sp>
+        <p:nvSpPr>
+          <p:cNvPr id="15" name="object 15"/>
+          <p:cNvSpPr txBox="1"/>
+          <p:nvPr/>
+        </p:nvSpPr>
+        <p:spPr>
+          <a:xfrm>
+            <a:off x="2362327" y="4496054"/>
+            <a:ext cx="828040" cy="761365"/>
+          </a:xfrm>
+          <a:prstGeom prst="rect">
+            <a:avLst/>
+          </a:prstGeom>
+          <a:ln w="12191">
+            <a:solidFill>
+              <a:srgbClr val="4471C4"/>
+            </a:solidFill>
+          </a:ln>
+        </p:spPr>
+        <p:txBody>
+          <a:bodyPr vert="horz" wrap="square" lIns="0" tIns="84455" rIns="0" bIns="0" rtlCol="0">
+            <a:spAutoFit/>
+          </a:bodyPr>
+          <a:lstStyle/>
+          <a:p>
+            <a:pPr marL="69850">
+              <a:lnSpc>
+                <a:spcPct val="100000"/>
+              </a:lnSpc>
+              <a:spcBef>
+                <a:spcPts val="665"/>
+              </a:spcBef>
+            </a:pPr>
+            <a:r>
+              <a:rPr sz="4400" b="1" spc="85" dirty="0">
+                <a:solidFill>
+                  <a:srgbClr val="4471C4"/>
+                </a:solidFill>
+                <a:latin typeface="Microsoft JhengHei" panose="020B0604030504040204" charset="-120"/>
+                <a:cs typeface="Microsoft JhengHei" panose="020B0604030504040204" charset="-120"/>
+              </a:rPr>
+              <a:t>0</a:t>
+            </a:r>
+            <a:r>
+              <a:rPr lang="en-US" sz="4400" b="1" spc="85" dirty="0">
+                <a:solidFill>
+                  <a:srgbClr val="4471C4"/>
+                </a:solidFill>
+                <a:latin typeface="Microsoft JhengHei" panose="020B0604030504040204" charset="-120"/>
+                <a:cs typeface="Microsoft JhengHei" panose="020B0604030504040204" charset="-120"/>
+              </a:rPr>
+              <a:t>5</a:t>
+            </a:r>
+          </a:p>
+        </p:txBody>
+      </p:sp>
+      <p:sp>
+        <p:nvSpPr>
+          <p:cNvPr id="8" name="object 7"/>
+          <p:cNvSpPr txBox="1"/>
+          <p:nvPr/>
+        </p:nvSpPr>
+        <p:spPr>
+          <a:xfrm>
+            <a:off x="2361945" y="2456307"/>
+            <a:ext cx="828040" cy="730885"/>
+          </a:xfrm>
+          <a:prstGeom prst="rect">
+            <a:avLst/>
+          </a:prstGeom>
+          <a:ln w="12191">
+            <a:solidFill>
+              <a:srgbClr val="4471C4"/>
+            </a:solidFill>
+          </a:ln>
+        </p:spPr>
+        <p:txBody>
+          <a:bodyPr vert="horz" wrap="square" lIns="0" tIns="53975" rIns="0" bIns="0" rtlCol="0">
+            <a:spAutoFit/>
+          </a:bodyPr>
+          <a:lstStyle/>
+          <a:p>
+            <a:pPr marL="69215">
+              <a:lnSpc>
+                <a:spcPct val="100000"/>
+              </a:lnSpc>
+              <a:spcBef>
+                <a:spcPts val="425"/>
+              </a:spcBef>
+            </a:pPr>
+            <a:r>
+              <a:rPr sz="4400" b="1" spc="85" dirty="0">
+                <a:solidFill>
+                  <a:srgbClr val="4471C4"/>
+                </a:solidFill>
+                <a:latin typeface="Microsoft JhengHei" panose="020B0604030504040204" charset="-120"/>
+                <a:cs typeface="Microsoft JhengHei" panose="020B0604030504040204" charset="-120"/>
+              </a:rPr>
+              <a:t>0</a:t>
+            </a:r>
+            <a:r>
+              <a:rPr lang="en-US" sz="4400" b="1" spc="85" dirty="0">
+                <a:solidFill>
+                  <a:srgbClr val="4471C4"/>
+                </a:solidFill>
+                <a:latin typeface="Microsoft JhengHei" panose="020B0604030504040204" charset="-120"/>
+                <a:cs typeface="Microsoft JhengHei" panose="020B0604030504040204" charset="-120"/>
+              </a:rPr>
+              <a:t>3</a:t>
+            </a:r>
+          </a:p>
+        </p:txBody>
+      </p:sp>
+      <p:sp>
+        <p:nvSpPr>
+          <p:cNvPr id="13" name="object 10"/>
+          <p:cNvSpPr txBox="1"/>
+          <p:nvPr/>
+        </p:nvSpPr>
+        <p:spPr>
+          <a:xfrm>
+            <a:off x="3590925" y="1460181"/>
+            <a:ext cx="4173474" cy="442595"/>
+          </a:xfrm>
+          <a:prstGeom prst="rect">
+            <a:avLst/>
+          </a:prstGeom>
+        </p:spPr>
+        <p:txBody>
+          <a:bodyPr vert="horz" wrap="square" lIns="0" tIns="12065" rIns="0" bIns="0" rtlCol="0">
+            <a:spAutoFit/>
+          </a:bodyPr>
+          <a:lstStyle/>
+          <a:p>
+            <a:pPr marL="12700">
+              <a:lnSpc>
+                <a:spcPct val="100000"/>
+              </a:lnSpc>
+              <a:spcBef>
+                <a:spcPts val="95"/>
+              </a:spcBef>
+            </a:pPr>
+            <a:r>
+              <a:rPr lang="en-US" altLang="zh-CN" sz="2800" spc="-5" dirty="0">
+                <a:solidFill>
+                  <a:prstClr val="black"/>
+                </a:solidFill>
+                <a:latin typeface="等线" panose="02010600030101010101" charset="-122"/>
+                <a:cs typeface="等线" panose="02010600030101010101" charset="-122"/>
+              </a:rPr>
+              <a:t>WIFI</a:t>
+            </a:r>
+            <a:r>
+              <a:rPr lang="zh-CN" altLang="en-US" sz="2800" spc="-5" dirty="0">
+                <a:solidFill>
+                  <a:prstClr val="black"/>
+                </a:solidFill>
+                <a:latin typeface="等线" panose="02010600030101010101" charset="-122"/>
+                <a:cs typeface="等线" panose="02010600030101010101" charset="-122"/>
+              </a:rPr>
+              <a:t>相关介绍</a:t>
+            </a:r>
+            <a:endParaRPr lang="zh-CN" altLang="en-US" sz="2800" spc="-5" dirty="0">
+              <a:latin typeface="等线" panose="02010600030101010101" charset="-122"/>
+              <a:cs typeface="等线" panose="02010600030101010101" charset="-122"/>
+            </a:endParaRPr>
+          </a:p>
+        </p:txBody>
+      </p:sp>
+      <p:sp>
+        <p:nvSpPr>
+          <p:cNvPr id="16" name="object 12">
+            <a:extLst>
+              <a:ext uri="{FF2B5EF4-FFF2-40B4-BE49-F238E27FC236}">
+                <a16:creationId xmlns:a16="http://schemas.microsoft.com/office/drawing/2014/main" id="{B4C840D3-E0F7-487E-8F31-D422D1D1A972}"/>
+              </a:ext>
+            </a:extLst>
+          </p:cNvPr>
+          <p:cNvSpPr txBox="1"/>
+          <p:nvPr/>
+        </p:nvSpPr>
+        <p:spPr>
+          <a:xfrm>
+            <a:off x="3573017" y="5715382"/>
+            <a:ext cx="3931920" cy="452120"/>
+          </a:xfrm>
+          <a:prstGeom prst="rect">
+            <a:avLst/>
+          </a:prstGeom>
+        </p:spPr>
+        <p:txBody>
+          <a:bodyPr vert="horz" wrap="square" lIns="0" tIns="12065" rIns="0" bIns="0" rtlCol="0">
+            <a:spAutoFit/>
+          </a:bodyPr>
+          <a:lstStyle/>
+          <a:p>
+            <a:pPr marL="12700">
+              <a:lnSpc>
+                <a:spcPct val="100000"/>
+              </a:lnSpc>
+              <a:spcBef>
+                <a:spcPts val="95"/>
+              </a:spcBef>
+            </a:pPr>
+            <a:r>
+              <a:rPr lang="zh-CN" altLang="en-US" sz="2800" spc="-5" dirty="0">
+                <a:latin typeface="等线" panose="02010600030101010101" charset="-122"/>
+                <a:cs typeface="等线" panose="02010600030101010101" charset="-122"/>
+              </a:rPr>
+              <a:t>谢谢</a:t>
+            </a:r>
+            <a:endParaRPr sz="2800" dirty="0">
+              <a:latin typeface="等线" panose="02010600030101010101" charset="-122"/>
+              <a:cs typeface="等线" panose="02010600030101010101" charset="-122"/>
+            </a:endParaRPr>
+          </a:p>
+        </p:txBody>
+      </p:sp>
+      <p:sp>
+        <p:nvSpPr>
+          <p:cNvPr id="17" name="object 15">
+            <a:extLst>
+              <a:ext uri="{FF2B5EF4-FFF2-40B4-BE49-F238E27FC236}">
+                <a16:creationId xmlns:a16="http://schemas.microsoft.com/office/drawing/2014/main" id="{F22561E1-AEDB-4995-AF31-CD80CD052904}"/>
+              </a:ext>
+            </a:extLst>
+          </p:cNvPr>
+          <p:cNvSpPr txBox="1"/>
+          <p:nvPr/>
+        </p:nvSpPr>
+        <p:spPr>
+          <a:xfrm>
+            <a:off x="2362327" y="5487035"/>
+            <a:ext cx="828040" cy="761365"/>
+          </a:xfrm>
+          <a:prstGeom prst="rect">
+            <a:avLst/>
+          </a:prstGeom>
+          <a:ln w="12191">
+            <a:solidFill>
+              <a:srgbClr val="4471C4"/>
+            </a:solidFill>
+          </a:ln>
+        </p:spPr>
+        <p:txBody>
+          <a:bodyPr vert="horz" wrap="square" lIns="0" tIns="84455" rIns="0" bIns="0" rtlCol="0">
+            <a:spAutoFit/>
+          </a:bodyPr>
+          <a:lstStyle/>
+          <a:p>
+            <a:pPr marL="69850">
+              <a:lnSpc>
+                <a:spcPct val="100000"/>
+              </a:lnSpc>
+              <a:spcBef>
+                <a:spcPts val="665"/>
+              </a:spcBef>
+            </a:pPr>
+            <a:r>
+              <a:rPr sz="4400" b="1" spc="85" dirty="0">
+                <a:solidFill>
+                  <a:srgbClr val="4471C4"/>
+                </a:solidFill>
+                <a:latin typeface="Microsoft JhengHei" panose="020B0604030504040204" charset="-120"/>
+                <a:cs typeface="Microsoft JhengHei" panose="020B0604030504040204" charset="-120"/>
+              </a:rPr>
+              <a:t>0</a:t>
+            </a:r>
+            <a:r>
+              <a:rPr lang="en-US" sz="4400" b="1" spc="85" dirty="0">
+                <a:solidFill>
+                  <a:srgbClr val="4471C4"/>
+                </a:solidFill>
+                <a:latin typeface="Microsoft JhengHei" panose="020B0604030504040204" charset="-120"/>
+                <a:cs typeface="Microsoft JhengHei" panose="020B0604030504040204" charset="-120"/>
+              </a:rPr>
+              <a:t>6</a:t>
+            </a:r>
+          </a:p>
+        </p:txBody>
+      </p:sp>
+      <p:sp>
+        <p:nvSpPr>
+          <p:cNvPr id="18" name="object 4">
+            <a:extLst>
+              <a:ext uri="{FF2B5EF4-FFF2-40B4-BE49-F238E27FC236}">
+                <a16:creationId xmlns:a16="http://schemas.microsoft.com/office/drawing/2014/main" id="{360A8278-D5BA-46FB-B00F-24D40B45BA66}"/>
+              </a:ext>
+            </a:extLst>
+          </p:cNvPr>
+          <p:cNvSpPr txBox="1"/>
+          <p:nvPr/>
+        </p:nvSpPr>
+        <p:spPr>
+          <a:xfrm>
+            <a:off x="-65018" y="3573526"/>
+            <a:ext cx="2198618" cy="443070"/>
+          </a:xfrm>
+          <a:prstGeom prst="rect">
+            <a:avLst/>
+          </a:prstGeom>
+        </p:spPr>
+        <p:txBody>
+          <a:bodyPr vert="horz" wrap="square" lIns="0" tIns="12065" rIns="0" bIns="0" rtlCol="0">
+            <a:spAutoFit/>
+          </a:bodyPr>
+          <a:lstStyle/>
+          <a:p>
+            <a:pPr marL="12700" marR="0" lvl="0" indent="0" algn="l" defTabSz="914400" rtl="0" eaLnBrk="1" fontAlgn="auto" latinLnBrk="0" hangingPunct="1">
+              <a:lnSpc>
+                <a:spcPct val="100000"/>
+              </a:lnSpc>
+              <a:spcBef>
+                <a:spcPts val="95"/>
+              </a:spcBef>
+              <a:spcAft>
+                <a:spcPts val="0"/>
+              </a:spcAft>
+              <a:buClrTx/>
+              <a:buSzTx/>
+              <a:buFontTx/>
+              <a:buNone/>
+              <a:tabLst/>
+              <a:defRPr/>
+            </a:pPr>
+            <a:r>
+              <a:rPr lang="en-US" sz="2800" b="1" spc="-5" dirty="0">
+                <a:solidFill>
+                  <a:srgbClr val="FFFFFF"/>
+                </a:solidFill>
+                <a:latin typeface="Times New Roman" panose="02020603050405020304"/>
+                <a:cs typeface="Times New Roman" panose="02020603050405020304"/>
+              </a:rPr>
+              <a:t>CON</a:t>
+            </a:r>
+            <a:r>
+              <a:rPr kumimoji="0" sz="2800" b="1" i="0" u="none" strike="noStrike" kern="1200" cap="none" spc="-5" normalizeH="0" baseline="0" noProof="0" dirty="0">
+                <a:ln>
+                  <a:noFill/>
+                </a:ln>
+                <a:solidFill>
+                  <a:srgbClr val="FFFFFF"/>
+                </a:solidFill>
+                <a:effectLst/>
+                <a:uLnTx/>
+                <a:uFillTx/>
+                <a:latin typeface="Times New Roman" panose="02020603050405020304"/>
+                <a:ea typeface="+mn-ea"/>
+                <a:cs typeface="Times New Roman" panose="02020603050405020304"/>
+              </a:rPr>
+              <a:t>TENTS</a:t>
+            </a:r>
+            <a:endParaRPr kumimoji="0" sz="4000" b="0" i="0" u="none" strike="noStrike" kern="1200" cap="none" spc="0" normalizeH="0" baseline="0" noProof="0" dirty="0">
+              <a:ln>
+                <a:noFill/>
+              </a:ln>
+              <a:solidFill>
+                <a:prstClr val="black"/>
+              </a:solidFill>
+              <a:effectLst/>
+              <a:uLnTx/>
+              <a:uFillTx/>
+              <a:latin typeface="Times New Roman" panose="02020603050405020304"/>
+              <a:ea typeface="+mn-ea"/>
+              <a:cs typeface="Times New Roman" panose="02020603050405020304"/>
+            </a:endParaRPr>
+          </a:p>
+        </p:txBody>
+      </p:sp>
+    </p:spTree>
+  </p:cSld>
+  <p:clrMapOvr>
+    <a:masterClrMapping/>
+  </p:clrMapOvr>
+</p:sld>
+</file>
+
+<file path=ppt/slides/slide20.xml><?xml version="1.0" encoding="utf-8"?>
 <p:sld xmlns:a="http://schemas.openxmlformats.org/drawingml/2006/main" xmlns:r="http://schemas.openxmlformats.org/officeDocument/2006/relationships" xmlns:p="http://schemas.openxmlformats.org/presentationml/2006/main">
   <p:cSld>
     <p:spTree>
@@ -13141,7 +18972,7 @@
 </p:sld>
 </file>
 
-<file path=ppt/slides/slide18.xml><?xml version="1.0" encoding="utf-8"?>
+<file path=ppt/slides/slide21.xml><?xml version="1.0" encoding="utf-8"?>
 <p:sld xmlns:a="http://schemas.openxmlformats.org/drawingml/2006/main" xmlns:r="http://schemas.openxmlformats.org/officeDocument/2006/relationships" xmlns:p="http://schemas.openxmlformats.org/presentationml/2006/main">
   <p:cSld>
     <p:spTree>
@@ -13756,7 +19587,7 @@
             </a:pPr>
             <a:fld id="{81D60167-4931-47E6-BA6A-407CBD079E47}" type="slidenum">
               <a:rPr dirty="0"/>
-              <a:t>18</a:t>
+              <a:t>21</a:t>
             </a:fld>
             <a:endParaRPr dirty="0"/>
           </a:p>
@@ -13871,7 +19702,7 @@
 </p:sld>
 </file>
 
-<file path=ppt/slides/slide19.xml><?xml version="1.0" encoding="utf-8"?>
+<file path=ppt/slides/slide22.xml><?xml version="1.0" encoding="utf-8"?>
 <p:sld xmlns:a="http://schemas.openxmlformats.org/drawingml/2006/main" xmlns:r="http://schemas.openxmlformats.org/officeDocument/2006/relationships" xmlns:p="http://schemas.openxmlformats.org/presentationml/2006/main">
   <p:cSld>
     <p:spTree>
@@ -14284,828 +20115,7 @@
 </p:sld>
 </file>
 
-<file path=ppt/slides/slide2.xml><?xml version="1.0" encoding="utf-8"?>
-<p:sld xmlns:a="http://schemas.openxmlformats.org/drawingml/2006/main" xmlns:r="http://schemas.openxmlformats.org/officeDocument/2006/relationships" xmlns:p="http://schemas.openxmlformats.org/presentationml/2006/main" showMasterSp="0">
-  <p:cSld>
-    <p:spTree>
-      <p:nvGrpSpPr>
-        <p:cNvPr id="1" name=""/>
-        <p:cNvGrpSpPr/>
-        <p:nvPr/>
-      </p:nvGrpSpPr>
-      <p:grpSpPr>
-        <a:xfrm>
-          <a:off x="0" y="0"/>
-          <a:ext cx="0" cy="0"/>
-          <a:chOff x="0" y="0"/>
-          <a:chExt cx="0" cy="0"/>
-        </a:xfrm>
-      </p:grpSpPr>
-      <p:sp>
-        <p:nvSpPr>
-          <p:cNvPr id="2" name="object 2"/>
-          <p:cNvSpPr/>
-          <p:nvPr/>
-        </p:nvSpPr>
-        <p:spPr>
-          <a:xfrm>
-            <a:off x="0" y="0"/>
-            <a:ext cx="1691639" cy="6858000"/>
-          </a:xfrm>
-          <a:custGeom>
-            <a:avLst/>
-            <a:gdLst/>
-            <a:ahLst/>
-            <a:cxnLst/>
-            <a:rect l="l" t="t" r="r" b="b"/>
-            <a:pathLst>
-              <a:path w="1691639" h="6858000">
-                <a:moveTo>
-                  <a:pt x="1691639" y="6857998"/>
-                </a:moveTo>
-                <a:lnTo>
-                  <a:pt x="1691639" y="0"/>
-                </a:lnTo>
-                <a:lnTo>
-                  <a:pt x="0" y="0"/>
-                </a:lnTo>
-                <a:lnTo>
-                  <a:pt x="0" y="6857998"/>
-                </a:lnTo>
-                <a:lnTo>
-                  <a:pt x="1691639" y="6857998"/>
-                </a:lnTo>
-                <a:close/>
-              </a:path>
-            </a:pathLst>
-          </a:custGeom>
-          <a:solidFill>
-            <a:srgbClr val="4471C4"/>
-          </a:solidFill>
-        </p:spPr>
-        <p:txBody>
-          <a:bodyPr wrap="square" lIns="0" tIns="0" rIns="0" bIns="0" rtlCol="0"/>
-          <a:lstStyle/>
-          <a:p>
-            <a:endParaRPr/>
-          </a:p>
-        </p:txBody>
-      </p:sp>
-      <p:sp>
-        <p:nvSpPr>
-          <p:cNvPr id="3" name="object 3"/>
-          <p:cNvSpPr txBox="1"/>
-          <p:nvPr/>
-        </p:nvSpPr>
-        <p:spPr>
-          <a:xfrm>
-            <a:off x="63500" y="2598546"/>
-            <a:ext cx="1549400" cy="939800"/>
-          </a:xfrm>
-          <a:prstGeom prst="rect">
-            <a:avLst/>
-          </a:prstGeom>
-        </p:spPr>
-        <p:txBody>
-          <a:bodyPr vert="horz" wrap="square" lIns="0" tIns="12700" rIns="0" bIns="0" rtlCol="0">
-            <a:spAutoFit/>
-          </a:bodyPr>
-          <a:lstStyle/>
-          <a:p>
-            <a:pPr marL="12700">
-              <a:lnSpc>
-                <a:spcPct val="100000"/>
-              </a:lnSpc>
-              <a:spcBef>
-                <a:spcPts val="100"/>
-              </a:spcBef>
-            </a:pPr>
-            <a:r>
-              <a:rPr sz="6000" b="1" dirty="0">
-                <a:solidFill>
-                  <a:srgbClr val="FFFFFF"/>
-                </a:solidFill>
-                <a:latin typeface="Microsoft JhengHei" panose="020B0604030504040204" charset="-120"/>
-                <a:cs typeface="Microsoft JhengHei" panose="020B0604030504040204" charset="-120"/>
-              </a:rPr>
-              <a:t>目录</a:t>
-            </a:r>
-            <a:endParaRPr sz="6000">
-              <a:latin typeface="Microsoft JhengHei" panose="020B0604030504040204" charset="-120"/>
-              <a:cs typeface="Microsoft JhengHei" panose="020B0604030504040204" charset="-120"/>
-            </a:endParaRPr>
-          </a:p>
-        </p:txBody>
-      </p:sp>
-      <p:sp>
-        <p:nvSpPr>
-          <p:cNvPr id="5" name="object 5"/>
-          <p:cNvSpPr txBox="1"/>
-          <p:nvPr/>
-        </p:nvSpPr>
-        <p:spPr>
-          <a:xfrm>
-            <a:off x="2359152" y="228600"/>
-            <a:ext cx="828040" cy="881380"/>
-          </a:xfrm>
-          <a:prstGeom prst="rect">
-            <a:avLst/>
-          </a:prstGeom>
-          <a:ln w="12191">
-            <a:solidFill>
-              <a:srgbClr val="4471C4"/>
-            </a:solidFill>
-          </a:ln>
-        </p:spPr>
-        <p:txBody>
-          <a:bodyPr vert="horz" wrap="square" lIns="0" tIns="90805" rIns="0" bIns="0" rtlCol="0">
-            <a:spAutoFit/>
-          </a:bodyPr>
-          <a:lstStyle/>
-          <a:p>
-            <a:pPr marL="101600">
-              <a:lnSpc>
-                <a:spcPct val="100000"/>
-              </a:lnSpc>
-              <a:spcBef>
-                <a:spcPts val="715"/>
-              </a:spcBef>
-            </a:pPr>
-            <a:r>
-              <a:rPr sz="4000" b="1" spc="75" dirty="0">
-                <a:solidFill>
-                  <a:srgbClr val="4471C4"/>
-                </a:solidFill>
-                <a:latin typeface="Microsoft JhengHei" panose="020B0604030504040204" charset="-120"/>
-                <a:cs typeface="Microsoft JhengHei" panose="020B0604030504040204" charset="-120"/>
-              </a:rPr>
-              <a:t>01</a:t>
-            </a:r>
-            <a:endParaRPr sz="4000" dirty="0">
-              <a:latin typeface="Microsoft JhengHei" panose="020B0604030504040204" charset="-120"/>
-              <a:cs typeface="Microsoft JhengHei" panose="020B0604030504040204" charset="-120"/>
-            </a:endParaRPr>
-          </a:p>
-        </p:txBody>
-      </p:sp>
-      <p:sp>
-        <p:nvSpPr>
-          <p:cNvPr id="6" name="object 6"/>
-          <p:cNvSpPr txBox="1"/>
-          <p:nvPr/>
-        </p:nvSpPr>
-        <p:spPr>
-          <a:xfrm>
-            <a:off x="2359152" y="3504693"/>
-            <a:ext cx="812800" cy="731520"/>
-          </a:xfrm>
-          <a:prstGeom prst="rect">
-            <a:avLst/>
-          </a:prstGeom>
-          <a:ln w="12191">
-            <a:solidFill>
-              <a:srgbClr val="4471C4"/>
-            </a:solidFill>
-          </a:ln>
-        </p:spPr>
-        <p:txBody>
-          <a:bodyPr vert="horz" wrap="square" lIns="0" tIns="54610" rIns="0" bIns="0" rtlCol="0">
-            <a:spAutoFit/>
-          </a:bodyPr>
-          <a:lstStyle/>
-          <a:p>
-            <a:pPr marL="60960">
-              <a:lnSpc>
-                <a:spcPct val="100000"/>
-              </a:lnSpc>
-              <a:spcBef>
-                <a:spcPts val="430"/>
-              </a:spcBef>
-            </a:pPr>
-            <a:r>
-              <a:rPr sz="4400" b="1" spc="85" dirty="0">
-                <a:solidFill>
-                  <a:srgbClr val="4471C4"/>
-                </a:solidFill>
-                <a:latin typeface="Microsoft JhengHei" panose="020B0604030504040204" charset="-120"/>
-                <a:cs typeface="Microsoft JhengHei" panose="020B0604030504040204" charset="-120"/>
-              </a:rPr>
-              <a:t>0</a:t>
-            </a:r>
-            <a:r>
-              <a:rPr lang="en-US" sz="4400" b="1" spc="85" dirty="0">
-                <a:solidFill>
-                  <a:srgbClr val="4471C4"/>
-                </a:solidFill>
-                <a:latin typeface="Microsoft JhengHei" panose="020B0604030504040204" charset="-120"/>
-                <a:cs typeface="Microsoft JhengHei" panose="020B0604030504040204" charset="-120"/>
-              </a:rPr>
-              <a:t>4</a:t>
-            </a:r>
-          </a:p>
-        </p:txBody>
-      </p:sp>
-      <p:sp>
-        <p:nvSpPr>
-          <p:cNvPr id="7" name="object 7"/>
-          <p:cNvSpPr txBox="1"/>
-          <p:nvPr/>
-        </p:nvSpPr>
-        <p:spPr>
-          <a:xfrm>
-            <a:off x="2361945" y="1310767"/>
-            <a:ext cx="828040" cy="828040"/>
-          </a:xfrm>
-          <a:prstGeom prst="rect">
-            <a:avLst/>
-          </a:prstGeom>
-          <a:ln w="12191">
-            <a:solidFill>
-              <a:srgbClr val="4471C4"/>
-            </a:solidFill>
-          </a:ln>
-        </p:spPr>
-        <p:txBody>
-          <a:bodyPr vert="horz" wrap="square" lIns="0" tIns="53975" rIns="0" bIns="0" rtlCol="0">
-            <a:spAutoFit/>
-          </a:bodyPr>
-          <a:lstStyle/>
-          <a:p>
-            <a:pPr marL="69215">
-              <a:lnSpc>
-                <a:spcPct val="100000"/>
-              </a:lnSpc>
-              <a:spcBef>
-                <a:spcPts val="425"/>
-              </a:spcBef>
-            </a:pPr>
-            <a:r>
-              <a:rPr sz="4400" b="1" spc="85" dirty="0">
-                <a:solidFill>
-                  <a:srgbClr val="4471C4"/>
-                </a:solidFill>
-                <a:latin typeface="Microsoft JhengHei" panose="020B0604030504040204" charset="-120"/>
-                <a:cs typeface="Microsoft JhengHei" panose="020B0604030504040204" charset="-120"/>
-              </a:rPr>
-              <a:t>02</a:t>
-            </a:r>
-            <a:endParaRPr sz="4400">
-              <a:latin typeface="Microsoft JhengHei" panose="020B0604030504040204" charset="-120"/>
-              <a:cs typeface="Microsoft JhengHei" panose="020B0604030504040204" charset="-120"/>
-            </a:endParaRPr>
-          </a:p>
-        </p:txBody>
-      </p:sp>
-      <p:sp>
-        <p:nvSpPr>
-          <p:cNvPr id="9" name="object 9"/>
-          <p:cNvSpPr txBox="1"/>
-          <p:nvPr/>
-        </p:nvSpPr>
-        <p:spPr>
-          <a:xfrm>
-            <a:off x="3581400" y="457709"/>
-            <a:ext cx="4724400" cy="443070"/>
-          </a:xfrm>
-          <a:prstGeom prst="rect">
-            <a:avLst/>
-          </a:prstGeom>
-        </p:spPr>
-        <p:txBody>
-          <a:bodyPr vert="horz" wrap="square" lIns="0" tIns="12065" rIns="0" bIns="0" rtlCol="0">
-            <a:spAutoFit/>
-          </a:bodyPr>
-          <a:lstStyle/>
-          <a:p>
-            <a:pPr marL="12700">
-              <a:lnSpc>
-                <a:spcPct val="100000"/>
-              </a:lnSpc>
-              <a:spcBef>
-                <a:spcPts val="95"/>
-              </a:spcBef>
-            </a:pPr>
-            <a:r>
-              <a:rPr lang="zh-CN" altLang="en-US" sz="2800" dirty="0">
-                <a:latin typeface="等线" panose="02010600030101010101" charset="-122"/>
-                <a:cs typeface="等线" panose="02010600030101010101" charset="-122"/>
-              </a:rPr>
-              <a:t>研究背景</a:t>
-            </a:r>
-          </a:p>
-        </p:txBody>
-      </p:sp>
-      <p:sp>
-        <p:nvSpPr>
-          <p:cNvPr id="10" name="object 10"/>
-          <p:cNvSpPr txBox="1"/>
-          <p:nvPr/>
-        </p:nvSpPr>
-        <p:spPr>
-          <a:xfrm>
-            <a:off x="3573016" y="2598546"/>
-            <a:ext cx="4173474" cy="442595"/>
-          </a:xfrm>
-          <a:prstGeom prst="rect">
-            <a:avLst/>
-          </a:prstGeom>
-        </p:spPr>
-        <p:txBody>
-          <a:bodyPr vert="horz" wrap="square" lIns="0" tIns="12065" rIns="0" bIns="0" rtlCol="0">
-            <a:spAutoFit/>
-          </a:bodyPr>
-          <a:lstStyle/>
-          <a:p>
-            <a:pPr marL="12700">
-              <a:lnSpc>
-                <a:spcPct val="100000"/>
-              </a:lnSpc>
-              <a:spcBef>
-                <a:spcPts val="95"/>
-              </a:spcBef>
-            </a:pPr>
-            <a:r>
-              <a:rPr lang="en-US" altLang="zh-CN" sz="2800" spc="-5" dirty="0">
-                <a:latin typeface="等线" panose="02010600030101010101" charset="-122"/>
-                <a:cs typeface="等线" panose="02010600030101010101" charset="-122"/>
-              </a:rPr>
-              <a:t>WIFI</a:t>
-            </a:r>
-            <a:r>
-              <a:rPr lang="zh-CN" altLang="en-US" sz="2800" spc="-5" dirty="0">
-                <a:latin typeface="等线" panose="02010600030101010101" charset="-122"/>
-                <a:cs typeface="等线" panose="02010600030101010101" charset="-122"/>
-              </a:rPr>
-              <a:t>室内定位方法</a:t>
-            </a:r>
-          </a:p>
-        </p:txBody>
-      </p:sp>
-      <p:sp>
-        <p:nvSpPr>
-          <p:cNvPr id="11" name="object 11"/>
-          <p:cNvSpPr txBox="1"/>
-          <p:nvPr/>
-        </p:nvSpPr>
-        <p:spPr>
-          <a:xfrm>
-            <a:off x="3573016" y="3685160"/>
-            <a:ext cx="3665984" cy="443070"/>
-          </a:xfrm>
-          <a:prstGeom prst="rect">
-            <a:avLst/>
-          </a:prstGeom>
-        </p:spPr>
-        <p:txBody>
-          <a:bodyPr vert="horz" wrap="square" lIns="0" tIns="12065" rIns="0" bIns="0" rtlCol="0">
-            <a:spAutoFit/>
-          </a:bodyPr>
-          <a:lstStyle/>
-          <a:p>
-            <a:pPr marL="12700">
-              <a:lnSpc>
-                <a:spcPct val="100000"/>
-              </a:lnSpc>
-              <a:spcBef>
-                <a:spcPts val="95"/>
-              </a:spcBef>
-            </a:pPr>
-            <a:r>
-              <a:rPr lang="zh-CN" altLang="en-US" sz="2800" spc="-5" dirty="0">
-                <a:latin typeface="等线" panose="02010600030101010101" charset="-122"/>
-                <a:cs typeface="等线" panose="02010600030101010101" charset="-122"/>
-              </a:rPr>
-              <a:t>池化层和全连接层</a:t>
-            </a:r>
-            <a:endParaRPr sz="2800" dirty="0">
-              <a:latin typeface="等线" panose="02010600030101010101" charset="-122"/>
-              <a:cs typeface="等线" panose="02010600030101010101" charset="-122"/>
-            </a:endParaRPr>
-          </a:p>
-        </p:txBody>
-      </p:sp>
-      <p:sp>
-        <p:nvSpPr>
-          <p:cNvPr id="12" name="object 12"/>
-          <p:cNvSpPr txBox="1"/>
-          <p:nvPr/>
-        </p:nvSpPr>
-        <p:spPr>
-          <a:xfrm>
-            <a:off x="3573017" y="4724401"/>
-            <a:ext cx="3931920" cy="452120"/>
-          </a:xfrm>
-          <a:prstGeom prst="rect">
-            <a:avLst/>
-          </a:prstGeom>
-        </p:spPr>
-        <p:txBody>
-          <a:bodyPr vert="horz" wrap="square" lIns="0" tIns="12065" rIns="0" bIns="0" rtlCol="0">
-            <a:spAutoFit/>
-          </a:bodyPr>
-          <a:lstStyle/>
-          <a:p>
-            <a:pPr marL="12700">
-              <a:lnSpc>
-                <a:spcPct val="100000"/>
-              </a:lnSpc>
-              <a:spcBef>
-                <a:spcPts val="95"/>
-              </a:spcBef>
-            </a:pPr>
-            <a:r>
-              <a:rPr lang="zh-CN" altLang="en-US" sz="2800" spc="-5" dirty="0">
-                <a:latin typeface="等线" panose="02010600030101010101" charset="-122"/>
-                <a:cs typeface="等线" panose="02010600030101010101" charset="-122"/>
-              </a:rPr>
-              <a:t>常见网络模型</a:t>
-            </a:r>
-            <a:endParaRPr sz="2800" dirty="0">
-              <a:latin typeface="等线" panose="02010600030101010101" charset="-122"/>
-              <a:cs typeface="等线" panose="02010600030101010101" charset="-122"/>
-            </a:endParaRPr>
-          </a:p>
-        </p:txBody>
-      </p:sp>
-      <p:sp>
-        <p:nvSpPr>
-          <p:cNvPr id="15" name="object 15"/>
-          <p:cNvSpPr txBox="1"/>
-          <p:nvPr/>
-        </p:nvSpPr>
-        <p:spPr>
-          <a:xfrm>
-            <a:off x="2362327" y="4496054"/>
-            <a:ext cx="828040" cy="761365"/>
-          </a:xfrm>
-          <a:prstGeom prst="rect">
-            <a:avLst/>
-          </a:prstGeom>
-          <a:ln w="12191">
-            <a:solidFill>
-              <a:srgbClr val="4471C4"/>
-            </a:solidFill>
-          </a:ln>
-        </p:spPr>
-        <p:txBody>
-          <a:bodyPr vert="horz" wrap="square" lIns="0" tIns="84455" rIns="0" bIns="0" rtlCol="0">
-            <a:spAutoFit/>
-          </a:bodyPr>
-          <a:lstStyle/>
-          <a:p>
-            <a:pPr marL="69850">
-              <a:lnSpc>
-                <a:spcPct val="100000"/>
-              </a:lnSpc>
-              <a:spcBef>
-                <a:spcPts val="665"/>
-              </a:spcBef>
-            </a:pPr>
-            <a:r>
-              <a:rPr sz="4400" b="1" spc="85" dirty="0">
-                <a:solidFill>
-                  <a:srgbClr val="4471C4"/>
-                </a:solidFill>
-                <a:latin typeface="Microsoft JhengHei" panose="020B0604030504040204" charset="-120"/>
-                <a:cs typeface="Microsoft JhengHei" panose="020B0604030504040204" charset="-120"/>
-              </a:rPr>
-              <a:t>0</a:t>
-            </a:r>
-            <a:r>
-              <a:rPr lang="en-US" sz="4400" b="1" spc="85" dirty="0">
-                <a:solidFill>
-                  <a:srgbClr val="4471C4"/>
-                </a:solidFill>
-                <a:latin typeface="Microsoft JhengHei" panose="020B0604030504040204" charset="-120"/>
-                <a:cs typeface="Microsoft JhengHei" panose="020B0604030504040204" charset="-120"/>
-              </a:rPr>
-              <a:t>5</a:t>
-            </a:r>
-          </a:p>
-        </p:txBody>
-      </p:sp>
-      <p:sp>
-        <p:nvSpPr>
-          <p:cNvPr id="8" name="object 7"/>
-          <p:cNvSpPr txBox="1"/>
-          <p:nvPr/>
-        </p:nvSpPr>
-        <p:spPr>
-          <a:xfrm>
-            <a:off x="2361945" y="2456307"/>
-            <a:ext cx="828040" cy="730885"/>
-          </a:xfrm>
-          <a:prstGeom prst="rect">
-            <a:avLst/>
-          </a:prstGeom>
-          <a:ln w="12191">
-            <a:solidFill>
-              <a:srgbClr val="4471C4"/>
-            </a:solidFill>
-          </a:ln>
-        </p:spPr>
-        <p:txBody>
-          <a:bodyPr vert="horz" wrap="square" lIns="0" tIns="53975" rIns="0" bIns="0" rtlCol="0">
-            <a:spAutoFit/>
-          </a:bodyPr>
-          <a:lstStyle/>
-          <a:p>
-            <a:pPr marL="69215">
-              <a:lnSpc>
-                <a:spcPct val="100000"/>
-              </a:lnSpc>
-              <a:spcBef>
-                <a:spcPts val="425"/>
-              </a:spcBef>
-            </a:pPr>
-            <a:r>
-              <a:rPr sz="4400" b="1" spc="85" dirty="0">
-                <a:solidFill>
-                  <a:srgbClr val="4471C4"/>
-                </a:solidFill>
-                <a:latin typeface="Microsoft JhengHei" panose="020B0604030504040204" charset="-120"/>
-                <a:cs typeface="Microsoft JhengHei" panose="020B0604030504040204" charset="-120"/>
-              </a:rPr>
-              <a:t>0</a:t>
-            </a:r>
-            <a:r>
-              <a:rPr lang="en-US" sz="4400" b="1" spc="85" dirty="0">
-                <a:solidFill>
-                  <a:srgbClr val="4471C4"/>
-                </a:solidFill>
-                <a:latin typeface="Microsoft JhengHei" panose="020B0604030504040204" charset="-120"/>
-                <a:cs typeface="Microsoft JhengHei" panose="020B0604030504040204" charset="-120"/>
-              </a:rPr>
-              <a:t>3</a:t>
-            </a:r>
-          </a:p>
-        </p:txBody>
-      </p:sp>
-      <p:sp>
-        <p:nvSpPr>
-          <p:cNvPr id="13" name="object 10"/>
-          <p:cNvSpPr txBox="1"/>
-          <p:nvPr/>
-        </p:nvSpPr>
-        <p:spPr>
-          <a:xfrm>
-            <a:off x="3590925" y="1460181"/>
-            <a:ext cx="4173474" cy="442595"/>
-          </a:xfrm>
-          <a:prstGeom prst="rect">
-            <a:avLst/>
-          </a:prstGeom>
-        </p:spPr>
-        <p:txBody>
-          <a:bodyPr vert="horz" wrap="square" lIns="0" tIns="12065" rIns="0" bIns="0" rtlCol="0">
-            <a:spAutoFit/>
-          </a:bodyPr>
-          <a:lstStyle/>
-          <a:p>
-            <a:pPr marL="12700">
-              <a:lnSpc>
-                <a:spcPct val="100000"/>
-              </a:lnSpc>
-              <a:spcBef>
-                <a:spcPts val="95"/>
-              </a:spcBef>
-            </a:pPr>
-            <a:r>
-              <a:rPr lang="en-US" altLang="zh-CN" sz="2800" spc="-5" dirty="0">
-                <a:solidFill>
-                  <a:prstClr val="black"/>
-                </a:solidFill>
-                <a:latin typeface="等线" panose="02010600030101010101" charset="-122"/>
-                <a:cs typeface="等线" panose="02010600030101010101" charset="-122"/>
-              </a:rPr>
-              <a:t>WIFI</a:t>
-            </a:r>
-            <a:r>
-              <a:rPr lang="zh-CN" altLang="en-US" sz="2800" spc="-5" dirty="0">
-                <a:solidFill>
-                  <a:prstClr val="black"/>
-                </a:solidFill>
-                <a:latin typeface="等线" panose="02010600030101010101" charset="-122"/>
-                <a:cs typeface="等线" panose="02010600030101010101" charset="-122"/>
-              </a:rPr>
-              <a:t>相关介绍</a:t>
-            </a:r>
-            <a:endParaRPr lang="zh-CN" altLang="en-US" sz="2800" spc="-5" dirty="0">
-              <a:latin typeface="等线" panose="02010600030101010101" charset="-122"/>
-              <a:cs typeface="等线" panose="02010600030101010101" charset="-122"/>
-            </a:endParaRPr>
-          </a:p>
-        </p:txBody>
-      </p:sp>
-      <p:sp>
-        <p:nvSpPr>
-          <p:cNvPr id="16" name="object 12">
-            <a:extLst>
-              <a:ext uri="{FF2B5EF4-FFF2-40B4-BE49-F238E27FC236}">
-                <a16:creationId xmlns:a16="http://schemas.microsoft.com/office/drawing/2014/main" id="{B4C840D3-E0F7-487E-8F31-D422D1D1A972}"/>
-              </a:ext>
-            </a:extLst>
-          </p:cNvPr>
-          <p:cNvSpPr txBox="1"/>
-          <p:nvPr/>
-        </p:nvSpPr>
-        <p:spPr>
-          <a:xfrm>
-            <a:off x="3573017" y="5715382"/>
-            <a:ext cx="3931920" cy="452120"/>
-          </a:xfrm>
-          <a:prstGeom prst="rect">
-            <a:avLst/>
-          </a:prstGeom>
-        </p:spPr>
-        <p:txBody>
-          <a:bodyPr vert="horz" wrap="square" lIns="0" tIns="12065" rIns="0" bIns="0" rtlCol="0">
-            <a:spAutoFit/>
-          </a:bodyPr>
-          <a:lstStyle/>
-          <a:p>
-            <a:pPr marL="12700">
-              <a:lnSpc>
-                <a:spcPct val="100000"/>
-              </a:lnSpc>
-              <a:spcBef>
-                <a:spcPts val="95"/>
-              </a:spcBef>
-            </a:pPr>
-            <a:r>
-              <a:rPr lang="zh-CN" altLang="en-US" sz="2800" spc="-5" dirty="0">
-                <a:latin typeface="等线" panose="02010600030101010101" charset="-122"/>
-                <a:cs typeface="等线" panose="02010600030101010101" charset="-122"/>
-              </a:rPr>
-              <a:t>谢谢</a:t>
-            </a:r>
-            <a:endParaRPr sz="2800" dirty="0">
-              <a:latin typeface="等线" panose="02010600030101010101" charset="-122"/>
-              <a:cs typeface="等线" panose="02010600030101010101" charset="-122"/>
-            </a:endParaRPr>
-          </a:p>
-        </p:txBody>
-      </p:sp>
-      <p:sp>
-        <p:nvSpPr>
-          <p:cNvPr id="17" name="object 15">
-            <a:extLst>
-              <a:ext uri="{FF2B5EF4-FFF2-40B4-BE49-F238E27FC236}">
-                <a16:creationId xmlns:a16="http://schemas.microsoft.com/office/drawing/2014/main" id="{F22561E1-AEDB-4995-AF31-CD80CD052904}"/>
-              </a:ext>
-            </a:extLst>
-          </p:cNvPr>
-          <p:cNvSpPr txBox="1"/>
-          <p:nvPr/>
-        </p:nvSpPr>
-        <p:spPr>
-          <a:xfrm>
-            <a:off x="2362327" y="5487035"/>
-            <a:ext cx="828040" cy="761365"/>
-          </a:xfrm>
-          <a:prstGeom prst="rect">
-            <a:avLst/>
-          </a:prstGeom>
-          <a:ln w="12191">
-            <a:solidFill>
-              <a:srgbClr val="4471C4"/>
-            </a:solidFill>
-          </a:ln>
-        </p:spPr>
-        <p:txBody>
-          <a:bodyPr vert="horz" wrap="square" lIns="0" tIns="84455" rIns="0" bIns="0" rtlCol="0">
-            <a:spAutoFit/>
-          </a:bodyPr>
-          <a:lstStyle/>
-          <a:p>
-            <a:pPr marL="69850">
-              <a:lnSpc>
-                <a:spcPct val="100000"/>
-              </a:lnSpc>
-              <a:spcBef>
-                <a:spcPts val="665"/>
-              </a:spcBef>
-            </a:pPr>
-            <a:r>
-              <a:rPr sz="4400" b="1" spc="85" dirty="0">
-                <a:solidFill>
-                  <a:srgbClr val="4471C4"/>
-                </a:solidFill>
-                <a:latin typeface="Microsoft JhengHei" panose="020B0604030504040204" charset="-120"/>
-                <a:cs typeface="Microsoft JhengHei" panose="020B0604030504040204" charset="-120"/>
-              </a:rPr>
-              <a:t>0</a:t>
-            </a:r>
-            <a:r>
-              <a:rPr lang="en-US" sz="4400" b="1" spc="85" dirty="0">
-                <a:solidFill>
-                  <a:srgbClr val="4471C4"/>
-                </a:solidFill>
-                <a:latin typeface="Microsoft JhengHei" panose="020B0604030504040204" charset="-120"/>
-                <a:cs typeface="Microsoft JhengHei" panose="020B0604030504040204" charset="-120"/>
-              </a:rPr>
-              <a:t>6</a:t>
-            </a:r>
-          </a:p>
-        </p:txBody>
-      </p:sp>
-      <p:sp>
-        <p:nvSpPr>
-          <p:cNvPr id="18" name="object 4">
-            <a:extLst>
-              <a:ext uri="{FF2B5EF4-FFF2-40B4-BE49-F238E27FC236}">
-                <a16:creationId xmlns:a16="http://schemas.microsoft.com/office/drawing/2014/main" id="{360A8278-D5BA-46FB-B00F-24D40B45BA66}"/>
-              </a:ext>
-            </a:extLst>
-          </p:cNvPr>
-          <p:cNvSpPr txBox="1"/>
-          <p:nvPr/>
-        </p:nvSpPr>
-        <p:spPr>
-          <a:xfrm>
-            <a:off x="-65018" y="3573526"/>
-            <a:ext cx="2198618" cy="443070"/>
-          </a:xfrm>
-          <a:prstGeom prst="rect">
-            <a:avLst/>
-          </a:prstGeom>
-        </p:spPr>
-        <p:txBody>
-          <a:bodyPr vert="horz" wrap="square" lIns="0" tIns="12065" rIns="0" bIns="0" rtlCol="0">
-            <a:spAutoFit/>
-          </a:bodyPr>
-          <a:lstStyle/>
-          <a:p>
-            <a:pPr marL="12700" marR="0" lvl="0" indent="0" algn="l" defTabSz="914400" rtl="0" eaLnBrk="1" fontAlgn="auto" latinLnBrk="0" hangingPunct="1">
-              <a:lnSpc>
-                <a:spcPct val="100000"/>
-              </a:lnSpc>
-              <a:spcBef>
-                <a:spcPts val="95"/>
-              </a:spcBef>
-              <a:spcAft>
-                <a:spcPts val="0"/>
-              </a:spcAft>
-              <a:buClrTx/>
-              <a:buSzTx/>
-              <a:buFontTx/>
-              <a:buNone/>
-              <a:tabLst/>
-              <a:defRPr/>
-            </a:pPr>
-            <a:r>
-              <a:rPr lang="en-US" sz="2800" b="1" spc="-5" dirty="0">
-                <a:solidFill>
-                  <a:srgbClr val="FFFFFF"/>
-                </a:solidFill>
-                <a:latin typeface="Times New Roman" panose="02020603050405020304"/>
-                <a:cs typeface="Times New Roman" panose="02020603050405020304"/>
-              </a:rPr>
-              <a:t>CON</a:t>
-            </a:r>
-            <a:r>
-              <a:rPr kumimoji="0" sz="2800" b="1" i="0" u="none" strike="noStrike" kern="1200" cap="none" spc="-5" normalizeH="0" baseline="0" noProof="0" dirty="0">
-                <a:ln>
-                  <a:noFill/>
-                </a:ln>
-                <a:solidFill>
-                  <a:srgbClr val="FFFFFF"/>
-                </a:solidFill>
-                <a:effectLst/>
-                <a:uLnTx/>
-                <a:uFillTx/>
-                <a:latin typeface="Times New Roman" panose="02020603050405020304"/>
-                <a:ea typeface="+mn-ea"/>
-                <a:cs typeface="Times New Roman" panose="02020603050405020304"/>
-              </a:rPr>
-              <a:t>TENTS</a:t>
-            </a:r>
-            <a:endParaRPr kumimoji="0" sz="4000" b="0" i="0" u="none" strike="noStrike" kern="1200" cap="none" spc="0" normalizeH="0" baseline="0" noProof="0" dirty="0">
-              <a:ln>
-                <a:noFill/>
-              </a:ln>
-              <a:solidFill>
-                <a:prstClr val="black"/>
-              </a:solidFill>
-              <a:effectLst/>
-              <a:uLnTx/>
-              <a:uFillTx/>
-              <a:latin typeface="Times New Roman" panose="02020603050405020304"/>
-              <a:ea typeface="+mn-ea"/>
-              <a:cs typeface="Times New Roman" panose="02020603050405020304"/>
-            </a:endParaRPr>
-          </a:p>
-        </p:txBody>
-      </p:sp>
-    </p:spTree>
-  </p:cSld>
-  <p:clrMapOvr>
-    <a:masterClrMapping/>
-  </p:clrMapOvr>
-</p:sld>
-</file>
-
-<file path=ppt/slides/slide20.xml><?xml version="1.0" encoding="utf-8"?>
+<file path=ppt/slides/slide23.xml><?xml version="1.0" encoding="utf-8"?>
 <p:sld xmlns:a="http://schemas.openxmlformats.org/drawingml/2006/main" xmlns:r="http://schemas.openxmlformats.org/officeDocument/2006/relationships" xmlns:p="http://schemas.openxmlformats.org/presentationml/2006/main">
   <p:cSld>
     <p:spTree>
@@ -15720,7 +20730,7 @@
             </a:pPr>
             <a:fld id="{81D60167-4931-47E6-BA6A-407CBD079E47}" type="slidenum">
               <a:rPr dirty="0"/>
-              <a:t>20</a:t>
+              <a:t>23</a:t>
             </a:fld>
             <a:endParaRPr dirty="0"/>
           </a:p>
@@ -15917,7 +20927,7 @@
 </p:sld>
 </file>
 
-<file path=ppt/slides/slide21.xml><?xml version="1.0" encoding="utf-8"?>
+<file path=ppt/slides/slide24.xml><?xml version="1.0" encoding="utf-8"?>
 <p:sld xmlns:a="http://schemas.openxmlformats.org/drawingml/2006/main" xmlns:r="http://schemas.openxmlformats.org/officeDocument/2006/relationships" xmlns:p="http://schemas.openxmlformats.org/presentationml/2006/main" showMasterSp="0">
   <p:cSld>
     <p:spTree>
@@ -23001,7 +28011,7 @@
                 <a:ea typeface="微软雅黑" panose="020B0503020204020204" pitchFamily="34" charset="-122"/>
                 <a:cs typeface="微软雅黑"/>
               </a:rPr>
-              <a:t>三角定位方法</a:t>
+              <a:t>几何测量法</a:t>
             </a:r>
             <a:r>
               <a:rPr lang="en-US" altLang="zh-CN" sz="2800" spc="-10" dirty="0">

--- a/卫星定位/WIFI室内定位方法综述.pptx
+++ b/卫星定位/WIFI室内定位方法综述.pptx
@@ -5,7 +5,7 @@
     <p:sldMasterId id="2147483648" r:id="rId1"/>
   </p:sldMasterIdLst>
   <p:notesMasterIdLst>
-    <p:notesMasterId r:id="rId26"/>
+    <p:notesMasterId r:id="rId27"/>
   </p:notesMasterIdLst>
   <p:sldIdLst>
     <p:sldId id="256" r:id="rId2"/>
@@ -27,11 +27,12 @@
     <p:sldId id="411" r:id="rId18"/>
     <p:sldId id="353" r:id="rId19"/>
     <p:sldId id="389" r:id="rId20"/>
-    <p:sldId id="392" r:id="rId21"/>
-    <p:sldId id="393" r:id="rId22"/>
-    <p:sldId id="400" r:id="rId23"/>
-    <p:sldId id="401" r:id="rId24"/>
-    <p:sldId id="278" r:id="rId25"/>
+    <p:sldId id="412" r:id="rId21"/>
+    <p:sldId id="392" r:id="rId22"/>
+    <p:sldId id="393" r:id="rId23"/>
+    <p:sldId id="400" r:id="rId24"/>
+    <p:sldId id="401" r:id="rId25"/>
+    <p:sldId id="278" r:id="rId26"/>
   </p:sldIdLst>
   <p:sldSz cx="9144000" cy="6858000" type="screen4x3"/>
   <p:notesSz cx="9144000" cy="6858000"/>
@@ -747,7 +748,7 @@
           <a:p>
             <a:fld id="{17A18CE6-1491-459C-B74B-4B1155A702FB}" type="slidenum">
               <a:rPr lang="zh-CN" altLang="en-US" smtClean="0"/>
-              <a:t>24</a:t>
+              <a:t>25</a:t>
             </a:fld>
             <a:endParaRPr lang="zh-CN" altLang="en-US"/>
           </a:p>
@@ -12759,8 +12760,8 @@
           </a:prstGeom>
         </p:spPr>
       </p:pic>
-      <mc:AlternateContent xmlns:mc="http://schemas.openxmlformats.org/markup-compatibility/2006">
-        <mc:Choice xmlns:a14="http://schemas.microsoft.com/office/drawing/2010/main" Requires="a14">
+      <mc:AlternateContent xmlns:mc="http://schemas.openxmlformats.org/markup-compatibility/2006" xmlns:a14="http://schemas.microsoft.com/office/drawing/2010/main">
+        <mc:Choice Requires="a14">
           <p:sp>
             <p:nvSpPr>
               <p:cNvPr id="31" name="文本框 30">
@@ -13109,7 +13110,7 @@
             </p:txBody>
           </p:sp>
         </mc:Choice>
-        <mc:Fallback>
+        <mc:Fallback xmlns="">
           <p:sp>
             <p:nvSpPr>
               <p:cNvPr id="31" name="文本框 30">
@@ -15700,8 +15701,8 @@
           </a:p>
         </p:txBody>
       </p:sp>
-      <mc:AlternateContent xmlns:mc="http://schemas.openxmlformats.org/markup-compatibility/2006">
-        <mc:Choice xmlns:a14="http://schemas.microsoft.com/office/drawing/2010/main" Requires="a14">
+      <mc:AlternateContent xmlns:mc="http://schemas.openxmlformats.org/markup-compatibility/2006" xmlns:a14="http://schemas.microsoft.com/office/drawing/2010/main">
+        <mc:Choice Requires="a14">
           <p:sp>
             <p:nvSpPr>
               <p:cNvPr id="29" name="文本框 28">
@@ -15874,7 +15875,7 @@
             </p:txBody>
           </p:sp>
         </mc:Choice>
-        <mc:Fallback>
+        <mc:Fallback xmlns="">
           <p:sp>
             <p:nvSpPr>
               <p:cNvPr id="29" name="文本框 28">
@@ -16589,7 +16590,7 @@
                 <a:latin typeface="等线" panose="02010600030101010101" charset="-122"/>
                 <a:cs typeface="等线" panose="02010600030101010101" charset="-122"/>
               </a:rPr>
-              <a:t>池化层和全连接层</a:t>
+              <a:t>性能分析</a:t>
             </a:r>
             <a:endParaRPr kumimoji="0" sz="4400" b="0" i="0" u="none" strike="noStrike" kern="1200" cap="none" spc="0" normalizeH="0" baseline="0" noProof="0" dirty="0">
               <a:ln>
@@ -16640,10 +16641,10 @@
       </p:grpSpPr>
       <p:pic>
         <p:nvPicPr>
-          <p:cNvPr id="48" name="图片 47">
+          <p:cNvPr id="26" name="图片 25" descr="文本&#10;&#10;描述已自动生成">
             <a:extLst>
               <a:ext uri="{FF2B5EF4-FFF2-40B4-BE49-F238E27FC236}">
-                <a16:creationId xmlns:a16="http://schemas.microsoft.com/office/drawing/2014/main" id="{F218EEF9-84E1-4B60-B7AB-9C43C7EDBEEB}"/>
+                <a16:creationId xmlns:a16="http://schemas.microsoft.com/office/drawing/2014/main" id="{AA811BD0-484C-49C1-9B56-A4378F32EFBA}"/>
               </a:ext>
             </a:extLst>
           </p:cNvPr>
@@ -16660,13 +16661,14 @@
               </a:ext>
             </a:extLst>
           </a:blip>
-          <a:srcRect/>
-          <a:stretch/>
+          <a:stretch>
+            <a:fillRect/>
+          </a:stretch>
         </p:blipFill>
         <p:spPr>
           <a:xfrm>
-            <a:off x="4464991" y="837240"/>
-            <a:ext cx="3838255" cy="2034738"/>
+            <a:off x="2208621" y="5691286"/>
+            <a:ext cx="2352381" cy="580952"/>
           </a:xfrm>
           <a:prstGeom prst="rect">
             <a:avLst/>
@@ -16675,10 +16677,10 @@
       </p:pic>
       <p:pic>
         <p:nvPicPr>
-          <p:cNvPr id="20" name="图片 19">
+          <p:cNvPr id="19" name="图片 18">
             <a:extLst>
               <a:ext uri="{FF2B5EF4-FFF2-40B4-BE49-F238E27FC236}">
-                <a16:creationId xmlns:a16="http://schemas.microsoft.com/office/drawing/2014/main" id="{528A8A6A-594F-4DB8-A439-67E5B0B16F43}"/>
+                <a16:creationId xmlns:a16="http://schemas.microsoft.com/office/drawing/2014/main" id="{F71F7D62-9C79-4731-B01B-C8AAFD72CB04}"/>
               </a:ext>
             </a:extLst>
           </p:cNvPr>
@@ -16701,8 +16703,44 @@
         </p:blipFill>
         <p:spPr>
           <a:xfrm>
-            <a:off x="0" y="2775203"/>
-            <a:ext cx="4743450" cy="3543300"/>
+            <a:off x="1010632" y="3631065"/>
+            <a:ext cx="4558421" cy="1216556"/>
+          </a:xfrm>
+          <a:prstGeom prst="rect">
+            <a:avLst/>
+          </a:prstGeom>
+        </p:spPr>
+      </p:pic>
+      <p:pic>
+        <p:nvPicPr>
+          <p:cNvPr id="16" name="图片 15" descr="图片包含 游戏机, 物体, 钟表&#10;&#10;描述已自动生成">
+            <a:extLst>
+              <a:ext uri="{FF2B5EF4-FFF2-40B4-BE49-F238E27FC236}">
+                <a16:creationId xmlns:a16="http://schemas.microsoft.com/office/drawing/2014/main" id="{C36B965D-54D3-42AD-B179-28710DEAFF88}"/>
+              </a:ext>
+            </a:extLst>
+          </p:cNvPr>
+          <p:cNvPicPr>
+            <a:picLocks noChangeAspect="1"/>
+          </p:cNvPicPr>
+          <p:nvPr/>
+        </p:nvPicPr>
+        <p:blipFill>
+          <a:blip r:embed="rId4">
+            <a:extLst>
+              <a:ext uri="{28A0092B-C50C-407E-A947-70E740481C1C}">
+                <a14:useLocalDpi xmlns:a14="http://schemas.microsoft.com/office/drawing/2010/main" val="0"/>
+              </a:ext>
+            </a:extLst>
+          </a:blip>
+          <a:stretch>
+            <a:fillRect/>
+          </a:stretch>
+        </p:blipFill>
+        <p:spPr>
+          <a:xfrm>
+            <a:off x="1028700" y="1920721"/>
+            <a:ext cx="4657143" cy="828571"/>
           </a:xfrm>
           <a:prstGeom prst="rect">
             <a:avLst/>
@@ -17205,7 +17243,7 @@
         <p:spPr>
           <a:xfrm>
             <a:off x="438912" y="214481"/>
-            <a:ext cx="7716419" cy="874598"/>
+            <a:ext cx="7716419" cy="566822"/>
           </a:xfrm>
           <a:prstGeom prst="rect">
             <a:avLst/>
@@ -17234,11 +17272,8 @@
             </a:r>
             <a:r>
               <a:rPr lang="zh-CN" altLang="en-US" spc="75" dirty="0"/>
-              <a:t>池化层和全连接层</a:t>
-            </a:r>
-            <a:br>
-              <a:rPr lang="zh-CN" altLang="en-US" spc="75" dirty="0"/>
-            </a:br>
+              <a:t>性能分析</a:t>
+            </a:r>
             <a:endParaRPr lang="zh-CN" altLang="en-US" sz="2000" spc="75" dirty="0"/>
           </a:p>
         </p:txBody>
@@ -17292,7 +17327,7 @@
         <p:spPr>
           <a:xfrm>
             <a:off x="293826" y="857623"/>
-            <a:ext cx="4576762" cy="523220"/>
+            <a:ext cx="4576762" cy="461665"/>
           </a:xfrm>
           <a:prstGeom prst="rect">
             <a:avLst/>
@@ -17314,7 +17349,7 @@
               </a:spcBef>
             </a:pPr>
             <a:r>
-              <a:rPr lang="en-US" altLang="zh-CN" sz="2800" spc="-5" dirty="0">
+              <a:rPr lang="en-US" altLang="zh-CN" sz="2400" spc="-5" dirty="0">
                 <a:latin typeface="微软雅黑" panose="020B0503020204020204" pitchFamily="34" charset="-122"/>
                 <a:ea typeface="微软雅黑" panose="020B0503020204020204" pitchFamily="34" charset="-122"/>
                 <a:cs typeface="微软雅黑"/>
@@ -17322,14 +17357,14 @@
               <a:t>4.1 </a:t>
             </a:r>
             <a:r>
-              <a:rPr lang="zh-CN" altLang="en-US" sz="2800" spc="-10" dirty="0">
+              <a:rPr lang="zh-CN" altLang="en-US" sz="2400" spc="-10" dirty="0">
                 <a:latin typeface="微软雅黑" panose="020B0503020204020204" pitchFamily="34" charset="-122"/>
                 <a:ea typeface="微软雅黑" panose="020B0503020204020204" pitchFamily="34" charset="-122"/>
                 <a:cs typeface="微软雅黑"/>
               </a:rPr>
-              <a:t>池化层（非必要*）</a:t>
-            </a:r>
-            <a:endParaRPr lang="zh-CN" altLang="en-US" sz="2800" dirty="0">
+              <a:t>定位误差</a:t>
+            </a:r>
+            <a:endParaRPr lang="zh-CN" altLang="en-US" sz="2400" dirty="0">
               <a:latin typeface="微软雅黑" panose="020B0503020204020204" pitchFamily="34" charset="-122"/>
               <a:ea typeface="微软雅黑" panose="020B0503020204020204" pitchFamily="34" charset="-122"/>
               <a:cs typeface="微软雅黑"/>
@@ -17339,10 +17374,10 @@
       </p:sp>
       <p:sp>
         <p:nvSpPr>
-          <p:cNvPr id="23" name="文本框 22">
+          <p:cNvPr id="24" name="文本框 23">
             <a:extLst>
               <a:ext uri="{FF2B5EF4-FFF2-40B4-BE49-F238E27FC236}">
-                <a16:creationId xmlns:a16="http://schemas.microsoft.com/office/drawing/2014/main" id="{A471D240-13B4-4461-A505-88FC3C4575FC}"/>
+                <a16:creationId xmlns:a16="http://schemas.microsoft.com/office/drawing/2014/main" id="{7C69286F-77BF-4C7A-8952-0E94D5DE692E}"/>
               </a:ext>
             </a:extLst>
           </p:cNvPr>
@@ -17351,176 +17386,8 @@
         </p:nvSpPr>
         <p:spPr>
           <a:xfrm>
-            <a:off x="533400" y="1708444"/>
-            <a:ext cx="3429000" cy="646331"/>
-          </a:xfrm>
-          <a:prstGeom prst="rect">
-            <a:avLst/>
-          </a:prstGeom>
-          <a:noFill/>
-        </p:spPr>
-        <p:txBody>
-          <a:bodyPr wrap="square" rtlCol="0">
-            <a:spAutoFit/>
-          </a:bodyPr>
-          <a:lstStyle/>
-          <a:p>
-            <a:pPr marL="285750" indent="-285750">
-              <a:buFont typeface="Arial" panose="020B0604020202020204" pitchFamily="34" charset="0"/>
-              <a:buChar char="•"/>
-            </a:pPr>
-            <a:r>
-              <a:rPr lang="zh-CN" altLang="en-US" dirty="0"/>
-              <a:t>平均值池化：敏感背景信息</a:t>
-            </a:r>
-            <a:endParaRPr lang="en-US" altLang="zh-CN" dirty="0"/>
-          </a:p>
-          <a:p>
-            <a:pPr marL="285750" indent="-285750">
-              <a:buFont typeface="Arial" panose="020B0604020202020204" pitchFamily="34" charset="0"/>
-              <a:buChar char="•"/>
-            </a:pPr>
-            <a:r>
-              <a:rPr lang="zh-CN" altLang="en-US" dirty="0"/>
-              <a:t>最大值池化：敏感纹理特征</a:t>
-            </a:r>
-          </a:p>
-        </p:txBody>
-      </p:sp>
-      <p:sp>
-        <p:nvSpPr>
-          <p:cNvPr id="38" name="文本框 37">
-            <a:extLst>
-              <a:ext uri="{FF2B5EF4-FFF2-40B4-BE49-F238E27FC236}">
-                <a16:creationId xmlns:a16="http://schemas.microsoft.com/office/drawing/2014/main" id="{50CC9B4A-DBE7-4F42-9061-BAA9BF344B30}"/>
-              </a:ext>
-            </a:extLst>
-          </p:cNvPr>
-          <p:cNvSpPr txBox="1"/>
-          <p:nvPr/>
-        </p:nvSpPr>
-        <p:spPr>
-          <a:xfrm>
-            <a:off x="4740678" y="2691923"/>
-            <a:ext cx="4434424" cy="2002183"/>
-          </a:xfrm>
-          <a:prstGeom prst="rect">
-            <a:avLst/>
-          </a:prstGeom>
-          <a:noFill/>
-        </p:spPr>
-        <p:txBody>
-          <a:bodyPr wrap="square">
-            <a:spAutoFit/>
-          </a:bodyPr>
-          <a:lstStyle/>
-          <a:p>
-            <a:r>
-              <a:rPr lang="zh-CN" altLang="en-US" sz="2400" spc="-10" dirty="0">
-                <a:solidFill>
-                  <a:srgbClr val="006FC0"/>
-                </a:solidFill>
-                <a:latin typeface="微软雅黑" panose="020B0503020204020204" pitchFamily="34" charset="-122"/>
-                <a:ea typeface="微软雅黑" panose="020B0503020204020204" pitchFamily="34" charset="-122"/>
-              </a:rPr>
-              <a:t>降采样：</a:t>
-            </a:r>
-            <a:endParaRPr lang="en-US" altLang="zh-CN" sz="2400" spc="-10" dirty="0">
-              <a:solidFill>
-                <a:srgbClr val="006FC0"/>
-              </a:solidFill>
-              <a:latin typeface="微软雅黑" panose="020B0503020204020204" pitchFamily="34" charset="-122"/>
-              <a:ea typeface="微软雅黑" panose="020B0503020204020204" pitchFamily="34" charset="-122"/>
-            </a:endParaRPr>
-          </a:p>
-          <a:p>
-            <a:pPr marL="342900" indent="-342900">
-              <a:buFont typeface="Arial" panose="020B0604020202020204" pitchFamily="34" charset="0"/>
-              <a:buChar char="•"/>
-            </a:pPr>
-            <a:r>
-              <a:rPr lang="zh-CN" altLang="en-US" sz="2400" spc="-10" dirty="0">
-                <a:latin typeface="微软雅黑" panose="020B0503020204020204" pitchFamily="34" charset="-122"/>
-                <a:ea typeface="微软雅黑" panose="020B0503020204020204" pitchFamily="34" charset="-122"/>
-              </a:rPr>
-              <a:t>特征不变性</a:t>
-            </a:r>
-            <a:r>
-              <a:rPr lang="en-US" altLang="zh-CN" sz="2400" spc="-10" dirty="0">
-                <a:latin typeface="微软雅黑" panose="020B0503020204020204" pitchFamily="34" charset="-122"/>
-                <a:ea typeface="微软雅黑" panose="020B0503020204020204" pitchFamily="34" charset="-122"/>
-              </a:rPr>
-              <a:t>:</a:t>
-            </a:r>
-            <a:r>
-              <a:rPr lang="zh-CN" altLang="en-US" sz="2400" dirty="0"/>
-              <a:t>关注某些特征而不是特征位置</a:t>
-            </a:r>
-            <a:endParaRPr lang="en-US" altLang="zh-CN" sz="2400" spc="-10" dirty="0">
-              <a:latin typeface="微软雅黑" panose="020B0503020204020204" pitchFamily="34" charset="-122"/>
-              <a:ea typeface="微软雅黑" panose="020B0503020204020204" pitchFamily="34" charset="-122"/>
-            </a:endParaRPr>
-          </a:p>
-          <a:p>
-            <a:pPr marL="342900" indent="-342900">
-              <a:buFont typeface="Arial" panose="020B0604020202020204" pitchFamily="34" charset="0"/>
-              <a:buChar char="•"/>
-            </a:pPr>
-            <a:r>
-              <a:rPr lang="zh-CN" altLang="en-US" sz="2400" spc="-10" dirty="0">
-                <a:latin typeface="微软雅黑" panose="020B0503020204020204" pitchFamily="34" charset="-122"/>
-                <a:ea typeface="微软雅黑" panose="020B0503020204020204" pitchFamily="34" charset="-122"/>
-              </a:rPr>
-              <a:t>特征降维</a:t>
-            </a:r>
-            <a:r>
-              <a:rPr lang="en-US" altLang="zh-CN" sz="2400" spc="-10" dirty="0">
-                <a:latin typeface="微软雅黑" panose="020B0503020204020204" pitchFamily="34" charset="-122"/>
-                <a:ea typeface="微软雅黑" panose="020B0503020204020204" pitchFamily="34" charset="-122"/>
-              </a:rPr>
-              <a:t>:</a:t>
-            </a:r>
-            <a:r>
-              <a:rPr lang="zh-CN" altLang="en-US" sz="2400" dirty="0"/>
-              <a:t>减少计算量和参数</a:t>
-            </a:r>
-            <a:endParaRPr lang="en-US" altLang="zh-CN" sz="2400" spc="-10" dirty="0">
-              <a:latin typeface="微软雅黑" panose="020B0503020204020204" pitchFamily="34" charset="-122"/>
-              <a:ea typeface="微软雅黑" panose="020B0503020204020204" pitchFamily="34" charset="-122"/>
-            </a:endParaRPr>
-          </a:p>
-          <a:p>
-            <a:pPr marL="342900" indent="-342900">
-              <a:buFont typeface="Arial" panose="020B0604020202020204" pitchFamily="34" charset="0"/>
-              <a:buChar char="•"/>
-            </a:pPr>
-            <a:r>
-              <a:rPr lang="zh-CN" altLang="en-US" sz="2400" spc="-10" dirty="0">
-                <a:latin typeface="微软雅黑" panose="020B0503020204020204" pitchFamily="34" charset="-122"/>
-                <a:ea typeface="微软雅黑" panose="020B0503020204020204" pitchFamily="34" charset="-122"/>
-              </a:rPr>
-              <a:t>在一定程度上防止过拟合</a:t>
-            </a:r>
-            <a:endParaRPr lang="zh-CN" altLang="en-US" sz="2400" dirty="0"/>
-          </a:p>
-        </p:txBody>
-      </p:sp>
-      <p:sp>
-        <p:nvSpPr>
-          <p:cNvPr id="40" name="文本框 39">
-            <a:extLst>
-              <a:ext uri="{FF2B5EF4-FFF2-40B4-BE49-F238E27FC236}">
-                <a16:creationId xmlns:a16="http://schemas.microsoft.com/office/drawing/2014/main" id="{0D408D06-8535-4F2D-A377-2764D02A1D6F}"/>
-              </a:ext>
-            </a:extLst>
-          </p:cNvPr>
-          <p:cNvSpPr txBox="1"/>
-          <p:nvPr/>
-        </p:nvSpPr>
-        <p:spPr>
-          <a:xfrm>
-            <a:off x="4728677" y="5128840"/>
-            <a:ext cx="4646644" cy="1200329"/>
+            <a:off x="691007" y="1526251"/>
+            <a:ext cx="7145020" cy="369332"/>
           </a:xfrm>
           <a:prstGeom prst="rect">
             <a:avLst/>
@@ -17538,39 +17405,19 @@
               <a:buChar char="•"/>
             </a:pPr>
             <a:r>
-              <a:rPr lang="en-US" altLang="zh-CN" sz="2400" dirty="0"/>
-              <a:t>Kind=Average or Max pool</a:t>
-            </a:r>
-          </a:p>
-          <a:p>
-            <a:pPr marL="285750" indent="-285750">
-              <a:buFont typeface="Arial" panose="020B0604020202020204" pitchFamily="34" charset="0"/>
-              <a:buChar char="•"/>
-            </a:pPr>
-            <a:r>
-              <a:rPr lang="en-US" altLang="zh-CN" sz="2400" dirty="0"/>
-              <a:t>Stride=n</a:t>
-            </a:r>
-          </a:p>
-          <a:p>
-            <a:pPr marL="285750" indent="-285750">
-              <a:buFont typeface="Arial" panose="020B0604020202020204" pitchFamily="34" charset="0"/>
-              <a:buChar char="•"/>
-            </a:pPr>
-            <a:r>
-              <a:rPr lang="en-US" altLang="zh-CN" sz="2400" dirty="0"/>
-              <a:t>Kernel size=n</a:t>
-            </a:r>
-            <a:endParaRPr lang="zh-CN" altLang="en-US" sz="2400" dirty="0"/>
+              <a:rPr lang="zh-CN" altLang="en-US" dirty="0"/>
+              <a:t>预测坐标和实际坐标的欧氏距离</a:t>
+            </a:r>
+            <a:endParaRPr lang="en-US" altLang="zh-CN" dirty="0"/>
           </a:p>
         </p:txBody>
       </p:sp>
       <p:sp>
         <p:nvSpPr>
-          <p:cNvPr id="44" name="文本框 43">
+          <p:cNvPr id="27" name="文本框 26">
             <a:extLst>
               <a:ext uri="{FF2B5EF4-FFF2-40B4-BE49-F238E27FC236}">
-                <a16:creationId xmlns:a16="http://schemas.microsoft.com/office/drawing/2014/main" id="{32291632-2CC9-47A1-8511-74FA47CA5AAA}"/>
+                <a16:creationId xmlns:a16="http://schemas.microsoft.com/office/drawing/2014/main" id="{3E6799D4-2536-406C-A5FD-A4987FA27495}"/>
               </a:ext>
             </a:extLst>
           </p:cNvPr>
@@ -17579,8 +17426,8 @@
         </p:nvSpPr>
         <p:spPr>
           <a:xfrm>
-            <a:off x="89915" y="6293208"/>
-            <a:ext cx="8444485" cy="584775"/>
+            <a:off x="318864" y="2778927"/>
+            <a:ext cx="4576762" cy="461665"/>
           </a:xfrm>
           <a:prstGeom prst="rect">
             <a:avLst/>
@@ -17593,86 +17440,52 @@
           </a:bodyPr>
           <a:lstStyle/>
           <a:p>
-            <a:r>
-              <a:rPr lang="en-US" altLang="zh-CN" sz="1600" b="0" i="0" u="none" strike="noStrike" baseline="0" dirty="0">
-                <a:solidFill>
-                  <a:srgbClr val="000000"/>
-                </a:solidFill>
-                <a:latin typeface="宋体" panose="02010600030101010101" pitchFamily="2" charset="-122"/>
-                <a:ea typeface="宋体" panose="02010600030101010101" pitchFamily="2" charset="-122"/>
+            <a:pPr marL="12700">
+              <a:lnSpc>
+                <a:spcPct val="100000"/>
+              </a:lnSpc>
+              <a:spcBef>
+                <a:spcPts val="95"/>
+              </a:spcBef>
+            </a:pPr>
+            <a:r>
+              <a:rPr lang="en-US" altLang="zh-CN" sz="2400" spc="-5" dirty="0">
+                <a:latin typeface="微软雅黑" panose="020B0503020204020204" pitchFamily="34" charset="-122"/>
+                <a:ea typeface="微软雅黑" panose="020B0503020204020204" pitchFamily="34" charset="-122"/>
+                <a:cs typeface="微软雅黑"/>
               </a:rPr>
-              <a:t>*</a:t>
-            </a:r>
-            <a:r>
-              <a:rPr lang="zh-CN" altLang="en-US" sz="1600" b="0" i="0" u="none" strike="noStrike" baseline="0" dirty="0">
-                <a:solidFill>
-                  <a:srgbClr val="000000"/>
-                </a:solidFill>
-                <a:latin typeface="宋体" panose="02010600030101010101" pitchFamily="2" charset="-122"/>
-                <a:ea typeface="宋体" panose="02010600030101010101" pitchFamily="2" charset="-122"/>
+              <a:t>4.2 </a:t>
+            </a:r>
+            <a:r>
+              <a:rPr lang="zh-CN" altLang="en-US" sz="2400" spc="-5" dirty="0">
+                <a:latin typeface="微软雅黑" panose="020B0503020204020204" pitchFamily="34" charset="-122"/>
+                <a:ea typeface="微软雅黑" panose="020B0503020204020204" pitchFamily="34" charset="-122"/>
+                <a:cs typeface="微软雅黑"/>
               </a:rPr>
-              <a:t>池化操作并不是卷积神经网络必须的元件或操作。近期，德国著名高校弗赖堡大学的研究者提出用一种特殊的卷积操作</a:t>
-            </a:r>
-            <a:r>
-              <a:rPr lang="en-US" altLang="zh-CN" sz="1600" b="0" i="0" u="none" strike="noStrike" baseline="0" dirty="0">
-                <a:solidFill>
-                  <a:srgbClr val="000000"/>
-                </a:solidFill>
-                <a:latin typeface="Times New Roman" panose="02020603050405020304" pitchFamily="18" charset="0"/>
-                <a:ea typeface="宋体" panose="02010600030101010101" pitchFamily="2" charset="-122"/>
+              <a:t>平均</a:t>
+            </a:r>
+            <a:r>
+              <a:rPr lang="zh-CN" altLang="en-US" sz="2400" spc="-10" dirty="0">
+                <a:latin typeface="微软雅黑" panose="020B0503020204020204" pitchFamily="34" charset="-122"/>
+                <a:ea typeface="微软雅黑" panose="020B0503020204020204" pitchFamily="34" charset="-122"/>
+                <a:cs typeface="微软雅黑"/>
               </a:rPr>
-              <a:t>(stride </a:t>
-            </a:r>
-            <a:r>
-              <a:rPr lang="en-US" altLang="zh-CN" sz="1600" b="0" i="0" u="none" strike="noStrike" baseline="0" dirty="0" err="1">
-                <a:solidFill>
-                  <a:srgbClr val="000000"/>
-                </a:solidFill>
-                <a:latin typeface="Times New Roman" panose="02020603050405020304" pitchFamily="18" charset="0"/>
-                <a:ea typeface="宋体" panose="02010600030101010101" pitchFamily="2" charset="-122"/>
-              </a:rPr>
-              <a:t>concolutional</a:t>
-            </a:r>
-            <a:r>
-              <a:rPr lang="en-US" altLang="zh-CN" sz="1600" b="0" i="0" u="none" strike="noStrike" baseline="0" dirty="0">
-                <a:solidFill>
-                  <a:srgbClr val="000000"/>
-                </a:solidFill>
-                <a:latin typeface="Times New Roman" panose="02020603050405020304" pitchFamily="18" charset="0"/>
-                <a:ea typeface="宋体" panose="02010600030101010101" pitchFamily="2" charset="-122"/>
-              </a:rPr>
-              <a:t> layer)</a:t>
-            </a:r>
-            <a:r>
-              <a:rPr lang="zh-CN" altLang="en-US" sz="1600" b="0" i="0" u="none" strike="noStrike" baseline="0" dirty="0">
-                <a:solidFill>
-                  <a:srgbClr val="000000"/>
-                </a:solidFill>
-                <a:latin typeface="宋体" panose="02010600030101010101" pitchFamily="2" charset="-122"/>
-                <a:ea typeface="宋体" panose="02010600030101010101" pitchFamily="2" charset="-122"/>
-              </a:rPr>
-              <a:t> 代替池化层实现降采样</a:t>
-            </a:r>
-            <a:r>
-              <a:rPr lang="zh-CN" altLang="en-US" sz="1600" dirty="0">
-                <a:solidFill>
-                  <a:srgbClr val="000000"/>
-                </a:solidFill>
-                <a:latin typeface="宋体" panose="02010600030101010101" pitchFamily="2" charset="-122"/>
-                <a:ea typeface="宋体" panose="02010600030101010101" pitchFamily="2" charset="-122"/>
-              </a:rPr>
-              <a:t>。</a:t>
-            </a:r>
-            <a:endParaRPr lang="zh-CN" altLang="en-US" sz="1600" dirty="0"/>
+              <a:t>定位误差</a:t>
+            </a:r>
+            <a:endParaRPr lang="zh-CN" altLang="en-US" sz="2400" dirty="0">
+              <a:latin typeface="微软雅黑" panose="020B0503020204020204" pitchFamily="34" charset="-122"/>
+              <a:ea typeface="微软雅黑" panose="020B0503020204020204" pitchFamily="34" charset="-122"/>
+              <a:cs typeface="微软雅黑"/>
+            </a:endParaRPr>
           </a:p>
         </p:txBody>
       </p:sp>
       <p:sp>
         <p:nvSpPr>
-          <p:cNvPr id="46" name="文本框 45">
+          <p:cNvPr id="28" name="文本框 27">
             <a:extLst>
               <a:ext uri="{FF2B5EF4-FFF2-40B4-BE49-F238E27FC236}">
-                <a16:creationId xmlns:a16="http://schemas.microsoft.com/office/drawing/2014/main" id="{E68B620F-CB8D-48ED-938C-B9FAD29411A2}"/>
+                <a16:creationId xmlns:a16="http://schemas.microsoft.com/office/drawing/2014/main" id="{1DF25CA9-D67B-4200-834F-C2A36F910045}"/>
               </a:ext>
             </a:extLst>
           </p:cNvPr>
@@ -17681,8 +17494,8 @@
         </p:nvSpPr>
         <p:spPr>
           <a:xfrm>
-            <a:off x="4740678" y="4729925"/>
-            <a:ext cx="4693298" cy="461665"/>
+            <a:off x="739902" y="3350560"/>
+            <a:ext cx="7145020" cy="369332"/>
           </a:xfrm>
           <a:prstGeom prst="rect">
             <a:avLst/>
@@ -17695,23 +17508,115 @@
           </a:bodyPr>
           <a:lstStyle/>
           <a:p>
-            <a:r>
-              <a:rPr lang="zh-CN" altLang="en-US" sz="2400" spc="-10" dirty="0">
-                <a:solidFill>
-                  <a:srgbClr val="006FC0"/>
-                </a:solidFill>
+            <a:pPr marL="285750" indent="-285750">
+              <a:buFont typeface="Arial" panose="020B0604020202020204" pitchFamily="34" charset="0"/>
+              <a:buChar char="•"/>
+            </a:pPr>
+            <a:r>
+              <a:rPr lang="zh-CN" altLang="en-US" dirty="0"/>
+              <a:t>衡量定位算法精度的整体水平，计算所有测试点的定位误差求平均</a:t>
+            </a:r>
+            <a:endParaRPr lang="en-US" altLang="zh-CN" dirty="0"/>
+          </a:p>
+        </p:txBody>
+      </p:sp>
+      <p:sp>
+        <p:nvSpPr>
+          <p:cNvPr id="31" name="文本框 30">
+            <a:extLst>
+              <a:ext uri="{FF2B5EF4-FFF2-40B4-BE49-F238E27FC236}">
+                <a16:creationId xmlns:a16="http://schemas.microsoft.com/office/drawing/2014/main" id="{68A56AC2-EE83-4F21-9473-5C4F219CC371}"/>
+              </a:ext>
+            </a:extLst>
+          </p:cNvPr>
+          <p:cNvSpPr txBox="1"/>
+          <p:nvPr/>
+        </p:nvSpPr>
+        <p:spPr>
+          <a:xfrm>
+            <a:off x="352552" y="4842406"/>
+            <a:ext cx="4576762" cy="461665"/>
+          </a:xfrm>
+          <a:prstGeom prst="rect">
+            <a:avLst/>
+          </a:prstGeom>
+          <a:noFill/>
+        </p:spPr>
+        <p:txBody>
+          <a:bodyPr wrap="square">
+            <a:spAutoFit/>
+          </a:bodyPr>
+          <a:lstStyle/>
+          <a:p>
+            <a:pPr marL="12700">
+              <a:lnSpc>
+                <a:spcPct val="100000"/>
+              </a:lnSpc>
+              <a:spcBef>
+                <a:spcPts val="95"/>
+              </a:spcBef>
+            </a:pPr>
+            <a:r>
+              <a:rPr lang="en-US" altLang="zh-CN" sz="2400" spc="-5" dirty="0">
                 <a:latin typeface="微软雅黑" panose="020B0503020204020204" pitchFamily="34" charset="-122"/>
                 <a:ea typeface="微软雅黑" panose="020B0503020204020204" pitchFamily="34" charset="-122"/>
+                <a:cs typeface="微软雅黑"/>
               </a:rPr>
-              <a:t>必要参数：</a:t>
-            </a:r>
-            <a:endParaRPr lang="en-US" altLang="zh-CN" sz="2400" spc="-10" dirty="0">
-              <a:solidFill>
-                <a:srgbClr val="006FC0"/>
-              </a:solidFill>
+              <a:t>4.3 </a:t>
+            </a:r>
+            <a:r>
+              <a:rPr lang="zh-CN" altLang="en-US" sz="2400" spc="-5" dirty="0">
+                <a:latin typeface="微软雅黑" panose="020B0503020204020204" pitchFamily="34" charset="-122"/>
+                <a:ea typeface="微软雅黑" panose="020B0503020204020204" pitchFamily="34" charset="-122"/>
+                <a:cs typeface="微软雅黑"/>
+              </a:rPr>
+              <a:t>累计分布函数</a:t>
+            </a:r>
+            <a:endParaRPr lang="zh-CN" altLang="en-US" sz="2400" dirty="0">
               <a:latin typeface="微软雅黑" panose="020B0503020204020204" pitchFamily="34" charset="-122"/>
               <a:ea typeface="微软雅黑" panose="020B0503020204020204" pitchFamily="34" charset="-122"/>
+              <a:cs typeface="微软雅黑"/>
             </a:endParaRPr>
+          </a:p>
+        </p:txBody>
+      </p:sp>
+      <p:sp>
+        <p:nvSpPr>
+          <p:cNvPr id="32" name="文本框 31">
+            <a:extLst>
+              <a:ext uri="{FF2B5EF4-FFF2-40B4-BE49-F238E27FC236}">
+                <a16:creationId xmlns:a16="http://schemas.microsoft.com/office/drawing/2014/main" id="{EDB6E4B5-3B08-4EEA-B23C-559E9879A733}"/>
+              </a:ext>
+            </a:extLst>
+          </p:cNvPr>
+          <p:cNvSpPr txBox="1"/>
+          <p:nvPr/>
+        </p:nvSpPr>
+        <p:spPr>
+          <a:xfrm>
+            <a:off x="739902" y="5308976"/>
+            <a:ext cx="7145020" cy="646331"/>
+          </a:xfrm>
+          <a:prstGeom prst="rect">
+            <a:avLst/>
+          </a:prstGeom>
+          <a:noFill/>
+        </p:spPr>
+        <p:txBody>
+          <a:bodyPr wrap="square">
+            <a:spAutoFit/>
+          </a:bodyPr>
+          <a:lstStyle/>
+          <a:p>
+            <a:pPr marL="285750" indent="-285750">
+              <a:buFont typeface="Arial" panose="020B0604020202020204" pitchFamily="34" charset="0"/>
+              <a:buChar char="•"/>
+            </a:pPr>
+            <a:r>
+              <a:rPr lang="zh-CN" altLang="en-US" dirty="0"/>
+              <a:t>所有测试位置的定位误差低于某个值的概率分布，直观反应算法整体定位效果</a:t>
+            </a:r>
+            <a:endParaRPr lang="en-US" altLang="zh-CN" dirty="0"/>
           </a:p>
         </p:txBody>
       </p:sp>
@@ -18119,7 +18024,7 @@
                 <a:latin typeface="等线" panose="02010600030101010101" charset="-122"/>
                 <a:cs typeface="等线" panose="02010600030101010101" charset="-122"/>
               </a:rPr>
-              <a:t>池化层和全连接层</a:t>
+              <a:t>性能分析</a:t>
             </a:r>
             <a:endParaRPr sz="2800" dirty="0">
               <a:latin typeface="等线" panose="02010600030101010101" charset="-122"/>
@@ -18550,6 +18455,772 @@
 </file>
 
 <file path=ppt/slides/slide20.xml><?xml version="1.0" encoding="utf-8"?>
+<p:sld xmlns:a="http://schemas.openxmlformats.org/drawingml/2006/main" xmlns:r="http://schemas.openxmlformats.org/officeDocument/2006/relationships" xmlns:p="http://schemas.openxmlformats.org/presentationml/2006/main">
+  <p:cSld>
+    <p:spTree>
+      <p:nvGrpSpPr>
+        <p:cNvPr id="1" name=""/>
+        <p:cNvGrpSpPr/>
+        <p:nvPr/>
+      </p:nvGrpSpPr>
+      <p:grpSpPr>
+        <a:xfrm>
+          <a:off x="0" y="0"/>
+          <a:ext cx="0" cy="0"/>
+          <a:chOff x="0" y="0"/>
+          <a:chExt cx="0" cy="0"/>
+        </a:xfrm>
+      </p:grpSpPr>
+      <p:pic>
+        <p:nvPicPr>
+          <p:cNvPr id="21" name="图片 20" descr="文本&#10;&#10;低可信度描述已自动生成">
+            <a:extLst>
+              <a:ext uri="{FF2B5EF4-FFF2-40B4-BE49-F238E27FC236}">
+                <a16:creationId xmlns:a16="http://schemas.microsoft.com/office/drawing/2014/main" id="{259B316D-ECF8-4235-8AF2-FE0336197097}"/>
+              </a:ext>
+            </a:extLst>
+          </p:cNvPr>
+          <p:cNvPicPr>
+            <a:picLocks noChangeAspect="1"/>
+          </p:cNvPicPr>
+          <p:nvPr/>
+        </p:nvPicPr>
+        <p:blipFill>
+          <a:blip r:embed="rId2">
+            <a:extLst>
+              <a:ext uri="{28A0092B-C50C-407E-A947-70E740481C1C}">
+                <a14:useLocalDpi xmlns:a14="http://schemas.microsoft.com/office/drawing/2010/main" val="0"/>
+              </a:ext>
+            </a:extLst>
+          </a:blip>
+          <a:stretch>
+            <a:fillRect/>
+          </a:stretch>
+        </p:blipFill>
+        <p:spPr>
+          <a:xfrm>
+            <a:off x="1905001" y="1661456"/>
+            <a:ext cx="1828800" cy="572568"/>
+          </a:xfrm>
+          <a:prstGeom prst="rect">
+            <a:avLst/>
+          </a:prstGeom>
+        </p:spPr>
+      </p:pic>
+      <p:grpSp>
+        <p:nvGrpSpPr>
+          <p:cNvPr id="2" name="object 2"/>
+          <p:cNvGrpSpPr/>
+          <p:nvPr/>
+        </p:nvGrpSpPr>
+        <p:grpSpPr>
+          <a:xfrm>
+            <a:off x="89915" y="135636"/>
+            <a:ext cx="262255" cy="576580"/>
+            <a:chOff x="89915" y="135636"/>
+            <a:chExt cx="262255" cy="576580"/>
+          </a:xfrm>
+        </p:grpSpPr>
+        <p:sp>
+          <p:nvSpPr>
+            <p:cNvPr id="3" name="object 3"/>
+            <p:cNvSpPr/>
+            <p:nvPr/>
+          </p:nvSpPr>
+          <p:spPr>
+            <a:xfrm>
+              <a:off x="278892" y="387095"/>
+              <a:ext cx="73660" cy="325120"/>
+            </a:xfrm>
+            <a:custGeom>
+              <a:avLst/>
+              <a:gdLst/>
+              <a:ahLst/>
+              <a:cxnLst/>
+              <a:rect l="l" t="t" r="r" b="b"/>
+              <a:pathLst>
+                <a:path w="73660" h="325120">
+                  <a:moveTo>
+                    <a:pt x="0" y="324612"/>
+                  </a:moveTo>
+                  <a:lnTo>
+                    <a:pt x="73151" y="324612"/>
+                  </a:lnTo>
+                  <a:lnTo>
+                    <a:pt x="73151" y="0"/>
+                  </a:lnTo>
+                  <a:lnTo>
+                    <a:pt x="0" y="0"/>
+                  </a:lnTo>
+                  <a:lnTo>
+                    <a:pt x="0" y="324612"/>
+                  </a:lnTo>
+                  <a:close/>
+                </a:path>
+              </a:pathLst>
+            </a:custGeom>
+            <a:solidFill>
+              <a:srgbClr val="4471C4"/>
+            </a:solidFill>
+          </p:spPr>
+          <p:txBody>
+            <a:bodyPr wrap="square" lIns="0" tIns="0" rIns="0" bIns="0" rtlCol="0"/>
+            <a:lstStyle/>
+            <a:p>
+              <a:endParaRPr/>
+            </a:p>
+          </p:txBody>
+        </p:sp>
+        <p:sp>
+          <p:nvSpPr>
+            <p:cNvPr id="4" name="object 4"/>
+            <p:cNvSpPr/>
+            <p:nvPr/>
+          </p:nvSpPr>
+          <p:spPr>
+            <a:xfrm>
+              <a:off x="89915" y="135636"/>
+              <a:ext cx="189230" cy="251460"/>
+            </a:xfrm>
+            <a:custGeom>
+              <a:avLst/>
+              <a:gdLst/>
+              <a:ahLst/>
+              <a:cxnLst/>
+              <a:rect l="l" t="t" r="r" b="b"/>
+              <a:pathLst>
+                <a:path w="189229" h="251460">
+                  <a:moveTo>
+                    <a:pt x="188976" y="0"/>
+                  </a:moveTo>
+                  <a:lnTo>
+                    <a:pt x="0" y="0"/>
+                  </a:lnTo>
+                  <a:lnTo>
+                    <a:pt x="0" y="251459"/>
+                  </a:lnTo>
+                  <a:lnTo>
+                    <a:pt x="188976" y="251459"/>
+                  </a:lnTo>
+                  <a:lnTo>
+                    <a:pt x="188976" y="0"/>
+                  </a:lnTo>
+                  <a:close/>
+                </a:path>
+              </a:pathLst>
+            </a:custGeom>
+            <a:solidFill>
+              <a:srgbClr val="2E5496"/>
+            </a:solidFill>
+          </p:spPr>
+          <p:txBody>
+            <a:bodyPr wrap="square" lIns="0" tIns="0" rIns="0" bIns="0" rtlCol="0"/>
+            <a:lstStyle/>
+            <a:p>
+              <a:endParaRPr/>
+            </a:p>
+          </p:txBody>
+        </p:sp>
+      </p:grpSp>
+      <p:grpSp>
+        <p:nvGrpSpPr>
+          <p:cNvPr id="5" name="object 5"/>
+          <p:cNvGrpSpPr/>
+          <p:nvPr/>
+        </p:nvGrpSpPr>
+        <p:grpSpPr>
+          <a:xfrm>
+            <a:off x="0" y="6304788"/>
+            <a:ext cx="9144000" cy="553720"/>
+            <a:chOff x="0" y="6304788"/>
+            <a:chExt cx="9144000" cy="553720"/>
+          </a:xfrm>
+        </p:grpSpPr>
+        <p:sp>
+          <p:nvSpPr>
+            <p:cNvPr id="6" name="object 6"/>
+            <p:cNvSpPr/>
+            <p:nvPr/>
+          </p:nvSpPr>
+          <p:spPr>
+            <a:xfrm>
+              <a:off x="8420100" y="6318503"/>
+              <a:ext cx="405765" cy="539750"/>
+            </a:xfrm>
+            <a:custGeom>
+              <a:avLst/>
+              <a:gdLst/>
+              <a:ahLst/>
+              <a:cxnLst/>
+              <a:rect l="l" t="t" r="r" b="b"/>
+              <a:pathLst>
+                <a:path w="405765" h="539750">
+                  <a:moveTo>
+                    <a:pt x="405383" y="0"/>
+                  </a:moveTo>
+                  <a:lnTo>
+                    <a:pt x="0" y="0"/>
+                  </a:lnTo>
+                  <a:lnTo>
+                    <a:pt x="0" y="539496"/>
+                  </a:lnTo>
+                  <a:lnTo>
+                    <a:pt x="405383" y="539496"/>
+                  </a:lnTo>
+                  <a:lnTo>
+                    <a:pt x="405383" y="0"/>
+                  </a:lnTo>
+                  <a:close/>
+                </a:path>
+              </a:pathLst>
+            </a:custGeom>
+            <a:solidFill>
+              <a:srgbClr val="4471C4"/>
+            </a:solidFill>
+          </p:spPr>
+          <p:txBody>
+            <a:bodyPr wrap="square" lIns="0" tIns="0" rIns="0" bIns="0" rtlCol="0"/>
+            <a:lstStyle/>
+            <a:p>
+              <a:endParaRPr/>
+            </a:p>
+          </p:txBody>
+        </p:sp>
+        <p:sp>
+          <p:nvSpPr>
+            <p:cNvPr id="7" name="object 7"/>
+            <p:cNvSpPr/>
+            <p:nvPr/>
+          </p:nvSpPr>
+          <p:spPr>
+            <a:xfrm>
+              <a:off x="0" y="6307836"/>
+              <a:ext cx="9144000" cy="0"/>
+            </a:xfrm>
+            <a:custGeom>
+              <a:avLst/>
+              <a:gdLst/>
+              <a:ahLst/>
+              <a:cxnLst/>
+              <a:rect l="l" t="t" r="r" b="b"/>
+              <a:pathLst>
+                <a:path w="9144000">
+                  <a:moveTo>
+                    <a:pt x="0" y="0"/>
+                  </a:moveTo>
+                  <a:lnTo>
+                    <a:pt x="9144000" y="0"/>
+                  </a:lnTo>
+                </a:path>
+              </a:pathLst>
+            </a:custGeom>
+            <a:ln w="6096">
+              <a:solidFill>
+                <a:srgbClr val="4471C4"/>
+              </a:solidFill>
+            </a:ln>
+          </p:spPr>
+          <p:txBody>
+            <a:bodyPr wrap="square" lIns="0" tIns="0" rIns="0" bIns="0" rtlCol="0"/>
+            <a:lstStyle/>
+            <a:p>
+              <a:endParaRPr/>
+            </a:p>
+          </p:txBody>
+        </p:sp>
+      </p:grpSp>
+      <p:grpSp>
+        <p:nvGrpSpPr>
+          <p:cNvPr id="8" name="object 8"/>
+          <p:cNvGrpSpPr/>
+          <p:nvPr/>
+        </p:nvGrpSpPr>
+        <p:grpSpPr>
+          <a:xfrm>
+            <a:off x="348995" y="207263"/>
+            <a:ext cx="7827645" cy="591820"/>
+            <a:chOff x="348995" y="207263"/>
+            <a:chExt cx="7827645" cy="591820"/>
+          </a:xfrm>
+        </p:grpSpPr>
+        <p:sp>
+          <p:nvSpPr>
+            <p:cNvPr id="9" name="object 9"/>
+            <p:cNvSpPr/>
+            <p:nvPr/>
+          </p:nvSpPr>
+          <p:spPr>
+            <a:xfrm>
+              <a:off x="739902" y="483870"/>
+              <a:ext cx="7047230" cy="0"/>
+            </a:xfrm>
+            <a:custGeom>
+              <a:avLst/>
+              <a:gdLst/>
+              <a:ahLst/>
+              <a:cxnLst/>
+              <a:rect l="l" t="t" r="r" b="b"/>
+              <a:pathLst>
+                <a:path w="7047230">
+                  <a:moveTo>
+                    <a:pt x="0" y="0"/>
+                  </a:moveTo>
+                  <a:lnTo>
+                    <a:pt x="7046976" y="0"/>
+                  </a:lnTo>
+                </a:path>
+              </a:pathLst>
+            </a:custGeom>
+            <a:ln w="22860">
+              <a:solidFill>
+                <a:srgbClr val="006FC0"/>
+              </a:solidFill>
+            </a:ln>
+          </p:spPr>
+          <p:txBody>
+            <a:bodyPr wrap="square" lIns="0" tIns="0" rIns="0" bIns="0" rtlCol="0"/>
+            <a:lstStyle/>
+            <a:p>
+              <a:endParaRPr/>
+            </a:p>
+          </p:txBody>
+        </p:sp>
+        <p:sp>
+          <p:nvSpPr>
+            <p:cNvPr id="10" name="object 10"/>
+            <p:cNvSpPr/>
+            <p:nvPr/>
+          </p:nvSpPr>
+          <p:spPr>
+            <a:xfrm>
+              <a:off x="1028700" y="210311"/>
+              <a:ext cx="7145020" cy="585470"/>
+            </a:xfrm>
+            <a:custGeom>
+              <a:avLst/>
+              <a:gdLst/>
+              <a:ahLst/>
+              <a:cxnLst/>
+              <a:rect l="l" t="t" r="r" b="b"/>
+              <a:pathLst>
+                <a:path w="7145020" h="585470">
+                  <a:moveTo>
+                    <a:pt x="7144511" y="0"/>
+                  </a:moveTo>
+                  <a:lnTo>
+                    <a:pt x="0" y="0"/>
+                  </a:lnTo>
+                  <a:lnTo>
+                    <a:pt x="0" y="585216"/>
+                  </a:lnTo>
+                  <a:lnTo>
+                    <a:pt x="7144511" y="585216"/>
+                  </a:lnTo>
+                  <a:lnTo>
+                    <a:pt x="7144511" y="0"/>
+                  </a:lnTo>
+                  <a:close/>
+                </a:path>
+              </a:pathLst>
+            </a:custGeom>
+            <a:solidFill>
+              <a:srgbClr val="006FC0"/>
+            </a:solidFill>
+          </p:spPr>
+          <p:txBody>
+            <a:bodyPr wrap="square" lIns="0" tIns="0" rIns="0" bIns="0" rtlCol="0"/>
+            <a:lstStyle/>
+            <a:p>
+              <a:endParaRPr/>
+            </a:p>
+          </p:txBody>
+        </p:sp>
+        <p:sp>
+          <p:nvSpPr>
+            <p:cNvPr id="11" name="object 11"/>
+            <p:cNvSpPr/>
+            <p:nvPr/>
+          </p:nvSpPr>
+          <p:spPr>
+            <a:xfrm>
+              <a:off x="1028700" y="210311"/>
+              <a:ext cx="7145020" cy="585470"/>
+            </a:xfrm>
+            <a:custGeom>
+              <a:avLst/>
+              <a:gdLst/>
+              <a:ahLst/>
+              <a:cxnLst/>
+              <a:rect l="l" t="t" r="r" b="b"/>
+              <a:pathLst>
+                <a:path w="7145020" h="585470">
+                  <a:moveTo>
+                    <a:pt x="0" y="585216"/>
+                  </a:moveTo>
+                  <a:lnTo>
+                    <a:pt x="7144511" y="585216"/>
+                  </a:lnTo>
+                  <a:lnTo>
+                    <a:pt x="7144511" y="0"/>
+                  </a:lnTo>
+                  <a:lnTo>
+                    <a:pt x="0" y="0"/>
+                  </a:lnTo>
+                  <a:lnTo>
+                    <a:pt x="0" y="585216"/>
+                  </a:lnTo>
+                  <a:close/>
+                </a:path>
+              </a:pathLst>
+            </a:custGeom>
+            <a:ln w="6096">
+              <a:solidFill>
+                <a:srgbClr val="006FC0"/>
+              </a:solidFill>
+            </a:ln>
+          </p:spPr>
+          <p:txBody>
+            <a:bodyPr wrap="square" lIns="0" tIns="0" rIns="0" bIns="0" rtlCol="0"/>
+            <a:lstStyle/>
+            <a:p>
+              <a:endParaRPr/>
+            </a:p>
+          </p:txBody>
+        </p:sp>
+        <p:sp>
+          <p:nvSpPr>
+            <p:cNvPr id="12" name="object 12"/>
+            <p:cNvSpPr/>
+            <p:nvPr/>
+          </p:nvSpPr>
+          <p:spPr>
+            <a:xfrm>
+              <a:off x="352043" y="210311"/>
+              <a:ext cx="516890" cy="585470"/>
+            </a:xfrm>
+            <a:custGeom>
+              <a:avLst/>
+              <a:gdLst/>
+              <a:ahLst/>
+              <a:cxnLst/>
+              <a:rect l="l" t="t" r="r" b="b"/>
+              <a:pathLst>
+                <a:path w="516890" h="585470">
+                  <a:moveTo>
+                    <a:pt x="516636" y="0"/>
+                  </a:moveTo>
+                  <a:lnTo>
+                    <a:pt x="0" y="0"/>
+                  </a:lnTo>
+                  <a:lnTo>
+                    <a:pt x="0" y="585216"/>
+                  </a:lnTo>
+                  <a:lnTo>
+                    <a:pt x="516636" y="585216"/>
+                  </a:lnTo>
+                  <a:lnTo>
+                    <a:pt x="516636" y="0"/>
+                  </a:lnTo>
+                  <a:close/>
+                </a:path>
+              </a:pathLst>
+            </a:custGeom>
+            <a:solidFill>
+              <a:srgbClr val="006FC0"/>
+            </a:solidFill>
+          </p:spPr>
+          <p:txBody>
+            <a:bodyPr wrap="square" lIns="0" tIns="0" rIns="0" bIns="0" rtlCol="0"/>
+            <a:lstStyle/>
+            <a:p>
+              <a:endParaRPr/>
+            </a:p>
+          </p:txBody>
+        </p:sp>
+        <p:sp>
+          <p:nvSpPr>
+            <p:cNvPr id="13" name="object 13"/>
+            <p:cNvSpPr/>
+            <p:nvPr/>
+          </p:nvSpPr>
+          <p:spPr>
+            <a:xfrm>
+              <a:off x="352043" y="210311"/>
+              <a:ext cx="516890" cy="585470"/>
+            </a:xfrm>
+            <a:custGeom>
+              <a:avLst/>
+              <a:gdLst/>
+              <a:ahLst/>
+              <a:cxnLst/>
+              <a:rect l="l" t="t" r="r" b="b"/>
+              <a:pathLst>
+                <a:path w="516890" h="585470">
+                  <a:moveTo>
+                    <a:pt x="0" y="585216"/>
+                  </a:moveTo>
+                  <a:lnTo>
+                    <a:pt x="516636" y="585216"/>
+                  </a:lnTo>
+                  <a:lnTo>
+                    <a:pt x="516636" y="0"/>
+                  </a:lnTo>
+                  <a:lnTo>
+                    <a:pt x="0" y="0"/>
+                  </a:lnTo>
+                  <a:lnTo>
+                    <a:pt x="0" y="585216"/>
+                  </a:lnTo>
+                  <a:close/>
+                </a:path>
+              </a:pathLst>
+            </a:custGeom>
+            <a:ln w="6096">
+              <a:solidFill>
+                <a:srgbClr val="006FC0"/>
+              </a:solidFill>
+            </a:ln>
+          </p:spPr>
+          <p:txBody>
+            <a:bodyPr wrap="square" lIns="0" tIns="0" rIns="0" bIns="0" rtlCol="0"/>
+            <a:lstStyle/>
+            <a:p>
+              <a:endParaRPr/>
+            </a:p>
+          </p:txBody>
+        </p:sp>
+      </p:grpSp>
+      <p:sp>
+        <p:nvSpPr>
+          <p:cNvPr id="14" name="object 14"/>
+          <p:cNvSpPr txBox="1">
+            <a:spLocks noGrp="1"/>
+          </p:cNvSpPr>
+          <p:nvPr>
+            <p:ph type="title"/>
+          </p:nvPr>
+        </p:nvSpPr>
+        <p:spPr>
+          <a:xfrm>
+            <a:off x="438912" y="214481"/>
+            <a:ext cx="7716419" cy="566822"/>
+          </a:xfrm>
+          <a:prstGeom prst="rect">
+            <a:avLst/>
+          </a:prstGeom>
+        </p:spPr>
+        <p:txBody>
+          <a:bodyPr vert="horz" wrap="square" lIns="0" tIns="12700" rIns="0" bIns="0" rtlCol="0">
+            <a:spAutoFit/>
+          </a:bodyPr>
+          <a:lstStyle/>
+          <a:p>
+            <a:pPr marL="12700" algn="l">
+              <a:lnSpc>
+                <a:spcPct val="100000"/>
+              </a:lnSpc>
+              <a:spcBef>
+                <a:spcPts val="100"/>
+              </a:spcBef>
+              <a:tabLst>
+                <a:tab pos="2315845" algn="l"/>
+              </a:tabLst>
+            </a:pPr>
+            <a:r>
+              <a:rPr lang="en-US" altLang="zh-CN" spc="75" dirty="0"/>
+              <a:t>4   </a:t>
+            </a:r>
+            <a:r>
+              <a:rPr lang="zh-CN" altLang="en-US" spc="75" dirty="0"/>
+              <a:t>性能分析</a:t>
+            </a:r>
+            <a:endParaRPr lang="zh-CN" altLang="en-US" sz="2000" spc="75" dirty="0"/>
+          </a:p>
+        </p:txBody>
+      </p:sp>
+      <p:sp>
+        <p:nvSpPr>
+          <p:cNvPr id="17" name="object 17"/>
+          <p:cNvSpPr txBox="1">
+            <a:spLocks noGrp="1"/>
+          </p:cNvSpPr>
+          <p:nvPr>
+            <p:ph type="sldNum" sz="quarter" idx="7"/>
+          </p:nvPr>
+        </p:nvSpPr>
+        <p:spPr>
+          <a:prstGeom prst="rect">
+            <a:avLst/>
+          </a:prstGeom>
+        </p:spPr>
+        <p:txBody>
+          <a:bodyPr vert="horz" wrap="square" lIns="0" tIns="0" rIns="0" bIns="0" rtlCol="0">
+            <a:spAutoFit/>
+          </a:bodyPr>
+          <a:lstStyle/>
+          <a:p>
+            <a:pPr marL="38100">
+              <a:lnSpc>
+                <a:spcPts val="2005"/>
+              </a:lnSpc>
+            </a:pPr>
+            <a:fld id="{81D60167-4931-47E6-BA6A-407CBD079E47}" type="slidenum">
+              <a:rPr dirty="0"/>
+              <a:t>20</a:t>
+            </a:fld>
+            <a:endParaRPr dirty="0"/>
+          </a:p>
+        </p:txBody>
+      </p:sp>
+      <p:sp>
+        <p:nvSpPr>
+          <p:cNvPr id="36" name="文本框 35">
+            <a:extLst>
+              <a:ext uri="{FF2B5EF4-FFF2-40B4-BE49-F238E27FC236}">
+                <a16:creationId xmlns:a16="http://schemas.microsoft.com/office/drawing/2014/main" id="{B280E857-AB66-40A2-9763-9DFB5537DD1C}"/>
+              </a:ext>
+            </a:extLst>
+          </p:cNvPr>
+          <p:cNvSpPr txBox="1"/>
+          <p:nvPr/>
+        </p:nvSpPr>
+        <p:spPr>
+          <a:xfrm>
+            <a:off x="293826" y="857623"/>
+            <a:ext cx="4576762" cy="461665"/>
+          </a:xfrm>
+          <a:prstGeom prst="rect">
+            <a:avLst/>
+          </a:prstGeom>
+          <a:noFill/>
+        </p:spPr>
+        <p:txBody>
+          <a:bodyPr wrap="square">
+            <a:spAutoFit/>
+          </a:bodyPr>
+          <a:lstStyle/>
+          <a:p>
+            <a:pPr marL="12700">
+              <a:lnSpc>
+                <a:spcPct val="100000"/>
+              </a:lnSpc>
+              <a:spcBef>
+                <a:spcPts val="95"/>
+              </a:spcBef>
+            </a:pPr>
+            <a:r>
+              <a:rPr lang="en-US" altLang="zh-CN" sz="2400" spc="-5" dirty="0">
+                <a:latin typeface="微软雅黑" panose="020B0503020204020204" pitchFamily="34" charset="-122"/>
+                <a:ea typeface="微软雅黑" panose="020B0503020204020204" pitchFamily="34" charset="-122"/>
+                <a:cs typeface="微软雅黑"/>
+              </a:rPr>
+              <a:t>4.4 </a:t>
+            </a:r>
+            <a:r>
+              <a:rPr lang="zh-CN" altLang="en-US" sz="2400" spc="-10" dirty="0">
+                <a:latin typeface="微软雅黑" panose="020B0503020204020204" pitchFamily="34" charset="-122"/>
+                <a:ea typeface="微软雅黑" panose="020B0503020204020204" pitchFamily="34" charset="-122"/>
+                <a:cs typeface="微软雅黑"/>
+              </a:rPr>
+              <a:t>定位时间</a:t>
+            </a:r>
+            <a:endParaRPr lang="zh-CN" altLang="en-US" sz="2400" dirty="0">
+              <a:latin typeface="微软雅黑" panose="020B0503020204020204" pitchFamily="34" charset="-122"/>
+              <a:ea typeface="微软雅黑" panose="020B0503020204020204" pitchFamily="34" charset="-122"/>
+              <a:cs typeface="微软雅黑"/>
+            </a:endParaRPr>
+          </a:p>
+        </p:txBody>
+      </p:sp>
+      <p:sp>
+        <p:nvSpPr>
+          <p:cNvPr id="25" name="文本框 24">
+            <a:extLst>
+              <a:ext uri="{FF2B5EF4-FFF2-40B4-BE49-F238E27FC236}">
+                <a16:creationId xmlns:a16="http://schemas.microsoft.com/office/drawing/2014/main" id="{839BF738-E190-4B99-8826-9F02A67EF553}"/>
+              </a:ext>
+            </a:extLst>
+          </p:cNvPr>
+          <p:cNvSpPr txBox="1"/>
+          <p:nvPr/>
+        </p:nvSpPr>
+        <p:spPr>
+          <a:xfrm>
+            <a:off x="691007" y="1435000"/>
+            <a:ext cx="7145020" cy="369332"/>
+          </a:xfrm>
+          <a:prstGeom prst="rect">
+            <a:avLst/>
+          </a:prstGeom>
+          <a:noFill/>
+        </p:spPr>
+        <p:txBody>
+          <a:bodyPr wrap="square">
+            <a:spAutoFit/>
+          </a:bodyPr>
+          <a:lstStyle/>
+          <a:p>
+            <a:pPr marL="285750" indent="-285750">
+              <a:buFont typeface="Arial" panose="020B0604020202020204" pitchFamily="34" charset="0"/>
+              <a:buChar char="•"/>
+            </a:pPr>
+            <a:r>
+              <a:rPr lang="zh-CN" altLang="en-US" dirty="0"/>
+              <a:t>用户发送定位请求到收到定位结果的消耗时间</a:t>
+            </a:r>
+            <a:endParaRPr lang="en-US" altLang="zh-CN" dirty="0"/>
+          </a:p>
+        </p:txBody>
+      </p:sp>
+      <p:sp>
+        <p:nvSpPr>
+          <p:cNvPr id="22" name="文本框 21">
+            <a:extLst>
+              <a:ext uri="{FF2B5EF4-FFF2-40B4-BE49-F238E27FC236}">
+                <a16:creationId xmlns:a16="http://schemas.microsoft.com/office/drawing/2014/main" id="{253AE224-D43F-4867-A96C-F1511E0807B5}"/>
+              </a:ext>
+            </a:extLst>
+          </p:cNvPr>
+          <p:cNvSpPr txBox="1"/>
+          <p:nvPr/>
+        </p:nvSpPr>
+        <p:spPr>
+          <a:xfrm>
+            <a:off x="753407" y="2494324"/>
+            <a:ext cx="1828800" cy="369326"/>
+          </a:xfrm>
+          <a:prstGeom prst="rect">
+            <a:avLst/>
+          </a:prstGeom>
+          <a:noFill/>
+        </p:spPr>
+        <p:txBody>
+          <a:bodyPr wrap="square" rtlCol="0">
+            <a:spAutoFit/>
+          </a:bodyPr>
+          <a:lstStyle/>
+          <a:p>
+            <a:r>
+              <a:rPr lang="zh-CN" altLang="en-US" dirty="0"/>
+              <a:t>代码链接：</a:t>
+            </a:r>
+          </a:p>
+        </p:txBody>
+      </p:sp>
+    </p:spTree>
+    <p:extLst>
+      <p:ext uri="{BB962C8B-B14F-4D97-AF65-F5344CB8AC3E}">
+        <p14:creationId xmlns:p14="http://schemas.microsoft.com/office/powerpoint/2010/main" val="5896213"/>
+      </p:ext>
+    </p:extLst>
+  </p:cSld>
+  <p:clrMapOvr>
+    <a:masterClrMapping/>
+  </p:clrMapOvr>
+</p:sld>
+</file>
+
+<file path=ppt/slides/slide21.xml><?xml version="1.0" encoding="utf-8"?>
 <p:sld xmlns:a="http://schemas.openxmlformats.org/drawingml/2006/main" xmlns:r="http://schemas.openxmlformats.org/officeDocument/2006/relationships" xmlns:p="http://schemas.openxmlformats.org/presentationml/2006/main">
   <p:cSld>
     <p:spTree>
@@ -18972,7 +19643,7 @@
 </p:sld>
 </file>
 
-<file path=ppt/slides/slide21.xml><?xml version="1.0" encoding="utf-8"?>
+<file path=ppt/slides/slide22.xml><?xml version="1.0" encoding="utf-8"?>
 <p:sld xmlns:a="http://schemas.openxmlformats.org/drawingml/2006/main" xmlns:r="http://schemas.openxmlformats.org/officeDocument/2006/relationships" xmlns:p="http://schemas.openxmlformats.org/presentationml/2006/main">
   <p:cSld>
     <p:spTree>
@@ -19587,7 +20258,7 @@
             </a:pPr>
             <a:fld id="{81D60167-4931-47E6-BA6A-407CBD079E47}" type="slidenum">
               <a:rPr dirty="0"/>
-              <a:t>21</a:t>
+              <a:t>22</a:t>
             </a:fld>
             <a:endParaRPr dirty="0"/>
           </a:p>
@@ -19702,7 +20373,7 @@
 </p:sld>
 </file>
 
-<file path=ppt/slides/slide22.xml><?xml version="1.0" encoding="utf-8"?>
+<file path=ppt/slides/slide23.xml><?xml version="1.0" encoding="utf-8"?>
 <p:sld xmlns:a="http://schemas.openxmlformats.org/drawingml/2006/main" xmlns:r="http://schemas.openxmlformats.org/officeDocument/2006/relationships" xmlns:p="http://schemas.openxmlformats.org/presentationml/2006/main">
   <p:cSld>
     <p:spTree>
@@ -20115,7 +20786,7 @@
 </p:sld>
 </file>
 
-<file path=ppt/slides/slide23.xml><?xml version="1.0" encoding="utf-8"?>
+<file path=ppt/slides/slide24.xml><?xml version="1.0" encoding="utf-8"?>
 <p:sld xmlns:a="http://schemas.openxmlformats.org/drawingml/2006/main" xmlns:r="http://schemas.openxmlformats.org/officeDocument/2006/relationships" xmlns:p="http://schemas.openxmlformats.org/presentationml/2006/main">
   <p:cSld>
     <p:spTree>
@@ -20730,7 +21401,7 @@
             </a:pPr>
             <a:fld id="{81D60167-4931-47E6-BA6A-407CBD079E47}" type="slidenum">
               <a:rPr dirty="0"/>
-              <a:t>23</a:t>
+              <a:t>24</a:t>
             </a:fld>
             <a:endParaRPr dirty="0"/>
           </a:p>
@@ -20927,7 +21598,7 @@
 </p:sld>
 </file>
 
-<file path=ppt/slides/slide24.xml><?xml version="1.0" encoding="utf-8"?>
+<file path=ppt/slides/slide25.xml><?xml version="1.0" encoding="utf-8"?>
 <p:sld xmlns:a="http://schemas.openxmlformats.org/drawingml/2006/main" xmlns:r="http://schemas.openxmlformats.org/officeDocument/2006/relationships" xmlns:p="http://schemas.openxmlformats.org/presentationml/2006/main" showMasterSp="0">
   <p:cSld>
     <p:spTree>

--- a/卫星定位/WIFI室内定位方法综述.pptx
+++ b/卫星定位/WIFI室内定位方法综述.pptx
@@ -19202,11 +19202,127 @@
           <a:p>
             <a:r>
               <a:rPr lang="zh-CN" altLang="en-US" dirty="0"/>
-              <a:t>代码链接：</a:t>
+              <a:t>代码：</a:t>
             </a:r>
           </a:p>
         </p:txBody>
       </p:sp>
+      <p:pic>
+        <p:nvPicPr>
+          <p:cNvPr id="16" name="图片 15" descr="图形用户界面&#10;&#10;中度可信度描述已自动生成">
+            <a:extLst>
+              <a:ext uri="{FF2B5EF4-FFF2-40B4-BE49-F238E27FC236}">
+                <a16:creationId xmlns:a16="http://schemas.microsoft.com/office/drawing/2014/main" id="{3A8B4E5A-19D0-4A74-AF26-A43686F8D8D5}"/>
+              </a:ext>
+            </a:extLst>
+          </p:cNvPr>
+          <p:cNvPicPr>
+            <a:picLocks noChangeAspect="1"/>
+          </p:cNvPicPr>
+          <p:nvPr/>
+        </p:nvPicPr>
+        <p:blipFill>
+          <a:blip r:embed="rId3">
+            <a:extLst>
+              <a:ext uri="{28A0092B-C50C-407E-A947-70E740481C1C}">
+                <a14:useLocalDpi xmlns:a14="http://schemas.microsoft.com/office/drawing/2010/main" val="0"/>
+              </a:ext>
+            </a:extLst>
+          </a:blip>
+          <a:stretch>
+            <a:fillRect/>
+          </a:stretch>
+        </p:blipFill>
+        <p:spPr>
+          <a:xfrm>
+            <a:off x="376120" y="3077796"/>
+            <a:ext cx="8415836" cy="2911640"/>
+          </a:xfrm>
+          <a:prstGeom prst="rect">
+            <a:avLst/>
+          </a:prstGeom>
+        </p:spPr>
+      </p:pic>
+      <p:sp>
+        <p:nvSpPr>
+          <p:cNvPr id="23" name="文本框 22">
+            <a:extLst>
+              <a:ext uri="{FF2B5EF4-FFF2-40B4-BE49-F238E27FC236}">
+                <a16:creationId xmlns:a16="http://schemas.microsoft.com/office/drawing/2014/main" id="{87AF948F-8983-4A47-AC26-31289431E10E}"/>
+              </a:ext>
+            </a:extLst>
+          </p:cNvPr>
+          <p:cNvSpPr txBox="1"/>
+          <p:nvPr/>
+        </p:nvSpPr>
+        <p:spPr>
+          <a:xfrm>
+            <a:off x="8666" y="6367114"/>
+            <a:ext cx="8525734" cy="369332"/>
+          </a:xfrm>
+          <a:prstGeom prst="rect">
+            <a:avLst/>
+          </a:prstGeom>
+          <a:noFill/>
+        </p:spPr>
+        <p:txBody>
+          <a:bodyPr wrap="square">
+            <a:spAutoFit/>
+          </a:bodyPr>
+          <a:lstStyle/>
+          <a:p>
+            <a:r>
+              <a:rPr lang="en-US" altLang="zh-CN" sz="1800" b="1" dirty="0"/>
+              <a:t> </a:t>
+            </a:r>
+            <a:r>
+              <a:rPr lang="zh-CN" altLang="en-US" sz="1800" b="1" dirty="0"/>
+              <a:t>*数据集来自</a:t>
+            </a:r>
+            <a:r>
+              <a:rPr lang="en-US" altLang="zh-CN" sz="1800" b="1" dirty="0"/>
+              <a:t>http://archive.ics.uci.edu/ml/datasets/Wireless+Indoor+Localization</a:t>
+            </a:r>
+            <a:endParaRPr lang="zh-CN" altLang="en-US" sz="1800" b="1" dirty="0"/>
+          </a:p>
+        </p:txBody>
+      </p:sp>
+      <p:pic>
+        <p:nvPicPr>
+          <p:cNvPr id="20" name="图片 19">
+            <a:extLst>
+              <a:ext uri="{FF2B5EF4-FFF2-40B4-BE49-F238E27FC236}">
+                <a16:creationId xmlns:a16="http://schemas.microsoft.com/office/drawing/2014/main" id="{2519447C-3E6F-4647-A3A7-32704CAE9374}"/>
+              </a:ext>
+            </a:extLst>
+          </p:cNvPr>
+          <p:cNvPicPr>
+            <a:picLocks noChangeAspect="1"/>
+          </p:cNvPicPr>
+          <p:nvPr/>
+        </p:nvPicPr>
+        <p:blipFill>
+          <a:blip r:embed="rId4">
+            <a:extLst>
+              <a:ext uri="{28A0092B-C50C-407E-A947-70E740481C1C}">
+                <a14:useLocalDpi xmlns:a14="http://schemas.microsoft.com/office/drawing/2010/main" val="0"/>
+              </a:ext>
+            </a:extLst>
+          </a:blip>
+          <a:stretch>
+            <a:fillRect/>
+          </a:stretch>
+        </p:blipFill>
+        <p:spPr>
+          <a:xfrm>
+            <a:off x="602632" y="5805724"/>
+            <a:ext cx="3927504" cy="273767"/>
+          </a:xfrm>
+          <a:prstGeom prst="rect">
+            <a:avLst/>
+          </a:prstGeom>
+        </p:spPr>
+      </p:pic>
     </p:spTree>
     <p:extLst>
       <p:ext uri="{BB962C8B-B14F-4D97-AF65-F5344CB8AC3E}">

--- a/卫星定位/WIFI室内定位方法综述.pptx
+++ b/卫星定位/WIFI室内定位方法综述.pptx
@@ -19235,7 +19235,7 @@
         </p:blipFill>
         <p:spPr>
           <a:xfrm>
-            <a:off x="376120" y="3077796"/>
+            <a:off x="301582" y="3016381"/>
             <a:ext cx="8415836" cy="2911640"/>
           </a:xfrm>
           <a:prstGeom prst="rect">
@@ -19257,8 +19257,8 @@
         </p:nvSpPr>
         <p:spPr>
           <a:xfrm>
-            <a:off x="8666" y="6367114"/>
-            <a:ext cx="8525734" cy="369332"/>
+            <a:off x="162534" y="6265212"/>
+            <a:ext cx="8525734" cy="830997"/>
           </a:xfrm>
           <a:prstGeom prst="rect">
             <a:avLst/>
@@ -19272,18 +19272,36 @@
           <a:lstStyle/>
           <a:p>
             <a:r>
-              <a:rPr lang="en-US" altLang="zh-CN" sz="1800" b="1" dirty="0"/>
+              <a:rPr lang="en-US" altLang="zh-CN" sz="1600" b="1" dirty="0"/>
               <a:t> </a:t>
             </a:r>
             <a:r>
-              <a:rPr lang="zh-CN" altLang="en-US" sz="1800" b="1" dirty="0"/>
+              <a:rPr lang="zh-CN" altLang="en-US" sz="1600" b="1" dirty="0"/>
               <a:t>*数据集来自</a:t>
             </a:r>
             <a:r>
-              <a:rPr lang="en-US" altLang="zh-CN" sz="1800" b="1" dirty="0"/>
+              <a:rPr lang="en-US" altLang="zh-CN" sz="1600" b="1" dirty="0">
+                <a:hlinkClick r:id="rId4"/>
+              </a:rPr>
               <a:t>http://archive.ics.uci.edu/ml/datasets/Wireless+Indoor+Localization</a:t>
             </a:r>
-            <a:endParaRPr lang="zh-CN" altLang="en-US" sz="1800" b="1" dirty="0"/>
+            <a:endParaRPr lang="en-US" altLang="zh-CN" sz="1600" b="1" dirty="0"/>
+          </a:p>
+          <a:p>
+            <a:r>
+              <a:rPr lang="en-US" altLang="zh-CN" sz="1600" b="1" dirty="0"/>
+              <a:t>                         </a:t>
+            </a:r>
+            <a:r>
+              <a:rPr lang="en-US" altLang="zh-CN" sz="1600" b="1" dirty="0">
+                <a:hlinkClick r:id="rId5"/>
+              </a:rPr>
+              <a:t>https://archive.ics.uci.edu/ml/datasets/ujiindoorloc</a:t>
+            </a:r>
+            <a:endParaRPr lang="en-US" altLang="zh-CN" sz="1600" b="1" dirty="0"/>
+          </a:p>
+          <a:p>
+            <a:endParaRPr lang="en-US" altLang="zh-CN" sz="1600" b="1" dirty="0"/>
           </a:p>
         </p:txBody>
       </p:sp>
@@ -19302,7 +19320,7 @@
           <p:nvPr/>
         </p:nvPicPr>
         <p:blipFill>
-          <a:blip r:embed="rId4">
+          <a:blip r:embed="rId6">
             <a:extLst>
               <a:ext uri="{28A0092B-C50C-407E-A947-70E740481C1C}">
                 <a14:useLocalDpi xmlns:a14="http://schemas.microsoft.com/office/drawing/2010/main" val="0"/>

--- a/卫星定位/WIFI室内定位方法综述.pptx
+++ b/卫星定位/WIFI室内定位方法综述.pptx
@@ -5,7 +5,7 @@
     <p:sldMasterId id="2147483648" r:id="rId1"/>
   </p:sldMasterIdLst>
   <p:notesMasterIdLst>
-    <p:notesMasterId r:id="rId27"/>
+    <p:notesMasterId r:id="rId25"/>
   </p:notesMasterIdLst>
   <p:sldIdLst>
     <p:sldId id="256" r:id="rId2"/>
@@ -30,9 +30,7 @@
     <p:sldId id="412" r:id="rId21"/>
     <p:sldId id="392" r:id="rId22"/>
     <p:sldId id="393" r:id="rId23"/>
-    <p:sldId id="400" r:id="rId24"/>
-    <p:sldId id="401" r:id="rId25"/>
-    <p:sldId id="278" r:id="rId26"/>
+    <p:sldId id="278" r:id="rId24"/>
   </p:sldIdLst>
   <p:sldSz cx="9144000" cy="6858000" type="screen4x3"/>
   <p:notesSz cx="9144000" cy="6858000"/>
@@ -748,7 +746,7 @@
           <a:p>
             <a:fld id="{17A18CE6-1491-459C-B74B-4B1155A702FB}" type="slidenum">
               <a:rPr lang="zh-CN" altLang="en-US" smtClean="0"/>
-              <a:t>25</a:t>
+              <a:t>23</a:t>
             </a:fld>
             <a:endParaRPr lang="zh-CN" altLang="en-US"/>
           </a:p>
@@ -19186,7 +19184,7 @@
         </p:nvSpPr>
         <p:spPr>
           <a:xfrm>
-            <a:off x="753407" y="2494324"/>
+            <a:off x="129559" y="2495585"/>
             <a:ext cx="1828800" cy="369326"/>
           </a:xfrm>
           <a:prstGeom prst="rect">
@@ -19202,7 +19200,7 @@
           <a:p>
             <a:r>
               <a:rPr lang="zh-CN" altLang="en-US" dirty="0"/>
-              <a:t>代码：</a:t>
+              <a:t>代码实现链接：</a:t>
             </a:r>
           </a:p>
         </p:txBody>
@@ -19257,8 +19255,8 @@
         </p:nvSpPr>
         <p:spPr>
           <a:xfrm>
-            <a:off x="162534" y="6265212"/>
-            <a:ext cx="8525734" cy="830997"/>
+            <a:off x="-76200" y="6265212"/>
+            <a:ext cx="8764468" cy="830997"/>
           </a:xfrm>
           <a:prstGeom prst="rect">
             <a:avLst/>
@@ -19277,26 +19275,58 @@
             </a:r>
             <a:r>
               <a:rPr lang="zh-CN" altLang="en-US" sz="1600" b="1" dirty="0"/>
-              <a:t>*数据集来自</a:t>
+              <a:t>*数据集</a:t>
+            </a:r>
+            <a:r>
+              <a:rPr lang="en-US" altLang="zh-CN" sz="1600" b="1" dirty="0"/>
+              <a:t>1</a:t>
+            </a:r>
+            <a:r>
+              <a:rPr lang="zh-CN" altLang="en-US" sz="1600" b="1" dirty="0"/>
+              <a:t>来自</a:t>
             </a:r>
             <a:r>
               <a:rPr lang="en-US" altLang="zh-CN" sz="1600" b="1" dirty="0">
                 <a:hlinkClick r:id="rId4"/>
               </a:rPr>
-              <a:t>http://archive.ics.uci.edu/ml/datasets/Wireless+Indoor+Localization</a:t>
+              <a:t>https://archive.ics.uci.edu/ml/datasets/ujiindoorloc</a:t>
+            </a:r>
+            <a:r>
+              <a:rPr lang="zh-CN" altLang="en-US" sz="1600" b="1" dirty="0"/>
+              <a:t>（无信号记为</a:t>
+            </a:r>
+            <a:r>
+              <a:rPr lang="en-US" altLang="zh-CN" sz="1600" b="1" dirty="0"/>
+              <a:t>100</a:t>
+            </a:r>
+            <a:r>
+              <a:rPr lang="zh-CN" altLang="en-US" sz="1600" b="1" dirty="0"/>
+              <a:t>导致效果不好）</a:t>
             </a:r>
             <a:endParaRPr lang="en-US" altLang="zh-CN" sz="1600" b="1" dirty="0"/>
           </a:p>
           <a:p>
             <a:r>
+              <a:rPr lang="zh-CN" altLang="en-US" sz="1600" b="1" dirty="0"/>
+              <a:t> *数据集</a:t>
+            </a:r>
+            <a:r>
               <a:rPr lang="en-US" altLang="zh-CN" sz="1600" b="1" dirty="0"/>
-              <a:t>                         </a:t>
+              <a:t>2</a:t>
+            </a:r>
+            <a:r>
+              <a:rPr lang="zh-CN" altLang="en-US" sz="1600" b="1" dirty="0"/>
+              <a:t>来自</a:t>
             </a:r>
             <a:r>
               <a:rPr lang="en-US" altLang="zh-CN" sz="1600" b="1" dirty="0">
                 <a:hlinkClick r:id="rId5"/>
               </a:rPr>
-              <a:t>https://archive.ics.uci.edu/ml/datasets/ujiindoorloc</a:t>
+              <a:t>https://github.com/jiangqideng/codeInBlogs/tree/master/</a:t>
+            </a:r>
+            <a:r>
+              <a:rPr lang="zh-CN" altLang="en-US" sz="1600" b="1" dirty="0"/>
+              <a:t>（信号传播模型生成）</a:t>
             </a:r>
             <a:endParaRPr lang="en-US" altLang="zh-CN" sz="1600" b="1" dirty="0"/>
           </a:p>
@@ -19305,42 +19335,47 @@
           </a:p>
         </p:txBody>
       </p:sp>
-      <p:pic>
-        <p:nvPicPr>
-          <p:cNvPr id="20" name="图片 19">
+      <p:sp>
+        <p:nvSpPr>
+          <p:cNvPr id="24" name="文本框 23">
             <a:extLst>
               <a:ext uri="{FF2B5EF4-FFF2-40B4-BE49-F238E27FC236}">
-                <a16:creationId xmlns:a16="http://schemas.microsoft.com/office/drawing/2014/main" id="{2519447C-3E6F-4647-A3A7-32704CAE9374}"/>
+                <a16:creationId xmlns:a16="http://schemas.microsoft.com/office/drawing/2014/main" id="{FD8A7F8E-A80E-4A79-A98A-FF5A9418E083}"/>
               </a:ext>
             </a:extLst>
           </p:cNvPr>
-          <p:cNvPicPr>
-            <a:picLocks noChangeAspect="1"/>
-          </p:cNvPicPr>
+          <p:cNvSpPr txBox="1"/>
           <p:nvPr/>
-        </p:nvPicPr>
-        <p:blipFill>
-          <a:blip r:embed="rId6">
-            <a:extLst>
-              <a:ext uri="{28A0092B-C50C-407E-A947-70E740481C1C}">
-                <a14:useLocalDpi xmlns:a14="http://schemas.microsoft.com/office/drawing/2010/main" val="0"/>
-              </a:ext>
-            </a:extLst>
-          </a:blip>
-          <a:stretch>
-            <a:fillRect/>
-          </a:stretch>
-        </p:blipFill>
+        </p:nvSpPr>
         <p:spPr>
           <a:xfrm>
-            <a:off x="602632" y="5805724"/>
-            <a:ext cx="3927504" cy="273767"/>
+            <a:off x="1752600" y="2381305"/>
+            <a:ext cx="6477000" cy="923330"/>
           </a:xfrm>
           <a:prstGeom prst="rect">
             <a:avLst/>
           </a:prstGeom>
+          <a:noFill/>
         </p:spPr>
-      </p:pic>
+        <p:txBody>
+          <a:bodyPr wrap="square">
+            <a:spAutoFit/>
+          </a:bodyPr>
+          <a:lstStyle/>
+          <a:p>
+            <a:r>
+              <a:rPr lang="zh-CN" altLang="en-US" dirty="0">
+                <a:hlinkClick r:id="rId6"/>
+              </a:rPr>
+              <a:t>https://gitee.com/jingwei1205/MyCourse/blob/master/%E5%8D%AB%E6%98%9F%E5%AE%9A%E4%BD%8D/locate.ipynb</a:t>
+            </a:r>
+            <a:endParaRPr lang="en-US" altLang="zh-CN" dirty="0"/>
+          </a:p>
+          <a:p>
+            <a:endParaRPr lang="zh-CN" altLang="en-US" dirty="0"/>
+          </a:p>
+        </p:txBody>
+      </p:sp>
     </p:spTree>
     <p:extLst>
       <p:ext uri="{BB962C8B-B14F-4D97-AF65-F5344CB8AC3E}">
@@ -19738,14 +19773,21 @@
               <a:defRPr/>
             </a:pPr>
             <a:r>
-              <a:rPr lang="zh-CN" altLang="en-US" sz="4400" dirty="0">
+              <a:rPr kumimoji="0" lang="zh-CN" altLang="en-US" sz="4400" b="0" i="0" u="none" strike="noStrike" kern="1200" cap="none" spc="0" normalizeH="0" baseline="0" noProof="0" dirty="0">
+                <a:ln>
+                  <a:noFill/>
+                </a:ln>
                 <a:solidFill>
                   <a:prstClr val="black"/>
                 </a:solidFill>
+                <a:effectLst/>
+                <a:uLnTx/>
+                <a:uFillTx/>
                 <a:latin typeface="等线" panose="02010600030101010101" charset="-122"/>
+                <a:ea typeface="+mn-ea"/>
                 <a:cs typeface="等线" panose="02010600030101010101" charset="-122"/>
               </a:rPr>
-              <a:t>训练方法</a:t>
+              <a:t>应用场景</a:t>
             </a:r>
             <a:endParaRPr kumimoji="0" sz="4400" b="0" i="0" u="none" strike="noStrike" kern="1200" cap="none" spc="0" normalizeH="0" baseline="0" noProof="0" dirty="0">
               <a:ln>
@@ -19794,42 +19836,6 @@
           <a:chExt cx="0" cy="0"/>
         </a:xfrm>
       </p:grpSpPr>
-      <p:pic>
-        <p:nvPicPr>
-          <p:cNvPr id="27" name="图片 26">
-            <a:extLst>
-              <a:ext uri="{FF2B5EF4-FFF2-40B4-BE49-F238E27FC236}">
-                <a16:creationId xmlns:a16="http://schemas.microsoft.com/office/drawing/2014/main" id="{BE362605-20B8-48BC-B693-A6571066316E}"/>
-              </a:ext>
-            </a:extLst>
-          </p:cNvPr>
-          <p:cNvPicPr>
-            <a:picLocks noChangeAspect="1"/>
-          </p:cNvPicPr>
-          <p:nvPr/>
-        </p:nvPicPr>
-        <p:blipFill>
-          <a:blip r:embed="rId2">
-            <a:extLst>
-              <a:ext uri="{28A0092B-C50C-407E-A947-70E740481C1C}">
-                <a14:useLocalDpi xmlns:a14="http://schemas.microsoft.com/office/drawing/2010/main" val="0"/>
-              </a:ext>
-            </a:extLst>
-          </a:blip>
-          <a:stretch>
-            <a:fillRect/>
-          </a:stretch>
-        </p:blipFill>
-        <p:spPr>
-          <a:xfrm>
-            <a:off x="533400" y="3382520"/>
-            <a:ext cx="6467475" cy="2914650"/>
-          </a:xfrm>
-          <a:prstGeom prst="rect">
-            <a:avLst/>
-          </a:prstGeom>
-        </p:spPr>
-      </p:pic>
       <p:grpSp>
         <p:nvGrpSpPr>
           <p:cNvPr id="2" name="object 2"/>
@@ -20355,7 +20361,7 @@
             </a:r>
             <a:r>
               <a:rPr lang="zh-CN" altLang="en-US" spc="75" dirty="0"/>
-              <a:t>训练方法</a:t>
+              <a:t>应用场景</a:t>
             </a:r>
             <a:br>
               <a:rPr lang="zh-CN" altLang="en-US" spc="75" dirty="0"/>
@@ -20458,42 +20464,6 @@
           </a:p>
         </p:txBody>
       </p:sp>
-      <p:pic>
-        <p:nvPicPr>
-          <p:cNvPr id="21" name="图片 20">
-            <a:extLst>
-              <a:ext uri="{FF2B5EF4-FFF2-40B4-BE49-F238E27FC236}">
-                <a16:creationId xmlns:a16="http://schemas.microsoft.com/office/drawing/2014/main" id="{8F0443C4-4A1B-4DB5-B172-99CE9EBA2397}"/>
-              </a:ext>
-            </a:extLst>
-          </p:cNvPr>
-          <p:cNvPicPr>
-            <a:picLocks noChangeAspect="1"/>
-          </p:cNvPicPr>
-          <p:nvPr/>
-        </p:nvPicPr>
-        <p:blipFill>
-          <a:blip r:embed="rId3">
-            <a:extLst>
-              <a:ext uri="{28A0092B-C50C-407E-A947-70E740481C1C}">
-                <a14:useLocalDpi xmlns:a14="http://schemas.microsoft.com/office/drawing/2010/main" val="0"/>
-              </a:ext>
-            </a:extLst>
-          </a:blip>
-          <a:stretch>
-            <a:fillRect/>
-          </a:stretch>
-        </p:blipFill>
-        <p:spPr>
-          <a:xfrm>
-            <a:off x="259614" y="1458236"/>
-            <a:ext cx="7458075" cy="2190750"/>
-          </a:xfrm>
-          <a:prstGeom prst="rect">
-            <a:avLst/>
-          </a:prstGeom>
-        </p:spPr>
-      </p:pic>
     </p:spTree>
     <p:extLst>
       <p:ext uri="{BB962C8B-B14F-4D97-AF65-F5344CB8AC3E}">
@@ -20508,1231 +20478,6 @@
 </file>
 
 <file path=ppt/slides/slide23.xml><?xml version="1.0" encoding="utf-8"?>
-<p:sld xmlns:a="http://schemas.openxmlformats.org/drawingml/2006/main" xmlns:r="http://schemas.openxmlformats.org/officeDocument/2006/relationships" xmlns:p="http://schemas.openxmlformats.org/presentationml/2006/main">
-  <p:cSld>
-    <p:spTree>
-      <p:nvGrpSpPr>
-        <p:cNvPr id="1" name=""/>
-        <p:cNvGrpSpPr/>
-        <p:nvPr/>
-      </p:nvGrpSpPr>
-      <p:grpSpPr>
-        <a:xfrm>
-          <a:off x="0" y="0"/>
-          <a:ext cx="0" cy="0"/>
-          <a:chOff x="0" y="0"/>
-          <a:chExt cx="0" cy="0"/>
-        </a:xfrm>
-      </p:grpSpPr>
-      <p:sp>
-        <p:nvSpPr>
-          <p:cNvPr id="2" name="object 2"/>
-          <p:cNvSpPr/>
-          <p:nvPr/>
-        </p:nvSpPr>
-        <p:spPr>
-          <a:xfrm>
-            <a:off x="0" y="0"/>
-            <a:ext cx="1691639" cy="6858000"/>
-          </a:xfrm>
-          <a:custGeom>
-            <a:avLst/>
-            <a:gdLst/>
-            <a:ahLst/>
-            <a:cxnLst/>
-            <a:rect l="l" t="t" r="r" b="b"/>
-            <a:pathLst>
-              <a:path w="1691639" h="6858000">
-                <a:moveTo>
-                  <a:pt x="1691639" y="6857998"/>
-                </a:moveTo>
-                <a:lnTo>
-                  <a:pt x="1691639" y="0"/>
-                </a:lnTo>
-                <a:lnTo>
-                  <a:pt x="0" y="0"/>
-                </a:lnTo>
-                <a:lnTo>
-                  <a:pt x="0" y="6857998"/>
-                </a:lnTo>
-                <a:lnTo>
-                  <a:pt x="1691639" y="6857998"/>
-                </a:lnTo>
-                <a:close/>
-              </a:path>
-            </a:pathLst>
-          </a:custGeom>
-          <a:solidFill>
-            <a:srgbClr val="4471C4"/>
-          </a:solidFill>
-        </p:spPr>
-        <p:txBody>
-          <a:bodyPr wrap="square" lIns="0" tIns="0" rIns="0" bIns="0" rtlCol="0"/>
-          <a:lstStyle/>
-          <a:p>
-            <a:pPr marL="0" marR="0" lvl="0" indent="0" algn="l" defTabSz="914400" rtl="0" eaLnBrk="1" fontAlgn="auto" latinLnBrk="0" hangingPunct="1">
-              <a:lnSpc>
-                <a:spcPct val="100000"/>
-              </a:lnSpc>
-              <a:spcBef>
-                <a:spcPts val="0"/>
-              </a:spcBef>
-              <a:spcAft>
-                <a:spcPts val="0"/>
-              </a:spcAft>
-              <a:buClrTx/>
-              <a:buSzTx/>
-              <a:buFontTx/>
-              <a:buNone/>
-              <a:tabLst/>
-              <a:defRPr/>
-            </a:pPr>
-            <a:endParaRPr kumimoji="0" sz="1800" b="0" i="0" u="none" strike="noStrike" kern="1200" cap="none" spc="0" normalizeH="0" baseline="0" noProof="0">
-              <a:ln>
-                <a:noFill/>
-              </a:ln>
-              <a:solidFill>
-                <a:prstClr val="black"/>
-              </a:solidFill>
-              <a:effectLst/>
-              <a:uLnTx/>
-              <a:uFillTx/>
-              <a:latin typeface="Calibri"/>
-              <a:ea typeface="+mn-ea"/>
-              <a:cs typeface="+mn-cs"/>
-            </a:endParaRPr>
-          </a:p>
-        </p:txBody>
-      </p:sp>
-      <p:sp>
-        <p:nvSpPr>
-          <p:cNvPr id="3" name="object 3"/>
-          <p:cNvSpPr txBox="1"/>
-          <p:nvPr/>
-        </p:nvSpPr>
-        <p:spPr>
-          <a:xfrm>
-            <a:off x="63500" y="2598546"/>
-            <a:ext cx="1549400" cy="939800"/>
-          </a:xfrm>
-          <a:prstGeom prst="rect">
-            <a:avLst/>
-          </a:prstGeom>
-        </p:spPr>
-        <p:txBody>
-          <a:bodyPr vert="horz" wrap="square" lIns="0" tIns="12700" rIns="0" bIns="0" rtlCol="0">
-            <a:spAutoFit/>
-          </a:bodyPr>
-          <a:lstStyle/>
-          <a:p>
-            <a:pPr marL="12700" marR="0" lvl="0" indent="0" algn="l" defTabSz="914400" rtl="0" eaLnBrk="1" fontAlgn="auto" latinLnBrk="0" hangingPunct="1">
-              <a:lnSpc>
-                <a:spcPct val="100000"/>
-              </a:lnSpc>
-              <a:spcBef>
-                <a:spcPts val="100"/>
-              </a:spcBef>
-              <a:spcAft>
-                <a:spcPts val="0"/>
-              </a:spcAft>
-              <a:buClrTx/>
-              <a:buSzTx/>
-              <a:buFontTx/>
-              <a:buNone/>
-              <a:tabLst/>
-              <a:defRPr/>
-            </a:pPr>
-            <a:r>
-              <a:rPr kumimoji="0" sz="6000" b="1" i="0" u="none" strike="noStrike" kern="1200" cap="none" spc="0" normalizeH="0" baseline="0" noProof="0" dirty="0">
-                <a:ln>
-                  <a:noFill/>
-                </a:ln>
-                <a:solidFill>
-                  <a:srgbClr val="FFFFFF"/>
-                </a:solidFill>
-                <a:effectLst/>
-                <a:uLnTx/>
-                <a:uFillTx/>
-                <a:latin typeface="Microsoft JhengHei" panose="020B0604030504040204" charset="-120"/>
-                <a:ea typeface="+mn-ea"/>
-                <a:cs typeface="Microsoft JhengHei" panose="020B0604030504040204" charset="-120"/>
-              </a:rPr>
-              <a:t>目录</a:t>
-            </a:r>
-            <a:endParaRPr kumimoji="0" sz="6000" b="0" i="0" u="none" strike="noStrike" kern="1200" cap="none" spc="0" normalizeH="0" baseline="0" noProof="0">
-              <a:ln>
-                <a:noFill/>
-              </a:ln>
-              <a:solidFill>
-                <a:prstClr val="black"/>
-              </a:solidFill>
-              <a:effectLst/>
-              <a:uLnTx/>
-              <a:uFillTx/>
-              <a:latin typeface="Microsoft JhengHei" panose="020B0604030504040204" charset="-120"/>
-              <a:ea typeface="+mn-ea"/>
-              <a:cs typeface="Microsoft JhengHei" panose="020B0604030504040204" charset="-120"/>
-            </a:endParaRPr>
-          </a:p>
-        </p:txBody>
-      </p:sp>
-      <p:sp>
-        <p:nvSpPr>
-          <p:cNvPr id="4" name="object 4"/>
-          <p:cNvSpPr txBox="1"/>
-          <p:nvPr/>
-        </p:nvSpPr>
-        <p:spPr>
-          <a:xfrm>
-            <a:off x="-65018" y="3573526"/>
-            <a:ext cx="1689735" cy="635000"/>
-          </a:xfrm>
-          <a:prstGeom prst="rect">
-            <a:avLst/>
-          </a:prstGeom>
-        </p:spPr>
-        <p:txBody>
-          <a:bodyPr vert="horz" wrap="square" lIns="0" tIns="12065" rIns="0" bIns="0" rtlCol="0">
-            <a:spAutoFit/>
-          </a:bodyPr>
-          <a:lstStyle/>
-          <a:p>
-            <a:pPr marL="12700" marR="0" lvl="0" indent="0" algn="l" defTabSz="914400" rtl="0" eaLnBrk="1" fontAlgn="auto" latinLnBrk="0" hangingPunct="1">
-              <a:lnSpc>
-                <a:spcPct val="100000"/>
-              </a:lnSpc>
-              <a:spcBef>
-                <a:spcPts val="95"/>
-              </a:spcBef>
-              <a:spcAft>
-                <a:spcPts val="0"/>
-              </a:spcAft>
-              <a:buClrTx/>
-              <a:buSzTx/>
-              <a:buFontTx/>
-              <a:buNone/>
-              <a:tabLst/>
-              <a:defRPr/>
-            </a:pPr>
-            <a:r>
-              <a:rPr kumimoji="0" sz="4000" b="1" i="0" u="none" strike="noStrike" kern="1200" cap="none" spc="-5" normalizeH="0" baseline="0" noProof="0" dirty="0">
-                <a:ln>
-                  <a:noFill/>
-                </a:ln>
-                <a:solidFill>
-                  <a:srgbClr val="FFFFFF"/>
-                </a:solidFill>
-                <a:effectLst/>
-                <a:uLnTx/>
-                <a:uFillTx/>
-                <a:latin typeface="Times New Roman" panose="02020603050405020304"/>
-                <a:ea typeface="+mn-ea"/>
-                <a:cs typeface="Times New Roman" panose="02020603050405020304"/>
-              </a:rPr>
-              <a:t>TENTS</a:t>
-            </a:r>
-            <a:endParaRPr kumimoji="0" sz="4000" b="0" i="0" u="none" strike="noStrike" kern="1200" cap="none" spc="0" normalizeH="0" baseline="0" noProof="0">
-              <a:ln>
-                <a:noFill/>
-              </a:ln>
-              <a:solidFill>
-                <a:prstClr val="black"/>
-              </a:solidFill>
-              <a:effectLst/>
-              <a:uLnTx/>
-              <a:uFillTx/>
-              <a:latin typeface="Times New Roman" panose="02020603050405020304"/>
-              <a:ea typeface="+mn-ea"/>
-              <a:cs typeface="Times New Roman" panose="02020603050405020304"/>
-            </a:endParaRPr>
-          </a:p>
-        </p:txBody>
-      </p:sp>
-      <p:sp>
-        <p:nvSpPr>
-          <p:cNvPr id="6" name="object 6"/>
-          <p:cNvSpPr txBox="1"/>
-          <p:nvPr/>
-        </p:nvSpPr>
-        <p:spPr>
-          <a:xfrm>
-            <a:off x="2398016" y="2577764"/>
-            <a:ext cx="812800" cy="732252"/>
-          </a:xfrm>
-          <a:prstGeom prst="rect">
-            <a:avLst/>
-          </a:prstGeom>
-          <a:ln w="12191">
-            <a:solidFill>
-              <a:srgbClr val="4471C4"/>
-            </a:solidFill>
-          </a:ln>
-        </p:spPr>
-        <p:txBody>
-          <a:bodyPr vert="horz" wrap="square" lIns="0" tIns="54610" rIns="0" bIns="0" rtlCol="0">
-            <a:spAutoFit/>
-          </a:bodyPr>
-          <a:lstStyle/>
-          <a:p>
-            <a:pPr marL="60960" marR="0" lvl="0" indent="0" algn="l" defTabSz="914400" rtl="0" eaLnBrk="1" fontAlgn="auto" latinLnBrk="0" hangingPunct="1">
-              <a:lnSpc>
-                <a:spcPct val="100000"/>
-              </a:lnSpc>
-              <a:spcBef>
-                <a:spcPts val="430"/>
-              </a:spcBef>
-              <a:spcAft>
-                <a:spcPts val="0"/>
-              </a:spcAft>
-              <a:buClrTx/>
-              <a:buSzTx/>
-              <a:buFontTx/>
-              <a:buNone/>
-              <a:tabLst/>
-              <a:defRPr/>
-            </a:pPr>
-            <a:r>
-              <a:rPr kumimoji="0" sz="4400" b="1" i="0" u="none" strike="noStrike" kern="1200" cap="none" spc="85" normalizeH="0" baseline="0" noProof="0" dirty="0">
-                <a:ln>
-                  <a:noFill/>
-                </a:ln>
-                <a:solidFill>
-                  <a:srgbClr val="4471C4"/>
-                </a:solidFill>
-                <a:effectLst/>
-                <a:uLnTx/>
-                <a:uFillTx/>
-                <a:latin typeface="Microsoft JhengHei" panose="020B0604030504040204" charset="-120"/>
-                <a:ea typeface="+mn-ea"/>
-                <a:cs typeface="Microsoft JhengHei" panose="020B0604030504040204" charset="-120"/>
-              </a:rPr>
-              <a:t>0</a:t>
-            </a:r>
-            <a:r>
-              <a:rPr kumimoji="0" lang="en-US" sz="4400" b="1" i="0" u="none" strike="noStrike" kern="1200" cap="none" spc="85" normalizeH="0" baseline="0" noProof="0" dirty="0">
-                <a:ln>
-                  <a:noFill/>
-                </a:ln>
-                <a:solidFill>
-                  <a:srgbClr val="4471C4"/>
-                </a:solidFill>
-                <a:effectLst/>
-                <a:uLnTx/>
-                <a:uFillTx/>
-                <a:latin typeface="Microsoft JhengHei" panose="020B0604030504040204" charset="-120"/>
-                <a:ea typeface="+mn-ea"/>
-                <a:cs typeface="Microsoft JhengHei" panose="020B0604030504040204" charset="-120"/>
-              </a:rPr>
-              <a:t>5</a:t>
-            </a:r>
-            <a:endParaRPr kumimoji="0" sz="4400" b="0" i="0" u="none" strike="noStrike" kern="1200" cap="none" spc="0" normalizeH="0" baseline="0" noProof="0" dirty="0">
-              <a:ln>
-                <a:noFill/>
-              </a:ln>
-              <a:solidFill>
-                <a:prstClr val="black"/>
-              </a:solidFill>
-              <a:effectLst/>
-              <a:uLnTx/>
-              <a:uFillTx/>
-              <a:latin typeface="Microsoft JhengHei" panose="020B0604030504040204" charset="-120"/>
-              <a:ea typeface="+mn-ea"/>
-              <a:cs typeface="Microsoft JhengHei" panose="020B0604030504040204" charset="-120"/>
-            </a:endParaRPr>
-          </a:p>
-        </p:txBody>
-      </p:sp>
-      <p:sp>
-        <p:nvSpPr>
-          <p:cNvPr id="11" name="object 11"/>
-          <p:cNvSpPr txBox="1"/>
-          <p:nvPr/>
-        </p:nvSpPr>
-        <p:spPr>
-          <a:xfrm>
-            <a:off x="3505200" y="2668377"/>
-            <a:ext cx="4495800" cy="689291"/>
-          </a:xfrm>
-          <a:prstGeom prst="rect">
-            <a:avLst/>
-          </a:prstGeom>
-        </p:spPr>
-        <p:txBody>
-          <a:bodyPr vert="horz" wrap="square" lIns="0" tIns="12065" rIns="0" bIns="0" rtlCol="0">
-            <a:spAutoFit/>
-          </a:bodyPr>
-          <a:lstStyle/>
-          <a:p>
-            <a:pPr marL="12700" marR="0" lvl="0" indent="0" algn="l" defTabSz="914400" rtl="0" eaLnBrk="1" fontAlgn="auto" latinLnBrk="0" hangingPunct="1">
-              <a:lnSpc>
-                <a:spcPct val="100000"/>
-              </a:lnSpc>
-              <a:spcBef>
-                <a:spcPts val="95"/>
-              </a:spcBef>
-              <a:spcAft>
-                <a:spcPts val="0"/>
-              </a:spcAft>
-              <a:buClrTx/>
-              <a:buSzTx/>
-              <a:buFontTx/>
-              <a:buNone/>
-              <a:tabLst/>
-              <a:defRPr/>
-            </a:pPr>
-            <a:r>
-              <a:rPr lang="zh-CN" altLang="en-US" sz="4400" dirty="0">
-                <a:solidFill>
-                  <a:prstClr val="black"/>
-                </a:solidFill>
-                <a:latin typeface="等线" panose="02010600030101010101" charset="-122"/>
-                <a:cs typeface="等线" panose="02010600030101010101" charset="-122"/>
-              </a:rPr>
-              <a:t>常见网络模型</a:t>
-            </a:r>
-            <a:endParaRPr kumimoji="0" sz="4400" b="0" i="0" u="none" strike="noStrike" kern="1200" cap="none" spc="0" normalizeH="0" baseline="0" noProof="0" dirty="0">
-              <a:ln>
-                <a:noFill/>
-              </a:ln>
-              <a:solidFill>
-                <a:prstClr val="black"/>
-              </a:solidFill>
-              <a:effectLst/>
-              <a:uLnTx/>
-              <a:uFillTx/>
-              <a:latin typeface="等线" panose="02010600030101010101" charset="-122"/>
-              <a:ea typeface="+mn-ea"/>
-              <a:cs typeface="等线" panose="02010600030101010101" charset="-122"/>
-            </a:endParaRPr>
-          </a:p>
-        </p:txBody>
-      </p:sp>
-    </p:spTree>
-    <p:extLst>
-      <p:ext uri="{BB962C8B-B14F-4D97-AF65-F5344CB8AC3E}">
-        <p14:creationId xmlns:p14="http://schemas.microsoft.com/office/powerpoint/2010/main" val="627064112"/>
-      </p:ext>
-    </p:extLst>
-  </p:cSld>
-  <p:clrMapOvr>
-    <a:masterClrMapping/>
-  </p:clrMapOvr>
-</p:sld>
-</file>
-
-<file path=ppt/slides/slide24.xml><?xml version="1.0" encoding="utf-8"?>
-<p:sld xmlns:a="http://schemas.openxmlformats.org/drawingml/2006/main" xmlns:r="http://schemas.openxmlformats.org/officeDocument/2006/relationships" xmlns:p="http://schemas.openxmlformats.org/presentationml/2006/main">
-  <p:cSld>
-    <p:spTree>
-      <p:nvGrpSpPr>
-        <p:cNvPr id="1" name=""/>
-        <p:cNvGrpSpPr/>
-        <p:nvPr/>
-      </p:nvGrpSpPr>
-      <p:grpSpPr>
-        <a:xfrm>
-          <a:off x="0" y="0"/>
-          <a:ext cx="0" cy="0"/>
-          <a:chOff x="0" y="0"/>
-          <a:chExt cx="0" cy="0"/>
-        </a:xfrm>
-      </p:grpSpPr>
-      <p:pic>
-        <p:nvPicPr>
-          <p:cNvPr id="22" name="图片 21" descr="表格&#10;&#10;描述已自动生成">
-            <a:extLst>
-              <a:ext uri="{FF2B5EF4-FFF2-40B4-BE49-F238E27FC236}">
-                <a16:creationId xmlns:a16="http://schemas.microsoft.com/office/drawing/2014/main" id="{8DEC4F7F-C055-40EE-B508-A3AA74CBFB57}"/>
-              </a:ext>
-            </a:extLst>
-          </p:cNvPr>
-          <p:cNvPicPr>
-            <a:picLocks noChangeAspect="1"/>
-          </p:cNvPicPr>
-          <p:nvPr/>
-        </p:nvPicPr>
-        <p:blipFill>
-          <a:blip r:embed="rId2">
-            <a:extLst>
-              <a:ext uri="{28A0092B-C50C-407E-A947-70E740481C1C}">
-                <a14:useLocalDpi xmlns:a14="http://schemas.microsoft.com/office/drawing/2010/main" val="0"/>
-              </a:ext>
-            </a:extLst>
-          </a:blip>
-          <a:stretch>
-            <a:fillRect/>
-          </a:stretch>
-        </p:blipFill>
-        <p:spPr>
-          <a:xfrm>
-            <a:off x="3123767" y="1047559"/>
-            <a:ext cx="6020233" cy="5008499"/>
-          </a:xfrm>
-          <a:prstGeom prst="rect">
-            <a:avLst/>
-          </a:prstGeom>
-        </p:spPr>
-      </p:pic>
-      <p:grpSp>
-        <p:nvGrpSpPr>
-          <p:cNvPr id="2" name="object 2"/>
-          <p:cNvGrpSpPr/>
-          <p:nvPr/>
-        </p:nvGrpSpPr>
-        <p:grpSpPr>
-          <a:xfrm>
-            <a:off x="89915" y="135636"/>
-            <a:ext cx="262255" cy="576580"/>
-            <a:chOff x="89915" y="135636"/>
-            <a:chExt cx="262255" cy="576580"/>
-          </a:xfrm>
-        </p:grpSpPr>
-        <p:sp>
-          <p:nvSpPr>
-            <p:cNvPr id="3" name="object 3"/>
-            <p:cNvSpPr/>
-            <p:nvPr/>
-          </p:nvSpPr>
-          <p:spPr>
-            <a:xfrm>
-              <a:off x="278892" y="387095"/>
-              <a:ext cx="73660" cy="325120"/>
-            </a:xfrm>
-            <a:custGeom>
-              <a:avLst/>
-              <a:gdLst/>
-              <a:ahLst/>
-              <a:cxnLst/>
-              <a:rect l="l" t="t" r="r" b="b"/>
-              <a:pathLst>
-                <a:path w="73660" h="325120">
-                  <a:moveTo>
-                    <a:pt x="0" y="324612"/>
-                  </a:moveTo>
-                  <a:lnTo>
-                    <a:pt x="73151" y="324612"/>
-                  </a:lnTo>
-                  <a:lnTo>
-                    <a:pt x="73151" y="0"/>
-                  </a:lnTo>
-                  <a:lnTo>
-                    <a:pt x="0" y="0"/>
-                  </a:lnTo>
-                  <a:lnTo>
-                    <a:pt x="0" y="324612"/>
-                  </a:lnTo>
-                  <a:close/>
-                </a:path>
-              </a:pathLst>
-            </a:custGeom>
-            <a:solidFill>
-              <a:srgbClr val="4471C4"/>
-            </a:solidFill>
-          </p:spPr>
-          <p:txBody>
-            <a:bodyPr wrap="square" lIns="0" tIns="0" rIns="0" bIns="0" rtlCol="0"/>
-            <a:lstStyle/>
-            <a:p>
-              <a:endParaRPr/>
-            </a:p>
-          </p:txBody>
-        </p:sp>
-        <p:sp>
-          <p:nvSpPr>
-            <p:cNvPr id="4" name="object 4"/>
-            <p:cNvSpPr/>
-            <p:nvPr/>
-          </p:nvSpPr>
-          <p:spPr>
-            <a:xfrm>
-              <a:off x="89915" y="135636"/>
-              <a:ext cx="189230" cy="251460"/>
-            </a:xfrm>
-            <a:custGeom>
-              <a:avLst/>
-              <a:gdLst/>
-              <a:ahLst/>
-              <a:cxnLst/>
-              <a:rect l="l" t="t" r="r" b="b"/>
-              <a:pathLst>
-                <a:path w="189229" h="251460">
-                  <a:moveTo>
-                    <a:pt x="188976" y="0"/>
-                  </a:moveTo>
-                  <a:lnTo>
-                    <a:pt x="0" y="0"/>
-                  </a:lnTo>
-                  <a:lnTo>
-                    <a:pt x="0" y="251459"/>
-                  </a:lnTo>
-                  <a:lnTo>
-                    <a:pt x="188976" y="251459"/>
-                  </a:lnTo>
-                  <a:lnTo>
-                    <a:pt x="188976" y="0"/>
-                  </a:lnTo>
-                  <a:close/>
-                </a:path>
-              </a:pathLst>
-            </a:custGeom>
-            <a:solidFill>
-              <a:srgbClr val="2E5496"/>
-            </a:solidFill>
-          </p:spPr>
-          <p:txBody>
-            <a:bodyPr wrap="square" lIns="0" tIns="0" rIns="0" bIns="0" rtlCol="0"/>
-            <a:lstStyle/>
-            <a:p>
-              <a:endParaRPr/>
-            </a:p>
-          </p:txBody>
-        </p:sp>
-      </p:grpSp>
-      <p:grpSp>
-        <p:nvGrpSpPr>
-          <p:cNvPr id="5" name="object 5"/>
-          <p:cNvGrpSpPr/>
-          <p:nvPr/>
-        </p:nvGrpSpPr>
-        <p:grpSpPr>
-          <a:xfrm>
-            <a:off x="0" y="6304788"/>
-            <a:ext cx="9144000" cy="553720"/>
-            <a:chOff x="0" y="6304788"/>
-            <a:chExt cx="9144000" cy="553720"/>
-          </a:xfrm>
-        </p:grpSpPr>
-        <p:sp>
-          <p:nvSpPr>
-            <p:cNvPr id="6" name="object 6"/>
-            <p:cNvSpPr/>
-            <p:nvPr/>
-          </p:nvSpPr>
-          <p:spPr>
-            <a:xfrm>
-              <a:off x="8420100" y="6318503"/>
-              <a:ext cx="405765" cy="539750"/>
-            </a:xfrm>
-            <a:custGeom>
-              <a:avLst/>
-              <a:gdLst/>
-              <a:ahLst/>
-              <a:cxnLst/>
-              <a:rect l="l" t="t" r="r" b="b"/>
-              <a:pathLst>
-                <a:path w="405765" h="539750">
-                  <a:moveTo>
-                    <a:pt x="405383" y="0"/>
-                  </a:moveTo>
-                  <a:lnTo>
-                    <a:pt x="0" y="0"/>
-                  </a:lnTo>
-                  <a:lnTo>
-                    <a:pt x="0" y="539496"/>
-                  </a:lnTo>
-                  <a:lnTo>
-                    <a:pt x="405383" y="539496"/>
-                  </a:lnTo>
-                  <a:lnTo>
-                    <a:pt x="405383" y="0"/>
-                  </a:lnTo>
-                  <a:close/>
-                </a:path>
-              </a:pathLst>
-            </a:custGeom>
-            <a:solidFill>
-              <a:srgbClr val="4471C4"/>
-            </a:solidFill>
-          </p:spPr>
-          <p:txBody>
-            <a:bodyPr wrap="square" lIns="0" tIns="0" rIns="0" bIns="0" rtlCol="0"/>
-            <a:lstStyle/>
-            <a:p>
-              <a:endParaRPr/>
-            </a:p>
-          </p:txBody>
-        </p:sp>
-        <p:sp>
-          <p:nvSpPr>
-            <p:cNvPr id="7" name="object 7"/>
-            <p:cNvSpPr/>
-            <p:nvPr/>
-          </p:nvSpPr>
-          <p:spPr>
-            <a:xfrm>
-              <a:off x="0" y="6307836"/>
-              <a:ext cx="9144000" cy="0"/>
-            </a:xfrm>
-            <a:custGeom>
-              <a:avLst/>
-              <a:gdLst/>
-              <a:ahLst/>
-              <a:cxnLst/>
-              <a:rect l="l" t="t" r="r" b="b"/>
-              <a:pathLst>
-                <a:path w="9144000">
-                  <a:moveTo>
-                    <a:pt x="0" y="0"/>
-                  </a:moveTo>
-                  <a:lnTo>
-                    <a:pt x="9144000" y="0"/>
-                  </a:lnTo>
-                </a:path>
-              </a:pathLst>
-            </a:custGeom>
-            <a:ln w="6096">
-              <a:solidFill>
-                <a:srgbClr val="4471C4"/>
-              </a:solidFill>
-            </a:ln>
-          </p:spPr>
-          <p:txBody>
-            <a:bodyPr wrap="square" lIns="0" tIns="0" rIns="0" bIns="0" rtlCol="0"/>
-            <a:lstStyle/>
-            <a:p>
-              <a:endParaRPr/>
-            </a:p>
-          </p:txBody>
-        </p:sp>
-      </p:grpSp>
-      <p:grpSp>
-        <p:nvGrpSpPr>
-          <p:cNvPr id="8" name="object 8"/>
-          <p:cNvGrpSpPr/>
-          <p:nvPr/>
-        </p:nvGrpSpPr>
-        <p:grpSpPr>
-          <a:xfrm>
-            <a:off x="348995" y="207263"/>
-            <a:ext cx="7827645" cy="591820"/>
-            <a:chOff x="348995" y="207263"/>
-            <a:chExt cx="7827645" cy="591820"/>
-          </a:xfrm>
-        </p:grpSpPr>
-        <p:sp>
-          <p:nvSpPr>
-            <p:cNvPr id="9" name="object 9"/>
-            <p:cNvSpPr/>
-            <p:nvPr/>
-          </p:nvSpPr>
-          <p:spPr>
-            <a:xfrm>
-              <a:off x="739902" y="483870"/>
-              <a:ext cx="7047230" cy="0"/>
-            </a:xfrm>
-            <a:custGeom>
-              <a:avLst/>
-              <a:gdLst/>
-              <a:ahLst/>
-              <a:cxnLst/>
-              <a:rect l="l" t="t" r="r" b="b"/>
-              <a:pathLst>
-                <a:path w="7047230">
-                  <a:moveTo>
-                    <a:pt x="0" y="0"/>
-                  </a:moveTo>
-                  <a:lnTo>
-                    <a:pt x="7046976" y="0"/>
-                  </a:lnTo>
-                </a:path>
-              </a:pathLst>
-            </a:custGeom>
-            <a:ln w="22860">
-              <a:solidFill>
-                <a:srgbClr val="006FC0"/>
-              </a:solidFill>
-            </a:ln>
-          </p:spPr>
-          <p:txBody>
-            <a:bodyPr wrap="square" lIns="0" tIns="0" rIns="0" bIns="0" rtlCol="0"/>
-            <a:lstStyle/>
-            <a:p>
-              <a:endParaRPr/>
-            </a:p>
-          </p:txBody>
-        </p:sp>
-        <p:sp>
-          <p:nvSpPr>
-            <p:cNvPr id="10" name="object 10"/>
-            <p:cNvSpPr/>
-            <p:nvPr/>
-          </p:nvSpPr>
-          <p:spPr>
-            <a:xfrm>
-              <a:off x="1028700" y="210311"/>
-              <a:ext cx="7145020" cy="585470"/>
-            </a:xfrm>
-            <a:custGeom>
-              <a:avLst/>
-              <a:gdLst/>
-              <a:ahLst/>
-              <a:cxnLst/>
-              <a:rect l="l" t="t" r="r" b="b"/>
-              <a:pathLst>
-                <a:path w="7145020" h="585470">
-                  <a:moveTo>
-                    <a:pt x="7144511" y="0"/>
-                  </a:moveTo>
-                  <a:lnTo>
-                    <a:pt x="0" y="0"/>
-                  </a:lnTo>
-                  <a:lnTo>
-                    <a:pt x="0" y="585216"/>
-                  </a:lnTo>
-                  <a:lnTo>
-                    <a:pt x="7144511" y="585216"/>
-                  </a:lnTo>
-                  <a:lnTo>
-                    <a:pt x="7144511" y="0"/>
-                  </a:lnTo>
-                  <a:close/>
-                </a:path>
-              </a:pathLst>
-            </a:custGeom>
-            <a:solidFill>
-              <a:srgbClr val="006FC0"/>
-            </a:solidFill>
-          </p:spPr>
-          <p:txBody>
-            <a:bodyPr wrap="square" lIns="0" tIns="0" rIns="0" bIns="0" rtlCol="0"/>
-            <a:lstStyle/>
-            <a:p>
-              <a:endParaRPr/>
-            </a:p>
-          </p:txBody>
-        </p:sp>
-        <p:sp>
-          <p:nvSpPr>
-            <p:cNvPr id="11" name="object 11"/>
-            <p:cNvSpPr/>
-            <p:nvPr/>
-          </p:nvSpPr>
-          <p:spPr>
-            <a:xfrm>
-              <a:off x="1028700" y="210311"/>
-              <a:ext cx="7145020" cy="585470"/>
-            </a:xfrm>
-            <a:custGeom>
-              <a:avLst/>
-              <a:gdLst/>
-              <a:ahLst/>
-              <a:cxnLst/>
-              <a:rect l="l" t="t" r="r" b="b"/>
-              <a:pathLst>
-                <a:path w="7145020" h="585470">
-                  <a:moveTo>
-                    <a:pt x="0" y="585216"/>
-                  </a:moveTo>
-                  <a:lnTo>
-                    <a:pt x="7144511" y="585216"/>
-                  </a:lnTo>
-                  <a:lnTo>
-                    <a:pt x="7144511" y="0"/>
-                  </a:lnTo>
-                  <a:lnTo>
-                    <a:pt x="0" y="0"/>
-                  </a:lnTo>
-                  <a:lnTo>
-                    <a:pt x="0" y="585216"/>
-                  </a:lnTo>
-                  <a:close/>
-                </a:path>
-              </a:pathLst>
-            </a:custGeom>
-            <a:ln w="6096">
-              <a:solidFill>
-                <a:srgbClr val="006FC0"/>
-              </a:solidFill>
-            </a:ln>
-          </p:spPr>
-          <p:txBody>
-            <a:bodyPr wrap="square" lIns="0" tIns="0" rIns="0" bIns="0" rtlCol="0"/>
-            <a:lstStyle/>
-            <a:p>
-              <a:endParaRPr/>
-            </a:p>
-          </p:txBody>
-        </p:sp>
-        <p:sp>
-          <p:nvSpPr>
-            <p:cNvPr id="12" name="object 12"/>
-            <p:cNvSpPr/>
-            <p:nvPr/>
-          </p:nvSpPr>
-          <p:spPr>
-            <a:xfrm>
-              <a:off x="352043" y="210311"/>
-              <a:ext cx="516890" cy="585470"/>
-            </a:xfrm>
-            <a:custGeom>
-              <a:avLst/>
-              <a:gdLst/>
-              <a:ahLst/>
-              <a:cxnLst/>
-              <a:rect l="l" t="t" r="r" b="b"/>
-              <a:pathLst>
-                <a:path w="516890" h="585470">
-                  <a:moveTo>
-                    <a:pt x="516636" y="0"/>
-                  </a:moveTo>
-                  <a:lnTo>
-                    <a:pt x="0" y="0"/>
-                  </a:lnTo>
-                  <a:lnTo>
-                    <a:pt x="0" y="585216"/>
-                  </a:lnTo>
-                  <a:lnTo>
-                    <a:pt x="516636" y="585216"/>
-                  </a:lnTo>
-                  <a:lnTo>
-                    <a:pt x="516636" y="0"/>
-                  </a:lnTo>
-                  <a:close/>
-                </a:path>
-              </a:pathLst>
-            </a:custGeom>
-            <a:solidFill>
-              <a:srgbClr val="006FC0"/>
-            </a:solidFill>
-          </p:spPr>
-          <p:txBody>
-            <a:bodyPr wrap="square" lIns="0" tIns="0" rIns="0" bIns="0" rtlCol="0"/>
-            <a:lstStyle/>
-            <a:p>
-              <a:endParaRPr/>
-            </a:p>
-          </p:txBody>
-        </p:sp>
-        <p:sp>
-          <p:nvSpPr>
-            <p:cNvPr id="13" name="object 13"/>
-            <p:cNvSpPr/>
-            <p:nvPr/>
-          </p:nvSpPr>
-          <p:spPr>
-            <a:xfrm>
-              <a:off x="352043" y="210311"/>
-              <a:ext cx="516890" cy="585470"/>
-            </a:xfrm>
-            <a:custGeom>
-              <a:avLst/>
-              <a:gdLst/>
-              <a:ahLst/>
-              <a:cxnLst/>
-              <a:rect l="l" t="t" r="r" b="b"/>
-              <a:pathLst>
-                <a:path w="516890" h="585470">
-                  <a:moveTo>
-                    <a:pt x="0" y="585216"/>
-                  </a:moveTo>
-                  <a:lnTo>
-                    <a:pt x="516636" y="585216"/>
-                  </a:lnTo>
-                  <a:lnTo>
-                    <a:pt x="516636" y="0"/>
-                  </a:lnTo>
-                  <a:lnTo>
-                    <a:pt x="0" y="0"/>
-                  </a:lnTo>
-                  <a:lnTo>
-                    <a:pt x="0" y="585216"/>
-                  </a:lnTo>
-                  <a:close/>
-                </a:path>
-              </a:pathLst>
-            </a:custGeom>
-            <a:ln w="6096">
-              <a:solidFill>
-                <a:srgbClr val="006FC0"/>
-              </a:solidFill>
-            </a:ln>
-          </p:spPr>
-          <p:txBody>
-            <a:bodyPr wrap="square" lIns="0" tIns="0" rIns="0" bIns="0" rtlCol="0"/>
-            <a:lstStyle/>
-            <a:p>
-              <a:endParaRPr/>
-            </a:p>
-          </p:txBody>
-        </p:sp>
-      </p:grpSp>
-      <p:sp>
-        <p:nvSpPr>
-          <p:cNvPr id="14" name="object 14"/>
-          <p:cNvSpPr txBox="1">
-            <a:spLocks noGrp="1"/>
-          </p:cNvSpPr>
-          <p:nvPr>
-            <p:ph type="title"/>
-          </p:nvPr>
-        </p:nvSpPr>
-        <p:spPr>
-          <a:xfrm>
-            <a:off x="438912" y="214481"/>
-            <a:ext cx="7716419" cy="874598"/>
-          </a:xfrm>
-          <a:prstGeom prst="rect">
-            <a:avLst/>
-          </a:prstGeom>
-        </p:spPr>
-        <p:txBody>
-          <a:bodyPr vert="horz" wrap="square" lIns="0" tIns="12700" rIns="0" bIns="0" rtlCol="0">
-            <a:spAutoFit/>
-          </a:bodyPr>
-          <a:lstStyle/>
-          <a:p>
-            <a:pPr marL="12700" algn="l">
-              <a:lnSpc>
-                <a:spcPct val="100000"/>
-              </a:lnSpc>
-              <a:spcBef>
-                <a:spcPts val="100"/>
-              </a:spcBef>
-              <a:tabLst>
-                <a:tab pos="2315845" algn="l"/>
-              </a:tabLst>
-            </a:pPr>
-            <a:r>
-              <a:rPr lang="en-US" altLang="zh-CN" spc="75" dirty="0"/>
-              <a:t>6   </a:t>
-            </a:r>
-            <a:r>
-              <a:rPr lang="zh-CN" altLang="en-US" spc="75" dirty="0"/>
-              <a:t>常见网络模型</a:t>
-            </a:r>
-            <a:br>
-              <a:rPr lang="zh-CN" altLang="en-US" spc="75" dirty="0"/>
-            </a:br>
-            <a:endParaRPr lang="zh-CN" altLang="en-US" sz="2000" spc="75" dirty="0"/>
-          </a:p>
-        </p:txBody>
-      </p:sp>
-      <p:sp>
-        <p:nvSpPr>
-          <p:cNvPr id="17" name="object 17"/>
-          <p:cNvSpPr txBox="1">
-            <a:spLocks noGrp="1"/>
-          </p:cNvSpPr>
-          <p:nvPr>
-            <p:ph type="sldNum" sz="quarter" idx="7"/>
-          </p:nvPr>
-        </p:nvSpPr>
-        <p:spPr>
-          <a:prstGeom prst="rect">
-            <a:avLst/>
-          </a:prstGeom>
-        </p:spPr>
-        <p:txBody>
-          <a:bodyPr vert="horz" wrap="square" lIns="0" tIns="0" rIns="0" bIns="0" rtlCol="0">
-            <a:spAutoFit/>
-          </a:bodyPr>
-          <a:lstStyle/>
-          <a:p>
-            <a:pPr marL="38100">
-              <a:lnSpc>
-                <a:spcPts val="2005"/>
-              </a:lnSpc>
-            </a:pPr>
-            <a:fld id="{81D60167-4931-47E6-BA6A-407CBD079E47}" type="slidenum">
-              <a:rPr dirty="0"/>
-              <a:t>24</a:t>
-            </a:fld>
-            <a:endParaRPr dirty="0"/>
-          </a:p>
-        </p:txBody>
-      </p:sp>
-      <p:sp>
-        <p:nvSpPr>
-          <p:cNvPr id="18" name="文本框 17">
-            <a:extLst>
-              <a:ext uri="{FF2B5EF4-FFF2-40B4-BE49-F238E27FC236}">
-                <a16:creationId xmlns:a16="http://schemas.microsoft.com/office/drawing/2014/main" id="{728D6A0B-E147-47A6-9F0C-8FA82A23F0F6}"/>
-              </a:ext>
-            </a:extLst>
-          </p:cNvPr>
-          <p:cNvSpPr txBox="1"/>
-          <p:nvPr/>
-        </p:nvSpPr>
-        <p:spPr>
-          <a:xfrm>
-            <a:off x="293826" y="857623"/>
-            <a:ext cx="4576762" cy="523220"/>
-          </a:xfrm>
-          <a:prstGeom prst="rect">
-            <a:avLst/>
-          </a:prstGeom>
-          <a:noFill/>
-        </p:spPr>
-        <p:txBody>
-          <a:bodyPr wrap="square">
-            <a:spAutoFit/>
-          </a:bodyPr>
-          <a:lstStyle/>
-          <a:p>
-            <a:pPr marL="12700">
-              <a:lnSpc>
-                <a:spcPct val="100000"/>
-              </a:lnSpc>
-              <a:spcBef>
-                <a:spcPts val="95"/>
-              </a:spcBef>
-            </a:pPr>
-            <a:r>
-              <a:rPr lang="en-US" altLang="zh-CN" sz="2800" spc="-5" dirty="0">
-                <a:latin typeface="微软雅黑" panose="020B0503020204020204" pitchFamily="34" charset="-122"/>
-                <a:ea typeface="微软雅黑" panose="020B0503020204020204" pitchFamily="34" charset="-122"/>
-                <a:cs typeface="微软雅黑"/>
-              </a:rPr>
-              <a:t>6.1 VGG 16</a:t>
-            </a:r>
-            <a:endParaRPr lang="zh-CN" altLang="en-US" sz="2800" dirty="0">
-              <a:latin typeface="微软雅黑" panose="020B0503020204020204" pitchFamily="34" charset="-122"/>
-              <a:ea typeface="微软雅黑" panose="020B0503020204020204" pitchFamily="34" charset="-122"/>
-              <a:cs typeface="微软雅黑"/>
-            </a:endParaRPr>
-          </a:p>
-        </p:txBody>
-      </p:sp>
-      <p:sp>
-        <p:nvSpPr>
-          <p:cNvPr id="26" name="文本框 25">
-            <a:extLst>
-              <a:ext uri="{FF2B5EF4-FFF2-40B4-BE49-F238E27FC236}">
-                <a16:creationId xmlns:a16="http://schemas.microsoft.com/office/drawing/2014/main" id="{4A61640A-F9D6-4E72-A602-F53578800041}"/>
-              </a:ext>
-            </a:extLst>
-          </p:cNvPr>
-          <p:cNvSpPr txBox="1"/>
-          <p:nvPr/>
-        </p:nvSpPr>
-        <p:spPr>
-          <a:xfrm>
-            <a:off x="0" y="1580559"/>
-            <a:ext cx="7380300" cy="2246769"/>
-          </a:xfrm>
-          <a:prstGeom prst="rect">
-            <a:avLst/>
-          </a:prstGeom>
-          <a:noFill/>
-        </p:spPr>
-        <p:txBody>
-          <a:bodyPr wrap="square">
-            <a:spAutoFit/>
-          </a:bodyPr>
-          <a:lstStyle/>
-          <a:p>
-            <a:pPr marL="342900" indent="-342900">
-              <a:buFont typeface="Arial" panose="020B0604020202020204" pitchFamily="34" charset="0"/>
-              <a:buChar char="•"/>
-            </a:pPr>
-            <a:r>
-              <a:rPr lang="zh-CN" altLang="en-US" sz="2000" dirty="0"/>
-              <a:t>5个模块的特征提取层</a:t>
-            </a:r>
-            <a:endParaRPr lang="en-US" altLang="zh-CN" sz="2000" dirty="0"/>
-          </a:p>
-          <a:p>
-            <a:pPr marL="342900" indent="-342900">
-              <a:buFont typeface="Arial" panose="020B0604020202020204" pitchFamily="34" charset="0"/>
-              <a:buChar char="•"/>
-            </a:pPr>
-            <a:r>
-              <a:rPr lang="zh-CN" altLang="en-US" sz="2000" dirty="0"/>
-              <a:t>3×3尺寸的过滤器</a:t>
-            </a:r>
-            <a:endParaRPr lang="en-US" altLang="zh-CN" sz="2000" dirty="0"/>
-          </a:p>
-          <a:p>
-            <a:pPr marL="342900" indent="-342900">
-              <a:buFont typeface="Arial" panose="020B0604020202020204" pitchFamily="34" charset="0"/>
-              <a:buChar char="•"/>
-            </a:pPr>
-            <a:r>
-              <a:rPr lang="zh-CN" altLang="en-US" sz="2000" dirty="0"/>
-              <a:t>224×224×3作为输入</a:t>
-            </a:r>
-            <a:endParaRPr lang="en-US" altLang="zh-CN" sz="2000" dirty="0"/>
-          </a:p>
-          <a:p>
-            <a:pPr marL="342900" indent="-342900">
-              <a:buFont typeface="Arial" panose="020B0604020202020204" pitchFamily="34" charset="0"/>
-              <a:buChar char="•"/>
-            </a:pPr>
-            <a:r>
-              <a:rPr lang="zh-CN" altLang="en-US" sz="2000" dirty="0"/>
-              <a:t>13个卷积层提取特征</a:t>
-            </a:r>
-            <a:endParaRPr lang="en-US" altLang="zh-CN" sz="2000" dirty="0"/>
-          </a:p>
-          <a:p>
-            <a:pPr marL="342900" indent="-342900">
-              <a:buFont typeface="Arial" panose="020B0604020202020204" pitchFamily="34" charset="0"/>
-              <a:buChar char="•"/>
-            </a:pPr>
-            <a:r>
-              <a:rPr lang="zh-CN" altLang="en-US" sz="2000" dirty="0"/>
-              <a:t>采用最大池化方式</a:t>
-            </a:r>
-            <a:endParaRPr lang="en-US" altLang="zh-CN" sz="2000" dirty="0"/>
-          </a:p>
-          <a:p>
-            <a:pPr marL="342900" indent="-342900">
-              <a:buFont typeface="Arial" panose="020B0604020202020204" pitchFamily="34" charset="0"/>
-              <a:buChar char="•"/>
-            </a:pPr>
-            <a:r>
-              <a:rPr lang="en-US" altLang="zh-CN" sz="2000" dirty="0"/>
-              <a:t>2</a:t>
-            </a:r>
-            <a:r>
-              <a:rPr lang="zh-CN" altLang="en-US" sz="2000" dirty="0"/>
-              <a:t>个</a:t>
-            </a:r>
-            <a:r>
-              <a:rPr lang="en-US" altLang="zh-CN" sz="2000" dirty="0"/>
-              <a:t>4096</a:t>
-            </a:r>
-            <a:r>
-              <a:rPr lang="zh-CN" altLang="en-US" sz="2000" dirty="0"/>
-              <a:t>神经元全连接层</a:t>
-            </a:r>
-            <a:endParaRPr lang="en-US" altLang="zh-CN" sz="2000" dirty="0"/>
-          </a:p>
-          <a:p>
-            <a:pPr marL="342900" indent="-342900">
-              <a:buFont typeface="Arial" panose="020B0604020202020204" pitchFamily="34" charset="0"/>
-              <a:buChar char="•"/>
-            </a:pPr>
-            <a:r>
-              <a:rPr lang="en-US" altLang="zh-CN" sz="2000" dirty="0"/>
-              <a:t>1000</a:t>
-            </a:r>
-            <a:r>
-              <a:rPr lang="zh-CN" altLang="en-US" sz="2000" dirty="0"/>
-              <a:t>神经元的</a:t>
-            </a:r>
-            <a:r>
-              <a:rPr lang="en-US" altLang="zh-CN" sz="2000" dirty="0" err="1"/>
-              <a:t>Softmax</a:t>
-            </a:r>
-            <a:endParaRPr lang="zh-CN" altLang="en-US" sz="2000" dirty="0"/>
-          </a:p>
-        </p:txBody>
-      </p:sp>
-    </p:spTree>
-    <p:extLst>
-      <p:ext uri="{BB962C8B-B14F-4D97-AF65-F5344CB8AC3E}">
-        <p14:creationId xmlns:p14="http://schemas.microsoft.com/office/powerpoint/2010/main" val="3200534087"/>
-      </p:ext>
-    </p:extLst>
-  </p:cSld>
-  <p:clrMapOvr>
-    <a:masterClrMapping/>
-  </p:clrMapOvr>
-</p:sld>
-</file>
-
-<file path=ppt/slides/slide25.xml><?xml version="1.0" encoding="utf-8"?>
 <p:sld xmlns:a="http://schemas.openxmlformats.org/drawingml/2006/main" xmlns:r="http://schemas.openxmlformats.org/officeDocument/2006/relationships" xmlns:p="http://schemas.openxmlformats.org/presentationml/2006/main" showMasterSp="0">
   <p:cSld>
     <p:spTree>

--- a/卫星定位/WIFI室内定位方法综述.pptx
+++ b/卫星定位/WIFI室内定位方法综述.pptx
@@ -419,7 +419,7 @@
           <a:p>
             <a:fld id="{279BF708-BEE3-4FD4-BD16-E48FBAA1E2EC}" type="datetimeFigureOut">
               <a:rPr lang="zh-CN" altLang="en-US" smtClean="0"/>
-              <a:t>2021/12/21</a:t>
+              <a:t>2021/12/22</a:t>
             </a:fld>
             <a:endParaRPr lang="zh-CN" altLang="en-US"/>
           </a:p>
@@ -961,7 +961,7 @@
           <a:p>
             <a:fld id="{1D8BD707-D9CF-40AE-B4C6-C98DA3205C09}" type="datetimeFigureOut">
               <a:rPr lang="en-US"/>
-              <a:t>12/21/2021</a:t>
+              <a:t>12/22/2021</a:t>
             </a:fld>
             <a:endParaRPr lang="en-US"/>
           </a:p>
@@ -1144,7 +1144,7 @@
           <a:p>
             <a:fld id="{1D8BD707-D9CF-40AE-B4C6-C98DA3205C09}" type="datetimeFigureOut">
               <a:rPr lang="en-US"/>
-              <a:t>12/21/2021</a:t>
+              <a:t>12/22/2021</a:t>
             </a:fld>
             <a:endParaRPr lang="en-US"/>
           </a:p>
@@ -1364,7 +1364,7 @@
           <a:p>
             <a:fld id="{1D8BD707-D9CF-40AE-B4C6-C98DA3205C09}" type="datetimeFigureOut">
               <a:rPr lang="en-US"/>
-              <a:t>12/21/2021</a:t>
+              <a:t>12/22/2021</a:t>
             </a:fld>
             <a:endParaRPr lang="en-US"/>
           </a:p>
@@ -1518,7 +1518,7 @@
           <a:p>
             <a:fld id="{1D8BD707-D9CF-40AE-B4C6-C98DA3205C09}" type="datetimeFigureOut">
               <a:rPr lang="en-US"/>
-              <a:t>12/21/2021</a:t>
+              <a:t>12/22/2021</a:t>
             </a:fld>
             <a:endParaRPr lang="en-US"/>
           </a:p>
@@ -1651,7 +1651,7 @@
           <a:p>
             <a:fld id="{1D8BD707-D9CF-40AE-B4C6-C98DA3205C09}" type="datetimeFigureOut">
               <a:rPr lang="en-US"/>
-              <a:t>12/21/2021</a:t>
+              <a:t>12/22/2021</a:t>
             </a:fld>
             <a:endParaRPr lang="en-US"/>
           </a:p>
@@ -2116,7 +2116,7 @@
           <a:p>
             <a:fld id="{1D8BD707-D9CF-40AE-B4C6-C98DA3205C09}" type="datetimeFigureOut">
               <a:rPr lang="en-US"/>
-              <a:t>12/21/2021</a:t>
+              <a:t>12/22/2021</a:t>
             </a:fld>
             <a:endParaRPr lang="en-US"/>
           </a:p>
@@ -19836,6 +19836,41 @@
           <a:chExt cx="0" cy="0"/>
         </a:xfrm>
       </p:grpSpPr>
+      <p:pic>
+        <p:nvPicPr>
+          <p:cNvPr id="19" name="图片 18" descr="表格&#10;&#10;描述已自动生成">
+            <a:extLst>
+              <a:ext uri="{FF2B5EF4-FFF2-40B4-BE49-F238E27FC236}">
+                <a16:creationId xmlns:a16="http://schemas.microsoft.com/office/drawing/2014/main" id="{AAF1F536-3953-421E-94F0-918E9A53E849}"/>
+              </a:ext>
+            </a:extLst>
+          </p:cNvPr>
+          <p:cNvPicPr>
+            <a:picLocks noChangeAspect="1"/>
+          </p:cNvPicPr>
+          <p:nvPr/>
+        </p:nvPicPr>
+        <p:blipFill rotWithShape="1">
+          <a:blip r:embed="rId2" cstate="print">
+            <a:extLst>
+              <a:ext uri="{28A0092B-C50C-407E-A947-70E740481C1C}">
+                <a14:useLocalDpi xmlns:a14="http://schemas.microsoft.com/office/drawing/2010/main" val="0"/>
+              </a:ext>
+            </a:extLst>
+          </a:blip>
+          <a:srcRect t="3199"/>
+          <a:stretch/>
+        </p:blipFill>
+        <p:spPr>
+          <a:xfrm>
+            <a:off x="5951718" y="629116"/>
+            <a:ext cx="2857650" cy="5716882"/>
+          </a:xfrm>
+          <a:prstGeom prst="rect">
+            <a:avLst/>
+          </a:prstGeom>
+        </p:spPr>
+      </p:pic>
       <p:grpSp>
         <p:nvGrpSpPr>
           <p:cNvPr id="2" name="object 2"/>
@@ -20446,7 +20481,7 @@
                 <a:ea typeface="微软雅黑" panose="020B0503020204020204" pitchFamily="34" charset="-122"/>
                 <a:cs typeface="微软雅黑"/>
               </a:rPr>
-              <a:t>5.1 </a:t>
+              <a:t>5.1</a:t>
             </a:r>
             <a:r>
               <a:rPr lang="zh-CN" altLang="en-US" sz="2800" spc="-5" dirty="0">
@@ -20454,13 +20489,214 @@
                 <a:ea typeface="微软雅黑" panose="020B0503020204020204" pitchFamily="34" charset="-122"/>
                 <a:cs typeface="微软雅黑"/>
               </a:rPr>
-              <a:t>前向传播</a:t>
+              <a:t>适用场景</a:t>
             </a:r>
             <a:endParaRPr lang="zh-CN" altLang="en-US" sz="2800" dirty="0">
               <a:latin typeface="微软雅黑" panose="020B0503020204020204" pitchFamily="34" charset="-122"/>
               <a:ea typeface="微软雅黑" panose="020B0503020204020204" pitchFamily="34" charset="-122"/>
               <a:cs typeface="微软雅黑"/>
             </a:endParaRPr>
+          </a:p>
+        </p:txBody>
+      </p:sp>
+      <p:sp>
+        <p:nvSpPr>
+          <p:cNvPr id="18" name="文本框 17">
+            <a:extLst>
+              <a:ext uri="{FF2B5EF4-FFF2-40B4-BE49-F238E27FC236}">
+                <a16:creationId xmlns:a16="http://schemas.microsoft.com/office/drawing/2014/main" id="{9ACC5388-F1CC-4324-B7F4-C94704DFB63A}"/>
+              </a:ext>
+            </a:extLst>
+          </p:cNvPr>
+          <p:cNvSpPr txBox="1"/>
+          <p:nvPr/>
+        </p:nvSpPr>
+        <p:spPr>
+          <a:xfrm>
+            <a:off x="352552" y="1536015"/>
+            <a:ext cx="5286248" cy="2862322"/>
+          </a:xfrm>
+          <a:prstGeom prst="rect">
+            <a:avLst/>
+          </a:prstGeom>
+          <a:noFill/>
+        </p:spPr>
+        <p:txBody>
+          <a:bodyPr wrap="square">
+            <a:spAutoFit/>
+          </a:bodyPr>
+          <a:lstStyle/>
+          <a:p>
+            <a:pPr marL="285750" indent="-285750" algn="l">
+              <a:buFont typeface="Arial" panose="020B0604020202020204" pitchFamily="34" charset="0"/>
+              <a:buChar char="•"/>
+            </a:pPr>
+            <a:r>
+              <a:rPr lang="en-US" altLang="zh-CN" b="1" i="0" dirty="0">
+                <a:effectLst/>
+                <a:latin typeface="-apple-system"/>
+              </a:rPr>
+              <a:t>WIFI</a:t>
+            </a:r>
+            <a:r>
+              <a:rPr lang="zh-CN" altLang="en-US" b="1" i="0" dirty="0">
+                <a:effectLst/>
+                <a:latin typeface="-apple-system"/>
+              </a:rPr>
+              <a:t>定位适用于在</a:t>
+            </a:r>
+            <a:r>
+              <a:rPr lang="en-US" altLang="zh-CN" b="1" i="0" dirty="0" err="1">
+                <a:effectLst/>
+                <a:latin typeface="-apple-system"/>
+              </a:rPr>
+              <a:t>wifi</a:t>
+            </a:r>
+            <a:r>
+              <a:rPr lang="zh-CN" altLang="en-US" b="1" i="0" dirty="0">
+                <a:effectLst/>
+                <a:latin typeface="-apple-system"/>
+              </a:rPr>
+              <a:t>热点较多的地方的定位位置获取，比如市区商场、医院等地方。</a:t>
+            </a:r>
+            <a:endParaRPr lang="en-US" altLang="zh-CN" b="1" i="0" dirty="0">
+              <a:effectLst/>
+              <a:latin typeface="-apple-system"/>
+            </a:endParaRPr>
+          </a:p>
+          <a:p>
+            <a:pPr marL="285750" indent="-285750" algn="l">
+              <a:buFont typeface="Arial" panose="020B0604020202020204" pitchFamily="34" charset="0"/>
+              <a:buChar char="•"/>
+            </a:pPr>
+            <a:endParaRPr lang="zh-CN" altLang="en-US" b="1" i="0" dirty="0">
+              <a:effectLst/>
+              <a:latin typeface="-apple-system"/>
+            </a:endParaRPr>
+          </a:p>
+          <a:p>
+            <a:pPr marL="285750" indent="-285750" algn="l">
+              <a:buFont typeface="Arial" panose="020B0604020202020204" pitchFamily="34" charset="0"/>
+              <a:buChar char="•"/>
+            </a:pPr>
+            <a:r>
+              <a:rPr lang="zh-CN" altLang="en-US" b="1" i="0" dirty="0">
+                <a:effectLst/>
+                <a:latin typeface="-apple-system"/>
+              </a:rPr>
+              <a:t>设备在开启</a:t>
+            </a:r>
+            <a:r>
+              <a:rPr lang="en-US" altLang="zh-CN" b="1" i="0" dirty="0">
+                <a:effectLst/>
+                <a:latin typeface="-apple-system"/>
+              </a:rPr>
+              <a:t>Wi-Fi</a:t>
+            </a:r>
+            <a:r>
+              <a:rPr lang="zh-CN" altLang="en-US" b="1" i="0" dirty="0">
+                <a:effectLst/>
+                <a:latin typeface="-apple-system"/>
+              </a:rPr>
+              <a:t>的情况下，即可扫描并收集周围的</a:t>
+            </a:r>
+            <a:r>
+              <a:rPr lang="en-US" altLang="zh-CN" b="1" i="0" dirty="0">
+                <a:effectLst/>
+                <a:latin typeface="-apple-system"/>
+              </a:rPr>
+              <a:t>AP</a:t>
+            </a:r>
+            <a:r>
+              <a:rPr lang="zh-CN" altLang="en-US" b="1" i="0" dirty="0">
+                <a:effectLst/>
+                <a:latin typeface="-apple-system"/>
+              </a:rPr>
+              <a:t>信号，无论是否加密</a:t>
+            </a:r>
+            <a:r>
+              <a:rPr lang="en-US" altLang="zh-CN" b="1" i="0" dirty="0">
+                <a:effectLst/>
+                <a:latin typeface="-apple-system"/>
+              </a:rPr>
+              <a:t>,</a:t>
+            </a:r>
+            <a:r>
+              <a:rPr lang="zh-CN" altLang="en-US" b="1" i="0" dirty="0">
+                <a:effectLst/>
+                <a:latin typeface="-apple-system"/>
+              </a:rPr>
+              <a:t>是否已连接。</a:t>
+            </a:r>
+            <a:endParaRPr lang="en-US" altLang="zh-CN" b="1" i="0" dirty="0">
+              <a:effectLst/>
+              <a:latin typeface="-apple-system"/>
+            </a:endParaRPr>
+          </a:p>
+          <a:p>
+            <a:pPr marL="285750" indent="-285750" algn="l">
+              <a:buFont typeface="Arial" panose="020B0604020202020204" pitchFamily="34" charset="0"/>
+              <a:buChar char="•"/>
+            </a:pPr>
+            <a:endParaRPr lang="en-US" altLang="zh-CN" b="1" i="0" dirty="0">
+              <a:effectLst/>
+              <a:latin typeface="-apple-system"/>
+            </a:endParaRPr>
+          </a:p>
+          <a:p>
+            <a:pPr marL="285750" indent="-285750" algn="l">
+              <a:buFont typeface="Arial" panose="020B0604020202020204" pitchFamily="34" charset="0"/>
+              <a:buChar char="•"/>
+            </a:pPr>
+            <a:r>
+              <a:rPr lang="zh-CN" altLang="en-US" b="1" i="0" dirty="0">
+                <a:effectLst/>
+                <a:latin typeface="-apple-system"/>
+              </a:rPr>
+              <a:t>设备将这些能够标示</a:t>
+            </a:r>
+            <a:r>
+              <a:rPr lang="en-US" altLang="zh-CN" b="1" i="0" dirty="0">
+                <a:effectLst/>
+                <a:latin typeface="-apple-system"/>
+              </a:rPr>
+              <a:t>AP</a:t>
+            </a:r>
+            <a:r>
+              <a:rPr lang="zh-CN" altLang="en-US" b="1" i="0" dirty="0">
+                <a:effectLst/>
+                <a:latin typeface="-apple-system"/>
+              </a:rPr>
+              <a:t>的数据发送到位置服务器</a:t>
+            </a:r>
+            <a:r>
+              <a:rPr lang="en-US" altLang="zh-CN" b="1" i="0" dirty="0">
+                <a:effectLst/>
+                <a:latin typeface="-apple-system"/>
+              </a:rPr>
+              <a:t>,</a:t>
+            </a:r>
+            <a:r>
+              <a:rPr lang="zh-CN" altLang="en-US" b="1" i="0" dirty="0">
+                <a:effectLst/>
+                <a:latin typeface="-apple-system"/>
+              </a:rPr>
+              <a:t>服务器检索出每一个</a:t>
+            </a:r>
+            <a:r>
+              <a:rPr lang="en-US" altLang="zh-CN" b="1" i="0" dirty="0">
+                <a:effectLst/>
+                <a:latin typeface="-apple-system"/>
+              </a:rPr>
+              <a:t>AP</a:t>
+            </a:r>
+            <a:r>
+              <a:rPr lang="zh-CN" altLang="en-US" b="1" i="0" dirty="0">
+                <a:effectLst/>
+                <a:latin typeface="-apple-system"/>
+              </a:rPr>
+              <a:t>的地理位置，并结合每个信号的强弱程度，计算出设备的地理位置并返回到用户设备。</a:t>
+            </a:r>
           </a:p>
         </p:txBody>
       </p:sp>

--- a/卫星定位/WIFI室内定位方法综述.pptx
+++ b/卫星定位/WIFI室内定位方法综述.pptx
@@ -419,7 +419,7 @@
           <a:p>
             <a:fld id="{279BF708-BEE3-4FD4-BD16-E48FBAA1E2EC}" type="datetimeFigureOut">
               <a:rPr lang="zh-CN" altLang="en-US" smtClean="0"/>
-              <a:t>2021/12/22</a:t>
+              <a:t>2021/12/28</a:t>
             </a:fld>
             <a:endParaRPr lang="zh-CN" altLang="en-US"/>
           </a:p>
@@ -961,7 +961,7 @@
           <a:p>
             <a:fld id="{1D8BD707-D9CF-40AE-B4C6-C98DA3205C09}" type="datetimeFigureOut">
               <a:rPr lang="en-US"/>
-              <a:t>12/22/2021</a:t>
+              <a:t>12/28/2021</a:t>
             </a:fld>
             <a:endParaRPr lang="en-US"/>
           </a:p>
@@ -1144,7 +1144,7 @@
           <a:p>
             <a:fld id="{1D8BD707-D9CF-40AE-B4C6-C98DA3205C09}" type="datetimeFigureOut">
               <a:rPr lang="en-US"/>
-              <a:t>12/22/2021</a:t>
+              <a:t>12/28/2021</a:t>
             </a:fld>
             <a:endParaRPr lang="en-US"/>
           </a:p>
@@ -1364,7 +1364,7 @@
           <a:p>
             <a:fld id="{1D8BD707-D9CF-40AE-B4C6-C98DA3205C09}" type="datetimeFigureOut">
               <a:rPr lang="en-US"/>
-              <a:t>12/22/2021</a:t>
+              <a:t>12/28/2021</a:t>
             </a:fld>
             <a:endParaRPr lang="en-US"/>
           </a:p>
@@ -1518,7 +1518,7 @@
           <a:p>
             <a:fld id="{1D8BD707-D9CF-40AE-B4C6-C98DA3205C09}" type="datetimeFigureOut">
               <a:rPr lang="en-US"/>
-              <a:t>12/22/2021</a:t>
+              <a:t>12/28/2021</a:t>
             </a:fld>
             <a:endParaRPr lang="en-US"/>
           </a:p>
@@ -1651,7 +1651,7 @@
           <a:p>
             <a:fld id="{1D8BD707-D9CF-40AE-B4C6-C98DA3205C09}" type="datetimeFigureOut">
               <a:rPr lang="en-US"/>
-              <a:t>12/22/2021</a:t>
+              <a:t>12/28/2021</a:t>
             </a:fld>
             <a:endParaRPr lang="en-US"/>
           </a:p>
@@ -2116,7 +2116,7 @@
           <a:p>
             <a:fld id="{1D8BD707-D9CF-40AE-B4C6-C98DA3205C09}" type="datetimeFigureOut">
               <a:rPr lang="en-US"/>
-              <a:t>12/22/2021</a:t>
+              <a:t>12/28/2021</a:t>
             </a:fld>
             <a:endParaRPr lang="en-US"/>
           </a:p>
@@ -19184,7 +19184,7 @@
         </p:nvSpPr>
         <p:spPr>
           <a:xfrm>
-            <a:off x="129559" y="2495585"/>
+            <a:off x="187314" y="4064955"/>
             <a:ext cx="1828800" cy="369326"/>
           </a:xfrm>
           <a:prstGeom prst="rect">
@@ -19205,42 +19205,6 @@
           </a:p>
         </p:txBody>
       </p:sp>
-      <p:pic>
-        <p:nvPicPr>
-          <p:cNvPr id="16" name="图片 15" descr="图形用户界面&#10;&#10;中度可信度描述已自动生成">
-            <a:extLst>
-              <a:ext uri="{FF2B5EF4-FFF2-40B4-BE49-F238E27FC236}">
-                <a16:creationId xmlns:a16="http://schemas.microsoft.com/office/drawing/2014/main" id="{3A8B4E5A-19D0-4A74-AF26-A43686F8D8D5}"/>
-              </a:ext>
-            </a:extLst>
-          </p:cNvPr>
-          <p:cNvPicPr>
-            <a:picLocks noChangeAspect="1"/>
-          </p:cNvPicPr>
-          <p:nvPr/>
-        </p:nvPicPr>
-        <p:blipFill>
-          <a:blip r:embed="rId3">
-            <a:extLst>
-              <a:ext uri="{28A0092B-C50C-407E-A947-70E740481C1C}">
-                <a14:useLocalDpi xmlns:a14="http://schemas.microsoft.com/office/drawing/2010/main" val="0"/>
-              </a:ext>
-            </a:extLst>
-          </a:blip>
-          <a:stretch>
-            <a:fillRect/>
-          </a:stretch>
-        </p:blipFill>
-        <p:spPr>
-          <a:xfrm>
-            <a:off x="301582" y="3016381"/>
-            <a:ext cx="8415836" cy="2911640"/>
-          </a:xfrm>
-          <a:prstGeom prst="rect">
-            <a:avLst/>
-          </a:prstGeom>
-        </p:spPr>
-      </p:pic>
       <p:sp>
         <p:nvSpPr>
           <p:cNvPr id="23" name="文本框 22">
@@ -19287,7 +19251,7 @@
             </a:r>
             <a:r>
               <a:rPr lang="en-US" altLang="zh-CN" sz="1600" b="1" dirty="0">
-                <a:hlinkClick r:id="rId4"/>
+                <a:hlinkClick r:id="rId3"/>
               </a:rPr>
               <a:t>https://archive.ics.uci.edu/ml/datasets/ujiindoorloc</a:t>
             </a:r>
@@ -19320,7 +19284,7 @@
             </a:r>
             <a:r>
               <a:rPr lang="en-US" altLang="zh-CN" sz="1600" b="1" dirty="0">
-                <a:hlinkClick r:id="rId5"/>
+                <a:hlinkClick r:id="rId4"/>
               </a:rPr>
               <a:t>https://github.com/jiangqideng/codeInBlogs/tree/master/</a:t>
             </a:r>
@@ -19349,7 +19313,7 @@
         </p:nvSpPr>
         <p:spPr>
           <a:xfrm>
-            <a:off x="1752600" y="2381305"/>
+            <a:off x="1918997" y="3942812"/>
             <a:ext cx="6477000" cy="923330"/>
           </a:xfrm>
           <a:prstGeom prst="rect">
@@ -19364,8 +19328,8 @@
           <a:lstStyle/>
           <a:p>
             <a:r>
-              <a:rPr lang="zh-CN" altLang="en-US" dirty="0">
-                <a:hlinkClick r:id="rId6"/>
+              <a:rPr lang="en-US" altLang="zh-CN" dirty="0">
+                <a:hlinkClick r:id="rId5"/>
               </a:rPr>
               <a:t>https://gitee.com/jingwei1205/MyCourse/blob/master/%E5%8D%AB%E6%98%9F%E5%AE%9A%E4%BD%8D/locate.ipynb</a:t>
             </a:r>
@@ -19838,10 +19802,10 @@
       </p:grpSpPr>
       <p:pic>
         <p:nvPicPr>
-          <p:cNvPr id="19" name="图片 18" descr="表格&#10;&#10;描述已自动生成">
+          <p:cNvPr id="20" name="图片 19" descr="图形用户界面&#10;&#10;中度可信度描述已自动生成">
             <a:extLst>
               <a:ext uri="{FF2B5EF4-FFF2-40B4-BE49-F238E27FC236}">
-                <a16:creationId xmlns:a16="http://schemas.microsoft.com/office/drawing/2014/main" id="{AAF1F536-3953-421E-94F0-918E9A53E849}"/>
+                <a16:creationId xmlns:a16="http://schemas.microsoft.com/office/drawing/2014/main" id="{76BC1AB1-05C1-41F8-A0D5-89B1D42CDB76}"/>
               </a:ext>
             </a:extLst>
           </p:cNvPr>
@@ -19850,21 +19814,22 @@
           </p:cNvPicPr>
           <p:nvPr/>
         </p:nvPicPr>
-        <p:blipFill rotWithShape="1">
-          <a:blip r:embed="rId2" cstate="print">
+        <p:blipFill>
+          <a:blip r:embed="rId2">
             <a:extLst>
               <a:ext uri="{28A0092B-C50C-407E-A947-70E740481C1C}">
                 <a14:useLocalDpi xmlns:a14="http://schemas.microsoft.com/office/drawing/2010/main" val="0"/>
               </a:ext>
             </a:extLst>
           </a:blip>
-          <a:srcRect t="3199"/>
-          <a:stretch/>
+          <a:stretch>
+            <a:fillRect/>
+          </a:stretch>
         </p:blipFill>
         <p:spPr>
           <a:xfrm>
-            <a:off x="5951718" y="629116"/>
-            <a:ext cx="2857650" cy="5716882"/>
+            <a:off x="184530" y="3650301"/>
+            <a:ext cx="8415836" cy="2911640"/>
           </a:xfrm>
           <a:prstGeom prst="rect">
             <a:avLst/>
@@ -20514,7 +20479,7 @@
         <p:spPr>
           <a:xfrm>
             <a:off x="352552" y="1536015"/>
-            <a:ext cx="5286248" cy="2862322"/>
+            <a:ext cx="5286248" cy="2031325"/>
           </a:xfrm>
           <a:prstGeom prst="rect">
             <a:avLst/>
@@ -20565,79 +20530,7 @@
             </a:endParaRPr>
           </a:p>
           <a:p>
-            <a:pPr marL="285750" indent="-285750" algn="l">
-              <a:buFont typeface="Arial" panose="020B0604020202020204" pitchFamily="34" charset="0"/>
-              <a:buChar char="•"/>
-            </a:pPr>
-            <a:endParaRPr lang="zh-CN" altLang="en-US" b="1" i="0" dirty="0">
-              <a:effectLst/>
-              <a:latin typeface="-apple-system"/>
-            </a:endParaRPr>
-          </a:p>
-          <a:p>
-            <a:pPr marL="285750" indent="-285750" algn="l">
-              <a:buFont typeface="Arial" panose="020B0604020202020204" pitchFamily="34" charset="0"/>
-              <a:buChar char="•"/>
-            </a:pPr>
-            <a:r>
-              <a:rPr lang="zh-CN" altLang="en-US" b="1" i="0" dirty="0">
-                <a:effectLst/>
-                <a:latin typeface="-apple-system"/>
-              </a:rPr>
-              <a:t>设备在开启</a:t>
-            </a:r>
-            <a:r>
-              <a:rPr lang="en-US" altLang="zh-CN" b="1" i="0" dirty="0">
-                <a:effectLst/>
-                <a:latin typeface="-apple-system"/>
-              </a:rPr>
-              <a:t>Wi-Fi</a:t>
-            </a:r>
-            <a:r>
-              <a:rPr lang="zh-CN" altLang="en-US" b="1" i="0" dirty="0">
-                <a:effectLst/>
-                <a:latin typeface="-apple-system"/>
-              </a:rPr>
-              <a:t>的情况下，即可扫描并收集周围的</a:t>
-            </a:r>
-            <a:r>
-              <a:rPr lang="en-US" altLang="zh-CN" b="1" i="0" dirty="0">
-                <a:effectLst/>
-                <a:latin typeface="-apple-system"/>
-              </a:rPr>
-              <a:t>AP</a:t>
-            </a:r>
-            <a:r>
-              <a:rPr lang="zh-CN" altLang="en-US" b="1" i="0" dirty="0">
-                <a:effectLst/>
-                <a:latin typeface="-apple-system"/>
-              </a:rPr>
-              <a:t>信号，无论是否加密</a:t>
-            </a:r>
-            <a:r>
-              <a:rPr lang="en-US" altLang="zh-CN" b="1" i="0" dirty="0">
-                <a:effectLst/>
-                <a:latin typeface="-apple-system"/>
-              </a:rPr>
-              <a:t>,</a:t>
-            </a:r>
-            <a:r>
-              <a:rPr lang="zh-CN" altLang="en-US" b="1" i="0" dirty="0">
-                <a:effectLst/>
-                <a:latin typeface="-apple-system"/>
-              </a:rPr>
-              <a:t>是否已连接。</a:t>
-            </a:r>
-            <a:endParaRPr lang="en-US" altLang="zh-CN" b="1" i="0" dirty="0">
-              <a:effectLst/>
-              <a:latin typeface="-apple-system"/>
-            </a:endParaRPr>
-          </a:p>
-          <a:p>
-            <a:pPr marL="285750" indent="-285750" algn="l">
-              <a:buFont typeface="Arial" panose="020B0604020202020204" pitchFamily="34" charset="0"/>
-              <a:buChar char="•"/>
-            </a:pPr>
+            <a:pPr algn="l"/>
             <a:endParaRPr lang="en-US" altLang="zh-CN" b="1" i="0" dirty="0">
               <a:effectLst/>
               <a:latin typeface="-apple-system"/>
